--- a/StyleStuff/figures.pptx
+++ b/StyleStuff/figures.pptx
@@ -323,7 +323,7 @@
           <a:p>
             <a:fld id="{54F4720F-D6E7-473E-8843-300157F93B80}" type="datetimeFigureOut">
               <a:rPr lang="nl-NL" smtClean="0"/>
-              <a:t>19-7-2017</a:t>
+              <a:t>24-7-2017</a:t>
             </a:fld>
             <a:endParaRPr lang="nl-NL"/>
           </a:p>
@@ -493,7 +493,7 @@
           <a:p>
             <a:fld id="{54F4720F-D6E7-473E-8843-300157F93B80}" type="datetimeFigureOut">
               <a:rPr lang="nl-NL" smtClean="0"/>
-              <a:t>19-7-2017</a:t>
+              <a:t>24-7-2017</a:t>
             </a:fld>
             <a:endParaRPr lang="nl-NL"/>
           </a:p>
@@ -673,7 +673,7 @@
           <a:p>
             <a:fld id="{54F4720F-D6E7-473E-8843-300157F93B80}" type="datetimeFigureOut">
               <a:rPr lang="nl-NL" smtClean="0"/>
-              <a:t>19-7-2017</a:t>
+              <a:t>24-7-2017</a:t>
             </a:fld>
             <a:endParaRPr lang="nl-NL"/>
           </a:p>
@@ -843,7 +843,7 @@
           <a:p>
             <a:fld id="{54F4720F-D6E7-473E-8843-300157F93B80}" type="datetimeFigureOut">
               <a:rPr lang="nl-NL" smtClean="0"/>
-              <a:t>19-7-2017</a:t>
+              <a:t>24-7-2017</a:t>
             </a:fld>
             <a:endParaRPr lang="nl-NL"/>
           </a:p>
@@ -1089,7 +1089,7 @@
           <a:p>
             <a:fld id="{54F4720F-D6E7-473E-8843-300157F93B80}" type="datetimeFigureOut">
               <a:rPr lang="nl-NL" smtClean="0"/>
-              <a:t>19-7-2017</a:t>
+              <a:t>24-7-2017</a:t>
             </a:fld>
             <a:endParaRPr lang="nl-NL"/>
           </a:p>
@@ -1377,7 +1377,7 @@
           <a:p>
             <a:fld id="{54F4720F-D6E7-473E-8843-300157F93B80}" type="datetimeFigureOut">
               <a:rPr lang="nl-NL" smtClean="0"/>
-              <a:t>19-7-2017</a:t>
+              <a:t>24-7-2017</a:t>
             </a:fld>
             <a:endParaRPr lang="nl-NL"/>
           </a:p>
@@ -1799,7 +1799,7 @@
           <a:p>
             <a:fld id="{54F4720F-D6E7-473E-8843-300157F93B80}" type="datetimeFigureOut">
               <a:rPr lang="nl-NL" smtClean="0"/>
-              <a:t>19-7-2017</a:t>
+              <a:t>24-7-2017</a:t>
             </a:fld>
             <a:endParaRPr lang="nl-NL"/>
           </a:p>
@@ -1917,7 +1917,7 @@
           <a:p>
             <a:fld id="{54F4720F-D6E7-473E-8843-300157F93B80}" type="datetimeFigureOut">
               <a:rPr lang="nl-NL" smtClean="0"/>
-              <a:t>19-7-2017</a:t>
+              <a:t>24-7-2017</a:t>
             </a:fld>
             <a:endParaRPr lang="nl-NL"/>
           </a:p>
@@ -2012,7 +2012,7 @@
           <a:p>
             <a:fld id="{54F4720F-D6E7-473E-8843-300157F93B80}" type="datetimeFigureOut">
               <a:rPr lang="nl-NL" smtClean="0"/>
-              <a:t>19-7-2017</a:t>
+              <a:t>24-7-2017</a:t>
             </a:fld>
             <a:endParaRPr lang="nl-NL"/>
           </a:p>
@@ -2289,7 +2289,7 @@
           <a:p>
             <a:fld id="{54F4720F-D6E7-473E-8843-300157F93B80}" type="datetimeFigureOut">
               <a:rPr lang="nl-NL" smtClean="0"/>
-              <a:t>19-7-2017</a:t>
+              <a:t>24-7-2017</a:t>
             </a:fld>
             <a:endParaRPr lang="nl-NL"/>
           </a:p>
@@ -2542,7 +2542,7 @@
           <a:p>
             <a:fld id="{54F4720F-D6E7-473E-8843-300157F93B80}" type="datetimeFigureOut">
               <a:rPr lang="nl-NL" smtClean="0"/>
-              <a:t>19-7-2017</a:t>
+              <a:t>24-7-2017</a:t>
             </a:fld>
             <a:endParaRPr lang="nl-NL"/>
           </a:p>
@@ -2755,7 +2755,7 @@
           <a:p>
             <a:fld id="{54F4720F-D6E7-473E-8843-300157F93B80}" type="datetimeFigureOut">
               <a:rPr lang="nl-NL" smtClean="0"/>
-              <a:t>19-7-2017</a:t>
+              <a:t>24-7-2017</a:t>
             </a:fld>
             <a:endParaRPr lang="nl-NL"/>
           </a:p>
@@ -8728,7 +8728,7 @@
       </p:pic>
       <p:pic>
         <p:nvPicPr>
-          <p:cNvPr id="5" name="Picture 4 2"/>
+          <p:cNvPr id="4" name="Picture 3"/>
           <p:cNvPicPr>
             <a:picLocks noChangeAspect="1"/>
           </p:cNvPicPr>
@@ -8740,7 +8740,13 @@
         </p:nvPicPr>
         <p:blipFill>
           <a:blip r:embed="rId11">
-            <a:lum bright="70000" contrast="-70000"/>
+            <a:duotone>
+              <a:schemeClr val="bg2">
+                <a:shade val="45000"/>
+                <a:satMod val="135000"/>
+              </a:schemeClr>
+              <a:prstClr val="white"/>
+            </a:duotone>
             <a:extLst>
               <a:ext uri="{28A0092B-C50C-407E-A947-70E740481C1C}">
                 <a14:useLocalDpi xmlns:a14="http://schemas.microsoft.com/office/drawing/2010/main" val="0"/>
@@ -8753,8 +8759,8 @@
         </p:blipFill>
         <p:spPr>
           <a:xfrm>
-            <a:off x="3281208" y="4968485"/>
-            <a:ext cx="710325" cy="900008"/>
+            <a:off x="4597364" y="1868190"/>
+            <a:ext cx="1107919" cy="1073551"/>
           </a:xfrm>
           <a:prstGeom prst="rect">
             <a:avLst/>
@@ -8766,6 +8772,235 @@
           </a:solidFill>
         </p:spPr>
       </p:pic>
+      <p:pic>
+        <p:nvPicPr>
+          <p:cNvPr id="18" name="Picture 17"/>
+          <p:cNvPicPr>
+            <a:picLocks noChangeAspect="1"/>
+          </p:cNvPicPr>
+          <p:nvPr>
+            <p:custDataLst>
+              <p:tags r:id="rId2"/>
+            </p:custDataLst>
+          </p:nvPr>
+        </p:nvPicPr>
+        <p:blipFill>
+          <a:blip r:embed="rId12">
+            <a:duotone>
+              <a:schemeClr val="bg2">
+                <a:shade val="45000"/>
+                <a:satMod val="135000"/>
+              </a:schemeClr>
+              <a:prstClr val="white"/>
+            </a:duotone>
+            <a:extLst>
+              <a:ext uri="{28A0092B-C50C-407E-A947-70E740481C1C}">
+                <a14:useLocalDpi xmlns:a14="http://schemas.microsoft.com/office/drawing/2010/main" val="0"/>
+              </a:ext>
+            </a:extLst>
+          </a:blip>
+          <a:stretch>
+            <a:fillRect/>
+          </a:stretch>
+        </p:blipFill>
+        <p:spPr>
+          <a:xfrm>
+            <a:off x="414102" y="2008050"/>
+            <a:ext cx="2196089" cy="1276934"/>
+          </a:xfrm>
+          <a:prstGeom prst="rect">
+            <a:avLst/>
+          </a:prstGeom>
+          <a:solidFill>
+            <a:schemeClr val="bg1">
+              <a:alpha val="65000"/>
+            </a:schemeClr>
+          </a:solidFill>
+        </p:spPr>
+      </p:pic>
+      <p:sp>
+        <p:nvSpPr>
+          <p:cNvPr id="20" name="Freeform 19"/>
+          <p:cNvSpPr/>
+          <p:nvPr/>
+        </p:nvSpPr>
+        <p:spPr>
+          <a:xfrm rot="19973883">
+            <a:off x="1342396" y="190857"/>
+            <a:ext cx="6276395" cy="3910513"/>
+          </a:xfrm>
+          <a:custGeom>
+            <a:avLst/>
+            <a:gdLst>
+              <a:gd name="connsiteX0" fmla="*/ 0 w 5874328"/>
+              <a:gd name="connsiteY0" fmla="*/ 665444 h 2618934"/>
+              <a:gd name="connsiteX1" fmla="*/ 1468582 w 5874328"/>
+              <a:gd name="connsiteY1" fmla="*/ 14280 h 2618934"/>
+              <a:gd name="connsiteX2" fmla="*/ 1399310 w 5874328"/>
+              <a:gd name="connsiteY2" fmla="*/ 1219625 h 2618934"/>
+              <a:gd name="connsiteX3" fmla="*/ 3491346 w 5874328"/>
+              <a:gd name="connsiteY3" fmla="*/ 1081080 h 2618934"/>
+              <a:gd name="connsiteX4" fmla="*/ 4073237 w 5874328"/>
+              <a:gd name="connsiteY4" fmla="*/ 1787662 h 2618934"/>
+              <a:gd name="connsiteX5" fmla="*/ 5084619 w 5874328"/>
+              <a:gd name="connsiteY5" fmla="*/ 2078607 h 2618934"/>
+              <a:gd name="connsiteX6" fmla="*/ 5763491 w 5874328"/>
+              <a:gd name="connsiteY6" fmla="*/ 2244862 h 2618934"/>
+              <a:gd name="connsiteX7" fmla="*/ 5874328 w 5874328"/>
+              <a:gd name="connsiteY7" fmla="*/ 2618934 h 2618934"/>
+            </a:gdLst>
+            <a:ahLst/>
+            <a:cxnLst>
+              <a:cxn ang="0">
+                <a:pos x="connsiteX0" y="connsiteY0"/>
+              </a:cxn>
+              <a:cxn ang="0">
+                <a:pos x="connsiteX1" y="connsiteY1"/>
+              </a:cxn>
+              <a:cxn ang="0">
+                <a:pos x="connsiteX2" y="connsiteY2"/>
+              </a:cxn>
+              <a:cxn ang="0">
+                <a:pos x="connsiteX3" y="connsiteY3"/>
+              </a:cxn>
+              <a:cxn ang="0">
+                <a:pos x="connsiteX4" y="connsiteY4"/>
+              </a:cxn>
+              <a:cxn ang="0">
+                <a:pos x="connsiteX5" y="connsiteY5"/>
+              </a:cxn>
+              <a:cxn ang="0">
+                <a:pos x="connsiteX6" y="connsiteY6"/>
+              </a:cxn>
+              <a:cxn ang="0">
+                <a:pos x="connsiteX7" y="connsiteY7"/>
+              </a:cxn>
+            </a:cxnLst>
+            <a:rect l="l" t="t" r="r" b="b"/>
+            <a:pathLst>
+              <a:path w="5874328" h="2618934">
+                <a:moveTo>
+                  <a:pt x="0" y="665444"/>
+                </a:moveTo>
+                <a:cubicBezTo>
+                  <a:pt x="617682" y="293680"/>
+                  <a:pt x="1235364" y="-78084"/>
+                  <a:pt x="1468582" y="14280"/>
+                </a:cubicBezTo>
+                <a:cubicBezTo>
+                  <a:pt x="1701800" y="106644"/>
+                  <a:pt x="1062183" y="1041825"/>
+                  <a:pt x="1399310" y="1219625"/>
+                </a:cubicBezTo>
+                <a:cubicBezTo>
+                  <a:pt x="1736437" y="1397425"/>
+                  <a:pt x="3045692" y="986407"/>
+                  <a:pt x="3491346" y="1081080"/>
+                </a:cubicBezTo>
+                <a:cubicBezTo>
+                  <a:pt x="3937000" y="1175753"/>
+                  <a:pt x="3807692" y="1621408"/>
+                  <a:pt x="4073237" y="1787662"/>
+                </a:cubicBezTo>
+                <a:cubicBezTo>
+                  <a:pt x="4338782" y="1953916"/>
+                  <a:pt x="4802910" y="2002407"/>
+                  <a:pt x="5084619" y="2078607"/>
+                </a:cubicBezTo>
+                <a:cubicBezTo>
+                  <a:pt x="5366328" y="2154807"/>
+                  <a:pt x="5631873" y="2154807"/>
+                  <a:pt x="5763491" y="2244862"/>
+                </a:cubicBezTo>
+                <a:cubicBezTo>
+                  <a:pt x="5895109" y="2334917"/>
+                  <a:pt x="5832764" y="2605080"/>
+                  <a:pt x="5874328" y="2618934"/>
+                </a:cubicBezTo>
+              </a:path>
+            </a:pathLst>
+          </a:custGeom>
+          <a:ln w="69850">
+            <a:solidFill>
+              <a:srgbClr val="FF0000"/>
+            </a:solidFill>
+            <a:prstDash val="lgDash"/>
+            <a:tailEnd type="none"/>
+          </a:ln>
+        </p:spPr>
+        <p:style>
+          <a:lnRef idx="1">
+            <a:schemeClr val="accent1"/>
+          </a:lnRef>
+          <a:fillRef idx="0">
+            <a:schemeClr val="accent1"/>
+          </a:fillRef>
+          <a:effectRef idx="0">
+            <a:schemeClr val="accent1"/>
+          </a:effectRef>
+          <a:fontRef idx="minor">
+            <a:schemeClr val="tx1"/>
+          </a:fontRef>
+        </p:style>
+        <p:txBody>
+          <a:bodyPr rtlCol="0" anchor="ctr"/>
+          <a:lstStyle/>
+          <a:p>
+            <a:pPr algn="ctr"/>
+            <a:endParaRPr lang="nl-NL">
+              <a:solidFill>
+                <a:schemeClr val="tx1"/>
+              </a:solidFill>
+            </a:endParaRPr>
+          </a:p>
+        </p:txBody>
+      </p:sp>
+      <p:pic>
+        <p:nvPicPr>
+          <p:cNvPr id="5" name="Picture 4 2"/>
+          <p:cNvPicPr>
+            <a:picLocks noChangeAspect="1"/>
+          </p:cNvPicPr>
+          <p:nvPr>
+            <p:custDataLst>
+              <p:tags r:id="rId3"/>
+            </p:custDataLst>
+          </p:nvPr>
+        </p:nvPicPr>
+        <p:blipFill>
+          <a:blip r:embed="rId13">
+            <a:duotone>
+              <a:schemeClr val="bg2">
+                <a:shade val="45000"/>
+                <a:satMod val="135000"/>
+              </a:schemeClr>
+              <a:prstClr val="white"/>
+            </a:duotone>
+            <a:extLst>
+              <a:ext uri="{28A0092B-C50C-407E-A947-70E740481C1C}">
+                <a14:useLocalDpi xmlns:a14="http://schemas.microsoft.com/office/drawing/2010/main" val="0"/>
+              </a:ext>
+            </a:extLst>
+          </a:blip>
+          <a:stretch>
+            <a:fillRect/>
+          </a:stretch>
+        </p:blipFill>
+        <p:spPr>
+          <a:xfrm>
+            <a:off x="3308728" y="3196340"/>
+            <a:ext cx="710325" cy="900008"/>
+          </a:xfrm>
+          <a:prstGeom prst="rect">
+            <a:avLst/>
+          </a:prstGeom>
+          <a:solidFill>
+            <a:schemeClr val="bg1">
+              <a:alpha val="65000"/>
+            </a:schemeClr>
+          </a:solidFill>
+        </p:spPr>
+      </p:pic>
       <p:sp>
         <p:nvSpPr>
           <p:cNvPr id="10" name="Oval 9"/>
@@ -8774,7 +9009,853 @@
         </p:nvSpPr>
         <p:spPr>
           <a:xfrm>
-            <a:off x="6558902" y="2130479"/>
+            <a:off x="5668072" y="2074834"/>
+            <a:ext cx="243027" cy="270725"/>
+          </a:xfrm>
+          <a:prstGeom prst="ellipse">
+            <a:avLst/>
+          </a:prstGeom>
+        </p:spPr>
+        <p:style>
+          <a:lnRef idx="1">
+            <a:schemeClr val="accent6"/>
+          </a:lnRef>
+          <a:fillRef idx="3">
+            <a:schemeClr val="accent6"/>
+          </a:fillRef>
+          <a:effectRef idx="2">
+            <a:schemeClr val="accent6"/>
+          </a:effectRef>
+          <a:fontRef idx="minor">
+            <a:schemeClr val="lt1"/>
+          </a:fontRef>
+        </p:style>
+        <p:txBody>
+          <a:bodyPr rtlCol="0" anchor="ctr"/>
+          <a:lstStyle/>
+          <a:p>
+            <a:pPr algn="ctr"/>
+            <a:endParaRPr lang="nl-NL"/>
+          </a:p>
+        </p:txBody>
+      </p:sp>
+      <p:pic>
+        <p:nvPicPr>
+          <p:cNvPr id="13" name="Picture 12"/>
+          <p:cNvPicPr>
+            <a:picLocks noChangeAspect="1"/>
+          </p:cNvPicPr>
+          <p:nvPr>
+            <p:custDataLst>
+              <p:tags r:id="rId4"/>
+            </p:custDataLst>
+          </p:nvPr>
+        </p:nvPicPr>
+        <p:blipFill>
+          <a:blip r:embed="rId14">
+            <a:extLst>
+              <a:ext uri="{28A0092B-C50C-407E-A947-70E740481C1C}">
+                <a14:useLocalDpi xmlns:a14="http://schemas.microsoft.com/office/drawing/2010/main" val="0"/>
+              </a:ext>
+            </a:extLst>
+          </a:blip>
+          <a:stretch>
+            <a:fillRect/>
+          </a:stretch>
+        </p:blipFill>
+        <p:spPr>
+          <a:xfrm>
+            <a:off x="7014080" y="5641315"/>
+            <a:ext cx="2014033" cy="1008748"/>
+          </a:xfrm>
+          <a:prstGeom prst="rect">
+            <a:avLst/>
+          </a:prstGeom>
+        </p:spPr>
+      </p:pic>
+      <p:pic>
+        <p:nvPicPr>
+          <p:cNvPr id="17" name="Picture 16"/>
+          <p:cNvPicPr>
+            <a:picLocks noChangeAspect="1"/>
+          </p:cNvPicPr>
+          <p:nvPr>
+            <p:custDataLst>
+              <p:tags r:id="rId5"/>
+            </p:custDataLst>
+          </p:nvPr>
+        </p:nvPicPr>
+        <p:blipFill>
+          <a:blip r:embed="rId15">
+            <a:duotone>
+              <a:schemeClr val="bg2">
+                <a:shade val="45000"/>
+                <a:satMod val="135000"/>
+              </a:schemeClr>
+              <a:prstClr val="white"/>
+            </a:duotone>
+            <a:extLst>
+              <a:ext uri="{28A0092B-C50C-407E-A947-70E740481C1C}">
+                <a14:useLocalDpi xmlns:a14="http://schemas.microsoft.com/office/drawing/2010/main" val="0"/>
+              </a:ext>
+            </a:extLst>
+          </a:blip>
+          <a:stretch>
+            <a:fillRect/>
+          </a:stretch>
+        </p:blipFill>
+        <p:spPr>
+          <a:xfrm>
+            <a:off x="539552" y="4171535"/>
+            <a:ext cx="1744243" cy="1271806"/>
+          </a:xfrm>
+          <a:prstGeom prst="rect">
+            <a:avLst/>
+          </a:prstGeom>
+          <a:solidFill>
+            <a:schemeClr val="bg1">
+              <a:alpha val="65000"/>
+            </a:schemeClr>
+          </a:solidFill>
+        </p:spPr>
+      </p:pic>
+      <p:sp>
+        <p:nvSpPr>
+          <p:cNvPr id="19" name="Freeform 18"/>
+          <p:cNvSpPr/>
+          <p:nvPr/>
+        </p:nvSpPr>
+        <p:spPr>
+          <a:xfrm rot="20293109">
+            <a:off x="1433845" y="2842900"/>
+            <a:ext cx="4425628" cy="3482573"/>
+          </a:xfrm>
+          <a:custGeom>
+            <a:avLst/>
+            <a:gdLst>
+              <a:gd name="connsiteX0" fmla="*/ 0 w 5874328"/>
+              <a:gd name="connsiteY0" fmla="*/ 665444 h 2618934"/>
+              <a:gd name="connsiteX1" fmla="*/ 1468582 w 5874328"/>
+              <a:gd name="connsiteY1" fmla="*/ 14280 h 2618934"/>
+              <a:gd name="connsiteX2" fmla="*/ 1399310 w 5874328"/>
+              <a:gd name="connsiteY2" fmla="*/ 1219625 h 2618934"/>
+              <a:gd name="connsiteX3" fmla="*/ 3491346 w 5874328"/>
+              <a:gd name="connsiteY3" fmla="*/ 1081080 h 2618934"/>
+              <a:gd name="connsiteX4" fmla="*/ 4073237 w 5874328"/>
+              <a:gd name="connsiteY4" fmla="*/ 1787662 h 2618934"/>
+              <a:gd name="connsiteX5" fmla="*/ 5084619 w 5874328"/>
+              <a:gd name="connsiteY5" fmla="*/ 2078607 h 2618934"/>
+              <a:gd name="connsiteX6" fmla="*/ 5763491 w 5874328"/>
+              <a:gd name="connsiteY6" fmla="*/ 2244862 h 2618934"/>
+              <a:gd name="connsiteX7" fmla="*/ 5874328 w 5874328"/>
+              <a:gd name="connsiteY7" fmla="*/ 2618934 h 2618934"/>
+            </a:gdLst>
+            <a:ahLst/>
+            <a:cxnLst>
+              <a:cxn ang="0">
+                <a:pos x="connsiteX0" y="connsiteY0"/>
+              </a:cxn>
+              <a:cxn ang="0">
+                <a:pos x="connsiteX1" y="connsiteY1"/>
+              </a:cxn>
+              <a:cxn ang="0">
+                <a:pos x="connsiteX2" y="connsiteY2"/>
+              </a:cxn>
+              <a:cxn ang="0">
+                <a:pos x="connsiteX3" y="connsiteY3"/>
+              </a:cxn>
+              <a:cxn ang="0">
+                <a:pos x="connsiteX4" y="connsiteY4"/>
+              </a:cxn>
+              <a:cxn ang="0">
+                <a:pos x="connsiteX5" y="connsiteY5"/>
+              </a:cxn>
+              <a:cxn ang="0">
+                <a:pos x="connsiteX6" y="connsiteY6"/>
+              </a:cxn>
+              <a:cxn ang="0">
+                <a:pos x="connsiteX7" y="connsiteY7"/>
+              </a:cxn>
+            </a:cxnLst>
+            <a:rect l="l" t="t" r="r" b="b"/>
+            <a:pathLst>
+              <a:path w="5874328" h="2618934">
+                <a:moveTo>
+                  <a:pt x="0" y="665444"/>
+                </a:moveTo>
+                <a:cubicBezTo>
+                  <a:pt x="617682" y="293680"/>
+                  <a:pt x="1235364" y="-78084"/>
+                  <a:pt x="1468582" y="14280"/>
+                </a:cubicBezTo>
+                <a:cubicBezTo>
+                  <a:pt x="1701800" y="106644"/>
+                  <a:pt x="1062183" y="1041825"/>
+                  <a:pt x="1399310" y="1219625"/>
+                </a:cubicBezTo>
+                <a:cubicBezTo>
+                  <a:pt x="1736437" y="1397425"/>
+                  <a:pt x="3045692" y="986407"/>
+                  <a:pt x="3491346" y="1081080"/>
+                </a:cubicBezTo>
+                <a:cubicBezTo>
+                  <a:pt x="3937000" y="1175753"/>
+                  <a:pt x="3807692" y="1621408"/>
+                  <a:pt x="4073237" y="1787662"/>
+                </a:cubicBezTo>
+                <a:cubicBezTo>
+                  <a:pt x="4338782" y="1953916"/>
+                  <a:pt x="4802910" y="2002407"/>
+                  <a:pt x="5084619" y="2078607"/>
+                </a:cubicBezTo>
+                <a:cubicBezTo>
+                  <a:pt x="5366328" y="2154807"/>
+                  <a:pt x="5631873" y="2154807"/>
+                  <a:pt x="5763491" y="2244862"/>
+                </a:cubicBezTo>
+                <a:cubicBezTo>
+                  <a:pt x="5895109" y="2334917"/>
+                  <a:pt x="5832764" y="2605080"/>
+                  <a:pt x="5874328" y="2618934"/>
+                </a:cubicBezTo>
+              </a:path>
+            </a:pathLst>
+          </a:custGeom>
+          <a:ln w="69850">
+            <a:solidFill>
+              <a:srgbClr val="00ADFA"/>
+            </a:solidFill>
+            <a:tailEnd type="none"/>
+          </a:ln>
+        </p:spPr>
+        <p:style>
+          <a:lnRef idx="1">
+            <a:schemeClr val="accent1"/>
+          </a:lnRef>
+          <a:fillRef idx="0">
+            <a:schemeClr val="accent1"/>
+          </a:fillRef>
+          <a:effectRef idx="0">
+            <a:schemeClr val="accent1"/>
+          </a:effectRef>
+          <a:fontRef idx="minor">
+            <a:schemeClr val="tx1"/>
+          </a:fontRef>
+        </p:style>
+        <p:txBody>
+          <a:bodyPr rtlCol="0" anchor="ctr"/>
+          <a:lstStyle/>
+          <a:p>
+            <a:pPr algn="ctr"/>
+            <a:endParaRPr lang="nl-NL">
+              <a:solidFill>
+                <a:schemeClr val="tx1"/>
+              </a:solidFill>
+            </a:endParaRPr>
+          </a:p>
+        </p:txBody>
+      </p:sp>
+      <p:sp>
+        <p:nvSpPr>
+          <p:cNvPr id="12" name="Oval 11"/>
+          <p:cNvSpPr/>
+          <p:nvPr/>
+        </p:nvSpPr>
+        <p:spPr>
+          <a:xfrm>
+            <a:off x="3927121" y="4043860"/>
+            <a:ext cx="243027" cy="270725"/>
+          </a:xfrm>
+          <a:prstGeom prst="ellipse">
+            <a:avLst/>
+          </a:prstGeom>
+        </p:spPr>
+        <p:style>
+          <a:lnRef idx="1">
+            <a:schemeClr val="accent6"/>
+          </a:lnRef>
+          <a:fillRef idx="3">
+            <a:schemeClr val="accent6"/>
+          </a:fillRef>
+          <a:effectRef idx="2">
+            <a:schemeClr val="accent6"/>
+          </a:effectRef>
+          <a:fontRef idx="minor">
+            <a:schemeClr val="lt1"/>
+          </a:fontRef>
+        </p:style>
+        <p:txBody>
+          <a:bodyPr rtlCol="0" anchor="ctr"/>
+          <a:lstStyle/>
+          <a:p>
+            <a:pPr algn="ctr"/>
+            <a:endParaRPr lang="nl-NL"/>
+          </a:p>
+        </p:txBody>
+      </p:sp>
+      <p:sp>
+        <p:nvSpPr>
+          <p:cNvPr id="15" name="Arc 14"/>
+          <p:cNvSpPr/>
+          <p:nvPr/>
+        </p:nvSpPr>
+        <p:spPr>
+          <a:xfrm rot="2828682">
+            <a:off x="1502597" y="3987302"/>
+            <a:ext cx="2851743" cy="2144449"/>
+          </a:xfrm>
+          <a:prstGeom prst="arc">
+            <a:avLst>
+              <a:gd name="adj1" fmla="val 19589768"/>
+              <a:gd name="adj2" fmla="val 110909"/>
+            </a:avLst>
+          </a:prstGeom>
+          <a:ln w="47625">
+            <a:solidFill>
+              <a:srgbClr val="FF0000"/>
+            </a:solidFill>
+            <a:headEnd type="stealth"/>
+            <a:tailEnd type="none"/>
+          </a:ln>
+        </p:spPr>
+        <p:style>
+          <a:lnRef idx="1">
+            <a:schemeClr val="accent1"/>
+          </a:lnRef>
+          <a:fillRef idx="0">
+            <a:schemeClr val="accent1"/>
+          </a:fillRef>
+          <a:effectRef idx="0">
+            <a:schemeClr val="accent1"/>
+          </a:effectRef>
+          <a:fontRef idx="minor">
+            <a:schemeClr val="tx1"/>
+          </a:fontRef>
+        </p:style>
+        <p:txBody>
+          <a:bodyPr rtlCol="0" anchor="ctr"/>
+          <a:lstStyle/>
+          <a:p>
+            <a:pPr algn="ctr"/>
+            <a:endParaRPr lang="nl-NL"/>
+          </a:p>
+        </p:txBody>
+      </p:sp>
+      <p:pic>
+        <p:nvPicPr>
+          <p:cNvPr id="22" name="Picture 21"/>
+          <p:cNvPicPr>
+            <a:picLocks noChangeAspect="1"/>
+          </p:cNvPicPr>
+          <p:nvPr>
+            <p:custDataLst>
+              <p:tags r:id="rId6"/>
+            </p:custDataLst>
+          </p:nvPr>
+        </p:nvPicPr>
+        <p:blipFill>
+          <a:blip r:embed="rId16">
+            <a:extLst>
+              <a:ext uri="{28A0092B-C50C-407E-A947-70E740481C1C}">
+                <a14:useLocalDpi xmlns:a14="http://schemas.microsoft.com/office/drawing/2010/main" val="0"/>
+              </a:ext>
+            </a:extLst>
+          </a:blip>
+          <a:stretch>
+            <a:fillRect/>
+          </a:stretch>
+        </p:blipFill>
+        <p:spPr>
+          <a:xfrm>
+            <a:off x="1259632" y="5773891"/>
+            <a:ext cx="2581598" cy="876171"/>
+          </a:xfrm>
+          <a:prstGeom prst="rect">
+            <a:avLst/>
+          </a:prstGeom>
+          <a:solidFill>
+            <a:schemeClr val="bg1">
+              <a:alpha val="65000"/>
+            </a:schemeClr>
+          </a:solidFill>
+        </p:spPr>
+      </p:pic>
+      <p:sp>
+        <p:nvSpPr>
+          <p:cNvPr id="27" name="Parallelogram 26"/>
+          <p:cNvSpPr/>
+          <p:nvPr/>
+        </p:nvSpPr>
+        <p:spPr>
+          <a:xfrm rot="20002988">
+            <a:off x="3312131" y="3449514"/>
+            <a:ext cx="1558667" cy="1811429"/>
+          </a:xfrm>
+          <a:prstGeom prst="parallelogram">
+            <a:avLst>
+              <a:gd name="adj" fmla="val 11691"/>
+            </a:avLst>
+          </a:prstGeom>
+          <a:solidFill>
+            <a:schemeClr val="accent6">
+              <a:lumMod val="60000"/>
+              <a:lumOff val="40000"/>
+              <a:alpha val="25000"/>
+            </a:schemeClr>
+          </a:solidFill>
+        </p:spPr>
+        <p:style>
+          <a:lnRef idx="2">
+            <a:schemeClr val="accent5"/>
+          </a:lnRef>
+          <a:fillRef idx="1">
+            <a:schemeClr val="lt1"/>
+          </a:fillRef>
+          <a:effectRef idx="0">
+            <a:schemeClr val="accent5"/>
+          </a:effectRef>
+          <a:fontRef idx="minor">
+            <a:schemeClr val="dk1"/>
+          </a:fontRef>
+        </p:style>
+        <p:txBody>
+          <a:bodyPr rtlCol="0" anchor="ctr"/>
+          <a:lstStyle/>
+          <a:p>
+            <a:pPr algn="ctr"/>
+            <a:endParaRPr lang="nl-NL"/>
+          </a:p>
+        </p:txBody>
+      </p:sp>
+      <p:pic>
+        <p:nvPicPr>
+          <p:cNvPr id="23" name="Picture 22"/>
+          <p:cNvPicPr>
+            <a:picLocks noChangeAspect="1"/>
+          </p:cNvPicPr>
+          <p:nvPr>
+            <p:custDataLst>
+              <p:tags r:id="rId7"/>
+            </p:custDataLst>
+          </p:nvPr>
+        </p:nvPicPr>
+        <p:blipFill>
+          <a:blip r:embed="rId17">
+            <a:extLst>
+              <a:ext uri="{28A0092B-C50C-407E-A947-70E740481C1C}">
+                <a14:useLocalDpi xmlns:a14="http://schemas.microsoft.com/office/drawing/2010/main" val="0"/>
+              </a:ext>
+            </a:extLst>
+          </a:blip>
+          <a:stretch>
+            <a:fillRect/>
+          </a:stretch>
+        </p:blipFill>
+        <p:spPr>
+          <a:xfrm>
+            <a:off x="6106960" y="266622"/>
+            <a:ext cx="2862031" cy="890303"/>
+          </a:xfrm>
+          <a:prstGeom prst="rect">
+            <a:avLst/>
+          </a:prstGeom>
+          <a:solidFill>
+            <a:schemeClr val="bg1">
+              <a:alpha val="65000"/>
+            </a:schemeClr>
+          </a:solidFill>
+        </p:spPr>
+      </p:pic>
+      <p:cxnSp>
+        <p:nvCxnSpPr>
+          <p:cNvPr id="6" name="Straight Arrow Connector 5"/>
+          <p:cNvCxnSpPr/>
+          <p:nvPr/>
+        </p:nvCxnSpPr>
+        <p:spPr>
+          <a:xfrm>
+            <a:off x="4086153" y="4165095"/>
+            <a:ext cx="701871" cy="307039"/>
+          </a:xfrm>
+          <a:prstGeom prst="straightConnector1">
+            <a:avLst/>
+          </a:prstGeom>
+          <a:ln w="69850">
+            <a:solidFill>
+              <a:schemeClr val="tx1"/>
+            </a:solidFill>
+            <a:tailEnd type="arrow"/>
+          </a:ln>
+        </p:spPr>
+        <p:style>
+          <a:lnRef idx="1">
+            <a:schemeClr val="accent1"/>
+          </a:lnRef>
+          <a:fillRef idx="0">
+            <a:schemeClr val="accent1"/>
+          </a:fillRef>
+          <a:effectRef idx="0">
+            <a:schemeClr val="accent1"/>
+          </a:effectRef>
+          <a:fontRef idx="minor">
+            <a:schemeClr val="tx1"/>
+          </a:fontRef>
+        </p:style>
+      </p:cxnSp>
+      <p:sp>
+        <p:nvSpPr>
+          <p:cNvPr id="24" name="Arc 23"/>
+          <p:cNvSpPr/>
+          <p:nvPr/>
+        </p:nvSpPr>
+        <p:spPr>
+          <a:xfrm rot="20557147" flipH="1">
+            <a:off x="5840587" y="516014"/>
+            <a:ext cx="1207240" cy="1281823"/>
+          </a:xfrm>
+          <a:prstGeom prst="arc">
+            <a:avLst>
+              <a:gd name="adj1" fmla="val 16945032"/>
+              <a:gd name="adj2" fmla="val 21598597"/>
+            </a:avLst>
+          </a:prstGeom>
+          <a:ln w="47625">
+            <a:solidFill>
+              <a:srgbClr val="FF0000"/>
+            </a:solidFill>
+            <a:tailEnd type="stealth"/>
+          </a:ln>
+        </p:spPr>
+        <p:style>
+          <a:lnRef idx="1">
+            <a:schemeClr val="accent1"/>
+          </a:lnRef>
+          <a:fillRef idx="0">
+            <a:schemeClr val="accent1"/>
+          </a:fillRef>
+          <a:effectRef idx="0">
+            <a:schemeClr val="accent1"/>
+          </a:effectRef>
+          <a:fontRef idx="minor">
+            <a:schemeClr val="tx1"/>
+          </a:fontRef>
+        </p:style>
+        <p:txBody>
+          <a:bodyPr rtlCol="0" anchor="ctr"/>
+          <a:lstStyle/>
+          <a:p>
+            <a:pPr algn="ctr"/>
+            <a:endParaRPr lang="nl-NL"/>
+          </a:p>
+        </p:txBody>
+      </p:sp>
+      <p:pic>
+        <p:nvPicPr>
+          <p:cNvPr id="26" name="Picture 25"/>
+          <p:cNvPicPr>
+            <a:picLocks noChangeAspect="1"/>
+          </p:cNvPicPr>
+          <p:nvPr>
+            <p:custDataLst>
+              <p:tags r:id="rId8"/>
+            </p:custDataLst>
+          </p:nvPr>
+        </p:nvPicPr>
+        <p:blipFill>
+          <a:blip r:embed="rId18">
+            <a:extLst>
+              <a:ext uri="{28A0092B-C50C-407E-A947-70E740481C1C}">
+                <a14:useLocalDpi xmlns:a14="http://schemas.microsoft.com/office/drawing/2010/main" val="0"/>
+              </a:ext>
+            </a:extLst>
+          </a:blip>
+          <a:stretch>
+            <a:fillRect/>
+          </a:stretch>
+        </p:blipFill>
+        <p:spPr>
+          <a:xfrm>
+            <a:off x="5990575" y="3545600"/>
+            <a:ext cx="3079338" cy="1038586"/>
+          </a:xfrm>
+          <a:prstGeom prst="rect">
+            <a:avLst/>
+          </a:prstGeom>
+          <a:solidFill>
+            <a:schemeClr val="bg1">
+              <a:alpha val="65000"/>
+            </a:schemeClr>
+          </a:solidFill>
+        </p:spPr>
+      </p:pic>
+      <p:sp>
+        <p:nvSpPr>
+          <p:cNvPr id="25" name="Arc 24"/>
+          <p:cNvSpPr/>
+          <p:nvPr/>
+        </p:nvSpPr>
+        <p:spPr>
+          <a:xfrm rot="3523298">
+            <a:off x="4701180" y="2299328"/>
+            <a:ext cx="1144022" cy="2216874"/>
+          </a:xfrm>
+          <a:prstGeom prst="arc">
+            <a:avLst>
+              <a:gd name="adj1" fmla="val 16916912"/>
+              <a:gd name="adj2" fmla="val 3930637"/>
+            </a:avLst>
+          </a:prstGeom>
+          <a:ln w="139700">
+            <a:solidFill>
+              <a:schemeClr val="tx1"/>
+            </a:solidFill>
+            <a:tailEnd type="stealth"/>
+          </a:ln>
+        </p:spPr>
+        <p:style>
+          <a:lnRef idx="1">
+            <a:schemeClr val="accent1"/>
+          </a:lnRef>
+          <a:fillRef idx="0">
+            <a:schemeClr val="accent1"/>
+          </a:fillRef>
+          <a:effectRef idx="0">
+            <a:schemeClr val="accent1"/>
+          </a:effectRef>
+          <a:fontRef idx="minor">
+            <a:schemeClr val="tx1"/>
+          </a:fontRef>
+        </p:style>
+        <p:txBody>
+          <a:bodyPr rtlCol="0" anchor="ctr"/>
+          <a:lstStyle/>
+          <a:p>
+            <a:pPr algn="ctr"/>
+            <a:endParaRPr lang="nl-NL"/>
+          </a:p>
+        </p:txBody>
+      </p:sp>
+      <p:sp>
+        <p:nvSpPr>
+          <p:cNvPr id="28" name="Parallelogram 27"/>
+          <p:cNvSpPr/>
+          <p:nvPr/>
+        </p:nvSpPr>
+        <p:spPr>
+          <a:xfrm rot="21180252" flipH="1">
+            <a:off x="5015714" y="1393004"/>
+            <a:ext cx="1547740" cy="1634383"/>
+          </a:xfrm>
+          <a:prstGeom prst="parallelogram">
+            <a:avLst>
+              <a:gd name="adj" fmla="val 20309"/>
+            </a:avLst>
+          </a:prstGeom>
+          <a:solidFill>
+            <a:schemeClr val="accent6">
+              <a:lumMod val="60000"/>
+              <a:lumOff val="40000"/>
+              <a:alpha val="25000"/>
+            </a:schemeClr>
+          </a:solidFill>
+        </p:spPr>
+        <p:style>
+          <a:lnRef idx="2">
+            <a:schemeClr val="accent5"/>
+          </a:lnRef>
+          <a:fillRef idx="1">
+            <a:schemeClr val="lt1"/>
+          </a:fillRef>
+          <a:effectRef idx="0">
+            <a:schemeClr val="accent5"/>
+          </a:effectRef>
+          <a:fontRef idx="minor">
+            <a:schemeClr val="dk1"/>
+          </a:fontRef>
+        </p:style>
+        <p:txBody>
+          <a:bodyPr rtlCol="0" anchor="ctr"/>
+          <a:lstStyle/>
+          <a:p>
+            <a:pPr algn="ctr"/>
+            <a:endParaRPr lang="nl-NL"/>
+          </a:p>
+        </p:txBody>
+      </p:sp>
+      <p:cxnSp>
+        <p:nvCxnSpPr>
+          <p:cNvPr id="31" name="Straight Arrow Connector 30"/>
+          <p:cNvCxnSpPr/>
+          <p:nvPr/>
+        </p:nvCxnSpPr>
+        <p:spPr>
+          <a:xfrm>
+            <a:off x="5789584" y="2210195"/>
+            <a:ext cx="654624" cy="570733"/>
+          </a:xfrm>
+          <a:prstGeom prst="straightConnector1">
+            <a:avLst/>
+          </a:prstGeom>
+          <a:ln w="69850">
+            <a:solidFill>
+              <a:schemeClr val="tx1"/>
+            </a:solidFill>
+            <a:tailEnd type="arrow"/>
+          </a:ln>
+        </p:spPr>
+        <p:style>
+          <a:lnRef idx="1">
+            <a:schemeClr val="accent1"/>
+          </a:lnRef>
+          <a:fillRef idx="0">
+            <a:schemeClr val="accent1"/>
+          </a:fillRef>
+          <a:effectRef idx="0">
+            <a:schemeClr val="accent1"/>
+          </a:effectRef>
+          <a:fontRef idx="minor">
+            <a:schemeClr val="tx1"/>
+          </a:fontRef>
+        </p:style>
+      </p:cxnSp>
+    </p:spTree>
+    <p:extLst>
+      <p:ext uri="{BB962C8B-B14F-4D97-AF65-F5344CB8AC3E}">
+        <p14:creationId xmlns:p14="http://schemas.microsoft.com/office/powerpoint/2010/main" val="2224542435"/>
+      </p:ext>
+    </p:extLst>
+  </p:cSld>
+  <p:clrMapOvr>
+    <a:masterClrMapping/>
+  </p:clrMapOvr>
+  <p:timing>
+    <p:tnLst>
+      <p:par>
+        <p:cTn id="1" dur="indefinite" restart="never" nodeType="tmRoot"/>
+      </p:par>
+    </p:tnLst>
+  </p:timing>
+</p:sld>
+</file>
+
+<file path=ppt/slides/slide18.xml><?xml version="1.0" encoding="utf-8"?>
+<p:sld xmlns:a="http://schemas.openxmlformats.org/drawingml/2006/main" xmlns:r="http://schemas.openxmlformats.org/officeDocument/2006/relationships" xmlns:p="http://schemas.openxmlformats.org/presentationml/2006/main" show="0">
+  <p:cSld>
+    <p:spTree>
+      <p:nvGrpSpPr>
+        <p:cNvPr id="1" name=""/>
+        <p:cNvGrpSpPr/>
+        <p:nvPr/>
+      </p:nvGrpSpPr>
+      <p:grpSpPr>
+        <a:xfrm>
+          <a:off x="0" y="0"/>
+          <a:ext cx="0" cy="0"/>
+          <a:chOff x="0" y="0"/>
+          <a:chExt cx="0" cy="0"/>
+        </a:xfrm>
+      </p:grpSpPr>
+      <p:pic>
+        <p:nvPicPr>
+          <p:cNvPr id="3" name="Picture 4" descr="Afbeeldingsresultaat voor curved grid"/>
+          <p:cNvPicPr>
+            <a:picLocks noChangeAspect="1" noChangeArrowheads="1"/>
+          </p:cNvPicPr>
+          <p:nvPr/>
+        </p:nvPicPr>
+        <p:blipFill rotWithShape="1">
+          <a:blip r:embed="rId8">
+            <a:duotone>
+              <a:schemeClr val="bg2">
+                <a:shade val="45000"/>
+                <a:satMod val="135000"/>
+              </a:schemeClr>
+              <a:prstClr val="white"/>
+            </a:duotone>
+            <a:extLst>
+              <a:ext uri="{28A0092B-C50C-407E-A947-70E740481C1C}">
+                <a14:useLocalDpi xmlns:a14="http://schemas.microsoft.com/office/drawing/2010/main" val="0"/>
+              </a:ext>
+            </a:extLst>
+          </a:blip>
+          <a:srcRect r="474" b="10203"/>
+          <a:stretch/>
+        </p:blipFill>
+        <p:spPr bwMode="auto">
+          <a:xfrm>
+            <a:off x="660081" y="837081"/>
+            <a:ext cx="7535209" cy="4804603"/>
+          </a:xfrm>
+          <a:prstGeom prst="rect">
+            <a:avLst/>
+          </a:prstGeom>
+          <a:noFill/>
+          <a:extLst>
+            <a:ext uri="{909E8E84-426E-40DD-AFC4-6F175D3DCCD1}">
+              <a14:hiddenFill xmlns:a14="http://schemas.microsoft.com/office/drawing/2010/main">
+                <a:solidFill>
+                  <a:srgbClr val="FFFFFF"/>
+                </a:solidFill>
+              </a14:hiddenFill>
+            </a:ext>
+          </a:extLst>
+        </p:spPr>
+      </p:pic>
+      <p:pic>
+        <p:nvPicPr>
+          <p:cNvPr id="8" name="Picture 7"/>
+          <p:cNvPicPr>
+            <a:picLocks noChangeAspect="1"/>
+          </p:cNvPicPr>
+          <p:nvPr>
+            <p:custDataLst>
+              <p:tags r:id="rId1"/>
+            </p:custDataLst>
+          </p:nvPr>
+        </p:nvPicPr>
+        <p:blipFill>
+          <a:blip r:embed="rId9">
+            <a:duotone>
+              <a:schemeClr val="bg2">
+                <a:shade val="45000"/>
+                <a:satMod val="135000"/>
+              </a:schemeClr>
+              <a:prstClr val="white"/>
+            </a:duotone>
+            <a:extLst>
+              <a:ext uri="{28A0092B-C50C-407E-A947-70E740481C1C}">
+                <a14:useLocalDpi xmlns:a14="http://schemas.microsoft.com/office/drawing/2010/main" val="0"/>
+              </a:ext>
+            </a:extLst>
+          </a:blip>
+          <a:stretch>
+            <a:fillRect/>
+          </a:stretch>
+        </p:blipFill>
+        <p:spPr>
+          <a:xfrm>
+            <a:off x="2339752" y="3591139"/>
+            <a:ext cx="1744243" cy="1271806"/>
+          </a:xfrm>
+          <a:prstGeom prst="rect">
+            <a:avLst/>
+          </a:prstGeom>
+          <a:solidFill>
+            <a:schemeClr val="bg1">
+              <a:alpha val="65000"/>
+            </a:schemeClr>
+          </a:solidFill>
+        </p:spPr>
+      </p:pic>
+      <p:sp>
+        <p:nvSpPr>
+          <p:cNvPr id="10" name="Oval 9"/>
+          <p:cNvSpPr/>
+          <p:nvPr/>
+        </p:nvSpPr>
+        <p:spPr>
+          <a:xfrm>
+            <a:off x="6493713" y="2208328"/>
             <a:ext cx="243027" cy="270725"/>
           </a:xfrm>
           <a:prstGeom prst="ellipse">
@@ -8817,41 +9898,7 @@
           </p:nvPr>
         </p:nvPicPr>
         <p:blipFill>
-          <a:blip r:embed="rId12">
-            <a:extLst>
-              <a:ext uri="{28A0092B-C50C-407E-A947-70E740481C1C}">
-                <a14:useLocalDpi xmlns:a14="http://schemas.microsoft.com/office/drawing/2010/main" val="0"/>
-              </a:ext>
-            </a:extLst>
-          </a:blip>
-          <a:stretch>
-            <a:fillRect/>
-          </a:stretch>
-        </p:blipFill>
-        <p:spPr>
-          <a:xfrm>
-            <a:off x="7014080" y="5641315"/>
-            <a:ext cx="2014033" cy="1008748"/>
-          </a:xfrm>
-          <a:prstGeom prst="rect">
-            <a:avLst/>
-          </a:prstGeom>
-        </p:spPr>
-      </p:pic>
-      <p:pic>
-        <p:nvPicPr>
-          <p:cNvPr id="4" name="Picture 3"/>
-          <p:cNvPicPr>
-            <a:picLocks noChangeAspect="1"/>
-          </p:cNvPicPr>
-          <p:nvPr>
-            <p:custDataLst>
-              <p:tags r:id="rId3"/>
-            </p:custDataLst>
-          </p:nvPr>
-        </p:nvPicPr>
-        <p:blipFill>
-          <a:blip r:embed="rId13">
+          <a:blip r:embed="rId10">
             <a:duotone>
               <a:schemeClr val="bg2">
                 <a:shade val="45000"/>
@@ -8871,71 +9918,28 @@
         </p:blipFill>
         <p:spPr>
           <a:xfrm>
-            <a:off x="6865345" y="1391189"/>
-            <a:ext cx="1107919" cy="1073551"/>
+            <a:off x="7014080" y="5641315"/>
+            <a:ext cx="2014033" cy="1008748"/>
           </a:xfrm>
           <a:prstGeom prst="rect">
             <a:avLst/>
           </a:prstGeom>
-          <a:solidFill>
-            <a:schemeClr val="bg1">
-              <a:alpha val="65000"/>
-            </a:schemeClr>
-          </a:solidFill>
         </p:spPr>
       </p:pic>
-      <p:sp>
-        <p:nvSpPr>
-          <p:cNvPr id="12" name="Oval 11"/>
-          <p:cNvSpPr/>
-          <p:nvPr/>
-        </p:nvSpPr>
-        <p:spPr>
-          <a:xfrm>
-            <a:off x="3537385" y="4650093"/>
-            <a:ext cx="243027" cy="270725"/>
-          </a:xfrm>
-          <a:prstGeom prst="ellipse">
-            <a:avLst/>
-          </a:prstGeom>
-        </p:spPr>
-        <p:style>
-          <a:lnRef idx="1">
-            <a:schemeClr val="accent6"/>
-          </a:lnRef>
-          <a:fillRef idx="3">
-            <a:schemeClr val="accent6"/>
-          </a:fillRef>
-          <a:effectRef idx="2">
-            <a:schemeClr val="accent6"/>
-          </a:effectRef>
-          <a:fontRef idx="minor">
-            <a:schemeClr val="lt1"/>
-          </a:fontRef>
-        </p:style>
-        <p:txBody>
-          <a:bodyPr rtlCol="0" anchor="ctr"/>
-          <a:lstStyle/>
-          <a:p>
-            <a:pPr algn="ctr"/>
-            <a:endParaRPr lang="nl-NL"/>
-          </a:p>
-        </p:txBody>
-      </p:sp>
       <p:pic>
         <p:nvPicPr>
-          <p:cNvPr id="17" name="Picture 16"/>
+          <p:cNvPr id="2" name="Picture 1"/>
           <p:cNvPicPr>
             <a:picLocks noChangeAspect="1"/>
           </p:cNvPicPr>
           <p:nvPr>
             <p:custDataLst>
-              <p:tags r:id="rId4"/>
+              <p:tags r:id="rId3"/>
             </p:custDataLst>
           </p:nvPr>
         </p:nvPicPr>
         <p:blipFill>
-          <a:blip r:embed="rId14">
+          <a:blip r:embed="rId11">
             <a:duotone>
               <a:schemeClr val="bg2">
                 <a:shade val="45000"/>
@@ -8955,8 +9959,8 @@
         </p:blipFill>
         <p:spPr>
           <a:xfrm>
-            <a:off x="827584" y="3132949"/>
-            <a:ext cx="1744243" cy="1271806"/>
+            <a:off x="3742260" y="798700"/>
+            <a:ext cx="2196089" cy="1276934"/>
           </a:xfrm>
           <a:prstGeom prst="rect">
             <a:avLst/>
@@ -8968,62 +9972,16 @@
           </a:solidFill>
         </p:spPr>
       </p:pic>
-      <p:pic>
-        <p:nvPicPr>
-          <p:cNvPr id="18" name="Picture 17"/>
-          <p:cNvPicPr>
-            <a:picLocks noChangeAspect="1"/>
-          </p:cNvPicPr>
-          <p:nvPr>
-            <p:custDataLst>
-              <p:tags r:id="rId5"/>
-            </p:custDataLst>
-          </p:nvPr>
-        </p:nvPicPr>
-        <p:blipFill>
-          <a:blip r:embed="rId15">
-            <a:duotone>
-              <a:schemeClr val="bg2">
-                <a:shade val="45000"/>
-                <a:satMod val="135000"/>
-              </a:schemeClr>
-              <a:prstClr val="white"/>
-            </a:duotone>
-            <a:extLst>
-              <a:ext uri="{28A0092B-C50C-407E-A947-70E740481C1C}">
-                <a14:useLocalDpi xmlns:a14="http://schemas.microsoft.com/office/drawing/2010/main" val="0"/>
-              </a:ext>
-            </a:extLst>
-          </a:blip>
-          <a:stretch>
-            <a:fillRect/>
-          </a:stretch>
-        </p:blipFill>
-        <p:spPr>
-          <a:xfrm>
-            <a:off x="3059832" y="114255"/>
-            <a:ext cx="2196089" cy="1276934"/>
-          </a:xfrm>
-          <a:prstGeom prst="rect">
-            <a:avLst/>
-          </a:prstGeom>
-          <a:solidFill>
-            <a:schemeClr val="bg1">
-              <a:alpha val="65000"/>
-            </a:schemeClr>
-          </a:solidFill>
-        </p:spPr>
-      </p:pic>
       <p:sp>
         <p:nvSpPr>
-          <p:cNvPr id="19" name="Freeform 18"/>
+          <p:cNvPr id="14" name="Freeform 13"/>
           <p:cNvSpPr/>
           <p:nvPr/>
         </p:nvSpPr>
         <p:spPr>
           <a:xfrm rot="20883633">
-            <a:off x="1302503" y="1036173"/>
-            <a:ext cx="1952977" cy="3886510"/>
+            <a:off x="1357745" y="1887145"/>
+            <a:ext cx="4006343" cy="2618934"/>
           </a:xfrm>
           <a:custGeom>
             <a:avLst/>
@@ -9152,14 +10110,14 @@
       </p:sp>
       <p:sp>
         <p:nvSpPr>
-          <p:cNvPr id="20" name="Freeform 19"/>
+          <p:cNvPr id="9" name="Freeform 8"/>
           <p:cNvSpPr/>
           <p:nvPr/>
         </p:nvSpPr>
         <p:spPr>
-          <a:xfrm rot="19973883">
-            <a:off x="1258684" y="187240"/>
-            <a:ext cx="4894628" cy="3282810"/>
+          <a:xfrm rot="19903638">
+            <a:off x="1218540" y="1034224"/>
+            <a:ext cx="4999839" cy="2618934"/>
           </a:xfrm>
           <a:custGeom>
             <a:avLst/>
@@ -9289,923 +10247,6 @@
       </p:sp>
       <p:sp>
         <p:nvSpPr>
-          <p:cNvPr id="21" name="Oval 20"/>
-          <p:cNvSpPr/>
-          <p:nvPr/>
-        </p:nvSpPr>
-        <p:spPr>
-          <a:xfrm>
-            <a:off x="1039304" y="2074834"/>
-            <a:ext cx="243027" cy="270725"/>
-          </a:xfrm>
-          <a:prstGeom prst="ellipse">
-            <a:avLst/>
-          </a:prstGeom>
-        </p:spPr>
-        <p:style>
-          <a:lnRef idx="1">
-            <a:schemeClr val="accent6"/>
-          </a:lnRef>
-          <a:fillRef idx="3">
-            <a:schemeClr val="accent6"/>
-          </a:fillRef>
-          <a:effectRef idx="2">
-            <a:schemeClr val="accent6"/>
-          </a:effectRef>
-          <a:fontRef idx="minor">
-            <a:schemeClr val="lt1"/>
-          </a:fontRef>
-        </p:style>
-        <p:txBody>
-          <a:bodyPr rtlCol="0" anchor="ctr"/>
-          <a:lstStyle/>
-          <a:p>
-            <a:pPr algn="ctr"/>
-            <a:endParaRPr lang="nl-NL"/>
-          </a:p>
-        </p:txBody>
-      </p:sp>
-      <p:sp>
-        <p:nvSpPr>
-          <p:cNvPr id="15" name="Arc 14"/>
-          <p:cNvSpPr/>
-          <p:nvPr/>
-        </p:nvSpPr>
-        <p:spPr>
-          <a:xfrm rot="14258149">
-            <a:off x="1577722" y="5109639"/>
-            <a:ext cx="2964220" cy="2354201"/>
-          </a:xfrm>
-          <a:prstGeom prst="arc">
-            <a:avLst>
-              <a:gd name="adj1" fmla="val 19589768"/>
-              <a:gd name="adj2" fmla="val 1740978"/>
-            </a:avLst>
-          </a:prstGeom>
-          <a:ln w="47625">
-            <a:solidFill>
-              <a:srgbClr val="FF0000"/>
-            </a:solidFill>
-            <a:tailEnd type="stealth"/>
-          </a:ln>
-        </p:spPr>
-        <p:style>
-          <a:lnRef idx="1">
-            <a:schemeClr val="accent1"/>
-          </a:lnRef>
-          <a:fillRef idx="0">
-            <a:schemeClr val="accent1"/>
-          </a:fillRef>
-          <a:effectRef idx="0">
-            <a:schemeClr val="accent1"/>
-          </a:effectRef>
-          <a:fontRef idx="minor">
-            <a:schemeClr val="tx1"/>
-          </a:fontRef>
-        </p:style>
-        <p:txBody>
-          <a:bodyPr rtlCol="0" anchor="ctr"/>
-          <a:lstStyle/>
-          <a:p>
-            <a:pPr algn="ctr"/>
-            <a:endParaRPr lang="nl-NL"/>
-          </a:p>
-        </p:txBody>
-      </p:sp>
-      <p:pic>
-        <p:nvPicPr>
-          <p:cNvPr id="22" name="Picture 21"/>
-          <p:cNvPicPr>
-            <a:picLocks noChangeAspect="1"/>
-          </p:cNvPicPr>
-          <p:nvPr>
-            <p:custDataLst>
-              <p:tags r:id="rId6"/>
-            </p:custDataLst>
-          </p:nvPr>
-        </p:nvPicPr>
-        <p:blipFill>
-          <a:blip r:embed="rId16">
-            <a:extLst>
-              <a:ext uri="{28A0092B-C50C-407E-A947-70E740481C1C}">
-                <a14:useLocalDpi xmlns:a14="http://schemas.microsoft.com/office/drawing/2010/main" val="0"/>
-              </a:ext>
-            </a:extLst>
-          </a:blip>
-          <a:stretch>
-            <a:fillRect/>
-          </a:stretch>
-        </p:blipFill>
-        <p:spPr>
-          <a:xfrm>
-            <a:off x="408906" y="5747381"/>
-            <a:ext cx="2581598" cy="876171"/>
-          </a:xfrm>
-          <a:prstGeom prst="rect">
-            <a:avLst/>
-          </a:prstGeom>
-          <a:solidFill>
-            <a:schemeClr val="bg1">
-              <a:alpha val="65000"/>
-            </a:schemeClr>
-          </a:solidFill>
-        </p:spPr>
-      </p:pic>
-      <p:pic>
-        <p:nvPicPr>
-          <p:cNvPr id="23" name="Picture 22"/>
-          <p:cNvPicPr>
-            <a:picLocks noChangeAspect="1"/>
-          </p:cNvPicPr>
-          <p:nvPr>
-            <p:custDataLst>
-              <p:tags r:id="rId7"/>
-            </p:custDataLst>
-          </p:nvPr>
-        </p:nvPicPr>
-        <p:blipFill>
-          <a:blip r:embed="rId17">
-            <a:extLst>
-              <a:ext uri="{28A0092B-C50C-407E-A947-70E740481C1C}">
-                <a14:useLocalDpi xmlns:a14="http://schemas.microsoft.com/office/drawing/2010/main" val="0"/>
-              </a:ext>
-            </a:extLst>
-          </a:blip>
-          <a:stretch>
-            <a:fillRect/>
-          </a:stretch>
-        </p:blipFill>
-        <p:spPr>
-          <a:xfrm>
-            <a:off x="6110365" y="116632"/>
-            <a:ext cx="2862031" cy="890303"/>
-          </a:xfrm>
-          <a:prstGeom prst="rect">
-            <a:avLst/>
-          </a:prstGeom>
-          <a:solidFill>
-            <a:schemeClr val="bg1">
-              <a:alpha val="65000"/>
-            </a:schemeClr>
-          </a:solidFill>
-        </p:spPr>
-      </p:pic>
-      <p:sp>
-        <p:nvSpPr>
-          <p:cNvPr id="24" name="Arc 23"/>
-          <p:cNvSpPr/>
-          <p:nvPr/>
-        </p:nvSpPr>
-        <p:spPr>
-          <a:xfrm rot="20557147" flipH="1">
-            <a:off x="5880992" y="377602"/>
-            <a:ext cx="1207240" cy="1281823"/>
-          </a:xfrm>
-          <a:prstGeom prst="arc">
-            <a:avLst>
-              <a:gd name="adj1" fmla="val 16945032"/>
-              <a:gd name="adj2" fmla="val 21598597"/>
-            </a:avLst>
-          </a:prstGeom>
-          <a:ln w="47625">
-            <a:solidFill>
-              <a:srgbClr val="FF0000"/>
-            </a:solidFill>
-            <a:tailEnd type="stealth"/>
-          </a:ln>
-        </p:spPr>
-        <p:style>
-          <a:lnRef idx="1">
-            <a:schemeClr val="accent1"/>
-          </a:lnRef>
-          <a:fillRef idx="0">
-            <a:schemeClr val="accent1"/>
-          </a:fillRef>
-          <a:effectRef idx="0">
-            <a:schemeClr val="accent1"/>
-          </a:effectRef>
-          <a:fontRef idx="minor">
-            <a:schemeClr val="tx1"/>
-          </a:fontRef>
-        </p:style>
-        <p:txBody>
-          <a:bodyPr rtlCol="0" anchor="ctr"/>
-          <a:lstStyle/>
-          <a:p>
-            <a:pPr algn="ctr"/>
-            <a:endParaRPr lang="nl-NL"/>
-          </a:p>
-        </p:txBody>
-      </p:sp>
-      <p:pic>
-        <p:nvPicPr>
-          <p:cNvPr id="26" name="Picture 25"/>
-          <p:cNvPicPr>
-            <a:picLocks noChangeAspect="1"/>
-          </p:cNvPicPr>
-          <p:nvPr>
-            <p:custDataLst>
-              <p:tags r:id="rId8"/>
-            </p:custDataLst>
-          </p:nvPr>
-        </p:nvPicPr>
-        <p:blipFill>
-          <a:blip r:embed="rId18">
-            <a:extLst>
-              <a:ext uri="{28A0092B-C50C-407E-A947-70E740481C1C}">
-                <a14:useLocalDpi xmlns:a14="http://schemas.microsoft.com/office/drawing/2010/main" val="0"/>
-              </a:ext>
-            </a:extLst>
-          </a:blip>
-          <a:stretch>
-            <a:fillRect/>
-          </a:stretch>
-        </p:blipFill>
-        <p:spPr>
-          <a:xfrm>
-            <a:off x="5705283" y="3768852"/>
-            <a:ext cx="3079338" cy="1038586"/>
-          </a:xfrm>
-          <a:prstGeom prst="rect">
-            <a:avLst/>
-          </a:prstGeom>
-          <a:solidFill>
-            <a:schemeClr val="bg1">
-              <a:alpha val="65000"/>
-            </a:schemeClr>
-          </a:solidFill>
-        </p:spPr>
-      </p:pic>
-      <p:sp>
-        <p:nvSpPr>
-          <p:cNvPr id="25" name="Arc 24"/>
-          <p:cNvSpPr/>
-          <p:nvPr/>
-        </p:nvSpPr>
-        <p:spPr>
-          <a:xfrm rot="3523298">
-            <a:off x="4428228" y="1737173"/>
-            <a:ext cx="1144022" cy="3669601"/>
-          </a:xfrm>
-          <a:prstGeom prst="arc">
-            <a:avLst>
-              <a:gd name="adj1" fmla="val 16916912"/>
-              <a:gd name="adj2" fmla="val 3930637"/>
-            </a:avLst>
-          </a:prstGeom>
-          <a:ln w="139700">
-            <a:solidFill>
-              <a:schemeClr val="tx1"/>
-            </a:solidFill>
-            <a:tailEnd type="stealth"/>
-          </a:ln>
-        </p:spPr>
-        <p:style>
-          <a:lnRef idx="1">
-            <a:schemeClr val="accent1"/>
-          </a:lnRef>
-          <a:fillRef idx="0">
-            <a:schemeClr val="accent1"/>
-          </a:fillRef>
-          <a:effectRef idx="0">
-            <a:schemeClr val="accent1"/>
-          </a:effectRef>
-          <a:fontRef idx="minor">
-            <a:schemeClr val="tx1"/>
-          </a:fontRef>
-        </p:style>
-        <p:txBody>
-          <a:bodyPr rtlCol="0" anchor="ctr"/>
-          <a:lstStyle/>
-          <a:p>
-            <a:pPr algn="ctr"/>
-            <a:endParaRPr lang="nl-NL"/>
-          </a:p>
-        </p:txBody>
-      </p:sp>
-      <p:sp>
-        <p:nvSpPr>
-          <p:cNvPr id="28" name="Parallelogram 27"/>
-          <p:cNvSpPr/>
-          <p:nvPr/>
-        </p:nvSpPr>
-        <p:spPr>
-          <a:xfrm rot="475068" flipH="1">
-            <a:off x="5575991" y="1354970"/>
-            <a:ext cx="1956611" cy="1634383"/>
-          </a:xfrm>
-          <a:prstGeom prst="parallelogram">
-            <a:avLst>
-              <a:gd name="adj" fmla="val 40507"/>
-            </a:avLst>
-          </a:prstGeom>
-          <a:solidFill>
-            <a:schemeClr val="accent6">
-              <a:lumMod val="60000"/>
-              <a:lumOff val="40000"/>
-              <a:alpha val="25000"/>
-            </a:schemeClr>
-          </a:solidFill>
-        </p:spPr>
-        <p:style>
-          <a:lnRef idx="2">
-            <a:schemeClr val="accent5"/>
-          </a:lnRef>
-          <a:fillRef idx="1">
-            <a:schemeClr val="lt1"/>
-          </a:fillRef>
-          <a:effectRef idx="0">
-            <a:schemeClr val="accent5"/>
-          </a:effectRef>
-          <a:fontRef idx="minor">
-            <a:schemeClr val="dk1"/>
-          </a:fontRef>
-        </p:style>
-        <p:txBody>
-          <a:bodyPr rtlCol="0" anchor="ctr"/>
-          <a:lstStyle/>
-          <a:p>
-            <a:pPr algn="ctr"/>
-            <a:endParaRPr lang="nl-NL"/>
-          </a:p>
-        </p:txBody>
-      </p:sp>
-      <p:sp>
-        <p:nvSpPr>
-          <p:cNvPr id="27" name="Parallelogram 26"/>
-          <p:cNvSpPr/>
-          <p:nvPr/>
-        </p:nvSpPr>
-        <p:spPr>
-          <a:xfrm rot="20002988">
-            <a:off x="2857036" y="3749671"/>
-            <a:ext cx="1558667" cy="1811429"/>
-          </a:xfrm>
-          <a:prstGeom prst="parallelogram">
-            <a:avLst>
-              <a:gd name="adj" fmla="val 11691"/>
-            </a:avLst>
-          </a:prstGeom>
-          <a:solidFill>
-            <a:schemeClr val="accent6">
-              <a:lumMod val="60000"/>
-              <a:lumOff val="40000"/>
-              <a:alpha val="25000"/>
-            </a:schemeClr>
-          </a:solidFill>
-        </p:spPr>
-        <p:style>
-          <a:lnRef idx="2">
-            <a:schemeClr val="accent5"/>
-          </a:lnRef>
-          <a:fillRef idx="1">
-            <a:schemeClr val="lt1"/>
-          </a:fillRef>
-          <a:effectRef idx="0">
-            <a:schemeClr val="accent5"/>
-          </a:effectRef>
-          <a:fontRef idx="minor">
-            <a:schemeClr val="dk1"/>
-          </a:fontRef>
-        </p:style>
-        <p:txBody>
-          <a:bodyPr rtlCol="0" anchor="ctr"/>
-          <a:lstStyle/>
-          <a:p>
-            <a:pPr algn="ctr"/>
-            <a:endParaRPr lang="nl-NL"/>
-          </a:p>
-        </p:txBody>
-      </p:sp>
-    </p:spTree>
-    <p:extLst>
-      <p:ext uri="{BB962C8B-B14F-4D97-AF65-F5344CB8AC3E}">
-        <p14:creationId xmlns:p14="http://schemas.microsoft.com/office/powerpoint/2010/main" val="2224542435"/>
-      </p:ext>
-    </p:extLst>
-  </p:cSld>
-  <p:clrMapOvr>
-    <a:masterClrMapping/>
-  </p:clrMapOvr>
-  <p:timing>
-    <p:tnLst>
-      <p:par>
-        <p:cTn id="1" dur="indefinite" restart="never" nodeType="tmRoot"/>
-      </p:par>
-    </p:tnLst>
-  </p:timing>
-</p:sld>
-</file>
-
-<file path=ppt/slides/slide18.xml><?xml version="1.0" encoding="utf-8"?>
-<p:sld xmlns:a="http://schemas.openxmlformats.org/drawingml/2006/main" xmlns:r="http://schemas.openxmlformats.org/officeDocument/2006/relationships" xmlns:p="http://schemas.openxmlformats.org/presentationml/2006/main" show="0">
-  <p:cSld>
-    <p:spTree>
-      <p:nvGrpSpPr>
-        <p:cNvPr id="1" name=""/>
-        <p:cNvGrpSpPr/>
-        <p:nvPr/>
-      </p:nvGrpSpPr>
-      <p:grpSpPr>
-        <a:xfrm>
-          <a:off x="0" y="0"/>
-          <a:ext cx="0" cy="0"/>
-          <a:chOff x="0" y="0"/>
-          <a:chExt cx="0" cy="0"/>
-        </a:xfrm>
-      </p:grpSpPr>
-      <p:pic>
-        <p:nvPicPr>
-          <p:cNvPr id="3" name="Picture 4" descr="Afbeeldingsresultaat voor curved grid"/>
-          <p:cNvPicPr>
-            <a:picLocks noChangeAspect="1" noChangeArrowheads="1"/>
-          </p:cNvPicPr>
-          <p:nvPr/>
-        </p:nvPicPr>
-        <p:blipFill rotWithShape="1">
-          <a:blip r:embed="rId8">
-            <a:duotone>
-              <a:schemeClr val="bg2">
-                <a:shade val="45000"/>
-                <a:satMod val="135000"/>
-              </a:schemeClr>
-              <a:prstClr val="white"/>
-            </a:duotone>
-            <a:extLst>
-              <a:ext uri="{28A0092B-C50C-407E-A947-70E740481C1C}">
-                <a14:useLocalDpi xmlns:a14="http://schemas.microsoft.com/office/drawing/2010/main" val="0"/>
-              </a:ext>
-            </a:extLst>
-          </a:blip>
-          <a:srcRect r="474" b="10203"/>
-          <a:stretch/>
-        </p:blipFill>
-        <p:spPr bwMode="auto">
-          <a:xfrm>
-            <a:off x="660081" y="837081"/>
-            <a:ext cx="7535209" cy="4804603"/>
-          </a:xfrm>
-          <a:prstGeom prst="rect">
-            <a:avLst/>
-          </a:prstGeom>
-          <a:noFill/>
-          <a:extLst>
-            <a:ext uri="{909E8E84-426E-40DD-AFC4-6F175D3DCCD1}">
-              <a14:hiddenFill xmlns:a14="http://schemas.microsoft.com/office/drawing/2010/main">
-                <a:solidFill>
-                  <a:srgbClr val="FFFFFF"/>
-                </a:solidFill>
-              </a14:hiddenFill>
-            </a:ext>
-          </a:extLst>
-        </p:spPr>
-      </p:pic>
-      <p:pic>
-        <p:nvPicPr>
-          <p:cNvPr id="8" name="Picture 7"/>
-          <p:cNvPicPr>
-            <a:picLocks noChangeAspect="1"/>
-          </p:cNvPicPr>
-          <p:nvPr>
-            <p:custDataLst>
-              <p:tags r:id="rId1"/>
-            </p:custDataLst>
-          </p:nvPr>
-        </p:nvPicPr>
-        <p:blipFill>
-          <a:blip r:embed="rId9">
-            <a:duotone>
-              <a:schemeClr val="bg2">
-                <a:shade val="45000"/>
-                <a:satMod val="135000"/>
-              </a:schemeClr>
-              <a:prstClr val="white"/>
-            </a:duotone>
-            <a:extLst>
-              <a:ext uri="{28A0092B-C50C-407E-A947-70E740481C1C}">
-                <a14:useLocalDpi xmlns:a14="http://schemas.microsoft.com/office/drawing/2010/main" val="0"/>
-              </a:ext>
-            </a:extLst>
-          </a:blip>
-          <a:stretch>
-            <a:fillRect/>
-          </a:stretch>
-        </p:blipFill>
-        <p:spPr>
-          <a:xfrm>
-            <a:off x="2339752" y="3591139"/>
-            <a:ext cx="1744243" cy="1271806"/>
-          </a:xfrm>
-          <a:prstGeom prst="rect">
-            <a:avLst/>
-          </a:prstGeom>
-          <a:solidFill>
-            <a:schemeClr val="bg1">
-              <a:alpha val="65000"/>
-            </a:schemeClr>
-          </a:solidFill>
-        </p:spPr>
-      </p:pic>
-      <p:sp>
-        <p:nvSpPr>
-          <p:cNvPr id="10" name="Oval 9"/>
-          <p:cNvSpPr/>
-          <p:nvPr/>
-        </p:nvSpPr>
-        <p:spPr>
-          <a:xfrm>
-            <a:off x="6493713" y="2208328"/>
-            <a:ext cx="243027" cy="270725"/>
-          </a:xfrm>
-          <a:prstGeom prst="ellipse">
-            <a:avLst/>
-          </a:prstGeom>
-        </p:spPr>
-        <p:style>
-          <a:lnRef idx="1">
-            <a:schemeClr val="accent6"/>
-          </a:lnRef>
-          <a:fillRef idx="3">
-            <a:schemeClr val="accent6"/>
-          </a:fillRef>
-          <a:effectRef idx="2">
-            <a:schemeClr val="accent6"/>
-          </a:effectRef>
-          <a:fontRef idx="minor">
-            <a:schemeClr val="lt1"/>
-          </a:fontRef>
-        </p:style>
-        <p:txBody>
-          <a:bodyPr rtlCol="0" anchor="ctr"/>
-          <a:lstStyle/>
-          <a:p>
-            <a:pPr algn="ctr"/>
-            <a:endParaRPr lang="nl-NL"/>
-          </a:p>
-        </p:txBody>
-      </p:sp>
-      <p:pic>
-        <p:nvPicPr>
-          <p:cNvPr id="13" name="Picture 12"/>
-          <p:cNvPicPr>
-            <a:picLocks noChangeAspect="1"/>
-          </p:cNvPicPr>
-          <p:nvPr>
-            <p:custDataLst>
-              <p:tags r:id="rId2"/>
-            </p:custDataLst>
-          </p:nvPr>
-        </p:nvPicPr>
-        <p:blipFill>
-          <a:blip r:embed="rId10">
-            <a:duotone>
-              <a:schemeClr val="bg2">
-                <a:shade val="45000"/>
-                <a:satMod val="135000"/>
-              </a:schemeClr>
-              <a:prstClr val="white"/>
-            </a:duotone>
-            <a:extLst>
-              <a:ext uri="{28A0092B-C50C-407E-A947-70E740481C1C}">
-                <a14:useLocalDpi xmlns:a14="http://schemas.microsoft.com/office/drawing/2010/main" val="0"/>
-              </a:ext>
-            </a:extLst>
-          </a:blip>
-          <a:stretch>
-            <a:fillRect/>
-          </a:stretch>
-        </p:blipFill>
-        <p:spPr>
-          <a:xfrm>
-            <a:off x="7014080" y="5641315"/>
-            <a:ext cx="2014033" cy="1008748"/>
-          </a:xfrm>
-          <a:prstGeom prst="rect">
-            <a:avLst/>
-          </a:prstGeom>
-        </p:spPr>
-      </p:pic>
-      <p:pic>
-        <p:nvPicPr>
-          <p:cNvPr id="2" name="Picture 1"/>
-          <p:cNvPicPr>
-            <a:picLocks noChangeAspect="1"/>
-          </p:cNvPicPr>
-          <p:nvPr>
-            <p:custDataLst>
-              <p:tags r:id="rId3"/>
-            </p:custDataLst>
-          </p:nvPr>
-        </p:nvPicPr>
-        <p:blipFill>
-          <a:blip r:embed="rId11">
-            <a:duotone>
-              <a:schemeClr val="bg2">
-                <a:shade val="45000"/>
-                <a:satMod val="135000"/>
-              </a:schemeClr>
-              <a:prstClr val="white"/>
-            </a:duotone>
-            <a:extLst>
-              <a:ext uri="{28A0092B-C50C-407E-A947-70E740481C1C}">
-                <a14:useLocalDpi xmlns:a14="http://schemas.microsoft.com/office/drawing/2010/main" val="0"/>
-              </a:ext>
-            </a:extLst>
-          </a:blip>
-          <a:stretch>
-            <a:fillRect/>
-          </a:stretch>
-        </p:blipFill>
-        <p:spPr>
-          <a:xfrm>
-            <a:off x="3742260" y="798700"/>
-            <a:ext cx="2196089" cy="1276934"/>
-          </a:xfrm>
-          <a:prstGeom prst="rect">
-            <a:avLst/>
-          </a:prstGeom>
-          <a:solidFill>
-            <a:schemeClr val="bg1">
-              <a:alpha val="65000"/>
-            </a:schemeClr>
-          </a:solidFill>
-        </p:spPr>
-      </p:pic>
-      <p:sp>
-        <p:nvSpPr>
-          <p:cNvPr id="14" name="Freeform 13"/>
-          <p:cNvSpPr/>
-          <p:nvPr/>
-        </p:nvSpPr>
-        <p:spPr>
-          <a:xfrm rot="20883633">
-            <a:off x="1357745" y="1887145"/>
-            <a:ext cx="4006343" cy="2618934"/>
-          </a:xfrm>
-          <a:custGeom>
-            <a:avLst/>
-            <a:gdLst>
-              <a:gd name="connsiteX0" fmla="*/ 0 w 5874328"/>
-              <a:gd name="connsiteY0" fmla="*/ 665444 h 2618934"/>
-              <a:gd name="connsiteX1" fmla="*/ 1468582 w 5874328"/>
-              <a:gd name="connsiteY1" fmla="*/ 14280 h 2618934"/>
-              <a:gd name="connsiteX2" fmla="*/ 1399310 w 5874328"/>
-              <a:gd name="connsiteY2" fmla="*/ 1219625 h 2618934"/>
-              <a:gd name="connsiteX3" fmla="*/ 3491346 w 5874328"/>
-              <a:gd name="connsiteY3" fmla="*/ 1081080 h 2618934"/>
-              <a:gd name="connsiteX4" fmla="*/ 4073237 w 5874328"/>
-              <a:gd name="connsiteY4" fmla="*/ 1787662 h 2618934"/>
-              <a:gd name="connsiteX5" fmla="*/ 5084619 w 5874328"/>
-              <a:gd name="connsiteY5" fmla="*/ 2078607 h 2618934"/>
-              <a:gd name="connsiteX6" fmla="*/ 5763491 w 5874328"/>
-              <a:gd name="connsiteY6" fmla="*/ 2244862 h 2618934"/>
-              <a:gd name="connsiteX7" fmla="*/ 5874328 w 5874328"/>
-              <a:gd name="connsiteY7" fmla="*/ 2618934 h 2618934"/>
-            </a:gdLst>
-            <a:ahLst/>
-            <a:cxnLst>
-              <a:cxn ang="0">
-                <a:pos x="connsiteX0" y="connsiteY0"/>
-              </a:cxn>
-              <a:cxn ang="0">
-                <a:pos x="connsiteX1" y="connsiteY1"/>
-              </a:cxn>
-              <a:cxn ang="0">
-                <a:pos x="connsiteX2" y="connsiteY2"/>
-              </a:cxn>
-              <a:cxn ang="0">
-                <a:pos x="connsiteX3" y="connsiteY3"/>
-              </a:cxn>
-              <a:cxn ang="0">
-                <a:pos x="connsiteX4" y="connsiteY4"/>
-              </a:cxn>
-              <a:cxn ang="0">
-                <a:pos x="connsiteX5" y="connsiteY5"/>
-              </a:cxn>
-              <a:cxn ang="0">
-                <a:pos x="connsiteX6" y="connsiteY6"/>
-              </a:cxn>
-              <a:cxn ang="0">
-                <a:pos x="connsiteX7" y="connsiteY7"/>
-              </a:cxn>
-            </a:cxnLst>
-            <a:rect l="l" t="t" r="r" b="b"/>
-            <a:pathLst>
-              <a:path w="5874328" h="2618934">
-                <a:moveTo>
-                  <a:pt x="0" y="665444"/>
-                </a:moveTo>
-                <a:cubicBezTo>
-                  <a:pt x="617682" y="293680"/>
-                  <a:pt x="1235364" y="-78084"/>
-                  <a:pt x="1468582" y="14280"/>
-                </a:cubicBezTo>
-                <a:cubicBezTo>
-                  <a:pt x="1701800" y="106644"/>
-                  <a:pt x="1062183" y="1041825"/>
-                  <a:pt x="1399310" y="1219625"/>
-                </a:cubicBezTo>
-                <a:cubicBezTo>
-                  <a:pt x="1736437" y="1397425"/>
-                  <a:pt x="3045692" y="986407"/>
-                  <a:pt x="3491346" y="1081080"/>
-                </a:cubicBezTo>
-                <a:cubicBezTo>
-                  <a:pt x="3937000" y="1175753"/>
-                  <a:pt x="3807692" y="1621408"/>
-                  <a:pt x="4073237" y="1787662"/>
-                </a:cubicBezTo>
-                <a:cubicBezTo>
-                  <a:pt x="4338782" y="1953916"/>
-                  <a:pt x="4802910" y="2002407"/>
-                  <a:pt x="5084619" y="2078607"/>
-                </a:cubicBezTo>
-                <a:cubicBezTo>
-                  <a:pt x="5366328" y="2154807"/>
-                  <a:pt x="5631873" y="2154807"/>
-                  <a:pt x="5763491" y="2244862"/>
-                </a:cubicBezTo>
-                <a:cubicBezTo>
-                  <a:pt x="5895109" y="2334917"/>
-                  <a:pt x="5832764" y="2605080"/>
-                  <a:pt x="5874328" y="2618934"/>
-                </a:cubicBezTo>
-              </a:path>
-            </a:pathLst>
-          </a:custGeom>
-          <a:ln w="69850">
-            <a:solidFill>
-              <a:srgbClr val="00ADFA"/>
-            </a:solidFill>
-            <a:tailEnd type="arrow"/>
-          </a:ln>
-        </p:spPr>
-        <p:style>
-          <a:lnRef idx="1">
-            <a:schemeClr val="accent1"/>
-          </a:lnRef>
-          <a:fillRef idx="0">
-            <a:schemeClr val="accent1"/>
-          </a:fillRef>
-          <a:effectRef idx="0">
-            <a:schemeClr val="accent1"/>
-          </a:effectRef>
-          <a:fontRef idx="minor">
-            <a:schemeClr val="tx1"/>
-          </a:fontRef>
-        </p:style>
-        <p:txBody>
-          <a:bodyPr rtlCol="0" anchor="ctr"/>
-          <a:lstStyle/>
-          <a:p>
-            <a:pPr algn="ctr"/>
-            <a:endParaRPr lang="nl-NL">
-              <a:solidFill>
-                <a:schemeClr val="tx1"/>
-              </a:solidFill>
-            </a:endParaRPr>
-          </a:p>
-        </p:txBody>
-      </p:sp>
-      <p:sp>
-        <p:nvSpPr>
-          <p:cNvPr id="9" name="Freeform 8"/>
-          <p:cNvSpPr/>
-          <p:nvPr/>
-        </p:nvSpPr>
-        <p:spPr>
-          <a:xfrm rot="19903638">
-            <a:off x="1218540" y="1034224"/>
-            <a:ext cx="4999839" cy="2618934"/>
-          </a:xfrm>
-          <a:custGeom>
-            <a:avLst/>
-            <a:gdLst>
-              <a:gd name="connsiteX0" fmla="*/ 0 w 5874328"/>
-              <a:gd name="connsiteY0" fmla="*/ 665444 h 2618934"/>
-              <a:gd name="connsiteX1" fmla="*/ 1468582 w 5874328"/>
-              <a:gd name="connsiteY1" fmla="*/ 14280 h 2618934"/>
-              <a:gd name="connsiteX2" fmla="*/ 1399310 w 5874328"/>
-              <a:gd name="connsiteY2" fmla="*/ 1219625 h 2618934"/>
-              <a:gd name="connsiteX3" fmla="*/ 3491346 w 5874328"/>
-              <a:gd name="connsiteY3" fmla="*/ 1081080 h 2618934"/>
-              <a:gd name="connsiteX4" fmla="*/ 4073237 w 5874328"/>
-              <a:gd name="connsiteY4" fmla="*/ 1787662 h 2618934"/>
-              <a:gd name="connsiteX5" fmla="*/ 5084619 w 5874328"/>
-              <a:gd name="connsiteY5" fmla="*/ 2078607 h 2618934"/>
-              <a:gd name="connsiteX6" fmla="*/ 5763491 w 5874328"/>
-              <a:gd name="connsiteY6" fmla="*/ 2244862 h 2618934"/>
-              <a:gd name="connsiteX7" fmla="*/ 5874328 w 5874328"/>
-              <a:gd name="connsiteY7" fmla="*/ 2618934 h 2618934"/>
-            </a:gdLst>
-            <a:ahLst/>
-            <a:cxnLst>
-              <a:cxn ang="0">
-                <a:pos x="connsiteX0" y="connsiteY0"/>
-              </a:cxn>
-              <a:cxn ang="0">
-                <a:pos x="connsiteX1" y="connsiteY1"/>
-              </a:cxn>
-              <a:cxn ang="0">
-                <a:pos x="connsiteX2" y="connsiteY2"/>
-              </a:cxn>
-              <a:cxn ang="0">
-                <a:pos x="connsiteX3" y="connsiteY3"/>
-              </a:cxn>
-              <a:cxn ang="0">
-                <a:pos x="connsiteX4" y="connsiteY4"/>
-              </a:cxn>
-              <a:cxn ang="0">
-                <a:pos x="connsiteX5" y="connsiteY5"/>
-              </a:cxn>
-              <a:cxn ang="0">
-                <a:pos x="connsiteX6" y="connsiteY6"/>
-              </a:cxn>
-              <a:cxn ang="0">
-                <a:pos x="connsiteX7" y="connsiteY7"/>
-              </a:cxn>
-            </a:cxnLst>
-            <a:rect l="l" t="t" r="r" b="b"/>
-            <a:pathLst>
-              <a:path w="5874328" h="2618934">
-                <a:moveTo>
-                  <a:pt x="0" y="665444"/>
-                </a:moveTo>
-                <a:cubicBezTo>
-                  <a:pt x="617682" y="293680"/>
-                  <a:pt x="1235364" y="-78084"/>
-                  <a:pt x="1468582" y="14280"/>
-                </a:cubicBezTo>
-                <a:cubicBezTo>
-                  <a:pt x="1701800" y="106644"/>
-                  <a:pt x="1062183" y="1041825"/>
-                  <a:pt x="1399310" y="1219625"/>
-                </a:cubicBezTo>
-                <a:cubicBezTo>
-                  <a:pt x="1736437" y="1397425"/>
-                  <a:pt x="3045692" y="986407"/>
-                  <a:pt x="3491346" y="1081080"/>
-                </a:cubicBezTo>
-                <a:cubicBezTo>
-                  <a:pt x="3937000" y="1175753"/>
-                  <a:pt x="3807692" y="1621408"/>
-                  <a:pt x="4073237" y="1787662"/>
-                </a:cubicBezTo>
-                <a:cubicBezTo>
-                  <a:pt x="4338782" y="1953916"/>
-                  <a:pt x="4802910" y="2002407"/>
-                  <a:pt x="5084619" y="2078607"/>
-                </a:cubicBezTo>
-                <a:cubicBezTo>
-                  <a:pt x="5366328" y="2154807"/>
-                  <a:pt x="5631873" y="2154807"/>
-                  <a:pt x="5763491" y="2244862"/>
-                </a:cubicBezTo>
-                <a:cubicBezTo>
-                  <a:pt x="5895109" y="2334917"/>
-                  <a:pt x="5832764" y="2605080"/>
-                  <a:pt x="5874328" y="2618934"/>
-                </a:cubicBezTo>
-              </a:path>
-            </a:pathLst>
-          </a:custGeom>
-          <a:ln w="69850">
-            <a:solidFill>
-              <a:srgbClr val="FF0000"/>
-            </a:solidFill>
-            <a:prstDash val="lgDash"/>
-            <a:tailEnd type="arrow"/>
-          </a:ln>
-        </p:spPr>
-        <p:style>
-          <a:lnRef idx="1">
-            <a:schemeClr val="accent1"/>
-          </a:lnRef>
-          <a:fillRef idx="0">
-            <a:schemeClr val="accent1"/>
-          </a:fillRef>
-          <a:effectRef idx="0">
-            <a:schemeClr val="accent1"/>
-          </a:effectRef>
-          <a:fontRef idx="minor">
-            <a:schemeClr val="tx1"/>
-          </a:fontRef>
-        </p:style>
-        <p:txBody>
-          <a:bodyPr rtlCol="0" anchor="ctr"/>
-          <a:lstStyle/>
-          <a:p>
-            <a:pPr algn="ctr"/>
-            <a:endParaRPr lang="nl-NL">
-              <a:solidFill>
-                <a:schemeClr val="tx1"/>
-              </a:solidFill>
-            </a:endParaRPr>
-          </a:p>
-        </p:txBody>
-      </p:sp>
-      <p:sp>
-        <p:nvSpPr>
           <p:cNvPr id="12" name="Oval 11"/>
           <p:cNvSpPr/>
           <p:nvPr/>
@@ -10642,11 +10683,11 @@
   <p:clrMapOvr>
     <a:masterClrMapping/>
   </p:clrMapOvr>
-  <mc:AlternateContent xmlns:mc="http://schemas.openxmlformats.org/markup-compatibility/2006">
-    <mc:Choice xmlns:p14="http://schemas.microsoft.com/office/powerpoint/2010/main" Requires="p14">
+  <mc:AlternateContent xmlns:mc="http://schemas.openxmlformats.org/markup-compatibility/2006" xmlns:p14="http://schemas.microsoft.com/office/powerpoint/2010/main">
+    <mc:Choice Requires="p14">
       <p:transition spd="slow" p14:dur="2000"/>
     </mc:Choice>
-    <mc:Fallback>
+    <mc:Fallback xmlns="">
       <p:transition spd="slow"/>
     </mc:Fallback>
   </mc:AlternateContent>
@@ -16791,7 +16832,6 @@
               <a:rPr lang="nl-NL" sz="2400" b="1" dirty="0" smtClean="0"/>
               <a:t>Controller</a:t>
             </a:r>
-            <a:endParaRPr lang="nl-NL" sz="2400" b="1" dirty="0" smtClean="0"/>
           </a:p>
         </p:txBody>
       </p:sp>
@@ -34846,6 +34886,44 @@
 <file path=ppt/tags/tag34.xml><?xml version="1.0" encoding="utf-8"?>
 <p:tagLst xmlns:a="http://schemas.openxmlformats.org/drawingml/2006/main" xmlns:r="http://schemas.openxmlformats.org/officeDocument/2006/relationships" xmlns:p="http://schemas.openxmlformats.org/presentationml/2006/main">
   <p:tag name="OUTPUTDPI" val="1200"/>
+  <p:tag name="ORIGINALHEIGHT" val="104,25"/>
+  <p:tag name="ORIGINALWIDTH" val="140,25"/>
+  <p:tag name="LATEXADDIN" val="\documentclass{article}&#10;\usepackage{amsmath}&#10;\usepackage{amsfonts}&#10;\pagestyle{empty}&#10;\begin{document}&#10;&#10;$R_d$&#10;&#10;\end{document}"/>
+  <p:tag name="IGUANATEXSIZE" val="20"/>
+  <p:tag name="IGUANATEXCURSOR" val="107"/>
+  <p:tag name="TRANSPARENCY" val="True"/>
+  <p:tag name="FILENAME" val=""/>
+  <p:tag name="LATEXENGINEID" val="0"/>
+  <p:tag name="TEMPFOLDER" val="c:\temp\"/>
+  <p:tag name="LATEXFORMHEIGHT" val="312"/>
+  <p:tag name="LATEXFORMWIDTH" val="384"/>
+  <p:tag name="LATEXFORMWRAP" val="True"/>
+  <p:tag name="BITMAPVECTOR" val="0"/>
+</p:tagLst>
+</file>
+
+<file path=ppt/tags/tag35.xml><?xml version="1.0" encoding="utf-8"?>
+<p:tagLst xmlns:a="http://schemas.openxmlformats.org/drawingml/2006/main" xmlns:r="http://schemas.openxmlformats.org/officeDocument/2006/relationships" xmlns:p="http://schemas.openxmlformats.org/presentationml/2006/main">
+  <p:tag name="OUTPUTDPI" val="1200"/>
+  <p:tag name="ORIGINALHEIGHT" val="124,5"/>
+  <p:tag name="ORIGINALWIDTH" val="278,25"/>
+  <p:tag name="LATEXADDIN" val="\documentclass{article}&#10;\usepackage{amsmath}&#10;\usepackage{amsfonts}&#10;\pagestyle{empty}&#10;\begin{document}&#10;&#10;$R_d(t)$&#10;&#10;\end{document}"/>
+  <p:tag name="IGUANATEXSIZE" val="20"/>
+  <p:tag name="IGUANATEXCURSOR" val="107"/>
+  <p:tag name="TRANSPARENCY" val="True"/>
+  <p:tag name="FILENAME" val=""/>
+  <p:tag name="LATEXENGINEID" val="0"/>
+  <p:tag name="TEMPFOLDER" val="c:\temp\"/>
+  <p:tag name="LATEXFORMHEIGHT" val="312"/>
+  <p:tag name="LATEXFORMWIDTH" val="384"/>
+  <p:tag name="LATEXFORMWRAP" val="True"/>
+  <p:tag name="BITMAPVECTOR" val="0"/>
+</p:tagLst>
+</file>
+
+<file path=ppt/tags/tag36.xml><?xml version="1.0" encoding="utf-8"?>
+<p:tagLst xmlns:a="http://schemas.openxmlformats.org/drawingml/2006/main" xmlns:r="http://schemas.openxmlformats.org/officeDocument/2006/relationships" xmlns:p="http://schemas.openxmlformats.org/presentationml/2006/main">
+  <p:tag name="OUTPUTDPI" val="1200"/>
   <p:tag name="ORIGINALHEIGHT" val="87,75"/>
   <p:tag name="ORIGINALWIDTH" val="90"/>
   <p:tag name="LATEXADDIN" val="\documentclass{article}&#10;\usepackage{amsmath}&#10;\usepackage{amsfonts}&#10;\pagestyle{empty}&#10;\begin{document}&#10;&#10;$R$&#10;&#10;\end{document}"/>
@@ -34862,7 +34940,7 @@
 </p:tagLst>
 </file>
 
-<file path=ppt/tags/tag35.xml><?xml version="1.0" encoding="utf-8"?>
+<file path=ppt/tags/tag37.xml><?xml version="1.0" encoding="utf-8"?>
 <p:tagLst xmlns:a="http://schemas.openxmlformats.org/drawingml/2006/main" xmlns:r="http://schemas.openxmlformats.org/officeDocument/2006/relationships" xmlns:p="http://schemas.openxmlformats.org/presentationml/2006/main">
   <p:tag name="OUTPUTDPI" val="1200"/>
   <p:tag name="ORIGINALHEIGHT" val="124,5"/>
@@ -34881,26 +34959,7 @@
 </p:tagLst>
 </file>
 
-<file path=ppt/tags/tag36.xml><?xml version="1.0" encoding="utf-8"?>
-<p:tagLst xmlns:a="http://schemas.openxmlformats.org/drawingml/2006/main" xmlns:r="http://schemas.openxmlformats.org/officeDocument/2006/relationships" xmlns:p="http://schemas.openxmlformats.org/presentationml/2006/main">
-  <p:tag name="OUTPUTDPI" val="1200"/>
-  <p:tag name="ORIGINALHEIGHT" val="104,25"/>
-  <p:tag name="ORIGINALWIDTH" val="140,25"/>
-  <p:tag name="LATEXADDIN" val="\documentclass{article}&#10;\usepackage{amsmath}&#10;\usepackage{amsfonts}&#10;\pagestyle{empty}&#10;\begin{document}&#10;&#10;$R_d$&#10;&#10;\end{document}"/>
-  <p:tag name="IGUANATEXSIZE" val="20"/>
-  <p:tag name="IGUANATEXCURSOR" val="107"/>
-  <p:tag name="TRANSPARENCY" val="True"/>
-  <p:tag name="FILENAME" val=""/>
-  <p:tag name="LATEXENGINEID" val="0"/>
-  <p:tag name="TEMPFOLDER" val="c:\temp\"/>
-  <p:tag name="LATEXFORMHEIGHT" val="312"/>
-  <p:tag name="LATEXFORMWIDTH" val="384"/>
-  <p:tag name="LATEXFORMWRAP" val="True"/>
-  <p:tag name="BITMAPVECTOR" val="0"/>
-</p:tagLst>
-</file>
-
-<file path=ppt/tags/tag37.xml><?xml version="1.0" encoding="utf-8"?>
+<file path=ppt/tags/tag38.xml><?xml version="1.0" encoding="utf-8"?>
 <p:tagLst xmlns:a="http://schemas.openxmlformats.org/drawingml/2006/main" xmlns:r="http://schemas.openxmlformats.org/officeDocument/2006/relationships" xmlns:p="http://schemas.openxmlformats.org/presentationml/2006/main">
   <p:tag name="OUTPUTDPI" val="1200"/>
   <p:tag name="ORIGINALHEIGHT" val="124,5"/>
@@ -34908,25 +34967,6 @@
   <p:tag name="LATEXADDIN" val="\documentclass{article}&#10;\usepackage{amsmath}&#10;\usepackage{amsfonts}&#10;\pagestyle{empty}&#10;\begin{document}&#10;&#10;$R(t)$&#10;&#10;\end{document}"/>
   <p:tag name="IGUANATEXSIZE" val="20"/>
   <p:tag name="IGUANATEXCURSOR" val="108"/>
-  <p:tag name="TRANSPARENCY" val="True"/>
-  <p:tag name="FILENAME" val=""/>
-  <p:tag name="LATEXENGINEID" val="0"/>
-  <p:tag name="TEMPFOLDER" val="c:\temp\"/>
-  <p:tag name="LATEXFORMHEIGHT" val="312"/>
-  <p:tag name="LATEXFORMWIDTH" val="384"/>
-  <p:tag name="LATEXFORMWRAP" val="True"/>
-  <p:tag name="BITMAPVECTOR" val="0"/>
-</p:tagLst>
-</file>
-
-<file path=ppt/tags/tag38.xml><?xml version="1.0" encoding="utf-8"?>
-<p:tagLst xmlns:a="http://schemas.openxmlformats.org/drawingml/2006/main" xmlns:r="http://schemas.openxmlformats.org/officeDocument/2006/relationships" xmlns:p="http://schemas.openxmlformats.org/presentationml/2006/main">
-  <p:tag name="OUTPUTDPI" val="1200"/>
-  <p:tag name="ORIGINALHEIGHT" val="124,5"/>
-  <p:tag name="ORIGINALWIDTH" val="278,25"/>
-  <p:tag name="LATEXADDIN" val="\documentclass{article}&#10;\usepackage{amsmath}&#10;\usepackage{amsfonts}&#10;\pagestyle{empty}&#10;\begin{document}&#10;&#10;$R_d(t)$&#10;&#10;\end{document}"/>
-  <p:tag name="IGUANATEXSIZE" val="20"/>
-  <p:tag name="IGUANATEXCURSOR" val="107"/>
   <p:tag name="TRANSPARENCY" val="True"/>
   <p:tag name="FILENAME" val=""/>
   <p:tag name="LATEXENGINEID" val="0"/>

--- a/StyleStuff/figures.pptx
+++ b/StyleStuff/figures.pptx
@@ -323,7 +323,7 @@
           <a:p>
             <a:fld id="{54F4720F-D6E7-473E-8843-300157F93B80}" type="datetimeFigureOut">
               <a:rPr lang="nl-NL" smtClean="0"/>
-              <a:t>24-7-2017</a:t>
+              <a:t>25-7-2017</a:t>
             </a:fld>
             <a:endParaRPr lang="nl-NL"/>
           </a:p>
@@ -493,7 +493,7 @@
           <a:p>
             <a:fld id="{54F4720F-D6E7-473E-8843-300157F93B80}" type="datetimeFigureOut">
               <a:rPr lang="nl-NL" smtClean="0"/>
-              <a:t>24-7-2017</a:t>
+              <a:t>25-7-2017</a:t>
             </a:fld>
             <a:endParaRPr lang="nl-NL"/>
           </a:p>
@@ -673,7 +673,7 @@
           <a:p>
             <a:fld id="{54F4720F-D6E7-473E-8843-300157F93B80}" type="datetimeFigureOut">
               <a:rPr lang="nl-NL" smtClean="0"/>
-              <a:t>24-7-2017</a:t>
+              <a:t>25-7-2017</a:t>
             </a:fld>
             <a:endParaRPr lang="nl-NL"/>
           </a:p>
@@ -843,7 +843,7 @@
           <a:p>
             <a:fld id="{54F4720F-D6E7-473E-8843-300157F93B80}" type="datetimeFigureOut">
               <a:rPr lang="nl-NL" smtClean="0"/>
-              <a:t>24-7-2017</a:t>
+              <a:t>25-7-2017</a:t>
             </a:fld>
             <a:endParaRPr lang="nl-NL"/>
           </a:p>
@@ -1089,7 +1089,7 @@
           <a:p>
             <a:fld id="{54F4720F-D6E7-473E-8843-300157F93B80}" type="datetimeFigureOut">
               <a:rPr lang="nl-NL" smtClean="0"/>
-              <a:t>24-7-2017</a:t>
+              <a:t>25-7-2017</a:t>
             </a:fld>
             <a:endParaRPr lang="nl-NL"/>
           </a:p>
@@ -1377,7 +1377,7 @@
           <a:p>
             <a:fld id="{54F4720F-D6E7-473E-8843-300157F93B80}" type="datetimeFigureOut">
               <a:rPr lang="nl-NL" smtClean="0"/>
-              <a:t>24-7-2017</a:t>
+              <a:t>25-7-2017</a:t>
             </a:fld>
             <a:endParaRPr lang="nl-NL"/>
           </a:p>
@@ -1799,7 +1799,7 @@
           <a:p>
             <a:fld id="{54F4720F-D6E7-473E-8843-300157F93B80}" type="datetimeFigureOut">
               <a:rPr lang="nl-NL" smtClean="0"/>
-              <a:t>24-7-2017</a:t>
+              <a:t>25-7-2017</a:t>
             </a:fld>
             <a:endParaRPr lang="nl-NL"/>
           </a:p>
@@ -1917,7 +1917,7 @@
           <a:p>
             <a:fld id="{54F4720F-D6E7-473E-8843-300157F93B80}" type="datetimeFigureOut">
               <a:rPr lang="nl-NL" smtClean="0"/>
-              <a:t>24-7-2017</a:t>
+              <a:t>25-7-2017</a:t>
             </a:fld>
             <a:endParaRPr lang="nl-NL"/>
           </a:p>
@@ -2012,7 +2012,7 @@
           <a:p>
             <a:fld id="{54F4720F-D6E7-473E-8843-300157F93B80}" type="datetimeFigureOut">
               <a:rPr lang="nl-NL" smtClean="0"/>
-              <a:t>24-7-2017</a:t>
+              <a:t>25-7-2017</a:t>
             </a:fld>
             <a:endParaRPr lang="nl-NL"/>
           </a:p>
@@ -2289,7 +2289,7 @@
           <a:p>
             <a:fld id="{54F4720F-D6E7-473E-8843-300157F93B80}" type="datetimeFigureOut">
               <a:rPr lang="nl-NL" smtClean="0"/>
-              <a:t>24-7-2017</a:t>
+              <a:t>25-7-2017</a:t>
             </a:fld>
             <a:endParaRPr lang="nl-NL"/>
           </a:p>
@@ -2542,7 +2542,7 @@
           <a:p>
             <a:fld id="{54F4720F-D6E7-473E-8843-300157F93B80}" type="datetimeFigureOut">
               <a:rPr lang="nl-NL" smtClean="0"/>
-              <a:t>24-7-2017</a:t>
+              <a:t>25-7-2017</a:t>
             </a:fld>
             <a:endParaRPr lang="nl-NL"/>
           </a:p>
@@ -2755,7 +2755,7 @@
           <a:p>
             <a:fld id="{54F4720F-D6E7-473E-8843-300157F93B80}" type="datetimeFigureOut">
               <a:rPr lang="nl-NL" smtClean="0"/>
-              <a:t>24-7-2017</a:t>
+              <a:t>25-7-2017</a:t>
             </a:fld>
             <a:endParaRPr lang="nl-NL"/>
           </a:p>
@@ -8728,7 +8728,7 @@
       </p:pic>
       <p:pic>
         <p:nvPicPr>
-          <p:cNvPr id="4" name="Picture 3"/>
+          <p:cNvPr id="7" name="Picture 6"/>
           <p:cNvPicPr>
             <a:picLocks noChangeAspect="1"/>
           </p:cNvPicPr>
@@ -8759,8 +8759,8 @@
         </p:blipFill>
         <p:spPr>
           <a:xfrm>
-            <a:off x="4597364" y="1868190"/>
-            <a:ext cx="1107919" cy="1073551"/>
+            <a:off x="5422041" y="1516127"/>
+            <a:ext cx="409534" cy="580647"/>
           </a:xfrm>
           <a:prstGeom prst="rect">
             <a:avLst/>
@@ -8786,13 +8786,6 @@
         </p:nvPicPr>
         <p:blipFill>
           <a:blip r:embed="rId12">
-            <a:duotone>
-              <a:schemeClr val="bg2">
-                <a:shade val="45000"/>
-                <a:satMod val="135000"/>
-              </a:schemeClr>
-              <a:prstClr val="white"/>
-            </a:duotone>
             <a:extLst>
               <a:ext uri="{28A0092B-C50C-407E-A947-70E740481C1C}">
                 <a14:useLocalDpi xmlns:a14="http://schemas.microsoft.com/office/drawing/2010/main" val="0"/>
@@ -8805,7 +8798,7 @@
         </p:blipFill>
         <p:spPr>
           <a:xfrm>
-            <a:off x="414102" y="2008050"/>
+            <a:off x="451493" y="1420657"/>
             <a:ext cx="2196089" cy="1276934"/>
           </a:xfrm>
           <a:prstGeom prst="rect">
@@ -8820,34 +8813,30 @@
       </p:pic>
       <p:sp>
         <p:nvSpPr>
-          <p:cNvPr id="20" name="Freeform 19"/>
+          <p:cNvPr id="16" name="Freeform 15"/>
           <p:cNvSpPr/>
           <p:nvPr/>
         </p:nvSpPr>
         <p:spPr>
-          <a:xfrm rot="19973883">
-            <a:off x="1342396" y="190857"/>
-            <a:ext cx="6276395" cy="3910513"/>
+          <a:xfrm>
+            <a:off x="2687690" y="1780773"/>
+            <a:ext cx="5268686" cy="1151874"/>
           </a:xfrm>
           <a:custGeom>
             <a:avLst/>
             <a:gdLst>
-              <a:gd name="connsiteX0" fmla="*/ 0 w 5874328"/>
-              <a:gd name="connsiteY0" fmla="*/ 665444 h 2618934"/>
-              <a:gd name="connsiteX1" fmla="*/ 1468582 w 5874328"/>
-              <a:gd name="connsiteY1" fmla="*/ 14280 h 2618934"/>
-              <a:gd name="connsiteX2" fmla="*/ 1399310 w 5874328"/>
-              <a:gd name="connsiteY2" fmla="*/ 1219625 h 2618934"/>
-              <a:gd name="connsiteX3" fmla="*/ 3491346 w 5874328"/>
-              <a:gd name="connsiteY3" fmla="*/ 1081080 h 2618934"/>
-              <a:gd name="connsiteX4" fmla="*/ 4073237 w 5874328"/>
-              <a:gd name="connsiteY4" fmla="*/ 1787662 h 2618934"/>
-              <a:gd name="connsiteX5" fmla="*/ 5084619 w 5874328"/>
-              <a:gd name="connsiteY5" fmla="*/ 2078607 h 2618934"/>
-              <a:gd name="connsiteX6" fmla="*/ 5763491 w 5874328"/>
-              <a:gd name="connsiteY6" fmla="*/ 2244862 h 2618934"/>
-              <a:gd name="connsiteX7" fmla="*/ 5874328 w 5874328"/>
-              <a:gd name="connsiteY7" fmla="*/ 2618934 h 2618934"/>
+              <a:gd name="connsiteX0" fmla="*/ 0 w 5268686"/>
+              <a:gd name="connsiteY0" fmla="*/ 251227 h 1151874"/>
+              <a:gd name="connsiteX1" fmla="*/ 1640114 w 5268686"/>
+              <a:gd name="connsiteY1" fmla="*/ 48027 h 1151874"/>
+              <a:gd name="connsiteX2" fmla="*/ 1901371 w 5268686"/>
+              <a:gd name="connsiteY2" fmla="*/ 1049513 h 1151874"/>
+              <a:gd name="connsiteX3" fmla="*/ 2975429 w 5268686"/>
+              <a:gd name="connsiteY3" fmla="*/ 338313 h 1151874"/>
+              <a:gd name="connsiteX4" fmla="*/ 4034971 w 5268686"/>
+              <a:gd name="connsiteY4" fmla="*/ 1151113 h 1151874"/>
+              <a:gd name="connsiteX5" fmla="*/ 5268686 w 5268686"/>
+              <a:gd name="connsiteY5" fmla="*/ 497970 h 1151874"/>
             </a:gdLst>
             <a:ahLst/>
             <a:cxnLst>
@@ -8869,53 +8858,37 @@
               <a:cxn ang="0">
                 <a:pos x="connsiteX5" y="connsiteY5"/>
               </a:cxn>
-              <a:cxn ang="0">
-                <a:pos x="connsiteX6" y="connsiteY6"/>
-              </a:cxn>
-              <a:cxn ang="0">
-                <a:pos x="connsiteX7" y="connsiteY7"/>
-              </a:cxn>
             </a:cxnLst>
             <a:rect l="l" t="t" r="r" b="b"/>
             <a:pathLst>
-              <a:path w="5874328" h="2618934">
+              <a:path w="5268686" h="1151874">
                 <a:moveTo>
-                  <a:pt x="0" y="665444"/>
+                  <a:pt x="0" y="251227"/>
                 </a:moveTo>
                 <a:cubicBezTo>
-                  <a:pt x="617682" y="293680"/>
-                  <a:pt x="1235364" y="-78084"/>
-                  <a:pt x="1468582" y="14280"/>
+                  <a:pt x="661609" y="83103"/>
+                  <a:pt x="1323219" y="-85021"/>
+                  <a:pt x="1640114" y="48027"/>
                 </a:cubicBezTo>
                 <a:cubicBezTo>
-                  <a:pt x="1701800" y="106644"/>
-                  <a:pt x="1062183" y="1041825"/>
-                  <a:pt x="1399310" y="1219625"/>
+                  <a:pt x="1957009" y="181075"/>
+                  <a:pt x="1678819" y="1001132"/>
+                  <a:pt x="1901371" y="1049513"/>
                 </a:cubicBezTo>
                 <a:cubicBezTo>
-                  <a:pt x="1736437" y="1397425"/>
-                  <a:pt x="3045692" y="986407"/>
-                  <a:pt x="3491346" y="1081080"/>
+                  <a:pt x="2123923" y="1097894"/>
+                  <a:pt x="2619829" y="321380"/>
+                  <a:pt x="2975429" y="338313"/>
                 </a:cubicBezTo>
                 <a:cubicBezTo>
-                  <a:pt x="3937000" y="1175753"/>
-                  <a:pt x="3807692" y="1621408"/>
-                  <a:pt x="4073237" y="1787662"/>
+                  <a:pt x="3331029" y="355246"/>
+                  <a:pt x="3652762" y="1124504"/>
+                  <a:pt x="4034971" y="1151113"/>
                 </a:cubicBezTo>
                 <a:cubicBezTo>
-                  <a:pt x="4338782" y="1953916"/>
-                  <a:pt x="4802910" y="2002407"/>
-                  <a:pt x="5084619" y="2078607"/>
-                </a:cubicBezTo>
-                <a:cubicBezTo>
-                  <a:pt x="5366328" y="2154807"/>
-                  <a:pt x="5631873" y="2154807"/>
-                  <a:pt x="5763491" y="2244862"/>
-                </a:cubicBezTo>
-                <a:cubicBezTo>
-                  <a:pt x="5895109" y="2334917"/>
-                  <a:pt x="5832764" y="2605080"/>
-                  <a:pt x="5874328" y="2618934"/>
+                  <a:pt x="4417180" y="1177722"/>
+                  <a:pt x="5268686" y="497970"/>
+                  <a:pt x="5268686" y="497970"/>
                 </a:cubicBezTo>
               </a:path>
             </a:pathLst>
@@ -8957,7 +8930,7 @@
       </p:sp>
       <p:pic>
         <p:nvPicPr>
-          <p:cNvPr id="5" name="Picture 4 2"/>
+          <p:cNvPr id="2" name="Picture 1"/>
           <p:cNvPicPr>
             <a:picLocks noChangeAspect="1"/>
           </p:cNvPicPr>
@@ -8988,8 +8961,8 @@
         </p:blipFill>
         <p:spPr>
           <a:xfrm>
-            <a:off x="3308728" y="3196340"/>
-            <a:ext cx="710325" cy="900008"/>
+            <a:off x="3619056" y="3866584"/>
+            <a:ext cx="408437" cy="822421"/>
           </a:xfrm>
           <a:prstGeom prst="rect">
             <a:avLst/>
@@ -9001,6 +8974,45 @@
           </a:solidFill>
         </p:spPr>
       </p:pic>
+      <p:pic>
+        <p:nvPicPr>
+          <p:cNvPr id="33" name="Picture 32"/>
+          <p:cNvPicPr>
+            <a:picLocks noChangeAspect="1"/>
+          </p:cNvPicPr>
+          <p:nvPr>
+            <p:custDataLst>
+              <p:tags r:id="rId4"/>
+            </p:custDataLst>
+          </p:nvPr>
+        </p:nvPicPr>
+        <p:blipFill>
+          <a:blip r:embed="rId14">
+            <a:extLst>
+              <a:ext uri="{28A0092B-C50C-407E-A947-70E740481C1C}">
+                <a14:useLocalDpi xmlns:a14="http://schemas.microsoft.com/office/drawing/2010/main" val="0"/>
+              </a:ext>
+            </a:extLst>
+          </a:blip>
+          <a:stretch>
+            <a:fillRect/>
+          </a:stretch>
+        </p:blipFill>
+        <p:spPr>
+          <a:xfrm>
+            <a:off x="5329867" y="3356992"/>
+            <a:ext cx="2266469" cy="1042774"/>
+          </a:xfrm>
+          <a:prstGeom prst="rect">
+            <a:avLst/>
+          </a:prstGeom>
+          <a:solidFill>
+            <a:schemeClr val="bg1">
+              <a:alpha val="65000"/>
+            </a:schemeClr>
+          </a:solidFill>
+        </p:spPr>
+      </p:pic>
       <p:sp>
         <p:nvSpPr>
           <p:cNvPr id="10" name="Oval 9"/>
@@ -9009,7 +9021,7 @@
         </p:nvSpPr>
         <p:spPr>
           <a:xfrm>
-            <a:off x="5668072" y="2074834"/>
+            <a:off x="5588548" y="2039587"/>
             <a:ext cx="243027" cy="270725"/>
           </a:xfrm>
           <a:prstGeom prst="ellipse">
@@ -9047,12 +9059,12 @@
           </p:cNvPicPr>
           <p:nvPr>
             <p:custDataLst>
-              <p:tags r:id="rId4"/>
+              <p:tags r:id="rId5"/>
             </p:custDataLst>
           </p:nvPr>
         </p:nvPicPr>
         <p:blipFill>
-          <a:blip r:embed="rId14">
+          <a:blip r:embed="rId15">
             <a:extLst>
               <a:ext uri="{28A0092B-C50C-407E-A947-70E740481C1C}">
                 <a14:useLocalDpi xmlns:a14="http://schemas.microsoft.com/office/drawing/2010/main" val="0"/>
@@ -9065,7 +9077,7 @@
         </p:blipFill>
         <p:spPr>
           <a:xfrm>
-            <a:off x="7014080" y="5641315"/>
+            <a:off x="6921842" y="5638578"/>
             <a:ext cx="2014033" cy="1008748"/>
           </a:xfrm>
           <a:prstGeom prst="rect">
@@ -9073,82 +9085,32 @@
           </a:prstGeom>
         </p:spPr>
       </p:pic>
-      <p:pic>
-        <p:nvPicPr>
-          <p:cNvPr id="17" name="Picture 16"/>
-          <p:cNvPicPr>
-            <a:picLocks noChangeAspect="1"/>
-          </p:cNvPicPr>
-          <p:nvPr>
-            <p:custDataLst>
-              <p:tags r:id="rId5"/>
-            </p:custDataLst>
-          </p:nvPr>
-        </p:nvPicPr>
-        <p:blipFill>
-          <a:blip r:embed="rId15">
-            <a:duotone>
-              <a:schemeClr val="bg2">
-                <a:shade val="45000"/>
-                <a:satMod val="135000"/>
-              </a:schemeClr>
-              <a:prstClr val="white"/>
-            </a:duotone>
-            <a:extLst>
-              <a:ext uri="{28A0092B-C50C-407E-A947-70E740481C1C}">
-                <a14:useLocalDpi xmlns:a14="http://schemas.microsoft.com/office/drawing/2010/main" val="0"/>
-              </a:ext>
-            </a:extLst>
-          </a:blip>
-          <a:stretch>
-            <a:fillRect/>
-          </a:stretch>
-        </p:blipFill>
-        <p:spPr>
-          <a:xfrm>
-            <a:off x="539552" y="4171535"/>
-            <a:ext cx="1744243" cy="1271806"/>
-          </a:xfrm>
-          <a:prstGeom prst="rect">
-            <a:avLst/>
-          </a:prstGeom>
-          <a:solidFill>
-            <a:schemeClr val="bg1">
-              <a:alpha val="65000"/>
-            </a:schemeClr>
-          </a:solidFill>
-        </p:spPr>
-      </p:pic>
       <p:sp>
         <p:nvSpPr>
-          <p:cNvPr id="19" name="Freeform 18"/>
+          <p:cNvPr id="30" name="Freeform 29"/>
           <p:cNvSpPr/>
           <p:nvPr/>
         </p:nvSpPr>
         <p:spPr>
-          <a:xfrm rot="20293109">
-            <a:off x="1433845" y="2842900"/>
-            <a:ext cx="4425628" cy="3482573"/>
+          <a:xfrm>
+            <a:off x="2195736" y="3915547"/>
+            <a:ext cx="5167085" cy="1457669"/>
           </a:xfrm>
           <a:custGeom>
             <a:avLst/>
             <a:gdLst>
-              <a:gd name="connsiteX0" fmla="*/ 0 w 5874328"/>
-              <a:gd name="connsiteY0" fmla="*/ 665444 h 2618934"/>
-              <a:gd name="connsiteX1" fmla="*/ 1468582 w 5874328"/>
-              <a:gd name="connsiteY1" fmla="*/ 14280 h 2618934"/>
-              <a:gd name="connsiteX2" fmla="*/ 1399310 w 5874328"/>
-              <a:gd name="connsiteY2" fmla="*/ 1219625 h 2618934"/>
-              <a:gd name="connsiteX3" fmla="*/ 3491346 w 5874328"/>
-              <a:gd name="connsiteY3" fmla="*/ 1081080 h 2618934"/>
-              <a:gd name="connsiteX4" fmla="*/ 4073237 w 5874328"/>
-              <a:gd name="connsiteY4" fmla="*/ 1787662 h 2618934"/>
-              <a:gd name="connsiteX5" fmla="*/ 5084619 w 5874328"/>
-              <a:gd name="connsiteY5" fmla="*/ 2078607 h 2618934"/>
-              <a:gd name="connsiteX6" fmla="*/ 5763491 w 5874328"/>
-              <a:gd name="connsiteY6" fmla="*/ 2244862 h 2618934"/>
-              <a:gd name="connsiteX7" fmla="*/ 5874328 w 5874328"/>
-              <a:gd name="connsiteY7" fmla="*/ 2618934 h 2618934"/>
+              <a:gd name="connsiteX0" fmla="*/ 0 w 5167085"/>
+              <a:gd name="connsiteY0" fmla="*/ 557783 h 1457669"/>
+              <a:gd name="connsiteX1" fmla="*/ 1277257 w 5167085"/>
+              <a:gd name="connsiteY1" fmla="*/ 20754 h 1457669"/>
+              <a:gd name="connsiteX2" fmla="*/ 1436914 w 5167085"/>
+              <a:gd name="connsiteY2" fmla="*/ 1196411 h 1457669"/>
+              <a:gd name="connsiteX3" fmla="*/ 3526971 w 5167085"/>
+              <a:gd name="connsiteY3" fmla="*/ 717440 h 1457669"/>
+              <a:gd name="connsiteX4" fmla="*/ 4659085 w 5167085"/>
+              <a:gd name="connsiteY4" fmla="*/ 630354 h 1457669"/>
+              <a:gd name="connsiteX5" fmla="*/ 5167085 w 5167085"/>
+              <a:gd name="connsiteY5" fmla="*/ 1457669 h 1457669"/>
             </a:gdLst>
             <a:ahLst/>
             <a:cxnLst>
@@ -9170,53 +9132,37 @@
               <a:cxn ang="0">
                 <a:pos x="connsiteX5" y="connsiteY5"/>
               </a:cxn>
-              <a:cxn ang="0">
-                <a:pos x="connsiteX6" y="connsiteY6"/>
-              </a:cxn>
-              <a:cxn ang="0">
-                <a:pos x="connsiteX7" y="connsiteY7"/>
-              </a:cxn>
             </a:cxnLst>
             <a:rect l="l" t="t" r="r" b="b"/>
             <a:pathLst>
-              <a:path w="5874328" h="2618934">
+              <a:path w="5167085" h="1457669">
                 <a:moveTo>
-                  <a:pt x="0" y="665444"/>
+                  <a:pt x="0" y="557783"/>
                 </a:moveTo>
                 <a:cubicBezTo>
-                  <a:pt x="617682" y="293680"/>
-                  <a:pt x="1235364" y="-78084"/>
-                  <a:pt x="1468582" y="14280"/>
+                  <a:pt x="518885" y="236049"/>
+                  <a:pt x="1037771" y="-85684"/>
+                  <a:pt x="1277257" y="20754"/>
                 </a:cubicBezTo>
                 <a:cubicBezTo>
-                  <a:pt x="1701800" y="106644"/>
-                  <a:pt x="1062183" y="1041825"/>
-                  <a:pt x="1399310" y="1219625"/>
+                  <a:pt x="1516743" y="127192"/>
+                  <a:pt x="1061962" y="1080297"/>
+                  <a:pt x="1436914" y="1196411"/>
                 </a:cubicBezTo>
                 <a:cubicBezTo>
-                  <a:pt x="1736437" y="1397425"/>
-                  <a:pt x="3045692" y="986407"/>
-                  <a:pt x="3491346" y="1081080"/>
+                  <a:pt x="1811866" y="1312525"/>
+                  <a:pt x="2989943" y="811783"/>
+                  <a:pt x="3526971" y="717440"/>
                 </a:cubicBezTo>
                 <a:cubicBezTo>
-                  <a:pt x="3937000" y="1175753"/>
-                  <a:pt x="3807692" y="1621408"/>
-                  <a:pt x="4073237" y="1787662"/>
+                  <a:pt x="4063999" y="623097"/>
+                  <a:pt x="4385733" y="506983"/>
+                  <a:pt x="4659085" y="630354"/>
                 </a:cubicBezTo>
                 <a:cubicBezTo>
-                  <a:pt x="4338782" y="1953916"/>
-                  <a:pt x="4802910" y="2002407"/>
-                  <a:pt x="5084619" y="2078607"/>
-                </a:cubicBezTo>
-                <a:cubicBezTo>
-                  <a:pt x="5366328" y="2154807"/>
-                  <a:pt x="5631873" y="2154807"/>
-                  <a:pt x="5763491" y="2244862"/>
-                </a:cubicBezTo>
-                <a:cubicBezTo>
-                  <a:pt x="5895109" y="2334917"/>
-                  <a:pt x="5832764" y="2605080"/>
-                  <a:pt x="5874328" y="2618934"/>
+                  <a:pt x="4932437" y="753725"/>
+                  <a:pt x="5049761" y="1105697"/>
+                  <a:pt x="5167085" y="1457669"/>
                 </a:cubicBezTo>
               </a:path>
             </a:pathLst>
@@ -9263,7 +9209,7 @@
         </p:nvSpPr>
         <p:spPr>
           <a:xfrm>
-            <a:off x="3927121" y="4043860"/>
+            <a:off x="3376029" y="4244586"/>
             <a:ext cx="243027" cy="270725"/>
           </a:xfrm>
           <a:prstGeom prst="ellipse">
@@ -9293,57 +9239,9 @@
           </a:p>
         </p:txBody>
       </p:sp>
-      <p:sp>
-        <p:nvSpPr>
-          <p:cNvPr id="15" name="Arc 14"/>
-          <p:cNvSpPr/>
-          <p:nvPr/>
-        </p:nvSpPr>
-        <p:spPr>
-          <a:xfrm rot="2828682">
-            <a:off x="1502597" y="3987302"/>
-            <a:ext cx="2851743" cy="2144449"/>
-          </a:xfrm>
-          <a:prstGeom prst="arc">
-            <a:avLst>
-              <a:gd name="adj1" fmla="val 19589768"/>
-              <a:gd name="adj2" fmla="val 110909"/>
-            </a:avLst>
-          </a:prstGeom>
-          <a:ln w="47625">
-            <a:solidFill>
-              <a:srgbClr val="FF0000"/>
-            </a:solidFill>
-            <a:headEnd type="stealth"/>
-            <a:tailEnd type="none"/>
-          </a:ln>
-        </p:spPr>
-        <p:style>
-          <a:lnRef idx="1">
-            <a:schemeClr val="accent1"/>
-          </a:lnRef>
-          <a:fillRef idx="0">
-            <a:schemeClr val="accent1"/>
-          </a:fillRef>
-          <a:effectRef idx="0">
-            <a:schemeClr val="accent1"/>
-          </a:effectRef>
-          <a:fontRef idx="minor">
-            <a:schemeClr val="tx1"/>
-          </a:fontRef>
-        </p:style>
-        <p:txBody>
-          <a:bodyPr rtlCol="0" anchor="ctr"/>
-          <a:lstStyle/>
-          <a:p>
-            <a:pPr algn="ctr"/>
-            <a:endParaRPr lang="nl-NL"/>
-          </a:p>
-        </p:txBody>
-      </p:sp>
       <p:pic>
         <p:nvPicPr>
-          <p:cNvPr id="22" name="Picture 21"/>
+          <p:cNvPr id="17" name="Picture 16"/>
           <p:cNvPicPr>
             <a:picLocks noChangeAspect="1"/>
           </p:cNvPicPr>
@@ -9367,8 +9265,8 @@
         </p:blipFill>
         <p:spPr>
           <a:xfrm>
-            <a:off x="1259632" y="5773891"/>
-            <a:ext cx="2581598" cy="876171"/>
+            <a:off x="451493" y="3914993"/>
+            <a:ext cx="1744243" cy="1271806"/>
           </a:xfrm>
           <a:prstGeom prst="rect">
             <a:avLst/>
@@ -9380,56 +9278,9 @@
           </a:solidFill>
         </p:spPr>
       </p:pic>
-      <p:sp>
-        <p:nvSpPr>
-          <p:cNvPr id="27" name="Parallelogram 26"/>
-          <p:cNvSpPr/>
-          <p:nvPr/>
-        </p:nvSpPr>
-        <p:spPr>
-          <a:xfrm rot="20002988">
-            <a:off x="3312131" y="3449514"/>
-            <a:ext cx="1558667" cy="1811429"/>
-          </a:xfrm>
-          <a:prstGeom prst="parallelogram">
-            <a:avLst>
-              <a:gd name="adj" fmla="val 11691"/>
-            </a:avLst>
-          </a:prstGeom>
-          <a:solidFill>
-            <a:schemeClr val="accent6">
-              <a:lumMod val="60000"/>
-              <a:lumOff val="40000"/>
-              <a:alpha val="25000"/>
-            </a:schemeClr>
-          </a:solidFill>
-        </p:spPr>
-        <p:style>
-          <a:lnRef idx="2">
-            <a:schemeClr val="accent5"/>
-          </a:lnRef>
-          <a:fillRef idx="1">
-            <a:schemeClr val="lt1"/>
-          </a:fillRef>
-          <a:effectRef idx="0">
-            <a:schemeClr val="accent5"/>
-          </a:effectRef>
-          <a:fontRef idx="minor">
-            <a:schemeClr val="dk1"/>
-          </a:fontRef>
-        </p:style>
-        <p:txBody>
-          <a:bodyPr rtlCol="0" anchor="ctr"/>
-          <a:lstStyle/>
-          <a:p>
-            <a:pPr algn="ctr"/>
-            <a:endParaRPr lang="nl-NL"/>
-          </a:p>
-        </p:txBody>
-      </p:sp>
       <p:pic>
         <p:nvPicPr>
-          <p:cNvPr id="23" name="Picture 22"/>
+          <p:cNvPr id="9" name="Picture 8"/>
           <p:cNvPicPr>
             <a:picLocks noChangeAspect="1"/>
           </p:cNvPicPr>
@@ -9453,8 +9304,8 @@
         </p:blipFill>
         <p:spPr>
           <a:xfrm>
-            <a:off x="6106960" y="266622"/>
-            <a:ext cx="2862031" cy="890303"/>
+            <a:off x="2400488" y="5373216"/>
+            <a:ext cx="2439369" cy="879704"/>
           </a:xfrm>
           <a:prstGeom prst="rect">
             <a:avLst/>
@@ -9466,6 +9317,92 @@
           </a:solidFill>
         </p:spPr>
       </p:pic>
+      <p:sp>
+        <p:nvSpPr>
+          <p:cNvPr id="27" name="Parallelogram 26"/>
+          <p:cNvSpPr/>
+          <p:nvPr/>
+        </p:nvSpPr>
+        <p:spPr>
+          <a:xfrm rot="20731870">
+            <a:off x="2657451" y="3534390"/>
+            <a:ext cx="1558667" cy="1811429"/>
+          </a:xfrm>
+          <a:prstGeom prst="parallelogram">
+            <a:avLst>
+              <a:gd name="adj" fmla="val 11691"/>
+            </a:avLst>
+          </a:prstGeom>
+          <a:solidFill>
+            <a:schemeClr val="accent6">
+              <a:lumMod val="60000"/>
+              <a:lumOff val="40000"/>
+              <a:alpha val="25000"/>
+            </a:schemeClr>
+          </a:solidFill>
+        </p:spPr>
+        <p:style>
+          <a:lnRef idx="2">
+            <a:schemeClr val="accent5"/>
+          </a:lnRef>
+          <a:fillRef idx="1">
+            <a:schemeClr val="lt1"/>
+          </a:fillRef>
+          <a:effectRef idx="0">
+            <a:schemeClr val="accent5"/>
+          </a:effectRef>
+          <a:fontRef idx="minor">
+            <a:schemeClr val="dk1"/>
+          </a:fontRef>
+        </p:style>
+        <p:txBody>
+          <a:bodyPr rtlCol="0" anchor="ctr"/>
+          <a:lstStyle/>
+          <a:p>
+            <a:pPr algn="ctr"/>
+            <a:endParaRPr lang="nl-NL"/>
+          </a:p>
+        </p:txBody>
+      </p:sp>
+      <p:pic>
+        <p:nvPicPr>
+          <p:cNvPr id="8" name="Picture 7"/>
+          <p:cNvPicPr>
+            <a:picLocks noChangeAspect="1"/>
+          </p:cNvPicPr>
+          <p:nvPr>
+            <p:custDataLst>
+              <p:tags r:id="rId8"/>
+            </p:custDataLst>
+          </p:nvPr>
+        </p:nvPicPr>
+        <p:blipFill>
+          <a:blip r:embed="rId17">
+            <a:extLst>
+              <a:ext uri="{28A0092B-C50C-407E-A947-70E740481C1C}">
+                <a14:useLocalDpi xmlns:a14="http://schemas.microsoft.com/office/drawing/2010/main" val="0"/>
+              </a:ext>
+            </a:extLst>
+          </a:blip>
+          <a:stretch>
+            <a:fillRect/>
+          </a:stretch>
+        </p:blipFill>
+        <p:spPr>
+          <a:xfrm>
+            <a:off x="5803896" y="586690"/>
+            <a:ext cx="2440512" cy="879704"/>
+          </a:xfrm>
+          <a:prstGeom prst="rect">
+            <a:avLst/>
+          </a:prstGeom>
+          <a:solidFill>
+            <a:schemeClr val="bg1">
+              <a:alpha val="65000"/>
+            </a:schemeClr>
+          </a:solidFill>
+        </p:spPr>
+      </p:pic>
       <p:cxnSp>
         <p:nvCxnSpPr>
           <p:cNvPr id="6" name="Straight Arrow Connector 5"/>
@@ -9473,9 +9410,9 @@
           <p:nvPr/>
         </p:nvCxnSpPr>
         <p:spPr>
-          <a:xfrm>
-            <a:off x="4086153" y="4165095"/>
-            <a:ext cx="701871" cy="307039"/>
+          <a:xfrm flipH="1">
+            <a:off x="3376029" y="4424261"/>
+            <a:ext cx="121513" cy="777243"/>
           </a:xfrm>
           <a:prstGeom prst="straightConnector1">
             <a:avLst/>
@@ -9504,104 +9441,18 @@
       </p:cxnSp>
       <p:sp>
         <p:nvSpPr>
-          <p:cNvPr id="24" name="Arc 23"/>
-          <p:cNvSpPr/>
-          <p:nvPr/>
-        </p:nvSpPr>
-        <p:spPr>
-          <a:xfrm rot="20557147" flipH="1">
-            <a:off x="5840587" y="516014"/>
-            <a:ext cx="1207240" cy="1281823"/>
-          </a:xfrm>
-          <a:prstGeom prst="arc">
-            <a:avLst>
-              <a:gd name="adj1" fmla="val 16945032"/>
-              <a:gd name="adj2" fmla="val 21598597"/>
-            </a:avLst>
-          </a:prstGeom>
-          <a:ln w="47625">
-            <a:solidFill>
-              <a:srgbClr val="FF0000"/>
-            </a:solidFill>
-            <a:tailEnd type="stealth"/>
-          </a:ln>
-        </p:spPr>
-        <p:style>
-          <a:lnRef idx="1">
-            <a:schemeClr val="accent1"/>
-          </a:lnRef>
-          <a:fillRef idx="0">
-            <a:schemeClr val="accent1"/>
-          </a:fillRef>
-          <a:effectRef idx="0">
-            <a:schemeClr val="accent1"/>
-          </a:effectRef>
-          <a:fontRef idx="minor">
-            <a:schemeClr val="tx1"/>
-          </a:fontRef>
-        </p:style>
-        <p:txBody>
-          <a:bodyPr rtlCol="0" anchor="ctr"/>
-          <a:lstStyle/>
-          <a:p>
-            <a:pPr algn="ctr"/>
-            <a:endParaRPr lang="nl-NL"/>
-          </a:p>
-        </p:txBody>
-      </p:sp>
-      <p:pic>
-        <p:nvPicPr>
-          <p:cNvPr id="26" name="Picture 25"/>
-          <p:cNvPicPr>
-            <a:picLocks noChangeAspect="1"/>
-          </p:cNvPicPr>
-          <p:nvPr>
-            <p:custDataLst>
-              <p:tags r:id="rId8"/>
-            </p:custDataLst>
-          </p:nvPr>
-        </p:nvPicPr>
-        <p:blipFill>
-          <a:blip r:embed="rId18">
-            <a:extLst>
-              <a:ext uri="{28A0092B-C50C-407E-A947-70E740481C1C}">
-                <a14:useLocalDpi xmlns:a14="http://schemas.microsoft.com/office/drawing/2010/main" val="0"/>
-              </a:ext>
-            </a:extLst>
-          </a:blip>
-          <a:stretch>
-            <a:fillRect/>
-          </a:stretch>
-        </p:blipFill>
-        <p:spPr>
-          <a:xfrm>
-            <a:off x="5990575" y="3545600"/>
-            <a:ext cx="3079338" cy="1038586"/>
-          </a:xfrm>
-          <a:prstGeom prst="rect">
-            <a:avLst/>
-          </a:prstGeom>
-          <a:solidFill>
-            <a:schemeClr val="bg1">
-              <a:alpha val="65000"/>
-            </a:schemeClr>
-          </a:solidFill>
-        </p:spPr>
-      </p:pic>
-      <p:sp>
-        <p:nvSpPr>
           <p:cNvPr id="25" name="Arc 24"/>
           <p:cNvSpPr/>
           <p:nvPr/>
         </p:nvSpPr>
         <p:spPr>
-          <a:xfrm rot="3523298">
-            <a:off x="4701180" y="2299328"/>
-            <a:ext cx="1144022" cy="2216874"/>
+          <a:xfrm rot="2420895">
+            <a:off x="4051677" y="2417584"/>
+            <a:ext cx="849483" cy="2810915"/>
           </a:xfrm>
           <a:prstGeom prst="arc">
             <a:avLst>
-              <a:gd name="adj1" fmla="val 16916912"/>
+              <a:gd name="adj1" fmla="val 17017930"/>
               <a:gd name="adj2" fmla="val 3930637"/>
             </a:avLst>
           </a:prstGeom>
@@ -9643,7 +9494,7 @@
         </p:nvSpPr>
         <p:spPr>
           <a:xfrm rot="21180252" flipH="1">
-            <a:off x="5015714" y="1393004"/>
+            <a:off x="4979743" y="1357758"/>
             <a:ext cx="1547740" cy="1634383"/>
           </a:xfrm>
           <a:prstGeom prst="parallelogram">
@@ -9690,8 +9541,8 @@
         </p:nvCxnSpPr>
         <p:spPr>
           <a:xfrm>
-            <a:off x="5789584" y="2210195"/>
-            <a:ext cx="654624" cy="570733"/>
+            <a:off x="5789584" y="2132856"/>
+            <a:ext cx="654624" cy="376401"/>
           </a:xfrm>
           <a:prstGeom prst="straightConnector1">
             <a:avLst/>
@@ -34886,11 +34737,11 @@
 <file path=ppt/tags/tag34.xml><?xml version="1.0" encoding="utf-8"?>
 <p:tagLst xmlns:a="http://schemas.openxmlformats.org/drawingml/2006/main" xmlns:r="http://schemas.openxmlformats.org/officeDocument/2006/relationships" xmlns:p="http://schemas.openxmlformats.org/presentationml/2006/main">
   <p:tag name="OUTPUTDPI" val="1200"/>
-  <p:tag name="ORIGINALHEIGHT" val="104,25"/>
-  <p:tag name="ORIGINALWIDTH" val="140,25"/>
-  <p:tag name="LATEXADDIN" val="\documentclass{article}&#10;\usepackage{amsmath}&#10;\usepackage{amsfonts}&#10;\pagestyle{empty}&#10;\begin{document}&#10;&#10;$R_d$&#10;&#10;\end{document}"/>
+  <p:tag name="ORIGINALHEIGHT" val="56,25"/>
+  <p:tag name="ORIGINALWIDTH" val="51,75"/>
+  <p:tag name="LATEXADDIN" val="\documentclass{article}&#10;\usepackage{amsmath}&#10;\usepackage{amsfonts}&#10;\pagestyle{empty}&#10;\begin{document}&#10;&#10;$r$&#10;&#10;\end{document}"/>
   <p:tag name="IGUANATEXSIZE" val="20"/>
-  <p:tag name="IGUANATEXCURSOR" val="107"/>
+  <p:tag name="IGUANATEXCURSOR" val="105"/>
   <p:tag name="TRANSPARENCY" val="True"/>
   <p:tag name="FILENAME" val=""/>
   <p:tag name="LATEXENGINEID" val="0"/>
@@ -34924,9 +34775,9 @@
 <file path=ppt/tags/tag36.xml><?xml version="1.0" encoding="utf-8"?>
 <p:tagLst xmlns:a="http://schemas.openxmlformats.org/drawingml/2006/main" xmlns:r="http://schemas.openxmlformats.org/officeDocument/2006/relationships" xmlns:p="http://schemas.openxmlformats.org/presentationml/2006/main">
   <p:tag name="OUTPUTDPI" val="1200"/>
-  <p:tag name="ORIGINALHEIGHT" val="87,75"/>
-  <p:tag name="ORIGINALWIDTH" val="90"/>
-  <p:tag name="LATEXADDIN" val="\documentclass{article}&#10;\usepackage{amsmath}&#10;\usepackage{amsfonts}&#10;\pagestyle{empty}&#10;\begin{document}&#10;&#10;$R$&#10;&#10;\end{document}"/>
+  <p:tag name="ORIGINALHEIGHT" val="79,5"/>
+  <p:tag name="ORIGINALWIDTH" val="51,75"/>
+  <p:tag name="LATEXADDIN" val="\documentclass{article}&#10;\usepackage{amsmath}&#10;\usepackage{amsfonts}&#10;\pagestyle{empty}&#10;\begin{document}&#10;&#10;$q$&#10;&#10;\end{document}"/>
   <p:tag name="IGUANATEXSIZE" val="20"/>
   <p:tag name="IGUANATEXCURSOR" val="105"/>
   <p:tag name="TRANSPARENCY" val="True"/>
@@ -34941,6 +34792,25 @@
 </file>
 
 <file path=ppt/tags/tag37.xml><?xml version="1.0" encoding="utf-8"?>
+<p:tagLst xmlns:a="http://schemas.openxmlformats.org/drawingml/2006/main" xmlns:r="http://schemas.openxmlformats.org/officeDocument/2006/relationships" xmlns:p="http://schemas.openxmlformats.org/presentationml/2006/main">
+  <p:tag name="OUTPUTDPI" val="1200"/>
+  <p:tag name="ORIGINALHEIGHT" val="124,5"/>
+  <p:tag name="ORIGINALWIDTH" val="355,5"/>
+  <p:tag name="LATEXADDIN" val="\documentclass{article}&#10;\usepackage{amsmath}&#10;\usepackage{amsfonts}&#10;\pagestyle{empty}&#10;\begin{document}&#10;&#10;$\mathcal{T}(q,r)$&#10;&#10;\end{document}"/>
+  <p:tag name="IGUANATEXSIZE" val="20"/>
+  <p:tag name="IGUANATEXCURSOR" val="119"/>
+  <p:tag name="TRANSPARENCY" val="True"/>
+  <p:tag name="FILENAME" val=""/>
+  <p:tag name="LATEXENGINEID" val="0"/>
+  <p:tag name="TEMPFOLDER" val="c:\temp\"/>
+  <p:tag name="LATEXFORMHEIGHT" val="312"/>
+  <p:tag name="LATEXFORMWIDTH" val="384"/>
+  <p:tag name="LATEXFORMWRAP" val="True"/>
+  <p:tag name="BITMAPVECTOR" val="0"/>
+</p:tagLst>
+</file>
+
+<file path=ppt/tags/tag38.xml><?xml version="1.0" encoding="utf-8"?>
 <p:tagLst xmlns:a="http://schemas.openxmlformats.org/drawingml/2006/main" xmlns:r="http://schemas.openxmlformats.org/officeDocument/2006/relationships" xmlns:p="http://schemas.openxmlformats.org/presentationml/2006/main">
   <p:tag name="OUTPUTDPI" val="1200"/>
   <p:tag name="ORIGINALHEIGHT" val="124,5"/>
@@ -34959,7 +34829,7 @@
 </p:tagLst>
 </file>
 
-<file path=ppt/tags/tag38.xml><?xml version="1.0" encoding="utf-8"?>
+<file path=ppt/tags/tag39.xml><?xml version="1.0" encoding="utf-8"?>
 <p:tagLst xmlns:a="http://schemas.openxmlformats.org/drawingml/2006/main" xmlns:r="http://schemas.openxmlformats.org/officeDocument/2006/relationships" xmlns:p="http://schemas.openxmlformats.org/presentationml/2006/main">
   <p:tag name="OUTPUTDPI" val="1200"/>
   <p:tag name="ORIGINALHEIGHT" val="124,5"/>
@@ -34967,25 +34837,6 @@
   <p:tag name="LATEXADDIN" val="\documentclass{article}&#10;\usepackage{amsmath}&#10;\usepackage{amsfonts}&#10;\pagestyle{empty}&#10;\begin{document}&#10;&#10;$R(t)$&#10;&#10;\end{document}"/>
   <p:tag name="IGUANATEXSIZE" val="20"/>
   <p:tag name="IGUANATEXCURSOR" val="108"/>
-  <p:tag name="TRANSPARENCY" val="True"/>
-  <p:tag name="FILENAME" val=""/>
-  <p:tag name="LATEXENGINEID" val="0"/>
-  <p:tag name="TEMPFOLDER" val="c:\temp\"/>
-  <p:tag name="LATEXFORMHEIGHT" val="312"/>
-  <p:tag name="LATEXFORMWIDTH" val="384"/>
-  <p:tag name="LATEXFORMWRAP" val="True"/>
-  <p:tag name="BITMAPVECTOR" val="0"/>
-</p:tagLst>
-</file>
-
-<file path=ppt/tags/tag39.xml><?xml version="1.0" encoding="utf-8"?>
-<p:tagLst xmlns:a="http://schemas.openxmlformats.org/drawingml/2006/main" xmlns:r="http://schemas.openxmlformats.org/officeDocument/2006/relationships" xmlns:p="http://schemas.openxmlformats.org/presentationml/2006/main">
-  <p:tag name="OUTPUTDPI" val="1200"/>
-  <p:tag name="ORIGINALHEIGHT" val="124,5"/>
-  <p:tag name="ORIGINALWIDTH" val="481,5"/>
-  <p:tag name="LATEXADDIN" val="\documentclass{article}&#10;\usepackage{amsmath}&#10;\usepackage{amsfonts}&#10;\pagestyle{empty}&#10;\begin{document}&#10;&#10;$T_{R}SO(3)$&#10;&#10;\end{document}"/>
-  <p:tag name="IGUANATEXSIZE" val="20"/>
-  <p:tag name="IGUANATEXCURSOR" val="114"/>
   <p:tag name="TRANSPARENCY" val="True"/>
   <p:tag name="FILENAME" val=""/>
   <p:tag name="LATEXENGINEID" val="0"/>
@@ -35019,11 +34870,11 @@
 <file path=ppt/tags/tag40.xml><?xml version="1.0" encoding="utf-8"?>
 <p:tagLst xmlns:a="http://schemas.openxmlformats.org/drawingml/2006/main" xmlns:r="http://schemas.openxmlformats.org/officeDocument/2006/relationships" xmlns:p="http://schemas.openxmlformats.org/presentationml/2006/main">
   <p:tag name="OUTPUTDPI" val="1200"/>
-  <p:tag name="ORIGINALHEIGHT" val="126"/>
-  <p:tag name="ORIGINALWIDTH" val="533,25"/>
-  <p:tag name="LATEXADDIN" val="\documentclass{article}&#10;\usepackage{amsmath}&#10;\usepackage{amsfonts}&#10;\pagestyle{empty}&#10;\begin{document}&#10;&#10;$T_{R_d}SO(3)$&#10;&#10;\end{document}"/>
+  <p:tag name="ORIGINALHEIGHT" val="124,5"/>
+  <p:tag name="ORIGINALWIDTH" val="454,5"/>
+  <p:tag name="LATEXADDIN" val="\documentclass{article}&#10;\usepackage{amsmath}&#10;\usepackage{amsfonts}&#10;\pagestyle{empty}&#10;\begin{document}&#10;&#10;$T_{r}SO(3)$&#10;&#10;\end{document}"/>
   <p:tag name="IGUANATEXSIZE" val="20"/>
-  <p:tag name="IGUANATEXCURSOR" val="110"/>
+  <p:tag name="IGUANATEXCURSOR" val="108"/>
   <p:tag name="TRANSPARENCY" val="True"/>
   <p:tag name="FILENAME" val=""/>
   <p:tag name="LATEXENGINEID" val="0"/>
@@ -35039,10 +34890,10 @@
 <p:tagLst xmlns:a="http://schemas.openxmlformats.org/drawingml/2006/main" xmlns:r="http://schemas.openxmlformats.org/officeDocument/2006/relationships" xmlns:p="http://schemas.openxmlformats.org/presentationml/2006/main">
   <p:tag name="OUTPUTDPI" val="1200"/>
   <p:tag name="ORIGINALHEIGHT" val="124,5"/>
-  <p:tag name="ORIGINALWIDTH" val="483,75"/>
-  <p:tag name="LATEXADDIN" val="\documentclass{article}&#10;\usepackage{amsmath}&#10;\usepackage{amsfonts}&#10;\pagestyle{empty}&#10;\begin{document}&#10;&#10;$\mathcal{T}(R,R_d)$&#10;&#10;\end{document}"/>
+  <p:tag name="ORIGINALWIDTH" val="454,5"/>
+  <p:tag name="LATEXADDIN" val="\documentclass{article}&#10;\usepackage{amsmath}&#10;\usepackage{amsfonts}&#10;\pagestyle{empty}&#10;\begin{document}&#10;&#10;$T_{r}SO(3)$&#10;&#10;\end{document}"/>
   <p:tag name="IGUANATEXSIZE" val="20"/>
-  <p:tag name="IGUANATEXCURSOR" val="121"/>
+  <p:tag name="IGUANATEXCURSOR" val="108"/>
   <p:tag name="TRANSPARENCY" val="True"/>
   <p:tag name="FILENAME" val=""/>
   <p:tag name="LATEXENGINEID" val="0"/>

--- a/StyleStuff/figures.pptx
+++ b/StyleStuff/figures.pptx
@@ -41,6 +41,7 @@
     <p:sldId id="275" r:id="rId35"/>
     <p:sldId id="266" r:id="rId36"/>
     <p:sldId id="265" r:id="rId37"/>
+    <p:sldId id="296" r:id="rId38"/>
   </p:sldIdLst>
   <p:sldSz cx="9144000" cy="6858000" type="screen4x3"/>
   <p:notesSz cx="6858000" cy="9144000"/>
@@ -323,7 +324,7 @@
           <a:p>
             <a:fld id="{54F4720F-D6E7-473E-8843-300157F93B80}" type="datetimeFigureOut">
               <a:rPr lang="nl-NL" smtClean="0"/>
-              <a:t>25-7-2017</a:t>
+              <a:t>26-7-2017</a:t>
             </a:fld>
             <a:endParaRPr lang="nl-NL"/>
           </a:p>
@@ -493,7 +494,7 @@
           <a:p>
             <a:fld id="{54F4720F-D6E7-473E-8843-300157F93B80}" type="datetimeFigureOut">
               <a:rPr lang="nl-NL" smtClean="0"/>
-              <a:t>25-7-2017</a:t>
+              <a:t>26-7-2017</a:t>
             </a:fld>
             <a:endParaRPr lang="nl-NL"/>
           </a:p>
@@ -673,7 +674,7 @@
           <a:p>
             <a:fld id="{54F4720F-D6E7-473E-8843-300157F93B80}" type="datetimeFigureOut">
               <a:rPr lang="nl-NL" smtClean="0"/>
-              <a:t>25-7-2017</a:t>
+              <a:t>26-7-2017</a:t>
             </a:fld>
             <a:endParaRPr lang="nl-NL"/>
           </a:p>
@@ -843,7 +844,7 @@
           <a:p>
             <a:fld id="{54F4720F-D6E7-473E-8843-300157F93B80}" type="datetimeFigureOut">
               <a:rPr lang="nl-NL" smtClean="0"/>
-              <a:t>25-7-2017</a:t>
+              <a:t>26-7-2017</a:t>
             </a:fld>
             <a:endParaRPr lang="nl-NL"/>
           </a:p>
@@ -1089,7 +1090,7 @@
           <a:p>
             <a:fld id="{54F4720F-D6E7-473E-8843-300157F93B80}" type="datetimeFigureOut">
               <a:rPr lang="nl-NL" smtClean="0"/>
-              <a:t>25-7-2017</a:t>
+              <a:t>26-7-2017</a:t>
             </a:fld>
             <a:endParaRPr lang="nl-NL"/>
           </a:p>
@@ -1377,7 +1378,7 @@
           <a:p>
             <a:fld id="{54F4720F-D6E7-473E-8843-300157F93B80}" type="datetimeFigureOut">
               <a:rPr lang="nl-NL" smtClean="0"/>
-              <a:t>25-7-2017</a:t>
+              <a:t>26-7-2017</a:t>
             </a:fld>
             <a:endParaRPr lang="nl-NL"/>
           </a:p>
@@ -1799,7 +1800,7 @@
           <a:p>
             <a:fld id="{54F4720F-D6E7-473E-8843-300157F93B80}" type="datetimeFigureOut">
               <a:rPr lang="nl-NL" smtClean="0"/>
-              <a:t>25-7-2017</a:t>
+              <a:t>26-7-2017</a:t>
             </a:fld>
             <a:endParaRPr lang="nl-NL"/>
           </a:p>
@@ -1917,7 +1918,7 @@
           <a:p>
             <a:fld id="{54F4720F-D6E7-473E-8843-300157F93B80}" type="datetimeFigureOut">
               <a:rPr lang="nl-NL" smtClean="0"/>
-              <a:t>25-7-2017</a:t>
+              <a:t>26-7-2017</a:t>
             </a:fld>
             <a:endParaRPr lang="nl-NL"/>
           </a:p>
@@ -2012,7 +2013,7 @@
           <a:p>
             <a:fld id="{54F4720F-D6E7-473E-8843-300157F93B80}" type="datetimeFigureOut">
               <a:rPr lang="nl-NL" smtClean="0"/>
-              <a:t>25-7-2017</a:t>
+              <a:t>26-7-2017</a:t>
             </a:fld>
             <a:endParaRPr lang="nl-NL"/>
           </a:p>
@@ -2289,7 +2290,7 @@
           <a:p>
             <a:fld id="{54F4720F-D6E7-473E-8843-300157F93B80}" type="datetimeFigureOut">
               <a:rPr lang="nl-NL" smtClean="0"/>
-              <a:t>25-7-2017</a:t>
+              <a:t>26-7-2017</a:t>
             </a:fld>
             <a:endParaRPr lang="nl-NL"/>
           </a:p>
@@ -2542,7 +2543,7 @@
           <a:p>
             <a:fld id="{54F4720F-D6E7-473E-8843-300157F93B80}" type="datetimeFigureOut">
               <a:rPr lang="nl-NL" smtClean="0"/>
-              <a:t>25-7-2017</a:t>
+              <a:t>26-7-2017</a:t>
             </a:fld>
             <a:endParaRPr lang="nl-NL"/>
           </a:p>
@@ -2755,7 +2756,7 @@
           <a:p>
             <a:fld id="{54F4720F-D6E7-473E-8843-300157F93B80}" type="datetimeFigureOut">
               <a:rPr lang="nl-NL" smtClean="0"/>
-              <a:t>25-7-2017</a:t>
+              <a:t>26-7-2017</a:t>
             </a:fld>
             <a:endParaRPr lang="nl-NL"/>
           </a:p>
@@ -28310,6 +28311,958 @@
 </p:sld>
 </file>
 
+<file path=ppt/slides/slide37.xml><?xml version="1.0" encoding="utf-8"?>
+<p:sld xmlns:a="http://schemas.openxmlformats.org/drawingml/2006/main" xmlns:r="http://schemas.openxmlformats.org/officeDocument/2006/relationships" xmlns:p="http://schemas.openxmlformats.org/presentationml/2006/main">
+  <p:cSld>
+    <p:spTree>
+      <p:nvGrpSpPr>
+        <p:cNvPr id="1" name=""/>
+        <p:cNvGrpSpPr/>
+        <p:nvPr/>
+      </p:nvGrpSpPr>
+      <p:grpSpPr>
+        <a:xfrm>
+          <a:off x="0" y="0"/>
+          <a:ext cx="0" cy="0"/>
+          <a:chOff x="0" y="0"/>
+          <a:chExt cx="0" cy="0"/>
+        </a:xfrm>
+      </p:grpSpPr>
+      <p:sp>
+        <p:nvSpPr>
+          <p:cNvPr id="3" name="Parallelogram 2"/>
+          <p:cNvSpPr/>
+          <p:nvPr/>
+        </p:nvSpPr>
+        <p:spPr>
+          <a:xfrm>
+            <a:off x="2051720" y="3356992"/>
+            <a:ext cx="5472608" cy="1440160"/>
+          </a:xfrm>
+          <a:prstGeom prst="parallelogram">
+            <a:avLst>
+              <a:gd name="adj" fmla="val 93356"/>
+            </a:avLst>
+          </a:prstGeom>
+        </p:spPr>
+        <p:style>
+          <a:lnRef idx="2">
+            <a:schemeClr val="accent1">
+              <a:shade val="50000"/>
+            </a:schemeClr>
+          </a:lnRef>
+          <a:fillRef idx="1">
+            <a:schemeClr val="accent1"/>
+          </a:fillRef>
+          <a:effectRef idx="0">
+            <a:schemeClr val="accent1"/>
+          </a:effectRef>
+          <a:fontRef idx="minor">
+            <a:schemeClr val="lt1"/>
+          </a:fontRef>
+        </p:style>
+        <p:txBody>
+          <a:bodyPr rtlCol="0" anchor="ctr"/>
+          <a:lstStyle/>
+          <a:p>
+            <a:pPr algn="ctr"/>
+            <a:endParaRPr lang="nl-NL"/>
+          </a:p>
+        </p:txBody>
+      </p:sp>
+      <p:cxnSp>
+        <p:nvCxnSpPr>
+          <p:cNvPr id="5" name="Straight Arrow Connector 4"/>
+          <p:cNvCxnSpPr>
+            <a:stCxn id="12" idx="6"/>
+            <a:endCxn id="3" idx="5"/>
+          </p:cNvCxnSpPr>
+          <p:nvPr/>
+        </p:nvCxnSpPr>
+        <p:spPr>
+          <a:xfrm flipH="1">
+            <a:off x="2723958" y="4077072"/>
+            <a:ext cx="2153780" cy="0"/>
+          </a:xfrm>
+          <a:prstGeom prst="straightConnector1">
+            <a:avLst/>
+          </a:prstGeom>
+          <a:ln w="41275">
+            <a:solidFill>
+              <a:schemeClr val="tx1"/>
+            </a:solidFill>
+            <a:tailEnd type="arrow"/>
+          </a:ln>
+        </p:spPr>
+        <p:style>
+          <a:lnRef idx="1">
+            <a:schemeClr val="accent1"/>
+          </a:lnRef>
+          <a:fillRef idx="0">
+            <a:schemeClr val="accent1"/>
+          </a:fillRef>
+          <a:effectRef idx="0">
+            <a:schemeClr val="accent1"/>
+          </a:effectRef>
+          <a:fontRef idx="minor">
+            <a:schemeClr val="tx1"/>
+          </a:fontRef>
+        </p:style>
+      </p:cxnSp>
+      <p:cxnSp>
+        <p:nvCxnSpPr>
+          <p:cNvPr id="8" name="Straight Arrow Connector 7"/>
+          <p:cNvCxnSpPr>
+            <a:endCxn id="3" idx="3"/>
+          </p:cNvCxnSpPr>
+          <p:nvPr/>
+        </p:nvCxnSpPr>
+        <p:spPr>
+          <a:xfrm flipH="1">
+            <a:off x="4115786" y="4054212"/>
+            <a:ext cx="744246" cy="742940"/>
+          </a:xfrm>
+          <a:prstGeom prst="straightConnector1">
+            <a:avLst/>
+          </a:prstGeom>
+          <a:ln w="79375">
+            <a:solidFill>
+              <a:schemeClr val="tx1"/>
+            </a:solidFill>
+            <a:tailEnd type="arrow"/>
+          </a:ln>
+        </p:spPr>
+        <p:style>
+          <a:lnRef idx="1">
+            <a:schemeClr val="accent1"/>
+          </a:lnRef>
+          <a:fillRef idx="0">
+            <a:schemeClr val="accent1"/>
+          </a:fillRef>
+          <a:effectRef idx="0">
+            <a:schemeClr val="accent1"/>
+          </a:effectRef>
+          <a:fontRef idx="minor">
+            <a:schemeClr val="tx1"/>
+          </a:fontRef>
+        </p:style>
+      </p:cxnSp>
+      <p:sp>
+        <p:nvSpPr>
+          <p:cNvPr id="12" name="Oval 11"/>
+          <p:cNvSpPr/>
+          <p:nvPr/>
+        </p:nvSpPr>
+        <p:spPr>
+          <a:xfrm>
+            <a:off x="4832019" y="4054212"/>
+            <a:ext cx="45719" cy="45719"/>
+          </a:xfrm>
+          <a:prstGeom prst="ellipse">
+            <a:avLst/>
+          </a:prstGeom>
+        </p:spPr>
+        <p:style>
+          <a:lnRef idx="2">
+            <a:schemeClr val="dk1">
+              <a:shade val="50000"/>
+            </a:schemeClr>
+          </a:lnRef>
+          <a:fillRef idx="1">
+            <a:schemeClr val="dk1"/>
+          </a:fillRef>
+          <a:effectRef idx="0">
+            <a:schemeClr val="dk1"/>
+          </a:effectRef>
+          <a:fontRef idx="minor">
+            <a:schemeClr val="lt1"/>
+          </a:fontRef>
+        </p:style>
+        <p:txBody>
+          <a:bodyPr rtlCol="0" anchor="ctr"/>
+          <a:lstStyle/>
+          <a:p>
+            <a:pPr algn="ctr"/>
+            <a:endParaRPr lang="nl-NL"/>
+          </a:p>
+        </p:txBody>
+      </p:sp>
+      <p:cxnSp>
+        <p:nvCxnSpPr>
+          <p:cNvPr id="15" name="Straight Arrow Connector 14"/>
+          <p:cNvCxnSpPr/>
+          <p:nvPr/>
+        </p:nvCxnSpPr>
+        <p:spPr>
+          <a:xfrm flipH="1" flipV="1">
+            <a:off x="4832019" y="2276872"/>
+            <a:ext cx="1" cy="1800200"/>
+          </a:xfrm>
+          <a:prstGeom prst="straightConnector1">
+            <a:avLst/>
+          </a:prstGeom>
+          <a:ln w="79375">
+            <a:solidFill>
+              <a:schemeClr val="tx1"/>
+            </a:solidFill>
+            <a:tailEnd type="arrow"/>
+          </a:ln>
+        </p:spPr>
+        <p:style>
+          <a:lnRef idx="1">
+            <a:schemeClr val="accent1"/>
+          </a:lnRef>
+          <a:fillRef idx="0">
+            <a:schemeClr val="accent1"/>
+          </a:fillRef>
+          <a:effectRef idx="0">
+            <a:schemeClr val="accent1"/>
+          </a:effectRef>
+          <a:fontRef idx="minor">
+            <a:schemeClr val="tx1"/>
+          </a:fontRef>
+        </p:style>
+      </p:cxnSp>
+      <p:cxnSp>
+        <p:nvCxnSpPr>
+          <p:cNvPr id="19" name="Straight Arrow Connector 18"/>
+          <p:cNvCxnSpPr>
+            <a:stCxn id="12" idx="4"/>
+          </p:cNvCxnSpPr>
+          <p:nvPr/>
+        </p:nvCxnSpPr>
+        <p:spPr>
+          <a:xfrm flipH="1" flipV="1">
+            <a:off x="3090683" y="2780928"/>
+            <a:ext cx="1764196" cy="1319003"/>
+          </a:xfrm>
+          <a:prstGeom prst="straightConnector1">
+            <a:avLst/>
+          </a:prstGeom>
+          <a:ln w="79375">
+            <a:solidFill>
+              <a:schemeClr val="tx1"/>
+            </a:solidFill>
+            <a:tailEnd type="arrow"/>
+          </a:ln>
+        </p:spPr>
+        <p:style>
+          <a:lnRef idx="1">
+            <a:schemeClr val="accent1"/>
+          </a:lnRef>
+          <a:fillRef idx="0">
+            <a:schemeClr val="accent1"/>
+          </a:fillRef>
+          <a:effectRef idx="0">
+            <a:schemeClr val="accent1"/>
+          </a:effectRef>
+          <a:fontRef idx="minor">
+            <a:schemeClr val="tx1"/>
+          </a:fontRef>
+        </p:style>
+      </p:cxnSp>
+      <mc:AlternateContent xmlns:mc="http://schemas.openxmlformats.org/markup-compatibility/2006">
+        <mc:Choice xmlns:a14="http://schemas.microsoft.com/office/drawing/2010/main" Requires="a14">
+          <p:sp>
+            <p:nvSpPr>
+              <p:cNvPr id="22" name="TextBox 21"/>
+              <p:cNvSpPr txBox="1"/>
+              <p:nvPr/>
+            </p:nvSpPr>
+            <p:spPr>
+              <a:xfrm>
+                <a:off x="4838829" y="2132855"/>
+                <a:ext cx="1316098" cy="830997"/>
+              </a:xfrm>
+              <a:prstGeom prst="rect">
+                <a:avLst/>
+              </a:prstGeom>
+              <a:noFill/>
+            </p:spPr>
+            <p:txBody>
+              <a:bodyPr wrap="square" rtlCol="0">
+                <a:spAutoFit/>
+              </a:bodyPr>
+              <a:lstStyle/>
+              <a:p>
+                <a:pPr/>
+                <a14:m>
+                  <m:oMathPara xmlns:m="http://schemas.openxmlformats.org/officeDocument/2006/math">
+                    <m:oMathParaPr>
+                      <m:jc m:val="centerGroup"/>
+                    </m:oMathParaPr>
+                    <m:oMath xmlns:m="http://schemas.openxmlformats.org/officeDocument/2006/math">
+                      <m:sSub>
+                        <m:sSubPr>
+                          <m:ctrlPr>
+                            <a:rPr lang="nl-NL" sz="4800" b="0" i="1" smtClean="0">
+                              <a:latin typeface="Cambria Math"/>
+                            </a:rPr>
+                          </m:ctrlPr>
+                        </m:sSubPr>
+                        <m:e>
+                          <m:r>
+                            <a:rPr lang="nl-NL" sz="4800" b="0" i="1" smtClean="0">
+                              <a:latin typeface="Cambria Math"/>
+                            </a:rPr>
+                            <m:t>𝑏</m:t>
+                          </m:r>
+                        </m:e>
+                        <m:sub>
+                          <m:r>
+                            <a:rPr lang="nl-NL" sz="4800" b="0" i="1" smtClean="0">
+                              <a:latin typeface="Cambria Math"/>
+                            </a:rPr>
+                            <m:t>3</m:t>
+                          </m:r>
+                          <m:r>
+                            <a:rPr lang="nl-NL" sz="4800" b="0" i="1" smtClean="0">
+                              <a:latin typeface="Cambria Math"/>
+                            </a:rPr>
+                            <m:t>𝑐</m:t>
+                          </m:r>
+                        </m:sub>
+                      </m:sSub>
+                    </m:oMath>
+                  </m:oMathPara>
+                </a14:m>
+                <a:endParaRPr lang="nl-NL" sz="4800" dirty="0"/>
+              </a:p>
+            </p:txBody>
+          </p:sp>
+        </mc:Choice>
+        <mc:Fallback>
+          <p:sp>
+            <p:nvSpPr>
+              <p:cNvPr id="22" name="TextBox 21"/>
+              <p:cNvSpPr txBox="1">
+                <a:spLocks noRot="1" noChangeAspect="1" noMove="1" noResize="1" noEditPoints="1" noAdjustHandles="1" noChangeArrowheads="1" noChangeShapeType="1" noTextEdit="1"/>
+              </p:cNvSpPr>
+              <p:nvPr/>
+            </p:nvSpPr>
+            <p:spPr>
+              <a:xfrm>
+                <a:off x="4838829" y="2132855"/>
+                <a:ext cx="1316098" cy="830997"/>
+              </a:xfrm>
+              <a:prstGeom prst="rect">
+                <a:avLst/>
+              </a:prstGeom>
+              <a:blipFill rotWithShape="1">
+                <a:blip r:embed="rId2"/>
+                <a:stretch>
+                  <a:fillRect/>
+                </a:stretch>
+              </a:blipFill>
+            </p:spPr>
+            <p:txBody>
+              <a:bodyPr/>
+              <a:lstStyle/>
+              <a:p>
+                <a:r>
+                  <a:rPr lang="nl-NL">
+                    <a:noFill/>
+                  </a:rPr>
+                  <a:t> </a:t>
+                </a:r>
+              </a:p>
+            </p:txBody>
+          </p:sp>
+        </mc:Fallback>
+      </mc:AlternateContent>
+      <mc:AlternateContent xmlns:mc="http://schemas.openxmlformats.org/markup-compatibility/2006">
+        <mc:Choice xmlns:a14="http://schemas.microsoft.com/office/drawing/2010/main" Requires="a14">
+          <p:sp>
+            <p:nvSpPr>
+              <p:cNvPr id="23" name="TextBox 22"/>
+              <p:cNvSpPr txBox="1"/>
+              <p:nvPr/>
+            </p:nvSpPr>
+            <p:spPr>
+              <a:xfrm>
+                <a:off x="1907704" y="1988840"/>
+                <a:ext cx="1316098" cy="830997"/>
+              </a:xfrm>
+              <a:prstGeom prst="rect">
+                <a:avLst/>
+              </a:prstGeom>
+              <a:noFill/>
+            </p:spPr>
+            <p:txBody>
+              <a:bodyPr wrap="square" rtlCol="0">
+                <a:spAutoFit/>
+              </a:bodyPr>
+              <a:lstStyle/>
+              <a:p>
+                <a:pPr/>
+                <a14:m>
+                  <m:oMathPara xmlns:m="http://schemas.openxmlformats.org/officeDocument/2006/math">
+                    <m:oMathParaPr>
+                      <m:jc m:val="centerGroup"/>
+                    </m:oMathParaPr>
+                    <m:oMath xmlns:m="http://schemas.openxmlformats.org/officeDocument/2006/math">
+                      <m:sSub>
+                        <m:sSubPr>
+                          <m:ctrlPr>
+                            <a:rPr lang="nl-NL" sz="4800" b="0" i="1" smtClean="0">
+                              <a:latin typeface="Cambria Math"/>
+                            </a:rPr>
+                          </m:ctrlPr>
+                        </m:sSubPr>
+                        <m:e>
+                          <m:r>
+                            <a:rPr lang="nl-NL" sz="4800" b="0" i="1" smtClean="0">
+                              <a:latin typeface="Cambria Math"/>
+                            </a:rPr>
+                            <m:t>𝑏</m:t>
+                          </m:r>
+                        </m:e>
+                        <m:sub>
+                          <m:r>
+                            <a:rPr lang="nl-NL" sz="4800" b="0" i="1" smtClean="0">
+                              <a:latin typeface="Cambria Math"/>
+                            </a:rPr>
+                            <m:t>1</m:t>
+                          </m:r>
+                          <m:r>
+                            <a:rPr lang="nl-NL" sz="4800" b="0" i="1" smtClean="0">
+                              <a:latin typeface="Cambria Math"/>
+                            </a:rPr>
+                            <m:t>𝑑</m:t>
+                          </m:r>
+                        </m:sub>
+                      </m:sSub>
+                    </m:oMath>
+                  </m:oMathPara>
+                </a14:m>
+                <a:endParaRPr lang="nl-NL" sz="4800" dirty="0"/>
+              </a:p>
+            </p:txBody>
+          </p:sp>
+        </mc:Choice>
+        <mc:Fallback>
+          <p:sp>
+            <p:nvSpPr>
+              <p:cNvPr id="23" name="TextBox 22"/>
+              <p:cNvSpPr txBox="1">
+                <a:spLocks noRot="1" noChangeAspect="1" noMove="1" noResize="1" noEditPoints="1" noAdjustHandles="1" noChangeArrowheads="1" noChangeShapeType="1" noTextEdit="1"/>
+              </p:cNvSpPr>
+              <p:nvPr/>
+            </p:nvSpPr>
+            <p:spPr>
+              <a:xfrm>
+                <a:off x="1907704" y="1988840"/>
+                <a:ext cx="1316098" cy="830997"/>
+              </a:xfrm>
+              <a:prstGeom prst="rect">
+                <a:avLst/>
+              </a:prstGeom>
+              <a:blipFill rotWithShape="1">
+                <a:blip r:embed="rId3"/>
+                <a:stretch>
+                  <a:fillRect/>
+                </a:stretch>
+              </a:blipFill>
+            </p:spPr>
+            <p:txBody>
+              <a:bodyPr/>
+              <a:lstStyle/>
+              <a:p>
+                <a:r>
+                  <a:rPr lang="nl-NL">
+                    <a:noFill/>
+                  </a:rPr>
+                  <a:t> </a:t>
+                </a:r>
+              </a:p>
+            </p:txBody>
+          </p:sp>
+        </mc:Fallback>
+      </mc:AlternateContent>
+      <p:cxnSp>
+        <p:nvCxnSpPr>
+          <p:cNvPr id="25" name="Straight Connector 24"/>
+          <p:cNvCxnSpPr/>
+          <p:nvPr/>
+        </p:nvCxnSpPr>
+        <p:spPr>
+          <a:xfrm>
+            <a:off x="3090683" y="2780928"/>
+            <a:ext cx="0" cy="1296143"/>
+          </a:xfrm>
+          <a:prstGeom prst="line">
+            <a:avLst/>
+          </a:prstGeom>
+          <a:ln w="47625">
+            <a:solidFill>
+              <a:schemeClr val="tx1"/>
+            </a:solidFill>
+            <a:prstDash val="dash"/>
+          </a:ln>
+        </p:spPr>
+        <p:style>
+          <a:lnRef idx="1">
+            <a:schemeClr val="accent1"/>
+          </a:lnRef>
+          <a:fillRef idx="0">
+            <a:schemeClr val="accent1"/>
+          </a:fillRef>
+          <a:effectRef idx="0">
+            <a:schemeClr val="accent1"/>
+          </a:effectRef>
+          <a:fontRef idx="minor">
+            <a:schemeClr val="tx1"/>
+          </a:fontRef>
+        </p:style>
+      </p:cxnSp>
+      <mc:AlternateContent xmlns:mc="http://schemas.openxmlformats.org/markup-compatibility/2006">
+        <mc:Choice xmlns:a14="http://schemas.microsoft.com/office/drawing/2010/main" Requires="a14">
+          <p:sp>
+            <p:nvSpPr>
+              <p:cNvPr id="26" name="TextBox 25"/>
+              <p:cNvSpPr txBox="1"/>
+              <p:nvPr/>
+            </p:nvSpPr>
+            <p:spPr>
+              <a:xfrm>
+                <a:off x="4997238" y="3440429"/>
+                <a:ext cx="3960440" cy="2308324"/>
+              </a:xfrm>
+              <a:prstGeom prst="rect">
+                <a:avLst/>
+              </a:prstGeom>
+              <a:noFill/>
+            </p:spPr>
+            <p:txBody>
+              <a:bodyPr wrap="square" rtlCol="0">
+                <a:spAutoFit/>
+              </a:bodyPr>
+              <a:lstStyle/>
+              <a:p>
+                <a:pPr algn="r"/>
+                <a14:m>
+                  <m:oMathPara xmlns:m="http://schemas.openxmlformats.org/officeDocument/2006/math">
+                    <m:oMathParaPr>
+                      <m:jc m:val="right"/>
+                    </m:oMathParaPr>
+                    <m:oMath xmlns:m="http://schemas.openxmlformats.org/officeDocument/2006/math">
+                      <m:r>
+                        <a:rPr lang="nl-NL" sz="4800" b="0" i="1" smtClean="0">
+                          <a:latin typeface="Cambria Math"/>
+                        </a:rPr>
+                        <m:t>𝑝𝑙𝑎𝑛𝑒</m:t>
+                      </m:r>
+                      <m:r>
+                        <a:rPr lang="nl-NL" sz="4800" b="0" i="1" smtClean="0">
+                          <a:latin typeface="Cambria Math"/>
+                        </a:rPr>
+                        <m:t> </m:t>
+                      </m:r>
+                    </m:oMath>
+                  </m:oMathPara>
+                </a14:m>
+                <a:endParaRPr lang="nl-NL" sz="4800" b="0" i="1" dirty="0" smtClean="0">
+                  <a:latin typeface="Cambria Math"/>
+                </a:endParaRPr>
+              </a:p>
+              <a:p>
+                <a:pPr algn="r"/>
+                <a14:m>
+                  <m:oMathPara xmlns:m="http://schemas.openxmlformats.org/officeDocument/2006/math">
+                    <m:oMathParaPr>
+                      <m:jc m:val="right"/>
+                    </m:oMathParaPr>
+                    <m:oMath xmlns:m="http://schemas.openxmlformats.org/officeDocument/2006/math">
+                      <m:r>
+                        <a:rPr lang="nl-NL" sz="4800" b="0" i="1" smtClean="0">
+                          <a:latin typeface="Cambria Math"/>
+                        </a:rPr>
+                        <m:t>𝑛𝑜𝑟𝑚𝑎𝑙</m:t>
+                      </m:r>
+                      <m:r>
+                        <a:rPr lang="nl-NL" sz="4800" b="0" i="1" smtClean="0">
+                          <a:latin typeface="Cambria Math"/>
+                        </a:rPr>
+                        <m:t> </m:t>
+                      </m:r>
+                    </m:oMath>
+                  </m:oMathPara>
+                </a14:m>
+                <a:endParaRPr lang="nl-NL" sz="4800" b="0" i="1" dirty="0" smtClean="0">
+                  <a:latin typeface="Cambria Math"/>
+                </a:endParaRPr>
+              </a:p>
+              <a:p>
+                <a:pPr algn="r"/>
+                <a14:m>
+                  <m:oMathPara xmlns:m="http://schemas.openxmlformats.org/officeDocument/2006/math">
+                    <m:oMathParaPr>
+                      <m:jc m:val="right"/>
+                    </m:oMathParaPr>
+                    <m:oMath xmlns:m="http://schemas.openxmlformats.org/officeDocument/2006/math">
+                      <m:r>
+                        <a:rPr lang="nl-NL" sz="4800" b="0" i="1" smtClean="0">
+                          <a:latin typeface="Cambria Math"/>
+                        </a:rPr>
+                        <m:t>𝑡𝑜</m:t>
+                      </m:r>
+                      <m:r>
+                        <a:rPr lang="nl-NL" sz="4800" b="0" i="1" smtClean="0">
+                          <a:latin typeface="Cambria Math"/>
+                        </a:rPr>
+                        <m:t> </m:t>
+                      </m:r>
+                      <m:sSub>
+                        <m:sSubPr>
+                          <m:ctrlPr>
+                            <a:rPr lang="nl-NL" sz="4800" b="0" i="1" smtClean="0">
+                              <a:latin typeface="Cambria Math"/>
+                            </a:rPr>
+                          </m:ctrlPr>
+                        </m:sSubPr>
+                        <m:e>
+                          <m:r>
+                            <a:rPr lang="nl-NL" sz="4800" b="0" i="1" smtClean="0">
+                              <a:latin typeface="Cambria Math"/>
+                            </a:rPr>
+                            <m:t>𝑏</m:t>
+                          </m:r>
+                        </m:e>
+                        <m:sub>
+                          <m:r>
+                            <a:rPr lang="nl-NL" sz="4800" b="0" i="1" smtClean="0">
+                              <a:latin typeface="Cambria Math"/>
+                            </a:rPr>
+                            <m:t>3</m:t>
+                          </m:r>
+                          <m:r>
+                            <a:rPr lang="nl-NL" sz="4800" b="0" i="1" smtClean="0">
+                              <a:latin typeface="Cambria Math"/>
+                            </a:rPr>
+                            <m:t>𝑐</m:t>
+                          </m:r>
+                        </m:sub>
+                      </m:sSub>
+                    </m:oMath>
+                  </m:oMathPara>
+                </a14:m>
+                <a:endParaRPr lang="nl-NL" sz="4800" dirty="0"/>
+              </a:p>
+            </p:txBody>
+          </p:sp>
+        </mc:Choice>
+        <mc:Fallback>
+          <p:sp>
+            <p:nvSpPr>
+              <p:cNvPr id="26" name="TextBox 25"/>
+              <p:cNvSpPr txBox="1">
+                <a:spLocks noRot="1" noChangeAspect="1" noMove="1" noResize="1" noEditPoints="1" noAdjustHandles="1" noChangeArrowheads="1" noChangeShapeType="1" noTextEdit="1"/>
+              </p:cNvSpPr>
+              <p:nvPr/>
+            </p:nvSpPr>
+            <p:spPr>
+              <a:xfrm>
+                <a:off x="4997238" y="3440429"/>
+                <a:ext cx="3960440" cy="2308324"/>
+              </a:xfrm>
+              <a:prstGeom prst="rect">
+                <a:avLst/>
+              </a:prstGeom>
+              <a:blipFill rotWithShape="1">
+                <a:blip r:embed="rId4"/>
+                <a:stretch>
+                  <a:fillRect/>
+                </a:stretch>
+              </a:blipFill>
+            </p:spPr>
+            <p:txBody>
+              <a:bodyPr/>
+              <a:lstStyle/>
+              <a:p>
+                <a:r>
+                  <a:rPr lang="nl-NL">
+                    <a:noFill/>
+                  </a:rPr>
+                  <a:t> </a:t>
+                </a:r>
+              </a:p>
+            </p:txBody>
+          </p:sp>
+        </mc:Fallback>
+      </mc:AlternateContent>
+      <p:sp>
+        <p:nvSpPr>
+          <p:cNvPr id="27" name="Rectangle 26"/>
+          <p:cNvSpPr/>
+          <p:nvPr/>
+        </p:nvSpPr>
+        <p:spPr>
+          <a:xfrm>
+            <a:off x="3090683" y="2780928"/>
+            <a:ext cx="1748031" cy="1296144"/>
+          </a:xfrm>
+          <a:prstGeom prst="rect">
+            <a:avLst/>
+          </a:prstGeom>
+          <a:noFill/>
+          <a:ln w="47625">
+            <a:prstDash val="dash"/>
+          </a:ln>
+        </p:spPr>
+        <p:style>
+          <a:lnRef idx="2">
+            <a:schemeClr val="dk1"/>
+          </a:lnRef>
+          <a:fillRef idx="1">
+            <a:schemeClr val="lt1"/>
+          </a:fillRef>
+          <a:effectRef idx="0">
+            <a:schemeClr val="dk1"/>
+          </a:effectRef>
+          <a:fontRef idx="minor">
+            <a:schemeClr val="dk1"/>
+          </a:fontRef>
+        </p:style>
+        <p:txBody>
+          <a:bodyPr rtlCol="0" anchor="ctr"/>
+          <a:lstStyle/>
+          <a:p>
+            <a:pPr algn="ctr"/>
+            <a:endParaRPr lang="nl-NL"/>
+          </a:p>
+        </p:txBody>
+      </p:sp>
+      <mc:AlternateContent xmlns:mc="http://schemas.openxmlformats.org/markup-compatibility/2006">
+        <mc:Choice xmlns:a14="http://schemas.microsoft.com/office/drawing/2010/main" Requires="a14">
+          <p:sp>
+            <p:nvSpPr>
+              <p:cNvPr id="42" name="TextBox 41"/>
+              <p:cNvSpPr txBox="1"/>
+              <p:nvPr/>
+            </p:nvSpPr>
+            <p:spPr>
+              <a:xfrm>
+                <a:off x="1475656" y="3428998"/>
+                <a:ext cx="1316098" cy="830997"/>
+              </a:xfrm>
+              <a:prstGeom prst="rect">
+                <a:avLst/>
+              </a:prstGeom>
+              <a:noFill/>
+            </p:spPr>
+            <p:txBody>
+              <a:bodyPr wrap="square" rtlCol="0">
+                <a:spAutoFit/>
+              </a:bodyPr>
+              <a:lstStyle/>
+              <a:p>
+                <a:pPr/>
+                <a14:m>
+                  <m:oMathPara xmlns:m="http://schemas.openxmlformats.org/officeDocument/2006/math">
+                    <m:oMathParaPr>
+                      <m:jc m:val="centerGroup"/>
+                    </m:oMathParaPr>
+                    <m:oMath xmlns:m="http://schemas.openxmlformats.org/officeDocument/2006/math">
+                      <m:sSub>
+                        <m:sSubPr>
+                          <m:ctrlPr>
+                            <a:rPr lang="nl-NL" sz="4800" b="0" i="1" smtClean="0">
+                              <a:latin typeface="Cambria Math"/>
+                            </a:rPr>
+                          </m:ctrlPr>
+                        </m:sSubPr>
+                        <m:e>
+                          <m:r>
+                            <a:rPr lang="nl-NL" sz="4800" b="0" i="1" smtClean="0">
+                              <a:latin typeface="Cambria Math"/>
+                            </a:rPr>
+                            <m:t>𝑏</m:t>
+                          </m:r>
+                        </m:e>
+                        <m:sub>
+                          <m:r>
+                            <a:rPr lang="nl-NL" sz="4800" b="0" i="1" smtClean="0">
+                              <a:latin typeface="Cambria Math"/>
+                            </a:rPr>
+                            <m:t>1</m:t>
+                          </m:r>
+                          <m:r>
+                            <a:rPr lang="nl-NL" sz="4800" b="0" i="1" smtClean="0">
+                              <a:latin typeface="Cambria Math"/>
+                            </a:rPr>
+                            <m:t>𝑐</m:t>
+                          </m:r>
+                        </m:sub>
+                      </m:sSub>
+                    </m:oMath>
+                  </m:oMathPara>
+                </a14:m>
+                <a:endParaRPr lang="nl-NL" sz="4800" dirty="0"/>
+              </a:p>
+            </p:txBody>
+          </p:sp>
+        </mc:Choice>
+        <mc:Fallback>
+          <p:sp>
+            <p:nvSpPr>
+              <p:cNvPr id="42" name="TextBox 41"/>
+              <p:cNvSpPr txBox="1">
+                <a:spLocks noRot="1" noChangeAspect="1" noMove="1" noResize="1" noEditPoints="1" noAdjustHandles="1" noChangeArrowheads="1" noChangeShapeType="1" noTextEdit="1"/>
+              </p:cNvSpPr>
+              <p:nvPr/>
+            </p:nvSpPr>
+            <p:spPr>
+              <a:xfrm>
+                <a:off x="1475656" y="3428998"/>
+                <a:ext cx="1316098" cy="830997"/>
+              </a:xfrm>
+              <a:prstGeom prst="rect">
+                <a:avLst/>
+              </a:prstGeom>
+              <a:blipFill rotWithShape="1">
+                <a:blip r:embed="rId5"/>
+                <a:stretch>
+                  <a:fillRect/>
+                </a:stretch>
+              </a:blipFill>
+            </p:spPr>
+            <p:txBody>
+              <a:bodyPr/>
+              <a:lstStyle/>
+              <a:p>
+                <a:r>
+                  <a:rPr lang="nl-NL">
+                    <a:noFill/>
+                  </a:rPr>
+                  <a:t> </a:t>
+                </a:r>
+              </a:p>
+            </p:txBody>
+          </p:sp>
+        </mc:Fallback>
+      </mc:AlternateContent>
+      <mc:AlternateContent xmlns:mc="http://schemas.openxmlformats.org/markup-compatibility/2006">
+        <mc:Choice xmlns:a14="http://schemas.microsoft.com/office/drawing/2010/main" Requires="a14">
+          <p:sp>
+            <p:nvSpPr>
+              <p:cNvPr id="43" name="TextBox 42"/>
+              <p:cNvSpPr txBox="1"/>
+              <p:nvPr/>
+            </p:nvSpPr>
+            <p:spPr>
+              <a:xfrm>
+                <a:off x="3218182" y="4686235"/>
+                <a:ext cx="1316098" cy="830997"/>
+              </a:xfrm>
+              <a:prstGeom prst="rect">
+                <a:avLst/>
+              </a:prstGeom>
+              <a:noFill/>
+            </p:spPr>
+            <p:txBody>
+              <a:bodyPr wrap="square" rtlCol="0">
+                <a:spAutoFit/>
+              </a:bodyPr>
+              <a:lstStyle/>
+              <a:p>
+                <a:pPr/>
+                <a14:m>
+                  <m:oMathPara xmlns:m="http://schemas.openxmlformats.org/officeDocument/2006/math">
+                    <m:oMathParaPr>
+                      <m:jc m:val="centerGroup"/>
+                    </m:oMathParaPr>
+                    <m:oMath xmlns:m="http://schemas.openxmlformats.org/officeDocument/2006/math">
+                      <m:sSub>
+                        <m:sSubPr>
+                          <m:ctrlPr>
+                            <a:rPr lang="nl-NL" sz="4800" b="0" i="1" smtClean="0">
+                              <a:latin typeface="Cambria Math"/>
+                            </a:rPr>
+                          </m:ctrlPr>
+                        </m:sSubPr>
+                        <m:e>
+                          <m:r>
+                            <a:rPr lang="nl-NL" sz="4800" b="0" i="1" smtClean="0">
+                              <a:latin typeface="Cambria Math"/>
+                            </a:rPr>
+                            <m:t>𝑏</m:t>
+                          </m:r>
+                        </m:e>
+                        <m:sub>
+                          <m:r>
+                            <a:rPr lang="nl-NL" sz="4800" b="0" i="1" smtClean="0">
+                              <a:latin typeface="Cambria Math"/>
+                            </a:rPr>
+                            <m:t>2</m:t>
+                          </m:r>
+                          <m:r>
+                            <a:rPr lang="nl-NL" sz="4800" b="0" i="1" smtClean="0">
+                              <a:latin typeface="Cambria Math"/>
+                            </a:rPr>
+                            <m:t>𝑐</m:t>
+                          </m:r>
+                        </m:sub>
+                      </m:sSub>
+                    </m:oMath>
+                  </m:oMathPara>
+                </a14:m>
+                <a:endParaRPr lang="nl-NL" sz="4800" dirty="0"/>
+              </a:p>
+            </p:txBody>
+          </p:sp>
+        </mc:Choice>
+        <mc:Fallback>
+          <p:sp>
+            <p:nvSpPr>
+              <p:cNvPr id="43" name="TextBox 42"/>
+              <p:cNvSpPr txBox="1">
+                <a:spLocks noRot="1" noChangeAspect="1" noMove="1" noResize="1" noEditPoints="1" noAdjustHandles="1" noChangeArrowheads="1" noChangeShapeType="1" noTextEdit="1"/>
+              </p:cNvSpPr>
+              <p:nvPr/>
+            </p:nvSpPr>
+            <p:spPr>
+              <a:xfrm>
+                <a:off x="3218182" y="4686235"/>
+                <a:ext cx="1316098" cy="830997"/>
+              </a:xfrm>
+              <a:prstGeom prst="rect">
+                <a:avLst/>
+              </a:prstGeom>
+              <a:blipFill rotWithShape="1">
+                <a:blip r:embed="rId6"/>
+                <a:stretch>
+                  <a:fillRect/>
+                </a:stretch>
+              </a:blipFill>
+            </p:spPr>
+            <p:txBody>
+              <a:bodyPr/>
+              <a:lstStyle/>
+              <a:p>
+                <a:r>
+                  <a:rPr lang="nl-NL">
+                    <a:noFill/>
+                  </a:rPr>
+                  <a:t> </a:t>
+                </a:r>
+              </a:p>
+            </p:txBody>
+          </p:sp>
+        </mc:Fallback>
+      </mc:AlternateContent>
+    </p:spTree>
+    <p:extLst>
+      <p:ext uri="{BB962C8B-B14F-4D97-AF65-F5344CB8AC3E}">
+        <p14:creationId xmlns:p14="http://schemas.microsoft.com/office/powerpoint/2010/main" val="3620781307"/>
+      </p:ext>
+    </p:extLst>
+  </p:cSld>
+  <p:clrMapOvr>
+    <a:masterClrMapping/>
+  </p:clrMapOvr>
+</p:sld>
+</file>
+
 <file path=ppt/slides/slide4.xml><?xml version="1.0" encoding="utf-8"?>
 <p:sld xmlns:a="http://schemas.openxmlformats.org/drawingml/2006/main" xmlns:r="http://schemas.openxmlformats.org/officeDocument/2006/relationships" xmlns:p="http://schemas.openxmlformats.org/presentationml/2006/main">
   <p:cSld>

--- a/StyleStuff/figures.pptx
+++ b/StyleStuff/figures.pptx
@@ -39,9 +39,10 @@
     <p:sldId id="287" r:id="rId33"/>
     <p:sldId id="288" r:id="rId34"/>
     <p:sldId id="275" r:id="rId35"/>
-    <p:sldId id="266" r:id="rId36"/>
-    <p:sldId id="265" r:id="rId37"/>
-    <p:sldId id="296" r:id="rId38"/>
+    <p:sldId id="297" r:id="rId36"/>
+    <p:sldId id="266" r:id="rId37"/>
+    <p:sldId id="265" r:id="rId38"/>
+    <p:sldId id="296" r:id="rId39"/>
   </p:sldIdLst>
   <p:sldSz cx="9144000" cy="6858000" type="screen4x3"/>
   <p:notesSz cx="6858000" cy="9144000"/>
@@ -324,7 +325,7 @@
           <a:p>
             <a:fld id="{54F4720F-D6E7-473E-8843-300157F93B80}" type="datetimeFigureOut">
               <a:rPr lang="nl-NL" smtClean="0"/>
-              <a:t>26-7-2017</a:t>
+              <a:t>27-7-2017</a:t>
             </a:fld>
             <a:endParaRPr lang="nl-NL"/>
           </a:p>
@@ -494,7 +495,7 @@
           <a:p>
             <a:fld id="{54F4720F-D6E7-473E-8843-300157F93B80}" type="datetimeFigureOut">
               <a:rPr lang="nl-NL" smtClean="0"/>
-              <a:t>26-7-2017</a:t>
+              <a:t>27-7-2017</a:t>
             </a:fld>
             <a:endParaRPr lang="nl-NL"/>
           </a:p>
@@ -674,7 +675,7 @@
           <a:p>
             <a:fld id="{54F4720F-D6E7-473E-8843-300157F93B80}" type="datetimeFigureOut">
               <a:rPr lang="nl-NL" smtClean="0"/>
-              <a:t>26-7-2017</a:t>
+              <a:t>27-7-2017</a:t>
             </a:fld>
             <a:endParaRPr lang="nl-NL"/>
           </a:p>
@@ -844,7 +845,7 @@
           <a:p>
             <a:fld id="{54F4720F-D6E7-473E-8843-300157F93B80}" type="datetimeFigureOut">
               <a:rPr lang="nl-NL" smtClean="0"/>
-              <a:t>26-7-2017</a:t>
+              <a:t>27-7-2017</a:t>
             </a:fld>
             <a:endParaRPr lang="nl-NL"/>
           </a:p>
@@ -1090,7 +1091,7 @@
           <a:p>
             <a:fld id="{54F4720F-D6E7-473E-8843-300157F93B80}" type="datetimeFigureOut">
               <a:rPr lang="nl-NL" smtClean="0"/>
-              <a:t>26-7-2017</a:t>
+              <a:t>27-7-2017</a:t>
             </a:fld>
             <a:endParaRPr lang="nl-NL"/>
           </a:p>
@@ -1378,7 +1379,7 @@
           <a:p>
             <a:fld id="{54F4720F-D6E7-473E-8843-300157F93B80}" type="datetimeFigureOut">
               <a:rPr lang="nl-NL" smtClean="0"/>
-              <a:t>26-7-2017</a:t>
+              <a:t>27-7-2017</a:t>
             </a:fld>
             <a:endParaRPr lang="nl-NL"/>
           </a:p>
@@ -1800,7 +1801,7 @@
           <a:p>
             <a:fld id="{54F4720F-D6E7-473E-8843-300157F93B80}" type="datetimeFigureOut">
               <a:rPr lang="nl-NL" smtClean="0"/>
-              <a:t>26-7-2017</a:t>
+              <a:t>27-7-2017</a:t>
             </a:fld>
             <a:endParaRPr lang="nl-NL"/>
           </a:p>
@@ -1918,7 +1919,7 @@
           <a:p>
             <a:fld id="{54F4720F-D6E7-473E-8843-300157F93B80}" type="datetimeFigureOut">
               <a:rPr lang="nl-NL" smtClean="0"/>
-              <a:t>26-7-2017</a:t>
+              <a:t>27-7-2017</a:t>
             </a:fld>
             <a:endParaRPr lang="nl-NL"/>
           </a:p>
@@ -2013,7 +2014,7 @@
           <a:p>
             <a:fld id="{54F4720F-D6E7-473E-8843-300157F93B80}" type="datetimeFigureOut">
               <a:rPr lang="nl-NL" smtClean="0"/>
-              <a:t>26-7-2017</a:t>
+              <a:t>27-7-2017</a:t>
             </a:fld>
             <a:endParaRPr lang="nl-NL"/>
           </a:p>
@@ -2290,7 +2291,7 @@
           <a:p>
             <a:fld id="{54F4720F-D6E7-473E-8843-300157F93B80}" type="datetimeFigureOut">
               <a:rPr lang="nl-NL" smtClean="0"/>
-              <a:t>26-7-2017</a:t>
+              <a:t>27-7-2017</a:t>
             </a:fld>
             <a:endParaRPr lang="nl-NL"/>
           </a:p>
@@ -2543,7 +2544,7 @@
           <a:p>
             <a:fld id="{54F4720F-D6E7-473E-8843-300157F93B80}" type="datetimeFigureOut">
               <a:rPr lang="nl-NL" smtClean="0"/>
-              <a:t>26-7-2017</a:t>
+              <a:t>27-7-2017</a:t>
             </a:fld>
             <a:endParaRPr lang="nl-NL"/>
           </a:p>
@@ -2756,7 +2757,7 @@
           <a:p>
             <a:fld id="{54F4720F-D6E7-473E-8843-300157F93B80}" type="datetimeFigureOut">
               <a:rPr lang="nl-NL" smtClean="0"/>
-              <a:t>26-7-2017</a:t>
+              <a:t>27-7-2017</a:t>
             </a:fld>
             <a:endParaRPr lang="nl-NL"/>
           </a:p>
@@ -25572,696 +25573,204 @@
           <a:chExt cx="0" cy="0"/>
         </a:xfrm>
       </p:grpSpPr>
+      <p:sp>
+        <p:nvSpPr>
+          <p:cNvPr id="2" name="TextBox 1"/>
+          <p:cNvSpPr txBox="1"/>
+          <p:nvPr/>
+        </p:nvSpPr>
+        <p:spPr>
+          <a:xfrm>
+            <a:off x="6660232" y="4005063"/>
+            <a:ext cx="1080120" cy="646331"/>
+          </a:xfrm>
+          <a:prstGeom prst="rect">
+            <a:avLst/>
+          </a:prstGeom>
+        </p:spPr>
+        <p:style>
+          <a:lnRef idx="2">
+            <a:schemeClr val="dk1"/>
+          </a:lnRef>
+          <a:fillRef idx="1">
+            <a:schemeClr val="lt1"/>
+          </a:fillRef>
+          <a:effectRef idx="0">
+            <a:schemeClr val="dk1"/>
+          </a:effectRef>
+          <a:fontRef idx="minor">
+            <a:schemeClr val="dk1"/>
+          </a:fontRef>
+        </p:style>
+        <p:txBody>
+          <a:bodyPr wrap="square" rtlCol="0">
+            <a:spAutoFit/>
+          </a:bodyPr>
+          <a:lstStyle/>
+          <a:p>
+            <a:r>
+              <a:rPr lang="nl-NL" dirty="0" smtClean="0"/>
+              <a:t>QR-Load </a:t>
+            </a:r>
+          </a:p>
+          <a:p>
+            <a:r>
+              <a:rPr lang="nl-NL" dirty="0" smtClean="0"/>
+              <a:t>Dynamics</a:t>
+            </a:r>
+          </a:p>
+        </p:txBody>
+      </p:sp>
+      <p:sp>
+        <p:nvSpPr>
+          <p:cNvPr id="3" name="TextBox 2"/>
+          <p:cNvSpPr txBox="1"/>
+          <p:nvPr/>
+        </p:nvSpPr>
+        <p:spPr>
+          <a:xfrm>
+            <a:off x="4920100" y="4005063"/>
+            <a:ext cx="1296144" cy="646331"/>
+          </a:xfrm>
+          <a:prstGeom prst="rect">
+            <a:avLst/>
+          </a:prstGeom>
+        </p:spPr>
+        <p:style>
+          <a:lnRef idx="2">
+            <a:schemeClr val="dk1"/>
+          </a:lnRef>
+          <a:fillRef idx="1">
+            <a:schemeClr val="lt1"/>
+          </a:fillRef>
+          <a:effectRef idx="0">
+            <a:schemeClr val="dk1"/>
+          </a:effectRef>
+          <a:fontRef idx="minor">
+            <a:schemeClr val="dk1"/>
+          </a:fontRef>
+        </p:style>
+        <p:txBody>
+          <a:bodyPr wrap="square" rtlCol="0">
+            <a:spAutoFit/>
+          </a:bodyPr>
+          <a:lstStyle/>
+          <a:p>
+            <a:r>
+              <a:rPr lang="nl-NL" dirty="0" smtClean="0"/>
+              <a:t>QR attitude controller</a:t>
+            </a:r>
+          </a:p>
+        </p:txBody>
+      </p:sp>
+      <p:sp>
+        <p:nvSpPr>
+          <p:cNvPr id="4" name="TextBox 3"/>
+          <p:cNvSpPr txBox="1"/>
+          <p:nvPr/>
+        </p:nvSpPr>
+        <p:spPr>
+          <a:xfrm>
+            <a:off x="2999763" y="4005063"/>
+            <a:ext cx="1476350" cy="646331"/>
+          </a:xfrm>
+          <a:prstGeom prst="rect">
+            <a:avLst/>
+          </a:prstGeom>
+        </p:spPr>
+        <p:style>
+          <a:lnRef idx="2">
+            <a:schemeClr val="dk1"/>
+          </a:lnRef>
+          <a:fillRef idx="1">
+            <a:schemeClr val="lt1"/>
+          </a:fillRef>
+          <a:effectRef idx="0">
+            <a:schemeClr val="dk1"/>
+          </a:effectRef>
+          <a:fontRef idx="minor">
+            <a:schemeClr val="dk1"/>
+          </a:fontRef>
+        </p:style>
+        <p:txBody>
+          <a:bodyPr wrap="square" rtlCol="0">
+            <a:spAutoFit/>
+          </a:bodyPr>
+          <a:lstStyle/>
+          <a:p>
+            <a:r>
+              <a:rPr lang="nl-NL" dirty="0" smtClean="0"/>
+              <a:t>Load attitude controller</a:t>
+            </a:r>
+          </a:p>
+        </p:txBody>
+      </p:sp>
+      <p:sp>
+        <p:nvSpPr>
+          <p:cNvPr id="5" name="TextBox 4"/>
+          <p:cNvSpPr txBox="1"/>
+          <p:nvPr/>
+        </p:nvSpPr>
+        <p:spPr>
+          <a:xfrm>
+            <a:off x="1043608" y="4005063"/>
+            <a:ext cx="1512168" cy="646331"/>
+          </a:xfrm>
+          <a:prstGeom prst="rect">
+            <a:avLst/>
+          </a:prstGeom>
+        </p:spPr>
+        <p:style>
+          <a:lnRef idx="2">
+            <a:schemeClr val="dk1"/>
+          </a:lnRef>
+          <a:fillRef idx="1">
+            <a:schemeClr val="lt1"/>
+          </a:fillRef>
+          <a:effectRef idx="0">
+            <a:schemeClr val="dk1"/>
+          </a:effectRef>
+          <a:fontRef idx="minor">
+            <a:schemeClr val="dk1"/>
+          </a:fontRef>
+        </p:style>
+        <p:txBody>
+          <a:bodyPr wrap="square" rtlCol="0">
+            <a:spAutoFit/>
+          </a:bodyPr>
+          <a:lstStyle/>
+          <a:p>
+            <a:r>
+              <a:rPr lang="nl-NL" dirty="0" smtClean="0"/>
+              <a:t>Load position controller</a:t>
+            </a:r>
+          </a:p>
+        </p:txBody>
+      </p:sp>
       <p:grpSp>
         <p:nvGrpSpPr>
-          <p:cNvPr id="38" name="Group 37"/>
+          <p:cNvPr id="9" name="Group 8"/>
           <p:cNvGrpSpPr/>
           <p:nvPr/>
         </p:nvGrpSpPr>
         <p:grpSpPr>
           <a:xfrm>
-            <a:off x="58500" y="3921359"/>
-            <a:ext cx="9050004" cy="2808327"/>
-            <a:chOff x="146505" y="3284984"/>
-            <a:chExt cx="8457943" cy="2664296"/>
+            <a:off x="6216244" y="4190699"/>
+            <a:ext cx="449932" cy="275059"/>
+            <a:chOff x="6216244" y="4509120"/>
+            <a:chExt cx="449932" cy="275059"/>
           </a:xfrm>
         </p:grpSpPr>
-        <p:sp>
-          <p:nvSpPr>
-            <p:cNvPr id="2" name="TextBox 1"/>
-            <p:cNvSpPr txBox="1"/>
-            <p:nvPr/>
-          </p:nvSpPr>
-          <p:spPr>
-            <a:xfrm>
-              <a:off x="6948264" y="3968136"/>
-              <a:ext cx="983213" cy="533655"/>
-            </a:xfrm>
-            <a:prstGeom prst="rect">
-              <a:avLst/>
-            </a:prstGeom>
-          </p:spPr>
-          <p:style>
-            <a:lnRef idx="2">
-              <a:schemeClr val="dk1"/>
-            </a:lnRef>
-            <a:fillRef idx="1">
-              <a:schemeClr val="lt1"/>
-            </a:fillRef>
-            <a:effectRef idx="0">
-              <a:schemeClr val="dk1"/>
-            </a:effectRef>
-            <a:fontRef idx="minor">
-              <a:schemeClr val="dk1"/>
-            </a:fontRef>
-          </p:style>
-          <p:txBody>
-            <a:bodyPr wrap="square" rtlCol="0">
-              <a:spAutoFit/>
-            </a:bodyPr>
-            <a:lstStyle/>
-            <a:p>
-              <a:r>
-                <a:rPr lang="nl-NL" sz="1600" dirty="0" smtClean="0"/>
-                <a:t>QR-Load </a:t>
-              </a:r>
-            </a:p>
-            <a:p>
-              <a:r>
-                <a:rPr lang="nl-NL" sz="1600" dirty="0" smtClean="0"/>
-                <a:t>Dynamics</a:t>
-              </a:r>
-            </a:p>
-          </p:txBody>
-        </p:sp>
-        <p:sp>
-          <p:nvSpPr>
-            <p:cNvPr id="3" name="TextBox 2"/>
-            <p:cNvSpPr txBox="1"/>
-            <p:nvPr/>
-          </p:nvSpPr>
-          <p:spPr>
-            <a:xfrm>
-              <a:off x="4161790" y="3968136"/>
-              <a:ext cx="1090245" cy="533655"/>
-            </a:xfrm>
-            <a:prstGeom prst="rect">
-              <a:avLst/>
-            </a:prstGeom>
-          </p:spPr>
-          <p:style>
-            <a:lnRef idx="2">
-              <a:schemeClr val="dk1"/>
-            </a:lnRef>
-            <a:fillRef idx="1">
-              <a:schemeClr val="lt1"/>
-            </a:fillRef>
-            <a:effectRef idx="0">
-              <a:schemeClr val="dk1"/>
-            </a:effectRef>
-            <a:fontRef idx="minor">
-              <a:schemeClr val="dk1"/>
-            </a:fontRef>
-          </p:style>
-          <p:txBody>
-            <a:bodyPr wrap="square" rtlCol="0">
-              <a:spAutoFit/>
-            </a:bodyPr>
-            <a:lstStyle/>
-            <a:p>
-              <a:r>
-                <a:rPr lang="nl-NL" sz="1600" dirty="0" smtClean="0"/>
-                <a:t>QR attitude controller</a:t>
-              </a:r>
-            </a:p>
-          </p:txBody>
-        </p:sp>
-        <p:sp>
-          <p:nvSpPr>
-            <p:cNvPr id="4" name="TextBox 3"/>
-            <p:cNvSpPr txBox="1"/>
-            <p:nvPr/>
-          </p:nvSpPr>
-          <p:spPr>
-            <a:xfrm>
-              <a:off x="2546509" y="3968136"/>
-              <a:ext cx="1241824" cy="533655"/>
-            </a:xfrm>
-            <a:prstGeom prst="rect">
-              <a:avLst/>
-            </a:prstGeom>
-          </p:spPr>
-          <p:style>
-            <a:lnRef idx="2">
-              <a:schemeClr val="dk1"/>
-            </a:lnRef>
-            <a:fillRef idx="1">
-              <a:schemeClr val="lt1"/>
-            </a:fillRef>
-            <a:effectRef idx="0">
-              <a:schemeClr val="dk1"/>
-            </a:effectRef>
-            <a:fontRef idx="minor">
-              <a:schemeClr val="dk1"/>
-            </a:fontRef>
-          </p:style>
-          <p:txBody>
-            <a:bodyPr wrap="square" rtlCol="0">
-              <a:spAutoFit/>
-            </a:bodyPr>
-            <a:lstStyle/>
-            <a:p>
-              <a:r>
-                <a:rPr lang="nl-NL" sz="1600" dirty="0" smtClean="0"/>
-                <a:t>Load attitude controller</a:t>
-              </a:r>
-            </a:p>
-          </p:txBody>
-        </p:sp>
-        <p:sp>
-          <p:nvSpPr>
-            <p:cNvPr id="5" name="TextBox 4"/>
-            <p:cNvSpPr txBox="1"/>
-            <p:nvPr/>
-          </p:nvSpPr>
-          <p:spPr>
-            <a:xfrm>
-              <a:off x="901099" y="3968136"/>
-              <a:ext cx="1271952" cy="533655"/>
-            </a:xfrm>
-            <a:prstGeom prst="rect">
-              <a:avLst/>
-            </a:prstGeom>
-          </p:spPr>
-          <p:style>
-            <a:lnRef idx="2">
-              <a:schemeClr val="dk1"/>
-            </a:lnRef>
-            <a:fillRef idx="1">
-              <a:schemeClr val="lt1"/>
-            </a:fillRef>
-            <a:effectRef idx="0">
-              <a:schemeClr val="dk1"/>
-            </a:effectRef>
-            <a:fontRef idx="minor">
-              <a:schemeClr val="dk1"/>
-            </a:fontRef>
-          </p:style>
-          <p:txBody>
-            <a:bodyPr wrap="square" rtlCol="0">
-              <a:spAutoFit/>
-            </a:bodyPr>
-            <a:lstStyle/>
-            <a:p>
-              <a:r>
-                <a:rPr lang="nl-NL" sz="1600" dirty="0" smtClean="0"/>
-                <a:t>Load position controller</a:t>
-              </a:r>
-            </a:p>
-          </p:txBody>
-        </p:sp>
-        <p:grpSp>
-          <p:nvGrpSpPr>
-            <p:cNvPr id="9" name="Group 8"/>
-            <p:cNvGrpSpPr/>
-            <p:nvPr/>
-          </p:nvGrpSpPr>
-          <p:grpSpPr>
-            <a:xfrm>
-              <a:off x="5252035" y="4144252"/>
-              <a:ext cx="378458" cy="260953"/>
-              <a:chOff x="6216244" y="4509120"/>
-              <a:chExt cx="449932" cy="275059"/>
-            </a:xfrm>
-          </p:grpSpPr>
-          <p:cxnSp>
-            <p:nvCxnSpPr>
-              <p:cNvPr id="7" name="Straight Arrow Connector 6"/>
-              <p:cNvCxnSpPr/>
-              <p:nvPr/>
-            </p:nvCxnSpPr>
-            <p:spPr>
-              <a:xfrm>
-                <a:off x="6216244" y="4509120"/>
-                <a:ext cx="443988" cy="0"/>
-              </a:xfrm>
-              <a:prstGeom prst="straightConnector1">
-                <a:avLst/>
-              </a:prstGeom>
-              <a:ln>
-                <a:tailEnd type="arrow"/>
-              </a:ln>
-              <a:effectLst/>
-            </p:spPr>
-            <p:style>
-              <a:lnRef idx="3">
-                <a:schemeClr val="dk1"/>
-              </a:lnRef>
-              <a:fillRef idx="0">
-                <a:schemeClr val="dk1"/>
-              </a:fillRef>
-              <a:effectRef idx="2">
-                <a:schemeClr val="dk1"/>
-              </a:effectRef>
-              <a:fontRef idx="minor">
-                <a:schemeClr val="tx1"/>
-              </a:fontRef>
-            </p:style>
-          </p:cxnSp>
-          <p:cxnSp>
-            <p:nvCxnSpPr>
-              <p:cNvPr id="8" name="Straight Arrow Connector 7"/>
-              <p:cNvCxnSpPr/>
-              <p:nvPr/>
-            </p:nvCxnSpPr>
-            <p:spPr>
-              <a:xfrm>
-                <a:off x="6222188" y="4784179"/>
-                <a:ext cx="443988" cy="0"/>
-              </a:xfrm>
-              <a:prstGeom prst="straightConnector1">
-                <a:avLst/>
-              </a:prstGeom>
-              <a:ln>
-                <a:tailEnd type="arrow"/>
-              </a:ln>
-              <a:effectLst/>
-            </p:spPr>
-            <p:style>
-              <a:lnRef idx="3">
-                <a:schemeClr val="dk1"/>
-              </a:lnRef>
-              <a:fillRef idx="0">
-                <a:schemeClr val="dk1"/>
-              </a:fillRef>
-              <a:effectRef idx="2">
-                <a:schemeClr val="dk1"/>
-              </a:effectRef>
-              <a:fontRef idx="minor">
-                <a:schemeClr val="tx1"/>
-              </a:fontRef>
-            </p:style>
-          </p:cxnSp>
-        </p:grpSp>
-        <p:grpSp>
-          <p:nvGrpSpPr>
-            <p:cNvPr id="10" name="Group 9"/>
-            <p:cNvGrpSpPr/>
-            <p:nvPr/>
-          </p:nvGrpSpPr>
-          <p:grpSpPr>
-            <a:xfrm>
-              <a:off x="3788333" y="4144251"/>
-              <a:ext cx="378458" cy="260953"/>
-              <a:chOff x="6216244" y="4509120"/>
-              <a:chExt cx="449932" cy="275059"/>
-            </a:xfrm>
-          </p:grpSpPr>
-          <p:cxnSp>
-            <p:nvCxnSpPr>
-              <p:cNvPr id="11" name="Straight Arrow Connector 10"/>
-              <p:cNvCxnSpPr/>
-              <p:nvPr/>
-            </p:nvCxnSpPr>
-            <p:spPr>
-              <a:xfrm>
-                <a:off x="6216244" y="4509120"/>
-                <a:ext cx="218041" cy="2"/>
-              </a:xfrm>
-              <a:prstGeom prst="straightConnector1">
-                <a:avLst/>
-              </a:prstGeom>
-              <a:ln>
-                <a:tailEnd type="none"/>
-              </a:ln>
-              <a:effectLst/>
-            </p:spPr>
-            <p:style>
-              <a:lnRef idx="3">
-                <a:schemeClr val="dk1"/>
-              </a:lnRef>
-              <a:fillRef idx="0">
-                <a:schemeClr val="dk1"/>
-              </a:fillRef>
-              <a:effectRef idx="2">
-                <a:schemeClr val="dk1"/>
-              </a:effectRef>
-              <a:fontRef idx="minor">
-                <a:schemeClr val="tx1"/>
-              </a:fontRef>
-            </p:style>
-          </p:cxnSp>
-          <p:cxnSp>
-            <p:nvCxnSpPr>
-              <p:cNvPr id="12" name="Straight Arrow Connector 11"/>
-              <p:cNvCxnSpPr/>
-              <p:nvPr/>
-            </p:nvCxnSpPr>
-            <p:spPr>
-              <a:xfrm>
-                <a:off x="6222188" y="4784179"/>
-                <a:ext cx="443988" cy="0"/>
-              </a:xfrm>
-              <a:prstGeom prst="straightConnector1">
-                <a:avLst/>
-              </a:prstGeom>
-              <a:ln>
-                <a:tailEnd type="arrow"/>
-              </a:ln>
-              <a:effectLst/>
-            </p:spPr>
-            <p:style>
-              <a:lnRef idx="3">
-                <a:schemeClr val="dk1"/>
-              </a:lnRef>
-              <a:fillRef idx="0">
-                <a:schemeClr val="dk1"/>
-              </a:fillRef>
-              <a:effectRef idx="2">
-                <a:schemeClr val="dk1"/>
-              </a:effectRef>
-              <a:fontRef idx="minor">
-                <a:schemeClr val="tx1"/>
-              </a:fontRef>
-            </p:style>
-          </p:cxnSp>
-        </p:grpSp>
         <p:cxnSp>
           <p:nvCxnSpPr>
-            <p:cNvPr id="18" name="Straight Arrow Connector 17"/>
+            <p:cNvPr id="7" name="Straight Arrow Connector 6"/>
             <p:cNvCxnSpPr/>
             <p:nvPr/>
           </p:nvCxnSpPr>
           <p:spPr>
             <a:xfrm>
-              <a:off x="234838" y="4274728"/>
-              <a:ext cx="666261" cy="0"/>
-            </a:xfrm>
-            <a:prstGeom prst="straightConnector1">
-              <a:avLst/>
-            </a:prstGeom>
-            <a:ln>
-              <a:tailEnd type="arrow"/>
-            </a:ln>
-            <a:effectLst/>
-          </p:spPr>
-          <p:style>
-            <a:lnRef idx="3">
-              <a:schemeClr val="dk1"/>
-            </a:lnRef>
-            <a:fillRef idx="0">
-              <a:schemeClr val="dk1"/>
-            </a:fillRef>
-            <a:effectRef idx="2">
-              <a:schemeClr val="dk1"/>
-            </a:effectRef>
-            <a:fontRef idx="minor">
-              <a:schemeClr val="tx1"/>
-            </a:fontRef>
-          </p:style>
-        </p:cxnSp>
-        <mc:AlternateContent xmlns:mc="http://schemas.openxmlformats.org/markup-compatibility/2006" xmlns:a14="http://schemas.microsoft.com/office/drawing/2010/main">
-          <mc:Choice Requires="a14">
-            <p:sp>
-              <p:nvSpPr>
-                <p:cNvPr id="20" name="TextBox 19"/>
-                <p:cNvSpPr txBox="1"/>
-                <p:nvPr/>
-              </p:nvSpPr>
-              <p:spPr>
-                <a:xfrm>
-                  <a:off x="1938316" y="4369763"/>
-                  <a:ext cx="842926" cy="477481"/>
-                </a:xfrm>
-                <a:prstGeom prst="rect">
-                  <a:avLst/>
-                </a:prstGeom>
-                <a:noFill/>
-              </p:spPr>
-              <p:txBody>
-                <a:bodyPr wrap="square" rtlCol="0">
-                  <a:spAutoFit/>
-                </a:bodyPr>
-                <a:lstStyle/>
-                <a:p>
-                  <a:pPr/>
-                  <a14:m>
-                    <m:oMathPara xmlns:m="http://schemas.openxmlformats.org/officeDocument/2006/math">
-                      <m:oMathParaPr>
-                        <m:jc m:val="centerGroup"/>
-                      </m:oMathParaPr>
-                      <m:oMath xmlns:m="http://schemas.openxmlformats.org/officeDocument/2006/math">
-                        <m:sSub>
-                          <m:sSubPr>
-                            <m:ctrlPr>
-                              <a:rPr lang="nl-NL" sz="2800" b="0" i="1" smtClean="0">
-                                <a:latin typeface="Cambria Math"/>
-                              </a:rPr>
-                            </m:ctrlPr>
-                          </m:sSubPr>
-                          <m:e>
-                            <m:r>
-                              <a:rPr lang="nl-NL" sz="2800" b="0" i="1" smtClean="0">
-                                <a:latin typeface="Cambria Math"/>
-                              </a:rPr>
-                              <m:t>𝑞</m:t>
-                            </m:r>
-                          </m:e>
-                          <m:sub>
-                            <m:r>
-                              <a:rPr lang="nl-NL" sz="2800" b="0" i="1" smtClean="0">
-                                <a:latin typeface="Cambria Math"/>
-                              </a:rPr>
-                              <m:t>𝑐</m:t>
-                            </m:r>
-                          </m:sub>
-                        </m:sSub>
-                      </m:oMath>
-                    </m:oMathPara>
-                  </a14:m>
-                  <a:endParaRPr lang="nl-NL" sz="2400" dirty="0"/>
-                </a:p>
-              </p:txBody>
-            </p:sp>
-          </mc:Choice>
-          <mc:Fallback xmlns="">
-            <p:sp>
-              <p:nvSpPr>
-                <p:cNvPr id="20" name="TextBox 19"/>
-                <p:cNvSpPr txBox="1">
-                  <a:spLocks noRot="1" noChangeAspect="1" noMove="1" noResize="1" noEditPoints="1" noAdjustHandles="1" noChangeArrowheads="1" noChangeShapeType="1" noTextEdit="1"/>
-                </p:cNvSpPr>
-                <p:nvPr/>
-              </p:nvSpPr>
-              <p:spPr>
-                <a:xfrm>
-                  <a:off x="1938316" y="4369763"/>
-                  <a:ext cx="842926" cy="477481"/>
-                </a:xfrm>
-                <a:prstGeom prst="rect">
-                  <a:avLst/>
-                </a:prstGeom>
-                <a:blipFill rotWithShape="1">
-                  <a:blip r:embed="rId2"/>
-                  <a:stretch>
-                    <a:fillRect/>
-                  </a:stretch>
-                </a:blipFill>
-              </p:spPr>
-              <p:txBody>
-                <a:bodyPr/>
-                <a:lstStyle/>
-                <a:p>
-                  <a:r>
-                    <a:rPr lang="nl-NL">
-                      <a:noFill/>
-                    </a:rPr>
-                    <a:t> </a:t>
-                  </a:r>
-                </a:p>
-              </p:txBody>
-            </p:sp>
-          </mc:Fallback>
-        </mc:AlternateContent>
-        <mc:AlternateContent xmlns:mc="http://schemas.openxmlformats.org/markup-compatibility/2006" xmlns:a14="http://schemas.microsoft.com/office/drawing/2010/main">
-          <mc:Choice Requires="a14">
-            <p:sp>
-              <p:nvSpPr>
-                <p:cNvPr id="21" name="TextBox 20"/>
-                <p:cNvSpPr txBox="1"/>
-                <p:nvPr/>
-              </p:nvSpPr>
-              <p:spPr>
-                <a:xfrm>
-                  <a:off x="3558599" y="4369763"/>
-                  <a:ext cx="842926" cy="477481"/>
-                </a:xfrm>
-                <a:prstGeom prst="rect">
-                  <a:avLst/>
-                </a:prstGeom>
-                <a:noFill/>
-              </p:spPr>
-              <p:txBody>
-                <a:bodyPr wrap="square" rtlCol="0">
-                  <a:spAutoFit/>
-                </a:bodyPr>
-                <a:lstStyle/>
-                <a:p>
-                  <a:pPr/>
-                  <a14:m>
-                    <m:oMathPara xmlns:m="http://schemas.openxmlformats.org/officeDocument/2006/math">
-                      <m:oMathParaPr>
-                        <m:jc m:val="centerGroup"/>
-                      </m:oMathParaPr>
-                      <m:oMath xmlns:m="http://schemas.openxmlformats.org/officeDocument/2006/math">
-                        <m:sSub>
-                          <m:sSubPr>
-                            <m:ctrlPr>
-                              <a:rPr lang="nl-NL" sz="2800" b="0" i="1" smtClean="0">
-                                <a:latin typeface="Cambria Math"/>
-                              </a:rPr>
-                            </m:ctrlPr>
-                          </m:sSubPr>
-                          <m:e>
-                            <m:r>
-                              <a:rPr lang="nl-NL" sz="2800" b="0" i="1" smtClean="0">
-                                <a:latin typeface="Cambria Math"/>
-                              </a:rPr>
-                              <m:t>𝑅</m:t>
-                            </m:r>
-                          </m:e>
-                          <m:sub>
-                            <m:r>
-                              <a:rPr lang="nl-NL" sz="2800" b="0" i="1" smtClean="0">
-                                <a:latin typeface="Cambria Math"/>
-                              </a:rPr>
-                              <m:t>𝑐</m:t>
-                            </m:r>
-                          </m:sub>
-                        </m:sSub>
-                      </m:oMath>
-                    </m:oMathPara>
-                  </a14:m>
-                  <a:endParaRPr lang="nl-NL" sz="2400" dirty="0"/>
-                </a:p>
-              </p:txBody>
-            </p:sp>
-          </mc:Choice>
-          <mc:Fallback xmlns="">
-            <p:sp>
-              <p:nvSpPr>
-                <p:cNvPr id="21" name="TextBox 20"/>
-                <p:cNvSpPr txBox="1">
-                  <a:spLocks noRot="1" noChangeAspect="1" noMove="1" noResize="1" noEditPoints="1" noAdjustHandles="1" noChangeArrowheads="1" noChangeShapeType="1" noTextEdit="1"/>
-                </p:cNvSpPr>
-                <p:nvPr/>
-              </p:nvSpPr>
-              <p:spPr>
-                <a:xfrm>
-                  <a:off x="3558599" y="4369763"/>
-                  <a:ext cx="842926" cy="477481"/>
-                </a:xfrm>
-                <a:prstGeom prst="rect">
-                  <a:avLst/>
-                </a:prstGeom>
-                <a:blipFill rotWithShape="1">
-                  <a:blip r:embed="rId3"/>
-                  <a:stretch>
-                    <a:fillRect/>
-                  </a:stretch>
-                </a:blipFill>
-              </p:spPr>
-              <p:txBody>
-                <a:bodyPr/>
-                <a:lstStyle/>
-                <a:p>
-                  <a:r>
-                    <a:rPr lang="nl-NL">
-                      <a:noFill/>
-                    </a:rPr>
-                    <a:t> </a:t>
-                  </a:r>
-                </a:p>
-              </p:txBody>
-            </p:sp>
-          </mc:Fallback>
-        </mc:AlternateContent>
-        <mc:AlternateContent xmlns:mc="http://schemas.openxmlformats.org/markup-compatibility/2006" xmlns:a14="http://schemas.microsoft.com/office/drawing/2010/main">
-          <mc:Choice Requires="a14">
-            <p:sp>
-              <p:nvSpPr>
-                <p:cNvPr id="22" name="TextBox 21"/>
-                <p:cNvSpPr txBox="1"/>
-                <p:nvPr/>
-              </p:nvSpPr>
-              <p:spPr>
-                <a:xfrm>
-                  <a:off x="5022301" y="4398962"/>
-                  <a:ext cx="842926" cy="421307"/>
-                </a:xfrm>
-                <a:prstGeom prst="rect">
-                  <a:avLst/>
-                </a:prstGeom>
-                <a:noFill/>
-              </p:spPr>
-              <p:txBody>
-                <a:bodyPr wrap="square" rtlCol="0">
-                  <a:spAutoFit/>
-                </a:bodyPr>
-                <a:lstStyle/>
-                <a:p>
-                  <a:pPr/>
-                  <a14:m>
-                    <m:oMathPara xmlns:m="http://schemas.openxmlformats.org/officeDocument/2006/math">
-                      <m:oMathParaPr>
-                        <m:jc m:val="centerGroup"/>
-                      </m:oMathParaPr>
-                      <m:oMath xmlns:m="http://schemas.openxmlformats.org/officeDocument/2006/math">
-                        <m:r>
-                          <a:rPr lang="nl-NL" sz="2400" b="0" i="1" smtClean="0">
-                            <a:latin typeface="Cambria Math"/>
-                          </a:rPr>
-                          <m:t>𝑀</m:t>
-                        </m:r>
-                      </m:oMath>
-                    </m:oMathPara>
-                  </a14:m>
-                  <a:endParaRPr lang="nl-NL" sz="2400" dirty="0"/>
-                </a:p>
-              </p:txBody>
-            </p:sp>
-          </mc:Choice>
-          <mc:Fallback xmlns="">
-            <p:sp>
-              <p:nvSpPr>
-                <p:cNvPr id="22" name="TextBox 21"/>
-                <p:cNvSpPr txBox="1">
-                  <a:spLocks noRot="1" noChangeAspect="1" noMove="1" noResize="1" noEditPoints="1" noAdjustHandles="1" noChangeArrowheads="1" noChangeShapeType="1" noTextEdit="1"/>
-                </p:cNvSpPr>
-                <p:nvPr/>
-              </p:nvSpPr>
-              <p:spPr>
-                <a:xfrm>
-                  <a:off x="5022301" y="4398962"/>
-                  <a:ext cx="842926" cy="421307"/>
-                </a:xfrm>
-                <a:prstGeom prst="rect">
-                  <a:avLst/>
-                </a:prstGeom>
-                <a:blipFill rotWithShape="1">
-                  <a:blip r:embed="rId4"/>
-                  <a:stretch>
-                    <a:fillRect/>
-                  </a:stretch>
-                </a:blipFill>
-              </p:spPr>
-              <p:txBody>
-                <a:bodyPr/>
-                <a:lstStyle/>
-                <a:p>
-                  <a:r>
-                    <a:rPr lang="nl-NL">
-                      <a:noFill/>
-                    </a:rPr>
-                    <a:t> </a:t>
-                  </a:r>
-                </a:p>
-              </p:txBody>
-            </p:sp>
-          </mc:Fallback>
-        </mc:AlternateContent>
-        <p:cxnSp>
-          <p:nvCxnSpPr>
-            <p:cNvPr id="23" name="Straight Arrow Connector 22"/>
-            <p:cNvCxnSpPr>
-              <a:stCxn id="2" idx="3"/>
-            </p:cNvCxnSpPr>
-            <p:nvPr/>
-          </p:nvCxnSpPr>
-          <p:spPr>
-            <a:xfrm flipV="1">
-              <a:off x="7931476" y="4229746"/>
-              <a:ext cx="672972" cy="5217"/>
+              <a:off x="6216244" y="4509120"/>
+              <a:ext cx="443988" cy="0"/>
             </a:xfrm>
             <a:prstGeom prst="straightConnector1">
               <a:avLst/>
@@ -26288,18 +25797,70 @@
         </p:cxnSp>
         <p:cxnSp>
           <p:nvCxnSpPr>
-            <p:cNvPr id="28" name="Straight Connector 27"/>
+            <p:cNvPr id="8" name="Straight Arrow Connector 7"/>
             <p:cNvCxnSpPr/>
             <p:nvPr/>
           </p:nvCxnSpPr>
           <p:spPr>
             <a:xfrm>
-              <a:off x="7998756" y="4229746"/>
-              <a:ext cx="0" cy="843068"/>
+              <a:off x="6222188" y="4784179"/>
+              <a:ext cx="443988" cy="0"/>
             </a:xfrm>
-            <a:prstGeom prst="line">
+            <a:prstGeom prst="straightConnector1">
               <a:avLst/>
             </a:prstGeom>
+            <a:ln>
+              <a:tailEnd type="arrow"/>
+            </a:ln>
+            <a:effectLst/>
+          </p:spPr>
+          <p:style>
+            <a:lnRef idx="3">
+              <a:schemeClr val="dk1"/>
+            </a:lnRef>
+            <a:fillRef idx="0">
+              <a:schemeClr val="dk1"/>
+            </a:fillRef>
+            <a:effectRef idx="2">
+              <a:schemeClr val="dk1"/>
+            </a:effectRef>
+            <a:fontRef idx="minor">
+              <a:schemeClr val="tx1"/>
+            </a:fontRef>
+          </p:style>
+        </p:cxnSp>
+      </p:grpSp>
+      <p:grpSp>
+        <p:nvGrpSpPr>
+          <p:cNvPr id="10" name="Group 9"/>
+          <p:cNvGrpSpPr/>
+          <p:nvPr/>
+        </p:nvGrpSpPr>
+        <p:grpSpPr>
+          <a:xfrm>
+            <a:off x="4476113" y="4190698"/>
+            <a:ext cx="449932" cy="275059"/>
+            <a:chOff x="6216244" y="4509120"/>
+            <a:chExt cx="449932" cy="275059"/>
+          </a:xfrm>
+        </p:grpSpPr>
+        <p:cxnSp>
+          <p:nvCxnSpPr>
+            <p:cNvPr id="11" name="Straight Arrow Connector 10"/>
+            <p:cNvCxnSpPr/>
+            <p:nvPr/>
+          </p:nvCxnSpPr>
+          <p:spPr>
+            <a:xfrm>
+              <a:off x="6216244" y="4509120"/>
+              <a:ext cx="218041" cy="2"/>
+            </a:xfrm>
+            <a:prstGeom prst="straightConnector1">
+              <a:avLst/>
+            </a:prstGeom>
+            <a:ln>
+              <a:tailEnd type="none"/>
+            </a:ln>
             <a:effectLst/>
           </p:spPr>
           <p:style>
@@ -26319,18 +25880,21 @@
         </p:cxnSp>
         <p:cxnSp>
           <p:nvCxnSpPr>
-            <p:cNvPr id="31" name="Straight Connector 30"/>
+            <p:cNvPr id="12" name="Straight Arrow Connector 11"/>
             <p:cNvCxnSpPr/>
             <p:nvPr/>
           </p:nvCxnSpPr>
           <p:spPr>
             <a:xfrm>
-              <a:off x="8135819" y="4229746"/>
-              <a:ext cx="0" cy="1281301"/>
+              <a:off x="6222188" y="4784179"/>
+              <a:ext cx="443988" cy="0"/>
             </a:xfrm>
-            <a:prstGeom prst="line">
+            <a:prstGeom prst="straightConnector1">
               <a:avLst/>
             </a:prstGeom>
+            <a:ln>
+              <a:tailEnd type="arrow"/>
+            </a:ln>
             <a:effectLst/>
           </p:spPr>
           <p:style>
@@ -26348,140 +25912,1622 @@
             </a:fontRef>
           </p:style>
         </p:cxnSp>
+      </p:grpSp>
+      <p:cxnSp>
+        <p:nvCxnSpPr>
+          <p:cNvPr id="18" name="Straight Arrow Connector 17"/>
+          <p:cNvCxnSpPr/>
+          <p:nvPr/>
+        </p:nvCxnSpPr>
+        <p:spPr>
+          <a:xfrm>
+            <a:off x="251520" y="4328228"/>
+            <a:ext cx="792088" cy="0"/>
+          </a:xfrm>
+          <a:prstGeom prst="straightConnector1">
+            <a:avLst/>
+          </a:prstGeom>
+          <a:ln>
+            <a:tailEnd type="arrow"/>
+          </a:ln>
+          <a:effectLst/>
+        </p:spPr>
+        <p:style>
+          <a:lnRef idx="3">
+            <a:schemeClr val="dk1"/>
+          </a:lnRef>
+          <a:fillRef idx="0">
+            <a:schemeClr val="dk1"/>
+          </a:fillRef>
+          <a:effectRef idx="2">
+            <a:schemeClr val="dk1"/>
+          </a:effectRef>
+          <a:fontRef idx="minor">
+            <a:schemeClr val="tx1"/>
+          </a:fontRef>
+        </p:style>
+      </p:cxnSp>
+      <mc:AlternateContent xmlns:mc="http://schemas.openxmlformats.org/markup-compatibility/2006" xmlns:a14="http://schemas.microsoft.com/office/drawing/2010/main">
+        <mc:Choice Requires="a14">
+          <p:sp>
+            <p:nvSpPr>
+              <p:cNvPr id="20" name="TextBox 19"/>
+              <p:cNvSpPr txBox="1"/>
+              <p:nvPr/>
+            </p:nvSpPr>
+            <p:spPr>
+              <a:xfrm>
+                <a:off x="2276710" y="4428400"/>
+                <a:ext cx="1002117" cy="584775"/>
+              </a:xfrm>
+              <a:prstGeom prst="rect">
+                <a:avLst/>
+              </a:prstGeom>
+              <a:noFill/>
+            </p:spPr>
+            <p:txBody>
+              <a:bodyPr wrap="square" rtlCol="0">
+                <a:spAutoFit/>
+              </a:bodyPr>
+              <a:lstStyle/>
+              <a:p>
+                <a:pPr/>
+                <a14:m>
+                  <m:oMathPara xmlns:m="http://schemas.openxmlformats.org/officeDocument/2006/math">
+                    <m:oMathParaPr>
+                      <m:jc m:val="centerGroup"/>
+                    </m:oMathParaPr>
+                    <m:oMath xmlns:m="http://schemas.openxmlformats.org/officeDocument/2006/math">
+                      <m:sSub>
+                        <m:sSubPr>
+                          <m:ctrlPr>
+                            <a:rPr lang="nl-NL" sz="3200" b="0" i="1" smtClean="0">
+                              <a:latin typeface="Cambria Math"/>
+                            </a:rPr>
+                          </m:ctrlPr>
+                        </m:sSubPr>
+                        <m:e>
+                          <m:r>
+                            <a:rPr lang="nl-NL" sz="3200" b="0" i="1" smtClean="0">
+                              <a:latin typeface="Cambria Math"/>
+                            </a:rPr>
+                            <m:t>𝑞</m:t>
+                          </m:r>
+                        </m:e>
+                        <m:sub>
+                          <m:r>
+                            <a:rPr lang="nl-NL" sz="3200" b="0" i="1" smtClean="0">
+                              <a:latin typeface="Cambria Math"/>
+                            </a:rPr>
+                            <m:t>𝑐</m:t>
+                          </m:r>
+                        </m:sub>
+                      </m:sSub>
+                    </m:oMath>
+                  </m:oMathPara>
+                </a14:m>
+                <a:endParaRPr lang="nl-NL" sz="2800" dirty="0"/>
+              </a:p>
+            </p:txBody>
+          </p:sp>
+        </mc:Choice>
+        <mc:Fallback xmlns="">
+          <p:sp>
+            <p:nvSpPr>
+              <p:cNvPr id="20" name="TextBox 19"/>
+              <p:cNvSpPr txBox="1">
+                <a:spLocks noRot="1" noChangeAspect="1" noMove="1" noResize="1" noEditPoints="1" noAdjustHandles="1" noChangeArrowheads="1" noChangeShapeType="1" noTextEdit="1"/>
+              </p:cNvSpPr>
+              <p:nvPr/>
+            </p:nvSpPr>
+            <p:spPr>
+              <a:xfrm>
+                <a:off x="2276710" y="4428400"/>
+                <a:ext cx="1002117" cy="584775"/>
+              </a:xfrm>
+              <a:prstGeom prst="rect">
+                <a:avLst/>
+              </a:prstGeom>
+              <a:blipFill rotWithShape="1">
+                <a:blip r:embed="rId2"/>
+                <a:stretch>
+                  <a:fillRect/>
+                </a:stretch>
+              </a:blipFill>
+            </p:spPr>
+            <p:txBody>
+              <a:bodyPr/>
+              <a:lstStyle/>
+              <a:p>
+                <a:r>
+                  <a:rPr lang="nl-NL">
+                    <a:noFill/>
+                  </a:rPr>
+                  <a:t> </a:t>
+                </a:r>
+              </a:p>
+            </p:txBody>
+          </p:sp>
+        </mc:Fallback>
+      </mc:AlternateContent>
+      <mc:AlternateContent xmlns:mc="http://schemas.openxmlformats.org/markup-compatibility/2006" xmlns:a14="http://schemas.microsoft.com/office/drawing/2010/main">
+        <mc:Choice Requires="a14">
+          <p:sp>
+            <p:nvSpPr>
+              <p:cNvPr id="21" name="TextBox 20"/>
+              <p:cNvSpPr txBox="1"/>
+              <p:nvPr/>
+            </p:nvSpPr>
+            <p:spPr>
+              <a:xfrm>
+                <a:off x="4202992" y="4428400"/>
+                <a:ext cx="1002117" cy="584775"/>
+              </a:xfrm>
+              <a:prstGeom prst="rect">
+                <a:avLst/>
+              </a:prstGeom>
+              <a:noFill/>
+            </p:spPr>
+            <p:txBody>
+              <a:bodyPr wrap="square" rtlCol="0">
+                <a:spAutoFit/>
+              </a:bodyPr>
+              <a:lstStyle/>
+              <a:p>
+                <a:pPr/>
+                <a14:m>
+                  <m:oMathPara xmlns:m="http://schemas.openxmlformats.org/officeDocument/2006/math">
+                    <m:oMathParaPr>
+                      <m:jc m:val="centerGroup"/>
+                    </m:oMathParaPr>
+                    <m:oMath xmlns:m="http://schemas.openxmlformats.org/officeDocument/2006/math">
+                      <m:sSub>
+                        <m:sSubPr>
+                          <m:ctrlPr>
+                            <a:rPr lang="nl-NL" sz="3200" b="0" i="1" smtClean="0">
+                              <a:latin typeface="Cambria Math"/>
+                            </a:rPr>
+                          </m:ctrlPr>
+                        </m:sSubPr>
+                        <m:e>
+                          <m:r>
+                            <a:rPr lang="nl-NL" sz="3200" b="0" i="1" smtClean="0">
+                              <a:latin typeface="Cambria Math"/>
+                            </a:rPr>
+                            <m:t>𝑅</m:t>
+                          </m:r>
+                        </m:e>
+                        <m:sub>
+                          <m:r>
+                            <a:rPr lang="nl-NL" sz="3200" b="0" i="1" smtClean="0">
+                              <a:latin typeface="Cambria Math"/>
+                            </a:rPr>
+                            <m:t>𝑐</m:t>
+                          </m:r>
+                        </m:sub>
+                      </m:sSub>
+                    </m:oMath>
+                  </m:oMathPara>
+                </a14:m>
+                <a:endParaRPr lang="nl-NL" sz="2800" dirty="0"/>
+              </a:p>
+            </p:txBody>
+          </p:sp>
+        </mc:Choice>
+        <mc:Fallback xmlns="">
+          <p:sp>
+            <p:nvSpPr>
+              <p:cNvPr id="21" name="TextBox 20"/>
+              <p:cNvSpPr txBox="1">
+                <a:spLocks noRot="1" noChangeAspect="1" noMove="1" noResize="1" noEditPoints="1" noAdjustHandles="1" noChangeArrowheads="1" noChangeShapeType="1" noTextEdit="1"/>
+              </p:cNvSpPr>
+              <p:nvPr/>
+            </p:nvSpPr>
+            <p:spPr>
+              <a:xfrm>
+                <a:off x="4202992" y="4428400"/>
+                <a:ext cx="1002117" cy="584775"/>
+              </a:xfrm>
+              <a:prstGeom prst="rect">
+                <a:avLst/>
+              </a:prstGeom>
+              <a:blipFill rotWithShape="1">
+                <a:blip r:embed="rId3"/>
+                <a:stretch>
+                  <a:fillRect/>
+                </a:stretch>
+              </a:blipFill>
+            </p:spPr>
+            <p:txBody>
+              <a:bodyPr/>
+              <a:lstStyle/>
+              <a:p>
+                <a:r>
+                  <a:rPr lang="nl-NL">
+                    <a:noFill/>
+                  </a:rPr>
+                  <a:t> </a:t>
+                </a:r>
+              </a:p>
+            </p:txBody>
+          </p:sp>
+        </mc:Fallback>
+      </mc:AlternateContent>
+      <mc:AlternateContent xmlns:mc="http://schemas.openxmlformats.org/markup-compatibility/2006" xmlns:a14="http://schemas.microsoft.com/office/drawing/2010/main">
+        <mc:Choice Requires="a14">
+          <p:sp>
+            <p:nvSpPr>
+              <p:cNvPr id="22" name="TextBox 21"/>
+              <p:cNvSpPr txBox="1"/>
+              <p:nvPr/>
+            </p:nvSpPr>
+            <p:spPr>
+              <a:xfrm>
+                <a:off x="5943123" y="4459177"/>
+                <a:ext cx="1002117" cy="523220"/>
+              </a:xfrm>
+              <a:prstGeom prst="rect">
+                <a:avLst/>
+              </a:prstGeom>
+              <a:noFill/>
+            </p:spPr>
+            <p:txBody>
+              <a:bodyPr wrap="square" rtlCol="0">
+                <a:spAutoFit/>
+              </a:bodyPr>
+              <a:lstStyle/>
+              <a:p>
+                <a:pPr/>
+                <a14:m>
+                  <m:oMathPara xmlns:m="http://schemas.openxmlformats.org/officeDocument/2006/math">
+                    <m:oMathParaPr>
+                      <m:jc m:val="centerGroup"/>
+                    </m:oMathParaPr>
+                    <m:oMath xmlns:m="http://schemas.openxmlformats.org/officeDocument/2006/math">
+                      <m:r>
+                        <a:rPr lang="nl-NL" sz="2800" b="0" i="1" smtClean="0">
+                          <a:latin typeface="Cambria Math"/>
+                        </a:rPr>
+                        <m:t>𝑀</m:t>
+                      </m:r>
+                    </m:oMath>
+                  </m:oMathPara>
+                </a14:m>
+                <a:endParaRPr lang="nl-NL" sz="2800" dirty="0"/>
+              </a:p>
+            </p:txBody>
+          </p:sp>
+        </mc:Choice>
+        <mc:Fallback xmlns="">
+          <p:sp>
+            <p:nvSpPr>
+              <p:cNvPr id="22" name="TextBox 21"/>
+              <p:cNvSpPr txBox="1">
+                <a:spLocks noRot="1" noChangeAspect="1" noMove="1" noResize="1" noEditPoints="1" noAdjustHandles="1" noChangeArrowheads="1" noChangeShapeType="1" noTextEdit="1"/>
+              </p:cNvSpPr>
+              <p:nvPr/>
+            </p:nvSpPr>
+            <p:spPr>
+              <a:xfrm>
+                <a:off x="5943123" y="4459177"/>
+                <a:ext cx="1002117" cy="523220"/>
+              </a:xfrm>
+              <a:prstGeom prst="rect">
+                <a:avLst/>
+              </a:prstGeom>
+              <a:blipFill rotWithShape="1">
+                <a:blip r:embed="rId4"/>
+                <a:stretch>
+                  <a:fillRect/>
+                </a:stretch>
+              </a:blipFill>
+            </p:spPr>
+            <p:txBody>
+              <a:bodyPr/>
+              <a:lstStyle/>
+              <a:p>
+                <a:r>
+                  <a:rPr lang="nl-NL">
+                    <a:noFill/>
+                  </a:rPr>
+                  <a:t> </a:t>
+                </a:r>
+              </a:p>
+            </p:txBody>
+          </p:sp>
+        </mc:Fallback>
+      </mc:AlternateContent>
+      <p:cxnSp>
+        <p:nvCxnSpPr>
+          <p:cNvPr id="23" name="Straight Arrow Connector 22"/>
+          <p:cNvCxnSpPr/>
+          <p:nvPr/>
+        </p:nvCxnSpPr>
+        <p:spPr>
+          <a:xfrm>
+            <a:off x="7740352" y="4328228"/>
+            <a:ext cx="792088" cy="0"/>
+          </a:xfrm>
+          <a:prstGeom prst="straightConnector1">
+            <a:avLst/>
+          </a:prstGeom>
+          <a:ln>
+            <a:tailEnd type="arrow"/>
+          </a:ln>
+          <a:effectLst/>
+        </p:spPr>
+        <p:style>
+          <a:lnRef idx="3">
+            <a:schemeClr val="dk1"/>
+          </a:lnRef>
+          <a:fillRef idx="0">
+            <a:schemeClr val="dk1"/>
+          </a:fillRef>
+          <a:effectRef idx="2">
+            <a:schemeClr val="dk1"/>
+          </a:effectRef>
+          <a:fontRef idx="minor">
+            <a:schemeClr val="tx1"/>
+          </a:fontRef>
+        </p:style>
+      </p:cxnSp>
+      <p:cxnSp>
+        <p:nvCxnSpPr>
+          <p:cNvPr id="28" name="Straight Connector 27"/>
+          <p:cNvCxnSpPr/>
+          <p:nvPr/>
+        </p:nvCxnSpPr>
+        <p:spPr>
+          <a:xfrm>
+            <a:off x="7812360" y="4340490"/>
+            <a:ext cx="0" cy="828964"/>
+          </a:xfrm>
+          <a:prstGeom prst="line">
+            <a:avLst/>
+          </a:prstGeom>
+          <a:effectLst/>
+        </p:spPr>
+        <p:style>
+          <a:lnRef idx="3">
+            <a:schemeClr val="dk1"/>
+          </a:lnRef>
+          <a:fillRef idx="0">
+            <a:schemeClr val="dk1"/>
+          </a:fillRef>
+          <a:effectRef idx="2">
+            <a:schemeClr val="dk1"/>
+          </a:effectRef>
+          <a:fontRef idx="minor">
+            <a:schemeClr val="tx1"/>
+          </a:fontRef>
+        </p:style>
+      </p:cxnSp>
+      <p:cxnSp>
+        <p:nvCxnSpPr>
+          <p:cNvPr id="31" name="Straight Connector 30"/>
+          <p:cNvCxnSpPr/>
+          <p:nvPr/>
+        </p:nvCxnSpPr>
+        <p:spPr>
+          <a:xfrm>
+            <a:off x="7975308" y="4340490"/>
+            <a:ext cx="0" cy="1290885"/>
+          </a:xfrm>
+          <a:prstGeom prst="line">
+            <a:avLst/>
+          </a:prstGeom>
+          <a:effectLst/>
+        </p:spPr>
+        <p:style>
+          <a:lnRef idx="3">
+            <a:schemeClr val="dk1"/>
+          </a:lnRef>
+          <a:fillRef idx="0">
+            <a:schemeClr val="dk1"/>
+          </a:fillRef>
+          <a:effectRef idx="2">
+            <a:schemeClr val="dk1"/>
+          </a:effectRef>
+          <a:fontRef idx="minor">
+            <a:schemeClr val="tx1"/>
+          </a:fontRef>
+        </p:style>
+      </p:cxnSp>
+      <p:cxnSp>
+        <p:nvCxnSpPr>
+          <p:cNvPr id="32" name="Straight Connector 31"/>
+          <p:cNvCxnSpPr/>
+          <p:nvPr/>
+        </p:nvCxnSpPr>
+        <p:spPr>
+          <a:xfrm>
+            <a:off x="8138256" y="4340490"/>
+            <a:ext cx="0" cy="1752805"/>
+          </a:xfrm>
+          <a:prstGeom prst="line">
+            <a:avLst/>
+          </a:prstGeom>
+          <a:effectLst/>
+        </p:spPr>
+        <p:style>
+          <a:lnRef idx="3">
+            <a:schemeClr val="dk1"/>
+          </a:lnRef>
+          <a:fillRef idx="0">
+            <a:schemeClr val="dk1"/>
+          </a:fillRef>
+          <a:effectRef idx="2">
+            <a:schemeClr val="dk1"/>
+          </a:effectRef>
+          <a:fontRef idx="minor">
+            <a:schemeClr val="tx1"/>
+          </a:fontRef>
+        </p:style>
+      </p:cxnSp>
+      <p:cxnSp>
+        <p:nvCxnSpPr>
+          <p:cNvPr id="35" name="Straight Connector 34"/>
+          <p:cNvCxnSpPr/>
+          <p:nvPr/>
+        </p:nvCxnSpPr>
+        <p:spPr>
+          <a:xfrm>
+            <a:off x="3737939" y="5631375"/>
+            <a:ext cx="4243050" cy="0"/>
+          </a:xfrm>
+          <a:prstGeom prst="line">
+            <a:avLst/>
+          </a:prstGeom>
+          <a:effectLst/>
+        </p:spPr>
+        <p:style>
+          <a:lnRef idx="3">
+            <a:schemeClr val="dk1"/>
+          </a:lnRef>
+          <a:fillRef idx="0">
+            <a:schemeClr val="dk1"/>
+          </a:fillRef>
+          <a:effectRef idx="2">
+            <a:schemeClr val="dk1"/>
+          </a:effectRef>
+          <a:fontRef idx="minor">
+            <a:schemeClr val="tx1"/>
+          </a:fontRef>
+        </p:style>
+      </p:cxnSp>
+      <p:cxnSp>
+        <p:nvCxnSpPr>
+          <p:cNvPr id="36" name="Straight Connector 35"/>
+          <p:cNvCxnSpPr/>
+          <p:nvPr/>
+        </p:nvCxnSpPr>
+        <p:spPr>
+          <a:xfrm>
+            <a:off x="1805376" y="6093296"/>
+            <a:ext cx="6332882" cy="0"/>
+          </a:xfrm>
+          <a:prstGeom prst="line">
+            <a:avLst/>
+          </a:prstGeom>
+          <a:effectLst/>
+        </p:spPr>
+        <p:style>
+          <a:lnRef idx="3">
+            <a:schemeClr val="dk1"/>
+          </a:lnRef>
+          <a:fillRef idx="0">
+            <a:schemeClr val="dk1"/>
+          </a:fillRef>
+          <a:effectRef idx="2">
+            <a:schemeClr val="dk1"/>
+          </a:effectRef>
+          <a:fontRef idx="minor">
+            <a:schemeClr val="tx1"/>
+          </a:fontRef>
+        </p:style>
+      </p:cxnSp>
+      <p:cxnSp>
+        <p:nvCxnSpPr>
+          <p:cNvPr id="37" name="Straight Connector 36"/>
+          <p:cNvCxnSpPr/>
+          <p:nvPr/>
+        </p:nvCxnSpPr>
+        <p:spPr>
+          <a:xfrm>
+            <a:off x="5568172" y="5169454"/>
+            <a:ext cx="2253470" cy="0"/>
+          </a:xfrm>
+          <a:prstGeom prst="line">
+            <a:avLst/>
+          </a:prstGeom>
+          <a:effectLst/>
+        </p:spPr>
+        <p:style>
+          <a:lnRef idx="3">
+            <a:schemeClr val="dk1"/>
+          </a:lnRef>
+          <a:fillRef idx="0">
+            <a:schemeClr val="dk1"/>
+          </a:fillRef>
+          <a:effectRef idx="2">
+            <a:schemeClr val="dk1"/>
+          </a:effectRef>
+          <a:fontRef idx="minor">
+            <a:schemeClr val="tx1"/>
+          </a:fontRef>
+        </p:style>
+      </p:cxnSp>
+      <p:cxnSp>
+        <p:nvCxnSpPr>
+          <p:cNvPr id="43" name="Straight Arrow Connector 42"/>
+          <p:cNvCxnSpPr/>
+          <p:nvPr/>
+        </p:nvCxnSpPr>
+        <p:spPr>
+          <a:xfrm flipV="1">
+            <a:off x="1805376" y="4651394"/>
+            <a:ext cx="0" cy="1441902"/>
+          </a:xfrm>
+          <a:prstGeom prst="straightConnector1">
+            <a:avLst/>
+          </a:prstGeom>
+          <a:ln>
+            <a:tailEnd type="arrow"/>
+          </a:ln>
+          <a:effectLst/>
+        </p:spPr>
+        <p:style>
+          <a:lnRef idx="3">
+            <a:schemeClr val="dk1"/>
+          </a:lnRef>
+          <a:fillRef idx="0">
+            <a:schemeClr val="dk1"/>
+          </a:fillRef>
+          <a:effectRef idx="2">
+            <a:schemeClr val="dk1"/>
+          </a:effectRef>
+          <a:fontRef idx="minor">
+            <a:schemeClr val="tx1"/>
+          </a:fontRef>
+        </p:style>
+      </p:cxnSp>
+      <p:cxnSp>
+        <p:nvCxnSpPr>
+          <p:cNvPr id="44" name="Straight Arrow Connector 43"/>
+          <p:cNvCxnSpPr/>
+          <p:nvPr/>
+        </p:nvCxnSpPr>
+        <p:spPr>
+          <a:xfrm flipH="1" flipV="1">
+            <a:off x="3737938" y="4671338"/>
+            <a:ext cx="1" cy="960037"/>
+          </a:xfrm>
+          <a:prstGeom prst="straightConnector1">
+            <a:avLst/>
+          </a:prstGeom>
+          <a:ln>
+            <a:tailEnd type="arrow"/>
+          </a:ln>
+          <a:effectLst/>
+        </p:spPr>
+        <p:style>
+          <a:lnRef idx="3">
+            <a:schemeClr val="dk1"/>
+          </a:lnRef>
+          <a:fillRef idx="0">
+            <a:schemeClr val="dk1"/>
+          </a:fillRef>
+          <a:effectRef idx="2">
+            <a:schemeClr val="dk1"/>
+          </a:effectRef>
+          <a:fontRef idx="minor">
+            <a:schemeClr val="tx1"/>
+          </a:fontRef>
+        </p:style>
+      </p:cxnSp>
+      <p:cxnSp>
+        <p:nvCxnSpPr>
+          <p:cNvPr id="45" name="Straight Arrow Connector 44"/>
+          <p:cNvCxnSpPr/>
+          <p:nvPr/>
+        </p:nvCxnSpPr>
+        <p:spPr>
+          <a:xfrm flipV="1">
+            <a:off x="5568172" y="4671337"/>
+            <a:ext cx="0" cy="498117"/>
+          </a:xfrm>
+          <a:prstGeom prst="straightConnector1">
+            <a:avLst/>
+          </a:prstGeom>
+          <a:ln>
+            <a:tailEnd type="arrow"/>
+          </a:ln>
+          <a:effectLst/>
+        </p:spPr>
+        <p:style>
+          <a:lnRef idx="3">
+            <a:schemeClr val="dk1"/>
+          </a:lnRef>
+          <a:fillRef idx="0">
+            <a:schemeClr val="dk1"/>
+          </a:fillRef>
+          <a:effectRef idx="2">
+            <a:schemeClr val="dk1"/>
+          </a:effectRef>
+          <a:fontRef idx="minor">
+            <a:schemeClr val="tx1"/>
+          </a:fontRef>
+        </p:style>
+      </p:cxnSp>
+      <mc:AlternateContent xmlns:mc="http://schemas.openxmlformats.org/markup-compatibility/2006" xmlns:a14="http://schemas.microsoft.com/office/drawing/2010/main">
+        <mc:Choice Requires="a14">
+          <p:sp>
+            <p:nvSpPr>
+              <p:cNvPr id="55" name="TextBox 54"/>
+              <p:cNvSpPr txBox="1"/>
+              <p:nvPr/>
+            </p:nvSpPr>
+            <p:spPr>
+              <a:xfrm>
+                <a:off x="3597721" y="5539683"/>
+                <a:ext cx="2748192" cy="553613"/>
+              </a:xfrm>
+              <a:prstGeom prst="rect">
+                <a:avLst/>
+              </a:prstGeom>
+              <a:noFill/>
+            </p:spPr>
+            <p:txBody>
+              <a:bodyPr wrap="square" rtlCol="0">
+                <a:spAutoFit/>
+              </a:bodyPr>
+              <a:lstStyle/>
+              <a:p>
+                <a:pPr/>
+                <a14:m>
+                  <m:oMathPara xmlns:m="http://schemas.openxmlformats.org/officeDocument/2006/math">
+                    <m:oMathParaPr>
+                      <m:jc m:val="centerGroup"/>
+                    </m:oMathParaPr>
+                    <m:oMath xmlns:m="http://schemas.openxmlformats.org/officeDocument/2006/math">
+                      <m:sSub>
+                        <m:sSubPr>
+                          <m:ctrlPr>
+                            <a:rPr lang="nl-NL" sz="2800" b="0" i="1" smtClean="0">
+                              <a:latin typeface="Cambria Math"/>
+                            </a:rPr>
+                          </m:ctrlPr>
+                        </m:sSubPr>
+                        <m:e>
+                          <m:r>
+                            <a:rPr lang="nl-NL" sz="2800" b="0" i="1" smtClean="0">
+                              <a:latin typeface="Cambria Math"/>
+                            </a:rPr>
+                            <m:t>𝑥</m:t>
+                          </m:r>
+                        </m:e>
+                        <m:sub>
+                          <m:r>
+                            <a:rPr lang="nl-NL" sz="2800" b="0" i="1" smtClean="0">
+                              <a:latin typeface="Cambria Math"/>
+                            </a:rPr>
+                            <m:t>𝑄</m:t>
+                          </m:r>
+                        </m:sub>
+                      </m:sSub>
+                      <m:r>
+                        <a:rPr lang="nl-NL" sz="2800" b="0" i="1" smtClean="0">
+                          <a:latin typeface="Cambria Math"/>
+                        </a:rPr>
+                        <m:t>, </m:t>
+                      </m:r>
+                      <m:sSub>
+                        <m:sSubPr>
+                          <m:ctrlPr>
+                            <a:rPr lang="nl-NL" sz="2800" b="0" i="1" smtClean="0">
+                              <a:latin typeface="Cambria Math"/>
+                            </a:rPr>
+                          </m:ctrlPr>
+                        </m:sSubPr>
+                        <m:e>
+                          <m:r>
+                            <a:rPr lang="nl-NL" sz="2800" b="0" i="1" smtClean="0">
+                              <a:latin typeface="Cambria Math"/>
+                            </a:rPr>
+                            <m:t>𝑣</m:t>
+                          </m:r>
+                        </m:e>
+                        <m:sub>
+                          <m:r>
+                            <a:rPr lang="nl-NL" sz="2800" b="0" i="1" smtClean="0">
+                              <a:latin typeface="Cambria Math"/>
+                            </a:rPr>
+                            <m:t>𝑄</m:t>
+                          </m:r>
+                        </m:sub>
+                      </m:sSub>
+                      <m:r>
+                        <a:rPr lang="nl-NL" sz="2800" b="0" i="1" smtClean="0">
+                          <a:latin typeface="Cambria Math"/>
+                        </a:rPr>
+                        <m:t>, </m:t>
+                      </m:r>
+                      <m:sSub>
+                        <m:sSubPr>
+                          <m:ctrlPr>
+                            <a:rPr lang="nl-NL" sz="2800" b="0" i="1" smtClean="0">
+                              <a:latin typeface="Cambria Math"/>
+                            </a:rPr>
+                          </m:ctrlPr>
+                        </m:sSubPr>
+                        <m:e>
+                          <m:r>
+                            <a:rPr lang="nl-NL" sz="2800" b="0" i="1" smtClean="0">
+                              <a:latin typeface="Cambria Math"/>
+                            </a:rPr>
+                            <m:t>𝑥</m:t>
+                          </m:r>
+                        </m:e>
+                        <m:sub>
+                          <m:r>
+                            <a:rPr lang="nl-NL" sz="2800" b="0" i="1" smtClean="0">
+                              <a:latin typeface="Cambria Math"/>
+                            </a:rPr>
+                            <m:t>𝐿</m:t>
+                          </m:r>
+                        </m:sub>
+                      </m:sSub>
+                      <m:r>
+                        <a:rPr lang="nl-NL" sz="2800" b="0" i="1" smtClean="0">
+                          <a:latin typeface="Cambria Math"/>
+                        </a:rPr>
+                        <m:t>, </m:t>
+                      </m:r>
+                      <m:sSub>
+                        <m:sSubPr>
+                          <m:ctrlPr>
+                            <a:rPr lang="nl-NL" sz="2800" b="0" i="1" smtClean="0">
+                              <a:latin typeface="Cambria Math"/>
+                            </a:rPr>
+                          </m:ctrlPr>
+                        </m:sSubPr>
+                        <m:e>
+                          <m:r>
+                            <a:rPr lang="nl-NL" sz="2800" b="0" i="1" smtClean="0">
+                              <a:latin typeface="Cambria Math"/>
+                            </a:rPr>
+                            <m:t>𝑣</m:t>
+                          </m:r>
+                        </m:e>
+                        <m:sub>
+                          <m:r>
+                            <a:rPr lang="nl-NL" sz="2800" b="0" i="1" smtClean="0">
+                              <a:latin typeface="Cambria Math"/>
+                            </a:rPr>
+                            <m:t>𝐿</m:t>
+                          </m:r>
+                        </m:sub>
+                      </m:sSub>
+                      <m:r>
+                        <a:rPr lang="nl-NL" sz="2800" b="0" i="1" smtClean="0">
+                          <a:latin typeface="Cambria Math"/>
+                        </a:rPr>
+                        <m:t>, </m:t>
+                      </m:r>
+                      <m:r>
+                        <a:rPr lang="nl-NL" sz="2800" b="0" i="1" smtClean="0">
+                          <a:latin typeface="Cambria Math"/>
+                        </a:rPr>
+                        <m:t>𝑞</m:t>
+                      </m:r>
+                      <m:r>
+                        <a:rPr lang="nl-NL" sz="2800" b="0" i="1" smtClean="0">
+                          <a:latin typeface="Cambria Math"/>
+                        </a:rPr>
+                        <m:t>, </m:t>
+                      </m:r>
+                      <m:r>
+                        <a:rPr lang="nl-NL" sz="2800" b="0" i="1" smtClean="0">
+                          <a:latin typeface="Cambria Math"/>
+                        </a:rPr>
+                        <m:t>𝑅</m:t>
+                      </m:r>
+                    </m:oMath>
+                  </m:oMathPara>
+                </a14:m>
+                <a:endParaRPr lang="nl-NL" sz="2800" dirty="0"/>
+              </a:p>
+            </p:txBody>
+          </p:sp>
+        </mc:Choice>
+        <mc:Fallback xmlns="">
+          <p:sp>
+            <p:nvSpPr>
+              <p:cNvPr id="55" name="TextBox 54"/>
+              <p:cNvSpPr txBox="1">
+                <a:spLocks noRot="1" noChangeAspect="1" noMove="1" noResize="1" noEditPoints="1" noAdjustHandles="1" noChangeArrowheads="1" noChangeShapeType="1" noTextEdit="1"/>
+              </p:cNvSpPr>
+              <p:nvPr/>
+            </p:nvSpPr>
+            <p:spPr>
+              <a:xfrm>
+                <a:off x="3597721" y="5539683"/>
+                <a:ext cx="2748192" cy="553613"/>
+              </a:xfrm>
+              <a:prstGeom prst="rect">
+                <a:avLst/>
+              </a:prstGeom>
+              <a:blipFill rotWithShape="1">
+                <a:blip r:embed="rId5"/>
+                <a:stretch>
+                  <a:fillRect/>
+                </a:stretch>
+              </a:blipFill>
+            </p:spPr>
+            <p:txBody>
+              <a:bodyPr/>
+              <a:lstStyle/>
+              <a:p>
+                <a:r>
+                  <a:rPr lang="nl-NL">
+                    <a:noFill/>
+                  </a:rPr>
+                  <a:t> </a:t>
+                </a:r>
+              </a:p>
+            </p:txBody>
+          </p:sp>
+        </mc:Fallback>
+      </mc:AlternateContent>
+      <mc:AlternateContent xmlns:mc="http://schemas.openxmlformats.org/markup-compatibility/2006" xmlns:a14="http://schemas.microsoft.com/office/drawing/2010/main">
+        <mc:Choice Requires="a14">
+          <p:sp>
+            <p:nvSpPr>
+              <p:cNvPr id="56" name="TextBox 55"/>
+              <p:cNvSpPr txBox="1"/>
+              <p:nvPr/>
+            </p:nvSpPr>
+            <p:spPr>
+              <a:xfrm>
+                <a:off x="146505" y="4449757"/>
+                <a:ext cx="1002117" cy="542136"/>
+              </a:xfrm>
+              <a:prstGeom prst="rect">
+                <a:avLst/>
+              </a:prstGeom>
+              <a:noFill/>
+            </p:spPr>
+            <p:txBody>
+              <a:bodyPr wrap="square" rtlCol="0">
+                <a:spAutoFit/>
+              </a:bodyPr>
+              <a:lstStyle/>
+              <a:p>
+                <a:pPr/>
+                <a14:m>
+                  <m:oMathPara xmlns:m="http://schemas.openxmlformats.org/officeDocument/2006/math">
+                    <m:oMathParaPr>
+                      <m:jc m:val="centerGroup"/>
+                    </m:oMathParaPr>
+                    <m:oMath xmlns:m="http://schemas.openxmlformats.org/officeDocument/2006/math">
+                      <m:sSub>
+                        <m:sSubPr>
+                          <m:ctrlPr>
+                            <a:rPr lang="nl-NL" sz="2800" b="0" i="1" smtClean="0">
+                              <a:latin typeface="Cambria Math"/>
+                            </a:rPr>
+                          </m:ctrlPr>
+                        </m:sSubPr>
+                        <m:e>
+                          <m:r>
+                            <a:rPr lang="nl-NL" sz="2800" b="0" i="1" smtClean="0">
+                              <a:latin typeface="Cambria Math"/>
+                            </a:rPr>
+                            <m:t>𝑥</m:t>
+                          </m:r>
+                        </m:e>
+                        <m:sub>
+                          <m:r>
+                            <a:rPr lang="nl-NL" sz="2800" b="0" i="1" smtClean="0">
+                              <a:latin typeface="Cambria Math"/>
+                            </a:rPr>
+                            <m:t>𝐿</m:t>
+                          </m:r>
+                          <m:r>
+                            <a:rPr lang="nl-NL" sz="2800" b="0" i="1" smtClean="0">
+                              <a:latin typeface="Cambria Math"/>
+                            </a:rPr>
+                            <m:t>,</m:t>
+                          </m:r>
+                          <m:r>
+                            <a:rPr lang="nl-NL" sz="2800" b="0" i="1" smtClean="0">
+                              <a:latin typeface="Cambria Math"/>
+                            </a:rPr>
+                            <m:t>𝑑</m:t>
+                          </m:r>
+                        </m:sub>
+                      </m:sSub>
+                    </m:oMath>
+                  </m:oMathPara>
+                </a14:m>
+                <a:endParaRPr lang="nl-NL" sz="2800" dirty="0"/>
+              </a:p>
+            </p:txBody>
+          </p:sp>
+        </mc:Choice>
+        <mc:Fallback xmlns="">
+          <p:sp>
+            <p:nvSpPr>
+              <p:cNvPr id="56" name="TextBox 55"/>
+              <p:cNvSpPr txBox="1">
+                <a:spLocks noRot="1" noChangeAspect="1" noMove="1" noResize="1" noEditPoints="1" noAdjustHandles="1" noChangeArrowheads="1" noChangeShapeType="1" noTextEdit="1"/>
+              </p:cNvSpPr>
+              <p:nvPr/>
+            </p:nvSpPr>
+            <p:spPr>
+              <a:xfrm>
+                <a:off x="146505" y="4449757"/>
+                <a:ext cx="1002117" cy="542136"/>
+              </a:xfrm>
+              <a:prstGeom prst="rect">
+                <a:avLst/>
+              </a:prstGeom>
+              <a:blipFill rotWithShape="1">
+                <a:blip r:embed="rId6"/>
+                <a:stretch>
+                  <a:fillRect/>
+                </a:stretch>
+              </a:blipFill>
+            </p:spPr>
+            <p:txBody>
+              <a:bodyPr/>
+              <a:lstStyle/>
+              <a:p>
+                <a:r>
+                  <a:rPr lang="nl-NL">
+                    <a:noFill/>
+                  </a:rPr>
+                  <a:t> </a:t>
+                </a:r>
+              </a:p>
+            </p:txBody>
+          </p:sp>
+        </mc:Fallback>
+      </mc:AlternateContent>
+      <p:cxnSp>
+        <p:nvCxnSpPr>
+          <p:cNvPr id="57" name="Straight Connector 56"/>
+          <p:cNvCxnSpPr/>
+          <p:nvPr/>
+        </p:nvCxnSpPr>
+        <p:spPr>
+          <a:xfrm>
+            <a:off x="2672575" y="3370337"/>
+            <a:ext cx="1899425" cy="0"/>
+          </a:xfrm>
+          <a:prstGeom prst="line">
+            <a:avLst/>
+          </a:prstGeom>
+          <a:ln>
+            <a:tailEnd type="arrow"/>
+          </a:ln>
+          <a:effectLst/>
+        </p:spPr>
+        <p:style>
+          <a:lnRef idx="3">
+            <a:schemeClr val="dk1"/>
+          </a:lnRef>
+          <a:fillRef idx="0">
+            <a:schemeClr val="dk1"/>
+          </a:fillRef>
+          <a:effectRef idx="2">
+            <a:schemeClr val="dk1"/>
+          </a:effectRef>
+          <a:fontRef idx="minor">
+            <a:schemeClr val="tx1"/>
+          </a:fontRef>
+        </p:style>
+      </p:cxnSp>
+      <p:cxnSp>
+        <p:nvCxnSpPr>
+          <p:cNvPr id="58" name="Straight Arrow Connector 57"/>
+          <p:cNvCxnSpPr/>
+          <p:nvPr/>
+        </p:nvCxnSpPr>
+        <p:spPr>
+          <a:xfrm flipV="1">
+            <a:off x="2699792" y="3370337"/>
+            <a:ext cx="0" cy="820363"/>
+          </a:xfrm>
+          <a:prstGeom prst="straightConnector1">
+            <a:avLst/>
+          </a:prstGeom>
+          <a:ln>
+            <a:tailEnd type="none"/>
+          </a:ln>
+          <a:effectLst/>
+        </p:spPr>
+        <p:style>
+          <a:lnRef idx="3">
+            <a:schemeClr val="dk1"/>
+          </a:lnRef>
+          <a:fillRef idx="0">
+            <a:schemeClr val="dk1"/>
+          </a:fillRef>
+          <a:effectRef idx="2">
+            <a:schemeClr val="dk1"/>
+          </a:effectRef>
+          <a:fontRef idx="minor">
+            <a:schemeClr val="tx1"/>
+          </a:fontRef>
+        </p:style>
+      </p:cxnSp>
+      <p:cxnSp>
+        <p:nvCxnSpPr>
+          <p:cNvPr id="61" name="Straight Arrow Connector 60"/>
+          <p:cNvCxnSpPr/>
+          <p:nvPr/>
+        </p:nvCxnSpPr>
+        <p:spPr>
+          <a:xfrm flipV="1">
+            <a:off x="4694154" y="3501008"/>
+            <a:ext cx="0" cy="675600"/>
+          </a:xfrm>
+          <a:prstGeom prst="straightConnector1">
+            <a:avLst/>
+          </a:prstGeom>
+          <a:ln>
+            <a:tailEnd type="arrow"/>
+          </a:ln>
+          <a:effectLst/>
+        </p:spPr>
+        <p:style>
+          <a:lnRef idx="3">
+            <a:schemeClr val="dk1"/>
+          </a:lnRef>
+          <a:fillRef idx="0">
+            <a:schemeClr val="dk1"/>
+          </a:fillRef>
+          <a:effectRef idx="2">
+            <a:schemeClr val="dk1"/>
+          </a:effectRef>
+          <a:fontRef idx="minor">
+            <a:schemeClr val="tx1"/>
+          </a:fontRef>
+        </p:style>
+      </p:cxnSp>
+      <mc:AlternateContent xmlns:mc="http://schemas.openxmlformats.org/markup-compatibility/2006" xmlns:a14="http://schemas.microsoft.com/office/drawing/2010/main">
+        <mc:Choice Requires="a14">
+          <p:sp>
+            <p:nvSpPr>
+              <p:cNvPr id="65" name="TextBox 64"/>
+              <p:cNvSpPr txBox="1"/>
+              <p:nvPr/>
+            </p:nvSpPr>
+            <p:spPr>
+              <a:xfrm>
+                <a:off x="1902396" y="3348281"/>
+                <a:ext cx="1002117" cy="584775"/>
+              </a:xfrm>
+              <a:prstGeom prst="rect">
+                <a:avLst/>
+              </a:prstGeom>
+              <a:noFill/>
+            </p:spPr>
+            <p:txBody>
+              <a:bodyPr wrap="square" rtlCol="0">
+                <a:spAutoFit/>
+              </a:bodyPr>
+              <a:lstStyle/>
+              <a:p>
+                <a:pPr/>
+                <a14:m>
+                  <m:oMathPara xmlns:m="http://schemas.openxmlformats.org/officeDocument/2006/math">
+                    <m:oMathParaPr>
+                      <m:jc m:val="centerGroup"/>
+                    </m:oMathParaPr>
+                    <m:oMath xmlns:m="http://schemas.openxmlformats.org/officeDocument/2006/math">
+                      <m:sSub>
+                        <m:sSubPr>
+                          <m:ctrlPr>
+                            <a:rPr lang="nl-NL" sz="3200" b="0" i="1" smtClean="0">
+                              <a:latin typeface="Cambria Math"/>
+                            </a:rPr>
+                          </m:ctrlPr>
+                        </m:sSubPr>
+                        <m:e>
+                          <m:r>
+                            <a:rPr lang="nl-NL" sz="3200" b="0" i="1" smtClean="0">
+                              <a:latin typeface="Cambria Math"/>
+                            </a:rPr>
+                            <m:t>𝐹</m:t>
+                          </m:r>
+                        </m:e>
+                        <m:sub>
+                          <m:r>
+                            <a:rPr lang="nl-NL" sz="3200" b="0" i="1" smtClean="0">
+                              <a:latin typeface="Cambria Math"/>
+                            </a:rPr>
+                            <m:t>𝑛</m:t>
+                          </m:r>
+                        </m:sub>
+                      </m:sSub>
+                    </m:oMath>
+                  </m:oMathPara>
+                </a14:m>
+                <a:endParaRPr lang="nl-NL" sz="2800" dirty="0"/>
+              </a:p>
+            </p:txBody>
+          </p:sp>
+        </mc:Choice>
+        <mc:Fallback xmlns="">
+          <p:sp>
+            <p:nvSpPr>
+              <p:cNvPr id="65" name="TextBox 64"/>
+              <p:cNvSpPr txBox="1">
+                <a:spLocks noRot="1" noChangeAspect="1" noMove="1" noResize="1" noEditPoints="1" noAdjustHandles="1" noChangeArrowheads="1" noChangeShapeType="1" noTextEdit="1"/>
+              </p:cNvSpPr>
+              <p:nvPr/>
+            </p:nvSpPr>
+            <p:spPr>
+              <a:xfrm>
+                <a:off x="1902396" y="3348281"/>
+                <a:ext cx="1002117" cy="584775"/>
+              </a:xfrm>
+              <a:prstGeom prst="rect">
+                <a:avLst/>
+              </a:prstGeom>
+              <a:blipFill rotWithShape="1">
+                <a:blip r:embed="rId7"/>
+                <a:stretch>
+                  <a:fillRect/>
+                </a:stretch>
+              </a:blipFill>
+            </p:spPr>
+            <p:txBody>
+              <a:bodyPr/>
+              <a:lstStyle/>
+              <a:p>
+                <a:r>
+                  <a:rPr lang="nl-NL">
+                    <a:noFill/>
+                  </a:rPr>
+                  <a:t> </a:t>
+                </a:r>
+              </a:p>
+            </p:txBody>
+          </p:sp>
+        </mc:Fallback>
+      </mc:AlternateContent>
+      <mc:AlternateContent xmlns:mc="http://schemas.openxmlformats.org/markup-compatibility/2006" xmlns:a14="http://schemas.microsoft.com/office/drawing/2010/main">
+        <mc:Choice Requires="a14">
+          <p:sp>
+            <p:nvSpPr>
+              <p:cNvPr id="66" name="TextBox 65"/>
+              <p:cNvSpPr txBox="1"/>
+              <p:nvPr/>
+            </p:nvSpPr>
+            <p:spPr>
+              <a:xfrm>
+                <a:off x="3059832" y="3380854"/>
+                <a:ext cx="1924079" cy="624210"/>
+              </a:xfrm>
+              <a:prstGeom prst="rect">
+                <a:avLst/>
+              </a:prstGeom>
+              <a:noFill/>
+            </p:spPr>
+            <p:txBody>
+              <a:bodyPr wrap="square" rtlCol="0">
+                <a:spAutoFit/>
+              </a:bodyPr>
+              <a:lstStyle/>
+              <a:p>
+                <a:pPr/>
+                <a14:m>
+                  <m:oMathPara xmlns:m="http://schemas.openxmlformats.org/officeDocument/2006/math">
+                    <m:oMathParaPr>
+                      <m:jc m:val="centerGroup"/>
+                    </m:oMathParaPr>
+                    <m:oMath xmlns:m="http://schemas.openxmlformats.org/officeDocument/2006/math">
+                      <m:sSub>
+                        <m:sSubPr>
+                          <m:ctrlPr>
+                            <a:rPr lang="nl-NL" sz="3200" b="0" i="1" smtClean="0">
+                              <a:latin typeface="Cambria Math"/>
+                            </a:rPr>
+                          </m:ctrlPr>
+                        </m:sSubPr>
+                        <m:e>
+                          <m:r>
+                            <a:rPr lang="nl-NL" sz="3200" b="0" i="1" smtClean="0">
+                              <a:latin typeface="Cambria Math"/>
+                            </a:rPr>
+                            <m:t>𝐹</m:t>
+                          </m:r>
+                        </m:e>
+                        <m:sub>
+                          <m:r>
+                            <a:rPr lang="nl-NL" sz="3200" b="0" i="1" smtClean="0">
+                              <a:latin typeface="Cambria Math"/>
+                            </a:rPr>
+                            <m:t>𝑝𝑑</m:t>
+                          </m:r>
+                        </m:sub>
+                      </m:sSub>
+                      <m:r>
+                        <a:rPr lang="nl-NL" sz="3200" b="0" i="1" smtClean="0">
+                          <a:latin typeface="Cambria Math"/>
+                        </a:rPr>
+                        <m:t>,</m:t>
+                      </m:r>
+                      <m:sSub>
+                        <m:sSubPr>
+                          <m:ctrlPr>
+                            <a:rPr lang="nl-NL" sz="3200" b="0" i="1" smtClean="0">
+                              <a:latin typeface="Cambria Math"/>
+                            </a:rPr>
+                          </m:ctrlPr>
+                        </m:sSubPr>
+                        <m:e>
+                          <m:r>
+                            <a:rPr lang="nl-NL" sz="3200" b="0" i="1" smtClean="0">
+                              <a:latin typeface="Cambria Math"/>
+                            </a:rPr>
+                            <m:t>𝐹</m:t>
+                          </m:r>
+                        </m:e>
+                        <m:sub>
+                          <m:r>
+                            <a:rPr lang="nl-NL" sz="3200" b="0" i="1" smtClean="0">
+                              <a:latin typeface="Cambria Math"/>
+                            </a:rPr>
+                            <m:t>𝑓𝑓</m:t>
+                          </m:r>
+                        </m:sub>
+                      </m:sSub>
+                    </m:oMath>
+                  </m:oMathPara>
+                </a14:m>
+                <a:endParaRPr lang="nl-NL" sz="2800" dirty="0"/>
+              </a:p>
+            </p:txBody>
+          </p:sp>
+        </mc:Choice>
+        <mc:Fallback xmlns="">
+          <p:sp>
+            <p:nvSpPr>
+              <p:cNvPr id="66" name="TextBox 65"/>
+              <p:cNvSpPr txBox="1">
+                <a:spLocks noRot="1" noChangeAspect="1" noMove="1" noResize="1" noEditPoints="1" noAdjustHandles="1" noChangeArrowheads="1" noChangeShapeType="1" noTextEdit="1"/>
+              </p:cNvSpPr>
+              <p:nvPr/>
+            </p:nvSpPr>
+            <p:spPr>
+              <a:xfrm>
+                <a:off x="3059832" y="3380854"/>
+                <a:ext cx="1924079" cy="624210"/>
+              </a:xfrm>
+              <a:prstGeom prst="rect">
+                <a:avLst/>
+              </a:prstGeom>
+              <a:blipFill rotWithShape="1">
+                <a:blip r:embed="rId8"/>
+                <a:stretch>
+                  <a:fillRect/>
+                </a:stretch>
+              </a:blipFill>
+            </p:spPr>
+            <p:txBody>
+              <a:bodyPr/>
+              <a:lstStyle/>
+              <a:p>
+                <a:r>
+                  <a:rPr lang="nl-NL">
+                    <a:noFill/>
+                  </a:rPr>
+                  <a:t> </a:t>
+                </a:r>
+              </a:p>
+            </p:txBody>
+          </p:sp>
+        </mc:Fallback>
+      </mc:AlternateContent>
+      <p:sp>
+        <p:nvSpPr>
+          <p:cNvPr id="67" name="Flowchart: Connector 66"/>
+          <p:cNvSpPr/>
+          <p:nvPr/>
+        </p:nvSpPr>
+        <p:spPr>
+          <a:xfrm>
+            <a:off x="4592112" y="3284984"/>
+            <a:ext cx="204084" cy="216024"/>
+          </a:xfrm>
+          <a:prstGeom prst="flowChartConnector">
+            <a:avLst/>
+          </a:prstGeom>
+        </p:spPr>
+        <p:style>
+          <a:lnRef idx="2">
+            <a:schemeClr val="dk1"/>
+          </a:lnRef>
+          <a:fillRef idx="1">
+            <a:schemeClr val="lt1"/>
+          </a:fillRef>
+          <a:effectRef idx="0">
+            <a:schemeClr val="dk1"/>
+          </a:effectRef>
+          <a:fontRef idx="minor">
+            <a:schemeClr val="dk1"/>
+          </a:fontRef>
+        </p:style>
+        <p:txBody>
+          <a:bodyPr rtlCol="0" anchor="ctr"/>
+          <a:lstStyle/>
+          <a:p>
+            <a:pPr algn="ctr"/>
+            <a:endParaRPr lang="nl-NL"/>
+          </a:p>
+        </p:txBody>
+      </p:sp>
+      <p:cxnSp>
+        <p:nvCxnSpPr>
+          <p:cNvPr id="68" name="Straight Connector 67"/>
+          <p:cNvCxnSpPr/>
+          <p:nvPr/>
+        </p:nvCxnSpPr>
+        <p:spPr>
+          <a:xfrm>
+            <a:off x="4816388" y="3392996"/>
+            <a:ext cx="751784" cy="0"/>
+          </a:xfrm>
+          <a:prstGeom prst="line">
+            <a:avLst/>
+          </a:prstGeom>
+          <a:effectLst/>
+        </p:spPr>
+        <p:style>
+          <a:lnRef idx="3">
+            <a:schemeClr val="dk1"/>
+          </a:lnRef>
+          <a:fillRef idx="0">
+            <a:schemeClr val="dk1"/>
+          </a:fillRef>
+          <a:effectRef idx="2">
+            <a:schemeClr val="dk1"/>
+          </a:effectRef>
+          <a:fontRef idx="minor">
+            <a:schemeClr val="tx1"/>
+          </a:fontRef>
+        </p:style>
+      </p:cxnSp>
+      <p:cxnSp>
+        <p:nvCxnSpPr>
+          <p:cNvPr id="71" name="Straight Arrow Connector 70"/>
+          <p:cNvCxnSpPr/>
+          <p:nvPr/>
+        </p:nvCxnSpPr>
+        <p:spPr>
+          <a:xfrm>
+            <a:off x="5568172" y="3392996"/>
+            <a:ext cx="0" cy="626051"/>
+          </a:xfrm>
+          <a:prstGeom prst="straightConnector1">
+            <a:avLst/>
+          </a:prstGeom>
+          <a:ln>
+            <a:tailEnd type="arrow"/>
+          </a:ln>
+          <a:effectLst/>
+        </p:spPr>
+        <p:style>
+          <a:lnRef idx="3">
+            <a:schemeClr val="dk1"/>
+          </a:lnRef>
+          <a:fillRef idx="0">
+            <a:schemeClr val="dk1"/>
+          </a:fillRef>
+          <a:effectRef idx="2">
+            <a:schemeClr val="dk1"/>
+          </a:effectRef>
+          <a:fontRef idx="minor">
+            <a:schemeClr val="tx1"/>
+          </a:fontRef>
+        </p:style>
+      </p:cxnSp>
+      <mc:AlternateContent xmlns:mc="http://schemas.openxmlformats.org/markup-compatibility/2006" xmlns:a14="http://schemas.microsoft.com/office/drawing/2010/main">
+        <mc:Choice Requires="a14">
+          <p:sp>
+            <p:nvSpPr>
+              <p:cNvPr id="77" name="TextBox 76"/>
+              <p:cNvSpPr txBox="1"/>
+              <p:nvPr/>
+            </p:nvSpPr>
+            <p:spPr>
+              <a:xfrm>
+                <a:off x="5364088" y="3413633"/>
+                <a:ext cx="1002117" cy="523220"/>
+              </a:xfrm>
+              <a:prstGeom prst="rect">
+                <a:avLst/>
+              </a:prstGeom>
+              <a:noFill/>
+            </p:spPr>
+            <p:txBody>
+              <a:bodyPr wrap="square" rtlCol="0">
+                <a:spAutoFit/>
+              </a:bodyPr>
+              <a:lstStyle/>
+              <a:p>
+                <a:pPr/>
+                <a14:m>
+                  <m:oMathPara xmlns:m="http://schemas.openxmlformats.org/officeDocument/2006/math">
+                    <m:oMathParaPr>
+                      <m:jc m:val="centerGroup"/>
+                    </m:oMathParaPr>
+                    <m:oMath xmlns:m="http://schemas.openxmlformats.org/officeDocument/2006/math">
+                      <m:r>
+                        <a:rPr lang="nl-NL" sz="2800" b="0" i="1" smtClean="0">
+                          <a:latin typeface="Cambria Math"/>
+                        </a:rPr>
+                        <m:t>𝐹</m:t>
+                      </m:r>
+                    </m:oMath>
+                  </m:oMathPara>
+                </a14:m>
+                <a:endParaRPr lang="nl-NL" sz="2800" dirty="0"/>
+              </a:p>
+            </p:txBody>
+          </p:sp>
+        </mc:Choice>
+        <mc:Fallback xmlns="">
+          <p:sp>
+            <p:nvSpPr>
+              <p:cNvPr id="77" name="TextBox 76"/>
+              <p:cNvSpPr txBox="1">
+                <a:spLocks noRot="1" noChangeAspect="1" noMove="1" noResize="1" noEditPoints="1" noAdjustHandles="1" noChangeArrowheads="1" noChangeShapeType="1" noTextEdit="1"/>
+              </p:cNvSpPr>
+              <p:nvPr/>
+            </p:nvSpPr>
+            <p:spPr>
+              <a:xfrm>
+                <a:off x="5364088" y="3413633"/>
+                <a:ext cx="1002117" cy="523220"/>
+              </a:xfrm>
+              <a:prstGeom prst="rect">
+                <a:avLst/>
+              </a:prstGeom>
+              <a:blipFill rotWithShape="1">
+                <a:blip r:embed="rId9"/>
+                <a:stretch>
+                  <a:fillRect/>
+                </a:stretch>
+              </a:blipFill>
+            </p:spPr>
+            <p:txBody>
+              <a:bodyPr/>
+              <a:lstStyle/>
+              <a:p>
+                <a:r>
+                  <a:rPr lang="nl-NL">
+                    <a:noFill/>
+                  </a:rPr>
+                  <a:t> </a:t>
+                </a:r>
+              </a:p>
+            </p:txBody>
+          </p:sp>
+        </mc:Fallback>
+      </mc:AlternateContent>
+      <mc:AlternateContent xmlns:mc="http://schemas.openxmlformats.org/markup-compatibility/2006" xmlns:a14="http://schemas.microsoft.com/office/drawing/2010/main">
+        <mc:Choice Requires="a14">
+          <p:sp>
+            <p:nvSpPr>
+              <p:cNvPr id="78" name="TextBox 77"/>
+              <p:cNvSpPr txBox="1"/>
+              <p:nvPr/>
+            </p:nvSpPr>
+            <p:spPr>
+              <a:xfrm>
+                <a:off x="5943123" y="3660433"/>
+                <a:ext cx="1002117" cy="523220"/>
+              </a:xfrm>
+              <a:prstGeom prst="rect">
+                <a:avLst/>
+              </a:prstGeom>
+              <a:noFill/>
+            </p:spPr>
+            <p:txBody>
+              <a:bodyPr wrap="square" rtlCol="0">
+                <a:spAutoFit/>
+              </a:bodyPr>
+              <a:lstStyle/>
+              <a:p>
+                <a:pPr/>
+                <a14:m>
+                  <m:oMathPara xmlns:m="http://schemas.openxmlformats.org/officeDocument/2006/math">
+                    <m:oMathParaPr>
+                      <m:jc m:val="centerGroup"/>
+                    </m:oMathParaPr>
+                    <m:oMath xmlns:m="http://schemas.openxmlformats.org/officeDocument/2006/math">
+                      <m:r>
+                        <a:rPr lang="nl-NL" sz="2800" b="0" i="1" smtClean="0">
+                          <a:latin typeface="Cambria Math"/>
+                        </a:rPr>
+                        <m:t>𝑓</m:t>
+                      </m:r>
+                    </m:oMath>
+                  </m:oMathPara>
+                </a14:m>
+                <a:endParaRPr lang="nl-NL" sz="2800" dirty="0"/>
+              </a:p>
+            </p:txBody>
+          </p:sp>
+        </mc:Choice>
+        <mc:Fallback xmlns="">
+          <p:sp>
+            <p:nvSpPr>
+              <p:cNvPr id="78" name="TextBox 77"/>
+              <p:cNvSpPr txBox="1">
+                <a:spLocks noRot="1" noChangeAspect="1" noMove="1" noResize="1" noEditPoints="1" noAdjustHandles="1" noChangeArrowheads="1" noChangeShapeType="1" noTextEdit="1"/>
+              </p:cNvSpPr>
+              <p:nvPr/>
+            </p:nvSpPr>
+            <p:spPr>
+              <a:xfrm>
+                <a:off x="5943123" y="3660433"/>
+                <a:ext cx="1002117" cy="523220"/>
+              </a:xfrm>
+              <a:prstGeom prst="rect">
+                <a:avLst/>
+              </a:prstGeom>
+              <a:blipFill rotWithShape="1">
+                <a:blip r:embed="rId10"/>
+                <a:stretch>
+                  <a:fillRect/>
+                </a:stretch>
+              </a:blipFill>
+            </p:spPr>
+            <p:txBody>
+              <a:bodyPr/>
+              <a:lstStyle/>
+              <a:p>
+                <a:r>
+                  <a:rPr lang="nl-NL">
+                    <a:noFill/>
+                  </a:rPr>
+                  <a:t> </a:t>
+                </a:r>
+              </a:p>
+            </p:txBody>
+          </p:sp>
+        </mc:Fallback>
+      </mc:AlternateContent>
+      <p:grpSp>
+        <p:nvGrpSpPr>
+          <p:cNvPr id="79" name="Group 78"/>
+          <p:cNvGrpSpPr/>
+          <p:nvPr/>
+        </p:nvGrpSpPr>
+        <p:grpSpPr>
+          <a:xfrm>
+            <a:off x="2555776" y="4183653"/>
+            <a:ext cx="449932" cy="275059"/>
+            <a:chOff x="6216244" y="4509120"/>
+            <a:chExt cx="449932" cy="275059"/>
+          </a:xfrm>
+        </p:grpSpPr>
         <p:cxnSp>
           <p:nvCxnSpPr>
-            <p:cNvPr id="32" name="Straight Connector 31"/>
+            <p:cNvPr id="80" name="Straight Arrow Connector 79"/>
             <p:cNvCxnSpPr/>
             <p:nvPr/>
           </p:nvCxnSpPr>
           <p:spPr>
             <a:xfrm>
-              <a:off x="8272882" y="4229746"/>
-              <a:ext cx="0" cy="1719533"/>
-            </a:xfrm>
-            <a:prstGeom prst="line">
-              <a:avLst/>
-            </a:prstGeom>
-            <a:effectLst/>
-          </p:spPr>
-          <p:style>
-            <a:lnRef idx="3">
-              <a:schemeClr val="dk1"/>
-            </a:lnRef>
-            <a:fillRef idx="0">
-              <a:schemeClr val="dk1"/>
-            </a:fillRef>
-            <a:effectRef idx="2">
-              <a:schemeClr val="dk1"/>
-            </a:effectRef>
-            <a:fontRef idx="minor">
-              <a:schemeClr val="tx1"/>
-            </a:fontRef>
-          </p:style>
-        </p:cxnSp>
-        <p:cxnSp>
-          <p:nvCxnSpPr>
-            <p:cNvPr id="35" name="Straight Connector 34"/>
-            <p:cNvCxnSpPr/>
-            <p:nvPr/>
-          </p:nvCxnSpPr>
-          <p:spPr>
-            <a:xfrm>
-              <a:off x="3167422" y="5511047"/>
-              <a:ext cx="4968397" cy="0"/>
-            </a:xfrm>
-            <a:prstGeom prst="line">
-              <a:avLst/>
-            </a:prstGeom>
-            <a:effectLst/>
-          </p:spPr>
-          <p:style>
-            <a:lnRef idx="3">
-              <a:schemeClr val="dk1"/>
-            </a:lnRef>
-            <a:fillRef idx="0">
-              <a:schemeClr val="dk1"/>
-            </a:fillRef>
-            <a:effectRef idx="2">
-              <a:schemeClr val="dk1"/>
-            </a:effectRef>
-            <a:fontRef idx="minor">
-              <a:schemeClr val="tx1"/>
-            </a:fontRef>
-          </p:style>
-        </p:cxnSp>
-        <p:cxnSp>
-          <p:nvCxnSpPr>
-            <p:cNvPr id="36" name="Straight Connector 35"/>
-            <p:cNvCxnSpPr/>
-            <p:nvPr/>
-          </p:nvCxnSpPr>
-          <p:spPr>
-            <a:xfrm flipV="1">
-              <a:off x="1541856" y="5949279"/>
-              <a:ext cx="6729461" cy="1"/>
-            </a:xfrm>
-            <a:prstGeom prst="line">
-              <a:avLst/>
-            </a:prstGeom>
-            <a:effectLst/>
-          </p:spPr>
-          <p:style>
-            <a:lnRef idx="3">
-              <a:schemeClr val="dk1"/>
-            </a:lnRef>
-            <a:fillRef idx="0">
-              <a:schemeClr val="dk1"/>
-            </a:fillRef>
-            <a:effectRef idx="2">
-              <a:schemeClr val="dk1"/>
-            </a:effectRef>
-            <a:fontRef idx="minor">
-              <a:schemeClr val="tx1"/>
-            </a:fontRef>
-          </p:style>
-        </p:cxnSp>
-        <p:cxnSp>
-          <p:nvCxnSpPr>
-            <p:cNvPr id="37" name="Straight Connector 36"/>
-            <p:cNvCxnSpPr/>
-            <p:nvPr/>
-          </p:nvCxnSpPr>
-          <p:spPr>
-            <a:xfrm>
-              <a:off x="4706913" y="5072815"/>
-              <a:ext cx="3291843" cy="0"/>
-            </a:xfrm>
-            <a:prstGeom prst="line">
-              <a:avLst/>
-            </a:prstGeom>
-            <a:effectLst/>
-          </p:spPr>
-          <p:style>
-            <a:lnRef idx="3">
-              <a:schemeClr val="dk1"/>
-            </a:lnRef>
-            <a:fillRef idx="0">
-              <a:schemeClr val="dk1"/>
-            </a:fillRef>
-            <a:effectRef idx="2">
-              <a:schemeClr val="dk1"/>
-            </a:effectRef>
-            <a:fontRef idx="minor">
-              <a:schemeClr val="tx1"/>
-            </a:fontRef>
-          </p:style>
-        </p:cxnSp>
-        <p:cxnSp>
-          <p:nvCxnSpPr>
-            <p:cNvPr id="43" name="Straight Arrow Connector 42"/>
-            <p:cNvCxnSpPr/>
-            <p:nvPr/>
-          </p:nvCxnSpPr>
-          <p:spPr>
-            <a:xfrm flipV="1">
-              <a:off x="1537075" y="4509314"/>
-              <a:ext cx="4781" cy="1439966"/>
+              <a:off x="6216244" y="4509120"/>
+              <a:ext cx="443988" cy="0"/>
             </a:xfrm>
             <a:prstGeom prst="straightConnector1">
               <a:avLst/>
@@ -26508,14 +27554,274 @@
         </p:cxnSp>
         <p:cxnSp>
           <p:nvCxnSpPr>
-            <p:cNvPr id="44" name="Straight Arrow Connector 43"/>
+            <p:cNvPr id="81" name="Straight Arrow Connector 80"/>
             <p:cNvCxnSpPr/>
             <p:nvPr/>
           </p:nvCxnSpPr>
           <p:spPr>
-            <a:xfrm flipV="1">
-              <a:off x="3167422" y="4528235"/>
-              <a:ext cx="0" cy="982812"/>
+            <a:xfrm>
+              <a:off x="6222188" y="4784179"/>
+              <a:ext cx="443988" cy="0"/>
+            </a:xfrm>
+            <a:prstGeom prst="straightConnector1">
+              <a:avLst/>
+            </a:prstGeom>
+            <a:ln>
+              <a:tailEnd type="arrow"/>
+            </a:ln>
+            <a:effectLst/>
+          </p:spPr>
+          <p:style>
+            <a:lnRef idx="3">
+              <a:schemeClr val="dk1"/>
+            </a:lnRef>
+            <a:fillRef idx="0">
+              <a:schemeClr val="dk1"/>
+            </a:fillRef>
+            <a:effectRef idx="2">
+              <a:schemeClr val="dk1"/>
+            </a:effectRef>
+            <a:fontRef idx="minor">
+              <a:schemeClr val="tx1"/>
+            </a:fontRef>
+          </p:style>
+        </p:cxnSp>
+      </p:grpSp>
+    </p:spTree>
+    <p:extLst>
+      <p:ext uri="{BB962C8B-B14F-4D97-AF65-F5344CB8AC3E}">
+        <p14:creationId xmlns:p14="http://schemas.microsoft.com/office/powerpoint/2010/main" val="3316965139"/>
+      </p:ext>
+    </p:extLst>
+  </p:cSld>
+  <p:clrMapOvr>
+    <a:masterClrMapping/>
+  </p:clrMapOvr>
+  <p:timing>
+    <p:tnLst>
+      <p:par>
+        <p:cTn id="1" dur="indefinite" restart="never" nodeType="tmRoot"/>
+      </p:par>
+    </p:tnLst>
+  </p:timing>
+</p:sld>
+</file>
+
+<file path=ppt/slides/slide36.xml><?xml version="1.0" encoding="utf-8"?>
+<p:sld xmlns:a="http://schemas.openxmlformats.org/drawingml/2006/main" xmlns:r="http://schemas.openxmlformats.org/officeDocument/2006/relationships" xmlns:p="http://schemas.openxmlformats.org/presentationml/2006/main">
+  <p:cSld>
+    <p:spTree>
+      <p:nvGrpSpPr>
+        <p:cNvPr id="1" name=""/>
+        <p:cNvGrpSpPr/>
+        <p:nvPr/>
+      </p:nvGrpSpPr>
+      <p:grpSpPr>
+        <a:xfrm>
+          <a:off x="0" y="0"/>
+          <a:ext cx="0" cy="0"/>
+          <a:chOff x="0" y="0"/>
+          <a:chExt cx="0" cy="0"/>
+        </a:xfrm>
+      </p:grpSpPr>
+      <p:sp>
+        <p:nvSpPr>
+          <p:cNvPr id="2" name="TextBox 1"/>
+          <p:cNvSpPr txBox="1"/>
+          <p:nvPr/>
+        </p:nvSpPr>
+        <p:spPr>
+          <a:xfrm>
+            <a:off x="7336386" y="4641442"/>
+            <a:ext cx="1052038" cy="562504"/>
+          </a:xfrm>
+          <a:prstGeom prst="rect">
+            <a:avLst/>
+          </a:prstGeom>
+        </p:spPr>
+        <p:style>
+          <a:lnRef idx="2">
+            <a:schemeClr val="dk1"/>
+          </a:lnRef>
+          <a:fillRef idx="1">
+            <a:schemeClr val="lt1"/>
+          </a:fillRef>
+          <a:effectRef idx="0">
+            <a:schemeClr val="dk1"/>
+          </a:effectRef>
+          <a:fontRef idx="minor">
+            <a:schemeClr val="dk1"/>
+          </a:fontRef>
+        </p:style>
+        <p:txBody>
+          <a:bodyPr wrap="square" rtlCol="0">
+            <a:spAutoFit/>
+          </a:bodyPr>
+          <a:lstStyle/>
+          <a:p>
+            <a:r>
+              <a:rPr lang="nl-NL" sz="1600" dirty="0" smtClean="0"/>
+              <a:t>QR-Load </a:t>
+            </a:r>
+          </a:p>
+          <a:p>
+            <a:r>
+              <a:rPr lang="nl-NL" sz="1600" dirty="0" smtClean="0"/>
+              <a:t>Dynamics</a:t>
+            </a:r>
+          </a:p>
+        </p:txBody>
+      </p:sp>
+      <p:sp>
+        <p:nvSpPr>
+          <p:cNvPr id="3" name="TextBox 2"/>
+          <p:cNvSpPr txBox="1"/>
+          <p:nvPr/>
+        </p:nvSpPr>
+        <p:spPr>
+          <a:xfrm>
+            <a:off x="4354857" y="4641442"/>
+            <a:ext cx="1166563" cy="562504"/>
+          </a:xfrm>
+          <a:prstGeom prst="rect">
+            <a:avLst/>
+          </a:prstGeom>
+        </p:spPr>
+        <p:style>
+          <a:lnRef idx="2">
+            <a:schemeClr val="dk1"/>
+          </a:lnRef>
+          <a:fillRef idx="1">
+            <a:schemeClr val="lt1"/>
+          </a:fillRef>
+          <a:effectRef idx="0">
+            <a:schemeClr val="dk1"/>
+          </a:effectRef>
+          <a:fontRef idx="minor">
+            <a:schemeClr val="dk1"/>
+          </a:fontRef>
+        </p:style>
+        <p:txBody>
+          <a:bodyPr wrap="square" rtlCol="0">
+            <a:spAutoFit/>
+          </a:bodyPr>
+          <a:lstStyle/>
+          <a:p>
+            <a:r>
+              <a:rPr lang="nl-NL" sz="1600" dirty="0" smtClean="0"/>
+              <a:t>QR attitude controller</a:t>
+            </a:r>
+          </a:p>
+        </p:txBody>
+      </p:sp>
+      <p:sp>
+        <p:nvSpPr>
+          <p:cNvPr id="4" name="TextBox 3"/>
+          <p:cNvSpPr txBox="1"/>
+          <p:nvPr/>
+        </p:nvSpPr>
+        <p:spPr>
+          <a:xfrm>
+            <a:off x="2626506" y="4641442"/>
+            <a:ext cx="1328752" cy="562504"/>
+          </a:xfrm>
+          <a:prstGeom prst="rect">
+            <a:avLst/>
+          </a:prstGeom>
+        </p:spPr>
+        <p:style>
+          <a:lnRef idx="2">
+            <a:schemeClr val="dk1"/>
+          </a:lnRef>
+          <a:fillRef idx="1">
+            <a:schemeClr val="lt1"/>
+          </a:fillRef>
+          <a:effectRef idx="0">
+            <a:schemeClr val="dk1"/>
+          </a:effectRef>
+          <a:fontRef idx="minor">
+            <a:schemeClr val="dk1"/>
+          </a:fontRef>
+        </p:style>
+        <p:txBody>
+          <a:bodyPr wrap="square" rtlCol="0">
+            <a:spAutoFit/>
+          </a:bodyPr>
+          <a:lstStyle/>
+          <a:p>
+            <a:r>
+              <a:rPr lang="nl-NL" sz="1600" dirty="0" smtClean="0"/>
+              <a:t>Load attitude controller</a:t>
+            </a:r>
+          </a:p>
+        </p:txBody>
+      </p:sp>
+      <p:sp>
+        <p:nvSpPr>
+          <p:cNvPr id="5" name="TextBox 4"/>
+          <p:cNvSpPr txBox="1"/>
+          <p:nvPr/>
+        </p:nvSpPr>
+        <p:spPr>
+          <a:xfrm>
+            <a:off x="865916" y="4641442"/>
+            <a:ext cx="1360989" cy="562504"/>
+          </a:xfrm>
+          <a:prstGeom prst="rect">
+            <a:avLst/>
+          </a:prstGeom>
+        </p:spPr>
+        <p:style>
+          <a:lnRef idx="2">
+            <a:schemeClr val="dk1"/>
+          </a:lnRef>
+          <a:fillRef idx="1">
+            <a:schemeClr val="lt1"/>
+          </a:fillRef>
+          <a:effectRef idx="0">
+            <a:schemeClr val="dk1"/>
+          </a:effectRef>
+          <a:fontRef idx="minor">
+            <a:schemeClr val="dk1"/>
+          </a:fontRef>
+        </p:style>
+        <p:txBody>
+          <a:bodyPr wrap="square" rtlCol="0">
+            <a:spAutoFit/>
+          </a:bodyPr>
+          <a:lstStyle/>
+          <a:p>
+            <a:r>
+              <a:rPr lang="nl-NL" sz="1600" dirty="0" smtClean="0"/>
+              <a:t>Load position controller</a:t>
+            </a:r>
+          </a:p>
+        </p:txBody>
+      </p:sp>
+      <p:grpSp>
+        <p:nvGrpSpPr>
+          <p:cNvPr id="9" name="Group 8"/>
+          <p:cNvGrpSpPr/>
+          <p:nvPr/>
+        </p:nvGrpSpPr>
+        <p:grpSpPr>
+          <a:xfrm>
+            <a:off x="5521420" y="4815197"/>
+            <a:ext cx="404950" cy="275060"/>
+            <a:chOff x="6216244" y="4509120"/>
+            <a:chExt cx="449932" cy="275059"/>
+          </a:xfrm>
+        </p:grpSpPr>
+        <p:cxnSp>
+          <p:nvCxnSpPr>
+            <p:cNvPr id="7" name="Straight Arrow Connector 6"/>
+            <p:cNvCxnSpPr/>
+            <p:nvPr/>
+          </p:nvCxnSpPr>
+          <p:spPr>
+            <a:xfrm>
+              <a:off x="6216244" y="4509120"/>
+              <a:ext cx="443988" cy="0"/>
             </a:xfrm>
             <a:prstGeom prst="straightConnector1">
               <a:avLst/>
@@ -26542,14 +27848,14 @@
         </p:cxnSp>
         <p:cxnSp>
           <p:nvCxnSpPr>
-            <p:cNvPr id="45" name="Straight Arrow Connector 44"/>
+            <p:cNvPr id="8" name="Straight Arrow Connector 7"/>
             <p:cNvCxnSpPr/>
             <p:nvPr/>
           </p:nvCxnSpPr>
           <p:spPr>
-            <a:xfrm flipV="1">
-              <a:off x="4706912" y="4528236"/>
-              <a:ext cx="1" cy="544578"/>
+            <a:xfrm>
+              <a:off x="6222188" y="4784179"/>
+              <a:ext cx="443988" cy="0"/>
             </a:xfrm>
             <a:prstGeom prst="straightConnector1">
               <a:avLst/>
@@ -26574,353 +27880,1287 @@
             </a:fontRef>
           </p:style>
         </p:cxnSp>
-        <mc:AlternateContent xmlns:mc="http://schemas.openxmlformats.org/markup-compatibility/2006" xmlns:a14="http://schemas.microsoft.com/office/drawing/2010/main">
-          <mc:Choice Requires="a14">
-            <p:sp>
-              <p:nvSpPr>
-                <p:cNvPr id="55" name="TextBox 54"/>
-                <p:cNvSpPr txBox="1"/>
-                <p:nvPr/>
-              </p:nvSpPr>
-              <p:spPr>
-                <a:xfrm>
-                  <a:off x="3234919" y="5482158"/>
-                  <a:ext cx="2311628" cy="445122"/>
-                </a:xfrm>
-                <a:prstGeom prst="rect">
-                  <a:avLst/>
-                </a:prstGeom>
-                <a:noFill/>
-              </p:spPr>
-              <p:txBody>
-                <a:bodyPr wrap="square" rtlCol="0">
-                  <a:spAutoFit/>
-                </a:bodyPr>
-                <a:lstStyle/>
-                <a:p>
-                  <a:pPr/>
-                  <a14:m>
-                    <m:oMathPara xmlns:m="http://schemas.openxmlformats.org/officeDocument/2006/math">
-                      <m:oMathParaPr>
-                        <m:jc m:val="centerGroup"/>
-                      </m:oMathParaPr>
-                      <m:oMath xmlns:m="http://schemas.openxmlformats.org/officeDocument/2006/math">
-                        <m:sSub>
-                          <m:sSubPr>
-                            <m:ctrlPr>
-                              <a:rPr lang="nl-NL" sz="2400" b="0" i="1" smtClean="0">
-                                <a:latin typeface="Cambria Math"/>
-                              </a:rPr>
-                            </m:ctrlPr>
-                          </m:sSubPr>
-                          <m:e>
-                            <m:r>
-                              <a:rPr lang="nl-NL" sz="2400" b="0" i="1" smtClean="0">
-                                <a:latin typeface="Cambria Math"/>
-                              </a:rPr>
-                              <m:t>𝑥</m:t>
-                            </m:r>
-                          </m:e>
-                          <m:sub>
-                            <m:r>
-                              <a:rPr lang="nl-NL" sz="2400" b="0" i="1" smtClean="0">
-                                <a:latin typeface="Cambria Math"/>
-                              </a:rPr>
-                              <m:t>𝑄</m:t>
-                            </m:r>
-                          </m:sub>
-                        </m:sSub>
-                        <m:r>
-                          <a:rPr lang="nl-NL" sz="2400" b="0" i="1" smtClean="0">
-                            <a:latin typeface="Cambria Math"/>
-                          </a:rPr>
-                          <m:t>, </m:t>
-                        </m:r>
-                        <m:sSub>
-                          <m:sSubPr>
-                            <m:ctrlPr>
-                              <a:rPr lang="nl-NL" sz="2400" b="0" i="1" smtClean="0">
-                                <a:latin typeface="Cambria Math"/>
-                              </a:rPr>
-                            </m:ctrlPr>
-                          </m:sSubPr>
-                          <m:e>
-                            <m:r>
-                              <a:rPr lang="nl-NL" sz="2400" b="0" i="1" smtClean="0">
-                                <a:latin typeface="Cambria Math"/>
-                              </a:rPr>
-                              <m:t>𝑣</m:t>
-                            </m:r>
-                          </m:e>
-                          <m:sub>
-                            <m:r>
-                              <a:rPr lang="nl-NL" sz="2400" b="0" i="1" smtClean="0">
-                                <a:latin typeface="Cambria Math"/>
-                              </a:rPr>
-                              <m:t>𝑄</m:t>
-                            </m:r>
-                          </m:sub>
-                        </m:sSub>
-                        <m:r>
-                          <a:rPr lang="nl-NL" sz="2400" b="0" i="1" smtClean="0">
-                            <a:latin typeface="Cambria Math"/>
-                          </a:rPr>
-                          <m:t>, </m:t>
-                        </m:r>
-                        <m:sSub>
-                          <m:sSubPr>
-                            <m:ctrlPr>
-                              <a:rPr lang="nl-NL" sz="2400" b="0" i="1" smtClean="0">
-                                <a:latin typeface="Cambria Math"/>
-                              </a:rPr>
-                            </m:ctrlPr>
-                          </m:sSubPr>
-                          <m:e>
-                            <m:r>
-                              <a:rPr lang="nl-NL" sz="2400" b="0" i="1" smtClean="0">
-                                <a:latin typeface="Cambria Math"/>
-                              </a:rPr>
-                              <m:t>𝑥</m:t>
-                            </m:r>
-                          </m:e>
-                          <m:sub>
-                            <m:r>
-                              <a:rPr lang="nl-NL" sz="2400" b="0" i="1" smtClean="0">
-                                <a:latin typeface="Cambria Math"/>
-                              </a:rPr>
-                              <m:t>𝐿</m:t>
-                            </m:r>
-                          </m:sub>
-                        </m:sSub>
-                        <m:r>
-                          <a:rPr lang="nl-NL" sz="2400" b="0" i="1" smtClean="0">
-                            <a:latin typeface="Cambria Math"/>
-                          </a:rPr>
-                          <m:t>, </m:t>
-                        </m:r>
-                        <m:sSub>
-                          <m:sSubPr>
-                            <m:ctrlPr>
-                              <a:rPr lang="nl-NL" sz="2400" b="0" i="1" smtClean="0">
-                                <a:latin typeface="Cambria Math"/>
-                              </a:rPr>
-                            </m:ctrlPr>
-                          </m:sSubPr>
-                          <m:e>
-                            <m:r>
-                              <a:rPr lang="nl-NL" sz="2400" b="0" i="1" smtClean="0">
-                                <a:latin typeface="Cambria Math"/>
-                              </a:rPr>
-                              <m:t>𝑣</m:t>
-                            </m:r>
-                          </m:e>
-                          <m:sub>
-                            <m:r>
-                              <a:rPr lang="nl-NL" sz="2400" b="0" i="1" smtClean="0">
-                                <a:latin typeface="Cambria Math"/>
-                              </a:rPr>
-                              <m:t>𝐿</m:t>
-                            </m:r>
-                          </m:sub>
-                        </m:sSub>
-                        <m:r>
-                          <a:rPr lang="nl-NL" sz="2400" b="0" i="1" smtClean="0">
-                            <a:latin typeface="Cambria Math"/>
-                          </a:rPr>
-                          <m:t>, </m:t>
-                        </m:r>
-                        <m:r>
-                          <a:rPr lang="nl-NL" sz="2400" b="0" i="1" smtClean="0">
-                            <a:latin typeface="Cambria Math"/>
-                          </a:rPr>
-                          <m:t>𝑞</m:t>
-                        </m:r>
-                        <m:r>
-                          <a:rPr lang="nl-NL" sz="2400" b="0" i="1" smtClean="0">
-                            <a:latin typeface="Cambria Math"/>
-                          </a:rPr>
-                          <m:t>, </m:t>
-                        </m:r>
-                        <m:r>
-                          <a:rPr lang="nl-NL" sz="2400" b="0" i="1" smtClean="0">
-                            <a:latin typeface="Cambria Math"/>
-                          </a:rPr>
-                          <m:t>𝑅</m:t>
-                        </m:r>
-                      </m:oMath>
-                    </m:oMathPara>
-                  </a14:m>
-                  <a:endParaRPr lang="nl-NL" sz="2400" dirty="0"/>
-                </a:p>
-              </p:txBody>
-            </p:sp>
-          </mc:Choice>
-          <mc:Fallback xmlns="">
-            <p:sp>
-              <p:nvSpPr>
-                <p:cNvPr id="55" name="TextBox 54"/>
-                <p:cNvSpPr txBox="1">
-                  <a:spLocks noRot="1" noChangeAspect="1" noMove="1" noResize="1" noEditPoints="1" noAdjustHandles="1" noChangeArrowheads="1" noChangeShapeType="1" noTextEdit="1"/>
-                </p:cNvSpPr>
-                <p:nvPr/>
-              </p:nvSpPr>
-              <p:spPr>
-                <a:xfrm>
-                  <a:off x="3234919" y="5482158"/>
-                  <a:ext cx="2311628" cy="445122"/>
-                </a:xfrm>
-                <a:prstGeom prst="rect">
-                  <a:avLst/>
-                </a:prstGeom>
-                <a:blipFill rotWithShape="1">
-                  <a:blip r:embed="rId5"/>
-                  <a:stretch>
-                    <a:fillRect b="-12987"/>
-                  </a:stretch>
-                </a:blipFill>
-              </p:spPr>
-              <p:txBody>
-                <a:bodyPr/>
-                <a:lstStyle/>
-                <a:p>
-                  <a:r>
-                    <a:rPr lang="nl-NL">
-                      <a:noFill/>
-                    </a:rPr>
-                    <a:t> </a:t>
-                  </a:r>
-                </a:p>
-              </p:txBody>
-            </p:sp>
-          </mc:Fallback>
-        </mc:AlternateContent>
-        <mc:AlternateContent xmlns:mc="http://schemas.openxmlformats.org/markup-compatibility/2006" xmlns:a14="http://schemas.microsoft.com/office/drawing/2010/main">
-          <mc:Choice Requires="a14">
-            <p:sp>
-              <p:nvSpPr>
-                <p:cNvPr id="56" name="TextBox 55"/>
-                <p:cNvSpPr txBox="1"/>
-                <p:nvPr/>
-              </p:nvSpPr>
-              <p:spPr>
-                <a:xfrm>
-                  <a:off x="146505" y="4390025"/>
-                  <a:ext cx="842926" cy="436112"/>
-                </a:xfrm>
-                <a:prstGeom prst="rect">
-                  <a:avLst/>
-                </a:prstGeom>
-                <a:noFill/>
-              </p:spPr>
-              <p:txBody>
-                <a:bodyPr wrap="square" rtlCol="0">
-                  <a:spAutoFit/>
-                </a:bodyPr>
-                <a:lstStyle/>
-                <a:p>
-                  <a:pPr/>
-                  <a14:m>
-                    <m:oMathPara xmlns:m="http://schemas.openxmlformats.org/officeDocument/2006/math">
-                      <m:oMathParaPr>
-                        <m:jc m:val="centerGroup"/>
-                      </m:oMathParaPr>
-                      <m:oMath xmlns:m="http://schemas.openxmlformats.org/officeDocument/2006/math">
-                        <m:sSub>
-                          <m:sSubPr>
-                            <m:ctrlPr>
-                              <a:rPr lang="nl-NL" sz="2400" b="0" i="1" smtClean="0">
-                                <a:latin typeface="Cambria Math"/>
-                              </a:rPr>
-                            </m:ctrlPr>
-                          </m:sSubPr>
-                          <m:e>
-                            <m:r>
-                              <a:rPr lang="nl-NL" sz="2400" b="0" i="1" smtClean="0">
-                                <a:latin typeface="Cambria Math"/>
-                              </a:rPr>
-                              <m:t>𝑥</m:t>
-                            </m:r>
-                          </m:e>
-                          <m:sub>
-                            <m:r>
-                              <a:rPr lang="nl-NL" sz="2400" b="0" i="1" smtClean="0">
-                                <a:latin typeface="Cambria Math"/>
-                              </a:rPr>
-                              <m:t>𝐿</m:t>
-                            </m:r>
-                            <m:r>
-                              <a:rPr lang="nl-NL" sz="2400" b="0" i="1" smtClean="0">
-                                <a:latin typeface="Cambria Math"/>
-                              </a:rPr>
-                              <m:t>,</m:t>
-                            </m:r>
-                            <m:r>
-                              <a:rPr lang="nl-NL" sz="2400" b="0" i="1" smtClean="0">
-                                <a:latin typeface="Cambria Math"/>
-                              </a:rPr>
-                              <m:t>𝑑</m:t>
-                            </m:r>
-                          </m:sub>
-                        </m:sSub>
-                      </m:oMath>
-                    </m:oMathPara>
-                  </a14:m>
-                  <a:endParaRPr lang="nl-NL" sz="2400" dirty="0"/>
-                </a:p>
-              </p:txBody>
-            </p:sp>
-          </mc:Choice>
-          <mc:Fallback xmlns="">
-            <p:sp>
-              <p:nvSpPr>
-                <p:cNvPr id="56" name="TextBox 55"/>
-                <p:cNvSpPr txBox="1">
-                  <a:spLocks noRot="1" noChangeAspect="1" noMove="1" noResize="1" noEditPoints="1" noAdjustHandles="1" noChangeArrowheads="1" noChangeShapeType="1" noTextEdit="1"/>
-                </p:cNvSpPr>
-                <p:nvPr/>
-              </p:nvSpPr>
-              <p:spPr>
-                <a:xfrm>
-                  <a:off x="146505" y="4390025"/>
-                  <a:ext cx="842926" cy="436112"/>
-                </a:xfrm>
-                <a:prstGeom prst="rect">
-                  <a:avLst/>
-                </a:prstGeom>
-                <a:blipFill rotWithShape="1">
-                  <a:blip r:embed="rId6"/>
-                  <a:stretch>
-                    <a:fillRect b="-2632"/>
-                  </a:stretch>
-                </a:blipFill>
-              </p:spPr>
-              <p:txBody>
-                <a:bodyPr/>
-                <a:lstStyle/>
-                <a:p>
-                  <a:r>
-                    <a:rPr lang="nl-NL">
-                      <a:noFill/>
-                    </a:rPr>
-                    <a:t> </a:t>
-                  </a:r>
-                </a:p>
-              </p:txBody>
-            </p:sp>
-          </mc:Fallback>
-        </mc:AlternateContent>
+      </p:grpSp>
+      <p:cxnSp>
+        <p:nvCxnSpPr>
+          <p:cNvPr id="18" name="Straight Arrow Connector 17"/>
+          <p:cNvCxnSpPr/>
+          <p:nvPr/>
+        </p:nvCxnSpPr>
+        <p:spPr>
+          <a:xfrm>
+            <a:off x="153016" y="4964608"/>
+            <a:ext cx="712900" cy="0"/>
+          </a:xfrm>
+          <a:prstGeom prst="straightConnector1">
+            <a:avLst/>
+          </a:prstGeom>
+          <a:ln>
+            <a:tailEnd type="arrow"/>
+          </a:ln>
+          <a:effectLst/>
+        </p:spPr>
+        <p:style>
+          <a:lnRef idx="3">
+            <a:schemeClr val="dk1"/>
+          </a:lnRef>
+          <a:fillRef idx="0">
+            <a:schemeClr val="dk1"/>
+          </a:fillRef>
+          <a:effectRef idx="2">
+            <a:schemeClr val="dk1"/>
+          </a:effectRef>
+          <a:fontRef idx="minor">
+            <a:schemeClr val="tx1"/>
+          </a:fontRef>
+        </p:style>
+      </p:cxnSp>
+      <mc:AlternateContent xmlns:mc="http://schemas.openxmlformats.org/markup-compatibility/2006">
+        <mc:Choice xmlns:a14="http://schemas.microsoft.com/office/drawing/2010/main" Requires="a14">
+          <p:sp>
+            <p:nvSpPr>
+              <p:cNvPr id="21" name="TextBox 20"/>
+              <p:cNvSpPr txBox="1"/>
+              <p:nvPr/>
+            </p:nvSpPr>
+            <p:spPr>
+              <a:xfrm>
+                <a:off x="3693250" y="5087326"/>
+                <a:ext cx="901931" cy="503293"/>
+              </a:xfrm>
+              <a:prstGeom prst="rect">
+                <a:avLst/>
+              </a:prstGeom>
+              <a:noFill/>
+            </p:spPr>
+            <p:txBody>
+              <a:bodyPr wrap="square" rtlCol="0">
+                <a:spAutoFit/>
+              </a:bodyPr>
+              <a:lstStyle/>
+              <a:p>
+                <a:pPr/>
+                <a14:m>
+                  <m:oMathPara xmlns:m="http://schemas.openxmlformats.org/officeDocument/2006/math">
+                    <m:oMathParaPr>
+                      <m:jc m:val="centerGroup"/>
+                    </m:oMathParaPr>
+                    <m:oMath xmlns:m="http://schemas.openxmlformats.org/officeDocument/2006/math">
+                      <m:sSub>
+                        <m:sSubPr>
+                          <m:ctrlPr>
+                            <a:rPr lang="nl-NL" sz="2800" b="0" i="1" smtClean="0">
+                              <a:latin typeface="Cambria Math"/>
+                            </a:rPr>
+                          </m:ctrlPr>
+                        </m:sSubPr>
+                        <m:e>
+                          <m:r>
+                            <a:rPr lang="nl-NL" sz="2800" b="0" i="1" smtClean="0">
+                              <a:latin typeface="Cambria Math"/>
+                            </a:rPr>
+                            <m:t>𝑅</m:t>
+                          </m:r>
+                        </m:e>
+                        <m:sub>
+                          <m:r>
+                            <a:rPr lang="nl-NL" sz="2800" b="0" i="1" smtClean="0">
+                              <a:latin typeface="Cambria Math"/>
+                            </a:rPr>
+                            <m:t>𝑐</m:t>
+                          </m:r>
+                        </m:sub>
+                      </m:sSub>
+                    </m:oMath>
+                  </m:oMathPara>
+                </a14:m>
+                <a:endParaRPr lang="nl-NL" sz="2400" dirty="0"/>
+              </a:p>
+            </p:txBody>
+          </p:sp>
+        </mc:Choice>
+        <mc:Fallback>
+          <p:sp>
+            <p:nvSpPr>
+              <p:cNvPr id="21" name="TextBox 20"/>
+              <p:cNvSpPr txBox="1">
+                <a:spLocks noRot="1" noChangeAspect="1" noMove="1" noResize="1" noEditPoints="1" noAdjustHandles="1" noChangeArrowheads="1" noChangeShapeType="1" noTextEdit="1"/>
+              </p:cNvSpPr>
+              <p:nvPr/>
+            </p:nvSpPr>
+            <p:spPr>
+              <a:xfrm>
+                <a:off x="3693250" y="5087326"/>
+                <a:ext cx="901931" cy="503293"/>
+              </a:xfrm>
+              <a:prstGeom prst="rect">
+                <a:avLst/>
+              </a:prstGeom>
+              <a:blipFill rotWithShape="1">
+                <a:blip r:embed="rId2"/>
+                <a:stretch>
+                  <a:fillRect/>
+                </a:stretch>
+              </a:blipFill>
+            </p:spPr>
+            <p:txBody>
+              <a:bodyPr/>
+              <a:lstStyle/>
+              <a:p>
+                <a:r>
+                  <a:rPr lang="nl-NL">
+                    <a:noFill/>
+                  </a:rPr>
+                  <a:t> </a:t>
+                </a:r>
+              </a:p>
+            </p:txBody>
+          </p:sp>
+        </mc:Fallback>
+      </mc:AlternateContent>
+      <mc:AlternateContent xmlns:mc="http://schemas.openxmlformats.org/markup-compatibility/2006">
+        <mc:Choice xmlns:a14="http://schemas.microsoft.com/office/drawing/2010/main" Requires="a14">
+          <p:sp>
+            <p:nvSpPr>
+              <p:cNvPr id="20" name="TextBox 19"/>
+              <p:cNvSpPr txBox="1"/>
+              <p:nvPr/>
+            </p:nvSpPr>
+            <p:spPr>
+              <a:xfrm>
+                <a:off x="1975739" y="5087326"/>
+                <a:ext cx="901931" cy="503293"/>
+              </a:xfrm>
+              <a:prstGeom prst="rect">
+                <a:avLst/>
+              </a:prstGeom>
+              <a:noFill/>
+            </p:spPr>
+            <p:txBody>
+              <a:bodyPr wrap="square" rtlCol="0">
+                <a:spAutoFit/>
+              </a:bodyPr>
+              <a:lstStyle/>
+              <a:p>
+                <a:pPr/>
+                <a14:m>
+                  <m:oMathPara xmlns:m="http://schemas.openxmlformats.org/officeDocument/2006/math">
+                    <m:oMathParaPr>
+                      <m:jc m:val="centerGroup"/>
+                    </m:oMathParaPr>
+                    <m:oMath xmlns:m="http://schemas.openxmlformats.org/officeDocument/2006/math">
+                      <m:sSub>
+                        <m:sSubPr>
+                          <m:ctrlPr>
+                            <a:rPr lang="nl-NL" sz="2800" b="0" i="1" smtClean="0">
+                              <a:latin typeface="Cambria Math"/>
+                            </a:rPr>
+                          </m:ctrlPr>
+                        </m:sSubPr>
+                        <m:e>
+                          <m:r>
+                            <a:rPr lang="nl-NL" sz="2800" b="0" i="1" smtClean="0">
+                              <a:latin typeface="Cambria Math"/>
+                            </a:rPr>
+                            <m:t>𝑞</m:t>
+                          </m:r>
+                        </m:e>
+                        <m:sub>
+                          <m:r>
+                            <a:rPr lang="nl-NL" sz="2800" b="0" i="1" smtClean="0">
+                              <a:latin typeface="Cambria Math"/>
+                            </a:rPr>
+                            <m:t>𝑐</m:t>
+                          </m:r>
+                        </m:sub>
+                      </m:sSub>
+                    </m:oMath>
+                  </m:oMathPara>
+                </a14:m>
+                <a:endParaRPr lang="nl-NL" sz="2400" dirty="0"/>
+              </a:p>
+            </p:txBody>
+          </p:sp>
+        </mc:Choice>
+        <mc:Fallback>
+          <p:sp>
+            <p:nvSpPr>
+              <p:cNvPr id="20" name="TextBox 19"/>
+              <p:cNvSpPr txBox="1">
+                <a:spLocks noRot="1" noChangeAspect="1" noMove="1" noResize="1" noEditPoints="1" noAdjustHandles="1" noChangeArrowheads="1" noChangeShapeType="1" noTextEdit="1"/>
+              </p:cNvSpPr>
+              <p:nvPr/>
+            </p:nvSpPr>
+            <p:spPr>
+              <a:xfrm>
+                <a:off x="1975739" y="5087326"/>
+                <a:ext cx="901931" cy="503293"/>
+              </a:xfrm>
+              <a:prstGeom prst="rect">
+                <a:avLst/>
+              </a:prstGeom>
+              <a:blipFill rotWithShape="1">
+                <a:blip r:embed="rId3"/>
+                <a:stretch>
+                  <a:fillRect/>
+                </a:stretch>
+              </a:blipFill>
+            </p:spPr>
+            <p:txBody>
+              <a:bodyPr/>
+              <a:lstStyle/>
+              <a:p>
+                <a:r>
+                  <a:rPr lang="nl-NL">
+                    <a:noFill/>
+                  </a:rPr>
+                  <a:t> </a:t>
+                </a:r>
+              </a:p>
+            </p:txBody>
+          </p:sp>
+        </mc:Fallback>
+      </mc:AlternateContent>
+      <mc:AlternateContent xmlns:mc="http://schemas.openxmlformats.org/markup-compatibility/2006">
+        <mc:Choice xmlns:a14="http://schemas.microsoft.com/office/drawing/2010/main" Requires="a14">
+          <p:sp>
+            <p:nvSpPr>
+              <p:cNvPr id="22" name="TextBox 21"/>
+              <p:cNvSpPr txBox="1"/>
+              <p:nvPr/>
+            </p:nvSpPr>
+            <p:spPr>
+              <a:xfrm>
+                <a:off x="5275605" y="5116931"/>
+                <a:ext cx="901931" cy="444083"/>
+              </a:xfrm>
+              <a:prstGeom prst="rect">
+                <a:avLst/>
+              </a:prstGeom>
+              <a:noFill/>
+            </p:spPr>
+            <p:txBody>
+              <a:bodyPr wrap="square" rtlCol="0">
+                <a:spAutoFit/>
+              </a:bodyPr>
+              <a:lstStyle/>
+              <a:p>
+                <a:pPr/>
+                <a14:m>
+                  <m:oMathPara xmlns:m="http://schemas.openxmlformats.org/officeDocument/2006/math">
+                    <m:oMathParaPr>
+                      <m:jc m:val="centerGroup"/>
+                    </m:oMathParaPr>
+                    <m:oMath xmlns:m="http://schemas.openxmlformats.org/officeDocument/2006/math">
+                      <m:r>
+                        <a:rPr lang="nl-NL" sz="2400" b="0" i="1" smtClean="0">
+                          <a:latin typeface="Cambria Math"/>
+                        </a:rPr>
+                        <m:t>𝑀</m:t>
+                      </m:r>
+                    </m:oMath>
+                  </m:oMathPara>
+                </a14:m>
+                <a:endParaRPr lang="nl-NL" sz="2400" dirty="0"/>
+              </a:p>
+            </p:txBody>
+          </p:sp>
+        </mc:Choice>
+        <mc:Fallback>
+          <p:sp>
+            <p:nvSpPr>
+              <p:cNvPr id="22" name="TextBox 21"/>
+              <p:cNvSpPr txBox="1">
+                <a:spLocks noRot="1" noChangeAspect="1" noMove="1" noResize="1" noEditPoints="1" noAdjustHandles="1" noChangeArrowheads="1" noChangeShapeType="1" noTextEdit="1"/>
+              </p:cNvSpPr>
+              <p:nvPr/>
+            </p:nvSpPr>
+            <p:spPr>
+              <a:xfrm>
+                <a:off x="5275605" y="5116931"/>
+                <a:ext cx="901931" cy="444083"/>
+              </a:xfrm>
+              <a:prstGeom prst="rect">
+                <a:avLst/>
+              </a:prstGeom>
+              <a:blipFill rotWithShape="1">
+                <a:blip r:embed="rId4"/>
+                <a:stretch>
+                  <a:fillRect/>
+                </a:stretch>
+              </a:blipFill>
+            </p:spPr>
+            <p:txBody>
+              <a:bodyPr/>
+              <a:lstStyle/>
+              <a:p>
+                <a:r>
+                  <a:rPr lang="nl-NL">
+                    <a:noFill/>
+                  </a:rPr>
+                  <a:t> </a:t>
+                </a:r>
+              </a:p>
+            </p:txBody>
+          </p:sp>
+        </mc:Fallback>
+      </mc:AlternateContent>
+      <p:cxnSp>
+        <p:nvCxnSpPr>
+          <p:cNvPr id="23" name="Straight Arrow Connector 22"/>
+          <p:cNvCxnSpPr>
+            <a:stCxn id="2" idx="3"/>
+          </p:cNvCxnSpPr>
+          <p:nvPr/>
+        </p:nvCxnSpPr>
+        <p:spPr>
+          <a:xfrm flipV="1">
+            <a:off x="8388424" y="4917194"/>
+            <a:ext cx="720080" cy="5499"/>
+          </a:xfrm>
+          <a:prstGeom prst="straightConnector1">
+            <a:avLst/>
+          </a:prstGeom>
+          <a:ln>
+            <a:tailEnd type="arrow"/>
+          </a:ln>
+          <a:effectLst/>
+        </p:spPr>
+        <p:style>
+          <a:lnRef idx="3">
+            <a:schemeClr val="dk1"/>
+          </a:lnRef>
+          <a:fillRef idx="0">
+            <a:schemeClr val="dk1"/>
+          </a:fillRef>
+          <a:effectRef idx="2">
+            <a:schemeClr val="dk1"/>
+          </a:effectRef>
+          <a:fontRef idx="minor">
+            <a:schemeClr val="tx1"/>
+          </a:fontRef>
+        </p:style>
+      </p:cxnSp>
+      <p:cxnSp>
+        <p:nvCxnSpPr>
+          <p:cNvPr id="28" name="Straight Connector 27"/>
+          <p:cNvCxnSpPr/>
+          <p:nvPr/>
+        </p:nvCxnSpPr>
+        <p:spPr>
+          <a:xfrm>
+            <a:off x="8460413" y="4917194"/>
+            <a:ext cx="0" cy="888644"/>
+          </a:xfrm>
+          <a:prstGeom prst="line">
+            <a:avLst/>
+          </a:prstGeom>
+          <a:effectLst/>
+        </p:spPr>
+        <p:style>
+          <a:lnRef idx="3">
+            <a:schemeClr val="dk1"/>
+          </a:lnRef>
+          <a:fillRef idx="0">
+            <a:schemeClr val="dk1"/>
+          </a:fillRef>
+          <a:effectRef idx="2">
+            <a:schemeClr val="dk1"/>
+          </a:effectRef>
+          <a:fontRef idx="minor">
+            <a:schemeClr val="tx1"/>
+          </a:fontRef>
+        </p:style>
+      </p:cxnSp>
+      <p:cxnSp>
+        <p:nvCxnSpPr>
+          <p:cNvPr id="31" name="Straight Connector 30"/>
+          <p:cNvCxnSpPr/>
+          <p:nvPr/>
+        </p:nvCxnSpPr>
+        <p:spPr>
+          <a:xfrm>
+            <a:off x="8607071" y="4917194"/>
+            <a:ext cx="0" cy="1350568"/>
+          </a:xfrm>
+          <a:prstGeom prst="line">
+            <a:avLst/>
+          </a:prstGeom>
+          <a:effectLst/>
+        </p:spPr>
+        <p:style>
+          <a:lnRef idx="3">
+            <a:schemeClr val="dk1"/>
+          </a:lnRef>
+          <a:fillRef idx="0">
+            <a:schemeClr val="dk1"/>
+          </a:fillRef>
+          <a:effectRef idx="2">
+            <a:schemeClr val="dk1"/>
+          </a:effectRef>
+          <a:fontRef idx="minor">
+            <a:schemeClr val="tx1"/>
+          </a:fontRef>
+        </p:style>
+      </p:cxnSp>
+      <p:cxnSp>
+        <p:nvCxnSpPr>
+          <p:cNvPr id="32" name="Straight Connector 31"/>
+          <p:cNvCxnSpPr/>
+          <p:nvPr/>
+        </p:nvCxnSpPr>
+        <p:spPr>
+          <a:xfrm>
+            <a:off x="8753728" y="4917194"/>
+            <a:ext cx="0" cy="1812490"/>
+          </a:xfrm>
+          <a:prstGeom prst="line">
+            <a:avLst/>
+          </a:prstGeom>
+          <a:effectLst/>
+        </p:spPr>
+        <p:style>
+          <a:lnRef idx="3">
+            <a:schemeClr val="dk1"/>
+          </a:lnRef>
+          <a:fillRef idx="0">
+            <a:schemeClr val="dk1"/>
+          </a:fillRef>
+          <a:effectRef idx="2">
+            <a:schemeClr val="dk1"/>
+          </a:effectRef>
+          <a:fontRef idx="minor">
+            <a:schemeClr val="tx1"/>
+          </a:fontRef>
+        </p:style>
+      </p:cxnSp>
+      <p:cxnSp>
+        <p:nvCxnSpPr>
+          <p:cNvPr id="35" name="Straight Connector 34"/>
+          <p:cNvCxnSpPr/>
+          <p:nvPr/>
+        </p:nvCxnSpPr>
+        <p:spPr>
+          <a:xfrm>
+            <a:off x="3290883" y="6267762"/>
+            <a:ext cx="5316188" cy="0"/>
+          </a:xfrm>
+          <a:prstGeom prst="line">
+            <a:avLst/>
+          </a:prstGeom>
+          <a:effectLst/>
+        </p:spPr>
+        <p:style>
+          <a:lnRef idx="3">
+            <a:schemeClr val="dk1"/>
+          </a:lnRef>
+          <a:fillRef idx="0">
+            <a:schemeClr val="dk1"/>
+          </a:fillRef>
+          <a:effectRef idx="2">
+            <a:schemeClr val="dk1"/>
+          </a:effectRef>
+          <a:fontRef idx="minor">
+            <a:schemeClr val="tx1"/>
+          </a:fontRef>
+        </p:style>
+      </p:cxnSp>
+      <p:cxnSp>
+        <p:nvCxnSpPr>
+          <p:cNvPr id="36" name="Straight Connector 35"/>
+          <p:cNvCxnSpPr/>
+          <p:nvPr/>
+        </p:nvCxnSpPr>
+        <p:spPr>
+          <a:xfrm flipV="1">
+            <a:off x="1551526" y="6729685"/>
+            <a:ext cx="7200527" cy="1"/>
+          </a:xfrm>
+          <a:prstGeom prst="line">
+            <a:avLst/>
+          </a:prstGeom>
+          <a:effectLst/>
+        </p:spPr>
+        <p:style>
+          <a:lnRef idx="3">
+            <a:schemeClr val="dk1"/>
+          </a:lnRef>
+          <a:fillRef idx="0">
+            <a:schemeClr val="dk1"/>
+          </a:fillRef>
+          <a:effectRef idx="2">
+            <a:schemeClr val="dk1"/>
+          </a:effectRef>
+          <a:fontRef idx="minor">
+            <a:schemeClr val="tx1"/>
+          </a:fontRef>
+        </p:style>
+      </p:cxnSp>
+      <p:cxnSp>
+        <p:nvCxnSpPr>
+          <p:cNvPr id="37" name="Straight Connector 36"/>
+          <p:cNvCxnSpPr/>
+          <p:nvPr/>
+        </p:nvCxnSpPr>
+        <p:spPr>
+          <a:xfrm>
+            <a:off x="4938139" y="5805840"/>
+            <a:ext cx="3522274" cy="0"/>
+          </a:xfrm>
+          <a:prstGeom prst="line">
+            <a:avLst/>
+          </a:prstGeom>
+          <a:effectLst/>
+        </p:spPr>
+        <p:style>
+          <a:lnRef idx="3">
+            <a:schemeClr val="dk1"/>
+          </a:lnRef>
+          <a:fillRef idx="0">
+            <a:schemeClr val="dk1"/>
+          </a:fillRef>
+          <a:effectRef idx="2">
+            <a:schemeClr val="dk1"/>
+          </a:effectRef>
+          <a:fontRef idx="minor">
+            <a:schemeClr val="tx1"/>
+          </a:fontRef>
+        </p:style>
+      </p:cxnSp>
+      <p:cxnSp>
+        <p:nvCxnSpPr>
+          <p:cNvPr id="43" name="Straight Arrow Connector 42"/>
+          <p:cNvCxnSpPr/>
+          <p:nvPr/>
+        </p:nvCxnSpPr>
+        <p:spPr>
+          <a:xfrm flipV="1">
+            <a:off x="1546411" y="5211876"/>
+            <a:ext cx="5116" cy="1517810"/>
+          </a:xfrm>
+          <a:prstGeom prst="straightConnector1">
+            <a:avLst/>
+          </a:prstGeom>
+          <a:ln>
+            <a:tailEnd type="arrow"/>
+          </a:ln>
+          <a:effectLst/>
+        </p:spPr>
+        <p:style>
+          <a:lnRef idx="3">
+            <a:schemeClr val="dk1"/>
+          </a:lnRef>
+          <a:fillRef idx="0">
+            <a:schemeClr val="dk1"/>
+          </a:fillRef>
+          <a:effectRef idx="2">
+            <a:schemeClr val="dk1"/>
+          </a:effectRef>
+          <a:fontRef idx="minor">
+            <a:schemeClr val="tx1"/>
+          </a:fontRef>
+        </p:style>
+      </p:cxnSp>
+      <p:cxnSp>
+        <p:nvCxnSpPr>
+          <p:cNvPr id="44" name="Straight Arrow Connector 43"/>
+          <p:cNvCxnSpPr/>
+          <p:nvPr/>
+        </p:nvCxnSpPr>
+        <p:spPr>
+          <a:xfrm flipV="1">
+            <a:off x="3290883" y="5231820"/>
+            <a:ext cx="0" cy="1035943"/>
+          </a:xfrm>
+          <a:prstGeom prst="straightConnector1">
+            <a:avLst/>
+          </a:prstGeom>
+          <a:ln>
+            <a:tailEnd type="arrow"/>
+          </a:ln>
+          <a:effectLst/>
+        </p:spPr>
+        <p:style>
+          <a:lnRef idx="3">
+            <a:schemeClr val="dk1"/>
+          </a:lnRef>
+          <a:fillRef idx="0">
+            <a:schemeClr val="dk1"/>
+          </a:fillRef>
+          <a:effectRef idx="2">
+            <a:schemeClr val="dk1"/>
+          </a:effectRef>
+          <a:fontRef idx="minor">
+            <a:schemeClr val="tx1"/>
+          </a:fontRef>
+        </p:style>
+      </p:cxnSp>
+      <p:cxnSp>
+        <p:nvCxnSpPr>
+          <p:cNvPr id="45" name="Straight Arrow Connector 44"/>
+          <p:cNvCxnSpPr/>
+          <p:nvPr/>
+        </p:nvCxnSpPr>
+        <p:spPr>
+          <a:xfrm flipV="1">
+            <a:off x="4938138" y="5231821"/>
+            <a:ext cx="1" cy="574018"/>
+          </a:xfrm>
+          <a:prstGeom prst="straightConnector1">
+            <a:avLst/>
+          </a:prstGeom>
+          <a:ln>
+            <a:tailEnd type="arrow"/>
+          </a:ln>
+          <a:effectLst/>
+        </p:spPr>
+        <p:style>
+          <a:lnRef idx="3">
+            <a:schemeClr val="dk1"/>
+          </a:lnRef>
+          <a:fillRef idx="0">
+            <a:schemeClr val="dk1"/>
+          </a:fillRef>
+          <a:effectRef idx="2">
+            <a:schemeClr val="dk1"/>
+          </a:effectRef>
+          <a:fontRef idx="minor">
+            <a:schemeClr val="tx1"/>
+          </a:fontRef>
+        </p:style>
+      </p:cxnSp>
+      <mc:AlternateContent xmlns:mc="http://schemas.openxmlformats.org/markup-compatibility/2006">
+        <mc:Choice xmlns:a14="http://schemas.microsoft.com/office/drawing/2010/main" Requires="a14">
+          <p:sp>
+            <p:nvSpPr>
+              <p:cNvPr id="55" name="TextBox 54"/>
+              <p:cNvSpPr txBox="1"/>
+              <p:nvPr/>
+            </p:nvSpPr>
+            <p:spPr>
+              <a:xfrm>
+                <a:off x="3363105" y="6237312"/>
+                <a:ext cx="2473443" cy="469185"/>
+              </a:xfrm>
+              <a:prstGeom prst="rect">
+                <a:avLst/>
+              </a:prstGeom>
+              <a:noFill/>
+            </p:spPr>
+            <p:txBody>
+              <a:bodyPr wrap="square" rtlCol="0">
+                <a:spAutoFit/>
+              </a:bodyPr>
+              <a:lstStyle/>
+              <a:p>
+                <a:pPr/>
+                <a14:m>
+                  <m:oMathPara xmlns:m="http://schemas.openxmlformats.org/officeDocument/2006/math">
+                    <m:oMathParaPr>
+                      <m:jc m:val="centerGroup"/>
+                    </m:oMathParaPr>
+                    <m:oMath xmlns:m="http://schemas.openxmlformats.org/officeDocument/2006/math">
+                      <m:sSub>
+                        <m:sSubPr>
+                          <m:ctrlPr>
+                            <a:rPr lang="nl-NL" sz="2400" b="0" i="1" smtClean="0">
+                              <a:latin typeface="Cambria Math"/>
+                            </a:rPr>
+                          </m:ctrlPr>
+                        </m:sSubPr>
+                        <m:e>
+                          <m:r>
+                            <a:rPr lang="nl-NL" sz="2400" b="0" i="1" smtClean="0">
+                              <a:latin typeface="Cambria Math"/>
+                            </a:rPr>
+                            <m:t>𝑥</m:t>
+                          </m:r>
+                        </m:e>
+                        <m:sub>
+                          <m:r>
+                            <a:rPr lang="nl-NL" sz="2400" b="0" i="1" smtClean="0">
+                              <a:latin typeface="Cambria Math"/>
+                            </a:rPr>
+                            <m:t>𝑄</m:t>
+                          </m:r>
+                        </m:sub>
+                      </m:sSub>
+                      <m:r>
+                        <a:rPr lang="nl-NL" sz="2400" b="0" i="1" smtClean="0">
+                          <a:latin typeface="Cambria Math"/>
+                        </a:rPr>
+                        <m:t>, </m:t>
+                      </m:r>
+                      <m:sSub>
+                        <m:sSubPr>
+                          <m:ctrlPr>
+                            <a:rPr lang="nl-NL" sz="2400" b="0" i="1" smtClean="0">
+                              <a:latin typeface="Cambria Math"/>
+                            </a:rPr>
+                          </m:ctrlPr>
+                        </m:sSubPr>
+                        <m:e>
+                          <m:r>
+                            <a:rPr lang="nl-NL" sz="2400" b="0" i="1" smtClean="0">
+                              <a:latin typeface="Cambria Math"/>
+                            </a:rPr>
+                            <m:t>𝑣</m:t>
+                          </m:r>
+                        </m:e>
+                        <m:sub>
+                          <m:r>
+                            <a:rPr lang="nl-NL" sz="2400" b="0" i="1" smtClean="0">
+                              <a:latin typeface="Cambria Math"/>
+                            </a:rPr>
+                            <m:t>𝑄</m:t>
+                          </m:r>
+                        </m:sub>
+                      </m:sSub>
+                      <m:r>
+                        <a:rPr lang="nl-NL" sz="2400" b="0" i="1" smtClean="0">
+                          <a:latin typeface="Cambria Math"/>
+                        </a:rPr>
+                        <m:t>, </m:t>
+                      </m:r>
+                      <m:sSub>
+                        <m:sSubPr>
+                          <m:ctrlPr>
+                            <a:rPr lang="nl-NL" sz="2400" b="0" i="1" smtClean="0">
+                              <a:latin typeface="Cambria Math"/>
+                            </a:rPr>
+                          </m:ctrlPr>
+                        </m:sSubPr>
+                        <m:e>
+                          <m:r>
+                            <a:rPr lang="nl-NL" sz="2400" b="0" i="1" smtClean="0">
+                              <a:latin typeface="Cambria Math"/>
+                            </a:rPr>
+                            <m:t>𝑥</m:t>
+                          </m:r>
+                        </m:e>
+                        <m:sub>
+                          <m:r>
+                            <a:rPr lang="nl-NL" sz="2400" b="0" i="1" smtClean="0">
+                              <a:latin typeface="Cambria Math"/>
+                            </a:rPr>
+                            <m:t>𝐿</m:t>
+                          </m:r>
+                        </m:sub>
+                      </m:sSub>
+                      <m:r>
+                        <a:rPr lang="nl-NL" sz="2400" b="0" i="1" smtClean="0">
+                          <a:latin typeface="Cambria Math"/>
+                        </a:rPr>
+                        <m:t>, </m:t>
+                      </m:r>
+                      <m:sSub>
+                        <m:sSubPr>
+                          <m:ctrlPr>
+                            <a:rPr lang="nl-NL" sz="2400" b="0" i="1" smtClean="0">
+                              <a:latin typeface="Cambria Math"/>
+                            </a:rPr>
+                          </m:ctrlPr>
+                        </m:sSubPr>
+                        <m:e>
+                          <m:r>
+                            <a:rPr lang="nl-NL" sz="2400" b="0" i="1" smtClean="0">
+                              <a:latin typeface="Cambria Math"/>
+                            </a:rPr>
+                            <m:t>𝑣</m:t>
+                          </m:r>
+                        </m:e>
+                        <m:sub>
+                          <m:r>
+                            <a:rPr lang="nl-NL" sz="2400" b="0" i="1" smtClean="0">
+                              <a:latin typeface="Cambria Math"/>
+                            </a:rPr>
+                            <m:t>𝐿</m:t>
+                          </m:r>
+                        </m:sub>
+                      </m:sSub>
+                      <m:r>
+                        <a:rPr lang="nl-NL" sz="2400" b="0" i="1" smtClean="0">
+                          <a:latin typeface="Cambria Math"/>
+                        </a:rPr>
+                        <m:t>, </m:t>
+                      </m:r>
+                      <m:r>
+                        <a:rPr lang="nl-NL" sz="2400" b="0" i="1" smtClean="0">
+                          <a:latin typeface="Cambria Math"/>
+                        </a:rPr>
+                        <m:t>𝑞</m:t>
+                      </m:r>
+                      <m:r>
+                        <a:rPr lang="nl-NL" sz="2400" b="0" i="1" smtClean="0">
+                          <a:latin typeface="Cambria Math"/>
+                        </a:rPr>
+                        <m:t>, </m:t>
+                      </m:r>
+                      <m:r>
+                        <a:rPr lang="nl-NL" sz="2400" b="0" i="1" smtClean="0">
+                          <a:latin typeface="Cambria Math"/>
+                        </a:rPr>
+                        <m:t>𝑅</m:t>
+                      </m:r>
+                    </m:oMath>
+                  </m:oMathPara>
+                </a14:m>
+                <a:endParaRPr lang="nl-NL" sz="2400" dirty="0"/>
+              </a:p>
+            </p:txBody>
+          </p:sp>
+        </mc:Choice>
+        <mc:Fallback>
+          <p:sp>
+            <p:nvSpPr>
+              <p:cNvPr id="55" name="TextBox 54"/>
+              <p:cNvSpPr txBox="1">
+                <a:spLocks noRot="1" noChangeAspect="1" noMove="1" noResize="1" noEditPoints="1" noAdjustHandles="1" noChangeArrowheads="1" noChangeShapeType="1" noTextEdit="1"/>
+              </p:cNvSpPr>
+              <p:nvPr/>
+            </p:nvSpPr>
+            <p:spPr>
+              <a:xfrm>
+                <a:off x="3363105" y="6237312"/>
+                <a:ext cx="2473443" cy="469185"/>
+              </a:xfrm>
+              <a:prstGeom prst="rect">
+                <a:avLst/>
+              </a:prstGeom>
+              <a:blipFill rotWithShape="1">
+                <a:blip r:embed="rId5"/>
+                <a:stretch>
+                  <a:fillRect b="-12987"/>
+                </a:stretch>
+              </a:blipFill>
+            </p:spPr>
+            <p:txBody>
+              <a:bodyPr/>
+              <a:lstStyle/>
+              <a:p>
+                <a:r>
+                  <a:rPr lang="nl-NL">
+                    <a:noFill/>
+                  </a:rPr>
+                  <a:t> </a:t>
+                </a:r>
+              </a:p>
+            </p:txBody>
+          </p:sp>
+        </mc:Fallback>
+      </mc:AlternateContent>
+      <mc:AlternateContent xmlns:mc="http://schemas.openxmlformats.org/markup-compatibility/2006">
+        <mc:Choice xmlns:a14="http://schemas.microsoft.com/office/drawing/2010/main" Requires="a14">
+          <p:sp>
+            <p:nvSpPr>
+              <p:cNvPr id="56" name="TextBox 55"/>
+              <p:cNvSpPr txBox="1"/>
+              <p:nvPr/>
+            </p:nvSpPr>
+            <p:spPr>
+              <a:xfrm>
+                <a:off x="58500" y="5086138"/>
+                <a:ext cx="901931" cy="459688"/>
+              </a:xfrm>
+              <a:prstGeom prst="rect">
+                <a:avLst/>
+              </a:prstGeom>
+              <a:noFill/>
+            </p:spPr>
+            <p:txBody>
+              <a:bodyPr wrap="square" rtlCol="0">
+                <a:spAutoFit/>
+              </a:bodyPr>
+              <a:lstStyle/>
+              <a:p>
+                <a:pPr/>
+                <a14:m>
+                  <m:oMathPara xmlns:m="http://schemas.openxmlformats.org/officeDocument/2006/math">
+                    <m:oMathParaPr>
+                      <m:jc m:val="centerGroup"/>
+                    </m:oMathParaPr>
+                    <m:oMath xmlns:m="http://schemas.openxmlformats.org/officeDocument/2006/math">
+                      <m:sSub>
+                        <m:sSubPr>
+                          <m:ctrlPr>
+                            <a:rPr lang="nl-NL" sz="2400" b="0" i="1" smtClean="0">
+                              <a:latin typeface="Cambria Math"/>
+                            </a:rPr>
+                          </m:ctrlPr>
+                        </m:sSubPr>
+                        <m:e>
+                          <m:r>
+                            <a:rPr lang="nl-NL" sz="2400" b="0" i="1" smtClean="0">
+                              <a:latin typeface="Cambria Math"/>
+                            </a:rPr>
+                            <m:t>𝑥</m:t>
+                          </m:r>
+                        </m:e>
+                        <m:sub>
+                          <m:r>
+                            <a:rPr lang="nl-NL" sz="2400" b="0" i="1" smtClean="0">
+                              <a:latin typeface="Cambria Math"/>
+                            </a:rPr>
+                            <m:t>𝐿</m:t>
+                          </m:r>
+                          <m:r>
+                            <a:rPr lang="nl-NL" sz="2400" b="0" i="1" smtClean="0">
+                              <a:latin typeface="Cambria Math"/>
+                            </a:rPr>
+                            <m:t>,</m:t>
+                          </m:r>
+                          <m:r>
+                            <a:rPr lang="nl-NL" sz="2400" b="0" i="1" smtClean="0">
+                              <a:latin typeface="Cambria Math"/>
+                            </a:rPr>
+                            <m:t>𝑑</m:t>
+                          </m:r>
+                        </m:sub>
+                      </m:sSub>
+                    </m:oMath>
+                  </m:oMathPara>
+                </a14:m>
+                <a:endParaRPr lang="nl-NL" sz="2400" dirty="0"/>
+              </a:p>
+            </p:txBody>
+          </p:sp>
+        </mc:Choice>
+        <mc:Fallback>
+          <p:sp>
+            <p:nvSpPr>
+              <p:cNvPr id="56" name="TextBox 55"/>
+              <p:cNvSpPr txBox="1">
+                <a:spLocks noRot="1" noChangeAspect="1" noMove="1" noResize="1" noEditPoints="1" noAdjustHandles="1" noChangeArrowheads="1" noChangeShapeType="1" noTextEdit="1"/>
+              </p:cNvSpPr>
+              <p:nvPr/>
+            </p:nvSpPr>
+            <p:spPr>
+              <a:xfrm>
+                <a:off x="58500" y="5086138"/>
+                <a:ext cx="901931" cy="459688"/>
+              </a:xfrm>
+              <a:prstGeom prst="rect">
+                <a:avLst/>
+              </a:prstGeom>
+              <a:blipFill rotWithShape="1">
+                <a:blip r:embed="rId6"/>
+                <a:stretch>
+                  <a:fillRect b="-2632"/>
+                </a:stretch>
+              </a:blipFill>
+            </p:spPr>
+            <p:txBody>
+              <a:bodyPr/>
+              <a:lstStyle/>
+              <a:p>
+                <a:r>
+                  <a:rPr lang="nl-NL">
+                    <a:noFill/>
+                  </a:rPr>
+                  <a:t> </a:t>
+                </a:r>
+              </a:p>
+            </p:txBody>
+          </p:sp>
+        </mc:Fallback>
+      </mc:AlternateContent>
+      <mc:AlternateContent xmlns:mc="http://schemas.openxmlformats.org/markup-compatibility/2006">
+        <mc:Choice xmlns:a14="http://schemas.microsoft.com/office/drawing/2010/main" Requires="a14">
+          <p:sp>
+            <p:nvSpPr>
+              <p:cNvPr id="65" name="TextBox 64"/>
+              <p:cNvSpPr txBox="1"/>
+              <p:nvPr/>
+            </p:nvSpPr>
+            <p:spPr>
+              <a:xfrm>
+                <a:off x="1975738" y="4256042"/>
+                <a:ext cx="901931" cy="503293"/>
+              </a:xfrm>
+              <a:prstGeom prst="rect">
+                <a:avLst/>
+              </a:prstGeom>
+              <a:noFill/>
+            </p:spPr>
+            <p:txBody>
+              <a:bodyPr wrap="square" rtlCol="0">
+                <a:spAutoFit/>
+              </a:bodyPr>
+              <a:lstStyle/>
+              <a:p>
+                <a:pPr/>
+                <a14:m>
+                  <m:oMathPara xmlns:m="http://schemas.openxmlformats.org/officeDocument/2006/math">
+                    <m:oMathParaPr>
+                      <m:jc m:val="centerGroup"/>
+                    </m:oMathParaPr>
+                    <m:oMath xmlns:m="http://schemas.openxmlformats.org/officeDocument/2006/math">
+                      <m:sSub>
+                        <m:sSubPr>
+                          <m:ctrlPr>
+                            <a:rPr lang="nl-NL" sz="2800" b="0" i="1" smtClean="0">
+                              <a:latin typeface="Cambria Math"/>
+                            </a:rPr>
+                          </m:ctrlPr>
+                        </m:sSubPr>
+                        <m:e>
+                          <m:r>
+                            <a:rPr lang="nl-NL" sz="2800" b="0" i="1" smtClean="0">
+                              <a:latin typeface="Cambria Math"/>
+                            </a:rPr>
+                            <m:t>𝐹</m:t>
+                          </m:r>
+                        </m:e>
+                        <m:sub>
+                          <m:r>
+                            <a:rPr lang="nl-NL" sz="2800" b="0" i="1" smtClean="0">
+                              <a:latin typeface="Cambria Math"/>
+                            </a:rPr>
+                            <m:t>𝑛</m:t>
+                          </m:r>
+                        </m:sub>
+                      </m:sSub>
+                    </m:oMath>
+                  </m:oMathPara>
+                </a14:m>
+                <a:endParaRPr lang="nl-NL" sz="2400" dirty="0"/>
+              </a:p>
+            </p:txBody>
+          </p:sp>
+        </mc:Choice>
+        <mc:Fallback>
+          <p:sp>
+            <p:nvSpPr>
+              <p:cNvPr id="65" name="TextBox 64"/>
+              <p:cNvSpPr txBox="1">
+                <a:spLocks noRot="1" noChangeAspect="1" noMove="1" noResize="1" noEditPoints="1" noAdjustHandles="1" noChangeArrowheads="1" noChangeShapeType="1" noTextEdit="1"/>
+              </p:cNvSpPr>
+              <p:nvPr/>
+            </p:nvSpPr>
+            <p:spPr>
+              <a:xfrm>
+                <a:off x="1975738" y="4256042"/>
+                <a:ext cx="901931" cy="503293"/>
+              </a:xfrm>
+              <a:prstGeom prst="rect">
+                <a:avLst/>
+              </a:prstGeom>
+              <a:blipFill rotWithShape="1">
+                <a:blip r:embed="rId7"/>
+                <a:stretch>
+                  <a:fillRect/>
+                </a:stretch>
+              </a:blipFill>
+            </p:spPr>
+            <p:txBody>
+              <a:bodyPr/>
+              <a:lstStyle/>
+              <a:p>
+                <a:r>
+                  <a:rPr lang="nl-NL">
+                    <a:noFill/>
+                  </a:rPr>
+                  <a:t> </a:t>
+                </a:r>
+              </a:p>
+            </p:txBody>
+          </p:sp>
+        </mc:Fallback>
+      </mc:AlternateContent>
+      <mc:AlternateContent xmlns:mc="http://schemas.openxmlformats.org/markup-compatibility/2006">
+        <mc:Choice xmlns:a14="http://schemas.microsoft.com/office/drawing/2010/main" Requires="a14">
+          <p:sp>
+            <p:nvSpPr>
+              <p:cNvPr id="66" name="TextBox 65"/>
+              <p:cNvSpPr txBox="1"/>
+              <p:nvPr/>
+            </p:nvSpPr>
+            <p:spPr>
+              <a:xfrm>
+                <a:off x="3278355" y="4246078"/>
+                <a:ext cx="1731720" cy="523220"/>
+              </a:xfrm>
+              <a:prstGeom prst="rect">
+                <a:avLst/>
+              </a:prstGeom>
+              <a:noFill/>
+            </p:spPr>
+            <p:txBody>
+              <a:bodyPr wrap="square" rtlCol="0">
+                <a:spAutoFit/>
+              </a:bodyPr>
+              <a:lstStyle/>
+              <a:p>
+                <a:pPr/>
+                <a14:m>
+                  <m:oMathPara xmlns:m="http://schemas.openxmlformats.org/officeDocument/2006/math">
+                    <m:oMathParaPr>
+                      <m:jc m:val="centerGroup"/>
+                    </m:oMathParaPr>
+                    <m:oMath xmlns:m="http://schemas.openxmlformats.org/officeDocument/2006/math">
+                      <m:r>
+                        <a:rPr lang="nl-NL" sz="2800" b="0" i="1" smtClean="0">
+                          <a:latin typeface="Cambria Math"/>
+                        </a:rPr>
+                        <m:t>𝐹</m:t>
+                      </m:r>
+                    </m:oMath>
+                  </m:oMathPara>
+                </a14:m>
+                <a:endParaRPr lang="nl-NL" sz="2400" dirty="0"/>
+              </a:p>
+            </p:txBody>
+          </p:sp>
+        </mc:Choice>
+        <mc:Fallback>
+          <p:sp>
+            <p:nvSpPr>
+              <p:cNvPr id="66" name="TextBox 65"/>
+              <p:cNvSpPr txBox="1">
+                <a:spLocks noRot="1" noChangeAspect="1" noMove="1" noResize="1" noEditPoints="1" noAdjustHandles="1" noChangeArrowheads="1" noChangeShapeType="1" noTextEdit="1"/>
+              </p:cNvSpPr>
+              <p:nvPr/>
+            </p:nvSpPr>
+            <p:spPr>
+              <a:xfrm>
+                <a:off x="3278355" y="4246078"/>
+                <a:ext cx="1731720" cy="523220"/>
+              </a:xfrm>
+              <a:prstGeom prst="rect">
+                <a:avLst/>
+              </a:prstGeom>
+              <a:blipFill rotWithShape="1">
+                <a:blip r:embed="rId8"/>
+                <a:stretch>
+                  <a:fillRect/>
+                </a:stretch>
+              </a:blipFill>
+            </p:spPr>
+            <p:txBody>
+              <a:bodyPr/>
+              <a:lstStyle/>
+              <a:p>
+                <a:r>
+                  <a:rPr lang="nl-NL">
+                    <a:noFill/>
+                  </a:rPr>
+                  <a:t> </a:t>
+                </a:r>
+              </a:p>
+            </p:txBody>
+          </p:sp>
+        </mc:Fallback>
+      </mc:AlternateContent>
+      <mc:AlternateContent xmlns:mc="http://schemas.openxmlformats.org/markup-compatibility/2006">
+        <mc:Choice xmlns:a14="http://schemas.microsoft.com/office/drawing/2010/main" Requires="a14">
+          <p:sp>
+            <p:nvSpPr>
+              <p:cNvPr id="78" name="TextBox 77"/>
+              <p:cNvSpPr txBox="1"/>
+              <p:nvPr/>
+            </p:nvSpPr>
+            <p:spPr>
+              <a:xfrm>
+                <a:off x="5275605" y="4285647"/>
+                <a:ext cx="901931" cy="444083"/>
+              </a:xfrm>
+              <a:prstGeom prst="rect">
+                <a:avLst/>
+              </a:prstGeom>
+              <a:noFill/>
+            </p:spPr>
+            <p:txBody>
+              <a:bodyPr wrap="square" rtlCol="0">
+                <a:spAutoFit/>
+              </a:bodyPr>
+              <a:lstStyle/>
+              <a:p>
+                <a:pPr/>
+                <a14:m>
+                  <m:oMathPara xmlns:m="http://schemas.openxmlformats.org/officeDocument/2006/math">
+                    <m:oMathParaPr>
+                      <m:jc m:val="centerGroup"/>
+                    </m:oMathParaPr>
+                    <m:oMath xmlns:m="http://schemas.openxmlformats.org/officeDocument/2006/math">
+                      <m:r>
+                        <a:rPr lang="nl-NL" sz="2400" b="0" i="1" smtClean="0">
+                          <a:latin typeface="Cambria Math"/>
+                        </a:rPr>
+                        <m:t>𝑓</m:t>
+                      </m:r>
+                    </m:oMath>
+                  </m:oMathPara>
+                </a14:m>
+                <a:endParaRPr lang="nl-NL" sz="2400" dirty="0"/>
+              </a:p>
+            </p:txBody>
+          </p:sp>
+        </mc:Choice>
+        <mc:Fallback>
+          <p:sp>
+            <p:nvSpPr>
+              <p:cNvPr id="78" name="TextBox 77"/>
+              <p:cNvSpPr txBox="1">
+                <a:spLocks noRot="1" noChangeAspect="1" noMove="1" noResize="1" noEditPoints="1" noAdjustHandles="1" noChangeArrowheads="1" noChangeShapeType="1" noTextEdit="1"/>
+              </p:cNvSpPr>
+              <p:nvPr/>
+            </p:nvSpPr>
+            <p:spPr>
+              <a:xfrm>
+                <a:off x="5275605" y="4285647"/>
+                <a:ext cx="901931" cy="444083"/>
+              </a:xfrm>
+              <a:prstGeom prst="rect">
+                <a:avLst/>
+              </a:prstGeom>
+              <a:blipFill rotWithShape="1">
+                <a:blip r:embed="rId9"/>
+                <a:stretch>
+                  <a:fillRect b="-21918"/>
+                </a:stretch>
+              </a:blipFill>
+            </p:spPr>
+            <p:txBody>
+              <a:bodyPr/>
+              <a:lstStyle/>
+              <a:p>
+                <a:r>
+                  <a:rPr lang="nl-NL">
+                    <a:noFill/>
+                  </a:rPr>
+                  <a:t> </a:t>
+                </a:r>
+              </a:p>
+            </p:txBody>
+          </p:sp>
+        </mc:Fallback>
+      </mc:AlternateContent>
+      <p:grpSp>
+        <p:nvGrpSpPr>
+          <p:cNvPr id="79" name="Group 78"/>
+          <p:cNvGrpSpPr/>
+          <p:nvPr/>
+        </p:nvGrpSpPr>
+        <p:grpSpPr>
+          <a:xfrm>
+            <a:off x="2226905" y="4815197"/>
+            <a:ext cx="404950" cy="275060"/>
+            <a:chOff x="6216244" y="4509120"/>
+            <a:chExt cx="449932" cy="275059"/>
+          </a:xfrm>
+        </p:grpSpPr>
         <p:cxnSp>
           <p:nvCxnSpPr>
-            <p:cNvPr id="57" name="Straight Connector 56"/>
+            <p:cNvPr id="80" name="Straight Arrow Connector 79"/>
             <p:cNvCxnSpPr/>
             <p:nvPr/>
           </p:nvCxnSpPr>
           <p:spPr>
             <a:xfrm>
-              <a:off x="2271296" y="3365960"/>
-              <a:ext cx="1597692" cy="0"/>
+              <a:off x="6216244" y="4509120"/>
+              <a:ext cx="443988" cy="0"/>
             </a:xfrm>
-            <a:prstGeom prst="line">
+            <a:prstGeom prst="straightConnector1">
               <a:avLst/>
             </a:prstGeom>
             <a:ln>
@@ -26945,48 +29185,14 @@
         </p:cxnSp>
         <p:cxnSp>
           <p:nvCxnSpPr>
-            <p:cNvPr id="58" name="Straight Arrow Connector 57"/>
+            <p:cNvPr id="81" name="Straight Arrow Connector 80"/>
             <p:cNvCxnSpPr/>
             <p:nvPr/>
           </p:nvCxnSpPr>
           <p:spPr>
-            <a:xfrm flipV="1">
-              <a:off x="2294190" y="3365960"/>
-              <a:ext cx="0" cy="778293"/>
-            </a:xfrm>
-            <a:prstGeom prst="straightConnector1">
-              <a:avLst/>
-            </a:prstGeom>
-            <a:ln>
-              <a:tailEnd type="none"/>
-            </a:ln>
-            <a:effectLst/>
-          </p:spPr>
-          <p:style>
-            <a:lnRef idx="3">
-              <a:schemeClr val="dk1"/>
-            </a:lnRef>
-            <a:fillRef idx="0">
-              <a:schemeClr val="dk1"/>
-            </a:fillRef>
-            <a:effectRef idx="2">
-              <a:schemeClr val="dk1"/>
-            </a:effectRef>
-            <a:fontRef idx="minor">
-              <a:schemeClr val="tx1"/>
-            </a:fontRef>
-          </p:style>
-        </p:cxnSp>
-        <p:cxnSp>
-          <p:nvCxnSpPr>
-            <p:cNvPr id="61" name="Straight Arrow Connector 60"/>
-            <p:cNvCxnSpPr/>
-            <p:nvPr/>
-          </p:nvCxnSpPr>
-          <p:spPr>
-            <a:xfrm flipV="1">
-              <a:off x="3971737" y="3489930"/>
-              <a:ext cx="0" cy="640954"/>
+            <a:xfrm>
+              <a:off x="6222188" y="4784179"/>
+              <a:ext cx="443988" cy="0"/>
             </a:xfrm>
             <a:prstGeom prst="straightConnector1">
               <a:avLst/>
@@ -27011,322 +29217,110 @@
             </a:fontRef>
           </p:style>
         </p:cxnSp>
-        <mc:AlternateContent xmlns:mc="http://schemas.openxmlformats.org/markup-compatibility/2006" xmlns:a14="http://schemas.microsoft.com/office/drawing/2010/main">
-          <mc:Choice Requires="a14">
-            <p:sp>
-              <p:nvSpPr>
-                <p:cNvPr id="65" name="TextBox 64"/>
-                <p:cNvSpPr txBox="1"/>
-                <p:nvPr/>
-              </p:nvSpPr>
-              <p:spPr>
-                <a:xfrm>
-                  <a:off x="1627929" y="3345035"/>
-                  <a:ext cx="842926" cy="477481"/>
-                </a:xfrm>
-                <a:prstGeom prst="rect">
-                  <a:avLst/>
-                </a:prstGeom>
-                <a:noFill/>
-              </p:spPr>
-              <p:txBody>
-                <a:bodyPr wrap="square" rtlCol="0">
-                  <a:spAutoFit/>
-                </a:bodyPr>
-                <a:lstStyle/>
-                <a:p>
-                  <a:pPr/>
-                  <a14:m>
-                    <m:oMathPara xmlns:m="http://schemas.openxmlformats.org/officeDocument/2006/math">
-                      <m:oMathParaPr>
-                        <m:jc m:val="centerGroup"/>
-                      </m:oMathParaPr>
-                      <m:oMath xmlns:m="http://schemas.openxmlformats.org/officeDocument/2006/math">
-                        <m:sSub>
-                          <m:sSubPr>
-                            <m:ctrlPr>
-                              <a:rPr lang="nl-NL" sz="2800" b="0" i="1" smtClean="0">
-                                <a:latin typeface="Cambria Math"/>
-                              </a:rPr>
-                            </m:ctrlPr>
-                          </m:sSubPr>
-                          <m:e>
-                            <m:r>
-                              <a:rPr lang="nl-NL" sz="2800" b="0" i="1" smtClean="0">
-                                <a:latin typeface="Cambria Math"/>
-                              </a:rPr>
-                              <m:t>𝐹</m:t>
-                            </m:r>
-                          </m:e>
-                          <m:sub>
-                            <m:r>
-                              <a:rPr lang="nl-NL" sz="2800" b="0" i="1" smtClean="0">
-                                <a:latin typeface="Cambria Math"/>
-                              </a:rPr>
-                              <m:t>𝑛</m:t>
-                            </m:r>
-                          </m:sub>
-                        </m:sSub>
-                      </m:oMath>
-                    </m:oMathPara>
-                  </a14:m>
-                  <a:endParaRPr lang="nl-NL" sz="2400" dirty="0"/>
-                </a:p>
-              </p:txBody>
-            </p:sp>
-          </mc:Choice>
-          <mc:Fallback xmlns="">
-            <p:sp>
-              <p:nvSpPr>
-                <p:cNvPr id="65" name="TextBox 64"/>
-                <p:cNvSpPr txBox="1">
-                  <a:spLocks noRot="1" noChangeAspect="1" noMove="1" noResize="1" noEditPoints="1" noAdjustHandles="1" noChangeArrowheads="1" noChangeShapeType="1" noTextEdit="1"/>
-                </p:cNvSpPr>
-                <p:nvPr/>
-              </p:nvSpPr>
-              <p:spPr>
-                <a:xfrm>
-                  <a:off x="1627929" y="3345035"/>
-                  <a:ext cx="842926" cy="477481"/>
-                </a:xfrm>
-                <a:prstGeom prst="rect">
-                  <a:avLst/>
-                </a:prstGeom>
-                <a:blipFill rotWithShape="1">
-                  <a:blip r:embed="rId7"/>
-                  <a:stretch>
-                    <a:fillRect/>
-                  </a:stretch>
-                </a:blipFill>
-              </p:spPr>
-              <p:txBody>
-                <a:bodyPr/>
-                <a:lstStyle/>
-                <a:p>
-                  <a:r>
-                    <a:rPr lang="nl-NL">
-                      <a:noFill/>
-                    </a:rPr>
-                    <a:t> </a:t>
-                  </a:r>
-                </a:p>
-              </p:txBody>
-            </p:sp>
-          </mc:Fallback>
-        </mc:AlternateContent>
-        <mc:AlternateContent xmlns:mc="http://schemas.openxmlformats.org/markup-compatibility/2006" xmlns:a14="http://schemas.microsoft.com/office/drawing/2010/main">
-          <mc:Choice Requires="a14">
-            <p:sp>
-              <p:nvSpPr>
-                <p:cNvPr id="66" name="TextBox 65"/>
-                <p:cNvSpPr txBox="1"/>
-                <p:nvPr/>
-              </p:nvSpPr>
-              <p:spPr>
-                <a:xfrm>
-                  <a:off x="2597035" y="3375938"/>
-                  <a:ext cx="1618429" cy="508962"/>
-                </a:xfrm>
-                <a:prstGeom prst="rect">
-                  <a:avLst/>
-                </a:prstGeom>
-                <a:noFill/>
-              </p:spPr>
-              <p:txBody>
-                <a:bodyPr wrap="square" rtlCol="0">
-                  <a:spAutoFit/>
-                </a:bodyPr>
-                <a:lstStyle/>
-                <a:p>
-                  <a:pPr/>
-                  <a14:m>
-                    <m:oMathPara xmlns:m="http://schemas.openxmlformats.org/officeDocument/2006/math">
-                      <m:oMathParaPr>
-                        <m:jc m:val="centerGroup"/>
-                      </m:oMathParaPr>
-                      <m:oMath xmlns:m="http://schemas.openxmlformats.org/officeDocument/2006/math">
-                        <m:sSub>
-                          <m:sSubPr>
-                            <m:ctrlPr>
-                              <a:rPr lang="nl-NL" sz="2800" b="0" i="1" smtClean="0">
-                                <a:latin typeface="Cambria Math"/>
-                              </a:rPr>
-                            </m:ctrlPr>
-                          </m:sSubPr>
-                          <m:e>
-                            <m:r>
-                              <a:rPr lang="nl-NL" sz="2800" b="0" i="1" smtClean="0">
-                                <a:latin typeface="Cambria Math"/>
-                              </a:rPr>
-                              <m:t>𝐹</m:t>
-                            </m:r>
-                          </m:e>
-                          <m:sub>
-                            <m:r>
-                              <a:rPr lang="nl-NL" sz="2800" b="0" i="1" smtClean="0">
-                                <a:latin typeface="Cambria Math"/>
-                              </a:rPr>
-                              <m:t>𝑝𝑑</m:t>
-                            </m:r>
-                          </m:sub>
-                        </m:sSub>
-                        <m:r>
-                          <a:rPr lang="nl-NL" sz="2800" b="0" i="1" smtClean="0">
-                            <a:latin typeface="Cambria Math"/>
-                          </a:rPr>
-                          <m:t>,</m:t>
-                        </m:r>
-                        <m:sSub>
-                          <m:sSubPr>
-                            <m:ctrlPr>
-                              <a:rPr lang="nl-NL" sz="2800" b="0" i="1" smtClean="0">
-                                <a:latin typeface="Cambria Math"/>
-                              </a:rPr>
-                            </m:ctrlPr>
-                          </m:sSubPr>
-                          <m:e>
-                            <m:r>
-                              <a:rPr lang="nl-NL" sz="2800" b="0" i="1" smtClean="0">
-                                <a:latin typeface="Cambria Math"/>
-                              </a:rPr>
-                              <m:t>𝐹</m:t>
-                            </m:r>
-                          </m:e>
-                          <m:sub>
-                            <m:r>
-                              <a:rPr lang="nl-NL" sz="2800" b="0" i="1" smtClean="0">
-                                <a:latin typeface="Cambria Math"/>
-                              </a:rPr>
-                              <m:t>𝑓𝑓</m:t>
-                            </m:r>
-                          </m:sub>
-                        </m:sSub>
-                      </m:oMath>
-                    </m:oMathPara>
-                  </a14:m>
-                  <a:endParaRPr lang="nl-NL" sz="2400" dirty="0"/>
-                </a:p>
-              </p:txBody>
-            </p:sp>
-          </mc:Choice>
-          <mc:Fallback xmlns="">
-            <p:sp>
-              <p:nvSpPr>
-                <p:cNvPr id="66" name="TextBox 65"/>
-                <p:cNvSpPr txBox="1">
-                  <a:spLocks noRot="1" noChangeAspect="1" noMove="1" noResize="1" noEditPoints="1" noAdjustHandles="1" noChangeArrowheads="1" noChangeShapeType="1" noTextEdit="1"/>
-                </p:cNvSpPr>
-                <p:nvPr/>
-              </p:nvSpPr>
-              <p:spPr>
-                <a:xfrm>
-                  <a:off x="2597035" y="3375938"/>
-                  <a:ext cx="1618429" cy="508962"/>
-                </a:xfrm>
-                <a:prstGeom prst="rect">
-                  <a:avLst/>
-                </a:prstGeom>
-                <a:blipFill rotWithShape="1">
-                  <a:blip r:embed="rId8"/>
-                  <a:stretch>
-                    <a:fillRect/>
-                  </a:stretch>
-                </a:blipFill>
-              </p:spPr>
-              <p:txBody>
-                <a:bodyPr/>
-                <a:lstStyle/>
-                <a:p>
-                  <a:r>
-                    <a:rPr lang="nl-NL">
-                      <a:noFill/>
-                    </a:rPr>
-                    <a:t> </a:t>
-                  </a:r>
-                </a:p>
-              </p:txBody>
-            </p:sp>
-          </mc:Fallback>
-        </mc:AlternateContent>
-        <p:sp>
-          <p:nvSpPr>
-            <p:cNvPr id="67" name="Flowchart: Connector 66"/>
-            <p:cNvSpPr/>
-            <p:nvPr/>
-          </p:nvSpPr>
-          <p:spPr>
-            <a:xfrm>
-              <a:off x="3885905" y="3284984"/>
-              <a:ext cx="171664" cy="204946"/>
-            </a:xfrm>
-            <a:prstGeom prst="flowChartConnector">
-              <a:avLst/>
-            </a:prstGeom>
-          </p:spPr>
-          <p:style>
-            <a:lnRef idx="2">
-              <a:schemeClr val="dk1"/>
-            </a:lnRef>
-            <a:fillRef idx="1">
-              <a:schemeClr val="lt1"/>
-            </a:fillRef>
-            <a:effectRef idx="0">
-              <a:schemeClr val="dk1"/>
-            </a:effectRef>
-            <a:fontRef idx="minor">
-              <a:schemeClr val="dk1"/>
-            </a:fontRef>
-          </p:style>
-          <p:txBody>
-            <a:bodyPr rtlCol="0" anchor="ctr"/>
-            <a:lstStyle/>
-            <a:p>
-              <a:pPr algn="ctr"/>
-              <a:endParaRPr lang="nl-NL" sz="1600"/>
-            </a:p>
-          </p:txBody>
-        </p:sp>
+      </p:grpSp>
+      <p:sp>
+        <p:nvSpPr>
+          <p:cNvPr id="42" name="TextBox 41"/>
+          <p:cNvSpPr txBox="1"/>
+          <p:nvPr/>
+        </p:nvSpPr>
+        <p:spPr>
+          <a:xfrm>
+            <a:off x="5926370" y="4641442"/>
+            <a:ext cx="1025647" cy="562504"/>
+          </a:xfrm>
+          <a:prstGeom prst="rect">
+            <a:avLst/>
+          </a:prstGeom>
+        </p:spPr>
+        <p:style>
+          <a:lnRef idx="2">
+            <a:schemeClr val="dk1"/>
+          </a:lnRef>
+          <a:fillRef idx="1">
+            <a:schemeClr val="lt1"/>
+          </a:fillRef>
+          <a:effectRef idx="0">
+            <a:schemeClr val="dk1"/>
+          </a:effectRef>
+          <a:fontRef idx="minor">
+            <a:schemeClr val="dk1"/>
+          </a:fontRef>
+        </p:style>
+        <p:txBody>
+          <a:bodyPr wrap="square" rtlCol="0">
+            <a:spAutoFit/>
+          </a:bodyPr>
+          <a:lstStyle/>
+          <a:p>
+            <a:r>
+              <a:rPr lang="nl-NL" sz="1600" dirty="0" smtClean="0"/>
+              <a:t>Rotor Controller</a:t>
+            </a:r>
+          </a:p>
+        </p:txBody>
+      </p:sp>
+      <p:cxnSp>
+        <p:nvCxnSpPr>
+          <p:cNvPr id="46" name="Straight Arrow Connector 45"/>
+          <p:cNvCxnSpPr>
+            <a:stCxn id="42" idx="3"/>
+            <a:endCxn id="2" idx="1"/>
+          </p:cNvCxnSpPr>
+          <p:nvPr/>
+        </p:nvCxnSpPr>
+        <p:spPr>
+          <a:xfrm>
+            <a:off x="6952017" y="4922695"/>
+            <a:ext cx="384369" cy="0"/>
+          </a:xfrm>
+          <a:prstGeom prst="straightConnector1">
+            <a:avLst/>
+          </a:prstGeom>
+          <a:ln>
+            <a:tailEnd type="arrow"/>
+          </a:ln>
+          <a:effectLst/>
+        </p:spPr>
+        <p:style>
+          <a:lnRef idx="3">
+            <a:schemeClr val="dk1"/>
+          </a:lnRef>
+          <a:fillRef idx="0">
+            <a:schemeClr val="dk1"/>
+          </a:fillRef>
+          <a:effectRef idx="2">
+            <a:schemeClr val="dk1"/>
+          </a:effectRef>
+          <a:fontRef idx="minor">
+            <a:schemeClr val="tx1"/>
+          </a:fontRef>
+        </p:style>
+      </p:cxnSp>
+      <p:grpSp>
+        <p:nvGrpSpPr>
+          <p:cNvPr id="6" name="Group 5"/>
+          <p:cNvGrpSpPr/>
+          <p:nvPr/>
+        </p:nvGrpSpPr>
+        <p:grpSpPr>
+          <a:xfrm>
+            <a:off x="3949908" y="4815197"/>
+            <a:ext cx="404950" cy="275060"/>
+            <a:chOff x="3949908" y="4803315"/>
+            <a:chExt cx="404950" cy="275060"/>
+          </a:xfrm>
+        </p:grpSpPr>
         <p:cxnSp>
           <p:nvCxnSpPr>
-            <p:cNvPr id="68" name="Straight Connector 67"/>
+            <p:cNvPr id="48" name="Straight Arrow Connector 47"/>
             <p:cNvCxnSpPr/>
             <p:nvPr/>
           </p:nvCxnSpPr>
           <p:spPr>
             <a:xfrm>
-              <a:off x="4074554" y="3387457"/>
-              <a:ext cx="632359" cy="0"/>
-            </a:xfrm>
-            <a:prstGeom prst="line">
-              <a:avLst/>
-            </a:prstGeom>
-            <a:effectLst/>
-          </p:spPr>
-          <p:style>
-            <a:lnRef idx="3">
-              <a:schemeClr val="dk1"/>
-            </a:lnRef>
-            <a:fillRef idx="0">
-              <a:schemeClr val="dk1"/>
-            </a:fillRef>
-            <a:effectRef idx="2">
-              <a:schemeClr val="dk1"/>
-            </a:effectRef>
-            <a:fontRef idx="minor">
-              <a:schemeClr val="tx1"/>
-            </a:fontRef>
-          </p:style>
-        </p:cxnSp>
-        <p:cxnSp>
-          <p:nvCxnSpPr>
-            <p:cNvPr id="71" name="Straight Arrow Connector 70"/>
-            <p:cNvCxnSpPr/>
-            <p:nvPr/>
-          </p:nvCxnSpPr>
-          <p:spPr>
-            <a:xfrm>
-              <a:off x="4706913" y="3387457"/>
-              <a:ext cx="0" cy="593946"/>
+              <a:off x="3949908" y="4803315"/>
+              <a:ext cx="399600" cy="0"/>
             </a:xfrm>
             <a:prstGeom prst="straightConnector1">
               <a:avLst/>
@@ -27351,312 +29345,16 @@
             </a:fontRef>
           </p:style>
         </p:cxnSp>
-        <mc:AlternateContent xmlns:mc="http://schemas.openxmlformats.org/markup-compatibility/2006" xmlns:a14="http://schemas.microsoft.com/office/drawing/2010/main">
-          <mc:Choice Requires="a14">
-            <p:sp>
-              <p:nvSpPr>
-                <p:cNvPr id="77" name="TextBox 76"/>
-                <p:cNvSpPr txBox="1"/>
-                <p:nvPr/>
-              </p:nvSpPr>
-              <p:spPr>
-                <a:xfrm>
-                  <a:off x="4535249" y="3407036"/>
-                  <a:ext cx="842926" cy="421307"/>
-                </a:xfrm>
-                <a:prstGeom prst="rect">
-                  <a:avLst/>
-                </a:prstGeom>
-                <a:noFill/>
-              </p:spPr>
-              <p:txBody>
-                <a:bodyPr wrap="square" rtlCol="0">
-                  <a:spAutoFit/>
-                </a:bodyPr>
-                <a:lstStyle/>
-                <a:p>
-                  <a:pPr/>
-                  <a14:m>
-                    <m:oMathPara xmlns:m="http://schemas.openxmlformats.org/officeDocument/2006/math">
-                      <m:oMathParaPr>
-                        <m:jc m:val="centerGroup"/>
-                      </m:oMathParaPr>
-                      <m:oMath xmlns:m="http://schemas.openxmlformats.org/officeDocument/2006/math">
-                        <m:r>
-                          <a:rPr lang="nl-NL" sz="2400" b="0" i="1" smtClean="0">
-                            <a:latin typeface="Cambria Math"/>
-                          </a:rPr>
-                          <m:t>𝐹</m:t>
-                        </m:r>
-                      </m:oMath>
-                    </m:oMathPara>
-                  </a14:m>
-                  <a:endParaRPr lang="nl-NL" sz="2400" dirty="0"/>
-                </a:p>
-              </p:txBody>
-            </p:sp>
-          </mc:Choice>
-          <mc:Fallback xmlns="">
-            <p:sp>
-              <p:nvSpPr>
-                <p:cNvPr id="77" name="TextBox 76"/>
-                <p:cNvSpPr txBox="1">
-                  <a:spLocks noRot="1" noChangeAspect="1" noMove="1" noResize="1" noEditPoints="1" noAdjustHandles="1" noChangeArrowheads="1" noChangeShapeType="1" noTextEdit="1"/>
-                </p:cNvSpPr>
-                <p:nvPr/>
-              </p:nvSpPr>
-              <p:spPr>
-                <a:xfrm>
-                  <a:off x="4535249" y="3407036"/>
-                  <a:ext cx="842926" cy="421307"/>
-                </a:xfrm>
-                <a:prstGeom prst="rect">
-                  <a:avLst/>
-                </a:prstGeom>
-                <a:blipFill rotWithShape="1">
-                  <a:blip r:embed="rId9"/>
-                  <a:stretch>
-                    <a:fillRect/>
-                  </a:stretch>
-                </a:blipFill>
-              </p:spPr>
-              <p:txBody>
-                <a:bodyPr/>
-                <a:lstStyle/>
-                <a:p>
-                  <a:r>
-                    <a:rPr lang="nl-NL">
-                      <a:noFill/>
-                    </a:rPr>
-                    <a:t> </a:t>
-                  </a:r>
-                </a:p>
-              </p:txBody>
-            </p:sp>
-          </mc:Fallback>
-        </mc:AlternateContent>
-        <mc:AlternateContent xmlns:mc="http://schemas.openxmlformats.org/markup-compatibility/2006" xmlns:a14="http://schemas.microsoft.com/office/drawing/2010/main">
-          <mc:Choice Requires="a14">
-            <p:sp>
-              <p:nvSpPr>
-                <p:cNvPr id="78" name="TextBox 77"/>
-                <p:cNvSpPr txBox="1"/>
-                <p:nvPr/>
-              </p:nvSpPr>
-              <p:spPr>
-                <a:xfrm>
-                  <a:off x="5022301" y="3641179"/>
-                  <a:ext cx="842926" cy="421307"/>
-                </a:xfrm>
-                <a:prstGeom prst="rect">
-                  <a:avLst/>
-                </a:prstGeom>
-                <a:noFill/>
-              </p:spPr>
-              <p:txBody>
-                <a:bodyPr wrap="square" rtlCol="0">
-                  <a:spAutoFit/>
-                </a:bodyPr>
-                <a:lstStyle/>
-                <a:p>
-                  <a:pPr/>
-                  <a14:m>
-                    <m:oMathPara xmlns:m="http://schemas.openxmlformats.org/officeDocument/2006/math">
-                      <m:oMathParaPr>
-                        <m:jc m:val="centerGroup"/>
-                      </m:oMathParaPr>
-                      <m:oMath xmlns:m="http://schemas.openxmlformats.org/officeDocument/2006/math">
-                        <m:r>
-                          <a:rPr lang="nl-NL" sz="2400" b="0" i="1" smtClean="0">
-                            <a:latin typeface="Cambria Math"/>
-                          </a:rPr>
-                          <m:t>𝑓</m:t>
-                        </m:r>
-                      </m:oMath>
-                    </m:oMathPara>
-                  </a14:m>
-                  <a:endParaRPr lang="nl-NL" sz="2400" dirty="0"/>
-                </a:p>
-              </p:txBody>
-            </p:sp>
-          </mc:Choice>
-          <mc:Fallback xmlns="">
-            <p:sp>
-              <p:nvSpPr>
-                <p:cNvPr id="78" name="TextBox 77"/>
-                <p:cNvSpPr txBox="1">
-                  <a:spLocks noRot="1" noChangeAspect="1" noMove="1" noResize="1" noEditPoints="1" noAdjustHandles="1" noChangeArrowheads="1" noChangeShapeType="1" noTextEdit="1"/>
-                </p:cNvSpPr>
-                <p:nvPr/>
-              </p:nvSpPr>
-              <p:spPr>
-                <a:xfrm>
-                  <a:off x="5022301" y="3641179"/>
-                  <a:ext cx="842926" cy="421307"/>
-                </a:xfrm>
-                <a:prstGeom prst="rect">
-                  <a:avLst/>
-                </a:prstGeom>
-                <a:blipFill rotWithShape="1">
-                  <a:blip r:embed="rId10"/>
-                  <a:stretch>
-                    <a:fillRect b="-21918"/>
-                  </a:stretch>
-                </a:blipFill>
-              </p:spPr>
-              <p:txBody>
-                <a:bodyPr/>
-                <a:lstStyle/>
-                <a:p>
-                  <a:r>
-                    <a:rPr lang="nl-NL">
-                      <a:noFill/>
-                    </a:rPr>
-                    <a:t> </a:t>
-                  </a:r>
-                </a:p>
-              </p:txBody>
-            </p:sp>
-          </mc:Fallback>
-        </mc:AlternateContent>
-        <p:grpSp>
-          <p:nvGrpSpPr>
-            <p:cNvPr id="79" name="Group 78"/>
-            <p:cNvGrpSpPr/>
-            <p:nvPr/>
-          </p:nvGrpSpPr>
-          <p:grpSpPr>
-            <a:xfrm>
-              <a:off x="2173051" y="4137567"/>
-              <a:ext cx="378458" cy="260953"/>
-              <a:chOff x="6216244" y="4509120"/>
-              <a:chExt cx="449932" cy="275059"/>
-            </a:xfrm>
-          </p:grpSpPr>
-          <p:cxnSp>
-            <p:nvCxnSpPr>
-              <p:cNvPr id="80" name="Straight Arrow Connector 79"/>
-              <p:cNvCxnSpPr/>
-              <p:nvPr/>
-            </p:nvCxnSpPr>
-            <p:spPr>
-              <a:xfrm>
-                <a:off x="6216244" y="4509120"/>
-                <a:ext cx="443988" cy="0"/>
-              </a:xfrm>
-              <a:prstGeom prst="straightConnector1">
-                <a:avLst/>
-              </a:prstGeom>
-              <a:ln>
-                <a:tailEnd type="arrow"/>
-              </a:ln>
-              <a:effectLst/>
-            </p:spPr>
-            <p:style>
-              <a:lnRef idx="3">
-                <a:schemeClr val="dk1"/>
-              </a:lnRef>
-              <a:fillRef idx="0">
-                <a:schemeClr val="dk1"/>
-              </a:fillRef>
-              <a:effectRef idx="2">
-                <a:schemeClr val="dk1"/>
-              </a:effectRef>
-              <a:fontRef idx="minor">
-                <a:schemeClr val="tx1"/>
-              </a:fontRef>
-            </p:style>
-          </p:cxnSp>
-          <p:cxnSp>
-            <p:nvCxnSpPr>
-              <p:cNvPr id="81" name="Straight Arrow Connector 80"/>
-              <p:cNvCxnSpPr/>
-              <p:nvPr/>
-            </p:nvCxnSpPr>
-            <p:spPr>
-              <a:xfrm>
-                <a:off x="6222188" y="4784179"/>
-                <a:ext cx="443988" cy="0"/>
-              </a:xfrm>
-              <a:prstGeom prst="straightConnector1">
-                <a:avLst/>
-              </a:prstGeom>
-              <a:ln>
-                <a:tailEnd type="arrow"/>
-              </a:ln>
-              <a:effectLst/>
-            </p:spPr>
-            <p:style>
-              <a:lnRef idx="3">
-                <a:schemeClr val="dk1"/>
-              </a:lnRef>
-              <a:fillRef idx="0">
-                <a:schemeClr val="dk1"/>
-              </a:fillRef>
-              <a:effectRef idx="2">
-                <a:schemeClr val="dk1"/>
-              </a:effectRef>
-              <a:fontRef idx="minor">
-                <a:schemeClr val="tx1"/>
-              </a:fontRef>
-            </p:style>
-          </p:cxnSp>
-        </p:grpSp>
-        <p:sp>
-          <p:nvSpPr>
-            <p:cNvPr id="42" name="TextBox 41"/>
-            <p:cNvSpPr txBox="1"/>
-            <p:nvPr/>
-          </p:nvSpPr>
-          <p:spPr>
-            <a:xfrm>
-              <a:off x="5630493" y="3968136"/>
-              <a:ext cx="958548" cy="533655"/>
-            </a:xfrm>
-            <a:prstGeom prst="rect">
-              <a:avLst/>
-            </a:prstGeom>
-          </p:spPr>
-          <p:style>
-            <a:lnRef idx="2">
-              <a:schemeClr val="dk1"/>
-            </a:lnRef>
-            <a:fillRef idx="1">
-              <a:schemeClr val="lt1"/>
-            </a:fillRef>
-            <a:effectRef idx="0">
-              <a:schemeClr val="dk1"/>
-            </a:effectRef>
-            <a:fontRef idx="minor">
-              <a:schemeClr val="dk1"/>
-            </a:fontRef>
-          </p:style>
-          <p:txBody>
-            <a:bodyPr wrap="square" rtlCol="0">
-              <a:spAutoFit/>
-            </a:bodyPr>
-            <a:lstStyle/>
-            <a:p>
-              <a:r>
-                <a:rPr lang="nl-NL" sz="1600" dirty="0" smtClean="0"/>
-                <a:t>Rotor Controller</a:t>
-              </a:r>
-            </a:p>
-          </p:txBody>
-        </p:sp>
         <p:cxnSp>
           <p:nvCxnSpPr>
-            <p:cNvPr id="46" name="Straight Arrow Connector 45"/>
-            <p:cNvCxnSpPr>
-              <a:stCxn id="42" idx="3"/>
-              <a:endCxn id="2" idx="1"/>
-            </p:cNvCxnSpPr>
+            <p:cNvPr id="49" name="Straight Arrow Connector 48"/>
+            <p:cNvCxnSpPr/>
             <p:nvPr/>
           </p:nvCxnSpPr>
           <p:spPr>
             <a:xfrm>
-              <a:off x="6589041" y="4234964"/>
-              <a:ext cx="359223" cy="0"/>
+              <a:off x="3955258" y="5078375"/>
+              <a:ext cx="399600" cy="0"/>
             </a:xfrm>
             <a:prstGeom prst="straightConnector1">
               <a:avLst/>
@@ -27702,7 +29400,7 @@
 </p:sld>
 </file>
 
-<file path=ppt/slides/slide36.xml><?xml version="1.0" encoding="utf-8"?>
+<file path=ppt/slides/slide37.xml><?xml version="1.0" encoding="utf-8"?>
 <p:sld xmlns:a="http://schemas.openxmlformats.org/drawingml/2006/main" xmlns:r="http://schemas.openxmlformats.org/officeDocument/2006/relationships" xmlns:p="http://schemas.openxmlformats.org/presentationml/2006/main">
   <p:cSld>
     <p:spTree>
@@ -28311,7 +30009,7 @@
 </p:sld>
 </file>
 
-<file path=ppt/slides/slide37.xml><?xml version="1.0" encoding="utf-8"?>
+<file path=ppt/slides/slide38.xml><?xml version="1.0" encoding="utf-8"?>
 <p:sld xmlns:a="http://schemas.openxmlformats.org/drawingml/2006/main" xmlns:r="http://schemas.openxmlformats.org/officeDocument/2006/relationships" xmlns:p="http://schemas.openxmlformats.org/presentationml/2006/main">
   <p:cSld>
     <p:spTree>
@@ -28561,8 +30259,8 @@
           </a:fontRef>
         </p:style>
       </p:cxnSp>
-      <mc:AlternateContent xmlns:mc="http://schemas.openxmlformats.org/markup-compatibility/2006">
-        <mc:Choice xmlns:a14="http://schemas.microsoft.com/office/drawing/2010/main" Requires="a14">
+      <mc:AlternateContent xmlns:mc="http://schemas.openxmlformats.org/markup-compatibility/2006" xmlns:a14="http://schemas.microsoft.com/office/drawing/2010/main">
+        <mc:Choice Requires="a14">
           <p:sp>
             <p:nvSpPr>
               <p:cNvPr id="22" name="TextBox 21"/>
@@ -28631,7 +30329,7 @@
             </p:txBody>
           </p:sp>
         </mc:Choice>
-        <mc:Fallback>
+        <mc:Fallback xmlns="">
           <p:sp>
             <p:nvSpPr>
               <p:cNvPr id="22" name="TextBox 21"/>
@@ -28670,8 +30368,8 @@
           </p:sp>
         </mc:Fallback>
       </mc:AlternateContent>
-      <mc:AlternateContent xmlns:mc="http://schemas.openxmlformats.org/markup-compatibility/2006">
-        <mc:Choice xmlns:a14="http://schemas.microsoft.com/office/drawing/2010/main" Requires="a14">
+      <mc:AlternateContent xmlns:mc="http://schemas.openxmlformats.org/markup-compatibility/2006" xmlns:a14="http://schemas.microsoft.com/office/drawing/2010/main">
+        <mc:Choice Requires="a14">
           <p:sp>
             <p:nvSpPr>
               <p:cNvPr id="23" name="TextBox 22"/>
@@ -28740,7 +30438,7 @@
             </p:txBody>
           </p:sp>
         </mc:Choice>
-        <mc:Fallback>
+        <mc:Fallback xmlns="">
           <p:sp>
             <p:nvSpPr>
               <p:cNvPr id="23" name="TextBox 22"/>
@@ -28815,8 +30513,8 @@
           </a:fontRef>
         </p:style>
       </p:cxnSp>
-      <mc:AlternateContent xmlns:mc="http://schemas.openxmlformats.org/markup-compatibility/2006">
-        <mc:Choice xmlns:a14="http://schemas.microsoft.com/office/drawing/2010/main" Requires="a14">
+      <mc:AlternateContent xmlns:mc="http://schemas.openxmlformats.org/markup-compatibility/2006" xmlns:a14="http://schemas.microsoft.com/office/drawing/2010/main">
+        <mc:Choice Requires="a14">
           <p:sp>
             <p:nvSpPr>
               <p:cNvPr id="26" name="TextBox 25"/>
@@ -28951,7 +30649,7 @@
             </p:txBody>
           </p:sp>
         </mc:Choice>
-        <mc:Fallback>
+        <mc:Fallback xmlns="">
           <p:sp>
             <p:nvSpPr>
               <p:cNvPr id="26" name="TextBox 25"/>
@@ -29032,8 +30730,8 @@
           </a:p>
         </p:txBody>
       </p:sp>
-      <mc:AlternateContent xmlns:mc="http://schemas.openxmlformats.org/markup-compatibility/2006">
-        <mc:Choice xmlns:a14="http://schemas.microsoft.com/office/drawing/2010/main" Requires="a14">
+      <mc:AlternateContent xmlns:mc="http://schemas.openxmlformats.org/markup-compatibility/2006" xmlns:a14="http://schemas.microsoft.com/office/drawing/2010/main">
+        <mc:Choice Requires="a14">
           <p:sp>
             <p:nvSpPr>
               <p:cNvPr id="42" name="TextBox 41"/>
@@ -29102,7 +30800,7 @@
             </p:txBody>
           </p:sp>
         </mc:Choice>
-        <mc:Fallback>
+        <mc:Fallback xmlns="">
           <p:sp>
             <p:nvSpPr>
               <p:cNvPr id="42" name="TextBox 41"/>
@@ -29141,8 +30839,8 @@
           </p:sp>
         </mc:Fallback>
       </mc:AlternateContent>
-      <mc:AlternateContent xmlns:mc="http://schemas.openxmlformats.org/markup-compatibility/2006">
-        <mc:Choice xmlns:a14="http://schemas.microsoft.com/office/drawing/2010/main" Requires="a14">
+      <mc:AlternateContent xmlns:mc="http://schemas.openxmlformats.org/markup-compatibility/2006" xmlns:a14="http://schemas.microsoft.com/office/drawing/2010/main">
+        <mc:Choice Requires="a14">
           <p:sp>
             <p:nvSpPr>
               <p:cNvPr id="43" name="TextBox 42"/>
@@ -29211,7 +30909,7 @@
             </p:txBody>
           </p:sp>
         </mc:Choice>
-        <mc:Fallback>
+        <mc:Fallback xmlns="">
           <p:sp>
             <p:nvSpPr>
               <p:cNvPr id="43" name="TextBox 42"/>

--- a/StyleStuff/figures.pptx
+++ b/StyleStuff/figures.pptx
@@ -33,16 +33,19 @@
     <p:sldId id="291" r:id="rId27"/>
     <p:sldId id="271" r:id="rId28"/>
     <p:sldId id="263" r:id="rId29"/>
-    <p:sldId id="264" r:id="rId30"/>
-    <p:sldId id="295" r:id="rId31"/>
-    <p:sldId id="286" r:id="rId32"/>
-    <p:sldId id="287" r:id="rId33"/>
-    <p:sldId id="288" r:id="rId34"/>
-    <p:sldId id="275" r:id="rId35"/>
-    <p:sldId id="297" r:id="rId36"/>
-    <p:sldId id="266" r:id="rId37"/>
-    <p:sldId id="265" r:id="rId38"/>
-    <p:sldId id="296" r:id="rId39"/>
+    <p:sldId id="299" r:id="rId30"/>
+    <p:sldId id="300" r:id="rId31"/>
+    <p:sldId id="298" r:id="rId32"/>
+    <p:sldId id="264" r:id="rId33"/>
+    <p:sldId id="295" r:id="rId34"/>
+    <p:sldId id="286" r:id="rId35"/>
+    <p:sldId id="287" r:id="rId36"/>
+    <p:sldId id="288" r:id="rId37"/>
+    <p:sldId id="275" r:id="rId38"/>
+    <p:sldId id="297" r:id="rId39"/>
+    <p:sldId id="266" r:id="rId40"/>
+    <p:sldId id="265" r:id="rId41"/>
+    <p:sldId id="296" r:id="rId42"/>
   </p:sldIdLst>
   <p:sldSz cx="9144000" cy="6858000" type="screen4x3"/>
   <p:notesSz cx="6858000" cy="9144000"/>
@@ -325,7 +328,7 @@
           <a:p>
             <a:fld id="{54F4720F-D6E7-473E-8843-300157F93B80}" type="datetimeFigureOut">
               <a:rPr lang="nl-NL" smtClean="0"/>
-              <a:t>27-7-2017</a:t>
+              <a:t>7-8-2017</a:t>
             </a:fld>
             <a:endParaRPr lang="nl-NL"/>
           </a:p>
@@ -495,7 +498,7 @@
           <a:p>
             <a:fld id="{54F4720F-D6E7-473E-8843-300157F93B80}" type="datetimeFigureOut">
               <a:rPr lang="nl-NL" smtClean="0"/>
-              <a:t>27-7-2017</a:t>
+              <a:t>7-8-2017</a:t>
             </a:fld>
             <a:endParaRPr lang="nl-NL"/>
           </a:p>
@@ -675,7 +678,7 @@
           <a:p>
             <a:fld id="{54F4720F-D6E7-473E-8843-300157F93B80}" type="datetimeFigureOut">
               <a:rPr lang="nl-NL" smtClean="0"/>
-              <a:t>27-7-2017</a:t>
+              <a:t>7-8-2017</a:t>
             </a:fld>
             <a:endParaRPr lang="nl-NL"/>
           </a:p>
@@ -845,7 +848,7 @@
           <a:p>
             <a:fld id="{54F4720F-D6E7-473E-8843-300157F93B80}" type="datetimeFigureOut">
               <a:rPr lang="nl-NL" smtClean="0"/>
-              <a:t>27-7-2017</a:t>
+              <a:t>7-8-2017</a:t>
             </a:fld>
             <a:endParaRPr lang="nl-NL"/>
           </a:p>
@@ -1091,7 +1094,7 @@
           <a:p>
             <a:fld id="{54F4720F-D6E7-473E-8843-300157F93B80}" type="datetimeFigureOut">
               <a:rPr lang="nl-NL" smtClean="0"/>
-              <a:t>27-7-2017</a:t>
+              <a:t>7-8-2017</a:t>
             </a:fld>
             <a:endParaRPr lang="nl-NL"/>
           </a:p>
@@ -1379,7 +1382,7 @@
           <a:p>
             <a:fld id="{54F4720F-D6E7-473E-8843-300157F93B80}" type="datetimeFigureOut">
               <a:rPr lang="nl-NL" smtClean="0"/>
-              <a:t>27-7-2017</a:t>
+              <a:t>7-8-2017</a:t>
             </a:fld>
             <a:endParaRPr lang="nl-NL"/>
           </a:p>
@@ -1801,7 +1804,7 @@
           <a:p>
             <a:fld id="{54F4720F-D6E7-473E-8843-300157F93B80}" type="datetimeFigureOut">
               <a:rPr lang="nl-NL" smtClean="0"/>
-              <a:t>27-7-2017</a:t>
+              <a:t>7-8-2017</a:t>
             </a:fld>
             <a:endParaRPr lang="nl-NL"/>
           </a:p>
@@ -1919,7 +1922,7 @@
           <a:p>
             <a:fld id="{54F4720F-D6E7-473E-8843-300157F93B80}" type="datetimeFigureOut">
               <a:rPr lang="nl-NL" smtClean="0"/>
-              <a:t>27-7-2017</a:t>
+              <a:t>7-8-2017</a:t>
             </a:fld>
             <a:endParaRPr lang="nl-NL"/>
           </a:p>
@@ -2014,7 +2017,7 @@
           <a:p>
             <a:fld id="{54F4720F-D6E7-473E-8843-300157F93B80}" type="datetimeFigureOut">
               <a:rPr lang="nl-NL" smtClean="0"/>
-              <a:t>27-7-2017</a:t>
+              <a:t>7-8-2017</a:t>
             </a:fld>
             <a:endParaRPr lang="nl-NL"/>
           </a:p>
@@ -2291,7 +2294,7 @@
           <a:p>
             <a:fld id="{54F4720F-D6E7-473E-8843-300157F93B80}" type="datetimeFigureOut">
               <a:rPr lang="nl-NL" smtClean="0"/>
-              <a:t>27-7-2017</a:t>
+              <a:t>7-8-2017</a:t>
             </a:fld>
             <a:endParaRPr lang="nl-NL"/>
           </a:p>
@@ -2544,7 +2547,7 @@
           <a:p>
             <a:fld id="{54F4720F-D6E7-473E-8843-300157F93B80}" type="datetimeFigureOut">
               <a:rPr lang="nl-NL" smtClean="0"/>
-              <a:t>27-7-2017</a:t>
+              <a:t>7-8-2017</a:t>
             </a:fld>
             <a:endParaRPr lang="nl-NL"/>
           </a:p>
@@ -2757,7 +2760,7 @@
           <a:p>
             <a:fld id="{54F4720F-D6E7-473E-8843-300157F93B80}" type="datetimeFigureOut">
               <a:rPr lang="nl-NL" smtClean="0"/>
-              <a:t>27-7-2017</a:t>
+              <a:t>7-8-2017</a:t>
             </a:fld>
             <a:endParaRPr lang="nl-NL"/>
           </a:p>
@@ -15587,9 +15590,9 @@
         <p:grpSpPr>
           <a:xfrm>
             <a:off x="2447764" y="548680"/>
-            <a:ext cx="4248472" cy="5760640"/>
+            <a:ext cx="4248472" cy="5612053"/>
             <a:chOff x="2267744" y="869811"/>
-            <a:chExt cx="3546571" cy="5079469"/>
+            <a:chExt cx="3546571" cy="4948452"/>
           </a:xfrm>
         </p:grpSpPr>
         <p:grpSp>
@@ -15601,9 +15604,9 @@
           <p:grpSpPr>
             <a:xfrm>
               <a:off x="3009465" y="946930"/>
-              <a:ext cx="2559847" cy="5002350"/>
+              <a:ext cx="2559847" cy="4871333"/>
               <a:chOff x="5535500" y="116632"/>
-              <a:chExt cx="2348868" cy="3949946"/>
+              <a:chExt cx="2348868" cy="3846493"/>
             </a:xfrm>
           </p:grpSpPr>
           <p:cxnSp>
@@ -15892,7 +15895,7 @@
                 <p:spPr>
                   <a:xfrm>
                     <a:off x="5682544" y="3191684"/>
-                    <a:ext cx="1008112" cy="874894"/>
+                    <a:ext cx="1008112" cy="771441"/>
                   </a:xfrm>
                   <a:prstGeom prst="rect">
                     <a:avLst/>
@@ -15925,7 +15928,7 @@
                                 <a:rPr lang="nl-NL" sz="6600" b="0" i="1" smtClean="0">
                                   <a:latin typeface="Cambria Math"/>
                                 </a:rPr>
-                                <m:t>𝜙</m:t>
+                                <m:t>𝜃</m:t>
                               </m:r>
                             </m:e>
                             <m:sub>
@@ -15957,7 +15960,7 @@
                 <p:spPr>
                   <a:xfrm>
                     <a:off x="5682544" y="3191684"/>
-                    <a:ext cx="1008112" cy="874894"/>
+                    <a:ext cx="1008112" cy="771441"/>
                   </a:xfrm>
                   <a:prstGeom prst="rect">
                     <a:avLst/>
@@ -16040,7 +16043,7 @@
                 <p:spPr>
                   <a:xfrm>
                     <a:off x="6876256" y="1628800"/>
-                    <a:ext cx="1008112" cy="874894"/>
+                    <a:ext cx="1008112" cy="771441"/>
                   </a:xfrm>
                   <a:prstGeom prst="rect">
                     <a:avLst/>
@@ -16073,7 +16076,7 @@
                                 <a:rPr lang="nl-NL" sz="6600" b="0" i="1" smtClean="0">
                                   <a:latin typeface="Cambria Math"/>
                                 </a:rPr>
-                                <m:t>𝜃</m:t>
+                                <m:t>𝜙</m:t>
                               </m:r>
                             </m:e>
                             <m:sub>
@@ -16105,7 +16108,7 @@
                 <p:spPr>
                   <a:xfrm>
                     <a:off x="6876256" y="1628800"/>
-                    <a:ext cx="1008112" cy="874894"/>
+                    <a:ext cx="1008112" cy="771441"/>
                   </a:xfrm>
                   <a:prstGeom prst="rect">
                     <a:avLst/>
@@ -16220,7 +16223,7 @@
               <p:spPr>
                 <a:xfrm>
                   <a:off x="2267744" y="2780928"/>
-                  <a:ext cx="1098662" cy="830997"/>
+                  <a:ext cx="1098662" cy="732735"/>
                 </a:xfrm>
                 <a:prstGeom prst="rect">
                   <a:avLst/>
@@ -16253,7 +16256,7 @@
                               <a:rPr lang="nl-NL" sz="4800" b="0" i="1" smtClean="0">
                                 <a:latin typeface="Cambria Math"/>
                               </a:rPr>
-                              <m:t>𝑏</m:t>
+                              <m:t>𝑒</m:t>
                             </m:r>
                           </m:e>
                           <m:sub>
@@ -16285,7 +16288,7 @@
               <p:spPr>
                 <a:xfrm>
                   <a:off x="2267744" y="2780928"/>
-                  <a:ext cx="1098662" cy="830997"/>
+                  <a:ext cx="1098662" cy="732735"/>
                 </a:xfrm>
                 <a:prstGeom prst="rect">
                   <a:avLst/>
@@ -16323,7 +16326,7 @@
               <p:spPr>
                 <a:xfrm>
                   <a:off x="4715653" y="1852830"/>
-                  <a:ext cx="1098662" cy="830997"/>
+                  <a:ext cx="1098662" cy="732735"/>
                 </a:xfrm>
                 <a:prstGeom prst="rect">
                   <a:avLst/>
@@ -16356,7 +16359,7 @@
                               <a:rPr lang="nl-NL" sz="4800" b="0" i="1" smtClean="0">
                                 <a:latin typeface="Cambria Math"/>
                               </a:rPr>
-                              <m:t>𝑏</m:t>
+                              <m:t>𝑒</m:t>
                             </m:r>
                           </m:e>
                           <m:sub>
@@ -16388,7 +16391,7 @@
               <p:spPr>
                 <a:xfrm>
                   <a:off x="4715653" y="1852830"/>
-                  <a:ext cx="1098662" cy="830997"/>
+                  <a:ext cx="1098662" cy="732735"/>
                 </a:xfrm>
                 <a:prstGeom prst="rect">
                   <a:avLst/>
@@ -16426,7 +16429,7 @@
               <p:spPr>
                 <a:xfrm>
                   <a:off x="3779912" y="869811"/>
-                  <a:ext cx="1098662" cy="830997"/>
+                  <a:ext cx="1098662" cy="732735"/>
                 </a:xfrm>
                 <a:prstGeom prst="rect">
                   <a:avLst/>
@@ -16459,7 +16462,7 @@
                               <a:rPr lang="nl-NL" sz="4800" b="0" i="1" smtClean="0">
                                 <a:latin typeface="Cambria Math"/>
                               </a:rPr>
-                              <m:t>𝑏</m:t>
+                              <m:t>𝑒</m:t>
                             </m:r>
                           </m:e>
                           <m:sub>
@@ -16491,7 +16494,7 @@
               <p:spPr>
                 <a:xfrm>
                   <a:off x="3779912" y="869811"/>
-                  <a:ext cx="1098662" cy="830997"/>
+                  <a:ext cx="1098662" cy="732735"/>
                 </a:xfrm>
                 <a:prstGeom prst="rect">
                   <a:avLst/>
@@ -16556,205 +16559,131 @@
           <a:chExt cx="0" cy="0"/>
         </a:xfrm>
       </p:grpSpPr>
-      <p:sp>
-        <p:nvSpPr>
-          <p:cNvPr id="2" name="TextBox 1"/>
-          <p:cNvSpPr txBox="1"/>
+      <p:cxnSp>
+        <p:nvCxnSpPr>
+          <p:cNvPr id="24" name="Straight Connector 23"/>
+          <p:cNvCxnSpPr>
+            <a:stCxn id="15" idx="0"/>
+          </p:cNvCxnSpPr>
           <p:nvPr/>
-        </p:nvSpPr>
-        <p:spPr>
-          <a:xfrm>
-            <a:off x="6660232" y="4005063"/>
-            <a:ext cx="1474304" cy="830997"/>
-          </a:xfrm>
-          <a:prstGeom prst="rect">
+        </p:nvCxnSpPr>
+        <p:spPr>
+          <a:xfrm flipH="1">
+            <a:off x="3727900" y="2564087"/>
+            <a:ext cx="747513" cy="2881137"/>
+          </a:xfrm>
+          <a:prstGeom prst="line">
             <a:avLst/>
           </a:prstGeom>
+          <a:ln>
+            <a:prstDash val="sysDot"/>
+          </a:ln>
         </p:spPr>
         <p:style>
-          <a:lnRef idx="2">
-            <a:schemeClr val="dk1"/>
+          <a:lnRef idx="3">
+            <a:schemeClr val="accent1"/>
           </a:lnRef>
-          <a:fillRef idx="1">
-            <a:schemeClr val="lt1"/>
+          <a:fillRef idx="0">
+            <a:schemeClr val="accent1"/>
           </a:fillRef>
-          <a:effectRef idx="0">
-            <a:schemeClr val="dk1"/>
+          <a:effectRef idx="2">
+            <a:schemeClr val="accent1"/>
           </a:effectRef>
           <a:fontRef idx="minor">
-            <a:schemeClr val="dk1"/>
+            <a:schemeClr val="tx1"/>
           </a:fontRef>
         </p:style>
-        <p:txBody>
-          <a:bodyPr wrap="square" rtlCol="0">
-            <a:spAutoFit/>
-          </a:bodyPr>
-          <a:lstStyle/>
-          <a:p>
-            <a:r>
-              <a:rPr lang="nl-NL" sz="2400" b="1" dirty="0" smtClean="0"/>
-              <a:t>QR-Load </a:t>
-            </a:r>
-          </a:p>
-          <a:p>
-            <a:r>
-              <a:rPr lang="nl-NL" sz="2400" b="1" dirty="0" smtClean="0"/>
-              <a:t>Dynamics</a:t>
-            </a:r>
-          </a:p>
-        </p:txBody>
-      </p:sp>
-      <p:sp>
-        <p:nvSpPr>
-          <p:cNvPr id="3" name="TextBox 2"/>
-          <p:cNvSpPr txBox="1"/>
+      </p:cxnSp>
+      <p:cxnSp>
+        <p:nvCxnSpPr>
+          <p:cNvPr id="22" name="Straight Connector 21"/>
+          <p:cNvCxnSpPr/>
           <p:nvPr/>
-        </p:nvSpPr>
-        <p:spPr>
-          <a:xfrm>
-            <a:off x="4834040" y="4005063"/>
-            <a:ext cx="1425234" cy="1200329"/>
-          </a:xfrm>
-          <a:prstGeom prst="rect">
+        </p:nvCxnSpPr>
+        <p:spPr>
+          <a:xfrm flipH="1">
+            <a:off x="3727899" y="5445224"/>
+            <a:ext cx="1636189" cy="1"/>
+          </a:xfrm>
+          <a:prstGeom prst="line">
             <a:avLst/>
           </a:prstGeom>
+          <a:ln>
+            <a:prstDash val="sysDot"/>
+          </a:ln>
         </p:spPr>
         <p:style>
-          <a:lnRef idx="2">
-            <a:schemeClr val="dk1"/>
+          <a:lnRef idx="3">
+            <a:schemeClr val="accent1"/>
           </a:lnRef>
-          <a:fillRef idx="1">
-            <a:schemeClr val="lt1"/>
+          <a:fillRef idx="0">
+            <a:schemeClr val="accent1"/>
           </a:fillRef>
-          <a:effectRef idx="0">
-            <a:schemeClr val="dk1"/>
+          <a:effectRef idx="2">
+            <a:schemeClr val="accent1"/>
           </a:effectRef>
           <a:fontRef idx="minor">
-            <a:schemeClr val="dk1"/>
+            <a:schemeClr val="tx1"/>
           </a:fontRef>
         </p:style>
-        <p:txBody>
-          <a:bodyPr wrap="square" rtlCol="0">
-            <a:spAutoFit/>
-          </a:bodyPr>
-          <a:lstStyle/>
-          <a:p>
-            <a:r>
-              <a:rPr lang="nl-NL" sz="2400" b="1" dirty="0" smtClean="0"/>
-              <a:t>QR attitude controller</a:t>
-            </a:r>
-          </a:p>
-        </p:txBody>
-      </p:sp>
-      <p:sp>
-        <p:nvSpPr>
-          <p:cNvPr id="4" name="TextBox 3"/>
-          <p:cNvSpPr txBox="1"/>
+      </p:cxnSp>
+      <p:cxnSp>
+        <p:nvCxnSpPr>
+          <p:cNvPr id="27" name="Straight Connector 26"/>
+          <p:cNvCxnSpPr/>
           <p:nvPr/>
-        </p:nvSpPr>
-        <p:spPr>
-          <a:xfrm>
-            <a:off x="2956733" y="4005063"/>
-            <a:ext cx="1476350" cy="461665"/>
-          </a:xfrm>
-          <a:prstGeom prst="rect">
+        </p:nvCxnSpPr>
+        <p:spPr>
+          <a:xfrm flipH="1">
+            <a:off x="5328581" y="4572367"/>
+            <a:ext cx="709606" cy="872857"/>
+          </a:xfrm>
+          <a:prstGeom prst="line">
             <a:avLst/>
           </a:prstGeom>
+          <a:ln>
+            <a:prstDash val="sysDot"/>
+          </a:ln>
         </p:spPr>
         <p:style>
-          <a:lnRef idx="2">
-            <a:schemeClr val="dk1"/>
+          <a:lnRef idx="3">
+            <a:schemeClr val="accent1"/>
           </a:lnRef>
-          <a:fillRef idx="1">
-            <a:schemeClr val="lt1"/>
+          <a:fillRef idx="0">
+            <a:schemeClr val="accent1"/>
           </a:fillRef>
-          <a:effectRef idx="0">
-            <a:schemeClr val="dk1"/>
+          <a:effectRef idx="2">
+            <a:schemeClr val="accent1"/>
           </a:effectRef>
           <a:fontRef idx="minor">
-            <a:schemeClr val="dk1"/>
+            <a:schemeClr val="tx1"/>
           </a:fontRef>
         </p:style>
-        <p:txBody>
-          <a:bodyPr wrap="square" rtlCol="0">
-            <a:spAutoFit/>
-          </a:bodyPr>
-          <a:lstStyle/>
-          <a:p>
-            <a:r>
-              <a:rPr lang="nl-NL" sz="2400" b="1" dirty="0" smtClean="0"/>
-              <a:t>Controller</a:t>
-            </a:r>
-          </a:p>
-        </p:txBody>
-      </p:sp>
-      <p:sp>
-        <p:nvSpPr>
-          <p:cNvPr id="5" name="TextBox 4"/>
-          <p:cNvSpPr txBox="1"/>
-          <p:nvPr/>
-        </p:nvSpPr>
-        <p:spPr>
-          <a:xfrm>
-            <a:off x="1043608" y="4005063"/>
-            <a:ext cx="1512168" cy="461665"/>
-          </a:xfrm>
-          <a:prstGeom prst="rect">
-            <a:avLst/>
-          </a:prstGeom>
-        </p:spPr>
-        <p:style>
-          <a:lnRef idx="2">
-            <a:schemeClr val="dk1"/>
-          </a:lnRef>
-          <a:fillRef idx="1">
-            <a:schemeClr val="lt1"/>
-          </a:fillRef>
-          <a:effectRef idx="0">
-            <a:schemeClr val="dk1"/>
-          </a:effectRef>
-          <a:fontRef idx="minor">
-            <a:schemeClr val="dk1"/>
-          </a:fontRef>
-        </p:style>
-        <p:txBody>
-          <a:bodyPr wrap="square" rtlCol="0">
-            <a:spAutoFit/>
-          </a:bodyPr>
-          <a:lstStyle/>
-          <a:p>
-            <a:r>
-              <a:rPr lang="nl-NL" sz="2400" b="1" dirty="0"/>
-              <a:t>C</a:t>
-            </a:r>
-            <a:endParaRPr lang="nl-NL" sz="2400" b="1" dirty="0" smtClean="0"/>
-          </a:p>
-        </p:txBody>
-      </p:sp>
+      </p:cxnSp>
       <p:grpSp>
         <p:nvGrpSpPr>
-          <p:cNvPr id="9" name="Group 8"/>
+          <p:cNvPr id="3" name="Group 2"/>
           <p:cNvGrpSpPr/>
           <p:nvPr/>
         </p:nvGrpSpPr>
         <p:grpSpPr>
           <a:xfrm>
-            <a:off x="6259274" y="4293096"/>
-            <a:ext cx="412846" cy="275059"/>
-            <a:chOff x="6216244" y="4509120"/>
-            <a:chExt cx="449932" cy="275059"/>
+            <a:off x="2751845" y="636141"/>
+            <a:ext cx="3928341" cy="5171766"/>
+            <a:chOff x="5087833" y="116632"/>
+            <a:chExt cx="3009052" cy="3600838"/>
           </a:xfrm>
         </p:grpSpPr>
         <p:cxnSp>
           <p:nvCxnSpPr>
-            <p:cNvPr id="7" name="Straight Arrow Connector 6"/>
+            <p:cNvPr id="4" name="Straight Arrow Connector 3"/>
             <p:cNvCxnSpPr/>
             <p:nvPr/>
           </p:nvCxnSpPr>
           <p:spPr>
             <a:xfrm>
-              <a:off x="6216244" y="4509120"/>
-              <a:ext cx="443988" cy="0"/>
+              <a:off x="6443778" y="1521693"/>
+              <a:ext cx="1368152" cy="0"/>
             </a:xfrm>
             <a:prstGeom prst="straightConnector1">
               <a:avLst/>
@@ -16762,7 +16691,6 @@
             <a:ln>
               <a:tailEnd type="arrow"/>
             </a:ln>
-            <a:effectLst/>
           </p:spPr>
           <p:style>
             <a:lnRef idx="3">
@@ -16781,14 +16709,14 @@
         </p:cxnSp>
         <p:cxnSp>
           <p:nvCxnSpPr>
-            <p:cNvPr id="8" name="Straight Arrow Connector 7"/>
+            <p:cNvPr id="5" name="Straight Arrow Connector 4"/>
             <p:cNvCxnSpPr/>
             <p:nvPr/>
           </p:nvCxnSpPr>
           <p:spPr>
-            <a:xfrm>
-              <a:off x="6222188" y="4784179"/>
-              <a:ext cx="443988" cy="0"/>
+            <a:xfrm flipV="1">
+              <a:off x="6408060" y="116632"/>
+              <a:ext cx="0" cy="1411029"/>
             </a:xfrm>
             <a:prstGeom prst="straightConnector1">
               <a:avLst/>
@@ -16796,7 +16724,6 @@
             <a:ln>
               <a:tailEnd type="arrow"/>
             </a:ln>
-            <a:effectLst/>
           </p:spPr>
           <p:style>
             <a:lnRef idx="3">
@@ -16813,385 +16740,555 @@
             </a:fontRef>
           </p:style>
         </p:cxnSp>
+        <p:cxnSp>
+          <p:nvCxnSpPr>
+            <p:cNvPr id="6" name="Straight Arrow Connector 5"/>
+            <p:cNvCxnSpPr/>
+            <p:nvPr/>
+          </p:nvCxnSpPr>
+          <p:spPr>
+            <a:xfrm flipH="1">
+              <a:off x="5535500" y="1511769"/>
+              <a:ext cx="896049" cy="877405"/>
+            </a:xfrm>
+            <a:prstGeom prst="straightConnector1">
+              <a:avLst/>
+            </a:prstGeom>
+            <a:ln>
+              <a:tailEnd type="arrow"/>
+            </a:ln>
+          </p:spPr>
+          <p:style>
+            <a:lnRef idx="3">
+              <a:schemeClr val="dk1"/>
+            </a:lnRef>
+            <a:fillRef idx="0">
+              <a:schemeClr val="dk1"/>
+            </a:fillRef>
+            <a:effectRef idx="2">
+              <a:schemeClr val="dk1"/>
+            </a:effectRef>
+            <a:fontRef idx="minor">
+              <a:schemeClr val="tx1"/>
+            </a:fontRef>
+          </p:style>
+        </p:cxnSp>
+        <p:cxnSp>
+          <p:nvCxnSpPr>
+            <p:cNvPr id="7" name="Straight Arrow Connector 6"/>
+            <p:cNvCxnSpPr/>
+            <p:nvPr/>
+          </p:nvCxnSpPr>
+          <p:spPr>
+            <a:xfrm flipH="1">
+              <a:off x="5605413" y="2857226"/>
+              <a:ext cx="803499" cy="860244"/>
+            </a:xfrm>
+            <a:prstGeom prst="straightConnector1">
+              <a:avLst/>
+            </a:prstGeom>
+            <a:ln>
+              <a:prstDash val="sysDot"/>
+              <a:tailEnd type="none"/>
+            </a:ln>
+          </p:spPr>
+          <p:style>
+            <a:lnRef idx="3">
+              <a:schemeClr val="dk1"/>
+            </a:lnRef>
+            <a:fillRef idx="0">
+              <a:schemeClr val="dk1"/>
+            </a:fillRef>
+            <a:effectRef idx="2">
+              <a:schemeClr val="dk1"/>
+            </a:effectRef>
+            <a:fontRef idx="minor">
+              <a:schemeClr val="tx1"/>
+            </a:fontRef>
+          </p:style>
+        </p:cxnSp>
+        <p:cxnSp>
+          <p:nvCxnSpPr>
+            <p:cNvPr id="8" name="Straight Connector 7"/>
+            <p:cNvCxnSpPr/>
+            <p:nvPr/>
+          </p:nvCxnSpPr>
+          <p:spPr>
+            <a:xfrm>
+              <a:off x="6408060" y="1527661"/>
+              <a:ext cx="653514" cy="1914588"/>
+            </a:xfrm>
+            <a:prstGeom prst="line">
+              <a:avLst/>
+            </a:prstGeom>
+          </p:spPr>
+          <p:style>
+            <a:lnRef idx="3">
+              <a:schemeClr val="accent1"/>
+            </a:lnRef>
+            <a:fillRef idx="0">
+              <a:schemeClr val="accent1"/>
+            </a:fillRef>
+            <a:effectRef idx="2">
+              <a:schemeClr val="accent1"/>
+            </a:effectRef>
+            <a:fontRef idx="minor">
+              <a:schemeClr val="tx1"/>
+            </a:fontRef>
+          </p:style>
+        </p:cxnSp>
+        <p:cxnSp>
+          <p:nvCxnSpPr>
+            <p:cNvPr id="9" name="Straight Connector 8"/>
+            <p:cNvCxnSpPr/>
+            <p:nvPr/>
+          </p:nvCxnSpPr>
+          <p:spPr>
+            <a:xfrm flipH="1" flipV="1">
+              <a:off x="6381157" y="1478030"/>
+              <a:ext cx="1223965" cy="1379196"/>
+            </a:xfrm>
+            <a:prstGeom prst="line">
+              <a:avLst/>
+            </a:prstGeom>
+            <a:ln>
+              <a:prstDash val="sysDot"/>
+            </a:ln>
+          </p:spPr>
+          <p:style>
+            <a:lnRef idx="3">
+              <a:schemeClr val="accent1"/>
+            </a:lnRef>
+            <a:fillRef idx="0">
+              <a:schemeClr val="accent1"/>
+            </a:fillRef>
+            <a:effectRef idx="2">
+              <a:schemeClr val="accent1"/>
+            </a:effectRef>
+            <a:fontRef idx="minor">
+              <a:schemeClr val="tx1"/>
+            </a:fontRef>
+          </p:style>
+        </p:cxnSp>
+        <p:sp>
+          <p:nvSpPr>
+            <p:cNvPr id="10" name="Arc 9"/>
+            <p:cNvSpPr/>
+            <p:nvPr/>
+          </p:nvSpPr>
+          <p:spPr>
+            <a:xfrm rot="4646168">
+              <a:off x="6130533" y="1698743"/>
+              <a:ext cx="1164316" cy="1163265"/>
+            </a:xfrm>
+            <a:prstGeom prst="arc">
+              <a:avLst>
+                <a:gd name="adj1" fmla="val 18101114"/>
+                <a:gd name="adj2" fmla="val 0"/>
+              </a:avLst>
+            </a:prstGeom>
+            <a:ln w="53975" cmpd="sng">
+              <a:headEnd type="triangle" w="lg" len="lg"/>
+              <a:tailEnd type="none" w="lg" len="lg"/>
+            </a:ln>
+          </p:spPr>
+          <p:style>
+            <a:lnRef idx="3">
+              <a:schemeClr val="dk1"/>
+            </a:lnRef>
+            <a:fillRef idx="0">
+              <a:schemeClr val="dk1"/>
+            </a:fillRef>
+            <a:effectRef idx="2">
+              <a:schemeClr val="dk1"/>
+            </a:effectRef>
+            <a:fontRef idx="minor">
+              <a:schemeClr val="tx1"/>
+            </a:fontRef>
+          </p:style>
+          <p:txBody>
+            <a:bodyPr rtlCol="0" anchor="ctr"/>
+            <a:lstStyle/>
+            <a:p>
+              <a:pPr algn="ctr"/>
+              <a:endParaRPr lang="nl-NL"/>
+            </a:p>
+          </p:txBody>
+        </p:sp>
+        <p:cxnSp>
+          <p:nvCxnSpPr>
+            <p:cNvPr id="11" name="Straight Arrow Connector 10"/>
+            <p:cNvCxnSpPr/>
+            <p:nvPr/>
+          </p:nvCxnSpPr>
+          <p:spPr>
+            <a:xfrm>
+              <a:off x="6408912" y="1527661"/>
+              <a:ext cx="0" cy="1365568"/>
+            </a:xfrm>
+            <a:prstGeom prst="straightConnector1">
+              <a:avLst/>
+            </a:prstGeom>
+            <a:ln>
+              <a:prstDash val="sysDot"/>
+              <a:tailEnd type="none"/>
+            </a:ln>
+          </p:spPr>
+          <p:style>
+            <a:lnRef idx="3">
+              <a:schemeClr val="dk1"/>
+            </a:lnRef>
+            <a:fillRef idx="0">
+              <a:schemeClr val="dk1"/>
+            </a:fillRef>
+            <a:effectRef idx="2">
+              <a:schemeClr val="dk1"/>
+            </a:effectRef>
+            <a:fontRef idx="minor">
+              <a:schemeClr val="tx1"/>
+            </a:fontRef>
+          </p:style>
+        </p:cxnSp>
+        <mc:AlternateContent xmlns:mc="http://schemas.openxmlformats.org/markup-compatibility/2006">
+          <mc:Choice xmlns:a14="http://schemas.microsoft.com/office/drawing/2010/main" Requires="a14">
+            <p:sp>
+              <p:nvSpPr>
+                <p:cNvPr id="12" name="TextBox 11"/>
+                <p:cNvSpPr txBox="1"/>
+                <p:nvPr/>
+              </p:nvSpPr>
+              <p:spPr>
+                <a:xfrm>
+                  <a:off x="7088773" y="1891343"/>
+                  <a:ext cx="1008112" cy="771441"/>
+                </a:xfrm>
+                <a:prstGeom prst="rect">
+                  <a:avLst/>
+                </a:prstGeom>
+                <a:noFill/>
+              </p:spPr>
+              <p:txBody>
+                <a:bodyPr wrap="square" rtlCol="0">
+                  <a:spAutoFit/>
+                </a:bodyPr>
+                <a:lstStyle/>
+                <a:p>
+                  <a:pPr/>
+                  <a14:m>
+                    <m:oMathPara xmlns:m="http://schemas.openxmlformats.org/officeDocument/2006/math">
+                      <m:oMathParaPr>
+                        <m:jc m:val="centerGroup"/>
+                      </m:oMathParaPr>
+                      <m:oMath xmlns:m="http://schemas.openxmlformats.org/officeDocument/2006/math">
+                        <m:sSub>
+                          <m:sSubPr>
+                            <m:ctrlPr>
+                              <a:rPr lang="nl-NL" sz="6600" b="0" i="1" smtClean="0">
+                                <a:latin typeface="Cambria Math"/>
+                              </a:rPr>
+                            </m:ctrlPr>
+                          </m:sSubPr>
+                          <m:e>
+                            <m:r>
+                              <a:rPr lang="nl-NL" sz="6600" b="0" i="1" smtClean="0">
+                                <a:latin typeface="Cambria Math"/>
+                              </a:rPr>
+                              <m:t>𝜃</m:t>
+                            </m:r>
+                          </m:e>
+                          <m:sub>
+                            <m:r>
+                              <a:rPr lang="nl-NL" sz="6600" b="0" i="1" smtClean="0">
+                                <a:latin typeface="Cambria Math"/>
+                              </a:rPr>
+                              <m:t>𝐿</m:t>
+                            </m:r>
+                          </m:sub>
+                        </m:sSub>
+                      </m:oMath>
+                    </m:oMathPara>
+                  </a14:m>
+                  <a:endParaRPr lang="nl-NL" sz="4800" dirty="0"/>
+                </a:p>
+              </p:txBody>
+            </p:sp>
+          </mc:Choice>
+          <mc:Fallback>
+            <p:sp>
+              <p:nvSpPr>
+                <p:cNvPr id="12" name="TextBox 11"/>
+                <p:cNvSpPr txBox="1">
+                  <a:spLocks noRot="1" noChangeAspect="1" noMove="1" noResize="1" noEditPoints="1" noAdjustHandles="1" noChangeArrowheads="1" noChangeShapeType="1" noTextEdit="1"/>
+                </p:cNvSpPr>
+                <p:nvPr/>
+              </p:nvSpPr>
+              <p:spPr>
+                <a:xfrm>
+                  <a:off x="7088773" y="1891343"/>
+                  <a:ext cx="1008112" cy="771441"/>
+                </a:xfrm>
+                <a:prstGeom prst="rect">
+                  <a:avLst/>
+                </a:prstGeom>
+                <a:blipFill rotWithShape="1">
+                  <a:blip r:embed="rId3"/>
+                  <a:stretch>
+                    <a:fillRect/>
+                  </a:stretch>
+                </a:blipFill>
+              </p:spPr>
+              <p:txBody>
+                <a:bodyPr/>
+                <a:lstStyle/>
+                <a:p>
+                  <a:r>
+                    <a:rPr lang="nl-NL">
+                      <a:noFill/>
+                    </a:rPr>
+                    <a:t> </a:t>
+                  </a:r>
+                </a:p>
+              </p:txBody>
+            </p:sp>
+          </mc:Fallback>
+        </mc:AlternateContent>
+        <p:sp>
+          <p:nvSpPr>
+            <p:cNvPr id="13" name="Arc 12"/>
+            <p:cNvSpPr/>
+            <p:nvPr/>
+          </p:nvSpPr>
+          <p:spPr>
+            <a:xfrm rot="8625074">
+              <a:off x="5503105" y="1544989"/>
+              <a:ext cx="1692193" cy="1733216"/>
+            </a:xfrm>
+            <a:prstGeom prst="arc">
+              <a:avLst>
+                <a:gd name="adj1" fmla="val 15979129"/>
+                <a:gd name="adj2" fmla="val 20016766"/>
+              </a:avLst>
+            </a:prstGeom>
+            <a:ln w="53975" cmpd="sng">
+              <a:headEnd type="triangle" w="lg" len="lg"/>
+              <a:tailEnd type="none" w="lg" len="lg"/>
+            </a:ln>
+          </p:spPr>
+          <p:style>
+            <a:lnRef idx="3">
+              <a:schemeClr val="dk1"/>
+            </a:lnRef>
+            <a:fillRef idx="0">
+              <a:schemeClr val="dk1"/>
+            </a:fillRef>
+            <a:effectRef idx="2">
+              <a:schemeClr val="dk1"/>
+            </a:effectRef>
+            <a:fontRef idx="minor">
+              <a:schemeClr val="tx1"/>
+            </a:fontRef>
+          </p:style>
+          <p:txBody>
+            <a:bodyPr rtlCol="0" anchor="ctr"/>
+            <a:lstStyle/>
+            <a:p>
+              <a:pPr algn="ctr"/>
+              <a:endParaRPr lang="nl-NL"/>
+            </a:p>
+          </p:txBody>
+        </p:sp>
+        <mc:AlternateContent xmlns:mc="http://schemas.openxmlformats.org/markup-compatibility/2006">
+          <mc:Choice xmlns:a14="http://schemas.microsoft.com/office/drawing/2010/main" Requires="a14">
+            <p:sp>
+              <p:nvSpPr>
+                <p:cNvPr id="14" name="TextBox 13"/>
+                <p:cNvSpPr txBox="1"/>
+                <p:nvPr/>
+              </p:nvSpPr>
+              <p:spPr>
+                <a:xfrm>
+                  <a:off x="5087833" y="2562513"/>
+                  <a:ext cx="1008112" cy="771441"/>
+                </a:xfrm>
+                <a:prstGeom prst="rect">
+                  <a:avLst/>
+                </a:prstGeom>
+                <a:noFill/>
+              </p:spPr>
+              <p:txBody>
+                <a:bodyPr wrap="square" rtlCol="0">
+                  <a:spAutoFit/>
+                </a:bodyPr>
+                <a:lstStyle/>
+                <a:p>
+                  <a:pPr/>
+                  <a14:m>
+                    <m:oMathPara xmlns:m="http://schemas.openxmlformats.org/officeDocument/2006/math">
+                      <m:oMathParaPr>
+                        <m:jc m:val="centerGroup"/>
+                      </m:oMathParaPr>
+                      <m:oMath xmlns:m="http://schemas.openxmlformats.org/officeDocument/2006/math">
+                        <m:sSub>
+                          <m:sSubPr>
+                            <m:ctrlPr>
+                              <a:rPr lang="nl-NL" sz="6600" b="0" i="1" smtClean="0">
+                                <a:latin typeface="Cambria Math"/>
+                              </a:rPr>
+                            </m:ctrlPr>
+                          </m:sSubPr>
+                          <m:e>
+                            <m:r>
+                              <a:rPr lang="nl-NL" sz="6600" b="0" i="1" smtClean="0">
+                                <a:latin typeface="Cambria Math"/>
+                              </a:rPr>
+                              <m:t>𝜙</m:t>
+                            </m:r>
+                          </m:e>
+                          <m:sub>
+                            <m:r>
+                              <a:rPr lang="nl-NL" sz="6600" b="0" i="1" smtClean="0">
+                                <a:latin typeface="Cambria Math"/>
+                              </a:rPr>
+                              <m:t>𝐿</m:t>
+                            </m:r>
+                          </m:sub>
+                        </m:sSub>
+                      </m:oMath>
+                    </m:oMathPara>
+                  </a14:m>
+                  <a:endParaRPr lang="nl-NL" sz="6600" b="0" dirty="0" smtClean="0"/>
+                </a:p>
+              </p:txBody>
+            </p:sp>
+          </mc:Choice>
+          <mc:Fallback>
+            <p:sp>
+              <p:nvSpPr>
+                <p:cNvPr id="14" name="TextBox 13"/>
+                <p:cNvSpPr txBox="1">
+                  <a:spLocks noRot="1" noChangeAspect="1" noMove="1" noResize="1" noEditPoints="1" noAdjustHandles="1" noChangeArrowheads="1" noChangeShapeType="1" noTextEdit="1"/>
+                </p:cNvSpPr>
+                <p:nvPr/>
+              </p:nvSpPr>
+              <p:spPr>
+                <a:xfrm>
+                  <a:off x="5087833" y="2562513"/>
+                  <a:ext cx="1008112" cy="771441"/>
+                </a:xfrm>
+                <a:prstGeom prst="rect">
+                  <a:avLst/>
+                </a:prstGeom>
+                <a:blipFill rotWithShape="1">
+                  <a:blip r:embed="rId4"/>
+                  <a:stretch>
+                    <a:fillRect/>
+                  </a:stretch>
+                </a:blipFill>
+              </p:spPr>
+              <p:txBody>
+                <a:bodyPr/>
+                <a:lstStyle/>
+                <a:p>
+                  <a:r>
+                    <a:rPr lang="nl-NL">
+                      <a:noFill/>
+                    </a:rPr>
+                    <a:t> </a:t>
+                  </a:r>
+                </a:p>
+              </p:txBody>
+            </p:sp>
+          </mc:Fallback>
+        </mc:AlternateContent>
+        <p:sp>
+          <p:nvSpPr>
+            <p:cNvPr id="15" name="Oval 14"/>
+            <p:cNvSpPr/>
+            <p:nvPr/>
+          </p:nvSpPr>
+          <p:spPr>
+            <a:xfrm flipH="1">
+              <a:off x="6336052" y="1458963"/>
+              <a:ext cx="144016" cy="105611"/>
+            </a:xfrm>
+            <a:prstGeom prst="ellipse">
+              <a:avLst/>
+            </a:prstGeom>
+          </p:spPr>
+          <p:style>
+            <a:lnRef idx="1">
+              <a:schemeClr val="dk1"/>
+            </a:lnRef>
+            <a:fillRef idx="3">
+              <a:schemeClr val="dk1"/>
+            </a:fillRef>
+            <a:effectRef idx="2">
+              <a:schemeClr val="dk1"/>
+            </a:effectRef>
+            <a:fontRef idx="minor">
+              <a:schemeClr val="lt1"/>
+            </a:fontRef>
+          </p:style>
+          <p:txBody>
+            <a:bodyPr rtlCol="0" anchor="ctr"/>
+            <a:lstStyle/>
+            <a:p>
+              <a:pPr algn="ctr"/>
+              <a:endParaRPr lang="nl-NL"/>
+            </a:p>
+          </p:txBody>
+        </p:sp>
       </p:grpSp>
-      <p:cxnSp>
-        <p:nvCxnSpPr>
-          <p:cNvPr id="18" name="Straight Arrow Connector 17"/>
-          <p:cNvCxnSpPr>
-            <a:endCxn id="5" idx="1"/>
-          </p:cNvCxnSpPr>
+      <p:sp>
+        <p:nvSpPr>
+          <p:cNvPr id="17" name="Oval 16"/>
+          <p:cNvSpPr/>
           <p:nvPr/>
-        </p:nvCxnSpPr>
-        <p:spPr>
-          <a:xfrm flipV="1">
-            <a:off x="395536" y="4235896"/>
-            <a:ext cx="648072" cy="369332"/>
-          </a:xfrm>
-          <a:prstGeom prst="straightConnector1">
+        </p:nvSpPr>
+        <p:spPr>
+          <a:xfrm flipH="1">
+            <a:off x="5081859" y="5190137"/>
+            <a:ext cx="493444" cy="444956"/>
+          </a:xfrm>
+          <a:prstGeom prst="ellipse">
             <a:avLst/>
           </a:prstGeom>
-          <a:ln>
-            <a:tailEnd type="arrow"/>
-          </a:ln>
-          <a:effectLst/>
         </p:spPr>
         <p:style>
-          <a:lnRef idx="3">
+          <a:lnRef idx="1">
             <a:schemeClr val="dk1"/>
           </a:lnRef>
-          <a:fillRef idx="0">
+          <a:fillRef idx="3">
             <a:schemeClr val="dk1"/>
           </a:fillRef>
           <a:effectRef idx="2">
             <a:schemeClr val="dk1"/>
           </a:effectRef>
           <a:fontRef idx="minor">
-            <a:schemeClr val="tx1"/>
+            <a:schemeClr val="lt1"/>
           </a:fontRef>
         </p:style>
-      </p:cxnSp>
-      <p:cxnSp>
-        <p:nvCxnSpPr>
-          <p:cNvPr id="23" name="Straight Arrow Connector 22"/>
-          <p:cNvCxnSpPr>
-            <a:stCxn id="2" idx="3"/>
-          </p:cNvCxnSpPr>
-          <p:nvPr/>
-        </p:nvCxnSpPr>
-        <p:spPr>
-          <a:xfrm>
-            <a:off x="8134536" y="4420562"/>
-            <a:ext cx="901960" cy="0"/>
-          </a:xfrm>
-          <a:prstGeom prst="straightConnector1">
-            <a:avLst/>
-          </a:prstGeom>
-          <a:ln>
-            <a:tailEnd type="arrow"/>
-          </a:ln>
-          <a:effectLst/>
-        </p:spPr>
-        <p:style>
-          <a:lnRef idx="3">
-            <a:schemeClr val="dk1"/>
-          </a:lnRef>
-          <a:fillRef idx="0">
-            <a:schemeClr val="dk1"/>
-          </a:fillRef>
-          <a:effectRef idx="2">
-            <a:schemeClr val="dk1"/>
-          </a:effectRef>
-          <a:fontRef idx="minor">
-            <a:schemeClr val="tx1"/>
-          </a:fontRef>
-        </p:style>
-      </p:cxnSp>
-      <p:cxnSp>
-        <p:nvCxnSpPr>
-          <p:cNvPr id="28" name="Straight Connector 27"/>
-          <p:cNvCxnSpPr/>
-          <p:nvPr/>
-        </p:nvCxnSpPr>
-        <p:spPr>
-          <a:xfrm>
-            <a:off x="8278552" y="4437112"/>
-            <a:ext cx="3722" cy="1224160"/>
-          </a:xfrm>
-          <a:prstGeom prst="line">
-            <a:avLst/>
-          </a:prstGeom>
-          <a:effectLst/>
-        </p:spPr>
-        <p:style>
-          <a:lnRef idx="3">
-            <a:schemeClr val="dk1"/>
-          </a:lnRef>
-          <a:fillRef idx="0">
-            <a:schemeClr val="dk1"/>
-          </a:fillRef>
-          <a:effectRef idx="2">
-            <a:schemeClr val="dk1"/>
-          </a:effectRef>
-          <a:fontRef idx="minor">
-            <a:schemeClr val="tx1"/>
-          </a:fontRef>
-        </p:style>
-      </p:cxnSp>
-      <p:cxnSp>
-        <p:nvCxnSpPr>
-          <p:cNvPr id="31" name="Straight Connector 30"/>
-          <p:cNvCxnSpPr/>
-          <p:nvPr/>
-        </p:nvCxnSpPr>
-        <p:spPr>
-          <a:xfrm>
-            <a:off x="8441500" y="4437112"/>
-            <a:ext cx="0" cy="1440160"/>
-          </a:xfrm>
-          <a:prstGeom prst="line">
-            <a:avLst/>
-          </a:prstGeom>
-          <a:effectLst/>
-        </p:spPr>
-        <p:style>
-          <a:lnRef idx="3">
-            <a:schemeClr val="dk1"/>
-          </a:lnRef>
-          <a:fillRef idx="0">
-            <a:schemeClr val="dk1"/>
-          </a:fillRef>
-          <a:effectRef idx="2">
-            <a:schemeClr val="dk1"/>
-          </a:effectRef>
-          <a:fontRef idx="minor">
-            <a:schemeClr val="tx1"/>
-          </a:fontRef>
-        </p:style>
-      </p:cxnSp>
-      <p:cxnSp>
-        <p:nvCxnSpPr>
-          <p:cNvPr id="32" name="Straight Connector 31"/>
-          <p:cNvCxnSpPr/>
-          <p:nvPr/>
-        </p:nvCxnSpPr>
-        <p:spPr>
-          <a:xfrm>
-            <a:off x="8604448" y="4437112"/>
-            <a:ext cx="0" cy="1656184"/>
-          </a:xfrm>
-          <a:prstGeom prst="line">
-            <a:avLst/>
-          </a:prstGeom>
-          <a:effectLst/>
-        </p:spPr>
-        <p:style>
-          <a:lnRef idx="3">
-            <a:schemeClr val="dk1"/>
-          </a:lnRef>
-          <a:fillRef idx="0">
-            <a:schemeClr val="dk1"/>
-          </a:fillRef>
-          <a:effectRef idx="2">
-            <a:schemeClr val="dk1"/>
-          </a:effectRef>
-          <a:fontRef idx="minor">
-            <a:schemeClr val="tx1"/>
-          </a:fontRef>
-        </p:style>
-      </p:cxnSp>
-      <p:cxnSp>
-        <p:nvCxnSpPr>
-          <p:cNvPr id="35" name="Straight Connector 34"/>
-          <p:cNvCxnSpPr/>
-          <p:nvPr/>
-        </p:nvCxnSpPr>
-        <p:spPr>
-          <a:xfrm>
-            <a:off x="3694908" y="5877272"/>
-            <a:ext cx="4746592" cy="0"/>
-          </a:xfrm>
-          <a:prstGeom prst="line">
-            <a:avLst/>
-          </a:prstGeom>
-          <a:effectLst/>
-        </p:spPr>
-        <p:style>
-          <a:lnRef idx="3">
-            <a:schemeClr val="dk1"/>
-          </a:lnRef>
-          <a:fillRef idx="0">
-            <a:schemeClr val="dk1"/>
-          </a:fillRef>
-          <a:effectRef idx="2">
-            <a:schemeClr val="dk1"/>
-          </a:effectRef>
-          <a:fontRef idx="minor">
-            <a:schemeClr val="tx1"/>
-          </a:fontRef>
-        </p:style>
-      </p:cxnSp>
-      <p:cxnSp>
-        <p:nvCxnSpPr>
-          <p:cNvPr id="36" name="Straight Connector 35"/>
-          <p:cNvCxnSpPr/>
-          <p:nvPr/>
-        </p:nvCxnSpPr>
-        <p:spPr>
-          <a:xfrm flipV="1">
-            <a:off x="1799692" y="6093297"/>
-            <a:ext cx="6804756" cy="11718"/>
-          </a:xfrm>
-          <a:prstGeom prst="line">
-            <a:avLst/>
-          </a:prstGeom>
-          <a:effectLst/>
-        </p:spPr>
-        <p:style>
-          <a:lnRef idx="3">
-            <a:schemeClr val="dk1"/>
-          </a:lnRef>
-          <a:fillRef idx="0">
-            <a:schemeClr val="dk1"/>
-          </a:fillRef>
-          <a:effectRef idx="2">
-            <a:schemeClr val="dk1"/>
-          </a:effectRef>
-          <a:fontRef idx="minor">
-            <a:schemeClr val="tx1"/>
-          </a:fontRef>
-        </p:style>
-      </p:cxnSp>
-      <p:cxnSp>
-        <p:nvCxnSpPr>
-          <p:cNvPr id="37" name="Straight Connector 36"/>
-          <p:cNvCxnSpPr/>
-          <p:nvPr/>
-        </p:nvCxnSpPr>
-        <p:spPr>
-          <a:xfrm>
-            <a:off x="5546657" y="5661272"/>
-            <a:ext cx="2735617" cy="0"/>
-          </a:xfrm>
-          <a:prstGeom prst="line">
-            <a:avLst/>
-          </a:prstGeom>
-          <a:effectLst/>
-        </p:spPr>
-        <p:style>
-          <a:lnRef idx="3">
-            <a:schemeClr val="dk1"/>
-          </a:lnRef>
-          <a:fillRef idx="0">
-            <a:schemeClr val="dk1"/>
-          </a:fillRef>
-          <a:effectRef idx="2">
-            <a:schemeClr val="dk1"/>
-          </a:effectRef>
-          <a:fontRef idx="minor">
-            <a:schemeClr val="tx1"/>
-          </a:fontRef>
-        </p:style>
-      </p:cxnSp>
-      <p:cxnSp>
-        <p:nvCxnSpPr>
-          <p:cNvPr id="43" name="Straight Arrow Connector 42"/>
-          <p:cNvCxnSpPr>
-            <a:endCxn id="5" idx="2"/>
-          </p:cNvCxnSpPr>
-          <p:nvPr/>
-        </p:nvCxnSpPr>
-        <p:spPr>
-          <a:xfrm flipH="1" flipV="1">
-            <a:off x="1799692" y="4466728"/>
-            <a:ext cx="5684" cy="1626568"/>
-          </a:xfrm>
-          <a:prstGeom prst="straightConnector1">
-            <a:avLst/>
-          </a:prstGeom>
-          <a:ln>
-            <a:tailEnd type="arrow"/>
-          </a:ln>
-          <a:effectLst/>
-        </p:spPr>
-        <p:style>
-          <a:lnRef idx="3">
-            <a:schemeClr val="dk1"/>
-          </a:lnRef>
-          <a:fillRef idx="0">
-            <a:schemeClr val="dk1"/>
-          </a:fillRef>
-          <a:effectRef idx="2">
-            <a:schemeClr val="dk1"/>
-          </a:effectRef>
-          <a:fontRef idx="minor">
-            <a:schemeClr val="tx1"/>
-          </a:fontRef>
-        </p:style>
-      </p:cxnSp>
-      <p:cxnSp>
-        <p:nvCxnSpPr>
-          <p:cNvPr id="44" name="Straight Arrow Connector 43"/>
-          <p:cNvCxnSpPr>
-            <a:endCxn id="4" idx="2"/>
-          </p:cNvCxnSpPr>
-          <p:nvPr/>
-        </p:nvCxnSpPr>
-        <p:spPr>
-          <a:xfrm flipV="1">
-            <a:off x="3694908" y="4466728"/>
-            <a:ext cx="0" cy="1410544"/>
-          </a:xfrm>
-          <a:prstGeom prst="straightConnector1">
-            <a:avLst/>
-          </a:prstGeom>
-          <a:ln>
-            <a:tailEnd type="arrow"/>
-          </a:ln>
-          <a:effectLst/>
-        </p:spPr>
-        <p:style>
-          <a:lnRef idx="3">
-            <a:schemeClr val="dk1"/>
-          </a:lnRef>
-          <a:fillRef idx="0">
-            <a:schemeClr val="dk1"/>
-          </a:fillRef>
-          <a:effectRef idx="2">
-            <a:schemeClr val="dk1"/>
-          </a:effectRef>
-          <a:fontRef idx="minor">
-            <a:schemeClr val="tx1"/>
-          </a:fontRef>
-        </p:style>
-      </p:cxnSp>
-      <p:cxnSp>
-        <p:nvCxnSpPr>
-          <p:cNvPr id="45" name="Straight Arrow Connector 44"/>
-          <p:cNvCxnSpPr>
-            <a:endCxn id="3" idx="2"/>
-          </p:cNvCxnSpPr>
-          <p:nvPr/>
-        </p:nvCxnSpPr>
-        <p:spPr>
-          <a:xfrm flipV="1">
-            <a:off x="5546657" y="5205392"/>
-            <a:ext cx="0" cy="443952"/>
-          </a:xfrm>
-          <a:prstGeom prst="straightConnector1">
-            <a:avLst/>
-          </a:prstGeom>
-          <a:ln>
-            <a:tailEnd type="arrow"/>
-          </a:ln>
-          <a:effectLst/>
-        </p:spPr>
-        <p:style>
-          <a:lnRef idx="3">
-            <a:schemeClr val="dk1"/>
-          </a:lnRef>
-          <a:fillRef idx="0">
-            <a:schemeClr val="dk1"/>
-          </a:fillRef>
-          <a:effectRef idx="2">
-            <a:schemeClr val="dk1"/>
-          </a:effectRef>
-          <a:fontRef idx="minor">
-            <a:schemeClr val="tx1"/>
-          </a:fontRef>
-        </p:style>
-      </p:cxnSp>
-      <mc:AlternateContent xmlns:mc="http://schemas.openxmlformats.org/markup-compatibility/2006" xmlns:a14="http://schemas.microsoft.com/office/drawing/2010/main">
-        <mc:Choice Requires="a14">
+        <p:txBody>
+          <a:bodyPr rtlCol="0" anchor="ctr"/>
+          <a:lstStyle/>
+          <a:p>
+            <a:pPr algn="ctr"/>
+            <a:endParaRPr lang="nl-NL"/>
+          </a:p>
+        </p:txBody>
+      </p:sp>
+      <mc:AlternateContent xmlns:mc="http://schemas.openxmlformats.org/markup-compatibility/2006">
+        <mc:Choice xmlns:a14="http://schemas.microsoft.com/office/drawing/2010/main" Requires="a14">
           <p:sp>
             <p:nvSpPr>
-              <p:cNvPr id="55" name="TextBox 54"/>
+              <p:cNvPr id="18" name="TextBox 17"/>
               <p:cNvSpPr txBox="1"/>
               <p:nvPr/>
             </p:nvSpPr>
             <p:spPr>
               <a:xfrm>
-                <a:off x="2339752" y="6105015"/>
-                <a:ext cx="4464496" cy="553613"/>
+                <a:off x="2447764" y="2716083"/>
+                <a:ext cx="1316098" cy="830997"/>
               </a:xfrm>
               <a:prstGeom prst="rect">
                 <a:avLst/>
@@ -17204,165 +17301,50 @@
               </a:bodyPr>
               <a:lstStyle/>
               <a:p>
-                <a:r>
-                  <a:rPr lang="nl-NL" sz="2800" b="0" dirty="0" smtClean="0"/>
-                  <a:t>Feedback: </a:t>
-                </a:r>
+                <a:pPr/>
                 <a14:m>
-                  <m:oMath xmlns:m="http://schemas.openxmlformats.org/officeDocument/2006/math">
-                    <m:sSub>
-                      <m:sSubPr>
-                        <m:ctrlPr>
-                          <a:rPr lang="nl-NL" sz="2800" b="0" i="1" smtClean="0">
-                            <a:latin typeface="Cambria Math"/>
-                          </a:rPr>
-                        </m:ctrlPr>
-                      </m:sSubPr>
-                      <m:e>
-                        <m:r>
-                          <a:rPr lang="nl-NL" sz="2800" b="0" i="1" smtClean="0">
-                            <a:latin typeface="Cambria Math"/>
-                          </a:rPr>
-                          <m:t>𝑥</m:t>
-                        </m:r>
-                      </m:e>
-                      <m:sub>
-                        <m:r>
-                          <a:rPr lang="nl-NL" sz="2800" b="0" i="1" smtClean="0">
-                            <a:latin typeface="Cambria Math"/>
-                          </a:rPr>
-                          <m:t>𝑄</m:t>
-                        </m:r>
-                      </m:sub>
-                    </m:sSub>
-                    <m:r>
-                      <a:rPr lang="nl-NL" sz="2800" b="0" i="1" smtClean="0">
-                        <a:latin typeface="Cambria Math"/>
-                      </a:rPr>
-                      <m:t>, </m:t>
-                    </m:r>
-                    <m:sSub>
-                      <m:sSubPr>
-                        <m:ctrlPr>
-                          <a:rPr lang="nl-NL" sz="2800" b="0" i="1" smtClean="0">
-                            <a:latin typeface="Cambria Math"/>
-                          </a:rPr>
-                        </m:ctrlPr>
-                      </m:sSubPr>
-                      <m:e>
-                        <m:r>
-                          <a:rPr lang="nl-NL" sz="2800" b="0" i="1" smtClean="0">
-                            <a:latin typeface="Cambria Math"/>
-                          </a:rPr>
-                          <m:t>𝑣</m:t>
-                        </m:r>
-                      </m:e>
-                      <m:sub>
-                        <m:r>
-                          <a:rPr lang="nl-NL" sz="2800" b="0" i="1" smtClean="0">
-                            <a:latin typeface="Cambria Math"/>
-                          </a:rPr>
-                          <m:t>𝑄</m:t>
-                        </m:r>
-                      </m:sub>
-                    </m:sSub>
-                    <m:r>
-                      <a:rPr lang="nl-NL" sz="2800" b="0" i="1" smtClean="0">
-                        <a:latin typeface="Cambria Math"/>
-                      </a:rPr>
-                      <m:t>, </m:t>
-                    </m:r>
-                    <m:sSub>
-                      <m:sSubPr>
-                        <m:ctrlPr>
-                          <a:rPr lang="nl-NL" sz="2800" b="0" i="1" smtClean="0">
-                            <a:latin typeface="Cambria Math"/>
-                          </a:rPr>
-                        </m:ctrlPr>
-                      </m:sSubPr>
-                      <m:e>
-                        <m:r>
-                          <a:rPr lang="nl-NL" sz="2800" b="0" i="1" smtClean="0">
-                            <a:latin typeface="Cambria Math"/>
-                          </a:rPr>
-                          <m:t>𝑥</m:t>
-                        </m:r>
-                      </m:e>
-                      <m:sub>
-                        <m:r>
-                          <a:rPr lang="nl-NL" sz="2800" b="0" i="1" smtClean="0">
-                            <a:latin typeface="Cambria Math"/>
-                          </a:rPr>
-                          <m:t>𝐿</m:t>
-                        </m:r>
-                      </m:sub>
-                    </m:sSub>
-                    <m:r>
-                      <a:rPr lang="nl-NL" sz="2800" b="0" i="1" smtClean="0">
-                        <a:latin typeface="Cambria Math"/>
-                      </a:rPr>
-                      <m:t>, </m:t>
-                    </m:r>
-                    <m:sSub>
-                      <m:sSubPr>
-                        <m:ctrlPr>
-                          <a:rPr lang="nl-NL" sz="2800" b="0" i="1" smtClean="0">
-                            <a:latin typeface="Cambria Math"/>
-                          </a:rPr>
-                        </m:ctrlPr>
-                      </m:sSubPr>
-                      <m:e>
-                        <m:r>
-                          <a:rPr lang="nl-NL" sz="2800" b="0" i="1" smtClean="0">
-                            <a:latin typeface="Cambria Math"/>
-                          </a:rPr>
-                          <m:t>𝑣</m:t>
-                        </m:r>
-                      </m:e>
-                      <m:sub>
-                        <m:r>
-                          <a:rPr lang="nl-NL" sz="2800" b="0" i="1" smtClean="0">
-                            <a:latin typeface="Cambria Math"/>
-                          </a:rPr>
-                          <m:t>𝐿</m:t>
-                        </m:r>
-                      </m:sub>
-                    </m:sSub>
-                    <m:r>
-                      <a:rPr lang="nl-NL" sz="2800" b="0" i="1" smtClean="0">
-                        <a:latin typeface="Cambria Math"/>
-                      </a:rPr>
-                      <m:t>, </m:t>
-                    </m:r>
-                    <m:r>
-                      <a:rPr lang="nl-NL" sz="2800" b="0" i="1" smtClean="0">
-                        <a:latin typeface="Cambria Math"/>
-                      </a:rPr>
-                      <m:t>𝑞</m:t>
-                    </m:r>
-                    <m:r>
-                      <a:rPr lang="nl-NL" sz="2800" b="0" i="1" smtClean="0">
-                        <a:latin typeface="Cambria Math"/>
-                      </a:rPr>
-                      <m:t>, </m:t>
-                    </m:r>
-                    <m:r>
-                      <a:rPr lang="nl-NL" sz="2800" b="0" i="1" smtClean="0">
-                        <a:latin typeface="Cambria Math"/>
-                      </a:rPr>
-                      <m:t>𝑅</m:t>
-                    </m:r>
-                  </m:oMath>
+                  <m:oMathPara xmlns:m="http://schemas.openxmlformats.org/officeDocument/2006/math">
+                    <m:oMathParaPr>
+                      <m:jc m:val="centerGroup"/>
+                    </m:oMathParaPr>
+                    <m:oMath xmlns:m="http://schemas.openxmlformats.org/officeDocument/2006/math">
+                      <m:sSub>
+                        <m:sSubPr>
+                          <m:ctrlPr>
+                            <a:rPr lang="nl-NL" sz="4800" b="0" i="1" smtClean="0">
+                              <a:latin typeface="Cambria Math"/>
+                            </a:rPr>
+                          </m:ctrlPr>
+                        </m:sSubPr>
+                        <m:e>
+                          <m:r>
+                            <a:rPr lang="nl-NL" sz="4800" b="0" i="1" smtClean="0">
+                              <a:latin typeface="Cambria Math"/>
+                            </a:rPr>
+                            <m:t>𝑒</m:t>
+                          </m:r>
+                        </m:e>
+                        <m:sub>
+                          <m:r>
+                            <a:rPr lang="nl-NL" sz="4800" b="0" i="1" smtClean="0">
+                              <a:latin typeface="Cambria Math"/>
+                            </a:rPr>
+                            <m:t>1</m:t>
+                          </m:r>
+                        </m:sub>
+                      </m:sSub>
+                    </m:oMath>
+                  </m:oMathPara>
                 </a14:m>
-                <a:endParaRPr lang="nl-NL" sz="2800" dirty="0"/>
+                <a:endParaRPr lang="nl-NL" sz="4800" dirty="0"/>
               </a:p>
             </p:txBody>
           </p:sp>
         </mc:Choice>
-        <mc:Fallback xmlns="">
+        <mc:Fallback>
           <p:sp>
             <p:nvSpPr>
-              <p:cNvPr id="55" name="TextBox 54"/>
+              <p:cNvPr id="18" name="TextBox 17"/>
               <p:cNvSpPr txBox="1">
                 <a:spLocks noRot="1" noChangeAspect="1" noMove="1" noResize="1" noEditPoints="1" noAdjustHandles="1" noChangeArrowheads="1" noChangeShapeType="1" noTextEdit="1"/>
               </p:cNvSpPr>
@@ -17370,16 +17352,222 @@
             </p:nvSpPr>
             <p:spPr>
               <a:xfrm>
-                <a:off x="2339752" y="6105015"/>
-                <a:ext cx="4464496" cy="553613"/>
+                <a:off x="2447764" y="2716083"/>
+                <a:ext cx="1316098" cy="830997"/>
               </a:xfrm>
               <a:prstGeom prst="rect">
                 <a:avLst/>
               </a:prstGeom>
               <a:blipFill rotWithShape="1">
-                <a:blip r:embed="rId4"/>
+                <a:blip r:embed="rId5"/>
                 <a:stretch>
-                  <a:fillRect l="-2869" t="-9890" b="-25275"/>
+                  <a:fillRect/>
+                </a:stretch>
+              </a:blipFill>
+            </p:spPr>
+            <p:txBody>
+              <a:bodyPr/>
+              <a:lstStyle/>
+              <a:p>
+                <a:r>
+                  <a:rPr lang="nl-NL">
+                    <a:noFill/>
+                  </a:rPr>
+                  <a:t> </a:t>
+                </a:r>
+              </a:p>
+            </p:txBody>
+          </p:sp>
+        </mc:Fallback>
+      </mc:AlternateContent>
+      <mc:AlternateContent xmlns:mc="http://schemas.openxmlformats.org/markup-compatibility/2006">
+        <mc:Choice xmlns:a14="http://schemas.microsoft.com/office/drawing/2010/main" Requires="a14">
+          <p:sp>
+            <p:nvSpPr>
+              <p:cNvPr id="19" name="TextBox 18"/>
+              <p:cNvSpPr txBox="1"/>
+              <p:nvPr/>
+            </p:nvSpPr>
+            <p:spPr>
+              <a:xfrm>
+                <a:off x="5380138" y="1663525"/>
+                <a:ext cx="1316098" cy="830997"/>
+              </a:xfrm>
+              <a:prstGeom prst="rect">
+                <a:avLst/>
+              </a:prstGeom>
+              <a:noFill/>
+            </p:spPr>
+            <p:txBody>
+              <a:bodyPr wrap="square" rtlCol="0">
+                <a:spAutoFit/>
+              </a:bodyPr>
+              <a:lstStyle/>
+              <a:p>
+                <a:pPr/>
+                <a14:m>
+                  <m:oMathPara xmlns:m="http://schemas.openxmlformats.org/officeDocument/2006/math">
+                    <m:oMathParaPr>
+                      <m:jc m:val="centerGroup"/>
+                    </m:oMathParaPr>
+                    <m:oMath xmlns:m="http://schemas.openxmlformats.org/officeDocument/2006/math">
+                      <m:sSub>
+                        <m:sSubPr>
+                          <m:ctrlPr>
+                            <a:rPr lang="nl-NL" sz="4800" b="0" i="1" smtClean="0">
+                              <a:latin typeface="Cambria Math"/>
+                            </a:rPr>
+                          </m:ctrlPr>
+                        </m:sSubPr>
+                        <m:e>
+                          <m:r>
+                            <a:rPr lang="nl-NL" sz="4800" b="0" i="1" smtClean="0">
+                              <a:latin typeface="Cambria Math"/>
+                            </a:rPr>
+                            <m:t>𝑒</m:t>
+                          </m:r>
+                        </m:e>
+                        <m:sub>
+                          <m:r>
+                            <a:rPr lang="nl-NL" sz="4800" b="0" i="1" smtClean="0">
+                              <a:latin typeface="Cambria Math"/>
+                            </a:rPr>
+                            <m:t>2</m:t>
+                          </m:r>
+                        </m:sub>
+                      </m:sSub>
+                    </m:oMath>
+                  </m:oMathPara>
+                </a14:m>
+                <a:endParaRPr lang="nl-NL" sz="4800" dirty="0"/>
+              </a:p>
+            </p:txBody>
+          </p:sp>
+        </mc:Choice>
+        <mc:Fallback>
+          <p:sp>
+            <p:nvSpPr>
+              <p:cNvPr id="19" name="TextBox 18"/>
+              <p:cNvSpPr txBox="1">
+                <a:spLocks noRot="1" noChangeAspect="1" noMove="1" noResize="1" noEditPoints="1" noAdjustHandles="1" noChangeArrowheads="1" noChangeShapeType="1" noTextEdit="1"/>
+              </p:cNvSpPr>
+              <p:nvPr/>
+            </p:nvSpPr>
+            <p:spPr>
+              <a:xfrm>
+                <a:off x="5380138" y="1663525"/>
+                <a:ext cx="1316098" cy="830997"/>
+              </a:xfrm>
+              <a:prstGeom prst="rect">
+                <a:avLst/>
+              </a:prstGeom>
+              <a:blipFill rotWithShape="1">
+                <a:blip r:embed="rId6"/>
+                <a:stretch>
+                  <a:fillRect/>
+                </a:stretch>
+              </a:blipFill>
+            </p:spPr>
+            <p:txBody>
+              <a:bodyPr/>
+              <a:lstStyle/>
+              <a:p>
+                <a:r>
+                  <a:rPr lang="nl-NL">
+                    <a:noFill/>
+                  </a:rPr>
+                  <a:t> </a:t>
+                </a:r>
+              </a:p>
+            </p:txBody>
+          </p:sp>
+        </mc:Fallback>
+      </mc:AlternateContent>
+      <mc:AlternateContent xmlns:mc="http://schemas.openxmlformats.org/markup-compatibility/2006">
+        <mc:Choice xmlns:a14="http://schemas.microsoft.com/office/drawing/2010/main" Requires="a14">
+          <p:sp>
+            <p:nvSpPr>
+              <p:cNvPr id="20" name="TextBox 19"/>
+              <p:cNvSpPr txBox="1"/>
+              <p:nvPr/>
+            </p:nvSpPr>
+            <p:spPr>
+              <a:xfrm>
+                <a:off x="4259205" y="548680"/>
+                <a:ext cx="1316098" cy="830997"/>
+              </a:xfrm>
+              <a:prstGeom prst="rect">
+                <a:avLst/>
+              </a:prstGeom>
+              <a:noFill/>
+            </p:spPr>
+            <p:txBody>
+              <a:bodyPr wrap="square" rtlCol="0">
+                <a:spAutoFit/>
+              </a:bodyPr>
+              <a:lstStyle/>
+              <a:p>
+                <a:pPr/>
+                <a14:m>
+                  <m:oMathPara xmlns:m="http://schemas.openxmlformats.org/officeDocument/2006/math">
+                    <m:oMathParaPr>
+                      <m:jc m:val="centerGroup"/>
+                    </m:oMathParaPr>
+                    <m:oMath xmlns:m="http://schemas.openxmlformats.org/officeDocument/2006/math">
+                      <m:sSub>
+                        <m:sSubPr>
+                          <m:ctrlPr>
+                            <a:rPr lang="nl-NL" sz="4800" b="0" i="1" smtClean="0">
+                              <a:latin typeface="Cambria Math"/>
+                            </a:rPr>
+                          </m:ctrlPr>
+                        </m:sSubPr>
+                        <m:e>
+                          <m:r>
+                            <a:rPr lang="nl-NL" sz="4800" b="0" i="1" smtClean="0">
+                              <a:latin typeface="Cambria Math"/>
+                            </a:rPr>
+                            <m:t>𝑒</m:t>
+                          </m:r>
+                        </m:e>
+                        <m:sub>
+                          <m:r>
+                            <a:rPr lang="nl-NL" sz="4800" b="0" i="1" smtClean="0">
+                              <a:latin typeface="Cambria Math"/>
+                            </a:rPr>
+                            <m:t>3</m:t>
+                          </m:r>
+                        </m:sub>
+                      </m:sSub>
+                    </m:oMath>
+                  </m:oMathPara>
+                </a14:m>
+                <a:endParaRPr lang="nl-NL" sz="4800" dirty="0"/>
+              </a:p>
+            </p:txBody>
+          </p:sp>
+        </mc:Choice>
+        <mc:Fallback>
+          <p:sp>
+            <p:nvSpPr>
+              <p:cNvPr id="20" name="TextBox 19"/>
+              <p:cNvSpPr txBox="1">
+                <a:spLocks noRot="1" noChangeAspect="1" noMove="1" noResize="1" noEditPoints="1" noAdjustHandles="1" noChangeArrowheads="1" noChangeShapeType="1" noTextEdit="1"/>
+              </p:cNvSpPr>
+              <p:nvPr/>
+            </p:nvSpPr>
+            <p:spPr>
+              <a:xfrm>
+                <a:off x="4259205" y="548680"/>
+                <a:ext cx="1316098" cy="830997"/>
+              </a:xfrm>
+              <a:prstGeom prst="rect">
+                <a:avLst/>
+              </a:prstGeom>
+              <a:blipFill rotWithShape="1">
+                <a:blip r:embed="rId7"/>
+                <a:stretch>
+                  <a:fillRect/>
                 </a:stretch>
               </a:blipFill>
             </p:spPr>
@@ -17400,82 +17588,75 @@
       </mc:AlternateContent>
       <p:cxnSp>
         <p:nvCxnSpPr>
-          <p:cNvPr id="41" name="Straight Arrow Connector 40"/>
-          <p:cNvCxnSpPr>
-            <a:stCxn id="5" idx="3"/>
-            <a:endCxn id="4" idx="1"/>
-          </p:cNvCxnSpPr>
+          <p:cNvPr id="31" name="Straight Connector 30"/>
+          <p:cNvCxnSpPr/>
           <p:nvPr/>
         </p:nvCxnSpPr>
         <p:spPr>
-          <a:xfrm>
-            <a:off x="2555776" y="4235896"/>
-            <a:ext cx="400957" cy="0"/>
-          </a:xfrm>
-          <a:prstGeom prst="straightConnector1">
+          <a:xfrm flipH="1">
+            <a:off x="4440291" y="4624077"/>
+            <a:ext cx="1597896" cy="0"/>
+          </a:xfrm>
+          <a:prstGeom prst="line">
             <a:avLst/>
           </a:prstGeom>
           <a:ln>
-            <a:tailEnd type="arrow"/>
+            <a:prstDash val="sysDot"/>
           </a:ln>
-          <a:effectLst/>
         </p:spPr>
         <p:style>
           <a:lnRef idx="3">
-            <a:schemeClr val="dk1"/>
+            <a:schemeClr val="accent1"/>
           </a:lnRef>
           <a:fillRef idx="0">
-            <a:schemeClr val="dk1"/>
+            <a:schemeClr val="accent1"/>
           </a:fillRef>
           <a:effectRef idx="2">
-            <a:schemeClr val="dk1"/>
+            <a:schemeClr val="accent1"/>
           </a:effectRef>
           <a:fontRef idx="minor">
             <a:schemeClr val="tx1"/>
           </a:fontRef>
         </p:style>
       </p:cxnSp>
-      <p:cxnSp>
-        <p:nvCxnSpPr>
-          <p:cNvPr id="46" name="Straight Arrow Connector 45"/>
-          <p:cNvCxnSpPr>
-            <a:stCxn id="4" idx="3"/>
-            <a:endCxn id="3" idx="1"/>
-          </p:cNvCxnSpPr>
-          <p:nvPr/>
-        </p:nvCxnSpPr>
+      <p:pic>
+        <p:nvPicPr>
+          <p:cNvPr id="36" name="Picture 35"/>
+          <p:cNvPicPr>
+            <a:picLocks noChangeAspect="1"/>
+          </p:cNvPicPr>
+          <p:nvPr>
+            <p:custDataLst>
+              <p:tags r:id="rId1"/>
+            </p:custDataLst>
+          </p:nvPr>
+        </p:nvPicPr>
+        <p:blipFill>
+          <a:blip r:embed="rId8">
+            <a:extLst>
+              <a:ext uri="{28A0092B-C50C-407E-A947-70E740481C1C}">
+                <a14:useLocalDpi xmlns:a14="http://schemas.microsoft.com/office/drawing/2010/main" val="0"/>
+              </a:ext>
+            </a:extLst>
+          </a:blip>
+          <a:stretch>
+            <a:fillRect/>
+          </a:stretch>
+        </p:blipFill>
         <p:spPr>
           <a:xfrm>
-            <a:off x="4433083" y="4235896"/>
-            <a:ext cx="400957" cy="369332"/>
-          </a:xfrm>
-          <a:prstGeom prst="straightConnector1">
+            <a:off x="3230598" y="1994495"/>
+            <a:ext cx="1066527" cy="719381"/>
+          </a:xfrm>
+          <a:prstGeom prst="rect">
             <a:avLst/>
           </a:prstGeom>
-          <a:ln>
-            <a:tailEnd type="arrow"/>
-          </a:ln>
-          <a:effectLst/>
-        </p:spPr>
-        <p:style>
-          <a:lnRef idx="3">
-            <a:schemeClr val="dk1"/>
-          </a:lnRef>
-          <a:fillRef idx="0">
-            <a:schemeClr val="dk1"/>
-          </a:fillRef>
-          <a:effectRef idx="2">
-            <a:schemeClr val="dk1"/>
-          </a:effectRef>
-          <a:fontRef idx="minor">
-            <a:schemeClr val="tx1"/>
-          </a:fontRef>
-        </p:style>
-      </p:cxnSp>
+        </p:spPr>
+      </p:pic>
     </p:spTree>
     <p:extLst>
       <p:ext uri="{BB962C8B-B14F-4D97-AF65-F5344CB8AC3E}">
-        <p14:creationId xmlns:p14="http://schemas.microsoft.com/office/powerpoint/2010/main" val="2226397651"/>
+        <p14:creationId xmlns:p14="http://schemas.microsoft.com/office/powerpoint/2010/main" val="1385363812"/>
       </p:ext>
     </p:extLst>
   </p:cSld>
@@ -18683,6 +18864,2867 @@
 </file>
 
 <file path=ppt/slides/slide30.xml><?xml version="1.0" encoding="utf-8"?>
+<p:sld xmlns:a="http://schemas.openxmlformats.org/drawingml/2006/main" xmlns:r="http://schemas.openxmlformats.org/officeDocument/2006/relationships" xmlns:p="http://schemas.openxmlformats.org/presentationml/2006/main">
+  <p:cSld>
+    <p:spTree>
+      <p:nvGrpSpPr>
+        <p:cNvPr id="1" name=""/>
+        <p:cNvGrpSpPr/>
+        <p:nvPr/>
+      </p:nvGrpSpPr>
+      <p:grpSpPr>
+        <a:xfrm>
+          <a:off x="0" y="0"/>
+          <a:ext cx="0" cy="0"/>
+          <a:chOff x="0" y="0"/>
+          <a:chExt cx="0" cy="0"/>
+        </a:xfrm>
+      </p:grpSpPr>
+      <p:cxnSp>
+        <p:nvCxnSpPr>
+          <p:cNvPr id="4" name="Straight Arrow Connector 3"/>
+          <p:cNvCxnSpPr/>
+          <p:nvPr/>
+        </p:nvCxnSpPr>
+        <p:spPr>
+          <a:xfrm>
+            <a:off x="4573062" y="4488769"/>
+            <a:ext cx="1786133" cy="0"/>
+          </a:xfrm>
+          <a:prstGeom prst="straightConnector1">
+            <a:avLst/>
+          </a:prstGeom>
+          <a:ln>
+            <a:tailEnd type="arrow"/>
+          </a:ln>
+        </p:spPr>
+        <p:style>
+          <a:lnRef idx="3">
+            <a:schemeClr val="dk1"/>
+          </a:lnRef>
+          <a:fillRef idx="0">
+            <a:schemeClr val="dk1"/>
+          </a:fillRef>
+          <a:effectRef idx="2">
+            <a:schemeClr val="dk1"/>
+          </a:effectRef>
+          <a:fontRef idx="minor">
+            <a:schemeClr val="tx1"/>
+          </a:fontRef>
+        </p:style>
+      </p:cxnSp>
+      <p:cxnSp>
+        <p:nvCxnSpPr>
+          <p:cNvPr id="5" name="Straight Arrow Connector 4"/>
+          <p:cNvCxnSpPr/>
+          <p:nvPr/>
+        </p:nvCxnSpPr>
+        <p:spPr>
+          <a:xfrm flipV="1">
+            <a:off x="4526432" y="2470726"/>
+            <a:ext cx="0" cy="2026615"/>
+          </a:xfrm>
+          <a:prstGeom prst="straightConnector1">
+            <a:avLst/>
+          </a:prstGeom>
+          <a:ln>
+            <a:tailEnd type="arrow"/>
+          </a:ln>
+        </p:spPr>
+        <p:style>
+          <a:lnRef idx="3">
+            <a:schemeClr val="dk1"/>
+          </a:lnRef>
+          <a:fillRef idx="0">
+            <a:schemeClr val="dk1"/>
+          </a:fillRef>
+          <a:effectRef idx="2">
+            <a:schemeClr val="dk1"/>
+          </a:effectRef>
+          <a:fontRef idx="minor">
+            <a:schemeClr val="tx1"/>
+          </a:fontRef>
+        </p:style>
+      </p:cxnSp>
+      <p:cxnSp>
+        <p:nvCxnSpPr>
+          <p:cNvPr id="6" name="Straight Arrow Connector 5"/>
+          <p:cNvCxnSpPr/>
+          <p:nvPr/>
+        </p:nvCxnSpPr>
+        <p:spPr>
+          <a:xfrm flipH="1">
+            <a:off x="3387298" y="4474516"/>
+            <a:ext cx="1169799" cy="1260188"/>
+          </a:xfrm>
+          <a:prstGeom prst="straightConnector1">
+            <a:avLst/>
+          </a:prstGeom>
+          <a:ln>
+            <a:tailEnd type="arrow"/>
+          </a:ln>
+        </p:spPr>
+        <p:style>
+          <a:lnRef idx="3">
+            <a:schemeClr val="dk1"/>
+          </a:lnRef>
+          <a:fillRef idx="0">
+            <a:schemeClr val="dk1"/>
+          </a:fillRef>
+          <a:effectRef idx="2">
+            <a:schemeClr val="dk1"/>
+          </a:effectRef>
+          <a:fontRef idx="minor">
+            <a:schemeClr val="tx1"/>
+          </a:fontRef>
+        </p:style>
+      </p:cxnSp>
+      <mc:AlternateContent xmlns:mc="http://schemas.openxmlformats.org/markup-compatibility/2006">
+        <mc:Choice xmlns:a14="http://schemas.microsoft.com/office/drawing/2010/main" Requires="a14">
+          <p:sp>
+            <p:nvSpPr>
+              <p:cNvPr id="12" name="TextBox 11"/>
+              <p:cNvSpPr txBox="1"/>
+              <p:nvPr/>
+            </p:nvSpPr>
+            <p:spPr>
+              <a:xfrm>
+                <a:off x="5704174" y="4581128"/>
+                <a:ext cx="1316098" cy="1107996"/>
+              </a:xfrm>
+              <a:prstGeom prst="rect">
+                <a:avLst/>
+              </a:prstGeom>
+              <a:noFill/>
+            </p:spPr>
+            <p:txBody>
+              <a:bodyPr wrap="square" rtlCol="0">
+                <a:spAutoFit/>
+              </a:bodyPr>
+              <a:lstStyle/>
+              <a:p>
+                <a:pPr/>
+                <a14:m>
+                  <m:oMathPara xmlns:m="http://schemas.openxmlformats.org/officeDocument/2006/math">
+                    <m:oMathParaPr>
+                      <m:jc m:val="centerGroup"/>
+                    </m:oMathParaPr>
+                    <m:oMath xmlns:m="http://schemas.openxmlformats.org/officeDocument/2006/math">
+                      <m:r>
+                        <a:rPr lang="nl-NL" sz="6600" b="0" i="1" smtClean="0">
+                          <a:latin typeface="Cambria Math"/>
+                        </a:rPr>
+                        <m:t>𝜃</m:t>
+                      </m:r>
+                      <m:r>
+                        <a:rPr lang="nl-NL" sz="6600" b="0" i="1" smtClean="0">
+                          <a:latin typeface="Cambria Math"/>
+                        </a:rPr>
+                        <m:t> </m:t>
+                      </m:r>
+                    </m:oMath>
+                  </m:oMathPara>
+                </a14:m>
+                <a:endParaRPr lang="nl-NL" sz="4800" dirty="0"/>
+              </a:p>
+            </p:txBody>
+          </p:sp>
+        </mc:Choice>
+        <mc:Fallback>
+          <p:sp>
+            <p:nvSpPr>
+              <p:cNvPr id="12" name="TextBox 11"/>
+              <p:cNvSpPr txBox="1">
+                <a:spLocks noRot="1" noChangeAspect="1" noMove="1" noResize="1" noEditPoints="1" noAdjustHandles="1" noChangeArrowheads="1" noChangeShapeType="1" noTextEdit="1"/>
+              </p:cNvSpPr>
+              <p:nvPr/>
+            </p:nvSpPr>
+            <p:spPr>
+              <a:xfrm>
+                <a:off x="5704174" y="4581128"/>
+                <a:ext cx="1316098" cy="1107996"/>
+              </a:xfrm>
+              <a:prstGeom prst="rect">
+                <a:avLst/>
+              </a:prstGeom>
+              <a:blipFill rotWithShape="1">
+                <a:blip r:embed="rId3"/>
+                <a:stretch>
+                  <a:fillRect/>
+                </a:stretch>
+              </a:blipFill>
+            </p:spPr>
+            <p:txBody>
+              <a:bodyPr/>
+              <a:lstStyle/>
+              <a:p>
+                <a:r>
+                  <a:rPr lang="nl-NL">
+                    <a:noFill/>
+                  </a:rPr>
+                  <a:t> </a:t>
+                </a:r>
+              </a:p>
+            </p:txBody>
+          </p:sp>
+        </mc:Fallback>
+      </mc:AlternateContent>
+      <mc:AlternateContent xmlns:mc="http://schemas.openxmlformats.org/markup-compatibility/2006">
+        <mc:Choice xmlns:a14="http://schemas.microsoft.com/office/drawing/2010/main" Requires="a14">
+          <p:sp>
+            <p:nvSpPr>
+              <p:cNvPr id="14" name="TextBox 13"/>
+              <p:cNvSpPr txBox="1"/>
+              <p:nvPr/>
+            </p:nvSpPr>
+            <p:spPr>
+              <a:xfrm>
+                <a:off x="3224995" y="5734704"/>
+                <a:ext cx="1316098" cy="1107996"/>
+              </a:xfrm>
+              <a:prstGeom prst="rect">
+                <a:avLst/>
+              </a:prstGeom>
+              <a:noFill/>
+            </p:spPr>
+            <p:txBody>
+              <a:bodyPr wrap="square" rtlCol="0">
+                <a:spAutoFit/>
+              </a:bodyPr>
+              <a:lstStyle/>
+              <a:p>
+                <a:pPr/>
+                <a14:m>
+                  <m:oMathPara xmlns:m="http://schemas.openxmlformats.org/officeDocument/2006/math">
+                    <m:oMathParaPr>
+                      <m:jc m:val="centerGroup"/>
+                    </m:oMathParaPr>
+                    <m:oMath xmlns:m="http://schemas.openxmlformats.org/officeDocument/2006/math">
+                      <m:r>
+                        <a:rPr lang="nl-NL" sz="6600" b="0" i="1" smtClean="0">
+                          <a:latin typeface="Cambria Math"/>
+                        </a:rPr>
+                        <m:t>𝜙</m:t>
+                      </m:r>
+                    </m:oMath>
+                  </m:oMathPara>
+                </a14:m>
+                <a:endParaRPr lang="nl-NL" sz="6600" b="0" dirty="0" smtClean="0"/>
+              </a:p>
+            </p:txBody>
+          </p:sp>
+        </mc:Choice>
+        <mc:Fallback>
+          <p:sp>
+            <p:nvSpPr>
+              <p:cNvPr id="14" name="TextBox 13"/>
+              <p:cNvSpPr txBox="1">
+                <a:spLocks noRot="1" noChangeAspect="1" noMove="1" noResize="1" noEditPoints="1" noAdjustHandles="1" noChangeArrowheads="1" noChangeShapeType="1" noTextEdit="1"/>
+              </p:cNvSpPr>
+              <p:nvPr/>
+            </p:nvSpPr>
+            <p:spPr>
+              <a:xfrm>
+                <a:off x="3224995" y="5734704"/>
+                <a:ext cx="1316098" cy="1107996"/>
+              </a:xfrm>
+              <a:prstGeom prst="rect">
+                <a:avLst/>
+              </a:prstGeom>
+              <a:blipFill rotWithShape="1">
+                <a:blip r:embed="rId4"/>
+                <a:stretch>
+                  <a:fillRect/>
+                </a:stretch>
+              </a:blipFill>
+            </p:spPr>
+            <p:txBody>
+              <a:bodyPr/>
+              <a:lstStyle/>
+              <a:p>
+                <a:r>
+                  <a:rPr lang="nl-NL">
+                    <a:noFill/>
+                  </a:rPr>
+                  <a:t> </a:t>
+                </a:r>
+              </a:p>
+            </p:txBody>
+          </p:sp>
+        </mc:Fallback>
+      </mc:AlternateContent>
+      <p:sp>
+        <p:nvSpPr>
+          <p:cNvPr id="15" name="Oval 14"/>
+          <p:cNvSpPr/>
+          <p:nvPr/>
+        </p:nvSpPr>
+        <p:spPr>
+          <a:xfrm flipH="1">
+            <a:off x="4432425" y="4398672"/>
+            <a:ext cx="188014" cy="151686"/>
+          </a:xfrm>
+          <a:prstGeom prst="ellipse">
+            <a:avLst/>
+          </a:prstGeom>
+        </p:spPr>
+        <p:style>
+          <a:lnRef idx="1">
+            <a:schemeClr val="dk1"/>
+          </a:lnRef>
+          <a:fillRef idx="3">
+            <a:schemeClr val="dk1"/>
+          </a:fillRef>
+          <a:effectRef idx="2">
+            <a:schemeClr val="dk1"/>
+          </a:effectRef>
+          <a:fontRef idx="minor">
+            <a:schemeClr val="lt1"/>
+          </a:fontRef>
+        </p:style>
+        <p:txBody>
+          <a:bodyPr rtlCol="0" anchor="ctr"/>
+          <a:lstStyle/>
+          <a:p>
+            <a:pPr algn="ctr"/>
+            <a:endParaRPr lang="nl-NL"/>
+          </a:p>
+        </p:txBody>
+      </p:sp>
+      <mc:AlternateContent xmlns:mc="http://schemas.openxmlformats.org/markup-compatibility/2006">
+        <mc:Choice xmlns:a14="http://schemas.microsoft.com/office/drawing/2010/main" Requires="a14">
+          <p:sp>
+            <p:nvSpPr>
+              <p:cNvPr id="18" name="TextBox 17"/>
+              <p:cNvSpPr txBox="1"/>
+              <p:nvPr/>
+            </p:nvSpPr>
+            <p:spPr>
+              <a:xfrm>
+                <a:off x="2607830" y="5373216"/>
+                <a:ext cx="1316098" cy="830997"/>
+              </a:xfrm>
+              <a:prstGeom prst="rect">
+                <a:avLst/>
+              </a:prstGeom>
+              <a:noFill/>
+            </p:spPr>
+            <p:txBody>
+              <a:bodyPr wrap="square" rtlCol="0">
+                <a:spAutoFit/>
+              </a:bodyPr>
+              <a:lstStyle/>
+              <a:p>
+                <a:pPr/>
+                <a14:m>
+                  <m:oMathPara xmlns:m="http://schemas.openxmlformats.org/officeDocument/2006/math">
+                    <m:oMathParaPr>
+                      <m:jc m:val="centerGroup"/>
+                    </m:oMathParaPr>
+                    <m:oMath xmlns:m="http://schemas.openxmlformats.org/officeDocument/2006/math">
+                      <m:sSub>
+                        <m:sSubPr>
+                          <m:ctrlPr>
+                            <a:rPr lang="nl-NL" sz="4800" b="0" i="1" smtClean="0">
+                              <a:latin typeface="Cambria Math"/>
+                            </a:rPr>
+                          </m:ctrlPr>
+                        </m:sSubPr>
+                        <m:e>
+                          <m:r>
+                            <a:rPr lang="nl-NL" sz="4800" b="0" i="1" smtClean="0">
+                              <a:latin typeface="Cambria Math"/>
+                            </a:rPr>
+                            <m:t>𝑏</m:t>
+                          </m:r>
+                        </m:e>
+                        <m:sub>
+                          <m:r>
+                            <a:rPr lang="nl-NL" sz="4800" b="0" i="1" smtClean="0">
+                              <a:latin typeface="Cambria Math"/>
+                            </a:rPr>
+                            <m:t>1</m:t>
+                          </m:r>
+                        </m:sub>
+                      </m:sSub>
+                    </m:oMath>
+                  </m:oMathPara>
+                </a14:m>
+                <a:endParaRPr lang="nl-NL" sz="4800" dirty="0"/>
+              </a:p>
+            </p:txBody>
+          </p:sp>
+        </mc:Choice>
+        <mc:Fallback>
+          <p:sp>
+            <p:nvSpPr>
+              <p:cNvPr id="18" name="TextBox 17"/>
+              <p:cNvSpPr txBox="1">
+                <a:spLocks noRot="1" noChangeAspect="1" noMove="1" noResize="1" noEditPoints="1" noAdjustHandles="1" noChangeArrowheads="1" noChangeShapeType="1" noTextEdit="1"/>
+              </p:cNvSpPr>
+              <p:nvPr/>
+            </p:nvSpPr>
+            <p:spPr>
+              <a:xfrm>
+                <a:off x="2607830" y="5373216"/>
+                <a:ext cx="1316098" cy="830997"/>
+              </a:xfrm>
+              <a:prstGeom prst="rect">
+                <a:avLst/>
+              </a:prstGeom>
+              <a:blipFill rotWithShape="1">
+                <a:blip r:embed="rId5"/>
+                <a:stretch>
+                  <a:fillRect/>
+                </a:stretch>
+              </a:blipFill>
+            </p:spPr>
+            <p:txBody>
+              <a:bodyPr/>
+              <a:lstStyle/>
+              <a:p>
+                <a:r>
+                  <a:rPr lang="nl-NL">
+                    <a:noFill/>
+                  </a:rPr>
+                  <a:t> </a:t>
+                </a:r>
+              </a:p>
+            </p:txBody>
+          </p:sp>
+        </mc:Fallback>
+      </mc:AlternateContent>
+      <mc:AlternateContent xmlns:mc="http://schemas.openxmlformats.org/markup-compatibility/2006">
+        <mc:Choice xmlns:a14="http://schemas.microsoft.com/office/drawing/2010/main" Requires="a14">
+          <p:sp>
+            <p:nvSpPr>
+              <p:cNvPr id="19" name="TextBox 18"/>
+              <p:cNvSpPr txBox="1"/>
+              <p:nvPr/>
+            </p:nvSpPr>
+            <p:spPr>
+              <a:xfrm>
+                <a:off x="6012160" y="4038163"/>
+                <a:ext cx="1316098" cy="830997"/>
+              </a:xfrm>
+              <a:prstGeom prst="rect">
+                <a:avLst/>
+              </a:prstGeom>
+              <a:noFill/>
+            </p:spPr>
+            <p:txBody>
+              <a:bodyPr wrap="square" rtlCol="0">
+                <a:spAutoFit/>
+              </a:bodyPr>
+              <a:lstStyle/>
+              <a:p>
+                <a:pPr/>
+                <a14:m>
+                  <m:oMathPara xmlns:m="http://schemas.openxmlformats.org/officeDocument/2006/math">
+                    <m:oMathParaPr>
+                      <m:jc m:val="centerGroup"/>
+                    </m:oMathParaPr>
+                    <m:oMath xmlns:m="http://schemas.openxmlformats.org/officeDocument/2006/math">
+                      <m:sSub>
+                        <m:sSubPr>
+                          <m:ctrlPr>
+                            <a:rPr lang="nl-NL" sz="4800" b="0" i="1" smtClean="0">
+                              <a:latin typeface="Cambria Math"/>
+                            </a:rPr>
+                          </m:ctrlPr>
+                        </m:sSubPr>
+                        <m:e>
+                          <m:r>
+                            <a:rPr lang="nl-NL" sz="4800" b="0" i="1" smtClean="0">
+                              <a:latin typeface="Cambria Math"/>
+                            </a:rPr>
+                            <m:t>𝑏</m:t>
+                          </m:r>
+                        </m:e>
+                        <m:sub>
+                          <m:r>
+                            <a:rPr lang="nl-NL" sz="4800" b="0" i="1" smtClean="0">
+                              <a:latin typeface="Cambria Math"/>
+                            </a:rPr>
+                            <m:t>2</m:t>
+                          </m:r>
+                        </m:sub>
+                      </m:sSub>
+                    </m:oMath>
+                  </m:oMathPara>
+                </a14:m>
+                <a:endParaRPr lang="nl-NL" sz="4800" dirty="0"/>
+              </a:p>
+            </p:txBody>
+          </p:sp>
+        </mc:Choice>
+        <mc:Fallback>
+          <p:sp>
+            <p:nvSpPr>
+              <p:cNvPr id="19" name="TextBox 18"/>
+              <p:cNvSpPr txBox="1">
+                <a:spLocks noRot="1" noChangeAspect="1" noMove="1" noResize="1" noEditPoints="1" noAdjustHandles="1" noChangeArrowheads="1" noChangeShapeType="1" noTextEdit="1"/>
+              </p:cNvSpPr>
+              <p:nvPr/>
+            </p:nvSpPr>
+            <p:spPr>
+              <a:xfrm>
+                <a:off x="6012160" y="4038163"/>
+                <a:ext cx="1316098" cy="830997"/>
+              </a:xfrm>
+              <a:prstGeom prst="rect">
+                <a:avLst/>
+              </a:prstGeom>
+              <a:blipFill rotWithShape="1">
+                <a:blip r:embed="rId6"/>
+                <a:stretch>
+                  <a:fillRect/>
+                </a:stretch>
+              </a:blipFill>
+            </p:spPr>
+            <p:txBody>
+              <a:bodyPr/>
+              <a:lstStyle/>
+              <a:p>
+                <a:r>
+                  <a:rPr lang="nl-NL">
+                    <a:noFill/>
+                  </a:rPr>
+                  <a:t> </a:t>
+                </a:r>
+              </a:p>
+            </p:txBody>
+          </p:sp>
+        </mc:Fallback>
+      </mc:AlternateContent>
+      <mc:AlternateContent xmlns:mc="http://schemas.openxmlformats.org/markup-compatibility/2006">
+        <mc:Choice xmlns:a14="http://schemas.microsoft.com/office/drawing/2010/main" Requires="a14">
+          <p:sp>
+            <p:nvSpPr>
+              <p:cNvPr id="20" name="TextBox 19"/>
+              <p:cNvSpPr txBox="1"/>
+              <p:nvPr/>
+            </p:nvSpPr>
+            <p:spPr>
+              <a:xfrm>
+                <a:off x="3915013" y="1772816"/>
+                <a:ext cx="1316098" cy="830997"/>
+              </a:xfrm>
+              <a:prstGeom prst="rect">
+                <a:avLst/>
+              </a:prstGeom>
+              <a:noFill/>
+            </p:spPr>
+            <p:txBody>
+              <a:bodyPr wrap="square" rtlCol="0">
+                <a:spAutoFit/>
+              </a:bodyPr>
+              <a:lstStyle/>
+              <a:p>
+                <a:pPr/>
+                <a14:m>
+                  <m:oMathPara xmlns:m="http://schemas.openxmlformats.org/officeDocument/2006/math">
+                    <m:oMathParaPr>
+                      <m:jc m:val="centerGroup"/>
+                    </m:oMathParaPr>
+                    <m:oMath xmlns:m="http://schemas.openxmlformats.org/officeDocument/2006/math">
+                      <m:sSub>
+                        <m:sSubPr>
+                          <m:ctrlPr>
+                            <a:rPr lang="nl-NL" sz="4800" b="0" i="1" smtClean="0">
+                              <a:latin typeface="Cambria Math"/>
+                            </a:rPr>
+                          </m:ctrlPr>
+                        </m:sSubPr>
+                        <m:e>
+                          <m:r>
+                            <a:rPr lang="nl-NL" sz="4800" b="0" i="1" smtClean="0">
+                              <a:latin typeface="Cambria Math"/>
+                            </a:rPr>
+                            <m:t>𝑏</m:t>
+                          </m:r>
+                        </m:e>
+                        <m:sub>
+                          <m:r>
+                            <a:rPr lang="nl-NL" sz="4800" b="0" i="1" smtClean="0">
+                              <a:latin typeface="Cambria Math"/>
+                            </a:rPr>
+                            <m:t>3</m:t>
+                          </m:r>
+                        </m:sub>
+                      </m:sSub>
+                    </m:oMath>
+                  </m:oMathPara>
+                </a14:m>
+                <a:endParaRPr lang="nl-NL" sz="4800" dirty="0"/>
+              </a:p>
+            </p:txBody>
+          </p:sp>
+        </mc:Choice>
+        <mc:Fallback>
+          <p:sp>
+            <p:nvSpPr>
+              <p:cNvPr id="20" name="TextBox 19"/>
+              <p:cNvSpPr txBox="1">
+                <a:spLocks noRot="1" noChangeAspect="1" noMove="1" noResize="1" noEditPoints="1" noAdjustHandles="1" noChangeArrowheads="1" noChangeShapeType="1" noTextEdit="1"/>
+              </p:cNvSpPr>
+              <p:nvPr/>
+            </p:nvSpPr>
+            <p:spPr>
+              <a:xfrm>
+                <a:off x="3915013" y="1772816"/>
+                <a:ext cx="1316098" cy="830997"/>
+              </a:xfrm>
+              <a:prstGeom prst="rect">
+                <a:avLst/>
+              </a:prstGeom>
+              <a:blipFill rotWithShape="1">
+                <a:blip r:embed="rId7"/>
+                <a:stretch>
+                  <a:fillRect/>
+                </a:stretch>
+              </a:blipFill>
+            </p:spPr>
+            <p:txBody>
+              <a:bodyPr/>
+              <a:lstStyle/>
+              <a:p>
+                <a:r>
+                  <a:rPr lang="nl-NL">
+                    <a:noFill/>
+                  </a:rPr>
+                  <a:t> </a:t>
+                </a:r>
+              </a:p>
+            </p:txBody>
+          </p:sp>
+        </mc:Fallback>
+      </mc:AlternateContent>
+      <p:pic>
+        <p:nvPicPr>
+          <p:cNvPr id="2" name="Picture 1"/>
+          <p:cNvPicPr>
+            <a:picLocks noChangeAspect="1"/>
+          </p:cNvPicPr>
+          <p:nvPr>
+            <p:custDataLst>
+              <p:tags r:id="rId1"/>
+            </p:custDataLst>
+          </p:nvPr>
+        </p:nvPicPr>
+        <p:blipFill>
+          <a:blip r:embed="rId8">
+            <a:extLst>
+              <a:ext uri="{28A0092B-C50C-407E-A947-70E740481C1C}">
+                <a14:useLocalDpi xmlns:a14="http://schemas.microsoft.com/office/drawing/2010/main" val="0"/>
+              </a:ext>
+            </a:extLst>
+          </a:blip>
+          <a:stretch>
+            <a:fillRect/>
+          </a:stretch>
+        </p:blipFill>
+        <p:spPr>
+          <a:xfrm>
+            <a:off x="3281618" y="3829080"/>
+            <a:ext cx="1117245" cy="722282"/>
+          </a:xfrm>
+          <a:prstGeom prst="rect">
+            <a:avLst/>
+          </a:prstGeom>
+        </p:spPr>
+      </p:pic>
+      <p:sp>
+        <p:nvSpPr>
+          <p:cNvPr id="25" name="Arc 24"/>
+          <p:cNvSpPr/>
+          <p:nvPr/>
+        </p:nvSpPr>
+        <p:spPr>
+          <a:xfrm rot="14391236" flipH="1">
+            <a:off x="3411344" y="5075104"/>
+            <a:ext cx="589691" cy="486273"/>
+          </a:xfrm>
+          <a:prstGeom prst="arc">
+            <a:avLst>
+              <a:gd name="adj1" fmla="val 20318573"/>
+              <a:gd name="adj2" fmla="val 10489511"/>
+            </a:avLst>
+          </a:prstGeom>
+          <a:ln w="69850">
+            <a:solidFill>
+              <a:srgbClr val="C00000"/>
+            </a:solidFill>
+            <a:tailEnd type="triangle"/>
+          </a:ln>
+        </p:spPr>
+        <p:style>
+          <a:lnRef idx="1">
+            <a:schemeClr val="accent1"/>
+          </a:lnRef>
+          <a:fillRef idx="0">
+            <a:schemeClr val="accent1"/>
+          </a:fillRef>
+          <a:effectRef idx="0">
+            <a:schemeClr val="accent1"/>
+          </a:effectRef>
+          <a:fontRef idx="minor">
+            <a:schemeClr val="tx1"/>
+          </a:fontRef>
+        </p:style>
+        <p:txBody>
+          <a:bodyPr rtlCol="0" anchor="ctr"/>
+          <a:lstStyle/>
+          <a:p>
+            <a:pPr algn="ctr"/>
+            <a:endParaRPr lang="nl-NL"/>
+          </a:p>
+        </p:txBody>
+      </p:sp>
+      <mc:AlternateContent xmlns:mc="http://schemas.openxmlformats.org/markup-compatibility/2006">
+        <mc:Choice xmlns:a14="http://schemas.microsoft.com/office/drawing/2010/main" Requires="a14">
+          <p:sp>
+            <p:nvSpPr>
+              <p:cNvPr id="26" name="TextBox 25"/>
+              <p:cNvSpPr txBox="1"/>
+              <p:nvPr/>
+            </p:nvSpPr>
+            <p:spPr>
+              <a:xfrm>
+                <a:off x="4624054" y="2470726"/>
+                <a:ext cx="1316098" cy="1107996"/>
+              </a:xfrm>
+              <a:prstGeom prst="rect">
+                <a:avLst/>
+              </a:prstGeom>
+              <a:noFill/>
+            </p:spPr>
+            <p:txBody>
+              <a:bodyPr wrap="square" rtlCol="0">
+                <a:spAutoFit/>
+              </a:bodyPr>
+              <a:lstStyle/>
+              <a:p>
+                <a:pPr/>
+                <a14:m>
+                  <m:oMathPara xmlns:m="http://schemas.openxmlformats.org/officeDocument/2006/math">
+                    <m:oMathParaPr>
+                      <m:jc m:val="centerGroup"/>
+                    </m:oMathParaPr>
+                    <m:oMath xmlns:m="http://schemas.openxmlformats.org/officeDocument/2006/math">
+                      <m:r>
+                        <a:rPr lang="nl-NL" sz="6600" b="0" i="1" smtClean="0">
+                          <a:latin typeface="Cambria Math"/>
+                        </a:rPr>
+                        <m:t>𝜓</m:t>
+                      </m:r>
+                    </m:oMath>
+                  </m:oMathPara>
+                </a14:m>
+                <a:endParaRPr lang="nl-NL" sz="6600" b="0" dirty="0" smtClean="0"/>
+              </a:p>
+            </p:txBody>
+          </p:sp>
+        </mc:Choice>
+        <mc:Fallback>
+          <p:sp>
+            <p:nvSpPr>
+              <p:cNvPr id="26" name="TextBox 25"/>
+              <p:cNvSpPr txBox="1">
+                <a:spLocks noRot="1" noChangeAspect="1" noMove="1" noResize="1" noEditPoints="1" noAdjustHandles="1" noChangeArrowheads="1" noChangeShapeType="1" noTextEdit="1"/>
+              </p:cNvSpPr>
+              <p:nvPr/>
+            </p:nvSpPr>
+            <p:spPr>
+              <a:xfrm>
+                <a:off x="4624054" y="2470726"/>
+                <a:ext cx="1316098" cy="1107996"/>
+              </a:xfrm>
+              <a:prstGeom prst="rect">
+                <a:avLst/>
+              </a:prstGeom>
+              <a:blipFill rotWithShape="1">
+                <a:blip r:embed="rId9"/>
+                <a:stretch>
+                  <a:fillRect/>
+                </a:stretch>
+              </a:blipFill>
+            </p:spPr>
+            <p:txBody>
+              <a:bodyPr/>
+              <a:lstStyle/>
+              <a:p>
+                <a:r>
+                  <a:rPr lang="nl-NL">
+                    <a:noFill/>
+                  </a:rPr>
+                  <a:t> </a:t>
+                </a:r>
+              </a:p>
+            </p:txBody>
+          </p:sp>
+        </mc:Fallback>
+      </mc:AlternateContent>
+      <p:sp>
+        <p:nvSpPr>
+          <p:cNvPr id="28" name="Arc 27"/>
+          <p:cNvSpPr/>
+          <p:nvPr/>
+        </p:nvSpPr>
+        <p:spPr>
+          <a:xfrm rot="14966102" flipV="1">
+            <a:off x="5558367" y="4275090"/>
+            <a:ext cx="590099" cy="486582"/>
+          </a:xfrm>
+          <a:prstGeom prst="arc">
+            <a:avLst>
+              <a:gd name="adj1" fmla="val 20318573"/>
+              <a:gd name="adj2" fmla="val 10489511"/>
+            </a:avLst>
+          </a:prstGeom>
+          <a:ln w="69850">
+            <a:solidFill>
+              <a:srgbClr val="C00000"/>
+            </a:solidFill>
+            <a:tailEnd type="triangle"/>
+          </a:ln>
+        </p:spPr>
+        <p:style>
+          <a:lnRef idx="1">
+            <a:schemeClr val="accent1"/>
+          </a:lnRef>
+          <a:fillRef idx="0">
+            <a:schemeClr val="accent1"/>
+          </a:fillRef>
+          <a:effectRef idx="0">
+            <a:schemeClr val="accent1"/>
+          </a:effectRef>
+          <a:fontRef idx="minor">
+            <a:schemeClr val="tx1"/>
+          </a:fontRef>
+        </p:style>
+        <p:txBody>
+          <a:bodyPr rtlCol="0" anchor="ctr"/>
+          <a:lstStyle/>
+          <a:p>
+            <a:pPr algn="ctr"/>
+            <a:endParaRPr lang="nl-NL"/>
+          </a:p>
+        </p:txBody>
+      </p:sp>
+      <p:sp>
+        <p:nvSpPr>
+          <p:cNvPr id="29" name="Arc 28"/>
+          <p:cNvSpPr/>
+          <p:nvPr/>
+        </p:nvSpPr>
+        <p:spPr>
+          <a:xfrm rot="10800000" flipV="1">
+            <a:off x="4262047" y="2713258"/>
+            <a:ext cx="590099" cy="433553"/>
+          </a:xfrm>
+          <a:prstGeom prst="arc">
+            <a:avLst>
+              <a:gd name="adj1" fmla="val 21151821"/>
+              <a:gd name="adj2" fmla="val 13104589"/>
+            </a:avLst>
+          </a:prstGeom>
+          <a:ln w="69850">
+            <a:solidFill>
+              <a:srgbClr val="C00000"/>
+            </a:solidFill>
+            <a:tailEnd type="triangle"/>
+          </a:ln>
+        </p:spPr>
+        <p:style>
+          <a:lnRef idx="1">
+            <a:schemeClr val="accent1"/>
+          </a:lnRef>
+          <a:fillRef idx="0">
+            <a:schemeClr val="accent1"/>
+          </a:fillRef>
+          <a:effectRef idx="0">
+            <a:schemeClr val="accent1"/>
+          </a:effectRef>
+          <a:fontRef idx="minor">
+            <a:schemeClr val="tx1"/>
+          </a:fontRef>
+        </p:style>
+        <p:txBody>
+          <a:bodyPr rtlCol="0" anchor="ctr"/>
+          <a:lstStyle/>
+          <a:p>
+            <a:pPr algn="ctr"/>
+            <a:endParaRPr lang="nl-NL"/>
+          </a:p>
+        </p:txBody>
+      </p:sp>
+    </p:spTree>
+    <p:extLst>
+      <p:ext uri="{BB962C8B-B14F-4D97-AF65-F5344CB8AC3E}">
+        <p14:creationId xmlns:p14="http://schemas.microsoft.com/office/powerpoint/2010/main" val="127533385"/>
+      </p:ext>
+    </p:extLst>
+  </p:cSld>
+  <p:clrMapOvr>
+    <a:masterClrMapping/>
+  </p:clrMapOvr>
+  <p:timing>
+    <p:tnLst>
+      <p:par>
+        <p:cTn id="1" dur="indefinite" restart="never" nodeType="tmRoot"/>
+      </p:par>
+    </p:tnLst>
+  </p:timing>
+</p:sld>
+</file>
+
+<file path=ppt/slides/slide31.xml><?xml version="1.0" encoding="utf-8"?>
+<p:sld xmlns:a="http://schemas.openxmlformats.org/drawingml/2006/main" xmlns:r="http://schemas.openxmlformats.org/officeDocument/2006/relationships" xmlns:p="http://schemas.openxmlformats.org/presentationml/2006/main">
+  <p:cSld>
+    <p:spTree>
+      <p:nvGrpSpPr>
+        <p:cNvPr id="1" name=""/>
+        <p:cNvGrpSpPr/>
+        <p:nvPr/>
+      </p:nvGrpSpPr>
+      <p:grpSpPr>
+        <a:xfrm>
+          <a:off x="0" y="0"/>
+          <a:ext cx="0" cy="0"/>
+          <a:chOff x="0" y="0"/>
+          <a:chExt cx="0" cy="0"/>
+        </a:xfrm>
+      </p:grpSpPr>
+      <p:cxnSp>
+        <p:nvCxnSpPr>
+          <p:cNvPr id="4" name="Straight Arrow Connector 3"/>
+          <p:cNvCxnSpPr/>
+          <p:nvPr/>
+        </p:nvCxnSpPr>
+        <p:spPr>
+          <a:xfrm>
+            <a:off x="4522043" y="2654184"/>
+            <a:ext cx="1786133" cy="0"/>
+          </a:xfrm>
+          <a:prstGeom prst="straightConnector1">
+            <a:avLst/>
+          </a:prstGeom>
+          <a:ln>
+            <a:tailEnd type="arrow"/>
+          </a:ln>
+        </p:spPr>
+        <p:style>
+          <a:lnRef idx="3">
+            <a:schemeClr val="dk1"/>
+          </a:lnRef>
+          <a:fillRef idx="0">
+            <a:schemeClr val="dk1"/>
+          </a:fillRef>
+          <a:effectRef idx="2">
+            <a:schemeClr val="dk1"/>
+          </a:effectRef>
+          <a:fontRef idx="minor">
+            <a:schemeClr val="tx1"/>
+          </a:fontRef>
+        </p:style>
+      </p:cxnSp>
+      <p:cxnSp>
+        <p:nvCxnSpPr>
+          <p:cNvPr id="5" name="Straight Arrow Connector 4"/>
+          <p:cNvCxnSpPr/>
+          <p:nvPr/>
+        </p:nvCxnSpPr>
+        <p:spPr>
+          <a:xfrm flipV="1">
+            <a:off x="4475413" y="636141"/>
+            <a:ext cx="0" cy="2026615"/>
+          </a:xfrm>
+          <a:prstGeom prst="straightConnector1">
+            <a:avLst/>
+          </a:prstGeom>
+          <a:ln>
+            <a:tailEnd type="arrow"/>
+          </a:ln>
+        </p:spPr>
+        <p:style>
+          <a:lnRef idx="3">
+            <a:schemeClr val="dk1"/>
+          </a:lnRef>
+          <a:fillRef idx="0">
+            <a:schemeClr val="dk1"/>
+          </a:fillRef>
+          <a:effectRef idx="2">
+            <a:schemeClr val="dk1"/>
+          </a:effectRef>
+          <a:fontRef idx="minor">
+            <a:schemeClr val="tx1"/>
+          </a:fontRef>
+        </p:style>
+      </p:cxnSp>
+      <p:cxnSp>
+        <p:nvCxnSpPr>
+          <p:cNvPr id="6" name="Straight Arrow Connector 5"/>
+          <p:cNvCxnSpPr/>
+          <p:nvPr/>
+        </p:nvCxnSpPr>
+        <p:spPr>
+          <a:xfrm flipH="1">
+            <a:off x="3336279" y="2639931"/>
+            <a:ext cx="1169799" cy="1260188"/>
+          </a:xfrm>
+          <a:prstGeom prst="straightConnector1">
+            <a:avLst/>
+          </a:prstGeom>
+          <a:ln>
+            <a:tailEnd type="arrow"/>
+          </a:ln>
+        </p:spPr>
+        <p:style>
+          <a:lnRef idx="3">
+            <a:schemeClr val="dk1"/>
+          </a:lnRef>
+          <a:fillRef idx="0">
+            <a:schemeClr val="dk1"/>
+          </a:fillRef>
+          <a:effectRef idx="2">
+            <a:schemeClr val="dk1"/>
+          </a:effectRef>
+          <a:fontRef idx="minor">
+            <a:schemeClr val="tx1"/>
+          </a:fontRef>
+        </p:style>
+      </p:cxnSp>
+      <p:cxnSp>
+        <p:nvCxnSpPr>
+          <p:cNvPr id="7" name="Straight Arrow Connector 6"/>
+          <p:cNvCxnSpPr/>
+          <p:nvPr/>
+        </p:nvCxnSpPr>
+        <p:spPr>
+          <a:xfrm flipH="1">
+            <a:off x="3424229" y="4624078"/>
+            <a:ext cx="1048974" cy="1235540"/>
+          </a:xfrm>
+          <a:prstGeom prst="straightConnector1">
+            <a:avLst/>
+          </a:prstGeom>
+          <a:ln>
+            <a:prstDash val="sysDot"/>
+            <a:tailEnd type="none"/>
+          </a:ln>
+        </p:spPr>
+        <p:style>
+          <a:lnRef idx="3">
+            <a:schemeClr val="dk1"/>
+          </a:lnRef>
+          <a:fillRef idx="0">
+            <a:schemeClr val="dk1"/>
+          </a:fillRef>
+          <a:effectRef idx="2">
+            <a:schemeClr val="dk1"/>
+          </a:effectRef>
+          <a:fontRef idx="minor">
+            <a:schemeClr val="tx1"/>
+          </a:fontRef>
+        </p:style>
+      </p:cxnSp>
+      <p:cxnSp>
+        <p:nvCxnSpPr>
+          <p:cNvPr id="8" name="Straight Connector 7"/>
+          <p:cNvCxnSpPr/>
+          <p:nvPr/>
+        </p:nvCxnSpPr>
+        <p:spPr>
+          <a:xfrm>
+            <a:off x="4475413" y="2662756"/>
+            <a:ext cx="1809448" cy="2674445"/>
+          </a:xfrm>
+          <a:prstGeom prst="line">
+            <a:avLst/>
+          </a:prstGeom>
+        </p:spPr>
+        <p:style>
+          <a:lnRef idx="3">
+            <a:schemeClr val="accent1"/>
+          </a:lnRef>
+          <a:fillRef idx="0">
+            <a:schemeClr val="accent1"/>
+          </a:fillRef>
+          <a:effectRef idx="2">
+            <a:schemeClr val="accent1"/>
+          </a:effectRef>
+          <a:fontRef idx="minor">
+            <a:schemeClr val="tx1"/>
+          </a:fontRef>
+        </p:style>
+      </p:cxnSp>
+      <p:cxnSp>
+        <p:nvCxnSpPr>
+          <p:cNvPr id="9" name="Straight Connector 8"/>
+          <p:cNvCxnSpPr/>
+          <p:nvPr/>
+        </p:nvCxnSpPr>
+        <p:spPr>
+          <a:xfrm flipH="1" flipV="1">
+            <a:off x="4475413" y="4624078"/>
+            <a:ext cx="1786133" cy="713122"/>
+          </a:xfrm>
+          <a:prstGeom prst="line">
+            <a:avLst/>
+          </a:prstGeom>
+          <a:ln>
+            <a:prstDash val="sysDot"/>
+          </a:ln>
+        </p:spPr>
+        <p:style>
+          <a:lnRef idx="3">
+            <a:schemeClr val="accent1"/>
+          </a:lnRef>
+          <a:fillRef idx="0">
+            <a:schemeClr val="accent1"/>
+          </a:fillRef>
+          <a:effectRef idx="2">
+            <a:schemeClr val="accent1"/>
+          </a:effectRef>
+          <a:fontRef idx="minor">
+            <a:schemeClr val="tx1"/>
+          </a:fontRef>
+        </p:style>
+      </p:cxnSp>
+      <p:sp>
+        <p:nvSpPr>
+          <p:cNvPr id="10" name="Arc 9"/>
+          <p:cNvSpPr/>
+          <p:nvPr/>
+        </p:nvSpPr>
+        <p:spPr>
+          <a:xfrm rot="7104784">
+            <a:off x="1204788" y="-628370"/>
+            <a:ext cx="6353233" cy="6649998"/>
+          </a:xfrm>
+          <a:prstGeom prst="arc">
+            <a:avLst>
+              <a:gd name="adj1" fmla="val 17996006"/>
+              <a:gd name="adj2" fmla="val 20872058"/>
+            </a:avLst>
+          </a:prstGeom>
+          <a:ln w="53975" cmpd="sng">
+            <a:headEnd type="triangle" w="lg" len="lg"/>
+            <a:tailEnd type="none" w="lg" len="lg"/>
+          </a:ln>
+        </p:spPr>
+        <p:style>
+          <a:lnRef idx="3">
+            <a:schemeClr val="dk1"/>
+          </a:lnRef>
+          <a:fillRef idx="0">
+            <a:schemeClr val="dk1"/>
+          </a:fillRef>
+          <a:effectRef idx="2">
+            <a:schemeClr val="dk1"/>
+          </a:effectRef>
+          <a:fontRef idx="minor">
+            <a:schemeClr val="tx1"/>
+          </a:fontRef>
+        </p:style>
+        <p:txBody>
+          <a:bodyPr rtlCol="0" anchor="ctr"/>
+          <a:lstStyle/>
+          <a:p>
+            <a:pPr algn="ctr"/>
+            <a:endParaRPr lang="nl-NL"/>
+          </a:p>
+        </p:txBody>
+      </p:sp>
+      <mc:AlternateContent xmlns:mc="http://schemas.openxmlformats.org/markup-compatibility/2006" xmlns:a14="http://schemas.microsoft.com/office/drawing/2010/main">
+        <mc:Choice Requires="a14">
+          <p:sp>
+            <p:nvSpPr>
+              <p:cNvPr id="12" name="TextBox 11"/>
+              <p:cNvSpPr txBox="1"/>
+              <p:nvPr/>
+            </p:nvSpPr>
+            <p:spPr>
+              <a:xfrm>
+                <a:off x="4840078" y="2753053"/>
+                <a:ext cx="1316098" cy="1107995"/>
+              </a:xfrm>
+              <a:prstGeom prst="rect">
+                <a:avLst/>
+              </a:prstGeom>
+              <a:noFill/>
+            </p:spPr>
+            <p:txBody>
+              <a:bodyPr wrap="square" rtlCol="0">
+                <a:spAutoFit/>
+              </a:bodyPr>
+              <a:lstStyle/>
+              <a:p>
+                <a:pPr/>
+                <a14:m>
+                  <m:oMathPara xmlns:m="http://schemas.openxmlformats.org/officeDocument/2006/math">
+                    <m:oMathParaPr>
+                      <m:jc m:val="centerGroup"/>
+                    </m:oMathParaPr>
+                    <m:oMath xmlns:m="http://schemas.openxmlformats.org/officeDocument/2006/math">
+                      <m:sSub>
+                        <m:sSubPr>
+                          <m:ctrlPr>
+                            <a:rPr lang="nl-NL" sz="6600" b="0" i="1" smtClean="0">
+                              <a:latin typeface="Cambria Math"/>
+                            </a:rPr>
+                          </m:ctrlPr>
+                        </m:sSubPr>
+                        <m:e>
+                          <m:r>
+                            <a:rPr lang="nl-NL" sz="6600" b="0" i="1" smtClean="0">
+                              <a:latin typeface="Cambria Math"/>
+                            </a:rPr>
+                            <m:t>𝜃</m:t>
+                          </m:r>
+                        </m:e>
+                        <m:sub>
+                          <m:r>
+                            <a:rPr lang="nl-NL" sz="6600" b="0" i="1" smtClean="0">
+                              <a:latin typeface="Cambria Math"/>
+                            </a:rPr>
+                            <m:t>𝐿</m:t>
+                          </m:r>
+                        </m:sub>
+                      </m:sSub>
+                    </m:oMath>
+                  </m:oMathPara>
+                </a14:m>
+                <a:endParaRPr lang="nl-NL" sz="4800" dirty="0"/>
+              </a:p>
+            </p:txBody>
+          </p:sp>
+        </mc:Choice>
+        <mc:Fallback xmlns="">
+          <p:sp>
+            <p:nvSpPr>
+              <p:cNvPr id="12" name="TextBox 11"/>
+              <p:cNvSpPr txBox="1">
+                <a:spLocks noRot="1" noChangeAspect="1" noMove="1" noResize="1" noEditPoints="1" noAdjustHandles="1" noChangeArrowheads="1" noChangeShapeType="1" noTextEdit="1"/>
+              </p:cNvSpPr>
+              <p:nvPr/>
+            </p:nvSpPr>
+            <p:spPr>
+              <a:xfrm>
+                <a:off x="4840078" y="2753053"/>
+                <a:ext cx="1316098" cy="1107995"/>
+              </a:xfrm>
+              <a:prstGeom prst="rect">
+                <a:avLst/>
+              </a:prstGeom>
+              <a:blipFill rotWithShape="1">
+                <a:blip r:embed="rId2"/>
+                <a:stretch>
+                  <a:fillRect/>
+                </a:stretch>
+              </a:blipFill>
+            </p:spPr>
+            <p:txBody>
+              <a:bodyPr/>
+              <a:lstStyle/>
+              <a:p>
+                <a:r>
+                  <a:rPr lang="nl-NL">
+                    <a:noFill/>
+                  </a:rPr>
+                  <a:t> </a:t>
+                </a:r>
+              </a:p>
+            </p:txBody>
+          </p:sp>
+        </mc:Fallback>
+      </mc:AlternateContent>
+      <p:sp>
+        <p:nvSpPr>
+          <p:cNvPr id="13" name="Arc 12"/>
+          <p:cNvSpPr/>
+          <p:nvPr/>
+        </p:nvSpPr>
+        <p:spPr>
+          <a:xfrm rot="7341715">
+            <a:off x="4032863" y="2448451"/>
+            <a:ext cx="1335347" cy="1267678"/>
+          </a:xfrm>
+          <a:prstGeom prst="arc">
+            <a:avLst>
+              <a:gd name="adj1" fmla="val 17281906"/>
+              <a:gd name="adj2" fmla="val 20549597"/>
+            </a:avLst>
+          </a:prstGeom>
+          <a:ln w="53975" cmpd="sng">
+            <a:headEnd type="triangle" w="lg" len="lg"/>
+            <a:tailEnd type="none" w="lg" len="lg"/>
+          </a:ln>
+        </p:spPr>
+        <p:style>
+          <a:lnRef idx="3">
+            <a:schemeClr val="dk1"/>
+          </a:lnRef>
+          <a:fillRef idx="0">
+            <a:schemeClr val="dk1"/>
+          </a:fillRef>
+          <a:effectRef idx="2">
+            <a:schemeClr val="dk1"/>
+          </a:effectRef>
+          <a:fontRef idx="minor">
+            <a:schemeClr val="tx1"/>
+          </a:fontRef>
+        </p:style>
+        <p:txBody>
+          <a:bodyPr rtlCol="0" anchor="ctr"/>
+          <a:lstStyle/>
+          <a:p>
+            <a:pPr algn="ctr"/>
+            <a:endParaRPr lang="nl-NL"/>
+          </a:p>
+        </p:txBody>
+      </p:sp>
+      <mc:AlternateContent xmlns:mc="http://schemas.openxmlformats.org/markup-compatibility/2006" xmlns:a14="http://schemas.microsoft.com/office/drawing/2010/main">
+        <mc:Choice Requires="a14">
+          <p:sp>
+            <p:nvSpPr>
+              <p:cNvPr id="14" name="TextBox 13"/>
+              <p:cNvSpPr txBox="1"/>
+              <p:nvPr/>
+            </p:nvSpPr>
+            <p:spPr>
+              <a:xfrm>
+                <a:off x="5200118" y="5517232"/>
+                <a:ext cx="1316098" cy="1107995"/>
+              </a:xfrm>
+              <a:prstGeom prst="rect">
+                <a:avLst/>
+              </a:prstGeom>
+              <a:noFill/>
+            </p:spPr>
+            <p:txBody>
+              <a:bodyPr wrap="square" rtlCol="0">
+                <a:spAutoFit/>
+              </a:bodyPr>
+              <a:lstStyle/>
+              <a:p>
+                <a:pPr/>
+                <a14:m>
+                  <m:oMathPara xmlns:m="http://schemas.openxmlformats.org/officeDocument/2006/math">
+                    <m:oMathParaPr>
+                      <m:jc m:val="centerGroup"/>
+                    </m:oMathParaPr>
+                    <m:oMath xmlns:m="http://schemas.openxmlformats.org/officeDocument/2006/math">
+                      <m:sSub>
+                        <m:sSubPr>
+                          <m:ctrlPr>
+                            <a:rPr lang="nl-NL" sz="6600" b="0" i="1" smtClean="0">
+                              <a:latin typeface="Cambria Math"/>
+                            </a:rPr>
+                          </m:ctrlPr>
+                        </m:sSubPr>
+                        <m:e>
+                          <m:r>
+                            <a:rPr lang="nl-NL" sz="6600" b="0" i="1" smtClean="0">
+                              <a:latin typeface="Cambria Math"/>
+                            </a:rPr>
+                            <m:t>𝜙</m:t>
+                          </m:r>
+                        </m:e>
+                        <m:sub>
+                          <m:r>
+                            <a:rPr lang="nl-NL" sz="6600" b="0" i="1" smtClean="0">
+                              <a:latin typeface="Cambria Math"/>
+                            </a:rPr>
+                            <m:t>𝐿</m:t>
+                          </m:r>
+                        </m:sub>
+                      </m:sSub>
+                    </m:oMath>
+                  </m:oMathPara>
+                </a14:m>
+                <a:endParaRPr lang="nl-NL" sz="6600" b="0" dirty="0" smtClean="0"/>
+              </a:p>
+            </p:txBody>
+          </p:sp>
+        </mc:Choice>
+        <mc:Fallback xmlns="">
+          <p:sp>
+            <p:nvSpPr>
+              <p:cNvPr id="14" name="TextBox 13"/>
+              <p:cNvSpPr txBox="1">
+                <a:spLocks noRot="1" noChangeAspect="1" noMove="1" noResize="1" noEditPoints="1" noAdjustHandles="1" noChangeArrowheads="1" noChangeShapeType="1" noTextEdit="1"/>
+              </p:cNvSpPr>
+              <p:nvPr/>
+            </p:nvSpPr>
+            <p:spPr>
+              <a:xfrm>
+                <a:off x="5200118" y="5517232"/>
+                <a:ext cx="1316098" cy="1107995"/>
+              </a:xfrm>
+              <a:prstGeom prst="rect">
+                <a:avLst/>
+              </a:prstGeom>
+              <a:blipFill rotWithShape="1">
+                <a:blip r:embed="rId3"/>
+                <a:stretch>
+                  <a:fillRect/>
+                </a:stretch>
+              </a:blipFill>
+            </p:spPr>
+            <p:txBody>
+              <a:bodyPr/>
+              <a:lstStyle/>
+              <a:p>
+                <a:r>
+                  <a:rPr lang="nl-NL">
+                    <a:noFill/>
+                  </a:rPr>
+                  <a:t> </a:t>
+                </a:r>
+              </a:p>
+            </p:txBody>
+          </p:sp>
+        </mc:Fallback>
+      </mc:AlternateContent>
+      <p:sp>
+        <p:nvSpPr>
+          <p:cNvPr id="15" name="Oval 14"/>
+          <p:cNvSpPr/>
+          <p:nvPr/>
+        </p:nvSpPr>
+        <p:spPr>
+          <a:xfrm flipH="1">
+            <a:off x="4381406" y="2564087"/>
+            <a:ext cx="188014" cy="151686"/>
+          </a:xfrm>
+          <a:prstGeom prst="ellipse">
+            <a:avLst/>
+          </a:prstGeom>
+        </p:spPr>
+        <p:style>
+          <a:lnRef idx="1">
+            <a:schemeClr val="dk1"/>
+          </a:lnRef>
+          <a:fillRef idx="3">
+            <a:schemeClr val="dk1"/>
+          </a:fillRef>
+          <a:effectRef idx="2">
+            <a:schemeClr val="dk1"/>
+          </a:effectRef>
+          <a:fontRef idx="minor">
+            <a:schemeClr val="lt1"/>
+          </a:fontRef>
+        </p:style>
+        <p:txBody>
+          <a:bodyPr rtlCol="0" anchor="ctr"/>
+          <a:lstStyle/>
+          <a:p>
+            <a:pPr algn="ctr"/>
+            <a:endParaRPr lang="nl-NL"/>
+          </a:p>
+        </p:txBody>
+      </p:sp>
+      <mc:AlternateContent xmlns:mc="http://schemas.openxmlformats.org/markup-compatibility/2006" xmlns:a14="http://schemas.microsoft.com/office/drawing/2010/main">
+        <mc:Choice Requires="a14">
+          <p:sp>
+            <p:nvSpPr>
+              <p:cNvPr id="18" name="TextBox 17"/>
+              <p:cNvSpPr txBox="1"/>
+              <p:nvPr/>
+            </p:nvSpPr>
+            <p:spPr>
+              <a:xfrm>
+                <a:off x="2447764" y="2716083"/>
+                <a:ext cx="1316098" cy="830997"/>
+              </a:xfrm>
+              <a:prstGeom prst="rect">
+                <a:avLst/>
+              </a:prstGeom>
+              <a:noFill/>
+            </p:spPr>
+            <p:txBody>
+              <a:bodyPr wrap="square" rtlCol="0">
+                <a:spAutoFit/>
+              </a:bodyPr>
+              <a:lstStyle/>
+              <a:p>
+                <a:pPr/>
+                <a14:m>
+                  <m:oMathPara xmlns:m="http://schemas.openxmlformats.org/officeDocument/2006/math">
+                    <m:oMathParaPr>
+                      <m:jc m:val="centerGroup"/>
+                    </m:oMathParaPr>
+                    <m:oMath xmlns:m="http://schemas.openxmlformats.org/officeDocument/2006/math">
+                      <m:sSub>
+                        <m:sSubPr>
+                          <m:ctrlPr>
+                            <a:rPr lang="nl-NL" sz="4800" b="0" i="1" smtClean="0">
+                              <a:latin typeface="Cambria Math"/>
+                            </a:rPr>
+                          </m:ctrlPr>
+                        </m:sSubPr>
+                        <m:e>
+                          <m:r>
+                            <a:rPr lang="nl-NL" sz="4800" b="0" i="1" smtClean="0">
+                              <a:latin typeface="Cambria Math"/>
+                            </a:rPr>
+                            <m:t>𝑒</m:t>
+                          </m:r>
+                        </m:e>
+                        <m:sub>
+                          <m:r>
+                            <a:rPr lang="nl-NL" sz="4800" b="0" i="1" smtClean="0">
+                              <a:latin typeface="Cambria Math"/>
+                            </a:rPr>
+                            <m:t>1</m:t>
+                          </m:r>
+                        </m:sub>
+                      </m:sSub>
+                    </m:oMath>
+                  </m:oMathPara>
+                </a14:m>
+                <a:endParaRPr lang="nl-NL" sz="4800" dirty="0"/>
+              </a:p>
+            </p:txBody>
+          </p:sp>
+        </mc:Choice>
+        <mc:Fallback xmlns="">
+          <p:sp>
+            <p:nvSpPr>
+              <p:cNvPr id="18" name="TextBox 17"/>
+              <p:cNvSpPr txBox="1">
+                <a:spLocks noRot="1" noChangeAspect="1" noMove="1" noResize="1" noEditPoints="1" noAdjustHandles="1" noChangeArrowheads="1" noChangeShapeType="1" noTextEdit="1"/>
+              </p:cNvSpPr>
+              <p:nvPr/>
+            </p:nvSpPr>
+            <p:spPr>
+              <a:xfrm>
+                <a:off x="2447764" y="2716083"/>
+                <a:ext cx="1316098" cy="830997"/>
+              </a:xfrm>
+              <a:prstGeom prst="rect">
+                <a:avLst/>
+              </a:prstGeom>
+              <a:blipFill rotWithShape="1">
+                <a:blip r:embed="rId4"/>
+                <a:stretch>
+                  <a:fillRect/>
+                </a:stretch>
+              </a:blipFill>
+            </p:spPr>
+            <p:txBody>
+              <a:bodyPr/>
+              <a:lstStyle/>
+              <a:p>
+                <a:r>
+                  <a:rPr lang="nl-NL">
+                    <a:noFill/>
+                  </a:rPr>
+                  <a:t> </a:t>
+                </a:r>
+              </a:p>
+            </p:txBody>
+          </p:sp>
+        </mc:Fallback>
+      </mc:AlternateContent>
+      <mc:AlternateContent xmlns:mc="http://schemas.openxmlformats.org/markup-compatibility/2006" xmlns:a14="http://schemas.microsoft.com/office/drawing/2010/main">
+        <mc:Choice Requires="a14">
+          <p:sp>
+            <p:nvSpPr>
+              <p:cNvPr id="19" name="TextBox 18"/>
+              <p:cNvSpPr txBox="1"/>
+              <p:nvPr/>
+            </p:nvSpPr>
+            <p:spPr>
+              <a:xfrm>
+                <a:off x="5380138" y="1663525"/>
+                <a:ext cx="1316098" cy="830997"/>
+              </a:xfrm>
+              <a:prstGeom prst="rect">
+                <a:avLst/>
+              </a:prstGeom>
+              <a:noFill/>
+            </p:spPr>
+            <p:txBody>
+              <a:bodyPr wrap="square" rtlCol="0">
+                <a:spAutoFit/>
+              </a:bodyPr>
+              <a:lstStyle/>
+              <a:p>
+                <a:pPr/>
+                <a14:m>
+                  <m:oMathPara xmlns:m="http://schemas.openxmlformats.org/officeDocument/2006/math">
+                    <m:oMathParaPr>
+                      <m:jc m:val="centerGroup"/>
+                    </m:oMathParaPr>
+                    <m:oMath xmlns:m="http://schemas.openxmlformats.org/officeDocument/2006/math">
+                      <m:sSub>
+                        <m:sSubPr>
+                          <m:ctrlPr>
+                            <a:rPr lang="nl-NL" sz="4800" b="0" i="1" smtClean="0">
+                              <a:latin typeface="Cambria Math"/>
+                            </a:rPr>
+                          </m:ctrlPr>
+                        </m:sSubPr>
+                        <m:e>
+                          <m:r>
+                            <a:rPr lang="nl-NL" sz="4800" b="0" i="1" smtClean="0">
+                              <a:latin typeface="Cambria Math"/>
+                            </a:rPr>
+                            <m:t>𝑒</m:t>
+                          </m:r>
+                        </m:e>
+                        <m:sub>
+                          <m:r>
+                            <a:rPr lang="nl-NL" sz="4800" b="0" i="1" smtClean="0">
+                              <a:latin typeface="Cambria Math"/>
+                            </a:rPr>
+                            <m:t>2</m:t>
+                          </m:r>
+                        </m:sub>
+                      </m:sSub>
+                    </m:oMath>
+                  </m:oMathPara>
+                </a14:m>
+                <a:endParaRPr lang="nl-NL" sz="4800" dirty="0"/>
+              </a:p>
+            </p:txBody>
+          </p:sp>
+        </mc:Choice>
+        <mc:Fallback xmlns="">
+          <p:sp>
+            <p:nvSpPr>
+              <p:cNvPr id="19" name="TextBox 18"/>
+              <p:cNvSpPr txBox="1">
+                <a:spLocks noRot="1" noChangeAspect="1" noMove="1" noResize="1" noEditPoints="1" noAdjustHandles="1" noChangeArrowheads="1" noChangeShapeType="1" noTextEdit="1"/>
+              </p:cNvSpPr>
+              <p:nvPr/>
+            </p:nvSpPr>
+            <p:spPr>
+              <a:xfrm>
+                <a:off x="5380138" y="1663525"/>
+                <a:ext cx="1316098" cy="830997"/>
+              </a:xfrm>
+              <a:prstGeom prst="rect">
+                <a:avLst/>
+              </a:prstGeom>
+              <a:blipFill rotWithShape="1">
+                <a:blip r:embed="rId5"/>
+                <a:stretch>
+                  <a:fillRect/>
+                </a:stretch>
+              </a:blipFill>
+            </p:spPr>
+            <p:txBody>
+              <a:bodyPr/>
+              <a:lstStyle/>
+              <a:p>
+                <a:r>
+                  <a:rPr lang="nl-NL">
+                    <a:noFill/>
+                  </a:rPr>
+                  <a:t> </a:t>
+                </a:r>
+              </a:p>
+            </p:txBody>
+          </p:sp>
+        </mc:Fallback>
+      </mc:AlternateContent>
+      <mc:AlternateContent xmlns:mc="http://schemas.openxmlformats.org/markup-compatibility/2006" xmlns:a14="http://schemas.microsoft.com/office/drawing/2010/main">
+        <mc:Choice Requires="a14">
+          <p:sp>
+            <p:nvSpPr>
+              <p:cNvPr id="20" name="TextBox 19"/>
+              <p:cNvSpPr txBox="1"/>
+              <p:nvPr/>
+            </p:nvSpPr>
+            <p:spPr>
+              <a:xfrm>
+                <a:off x="4259205" y="548680"/>
+                <a:ext cx="1316098" cy="830997"/>
+              </a:xfrm>
+              <a:prstGeom prst="rect">
+                <a:avLst/>
+              </a:prstGeom>
+              <a:noFill/>
+            </p:spPr>
+            <p:txBody>
+              <a:bodyPr wrap="square" rtlCol="0">
+                <a:spAutoFit/>
+              </a:bodyPr>
+              <a:lstStyle/>
+              <a:p>
+                <a:pPr/>
+                <a14:m>
+                  <m:oMathPara xmlns:m="http://schemas.openxmlformats.org/officeDocument/2006/math">
+                    <m:oMathParaPr>
+                      <m:jc m:val="centerGroup"/>
+                    </m:oMathParaPr>
+                    <m:oMath xmlns:m="http://schemas.openxmlformats.org/officeDocument/2006/math">
+                      <m:sSub>
+                        <m:sSubPr>
+                          <m:ctrlPr>
+                            <a:rPr lang="nl-NL" sz="4800" b="0" i="1" smtClean="0">
+                              <a:latin typeface="Cambria Math"/>
+                            </a:rPr>
+                          </m:ctrlPr>
+                        </m:sSubPr>
+                        <m:e>
+                          <m:r>
+                            <a:rPr lang="nl-NL" sz="4800" b="0" i="1" smtClean="0">
+                              <a:latin typeface="Cambria Math"/>
+                            </a:rPr>
+                            <m:t>𝑒</m:t>
+                          </m:r>
+                        </m:e>
+                        <m:sub>
+                          <m:r>
+                            <a:rPr lang="nl-NL" sz="4800" b="0" i="1" smtClean="0">
+                              <a:latin typeface="Cambria Math"/>
+                            </a:rPr>
+                            <m:t>3</m:t>
+                          </m:r>
+                        </m:sub>
+                      </m:sSub>
+                    </m:oMath>
+                  </m:oMathPara>
+                </a14:m>
+                <a:endParaRPr lang="nl-NL" sz="4800" dirty="0"/>
+              </a:p>
+            </p:txBody>
+          </p:sp>
+        </mc:Choice>
+        <mc:Fallback xmlns="">
+          <p:sp>
+            <p:nvSpPr>
+              <p:cNvPr id="20" name="TextBox 19"/>
+              <p:cNvSpPr txBox="1">
+                <a:spLocks noRot="1" noChangeAspect="1" noMove="1" noResize="1" noEditPoints="1" noAdjustHandles="1" noChangeArrowheads="1" noChangeShapeType="1" noTextEdit="1"/>
+              </p:cNvSpPr>
+              <p:nvPr/>
+            </p:nvSpPr>
+            <p:spPr>
+              <a:xfrm>
+                <a:off x="4259205" y="548680"/>
+                <a:ext cx="1316098" cy="830997"/>
+              </a:xfrm>
+              <a:prstGeom prst="rect">
+                <a:avLst/>
+              </a:prstGeom>
+              <a:blipFill rotWithShape="1">
+                <a:blip r:embed="rId6"/>
+                <a:stretch>
+                  <a:fillRect/>
+                </a:stretch>
+              </a:blipFill>
+            </p:spPr>
+            <p:txBody>
+              <a:bodyPr/>
+              <a:lstStyle/>
+              <a:p>
+                <a:r>
+                  <a:rPr lang="nl-NL">
+                    <a:noFill/>
+                  </a:rPr>
+                  <a:t> </a:t>
+                </a:r>
+              </a:p>
+            </p:txBody>
+          </p:sp>
+        </mc:Fallback>
+      </mc:AlternateContent>
+      <p:cxnSp>
+        <p:nvCxnSpPr>
+          <p:cNvPr id="22" name="Straight Connector 21"/>
+          <p:cNvCxnSpPr/>
+          <p:nvPr/>
+        </p:nvCxnSpPr>
+        <p:spPr>
+          <a:xfrm flipH="1" flipV="1">
+            <a:off x="4480292" y="2673988"/>
+            <a:ext cx="4861" cy="2663213"/>
+          </a:xfrm>
+          <a:prstGeom prst="line">
+            <a:avLst/>
+          </a:prstGeom>
+          <a:ln>
+            <a:prstDash val="sysDot"/>
+          </a:ln>
+        </p:spPr>
+        <p:style>
+          <a:lnRef idx="3">
+            <a:schemeClr val="accent1"/>
+          </a:lnRef>
+          <a:fillRef idx="0">
+            <a:schemeClr val="accent1"/>
+          </a:fillRef>
+          <a:effectRef idx="2">
+            <a:schemeClr val="accent1"/>
+          </a:effectRef>
+          <a:fontRef idx="minor">
+            <a:schemeClr val="tx1"/>
+          </a:fontRef>
+        </p:style>
+      </p:cxnSp>
+      <p:sp>
+        <p:nvSpPr>
+          <p:cNvPr id="16" name="Oval 15"/>
+          <p:cNvSpPr/>
+          <p:nvPr/>
+        </p:nvSpPr>
+        <p:spPr>
+          <a:xfrm>
+            <a:off x="2454091" y="3933056"/>
+            <a:ext cx="4062125" cy="1952419"/>
+          </a:xfrm>
+          <a:prstGeom prst="ellipse">
+            <a:avLst/>
+          </a:prstGeom>
+          <a:noFill/>
+          <a:ln>
+            <a:solidFill>
+              <a:srgbClr val="0085B2"/>
+            </a:solidFill>
+            <a:prstDash val="sysDot"/>
+          </a:ln>
+        </p:spPr>
+        <p:style>
+          <a:lnRef idx="2">
+            <a:schemeClr val="accent5"/>
+          </a:lnRef>
+          <a:fillRef idx="1">
+            <a:schemeClr val="lt1"/>
+          </a:fillRef>
+          <a:effectRef idx="0">
+            <a:schemeClr val="accent5"/>
+          </a:effectRef>
+          <a:fontRef idx="minor">
+            <a:schemeClr val="dk1"/>
+          </a:fontRef>
+        </p:style>
+        <p:txBody>
+          <a:bodyPr rtlCol="0" anchor="ctr"/>
+          <a:lstStyle/>
+          <a:p>
+            <a:pPr algn="ctr"/>
+            <a:endParaRPr lang="nl-NL"/>
+          </a:p>
+        </p:txBody>
+      </p:sp>
+      <p:sp>
+        <p:nvSpPr>
+          <p:cNvPr id="17" name="Oval 16"/>
+          <p:cNvSpPr/>
+          <p:nvPr/>
+        </p:nvSpPr>
+        <p:spPr>
+          <a:xfrm flipH="1">
+            <a:off x="6061455" y="5114722"/>
+            <a:ext cx="493444" cy="444956"/>
+          </a:xfrm>
+          <a:prstGeom prst="ellipse">
+            <a:avLst/>
+          </a:prstGeom>
+        </p:spPr>
+        <p:style>
+          <a:lnRef idx="1">
+            <a:schemeClr val="dk1"/>
+          </a:lnRef>
+          <a:fillRef idx="3">
+            <a:schemeClr val="dk1"/>
+          </a:fillRef>
+          <a:effectRef idx="2">
+            <a:schemeClr val="dk1"/>
+          </a:effectRef>
+          <a:fontRef idx="minor">
+            <a:schemeClr val="lt1"/>
+          </a:fontRef>
+        </p:style>
+        <p:txBody>
+          <a:bodyPr rtlCol="0" anchor="ctr"/>
+          <a:lstStyle/>
+          <a:p>
+            <a:pPr algn="ctr"/>
+            <a:endParaRPr lang="nl-NL"/>
+          </a:p>
+        </p:txBody>
+      </p:sp>
+    </p:spTree>
+    <p:extLst>
+      <p:ext uri="{BB962C8B-B14F-4D97-AF65-F5344CB8AC3E}">
+        <p14:creationId xmlns:p14="http://schemas.microsoft.com/office/powerpoint/2010/main" val="1774657958"/>
+      </p:ext>
+    </p:extLst>
+  </p:cSld>
+  <p:clrMapOvr>
+    <a:masterClrMapping/>
+  </p:clrMapOvr>
+  <p:timing>
+    <p:tnLst>
+      <p:par>
+        <p:cTn id="1" dur="indefinite" restart="never" nodeType="tmRoot"/>
+      </p:par>
+    </p:tnLst>
+  </p:timing>
+</p:sld>
+</file>
+
+<file path=ppt/slides/slide32.xml><?xml version="1.0" encoding="utf-8"?>
+<p:sld xmlns:a="http://schemas.openxmlformats.org/drawingml/2006/main" xmlns:r="http://schemas.openxmlformats.org/officeDocument/2006/relationships" xmlns:p="http://schemas.openxmlformats.org/presentationml/2006/main">
+  <p:cSld>
+    <p:spTree>
+      <p:nvGrpSpPr>
+        <p:cNvPr id="1" name=""/>
+        <p:cNvGrpSpPr/>
+        <p:nvPr/>
+      </p:nvGrpSpPr>
+      <p:grpSpPr>
+        <a:xfrm>
+          <a:off x="0" y="0"/>
+          <a:ext cx="0" cy="0"/>
+          <a:chOff x="0" y="0"/>
+          <a:chExt cx="0" cy="0"/>
+        </a:xfrm>
+      </p:grpSpPr>
+      <p:sp>
+        <p:nvSpPr>
+          <p:cNvPr id="2" name="TextBox 1"/>
+          <p:cNvSpPr txBox="1"/>
+          <p:nvPr/>
+        </p:nvSpPr>
+        <p:spPr>
+          <a:xfrm>
+            <a:off x="6660232" y="4005063"/>
+            <a:ext cx="1474304" cy="830997"/>
+          </a:xfrm>
+          <a:prstGeom prst="rect">
+            <a:avLst/>
+          </a:prstGeom>
+        </p:spPr>
+        <p:style>
+          <a:lnRef idx="2">
+            <a:schemeClr val="dk1"/>
+          </a:lnRef>
+          <a:fillRef idx="1">
+            <a:schemeClr val="lt1"/>
+          </a:fillRef>
+          <a:effectRef idx="0">
+            <a:schemeClr val="dk1"/>
+          </a:effectRef>
+          <a:fontRef idx="minor">
+            <a:schemeClr val="dk1"/>
+          </a:fontRef>
+        </p:style>
+        <p:txBody>
+          <a:bodyPr wrap="square" rtlCol="0">
+            <a:spAutoFit/>
+          </a:bodyPr>
+          <a:lstStyle/>
+          <a:p>
+            <a:r>
+              <a:rPr lang="nl-NL" sz="2400" b="1" dirty="0" smtClean="0"/>
+              <a:t>QR-Load </a:t>
+            </a:r>
+          </a:p>
+          <a:p>
+            <a:r>
+              <a:rPr lang="nl-NL" sz="2400" b="1" dirty="0" smtClean="0"/>
+              <a:t>Dynamics</a:t>
+            </a:r>
+          </a:p>
+        </p:txBody>
+      </p:sp>
+      <p:sp>
+        <p:nvSpPr>
+          <p:cNvPr id="3" name="TextBox 2"/>
+          <p:cNvSpPr txBox="1"/>
+          <p:nvPr/>
+        </p:nvSpPr>
+        <p:spPr>
+          <a:xfrm>
+            <a:off x="4834040" y="4005063"/>
+            <a:ext cx="1425234" cy="1200329"/>
+          </a:xfrm>
+          <a:prstGeom prst="rect">
+            <a:avLst/>
+          </a:prstGeom>
+        </p:spPr>
+        <p:style>
+          <a:lnRef idx="2">
+            <a:schemeClr val="dk1"/>
+          </a:lnRef>
+          <a:fillRef idx="1">
+            <a:schemeClr val="lt1"/>
+          </a:fillRef>
+          <a:effectRef idx="0">
+            <a:schemeClr val="dk1"/>
+          </a:effectRef>
+          <a:fontRef idx="minor">
+            <a:schemeClr val="dk1"/>
+          </a:fontRef>
+        </p:style>
+        <p:txBody>
+          <a:bodyPr wrap="square" rtlCol="0">
+            <a:spAutoFit/>
+          </a:bodyPr>
+          <a:lstStyle/>
+          <a:p>
+            <a:r>
+              <a:rPr lang="nl-NL" sz="2400" b="1" dirty="0" smtClean="0"/>
+              <a:t>QR attitude controller</a:t>
+            </a:r>
+          </a:p>
+        </p:txBody>
+      </p:sp>
+      <p:sp>
+        <p:nvSpPr>
+          <p:cNvPr id="4" name="TextBox 3"/>
+          <p:cNvSpPr txBox="1"/>
+          <p:nvPr/>
+        </p:nvSpPr>
+        <p:spPr>
+          <a:xfrm>
+            <a:off x="2956733" y="4005063"/>
+            <a:ext cx="1476350" cy="461665"/>
+          </a:xfrm>
+          <a:prstGeom prst="rect">
+            <a:avLst/>
+          </a:prstGeom>
+        </p:spPr>
+        <p:style>
+          <a:lnRef idx="2">
+            <a:schemeClr val="dk1"/>
+          </a:lnRef>
+          <a:fillRef idx="1">
+            <a:schemeClr val="lt1"/>
+          </a:fillRef>
+          <a:effectRef idx="0">
+            <a:schemeClr val="dk1"/>
+          </a:effectRef>
+          <a:fontRef idx="minor">
+            <a:schemeClr val="dk1"/>
+          </a:fontRef>
+        </p:style>
+        <p:txBody>
+          <a:bodyPr wrap="square" rtlCol="0">
+            <a:spAutoFit/>
+          </a:bodyPr>
+          <a:lstStyle/>
+          <a:p>
+            <a:r>
+              <a:rPr lang="nl-NL" sz="2400" b="1" dirty="0" smtClean="0"/>
+              <a:t>Controller</a:t>
+            </a:r>
+          </a:p>
+        </p:txBody>
+      </p:sp>
+      <p:sp>
+        <p:nvSpPr>
+          <p:cNvPr id="5" name="TextBox 4"/>
+          <p:cNvSpPr txBox="1"/>
+          <p:nvPr/>
+        </p:nvSpPr>
+        <p:spPr>
+          <a:xfrm>
+            <a:off x="1043608" y="4005063"/>
+            <a:ext cx="1512168" cy="461665"/>
+          </a:xfrm>
+          <a:prstGeom prst="rect">
+            <a:avLst/>
+          </a:prstGeom>
+        </p:spPr>
+        <p:style>
+          <a:lnRef idx="2">
+            <a:schemeClr val="dk1"/>
+          </a:lnRef>
+          <a:fillRef idx="1">
+            <a:schemeClr val="lt1"/>
+          </a:fillRef>
+          <a:effectRef idx="0">
+            <a:schemeClr val="dk1"/>
+          </a:effectRef>
+          <a:fontRef idx="minor">
+            <a:schemeClr val="dk1"/>
+          </a:fontRef>
+        </p:style>
+        <p:txBody>
+          <a:bodyPr wrap="square" rtlCol="0">
+            <a:spAutoFit/>
+          </a:bodyPr>
+          <a:lstStyle/>
+          <a:p>
+            <a:r>
+              <a:rPr lang="nl-NL" sz="2400" b="1" dirty="0"/>
+              <a:t>C</a:t>
+            </a:r>
+            <a:endParaRPr lang="nl-NL" sz="2400" b="1" dirty="0" smtClean="0"/>
+          </a:p>
+        </p:txBody>
+      </p:sp>
+      <p:grpSp>
+        <p:nvGrpSpPr>
+          <p:cNvPr id="9" name="Group 8"/>
+          <p:cNvGrpSpPr/>
+          <p:nvPr/>
+        </p:nvGrpSpPr>
+        <p:grpSpPr>
+          <a:xfrm>
+            <a:off x="6259274" y="4293096"/>
+            <a:ext cx="412846" cy="275059"/>
+            <a:chOff x="6216244" y="4509120"/>
+            <a:chExt cx="449932" cy="275059"/>
+          </a:xfrm>
+        </p:grpSpPr>
+        <p:cxnSp>
+          <p:nvCxnSpPr>
+            <p:cNvPr id="7" name="Straight Arrow Connector 6"/>
+            <p:cNvCxnSpPr/>
+            <p:nvPr/>
+          </p:nvCxnSpPr>
+          <p:spPr>
+            <a:xfrm>
+              <a:off x="6216244" y="4509120"/>
+              <a:ext cx="443988" cy="0"/>
+            </a:xfrm>
+            <a:prstGeom prst="straightConnector1">
+              <a:avLst/>
+            </a:prstGeom>
+            <a:ln>
+              <a:tailEnd type="arrow"/>
+            </a:ln>
+            <a:effectLst/>
+          </p:spPr>
+          <p:style>
+            <a:lnRef idx="3">
+              <a:schemeClr val="dk1"/>
+            </a:lnRef>
+            <a:fillRef idx="0">
+              <a:schemeClr val="dk1"/>
+            </a:fillRef>
+            <a:effectRef idx="2">
+              <a:schemeClr val="dk1"/>
+            </a:effectRef>
+            <a:fontRef idx="minor">
+              <a:schemeClr val="tx1"/>
+            </a:fontRef>
+          </p:style>
+        </p:cxnSp>
+        <p:cxnSp>
+          <p:nvCxnSpPr>
+            <p:cNvPr id="8" name="Straight Arrow Connector 7"/>
+            <p:cNvCxnSpPr/>
+            <p:nvPr/>
+          </p:nvCxnSpPr>
+          <p:spPr>
+            <a:xfrm>
+              <a:off x="6222188" y="4784179"/>
+              <a:ext cx="443988" cy="0"/>
+            </a:xfrm>
+            <a:prstGeom prst="straightConnector1">
+              <a:avLst/>
+            </a:prstGeom>
+            <a:ln>
+              <a:tailEnd type="arrow"/>
+            </a:ln>
+            <a:effectLst/>
+          </p:spPr>
+          <p:style>
+            <a:lnRef idx="3">
+              <a:schemeClr val="dk1"/>
+            </a:lnRef>
+            <a:fillRef idx="0">
+              <a:schemeClr val="dk1"/>
+            </a:fillRef>
+            <a:effectRef idx="2">
+              <a:schemeClr val="dk1"/>
+            </a:effectRef>
+            <a:fontRef idx="minor">
+              <a:schemeClr val="tx1"/>
+            </a:fontRef>
+          </p:style>
+        </p:cxnSp>
+      </p:grpSp>
+      <p:cxnSp>
+        <p:nvCxnSpPr>
+          <p:cNvPr id="18" name="Straight Arrow Connector 17"/>
+          <p:cNvCxnSpPr>
+            <a:endCxn id="5" idx="1"/>
+          </p:cNvCxnSpPr>
+          <p:nvPr/>
+        </p:nvCxnSpPr>
+        <p:spPr>
+          <a:xfrm flipV="1">
+            <a:off x="395536" y="4235896"/>
+            <a:ext cx="648072" cy="369332"/>
+          </a:xfrm>
+          <a:prstGeom prst="straightConnector1">
+            <a:avLst/>
+          </a:prstGeom>
+          <a:ln>
+            <a:tailEnd type="arrow"/>
+          </a:ln>
+          <a:effectLst/>
+        </p:spPr>
+        <p:style>
+          <a:lnRef idx="3">
+            <a:schemeClr val="dk1"/>
+          </a:lnRef>
+          <a:fillRef idx="0">
+            <a:schemeClr val="dk1"/>
+          </a:fillRef>
+          <a:effectRef idx="2">
+            <a:schemeClr val="dk1"/>
+          </a:effectRef>
+          <a:fontRef idx="minor">
+            <a:schemeClr val="tx1"/>
+          </a:fontRef>
+        </p:style>
+      </p:cxnSp>
+      <p:cxnSp>
+        <p:nvCxnSpPr>
+          <p:cNvPr id="23" name="Straight Arrow Connector 22"/>
+          <p:cNvCxnSpPr>
+            <a:stCxn id="2" idx="3"/>
+          </p:cNvCxnSpPr>
+          <p:nvPr/>
+        </p:nvCxnSpPr>
+        <p:spPr>
+          <a:xfrm>
+            <a:off x="8134536" y="4420562"/>
+            <a:ext cx="901960" cy="0"/>
+          </a:xfrm>
+          <a:prstGeom prst="straightConnector1">
+            <a:avLst/>
+          </a:prstGeom>
+          <a:ln>
+            <a:tailEnd type="arrow"/>
+          </a:ln>
+          <a:effectLst/>
+        </p:spPr>
+        <p:style>
+          <a:lnRef idx="3">
+            <a:schemeClr val="dk1"/>
+          </a:lnRef>
+          <a:fillRef idx="0">
+            <a:schemeClr val="dk1"/>
+          </a:fillRef>
+          <a:effectRef idx="2">
+            <a:schemeClr val="dk1"/>
+          </a:effectRef>
+          <a:fontRef idx="minor">
+            <a:schemeClr val="tx1"/>
+          </a:fontRef>
+        </p:style>
+      </p:cxnSp>
+      <p:cxnSp>
+        <p:nvCxnSpPr>
+          <p:cNvPr id="28" name="Straight Connector 27"/>
+          <p:cNvCxnSpPr/>
+          <p:nvPr/>
+        </p:nvCxnSpPr>
+        <p:spPr>
+          <a:xfrm>
+            <a:off x="8278552" y="4437112"/>
+            <a:ext cx="3722" cy="1224160"/>
+          </a:xfrm>
+          <a:prstGeom prst="line">
+            <a:avLst/>
+          </a:prstGeom>
+          <a:effectLst/>
+        </p:spPr>
+        <p:style>
+          <a:lnRef idx="3">
+            <a:schemeClr val="dk1"/>
+          </a:lnRef>
+          <a:fillRef idx="0">
+            <a:schemeClr val="dk1"/>
+          </a:fillRef>
+          <a:effectRef idx="2">
+            <a:schemeClr val="dk1"/>
+          </a:effectRef>
+          <a:fontRef idx="minor">
+            <a:schemeClr val="tx1"/>
+          </a:fontRef>
+        </p:style>
+      </p:cxnSp>
+      <p:cxnSp>
+        <p:nvCxnSpPr>
+          <p:cNvPr id="31" name="Straight Connector 30"/>
+          <p:cNvCxnSpPr/>
+          <p:nvPr/>
+        </p:nvCxnSpPr>
+        <p:spPr>
+          <a:xfrm>
+            <a:off x="8441500" y="4437112"/>
+            <a:ext cx="0" cy="1440160"/>
+          </a:xfrm>
+          <a:prstGeom prst="line">
+            <a:avLst/>
+          </a:prstGeom>
+          <a:effectLst/>
+        </p:spPr>
+        <p:style>
+          <a:lnRef idx="3">
+            <a:schemeClr val="dk1"/>
+          </a:lnRef>
+          <a:fillRef idx="0">
+            <a:schemeClr val="dk1"/>
+          </a:fillRef>
+          <a:effectRef idx="2">
+            <a:schemeClr val="dk1"/>
+          </a:effectRef>
+          <a:fontRef idx="minor">
+            <a:schemeClr val="tx1"/>
+          </a:fontRef>
+        </p:style>
+      </p:cxnSp>
+      <p:cxnSp>
+        <p:nvCxnSpPr>
+          <p:cNvPr id="32" name="Straight Connector 31"/>
+          <p:cNvCxnSpPr/>
+          <p:nvPr/>
+        </p:nvCxnSpPr>
+        <p:spPr>
+          <a:xfrm>
+            <a:off x="8604448" y="4437112"/>
+            <a:ext cx="0" cy="1656184"/>
+          </a:xfrm>
+          <a:prstGeom prst="line">
+            <a:avLst/>
+          </a:prstGeom>
+          <a:effectLst/>
+        </p:spPr>
+        <p:style>
+          <a:lnRef idx="3">
+            <a:schemeClr val="dk1"/>
+          </a:lnRef>
+          <a:fillRef idx="0">
+            <a:schemeClr val="dk1"/>
+          </a:fillRef>
+          <a:effectRef idx="2">
+            <a:schemeClr val="dk1"/>
+          </a:effectRef>
+          <a:fontRef idx="minor">
+            <a:schemeClr val="tx1"/>
+          </a:fontRef>
+        </p:style>
+      </p:cxnSp>
+      <p:cxnSp>
+        <p:nvCxnSpPr>
+          <p:cNvPr id="35" name="Straight Connector 34"/>
+          <p:cNvCxnSpPr/>
+          <p:nvPr/>
+        </p:nvCxnSpPr>
+        <p:spPr>
+          <a:xfrm>
+            <a:off x="3694908" y="5877272"/>
+            <a:ext cx="4746592" cy="0"/>
+          </a:xfrm>
+          <a:prstGeom prst="line">
+            <a:avLst/>
+          </a:prstGeom>
+          <a:effectLst/>
+        </p:spPr>
+        <p:style>
+          <a:lnRef idx="3">
+            <a:schemeClr val="dk1"/>
+          </a:lnRef>
+          <a:fillRef idx="0">
+            <a:schemeClr val="dk1"/>
+          </a:fillRef>
+          <a:effectRef idx="2">
+            <a:schemeClr val="dk1"/>
+          </a:effectRef>
+          <a:fontRef idx="minor">
+            <a:schemeClr val="tx1"/>
+          </a:fontRef>
+        </p:style>
+      </p:cxnSp>
+      <p:cxnSp>
+        <p:nvCxnSpPr>
+          <p:cNvPr id="36" name="Straight Connector 35"/>
+          <p:cNvCxnSpPr/>
+          <p:nvPr/>
+        </p:nvCxnSpPr>
+        <p:spPr>
+          <a:xfrm flipV="1">
+            <a:off x="1799692" y="6093297"/>
+            <a:ext cx="6804756" cy="11718"/>
+          </a:xfrm>
+          <a:prstGeom prst="line">
+            <a:avLst/>
+          </a:prstGeom>
+          <a:effectLst/>
+        </p:spPr>
+        <p:style>
+          <a:lnRef idx="3">
+            <a:schemeClr val="dk1"/>
+          </a:lnRef>
+          <a:fillRef idx="0">
+            <a:schemeClr val="dk1"/>
+          </a:fillRef>
+          <a:effectRef idx="2">
+            <a:schemeClr val="dk1"/>
+          </a:effectRef>
+          <a:fontRef idx="minor">
+            <a:schemeClr val="tx1"/>
+          </a:fontRef>
+        </p:style>
+      </p:cxnSp>
+      <p:cxnSp>
+        <p:nvCxnSpPr>
+          <p:cNvPr id="37" name="Straight Connector 36"/>
+          <p:cNvCxnSpPr/>
+          <p:nvPr/>
+        </p:nvCxnSpPr>
+        <p:spPr>
+          <a:xfrm>
+            <a:off x="5546657" y="5661272"/>
+            <a:ext cx="2735617" cy="0"/>
+          </a:xfrm>
+          <a:prstGeom prst="line">
+            <a:avLst/>
+          </a:prstGeom>
+          <a:effectLst/>
+        </p:spPr>
+        <p:style>
+          <a:lnRef idx="3">
+            <a:schemeClr val="dk1"/>
+          </a:lnRef>
+          <a:fillRef idx="0">
+            <a:schemeClr val="dk1"/>
+          </a:fillRef>
+          <a:effectRef idx="2">
+            <a:schemeClr val="dk1"/>
+          </a:effectRef>
+          <a:fontRef idx="minor">
+            <a:schemeClr val="tx1"/>
+          </a:fontRef>
+        </p:style>
+      </p:cxnSp>
+      <p:cxnSp>
+        <p:nvCxnSpPr>
+          <p:cNvPr id="43" name="Straight Arrow Connector 42"/>
+          <p:cNvCxnSpPr>
+            <a:endCxn id="5" idx="2"/>
+          </p:cNvCxnSpPr>
+          <p:nvPr/>
+        </p:nvCxnSpPr>
+        <p:spPr>
+          <a:xfrm flipH="1" flipV="1">
+            <a:off x="1799692" y="4466728"/>
+            <a:ext cx="5684" cy="1626568"/>
+          </a:xfrm>
+          <a:prstGeom prst="straightConnector1">
+            <a:avLst/>
+          </a:prstGeom>
+          <a:ln>
+            <a:tailEnd type="arrow"/>
+          </a:ln>
+          <a:effectLst/>
+        </p:spPr>
+        <p:style>
+          <a:lnRef idx="3">
+            <a:schemeClr val="dk1"/>
+          </a:lnRef>
+          <a:fillRef idx="0">
+            <a:schemeClr val="dk1"/>
+          </a:fillRef>
+          <a:effectRef idx="2">
+            <a:schemeClr val="dk1"/>
+          </a:effectRef>
+          <a:fontRef idx="minor">
+            <a:schemeClr val="tx1"/>
+          </a:fontRef>
+        </p:style>
+      </p:cxnSp>
+      <p:cxnSp>
+        <p:nvCxnSpPr>
+          <p:cNvPr id="44" name="Straight Arrow Connector 43"/>
+          <p:cNvCxnSpPr>
+            <a:endCxn id="4" idx="2"/>
+          </p:cNvCxnSpPr>
+          <p:nvPr/>
+        </p:nvCxnSpPr>
+        <p:spPr>
+          <a:xfrm flipV="1">
+            <a:off x="3694908" y="4466728"/>
+            <a:ext cx="0" cy="1410544"/>
+          </a:xfrm>
+          <a:prstGeom prst="straightConnector1">
+            <a:avLst/>
+          </a:prstGeom>
+          <a:ln>
+            <a:tailEnd type="arrow"/>
+          </a:ln>
+          <a:effectLst/>
+        </p:spPr>
+        <p:style>
+          <a:lnRef idx="3">
+            <a:schemeClr val="dk1"/>
+          </a:lnRef>
+          <a:fillRef idx="0">
+            <a:schemeClr val="dk1"/>
+          </a:fillRef>
+          <a:effectRef idx="2">
+            <a:schemeClr val="dk1"/>
+          </a:effectRef>
+          <a:fontRef idx="minor">
+            <a:schemeClr val="tx1"/>
+          </a:fontRef>
+        </p:style>
+      </p:cxnSp>
+      <p:cxnSp>
+        <p:nvCxnSpPr>
+          <p:cNvPr id="45" name="Straight Arrow Connector 44"/>
+          <p:cNvCxnSpPr>
+            <a:endCxn id="3" idx="2"/>
+          </p:cNvCxnSpPr>
+          <p:nvPr/>
+        </p:nvCxnSpPr>
+        <p:spPr>
+          <a:xfrm flipV="1">
+            <a:off x="5546657" y="5205392"/>
+            <a:ext cx="0" cy="443952"/>
+          </a:xfrm>
+          <a:prstGeom prst="straightConnector1">
+            <a:avLst/>
+          </a:prstGeom>
+          <a:ln>
+            <a:tailEnd type="arrow"/>
+          </a:ln>
+          <a:effectLst/>
+        </p:spPr>
+        <p:style>
+          <a:lnRef idx="3">
+            <a:schemeClr val="dk1"/>
+          </a:lnRef>
+          <a:fillRef idx="0">
+            <a:schemeClr val="dk1"/>
+          </a:fillRef>
+          <a:effectRef idx="2">
+            <a:schemeClr val="dk1"/>
+          </a:effectRef>
+          <a:fontRef idx="minor">
+            <a:schemeClr val="tx1"/>
+          </a:fontRef>
+        </p:style>
+      </p:cxnSp>
+      <mc:AlternateContent xmlns:mc="http://schemas.openxmlformats.org/markup-compatibility/2006" xmlns:a14="http://schemas.microsoft.com/office/drawing/2010/main">
+        <mc:Choice Requires="a14">
+          <p:sp>
+            <p:nvSpPr>
+              <p:cNvPr id="55" name="TextBox 54"/>
+              <p:cNvSpPr txBox="1"/>
+              <p:nvPr/>
+            </p:nvSpPr>
+            <p:spPr>
+              <a:xfrm>
+                <a:off x="2339752" y="6105015"/>
+                <a:ext cx="4464496" cy="553613"/>
+              </a:xfrm>
+              <a:prstGeom prst="rect">
+                <a:avLst/>
+              </a:prstGeom>
+              <a:noFill/>
+            </p:spPr>
+            <p:txBody>
+              <a:bodyPr wrap="square" rtlCol="0">
+                <a:spAutoFit/>
+              </a:bodyPr>
+              <a:lstStyle/>
+              <a:p>
+                <a:r>
+                  <a:rPr lang="nl-NL" sz="2800" b="0" dirty="0" smtClean="0"/>
+                  <a:t>Feedback: </a:t>
+                </a:r>
+                <a14:m>
+                  <m:oMath xmlns:m="http://schemas.openxmlformats.org/officeDocument/2006/math">
+                    <m:sSub>
+                      <m:sSubPr>
+                        <m:ctrlPr>
+                          <a:rPr lang="nl-NL" sz="2800" b="0" i="1" smtClean="0">
+                            <a:latin typeface="Cambria Math"/>
+                          </a:rPr>
+                        </m:ctrlPr>
+                      </m:sSubPr>
+                      <m:e>
+                        <m:r>
+                          <a:rPr lang="nl-NL" sz="2800" b="0" i="1" smtClean="0">
+                            <a:latin typeface="Cambria Math"/>
+                          </a:rPr>
+                          <m:t>𝑥</m:t>
+                        </m:r>
+                      </m:e>
+                      <m:sub>
+                        <m:r>
+                          <a:rPr lang="nl-NL" sz="2800" b="0" i="1" smtClean="0">
+                            <a:latin typeface="Cambria Math"/>
+                          </a:rPr>
+                          <m:t>𝑄</m:t>
+                        </m:r>
+                      </m:sub>
+                    </m:sSub>
+                    <m:r>
+                      <a:rPr lang="nl-NL" sz="2800" b="0" i="1" smtClean="0">
+                        <a:latin typeface="Cambria Math"/>
+                      </a:rPr>
+                      <m:t>, </m:t>
+                    </m:r>
+                    <m:sSub>
+                      <m:sSubPr>
+                        <m:ctrlPr>
+                          <a:rPr lang="nl-NL" sz="2800" b="0" i="1" smtClean="0">
+                            <a:latin typeface="Cambria Math"/>
+                          </a:rPr>
+                        </m:ctrlPr>
+                      </m:sSubPr>
+                      <m:e>
+                        <m:r>
+                          <a:rPr lang="nl-NL" sz="2800" b="0" i="1" smtClean="0">
+                            <a:latin typeface="Cambria Math"/>
+                          </a:rPr>
+                          <m:t>𝑣</m:t>
+                        </m:r>
+                      </m:e>
+                      <m:sub>
+                        <m:r>
+                          <a:rPr lang="nl-NL" sz="2800" b="0" i="1" smtClean="0">
+                            <a:latin typeface="Cambria Math"/>
+                          </a:rPr>
+                          <m:t>𝑄</m:t>
+                        </m:r>
+                      </m:sub>
+                    </m:sSub>
+                    <m:r>
+                      <a:rPr lang="nl-NL" sz="2800" b="0" i="1" smtClean="0">
+                        <a:latin typeface="Cambria Math"/>
+                      </a:rPr>
+                      <m:t>, </m:t>
+                    </m:r>
+                    <m:sSub>
+                      <m:sSubPr>
+                        <m:ctrlPr>
+                          <a:rPr lang="nl-NL" sz="2800" b="0" i="1" smtClean="0">
+                            <a:latin typeface="Cambria Math"/>
+                          </a:rPr>
+                        </m:ctrlPr>
+                      </m:sSubPr>
+                      <m:e>
+                        <m:r>
+                          <a:rPr lang="nl-NL" sz="2800" b="0" i="1" smtClean="0">
+                            <a:latin typeface="Cambria Math"/>
+                          </a:rPr>
+                          <m:t>𝑥</m:t>
+                        </m:r>
+                      </m:e>
+                      <m:sub>
+                        <m:r>
+                          <a:rPr lang="nl-NL" sz="2800" b="0" i="1" smtClean="0">
+                            <a:latin typeface="Cambria Math"/>
+                          </a:rPr>
+                          <m:t>𝐿</m:t>
+                        </m:r>
+                      </m:sub>
+                    </m:sSub>
+                    <m:r>
+                      <a:rPr lang="nl-NL" sz="2800" b="0" i="1" smtClean="0">
+                        <a:latin typeface="Cambria Math"/>
+                      </a:rPr>
+                      <m:t>, </m:t>
+                    </m:r>
+                    <m:sSub>
+                      <m:sSubPr>
+                        <m:ctrlPr>
+                          <a:rPr lang="nl-NL" sz="2800" b="0" i="1" smtClean="0">
+                            <a:latin typeface="Cambria Math"/>
+                          </a:rPr>
+                        </m:ctrlPr>
+                      </m:sSubPr>
+                      <m:e>
+                        <m:r>
+                          <a:rPr lang="nl-NL" sz="2800" b="0" i="1" smtClean="0">
+                            <a:latin typeface="Cambria Math"/>
+                          </a:rPr>
+                          <m:t>𝑣</m:t>
+                        </m:r>
+                      </m:e>
+                      <m:sub>
+                        <m:r>
+                          <a:rPr lang="nl-NL" sz="2800" b="0" i="1" smtClean="0">
+                            <a:latin typeface="Cambria Math"/>
+                          </a:rPr>
+                          <m:t>𝐿</m:t>
+                        </m:r>
+                      </m:sub>
+                    </m:sSub>
+                    <m:r>
+                      <a:rPr lang="nl-NL" sz="2800" b="0" i="1" smtClean="0">
+                        <a:latin typeface="Cambria Math"/>
+                      </a:rPr>
+                      <m:t>, </m:t>
+                    </m:r>
+                    <m:r>
+                      <a:rPr lang="nl-NL" sz="2800" b="0" i="1" smtClean="0">
+                        <a:latin typeface="Cambria Math"/>
+                      </a:rPr>
+                      <m:t>𝑞</m:t>
+                    </m:r>
+                    <m:r>
+                      <a:rPr lang="nl-NL" sz="2800" b="0" i="1" smtClean="0">
+                        <a:latin typeface="Cambria Math"/>
+                      </a:rPr>
+                      <m:t>, </m:t>
+                    </m:r>
+                    <m:r>
+                      <a:rPr lang="nl-NL" sz="2800" b="0" i="1" smtClean="0">
+                        <a:latin typeface="Cambria Math"/>
+                      </a:rPr>
+                      <m:t>𝑅</m:t>
+                    </m:r>
+                  </m:oMath>
+                </a14:m>
+                <a:endParaRPr lang="nl-NL" sz="2800" dirty="0"/>
+              </a:p>
+            </p:txBody>
+          </p:sp>
+        </mc:Choice>
+        <mc:Fallback xmlns="">
+          <p:sp>
+            <p:nvSpPr>
+              <p:cNvPr id="55" name="TextBox 54"/>
+              <p:cNvSpPr txBox="1">
+                <a:spLocks noRot="1" noChangeAspect="1" noMove="1" noResize="1" noEditPoints="1" noAdjustHandles="1" noChangeArrowheads="1" noChangeShapeType="1" noTextEdit="1"/>
+              </p:cNvSpPr>
+              <p:nvPr/>
+            </p:nvSpPr>
+            <p:spPr>
+              <a:xfrm>
+                <a:off x="2339752" y="6105015"/>
+                <a:ext cx="4464496" cy="553613"/>
+              </a:xfrm>
+              <a:prstGeom prst="rect">
+                <a:avLst/>
+              </a:prstGeom>
+              <a:blipFill rotWithShape="1">
+                <a:blip r:embed="rId4"/>
+                <a:stretch>
+                  <a:fillRect l="-2869" t="-9890" b="-25275"/>
+                </a:stretch>
+              </a:blipFill>
+            </p:spPr>
+            <p:txBody>
+              <a:bodyPr/>
+              <a:lstStyle/>
+              <a:p>
+                <a:r>
+                  <a:rPr lang="nl-NL">
+                    <a:noFill/>
+                  </a:rPr>
+                  <a:t> </a:t>
+                </a:r>
+              </a:p>
+            </p:txBody>
+          </p:sp>
+        </mc:Fallback>
+      </mc:AlternateContent>
+      <p:cxnSp>
+        <p:nvCxnSpPr>
+          <p:cNvPr id="41" name="Straight Arrow Connector 40"/>
+          <p:cNvCxnSpPr>
+            <a:stCxn id="5" idx="3"/>
+            <a:endCxn id="4" idx="1"/>
+          </p:cNvCxnSpPr>
+          <p:nvPr/>
+        </p:nvCxnSpPr>
+        <p:spPr>
+          <a:xfrm>
+            <a:off x="2555776" y="4235896"/>
+            <a:ext cx="400957" cy="0"/>
+          </a:xfrm>
+          <a:prstGeom prst="straightConnector1">
+            <a:avLst/>
+          </a:prstGeom>
+          <a:ln>
+            <a:tailEnd type="arrow"/>
+          </a:ln>
+          <a:effectLst/>
+        </p:spPr>
+        <p:style>
+          <a:lnRef idx="3">
+            <a:schemeClr val="dk1"/>
+          </a:lnRef>
+          <a:fillRef idx="0">
+            <a:schemeClr val="dk1"/>
+          </a:fillRef>
+          <a:effectRef idx="2">
+            <a:schemeClr val="dk1"/>
+          </a:effectRef>
+          <a:fontRef idx="minor">
+            <a:schemeClr val="tx1"/>
+          </a:fontRef>
+        </p:style>
+      </p:cxnSp>
+      <p:cxnSp>
+        <p:nvCxnSpPr>
+          <p:cNvPr id="46" name="Straight Arrow Connector 45"/>
+          <p:cNvCxnSpPr>
+            <a:stCxn id="4" idx="3"/>
+            <a:endCxn id="3" idx="1"/>
+          </p:cNvCxnSpPr>
+          <p:nvPr/>
+        </p:nvCxnSpPr>
+        <p:spPr>
+          <a:xfrm>
+            <a:off x="4433083" y="4235896"/>
+            <a:ext cx="400957" cy="369332"/>
+          </a:xfrm>
+          <a:prstGeom prst="straightConnector1">
+            <a:avLst/>
+          </a:prstGeom>
+          <a:ln>
+            <a:tailEnd type="arrow"/>
+          </a:ln>
+          <a:effectLst/>
+        </p:spPr>
+        <p:style>
+          <a:lnRef idx="3">
+            <a:schemeClr val="dk1"/>
+          </a:lnRef>
+          <a:fillRef idx="0">
+            <a:schemeClr val="dk1"/>
+          </a:fillRef>
+          <a:effectRef idx="2">
+            <a:schemeClr val="dk1"/>
+          </a:effectRef>
+          <a:fontRef idx="minor">
+            <a:schemeClr val="tx1"/>
+          </a:fontRef>
+        </p:style>
+      </p:cxnSp>
+    </p:spTree>
+    <p:extLst>
+      <p:ext uri="{BB962C8B-B14F-4D97-AF65-F5344CB8AC3E}">
+        <p14:creationId xmlns:p14="http://schemas.microsoft.com/office/powerpoint/2010/main" val="2226397651"/>
+      </p:ext>
+    </p:extLst>
+  </p:cSld>
+  <p:clrMapOvr>
+    <a:masterClrMapping/>
+  </p:clrMapOvr>
+  <p:timing>
+    <p:tnLst>
+      <p:par>
+        <p:cTn id="1" dur="indefinite" restart="never" nodeType="tmRoot"/>
+      </p:par>
+    </p:tnLst>
+  </p:timing>
+</p:sld>
+</file>
+
+<file path=ppt/slides/slide33.xml><?xml version="1.0" encoding="utf-8"?>
 <p:sld xmlns:a="http://schemas.openxmlformats.org/drawingml/2006/main" xmlns:r="http://schemas.openxmlformats.org/officeDocument/2006/relationships" xmlns:p="http://schemas.openxmlformats.org/presentationml/2006/main">
   <p:cSld>
     <p:spTree>
@@ -20262,7 +23304,7 @@
 </p:sld>
 </file>
 
-<file path=ppt/slides/slide31.xml><?xml version="1.0" encoding="utf-8"?>
+<file path=ppt/slides/slide34.xml><?xml version="1.0" encoding="utf-8"?>
 <p:sld xmlns:a="http://schemas.openxmlformats.org/drawingml/2006/main" xmlns:r="http://schemas.openxmlformats.org/officeDocument/2006/relationships" xmlns:p="http://schemas.openxmlformats.org/presentationml/2006/main">
   <p:cSld>
     <p:spTree>
@@ -21059,7 +24101,7 @@
 </p:sld>
 </file>
 
-<file path=ppt/slides/slide32.xml><?xml version="1.0" encoding="utf-8"?>
+<file path=ppt/slides/slide35.xml><?xml version="1.0" encoding="utf-8"?>
 <p:sld xmlns:a="http://schemas.openxmlformats.org/drawingml/2006/main" xmlns:r="http://schemas.openxmlformats.org/officeDocument/2006/relationships" xmlns:p="http://schemas.openxmlformats.org/presentationml/2006/main">
   <p:cSld>
     <p:spTree>
@@ -22136,7 +25178,7 @@
 </p:sld>
 </file>
 
-<file path=ppt/slides/slide33.xml><?xml version="1.0" encoding="utf-8"?>
+<file path=ppt/slides/slide36.xml><?xml version="1.0" encoding="utf-8"?>
 <p:sld xmlns:a="http://schemas.openxmlformats.org/drawingml/2006/main" xmlns:r="http://schemas.openxmlformats.org/officeDocument/2006/relationships" xmlns:p="http://schemas.openxmlformats.org/presentationml/2006/main">
   <p:cSld>
     <p:spTree>
@@ -23505,7 +26547,7 @@
 </p:sld>
 </file>
 
-<file path=ppt/slides/slide34.xml><?xml version="1.0" encoding="utf-8"?>
+<file path=ppt/slides/slide37.xml><?xml version="1.0" encoding="utf-8"?>
 <p:sld xmlns:a="http://schemas.openxmlformats.org/drawingml/2006/main" xmlns:r="http://schemas.openxmlformats.org/officeDocument/2006/relationships" xmlns:p="http://schemas.openxmlformats.org/presentationml/2006/main">
   <p:cSld>
     <p:spTree>
@@ -25556,7 +28598,7 @@
 </p:sld>
 </file>
 
-<file path=ppt/slides/slide35.xml><?xml version="1.0" encoding="utf-8"?>
+<file path=ppt/slides/slide38.xml><?xml version="1.0" encoding="utf-8"?>
 <p:sld xmlns:a="http://schemas.openxmlformats.org/drawingml/2006/main" xmlns:r="http://schemas.openxmlformats.org/officeDocument/2006/relationships" xmlns:p="http://schemas.openxmlformats.org/presentationml/2006/main">
   <p:cSld>
     <p:spTree>
@@ -27607,7 +30649,7 @@
 </p:sld>
 </file>
 
-<file path=ppt/slides/slide36.xml><?xml version="1.0" encoding="utf-8"?>
+<file path=ppt/slides/slide39.xml><?xml version="1.0" encoding="utf-8"?>
 <p:sld xmlns:a="http://schemas.openxmlformats.org/drawingml/2006/main" xmlns:r="http://schemas.openxmlformats.org/officeDocument/2006/relationships" xmlns:p="http://schemas.openxmlformats.org/presentationml/2006/main">
   <p:cSld>
     <p:spTree>
@@ -27915,8 +30957,8 @@
           </a:fontRef>
         </p:style>
       </p:cxnSp>
-      <mc:AlternateContent xmlns:mc="http://schemas.openxmlformats.org/markup-compatibility/2006">
-        <mc:Choice xmlns:a14="http://schemas.microsoft.com/office/drawing/2010/main" Requires="a14">
+      <mc:AlternateContent xmlns:mc="http://schemas.openxmlformats.org/markup-compatibility/2006" xmlns:a14="http://schemas.microsoft.com/office/drawing/2010/main">
+        <mc:Choice Requires="a14">
           <p:sp>
             <p:nvSpPr>
               <p:cNvPr id="21" name="TextBox 20"/>
@@ -27979,7 +31021,7 @@
             </p:txBody>
           </p:sp>
         </mc:Choice>
-        <mc:Fallback>
+        <mc:Fallback xmlns="">
           <p:sp>
             <p:nvSpPr>
               <p:cNvPr id="21" name="TextBox 20"/>
@@ -28018,8 +31060,8 @@
           </p:sp>
         </mc:Fallback>
       </mc:AlternateContent>
-      <mc:AlternateContent xmlns:mc="http://schemas.openxmlformats.org/markup-compatibility/2006">
-        <mc:Choice xmlns:a14="http://schemas.microsoft.com/office/drawing/2010/main" Requires="a14">
+      <mc:AlternateContent xmlns:mc="http://schemas.openxmlformats.org/markup-compatibility/2006" xmlns:a14="http://schemas.microsoft.com/office/drawing/2010/main">
+        <mc:Choice Requires="a14">
           <p:sp>
             <p:nvSpPr>
               <p:cNvPr id="20" name="TextBox 19"/>
@@ -28082,7 +31124,7 @@
             </p:txBody>
           </p:sp>
         </mc:Choice>
-        <mc:Fallback>
+        <mc:Fallback xmlns="">
           <p:sp>
             <p:nvSpPr>
               <p:cNvPr id="20" name="TextBox 19"/>
@@ -28121,8 +31163,8 @@
           </p:sp>
         </mc:Fallback>
       </mc:AlternateContent>
-      <mc:AlternateContent xmlns:mc="http://schemas.openxmlformats.org/markup-compatibility/2006">
-        <mc:Choice xmlns:a14="http://schemas.microsoft.com/office/drawing/2010/main" Requires="a14">
+      <mc:AlternateContent xmlns:mc="http://schemas.openxmlformats.org/markup-compatibility/2006" xmlns:a14="http://schemas.microsoft.com/office/drawing/2010/main">
+        <mc:Choice Requires="a14">
           <p:sp>
             <p:nvSpPr>
               <p:cNvPr id="22" name="TextBox 21"/>
@@ -28166,7 +31208,7 @@
             </p:txBody>
           </p:sp>
         </mc:Choice>
-        <mc:Fallback>
+        <mc:Fallback xmlns="">
           <p:sp>
             <p:nvSpPr>
               <p:cNvPr id="22" name="TextBox 21"/>
@@ -28529,8 +31571,8 @@
           </a:fontRef>
         </p:style>
       </p:cxnSp>
-      <mc:AlternateContent xmlns:mc="http://schemas.openxmlformats.org/markup-compatibility/2006">
-        <mc:Choice xmlns:a14="http://schemas.microsoft.com/office/drawing/2010/main" Requires="a14">
+      <mc:AlternateContent xmlns:mc="http://schemas.openxmlformats.org/markup-compatibility/2006" xmlns:a14="http://schemas.microsoft.com/office/drawing/2010/main">
+        <mc:Choice Requires="a14">
           <p:sp>
             <p:nvSpPr>
               <p:cNvPr id="55" name="TextBox 54"/>
@@ -28710,7 +31752,7 @@
             </p:txBody>
           </p:sp>
         </mc:Choice>
-        <mc:Fallback>
+        <mc:Fallback xmlns="">
           <p:sp>
             <p:nvSpPr>
               <p:cNvPr id="55" name="TextBox 54"/>
@@ -28749,8 +31791,8 @@
           </p:sp>
         </mc:Fallback>
       </mc:AlternateContent>
-      <mc:AlternateContent xmlns:mc="http://schemas.openxmlformats.org/markup-compatibility/2006">
-        <mc:Choice xmlns:a14="http://schemas.microsoft.com/office/drawing/2010/main" Requires="a14">
+      <mc:AlternateContent xmlns:mc="http://schemas.openxmlformats.org/markup-compatibility/2006" xmlns:a14="http://schemas.microsoft.com/office/drawing/2010/main">
+        <mc:Choice Requires="a14">
           <p:sp>
             <p:nvSpPr>
               <p:cNvPr id="56" name="TextBox 55"/>
@@ -28825,7 +31867,7 @@
             </p:txBody>
           </p:sp>
         </mc:Choice>
-        <mc:Fallback>
+        <mc:Fallback xmlns="">
           <p:sp>
             <p:nvSpPr>
               <p:cNvPr id="56" name="TextBox 55"/>
@@ -28864,8 +31906,8 @@
           </p:sp>
         </mc:Fallback>
       </mc:AlternateContent>
-      <mc:AlternateContent xmlns:mc="http://schemas.openxmlformats.org/markup-compatibility/2006">
-        <mc:Choice xmlns:a14="http://schemas.microsoft.com/office/drawing/2010/main" Requires="a14">
+      <mc:AlternateContent xmlns:mc="http://schemas.openxmlformats.org/markup-compatibility/2006" xmlns:a14="http://schemas.microsoft.com/office/drawing/2010/main">
+        <mc:Choice Requires="a14">
           <p:sp>
             <p:nvSpPr>
               <p:cNvPr id="65" name="TextBox 64"/>
@@ -28928,7 +31970,7 @@
             </p:txBody>
           </p:sp>
         </mc:Choice>
-        <mc:Fallback>
+        <mc:Fallback xmlns="">
           <p:sp>
             <p:nvSpPr>
               <p:cNvPr id="65" name="TextBox 64"/>
@@ -28967,8 +32009,8 @@
           </p:sp>
         </mc:Fallback>
       </mc:AlternateContent>
-      <mc:AlternateContent xmlns:mc="http://schemas.openxmlformats.org/markup-compatibility/2006">
-        <mc:Choice xmlns:a14="http://schemas.microsoft.com/office/drawing/2010/main" Requires="a14">
+      <mc:AlternateContent xmlns:mc="http://schemas.openxmlformats.org/markup-compatibility/2006" xmlns:a14="http://schemas.microsoft.com/office/drawing/2010/main">
+        <mc:Choice Requires="a14">
           <p:sp>
             <p:nvSpPr>
               <p:cNvPr id="66" name="TextBox 65"/>
@@ -29012,7 +32054,7 @@
             </p:txBody>
           </p:sp>
         </mc:Choice>
-        <mc:Fallback>
+        <mc:Fallback xmlns="">
           <p:sp>
             <p:nvSpPr>
               <p:cNvPr id="66" name="TextBox 65"/>
@@ -29051,8 +32093,8 @@
           </p:sp>
         </mc:Fallback>
       </mc:AlternateContent>
-      <mc:AlternateContent xmlns:mc="http://schemas.openxmlformats.org/markup-compatibility/2006">
-        <mc:Choice xmlns:a14="http://schemas.microsoft.com/office/drawing/2010/main" Requires="a14">
+      <mc:AlternateContent xmlns:mc="http://schemas.openxmlformats.org/markup-compatibility/2006" xmlns:a14="http://schemas.microsoft.com/office/drawing/2010/main">
+        <mc:Choice Requires="a14">
           <p:sp>
             <p:nvSpPr>
               <p:cNvPr id="78" name="TextBox 77"/>
@@ -29096,7 +32138,7 @@
             </p:txBody>
           </p:sp>
         </mc:Choice>
-        <mc:Fallback>
+        <mc:Fallback xmlns="">
           <p:sp>
             <p:nvSpPr>
               <p:cNvPr id="78" name="TextBox 77"/>
@@ -29400,7 +32442,7 @@
 </p:sld>
 </file>
 
-<file path=ppt/slides/slide37.xml><?xml version="1.0" encoding="utf-8"?>
+<file path=ppt/slides/slide4.xml><?xml version="1.0" encoding="utf-8"?>
 <p:sld xmlns:a="http://schemas.openxmlformats.org/drawingml/2006/main" xmlns:r="http://schemas.openxmlformats.org/officeDocument/2006/relationships" xmlns:p="http://schemas.openxmlformats.org/presentationml/2006/main">
   <p:cSld>
     <p:spTree>
@@ -29417,47 +32459,171 @@
           <a:chExt cx="0" cy="0"/>
         </a:xfrm>
       </p:grpSpPr>
+      <p:cxnSp>
+        <p:nvCxnSpPr>
+          <p:cNvPr id="6" name="Straight Connector 5"/>
+          <p:cNvCxnSpPr/>
+          <p:nvPr/>
+        </p:nvCxnSpPr>
+        <p:spPr>
+          <a:xfrm flipV="1">
+            <a:off x="999346" y="2909600"/>
+            <a:ext cx="2418509" cy="3008992"/>
+          </a:xfrm>
+          <a:prstGeom prst="line">
+            <a:avLst/>
+          </a:prstGeom>
+          <a:ln w="76200"/>
+        </p:spPr>
+        <p:style>
+          <a:lnRef idx="1">
+            <a:schemeClr val="dk1"/>
+          </a:lnRef>
+          <a:fillRef idx="0">
+            <a:schemeClr val="dk1"/>
+          </a:fillRef>
+          <a:effectRef idx="0">
+            <a:schemeClr val="dk1"/>
+          </a:effectRef>
+          <a:fontRef idx="minor">
+            <a:schemeClr val="tx1"/>
+          </a:fontRef>
+        </p:style>
+      </p:cxnSp>
+      <p:cxnSp>
+        <p:nvCxnSpPr>
+          <p:cNvPr id="8" name="Straight Connector 7"/>
+          <p:cNvCxnSpPr/>
+          <p:nvPr/>
+        </p:nvCxnSpPr>
+        <p:spPr>
+          <a:xfrm flipV="1">
+            <a:off x="3417855" y="1311073"/>
+            <a:ext cx="4614093" cy="1598527"/>
+          </a:xfrm>
+          <a:prstGeom prst="line">
+            <a:avLst/>
+          </a:prstGeom>
+          <a:ln w="76200"/>
+        </p:spPr>
+        <p:style>
+          <a:lnRef idx="1">
+            <a:schemeClr val="dk1"/>
+          </a:lnRef>
+          <a:fillRef idx="0">
+            <a:schemeClr val="dk1"/>
+          </a:fillRef>
+          <a:effectRef idx="0">
+            <a:schemeClr val="dk1"/>
+          </a:effectRef>
+          <a:fontRef idx="minor">
+            <a:schemeClr val="tx1"/>
+          </a:fontRef>
+        </p:style>
+      </p:cxnSp>
+      <p:sp>
+        <p:nvSpPr>
+          <p:cNvPr id="15" name="Oval 14"/>
+          <p:cNvSpPr/>
+          <p:nvPr/>
+        </p:nvSpPr>
+        <p:spPr>
+          <a:xfrm>
+            <a:off x="852088" y="5777546"/>
+            <a:ext cx="294517" cy="282093"/>
+          </a:xfrm>
+          <a:prstGeom prst="ellipse">
+            <a:avLst/>
+          </a:prstGeom>
+        </p:spPr>
+        <p:style>
+          <a:lnRef idx="2">
+            <a:schemeClr val="dk1">
+              <a:shade val="50000"/>
+            </a:schemeClr>
+          </a:lnRef>
+          <a:fillRef idx="1">
+            <a:schemeClr val="dk1"/>
+          </a:fillRef>
+          <a:effectRef idx="0">
+            <a:schemeClr val="dk1"/>
+          </a:effectRef>
+          <a:fontRef idx="minor">
+            <a:schemeClr val="lt1"/>
+          </a:fontRef>
+        </p:style>
+        <p:txBody>
+          <a:bodyPr rtlCol="0" anchor="ctr"/>
+          <a:lstStyle/>
+          <a:p>
+            <a:pPr algn="ctr"/>
+            <a:endParaRPr lang="nl-NL"/>
+          </a:p>
+        </p:txBody>
+      </p:sp>
+      <p:sp>
+        <p:nvSpPr>
+          <p:cNvPr id="16" name="Oval 15"/>
+          <p:cNvSpPr/>
+          <p:nvPr/>
+        </p:nvSpPr>
+        <p:spPr>
+          <a:xfrm>
+            <a:off x="3270597" y="2768554"/>
+            <a:ext cx="294517" cy="282093"/>
+          </a:xfrm>
+          <a:prstGeom prst="ellipse">
+            <a:avLst/>
+          </a:prstGeom>
+        </p:spPr>
+        <p:style>
+          <a:lnRef idx="2">
+            <a:schemeClr val="dk1">
+              <a:shade val="50000"/>
+            </a:schemeClr>
+          </a:lnRef>
+          <a:fillRef idx="1">
+            <a:schemeClr val="dk1"/>
+          </a:fillRef>
+          <a:effectRef idx="0">
+            <a:schemeClr val="dk1"/>
+          </a:effectRef>
+          <a:fontRef idx="minor">
+            <a:schemeClr val="lt1"/>
+          </a:fontRef>
+        </p:style>
+        <p:txBody>
+          <a:bodyPr rtlCol="0" anchor="ctr"/>
+          <a:lstStyle/>
+          <a:p>
+            <a:pPr algn="ctr"/>
+            <a:endParaRPr lang="nl-NL"/>
+          </a:p>
+        </p:txBody>
+      </p:sp>
       <mc:AlternateContent xmlns:mc="http://schemas.openxmlformats.org/markup-compatibility/2006" xmlns:a14="http://schemas.microsoft.com/office/drawing/2010/main">
         <mc:Choice Requires="a14">
           <p:sp>
             <p:nvSpPr>
-              <p:cNvPr id="2" name="TextBox 1"/>
+              <p:cNvPr id="34" name="TextBox 33"/>
               <p:cNvSpPr txBox="1"/>
               <p:nvPr/>
             </p:nvSpPr>
             <p:spPr>
               <a:xfrm>
-                <a:off x="3430005" y="2636912"/>
-                <a:ext cx="2088232" cy="1200329"/>
+                <a:off x="8028384" y="5661248"/>
+                <a:ext cx="1008112" cy="1107996"/>
               </a:xfrm>
               <a:prstGeom prst="rect">
                 <a:avLst/>
               </a:prstGeom>
+              <a:noFill/>
             </p:spPr>
-            <p:style>
-              <a:lnRef idx="2">
-                <a:schemeClr val="dk1"/>
-              </a:lnRef>
-              <a:fillRef idx="1">
-                <a:schemeClr val="lt1"/>
-              </a:fillRef>
-              <a:effectRef idx="0">
-                <a:schemeClr val="dk1"/>
-              </a:effectRef>
-              <a:fontRef idx="minor">
-                <a:schemeClr val="dk1"/>
-              </a:fontRef>
-            </p:style>
             <p:txBody>
               <a:bodyPr wrap="square" rtlCol="0">
                 <a:spAutoFit/>
               </a:bodyPr>
               <a:lstStyle/>
-              <a:p>
-                <a:endParaRPr lang="nl-NL" sz="2400" b="0" i="1" dirty="0" smtClean="0">
-                  <a:latin typeface="Cambria Math"/>
-                </a:endParaRPr>
-              </a:p>
               <a:p>
                 <a:pPr/>
                 <a14:m>
@@ -29466,55 +32632,16 @@
                       <m:jc m:val="centerGroup"/>
                     </m:oMathParaPr>
                     <m:oMath xmlns:m="http://schemas.openxmlformats.org/officeDocument/2006/math">
-                      <m:acc>
-                        <m:accPr>
-                          <m:chr m:val="̇"/>
-                          <m:ctrlPr>
-                            <a:rPr lang="nl-NL" sz="2400" b="0" i="1" dirty="0" smtClean="0">
-                              <a:latin typeface="Cambria Math"/>
-                            </a:rPr>
-                          </m:ctrlPr>
-                        </m:accPr>
-                        <m:e>
-                          <m:r>
-                            <a:rPr lang="nl-NL" sz="2400" b="0" i="1" dirty="0" smtClean="0">
-                              <a:latin typeface="Cambria Math"/>
-                            </a:rPr>
-                            <m:t>𝑥</m:t>
-                          </m:r>
-                        </m:e>
-                      </m:acc>
                       <m:r>
-                        <a:rPr lang="nl-NL" sz="2400" b="0" i="1" dirty="0" smtClean="0">
+                        <a:rPr lang="nl-NL" sz="6600" b="0" i="1" smtClean="0">
                           <a:latin typeface="Cambria Math"/>
                         </a:rPr>
-                        <m:t>=</m:t>
-                      </m:r>
-                      <m:r>
-                        <a:rPr lang="nl-NL" sz="2400" b="0" i="1" dirty="0" smtClean="0">
-                          <a:latin typeface="Cambria Math"/>
-                        </a:rPr>
-                        <m:t>𝐴𝑥</m:t>
-                      </m:r>
-                      <m:r>
-                        <a:rPr lang="nl-NL" sz="2400" b="0" i="1" dirty="0" smtClean="0">
-                          <a:latin typeface="Cambria Math"/>
-                        </a:rPr>
-                        <m:t>+</m:t>
-                      </m:r>
-                      <m:r>
-                        <a:rPr lang="nl-NL" sz="2400" b="0" i="1" dirty="0" smtClean="0">
-                          <a:latin typeface="Cambria Math"/>
-                        </a:rPr>
-                        <m:t>𝐵𝑢</m:t>
+                        <m:t>𝑥</m:t>
                       </m:r>
                     </m:oMath>
                   </m:oMathPara>
                 </a14:m>
-                <a:endParaRPr lang="nl-NL" sz="2400" dirty="0" smtClean="0"/>
-              </a:p>
-              <a:p>
-                <a:endParaRPr lang="nl-NL" sz="2400" dirty="0" smtClean="0"/>
+                <a:endParaRPr lang="nl-NL" sz="4800" dirty="0"/>
               </a:p>
             </p:txBody>
           </p:sp>
@@ -29522,7 +32649,7 @@
         <mc:Fallback xmlns="">
           <p:sp>
             <p:nvSpPr>
-              <p:cNvPr id="2" name="TextBox 1"/>
+              <p:cNvPr id="34" name="TextBox 33"/>
               <p:cNvSpPr txBox="1">
                 <a:spLocks noRot="1" noChangeAspect="1" noMove="1" noResize="1" noEditPoints="1" noAdjustHandles="1" noChangeArrowheads="1" noChangeShapeType="1" noTextEdit="1"/>
               </p:cNvSpPr>
@@ -29530,8 +32657,8 @@
             </p:nvSpPr>
             <p:spPr>
               <a:xfrm>
-                <a:off x="3430005" y="2636912"/>
-                <a:ext cx="2088232" cy="1200329"/>
+                <a:off x="8028384" y="5661248"/>
+                <a:ext cx="1008112" cy="1107996"/>
               </a:xfrm>
               <a:prstGeom prst="rect">
                 <a:avLst/>
@@ -29558,36 +32685,307 @@
           </p:sp>
         </mc:Fallback>
       </mc:AlternateContent>
+      <mc:AlternateContent xmlns:mc="http://schemas.openxmlformats.org/markup-compatibility/2006" xmlns:a14="http://schemas.microsoft.com/office/drawing/2010/main">
+        <mc:Choice Requires="a14">
+          <p:sp>
+            <p:nvSpPr>
+              <p:cNvPr id="35" name="TextBox 34"/>
+              <p:cNvSpPr txBox="1"/>
+              <p:nvPr/>
+            </p:nvSpPr>
+            <p:spPr>
+              <a:xfrm>
+                <a:off x="48468" y="989605"/>
+                <a:ext cx="1008112" cy="830997"/>
+              </a:xfrm>
+              <a:prstGeom prst="rect">
+                <a:avLst/>
+              </a:prstGeom>
+              <a:noFill/>
+            </p:spPr>
+            <p:txBody>
+              <a:bodyPr wrap="square" rtlCol="0">
+                <a:spAutoFit/>
+              </a:bodyPr>
+              <a:lstStyle/>
+              <a:p>
+                <a:pPr/>
+                <a14:m>
+                  <m:oMathPara xmlns:m="http://schemas.openxmlformats.org/officeDocument/2006/math">
+                    <m:oMathParaPr>
+                      <m:jc m:val="centerGroup"/>
+                    </m:oMathParaPr>
+                    <m:oMath xmlns:m="http://schemas.openxmlformats.org/officeDocument/2006/math">
+                      <m:r>
+                        <a:rPr lang="nl-NL" sz="4800" b="0" i="1" smtClean="0">
+                          <a:latin typeface="Cambria Math"/>
+                        </a:rPr>
+                        <m:t>𝑦</m:t>
+                      </m:r>
+                    </m:oMath>
+                  </m:oMathPara>
+                </a14:m>
+                <a:endParaRPr lang="nl-NL" sz="4800" dirty="0"/>
+              </a:p>
+            </p:txBody>
+          </p:sp>
+        </mc:Choice>
+        <mc:Fallback xmlns="">
+          <p:sp>
+            <p:nvSpPr>
+              <p:cNvPr id="35" name="TextBox 34"/>
+              <p:cNvSpPr txBox="1">
+                <a:spLocks noRot="1" noChangeAspect="1" noMove="1" noResize="1" noEditPoints="1" noAdjustHandles="1" noChangeArrowheads="1" noChangeShapeType="1" noTextEdit="1"/>
+              </p:cNvSpPr>
+              <p:nvPr/>
+            </p:nvSpPr>
+            <p:spPr>
+              <a:xfrm>
+                <a:off x="48468" y="989605"/>
+                <a:ext cx="1008112" cy="830997"/>
+              </a:xfrm>
+              <a:prstGeom prst="rect">
+                <a:avLst/>
+              </a:prstGeom>
+              <a:blipFill rotWithShape="1">
+                <a:blip r:embed="rId3"/>
+                <a:stretch>
+                  <a:fillRect/>
+                </a:stretch>
+              </a:blipFill>
+            </p:spPr>
+            <p:txBody>
+              <a:bodyPr/>
+              <a:lstStyle/>
+              <a:p>
+                <a:r>
+                  <a:rPr lang="nl-NL">
+                    <a:noFill/>
+                  </a:rPr>
+                  <a:t> </a:t>
+                </a:r>
+              </a:p>
+            </p:txBody>
+          </p:sp>
+        </mc:Fallback>
+      </mc:AlternateContent>
+      <p:sp>
+        <p:nvSpPr>
+          <p:cNvPr id="13" name="Oval 12"/>
+          <p:cNvSpPr/>
+          <p:nvPr/>
+        </p:nvSpPr>
+        <p:spPr>
+          <a:xfrm>
+            <a:off x="7884689" y="1152749"/>
+            <a:ext cx="294517" cy="282093"/>
+          </a:xfrm>
+          <a:prstGeom prst="ellipse">
+            <a:avLst/>
+          </a:prstGeom>
+        </p:spPr>
+        <p:style>
+          <a:lnRef idx="2">
+            <a:schemeClr val="dk1">
+              <a:shade val="50000"/>
+            </a:schemeClr>
+          </a:lnRef>
+          <a:fillRef idx="1">
+            <a:schemeClr val="dk1"/>
+          </a:fillRef>
+          <a:effectRef idx="0">
+            <a:schemeClr val="dk1"/>
+          </a:effectRef>
+          <a:fontRef idx="minor">
+            <a:schemeClr val="lt1"/>
+          </a:fontRef>
+        </p:style>
+        <p:txBody>
+          <a:bodyPr rtlCol="0" anchor="ctr"/>
+          <a:lstStyle/>
+          <a:p>
+            <a:pPr algn="ctr"/>
+            <a:endParaRPr lang="nl-NL"/>
+          </a:p>
+        </p:txBody>
+      </p:sp>
       <p:cxnSp>
         <p:nvCxnSpPr>
-          <p:cNvPr id="3" name="Straight Arrow Connector 2"/>
-          <p:cNvCxnSpPr>
-            <a:stCxn id="2" idx="3"/>
-          </p:cNvCxnSpPr>
+          <p:cNvPr id="5" name="Straight Arrow Connector 4"/>
+          <p:cNvCxnSpPr/>
           <p:nvPr/>
         </p:nvCxnSpPr>
         <p:spPr>
           <a:xfrm flipV="1">
-            <a:off x="5518237" y="3237076"/>
-            <a:ext cx="1044116" cy="1"/>
+            <a:off x="1008579" y="764704"/>
+            <a:ext cx="0" cy="5153889"/>
           </a:xfrm>
           <a:prstGeom prst="straightConnector1">
             <a:avLst/>
           </a:prstGeom>
-          <a:ln>
+          <a:ln w="38100">
+            <a:solidFill>
+              <a:schemeClr val="tx1"/>
+            </a:solidFill>
             <a:tailEnd type="arrow"/>
           </a:ln>
-          <a:effectLst/>
         </p:spPr>
         <p:style>
-          <a:lnRef idx="3">
-            <a:schemeClr val="dk1"/>
+          <a:lnRef idx="1">
+            <a:schemeClr val="accent1"/>
           </a:lnRef>
           <a:fillRef idx="0">
-            <a:schemeClr val="dk1"/>
+            <a:schemeClr val="accent1"/>
           </a:fillRef>
-          <a:effectRef idx="2">
-            <a:schemeClr val="dk1"/>
+          <a:effectRef idx="0">
+            <a:schemeClr val="accent1"/>
+          </a:effectRef>
+          <a:fontRef idx="minor">
+            <a:schemeClr val="tx1"/>
+          </a:fontRef>
+        </p:style>
+      </p:cxnSp>
+      <p:cxnSp>
+        <p:nvCxnSpPr>
+          <p:cNvPr id="19" name="Straight Arrow Connector 18"/>
+          <p:cNvCxnSpPr/>
+          <p:nvPr/>
+        </p:nvCxnSpPr>
+        <p:spPr>
+          <a:xfrm flipV="1">
+            <a:off x="978424" y="5927839"/>
+            <a:ext cx="7770040" cy="1"/>
+          </a:xfrm>
+          <a:prstGeom prst="straightConnector1">
+            <a:avLst/>
+          </a:prstGeom>
+          <a:ln w="38100">
+            <a:solidFill>
+              <a:schemeClr val="tx1"/>
+            </a:solidFill>
+            <a:tailEnd type="arrow"/>
+          </a:ln>
+        </p:spPr>
+        <p:style>
+          <a:lnRef idx="1">
+            <a:schemeClr val="accent1"/>
+          </a:lnRef>
+          <a:fillRef idx="0">
+            <a:schemeClr val="accent1"/>
+          </a:fillRef>
+          <a:effectRef idx="0">
+            <a:schemeClr val="accent1"/>
+          </a:effectRef>
+          <a:fontRef idx="minor">
+            <a:schemeClr val="tx1"/>
+          </a:fontRef>
+        </p:style>
+      </p:cxnSp>
+      <p:cxnSp>
+        <p:nvCxnSpPr>
+          <p:cNvPr id="18" name="Straight Connector 17"/>
+          <p:cNvCxnSpPr/>
+          <p:nvPr/>
+        </p:nvCxnSpPr>
+        <p:spPr>
+          <a:xfrm flipV="1">
+            <a:off x="1008000" y="4797152"/>
+            <a:ext cx="3737592" cy="1121440"/>
+          </a:xfrm>
+          <a:prstGeom prst="line">
+            <a:avLst/>
+          </a:prstGeom>
+          <a:ln w="76200">
+            <a:solidFill>
+              <a:schemeClr val="bg1">
+                <a:lumMod val="50000"/>
+              </a:schemeClr>
+            </a:solidFill>
+          </a:ln>
+        </p:spPr>
+        <p:style>
+          <a:lnRef idx="1">
+            <a:schemeClr val="dk1"/>
+          </a:lnRef>
+          <a:fillRef idx="0">
+            <a:schemeClr val="dk1"/>
+          </a:fillRef>
+          <a:effectRef idx="0">
+            <a:schemeClr val="dk1"/>
+          </a:effectRef>
+          <a:fontRef idx="minor">
+            <a:schemeClr val="tx1"/>
+          </a:fontRef>
+        </p:style>
+      </p:cxnSp>
+      <p:cxnSp>
+        <p:nvCxnSpPr>
+          <p:cNvPr id="20" name="Straight Connector 19"/>
+          <p:cNvCxnSpPr/>
+          <p:nvPr/>
+        </p:nvCxnSpPr>
+        <p:spPr>
+          <a:xfrm flipV="1">
+            <a:off x="4716016" y="1292922"/>
+            <a:ext cx="3315932" cy="3504230"/>
+          </a:xfrm>
+          <a:prstGeom prst="line">
+            <a:avLst/>
+          </a:prstGeom>
+          <a:ln w="76200">
+            <a:solidFill>
+              <a:schemeClr val="bg1">
+                <a:lumMod val="50000"/>
+              </a:schemeClr>
+            </a:solidFill>
+          </a:ln>
+        </p:spPr>
+        <p:style>
+          <a:lnRef idx="1">
+            <a:schemeClr val="dk1"/>
+          </a:lnRef>
+          <a:fillRef idx="0">
+            <a:schemeClr val="dk1"/>
+          </a:fillRef>
+          <a:effectRef idx="0">
+            <a:schemeClr val="dk1"/>
+          </a:effectRef>
+          <a:fontRef idx="minor">
+            <a:schemeClr val="tx1"/>
+          </a:fontRef>
+        </p:style>
+      </p:cxnSp>
+      <p:cxnSp>
+        <p:nvCxnSpPr>
+          <p:cNvPr id="30" name="Straight Arrow Connector 29"/>
+          <p:cNvCxnSpPr/>
+          <p:nvPr/>
+        </p:nvCxnSpPr>
+        <p:spPr>
+          <a:xfrm flipV="1">
+            <a:off x="1008579" y="620688"/>
+            <a:ext cx="8027917" cy="5297905"/>
+          </a:xfrm>
+          <a:prstGeom prst="straightConnector1">
+            <a:avLst/>
+          </a:prstGeom>
+          <a:ln w="38100">
+            <a:solidFill>
+              <a:schemeClr val="tx1"/>
+            </a:solidFill>
+            <a:prstDash val="sysDot"/>
+            <a:tailEnd type="none"/>
+          </a:ln>
+        </p:spPr>
+        <p:style>
+          <a:lnRef idx="1">
+            <a:schemeClr val="accent1"/>
+          </a:lnRef>
+          <a:fillRef idx="0">
+            <a:schemeClr val="accent1"/>
+          </a:fillRef>
+          <a:effectRef idx="0">
+            <a:schemeClr val="accent1"/>
           </a:effectRef>
           <a:fontRef idx="minor">
             <a:schemeClr val="tx1"/>
@@ -29596,106 +32994,95 @@
       </p:cxnSp>
       <p:sp>
         <p:nvSpPr>
-          <p:cNvPr id="6" name="TextBox 5"/>
-          <p:cNvSpPr txBox="1"/>
+          <p:cNvPr id="37" name="Oval 36"/>
+          <p:cNvSpPr/>
           <p:nvPr/>
         </p:nvSpPr>
         <p:spPr>
           <a:xfrm>
-            <a:off x="6562353" y="2636912"/>
-            <a:ext cx="963724" cy="1200329"/>
-          </a:xfrm>
-          <a:prstGeom prst="rect">
+            <a:off x="4524155" y="4656105"/>
+            <a:ext cx="294517" cy="282093"/>
+          </a:xfrm>
+          <a:prstGeom prst="ellipse">
             <a:avLst/>
           </a:prstGeom>
+          <a:solidFill>
+            <a:schemeClr val="bg1">
+              <a:lumMod val="50000"/>
+            </a:schemeClr>
+          </a:solidFill>
+          <a:ln>
+            <a:solidFill>
+              <a:schemeClr val="bg1">
+                <a:lumMod val="50000"/>
+              </a:schemeClr>
+            </a:solidFill>
+          </a:ln>
         </p:spPr>
         <p:style>
           <a:lnRef idx="2">
-            <a:schemeClr val="dk1"/>
+            <a:schemeClr val="dk1">
+              <a:shade val="50000"/>
+            </a:schemeClr>
           </a:lnRef>
           <a:fillRef idx="1">
-            <a:schemeClr val="lt1"/>
+            <a:schemeClr val="dk1"/>
           </a:fillRef>
           <a:effectRef idx="0">
             <a:schemeClr val="dk1"/>
           </a:effectRef>
           <a:fontRef idx="minor">
-            <a:schemeClr val="dk1"/>
+            <a:schemeClr val="lt1"/>
           </a:fontRef>
         </p:style>
         <p:txBody>
-          <a:bodyPr wrap="square" rtlCol="0">
-            <a:spAutoFit/>
-          </a:bodyPr>
+          <a:bodyPr rtlCol="0" anchor="ctr"/>
           <a:lstStyle/>
           <a:p>
             <a:pPr algn="ctr"/>
-            <a:endParaRPr lang="nl-NL" sz="2400" b="0" i="1" dirty="0" smtClean="0">
-              <a:latin typeface="Cambria Math"/>
-            </a:endParaRPr>
-          </a:p>
-          <a:p>
-            <a:pPr algn="ctr"/>
-            <a:r>
-              <a:rPr lang="nl-NL" sz="2400" b="0" i="1" dirty="0" smtClean="0">
-                <a:latin typeface="Cambria Math"/>
-              </a:rPr>
-              <a:t>C</a:t>
-            </a:r>
-          </a:p>
-          <a:p>
-            <a:pPr algn="ctr"/>
-            <a:endParaRPr lang="nl-NL" sz="2400" dirty="0" smtClean="0"/>
+            <a:endParaRPr lang="nl-NL"/>
           </a:p>
         </p:txBody>
       </p:sp>
-      <p:cxnSp>
-        <p:nvCxnSpPr>
-          <p:cNvPr id="7" name="Straight Arrow Connector 6"/>
-          <p:cNvCxnSpPr>
-            <a:stCxn id="6" idx="3"/>
-          </p:cNvCxnSpPr>
-          <p:nvPr/>
-        </p:nvCxnSpPr>
-        <p:spPr>
-          <a:xfrm flipV="1">
-            <a:off x="7526077" y="3237076"/>
-            <a:ext cx="1078371" cy="1"/>
-          </a:xfrm>
-          <a:prstGeom prst="straightConnector1">
-            <a:avLst/>
-          </a:prstGeom>
-          <a:ln>
-            <a:tailEnd type="arrow"/>
-          </a:ln>
-          <a:effectLst/>
-        </p:spPr>
-        <p:style>
-          <a:lnRef idx="3">
-            <a:schemeClr val="dk1"/>
-          </a:lnRef>
-          <a:fillRef idx="0">
-            <a:schemeClr val="dk1"/>
-          </a:fillRef>
-          <a:effectRef idx="2">
-            <a:schemeClr val="dk1"/>
-          </a:effectRef>
-          <a:fontRef idx="minor">
-            <a:schemeClr val="tx1"/>
-          </a:fontRef>
-        </p:style>
-      </p:cxnSp>
+    </p:spTree>
+    <p:extLst>
+      <p:ext uri="{BB962C8B-B14F-4D97-AF65-F5344CB8AC3E}">
+        <p14:creationId xmlns:p14="http://schemas.microsoft.com/office/powerpoint/2010/main" val="1828309408"/>
+      </p:ext>
+    </p:extLst>
+  </p:cSld>
+  <p:clrMapOvr>
+    <a:masterClrMapping/>
+  </p:clrMapOvr>
+</p:sld>
+</file>
+
+<file path=ppt/slides/slide40.xml><?xml version="1.0" encoding="utf-8"?>
+<p:sld xmlns:a="http://schemas.openxmlformats.org/drawingml/2006/main" xmlns:r="http://schemas.openxmlformats.org/officeDocument/2006/relationships" xmlns:p="http://schemas.openxmlformats.org/presentationml/2006/main">
+  <p:cSld>
+    <p:spTree>
+      <p:nvGrpSpPr>
+        <p:cNvPr id="1" name=""/>
+        <p:cNvGrpSpPr/>
+        <p:nvPr/>
+      </p:nvGrpSpPr>
+      <p:grpSpPr>
+        <a:xfrm>
+          <a:off x="0" y="0"/>
+          <a:ext cx="0" cy="0"/>
+          <a:chOff x="0" y="0"/>
+          <a:chExt cx="0" cy="0"/>
+        </a:xfrm>
+      </p:grpSpPr>
       <p:cxnSp>
         <p:nvCxnSpPr>
           <p:cNvPr id="9" name="Straight Arrow Connector 8"/>
-          <p:cNvCxnSpPr>
-            <a:endCxn id="2" idx="1"/>
-          </p:cNvCxnSpPr>
+          <p:cNvCxnSpPr/>
           <p:nvPr/>
         </p:nvCxnSpPr>
         <p:spPr>
           <a:xfrm>
-            <a:off x="2745929" y="3237076"/>
+            <a:off x="3344837" y="5604048"/>
             <a:ext cx="684076" cy="1"/>
           </a:xfrm>
           <a:prstGeom prst="straightConnector1">
@@ -29729,7 +33116,7 @@
         </p:nvCxnSpPr>
         <p:spPr>
           <a:xfrm>
-            <a:off x="1094706" y="3237078"/>
+            <a:off x="1955775" y="5604048"/>
             <a:ext cx="684076" cy="1"/>
           </a:xfrm>
           <a:prstGeom prst="straightConnector1">
@@ -29755,8 +33142,8 @@
           </a:fontRef>
         </p:style>
       </p:cxnSp>
-      <mc:AlternateContent xmlns:mc="http://schemas.openxmlformats.org/markup-compatibility/2006" xmlns:a14="http://schemas.microsoft.com/office/drawing/2010/main">
-        <mc:Choice Requires="a14">
+      <mc:AlternateContent xmlns:mc="http://schemas.openxmlformats.org/markup-compatibility/2006">
+        <mc:Choice xmlns:a14="http://schemas.microsoft.com/office/drawing/2010/main" Requires="a14">
           <p:sp>
             <p:nvSpPr>
               <p:cNvPr id="13" name="TextBox 12"/>
@@ -29765,7 +33152,7 @@
             </p:nvSpPr>
             <p:spPr>
               <a:xfrm>
-                <a:off x="561857" y="3237076"/>
+                <a:off x="827944" y="5075890"/>
                 <a:ext cx="901931" cy="487762"/>
               </a:xfrm>
               <a:prstGeom prst="rect">
@@ -29831,7 +33218,7 @@
             </p:txBody>
           </p:sp>
         </mc:Choice>
-        <mc:Fallback xmlns="">
+        <mc:Fallback>
           <p:sp>
             <p:nvSpPr>
               <p:cNvPr id="13" name="TextBox 12"/>
@@ -29842,14 +33229,14 @@
             </p:nvSpPr>
             <p:spPr>
               <a:xfrm>
-                <a:off x="561857" y="3237076"/>
+                <a:off x="827944" y="5075890"/>
                 <a:ext cx="901931" cy="487762"/>
               </a:xfrm>
               <a:prstGeom prst="rect">
                 <a:avLst/>
               </a:prstGeom>
               <a:blipFill rotWithShape="1">
-                <a:blip r:embed="rId3"/>
+                <a:blip r:embed="rId2"/>
                 <a:stretch>
                   <a:fillRect b="-8750"/>
                 </a:stretch>
@@ -29870,16 +33257,343 @@
           </p:sp>
         </mc:Fallback>
       </mc:AlternateContent>
+      <mc:AlternateContent xmlns:mc="http://schemas.openxmlformats.org/markup-compatibility/2006">
+        <mc:Choice xmlns:a14="http://schemas.microsoft.com/office/drawing/2010/main" Requires="a14">
+          <p:sp>
+            <p:nvSpPr>
+              <p:cNvPr id="14" name="TextBox 13"/>
+              <p:cNvSpPr txBox="1"/>
+              <p:nvPr/>
+            </p:nvSpPr>
+            <p:spPr>
+              <a:xfrm>
+                <a:off x="2650157" y="5373216"/>
+                <a:ext cx="685825" cy="461665"/>
+              </a:xfrm>
+              <a:prstGeom prst="rect">
+                <a:avLst/>
+              </a:prstGeom>
+            </p:spPr>
+            <p:style>
+              <a:lnRef idx="2">
+                <a:schemeClr val="dk1"/>
+              </a:lnRef>
+              <a:fillRef idx="1">
+                <a:schemeClr val="lt1"/>
+              </a:fillRef>
+              <a:effectRef idx="0">
+                <a:schemeClr val="dk1"/>
+              </a:effectRef>
+              <a:fontRef idx="minor">
+                <a:schemeClr val="dk1"/>
+              </a:fontRef>
+            </p:style>
+            <p:txBody>
+              <a:bodyPr wrap="square" rtlCol="0">
+                <a:spAutoFit/>
+              </a:bodyPr>
+              <a:lstStyle/>
+              <a:p>
+                <a:pPr algn="ctr"/>
+                <a14:m>
+                  <m:oMathPara xmlns:m="http://schemas.openxmlformats.org/officeDocument/2006/math">
+                    <m:oMathParaPr>
+                      <m:jc m:val="centerGroup"/>
+                    </m:oMathParaPr>
+                    <m:oMath xmlns:m="http://schemas.openxmlformats.org/officeDocument/2006/math">
+                      <m:r>
+                        <a:rPr lang="nl-NL" sz="2400" i="1">
+                          <a:latin typeface="Cambria Math"/>
+                        </a:rPr>
+                        <m:t>-</m:t>
+                      </m:r>
+                      <m:r>
+                        <a:rPr lang="nl-NL" sz="2400" b="0" i="1" smtClean="0">
+                          <a:latin typeface="Cambria Math"/>
+                        </a:rPr>
+                        <m:t>𝐾</m:t>
+                      </m:r>
+                    </m:oMath>
+                  </m:oMathPara>
+                </a14:m>
+                <a:endParaRPr lang="nl-NL" sz="2400" dirty="0" smtClean="0"/>
+              </a:p>
+            </p:txBody>
+          </p:sp>
+        </mc:Choice>
+        <mc:Fallback>
+          <p:sp>
+            <p:nvSpPr>
+              <p:cNvPr id="14" name="TextBox 13"/>
+              <p:cNvSpPr txBox="1">
+                <a:spLocks noRot="1" noChangeAspect="1" noMove="1" noResize="1" noEditPoints="1" noAdjustHandles="1" noChangeArrowheads="1" noChangeShapeType="1" noTextEdit="1"/>
+              </p:cNvSpPr>
+              <p:nvPr/>
+            </p:nvSpPr>
+            <p:spPr>
+              <a:xfrm>
+                <a:off x="2650157" y="5373216"/>
+                <a:ext cx="685825" cy="461665"/>
+              </a:xfrm>
+              <a:prstGeom prst="rect">
+                <a:avLst/>
+              </a:prstGeom>
+              <a:blipFill rotWithShape="1">
+                <a:blip r:embed="rId3"/>
+                <a:stretch>
+                  <a:fillRect/>
+                </a:stretch>
+              </a:blipFill>
+            </p:spPr>
+            <p:txBody>
+              <a:bodyPr/>
+              <a:lstStyle/>
+              <a:p>
+                <a:r>
+                  <a:rPr lang="nl-NL">
+                    <a:noFill/>
+                  </a:rPr>
+                  <a:t> </a:t>
+                </a:r>
+              </a:p>
+            </p:txBody>
+          </p:sp>
+        </mc:Fallback>
+      </mc:AlternateContent>
+      <p:cxnSp>
+        <p:nvCxnSpPr>
+          <p:cNvPr id="15" name="Straight Arrow Connector 14"/>
+          <p:cNvCxnSpPr/>
+          <p:nvPr/>
+        </p:nvCxnSpPr>
+        <p:spPr>
+          <a:xfrm flipV="1">
+            <a:off x="1873312" y="5651955"/>
+            <a:ext cx="0" cy="936103"/>
+          </a:xfrm>
+          <a:prstGeom prst="straightConnector1">
+            <a:avLst/>
+          </a:prstGeom>
+          <a:ln>
+            <a:tailEnd type="arrow"/>
+          </a:ln>
+          <a:effectLst/>
+        </p:spPr>
+        <p:style>
+          <a:lnRef idx="3">
+            <a:schemeClr val="dk1"/>
+          </a:lnRef>
+          <a:fillRef idx="0">
+            <a:schemeClr val="dk1"/>
+          </a:fillRef>
+          <a:effectRef idx="2">
+            <a:schemeClr val="dk1"/>
+          </a:effectRef>
+          <a:fontRef idx="minor">
+            <a:schemeClr val="tx1"/>
+          </a:fontRef>
+        </p:style>
+      </p:cxnSp>
+      <p:cxnSp>
+        <p:nvCxnSpPr>
+          <p:cNvPr id="25" name="Straight Arrow Connector 24"/>
+          <p:cNvCxnSpPr/>
+          <p:nvPr/>
+        </p:nvCxnSpPr>
+        <p:spPr>
+          <a:xfrm flipV="1">
+            <a:off x="1330362" y="5604048"/>
+            <a:ext cx="502307" cy="1"/>
+          </a:xfrm>
+          <a:prstGeom prst="straightConnector1">
+            <a:avLst/>
+          </a:prstGeom>
+          <a:ln>
+            <a:tailEnd type="arrow"/>
+          </a:ln>
+          <a:effectLst/>
+        </p:spPr>
+        <p:style>
+          <a:lnRef idx="3">
+            <a:schemeClr val="dk1"/>
+          </a:lnRef>
+          <a:fillRef idx="0">
+            <a:schemeClr val="dk1"/>
+          </a:fillRef>
+          <a:effectRef idx="2">
+            <a:schemeClr val="dk1"/>
+          </a:effectRef>
+          <a:fontRef idx="minor">
+            <a:schemeClr val="tx1"/>
+          </a:fontRef>
+        </p:style>
+      </p:cxnSp>
       <p:sp>
         <p:nvSpPr>
-          <p:cNvPr id="14" name="TextBox 13"/>
+          <p:cNvPr id="26" name="Oval 25"/>
+          <p:cNvSpPr/>
+          <p:nvPr/>
+        </p:nvSpPr>
+        <p:spPr>
+          <a:xfrm>
+            <a:off x="1790849" y="5532038"/>
+            <a:ext cx="164926" cy="144016"/>
+          </a:xfrm>
+          <a:prstGeom prst="ellipse">
+            <a:avLst/>
+          </a:prstGeom>
+        </p:spPr>
+        <p:style>
+          <a:lnRef idx="2">
+            <a:schemeClr val="dk1"/>
+          </a:lnRef>
+          <a:fillRef idx="1">
+            <a:schemeClr val="lt1"/>
+          </a:fillRef>
+          <a:effectRef idx="0">
+            <a:schemeClr val="dk1"/>
+          </a:effectRef>
+          <a:fontRef idx="minor">
+            <a:schemeClr val="dk1"/>
+          </a:fontRef>
+        </p:style>
+        <p:txBody>
+          <a:bodyPr rtlCol="0" anchor="ctr"/>
+          <a:lstStyle/>
+          <a:p>
+            <a:pPr algn="ctr"/>
+            <a:endParaRPr lang="nl-NL"/>
+          </a:p>
+        </p:txBody>
+      </p:sp>
+      <p:cxnSp>
+        <p:nvCxnSpPr>
+          <p:cNvPr id="28" name="Straight Arrow Connector 27"/>
+          <p:cNvCxnSpPr/>
+          <p:nvPr/>
+        </p:nvCxnSpPr>
+        <p:spPr>
+          <a:xfrm flipH="1">
+            <a:off x="1873312" y="6588058"/>
+            <a:ext cx="5030204" cy="0"/>
+          </a:xfrm>
+          <a:prstGeom prst="straightConnector1">
+            <a:avLst/>
+          </a:prstGeom>
+          <a:ln>
+            <a:tailEnd type="none"/>
+          </a:ln>
+          <a:effectLst/>
+        </p:spPr>
+        <p:style>
+          <a:lnRef idx="3">
+            <a:schemeClr val="dk1"/>
+          </a:lnRef>
+          <a:fillRef idx="0">
+            <a:schemeClr val="dk1"/>
+          </a:fillRef>
+          <a:effectRef idx="2">
+            <a:schemeClr val="dk1"/>
+          </a:effectRef>
+          <a:fontRef idx="minor">
+            <a:schemeClr val="tx1"/>
+          </a:fontRef>
+        </p:style>
+      </p:cxnSp>
+      <mc:AlternateContent xmlns:mc="http://schemas.openxmlformats.org/markup-compatibility/2006">
+        <mc:Choice xmlns:a14="http://schemas.microsoft.com/office/drawing/2010/main" Requires="a14">
+          <p:sp>
+            <p:nvSpPr>
+              <p:cNvPr id="32" name="TextBox 31"/>
+              <p:cNvSpPr txBox="1"/>
+              <p:nvPr/>
+            </p:nvSpPr>
+            <p:spPr>
+              <a:xfrm>
+                <a:off x="3238021" y="5142381"/>
+                <a:ext cx="901931" cy="461665"/>
+              </a:xfrm>
+              <a:prstGeom prst="rect">
+                <a:avLst/>
+              </a:prstGeom>
+              <a:noFill/>
+            </p:spPr>
+            <p:txBody>
+              <a:bodyPr wrap="square" rtlCol="0">
+                <a:spAutoFit/>
+              </a:bodyPr>
+              <a:lstStyle/>
+              <a:p>
+                <a:pPr/>
+                <a14:m>
+                  <m:oMathPara xmlns:m="http://schemas.openxmlformats.org/officeDocument/2006/math">
+                    <m:oMathParaPr>
+                      <m:jc m:val="centerGroup"/>
+                    </m:oMathParaPr>
+                    <m:oMath xmlns:m="http://schemas.openxmlformats.org/officeDocument/2006/math">
+                      <m:r>
+                        <a:rPr lang="nl-NL" sz="2400" b="0" i="1" smtClean="0">
+                          <a:latin typeface="Cambria Math"/>
+                        </a:rPr>
+                        <m:t>𝑢</m:t>
+                      </m:r>
+                    </m:oMath>
+                  </m:oMathPara>
+                </a14:m>
+                <a:endParaRPr lang="nl-NL" sz="2400" dirty="0"/>
+              </a:p>
+            </p:txBody>
+          </p:sp>
+        </mc:Choice>
+        <mc:Fallback>
+          <p:sp>
+            <p:nvSpPr>
+              <p:cNvPr id="32" name="TextBox 31"/>
+              <p:cNvSpPr txBox="1">
+                <a:spLocks noRot="1" noChangeAspect="1" noMove="1" noResize="1" noEditPoints="1" noAdjustHandles="1" noChangeArrowheads="1" noChangeShapeType="1" noTextEdit="1"/>
+              </p:cNvSpPr>
+              <p:nvPr/>
+            </p:nvSpPr>
+            <p:spPr>
+              <a:xfrm>
+                <a:off x="3238021" y="5142381"/>
+                <a:ext cx="901931" cy="461665"/>
+              </a:xfrm>
+              <a:prstGeom prst="rect">
+                <a:avLst/>
+              </a:prstGeom>
+              <a:blipFill rotWithShape="1">
+                <a:blip r:embed="rId4"/>
+                <a:stretch>
+                  <a:fillRect/>
+                </a:stretch>
+              </a:blipFill>
+            </p:spPr>
+            <p:txBody>
+              <a:bodyPr/>
+              <a:lstStyle/>
+              <a:p>
+                <a:r>
+                  <a:rPr lang="nl-NL">
+                    <a:noFill/>
+                  </a:rPr>
+                  <a:t> </a:t>
+                </a:r>
+              </a:p>
+            </p:txBody>
+          </p:sp>
+        </mc:Fallback>
+      </mc:AlternateContent>
+      <p:sp>
+        <p:nvSpPr>
+          <p:cNvPr id="17" name="TextBox 16"/>
           <p:cNvSpPr txBox="1"/>
           <p:nvPr/>
         </p:nvSpPr>
         <p:spPr>
           <a:xfrm>
-            <a:off x="1778782" y="2636913"/>
-            <a:ext cx="963724" cy="1200329"/>
+            <a:off x="4053035" y="5373216"/>
+            <a:ext cx="685825" cy="461665"/>
           </a:xfrm>
           <a:prstGeom prst="rect">
             <a:avLst/>
@@ -29906,38 +33620,275 @@
           <a:lstStyle/>
           <a:p>
             <a:pPr algn="ctr"/>
-            <a:endParaRPr lang="nl-NL" sz="2400" b="0" i="1" dirty="0" smtClean="0">
-              <a:latin typeface="Cambria Math"/>
-            </a:endParaRPr>
+            <a:r>
+              <a:rPr lang="nl-NL" sz="2400" i="1" dirty="0">
+                <a:latin typeface="Cambria Math"/>
+              </a:rPr>
+              <a:t>B</a:t>
+            </a:r>
+            <a:endParaRPr lang="nl-NL" sz="2400" dirty="0" smtClean="0"/>
           </a:p>
+        </p:txBody>
+      </p:sp>
+      <p:cxnSp>
+        <p:nvCxnSpPr>
+          <p:cNvPr id="24" name="Straight Arrow Connector 23"/>
+          <p:cNvCxnSpPr/>
+          <p:nvPr/>
+        </p:nvCxnSpPr>
+        <p:spPr>
+          <a:xfrm flipV="1">
+            <a:off x="4737397" y="5604045"/>
+            <a:ext cx="502307" cy="1"/>
+          </a:xfrm>
+          <a:prstGeom prst="straightConnector1">
+            <a:avLst/>
+          </a:prstGeom>
+          <a:ln>
+            <a:tailEnd type="arrow"/>
+          </a:ln>
+          <a:effectLst/>
+        </p:spPr>
+        <p:style>
+          <a:lnRef idx="3">
+            <a:schemeClr val="dk1"/>
+          </a:lnRef>
+          <a:fillRef idx="0">
+            <a:schemeClr val="dk1"/>
+          </a:fillRef>
+          <a:effectRef idx="2">
+            <a:schemeClr val="dk1"/>
+          </a:effectRef>
+          <a:fontRef idx="minor">
+            <a:schemeClr val="tx1"/>
+          </a:fontRef>
+        </p:style>
+      </p:cxnSp>
+      <p:sp>
+        <p:nvSpPr>
+          <p:cNvPr id="27" name="Oval 26"/>
+          <p:cNvSpPr/>
+          <p:nvPr/>
+        </p:nvSpPr>
+        <p:spPr>
+          <a:xfrm>
+            <a:off x="5197884" y="5532035"/>
+            <a:ext cx="164926" cy="144016"/>
+          </a:xfrm>
+          <a:prstGeom prst="ellipse">
+            <a:avLst/>
+          </a:prstGeom>
+        </p:spPr>
+        <p:style>
+          <a:lnRef idx="2">
+            <a:schemeClr val="dk1"/>
+          </a:lnRef>
+          <a:fillRef idx="1">
+            <a:schemeClr val="lt1"/>
+          </a:fillRef>
+          <a:effectRef idx="0">
+            <a:schemeClr val="dk1"/>
+          </a:effectRef>
+          <a:fontRef idx="minor">
+            <a:schemeClr val="dk1"/>
+          </a:fontRef>
+        </p:style>
+        <p:txBody>
+          <a:bodyPr rtlCol="0" anchor="ctr"/>
+          <a:lstStyle/>
+          <a:p>
+            <a:pPr algn="ctr"/>
+            <a:endParaRPr lang="nl-NL"/>
+          </a:p>
+        </p:txBody>
+      </p:sp>
+      <p:cxnSp>
+        <p:nvCxnSpPr>
+          <p:cNvPr id="29" name="Straight Arrow Connector 28"/>
+          <p:cNvCxnSpPr/>
+          <p:nvPr/>
+        </p:nvCxnSpPr>
+        <p:spPr>
+          <a:xfrm flipV="1">
+            <a:off x="5362810" y="5604045"/>
+            <a:ext cx="502307" cy="1"/>
+          </a:xfrm>
+          <a:prstGeom prst="straightConnector1">
+            <a:avLst/>
+          </a:prstGeom>
+          <a:ln>
+            <a:tailEnd type="arrow"/>
+          </a:ln>
+          <a:effectLst/>
+        </p:spPr>
+        <p:style>
+          <a:lnRef idx="3">
+            <a:schemeClr val="dk1"/>
+          </a:lnRef>
+          <a:fillRef idx="0">
+            <a:schemeClr val="dk1"/>
+          </a:fillRef>
+          <a:effectRef idx="2">
+            <a:schemeClr val="dk1"/>
+          </a:effectRef>
+          <a:fontRef idx="minor">
+            <a:schemeClr val="tx1"/>
+          </a:fontRef>
+        </p:style>
+      </p:cxnSp>
+      <mc:AlternateContent xmlns:mc="http://schemas.openxmlformats.org/markup-compatibility/2006">
+        <mc:Choice xmlns:a14="http://schemas.microsoft.com/office/drawing/2010/main" Requires="a14">
+          <p:sp>
+            <p:nvSpPr>
+              <p:cNvPr id="30" name="TextBox 29"/>
+              <p:cNvSpPr txBox="1"/>
+              <p:nvPr/>
+            </p:nvSpPr>
+            <p:spPr>
+              <a:xfrm>
+                <a:off x="5865117" y="5366221"/>
+                <a:ext cx="685825" cy="475643"/>
+              </a:xfrm>
+              <a:prstGeom prst="rect">
+                <a:avLst/>
+              </a:prstGeom>
+            </p:spPr>
+            <p:style>
+              <a:lnRef idx="2">
+                <a:schemeClr val="dk1"/>
+              </a:lnRef>
+              <a:fillRef idx="1">
+                <a:schemeClr val="lt1"/>
+              </a:fillRef>
+              <a:effectRef idx="0">
+                <a:schemeClr val="dk1"/>
+              </a:effectRef>
+              <a:fontRef idx="minor">
+                <a:schemeClr val="dk1"/>
+              </a:fontRef>
+            </p:style>
+            <p:txBody>
+              <a:bodyPr wrap="square" rtlCol="0">
+                <a:spAutoFit/>
+              </a:bodyPr>
+              <a:lstStyle/>
+              <a:p>
+                <a:pPr algn="ctr"/>
+                <a14:m>
+                  <m:oMathPara xmlns:m="http://schemas.openxmlformats.org/officeDocument/2006/math">
+                    <m:oMathParaPr>
+                      <m:jc m:val="center"/>
+                    </m:oMathParaPr>
+                    <m:oMath xmlns:m="http://schemas.openxmlformats.org/officeDocument/2006/math">
+                      <m:r>
+                        <a:rPr lang="nl-NL" sz="2400" b="0" i="1" smtClean="0">
+                          <a:latin typeface="Cambria Math"/>
+                        </a:rPr>
+                        <m:t>  ∫</m:t>
+                      </m:r>
+                    </m:oMath>
+                  </m:oMathPara>
+                </a14:m>
+                <a:endParaRPr lang="nl-NL" sz="2400" dirty="0" smtClean="0"/>
+              </a:p>
+            </p:txBody>
+          </p:sp>
+        </mc:Choice>
+        <mc:Fallback>
+          <p:sp>
+            <p:nvSpPr>
+              <p:cNvPr id="30" name="TextBox 29"/>
+              <p:cNvSpPr txBox="1">
+                <a:spLocks noRot="1" noChangeAspect="1" noMove="1" noResize="1" noEditPoints="1" noAdjustHandles="1" noChangeArrowheads="1" noChangeShapeType="1" noTextEdit="1"/>
+              </p:cNvSpPr>
+              <p:nvPr/>
+            </p:nvSpPr>
+            <p:spPr>
+              <a:xfrm>
+                <a:off x="5865117" y="5366221"/>
+                <a:ext cx="685825" cy="475643"/>
+              </a:xfrm>
+              <a:prstGeom prst="rect">
+                <a:avLst/>
+              </a:prstGeom>
+              <a:blipFill rotWithShape="1">
+                <a:blip r:embed="rId5"/>
+                <a:stretch>
+                  <a:fillRect b="-18293"/>
+                </a:stretch>
+              </a:blipFill>
+            </p:spPr>
+            <p:txBody>
+              <a:bodyPr/>
+              <a:lstStyle/>
+              <a:p>
+                <a:r>
+                  <a:rPr lang="nl-NL">
+                    <a:noFill/>
+                  </a:rPr>
+                  <a:t> </a:t>
+                </a:r>
+              </a:p>
+            </p:txBody>
+          </p:sp>
+        </mc:Fallback>
+      </mc:AlternateContent>
+      <p:sp>
+        <p:nvSpPr>
+          <p:cNvPr id="31" name="TextBox 30"/>
+          <p:cNvSpPr txBox="1"/>
+          <p:nvPr/>
+        </p:nvSpPr>
+        <p:spPr>
+          <a:xfrm>
+            <a:off x="7233269" y="5363922"/>
+            <a:ext cx="685825" cy="461665"/>
+          </a:xfrm>
+          <a:prstGeom prst="rect">
+            <a:avLst/>
+          </a:prstGeom>
+        </p:spPr>
+        <p:style>
+          <a:lnRef idx="2">
+            <a:schemeClr val="dk1"/>
+          </a:lnRef>
+          <a:fillRef idx="1">
+            <a:schemeClr val="lt1"/>
+          </a:fillRef>
+          <a:effectRef idx="0">
+            <a:schemeClr val="dk1"/>
+          </a:effectRef>
+          <a:fontRef idx="minor">
+            <a:schemeClr val="dk1"/>
+          </a:fontRef>
+        </p:style>
+        <p:txBody>
+          <a:bodyPr wrap="square" rtlCol="0">
+            <a:spAutoFit/>
+          </a:bodyPr>
+          <a:lstStyle/>
           <a:p>
             <a:pPr algn="ctr"/>
             <a:r>
               <a:rPr lang="nl-NL" sz="2400" i="1" dirty="0">
                 <a:latin typeface="Cambria Math"/>
               </a:rPr>
-              <a:t>K</a:t>
+              <a:t>C</a:t>
             </a:r>
-            <a:endParaRPr lang="nl-NL" sz="2400" b="0" i="1" dirty="0" smtClean="0">
-              <a:latin typeface="Cambria Math"/>
-            </a:endParaRPr>
-          </a:p>
-          <a:p>
-            <a:pPr algn="ctr"/>
             <a:endParaRPr lang="nl-NL" sz="2400" dirty="0" smtClean="0"/>
           </a:p>
         </p:txBody>
       </p:sp>
       <p:cxnSp>
         <p:nvCxnSpPr>
-          <p:cNvPr id="15" name="Straight Arrow Connector 14"/>
+          <p:cNvPr id="33" name="Straight Arrow Connector 32"/>
           <p:cNvCxnSpPr/>
           <p:nvPr/>
         </p:nvCxnSpPr>
         <p:spPr>
-          <a:xfrm flipH="1" flipV="1">
-            <a:off x="4955983" y="4620662"/>
-            <a:ext cx="1044116" cy="1"/>
+          <a:xfrm flipV="1">
+            <a:off x="7919094" y="5594753"/>
+            <a:ext cx="502307" cy="1"/>
           </a:xfrm>
           <a:prstGeom prst="straightConnector1">
             <a:avLst/>
@@ -29964,14 +33915,134 @@
       </p:cxnSp>
       <p:cxnSp>
         <p:nvCxnSpPr>
-          <p:cNvPr id="16" name="Straight Arrow Connector 15"/>
+          <p:cNvPr id="34" name="Straight Arrow Connector 33"/>
           <p:cNvCxnSpPr/>
           <p:nvPr/>
         </p:nvCxnSpPr>
         <p:spPr>
-          <a:xfrm flipV="1">
-            <a:off x="6012160" y="3237078"/>
-            <a:ext cx="0" cy="1383584"/>
+          <a:xfrm>
+            <a:off x="6549193" y="5609565"/>
+            <a:ext cx="684076" cy="1"/>
+          </a:xfrm>
+          <a:prstGeom prst="straightConnector1">
+            <a:avLst/>
+          </a:prstGeom>
+          <a:ln>
+            <a:tailEnd type="arrow"/>
+          </a:ln>
+          <a:effectLst/>
+        </p:spPr>
+        <p:style>
+          <a:lnRef idx="3">
+            <a:schemeClr val="dk1"/>
+          </a:lnRef>
+          <a:fillRef idx="0">
+            <a:schemeClr val="dk1"/>
+          </a:fillRef>
+          <a:effectRef idx="2">
+            <a:schemeClr val="dk1"/>
+          </a:effectRef>
+          <a:fontRef idx="minor">
+            <a:schemeClr val="tx1"/>
+          </a:fontRef>
+        </p:style>
+      </p:cxnSp>
+      <mc:AlternateContent xmlns:mc="http://schemas.openxmlformats.org/markup-compatibility/2006">
+        <mc:Choice xmlns:a14="http://schemas.microsoft.com/office/drawing/2010/main" Requires="a14">
+          <p:sp>
+            <p:nvSpPr>
+              <p:cNvPr id="35" name="TextBox 34"/>
+              <p:cNvSpPr txBox="1"/>
+              <p:nvPr/>
+            </p:nvSpPr>
+            <p:spPr>
+              <a:xfrm>
+                <a:off x="6475354" y="5147898"/>
+                <a:ext cx="901931" cy="461665"/>
+              </a:xfrm>
+              <a:prstGeom prst="rect">
+                <a:avLst/>
+              </a:prstGeom>
+              <a:noFill/>
+            </p:spPr>
+            <p:txBody>
+              <a:bodyPr wrap="square" rtlCol="0">
+                <a:spAutoFit/>
+              </a:bodyPr>
+              <a:lstStyle/>
+              <a:p>
+                <a:pPr/>
+                <a14:m>
+                  <m:oMathPara xmlns:m="http://schemas.openxmlformats.org/officeDocument/2006/math">
+                    <m:oMathParaPr>
+                      <m:jc m:val="centerGroup"/>
+                    </m:oMathParaPr>
+                    <m:oMath xmlns:m="http://schemas.openxmlformats.org/officeDocument/2006/math">
+                      <m:r>
+                        <a:rPr lang="nl-NL" sz="2400" b="0" i="1" smtClean="0">
+                          <a:latin typeface="Cambria Math"/>
+                        </a:rPr>
+                        <m:t>𝑥</m:t>
+                      </m:r>
+                    </m:oMath>
+                  </m:oMathPara>
+                </a14:m>
+                <a:endParaRPr lang="nl-NL" sz="2400" dirty="0"/>
+              </a:p>
+            </p:txBody>
+          </p:sp>
+        </mc:Choice>
+        <mc:Fallback>
+          <p:sp>
+            <p:nvSpPr>
+              <p:cNvPr id="35" name="TextBox 34"/>
+              <p:cNvSpPr txBox="1">
+                <a:spLocks noRot="1" noChangeAspect="1" noMove="1" noResize="1" noEditPoints="1" noAdjustHandles="1" noChangeArrowheads="1" noChangeShapeType="1" noTextEdit="1"/>
+              </p:cNvSpPr>
+              <p:nvPr/>
+            </p:nvSpPr>
+            <p:spPr>
+              <a:xfrm>
+                <a:off x="6475354" y="5147898"/>
+                <a:ext cx="901931" cy="461665"/>
+              </a:xfrm>
+              <a:prstGeom prst="rect">
+                <a:avLst/>
+              </a:prstGeom>
+              <a:blipFill rotWithShape="1">
+                <a:blip r:embed="rId6"/>
+                <a:stretch>
+                  <a:fillRect/>
+                </a:stretch>
+              </a:blipFill>
+            </p:spPr>
+            <p:txBody>
+              <a:bodyPr/>
+              <a:lstStyle/>
+              <a:p>
+                <a:r>
+                  <a:rPr lang="nl-NL">
+                    <a:noFill/>
+                  </a:rPr>
+                  <a:t> </a:t>
+                </a:r>
+              </a:p>
+            </p:txBody>
+          </p:sp>
+        </mc:Fallback>
+      </mc:AlternateContent>
+      <p:cxnSp>
+        <p:nvCxnSpPr>
+          <p:cNvPr id="36" name="Straight Arrow Connector 35"/>
+          <p:cNvCxnSpPr>
+            <a:stCxn id="37" idx="1"/>
+          </p:cNvCxnSpPr>
+          <p:nvPr/>
+        </p:nvCxnSpPr>
+        <p:spPr>
+          <a:xfrm flipH="1">
+            <a:off x="5280347" y="6130033"/>
+            <a:ext cx="592247" cy="0"/>
           </a:xfrm>
           <a:prstGeom prst="straightConnector1">
             <a:avLst/>
@@ -29996,6 +34067,365 @@
           </a:fontRef>
         </p:style>
       </p:cxnSp>
+      <p:sp>
+        <p:nvSpPr>
+          <p:cNvPr id="37" name="TextBox 36"/>
+          <p:cNvSpPr txBox="1"/>
+          <p:nvPr/>
+        </p:nvSpPr>
+        <p:spPr>
+          <a:xfrm>
+            <a:off x="5872594" y="5899200"/>
+            <a:ext cx="685825" cy="461665"/>
+          </a:xfrm>
+          <a:prstGeom prst="rect">
+            <a:avLst/>
+          </a:prstGeom>
+        </p:spPr>
+        <p:style>
+          <a:lnRef idx="2">
+            <a:schemeClr val="dk1"/>
+          </a:lnRef>
+          <a:fillRef idx="1">
+            <a:schemeClr val="lt1"/>
+          </a:fillRef>
+          <a:effectRef idx="0">
+            <a:schemeClr val="dk1"/>
+          </a:effectRef>
+          <a:fontRef idx="minor">
+            <a:schemeClr val="dk1"/>
+          </a:fontRef>
+        </p:style>
+        <p:txBody>
+          <a:bodyPr wrap="square" rtlCol="0">
+            <a:spAutoFit/>
+          </a:bodyPr>
+          <a:lstStyle/>
+          <a:p>
+            <a:pPr algn="ctr"/>
+            <a:r>
+              <a:rPr lang="nl-NL" sz="2400" i="1" dirty="0">
+                <a:latin typeface="Cambria Math"/>
+              </a:rPr>
+              <a:t>A</a:t>
+            </a:r>
+            <a:endParaRPr lang="nl-NL" sz="2400" dirty="0" smtClean="0"/>
+          </a:p>
+        </p:txBody>
+      </p:sp>
+      <p:cxnSp>
+        <p:nvCxnSpPr>
+          <p:cNvPr id="38" name="Straight Arrow Connector 37"/>
+          <p:cNvCxnSpPr/>
+          <p:nvPr/>
+        </p:nvCxnSpPr>
+        <p:spPr>
+          <a:xfrm flipV="1">
+            <a:off x="5280347" y="5676055"/>
+            <a:ext cx="0" cy="443951"/>
+          </a:xfrm>
+          <a:prstGeom prst="straightConnector1">
+            <a:avLst/>
+          </a:prstGeom>
+          <a:ln>
+            <a:tailEnd type="arrow"/>
+          </a:ln>
+          <a:effectLst/>
+        </p:spPr>
+        <p:style>
+          <a:lnRef idx="3">
+            <a:schemeClr val="dk1"/>
+          </a:lnRef>
+          <a:fillRef idx="0">
+            <a:schemeClr val="dk1"/>
+          </a:fillRef>
+          <a:effectRef idx="2">
+            <a:schemeClr val="dk1"/>
+          </a:effectRef>
+          <a:fontRef idx="minor">
+            <a:schemeClr val="tx1"/>
+          </a:fontRef>
+        </p:style>
+      </p:cxnSp>
+      <p:cxnSp>
+        <p:nvCxnSpPr>
+          <p:cNvPr id="39" name="Straight Arrow Connector 38"/>
+          <p:cNvCxnSpPr/>
+          <p:nvPr/>
+        </p:nvCxnSpPr>
+        <p:spPr>
+          <a:xfrm flipH="1">
+            <a:off x="6549194" y="6130033"/>
+            <a:ext cx="354322" cy="0"/>
+          </a:xfrm>
+          <a:prstGeom prst="straightConnector1">
+            <a:avLst/>
+          </a:prstGeom>
+          <a:ln>
+            <a:tailEnd type="none"/>
+          </a:ln>
+          <a:effectLst/>
+        </p:spPr>
+        <p:style>
+          <a:lnRef idx="3">
+            <a:schemeClr val="dk1"/>
+          </a:lnRef>
+          <a:fillRef idx="0">
+            <a:schemeClr val="dk1"/>
+          </a:fillRef>
+          <a:effectRef idx="2">
+            <a:schemeClr val="dk1"/>
+          </a:effectRef>
+          <a:fontRef idx="minor">
+            <a:schemeClr val="tx1"/>
+          </a:fontRef>
+        </p:style>
+      </p:cxnSp>
+      <p:cxnSp>
+        <p:nvCxnSpPr>
+          <p:cNvPr id="41" name="Straight Arrow Connector 40"/>
+          <p:cNvCxnSpPr/>
+          <p:nvPr/>
+        </p:nvCxnSpPr>
+        <p:spPr>
+          <a:xfrm flipV="1">
+            <a:off x="6903516" y="5609567"/>
+            <a:ext cx="0" cy="978491"/>
+          </a:xfrm>
+          <a:prstGeom prst="straightConnector1">
+            <a:avLst/>
+          </a:prstGeom>
+          <a:ln>
+            <a:tailEnd type="none"/>
+          </a:ln>
+          <a:effectLst/>
+        </p:spPr>
+        <p:style>
+          <a:lnRef idx="3">
+            <a:schemeClr val="dk1"/>
+          </a:lnRef>
+          <a:fillRef idx="0">
+            <a:schemeClr val="dk1"/>
+          </a:fillRef>
+          <a:effectRef idx="2">
+            <a:schemeClr val="dk1"/>
+          </a:effectRef>
+          <a:fontRef idx="minor">
+            <a:schemeClr val="tx1"/>
+          </a:fontRef>
+        </p:style>
+      </p:cxnSp>
+      <mc:AlternateContent xmlns:mc="http://schemas.openxmlformats.org/markup-compatibility/2006">
+        <mc:Choice xmlns:a14="http://schemas.microsoft.com/office/drawing/2010/main" Requires="a14">
+          <p:sp>
+            <p:nvSpPr>
+              <p:cNvPr id="45" name="TextBox 44"/>
+              <p:cNvSpPr txBox="1"/>
+              <p:nvPr/>
+            </p:nvSpPr>
+            <p:spPr>
+              <a:xfrm>
+                <a:off x="5125504" y="5147898"/>
+                <a:ext cx="901931" cy="461665"/>
+              </a:xfrm>
+              <a:prstGeom prst="rect">
+                <a:avLst/>
+              </a:prstGeom>
+              <a:noFill/>
+            </p:spPr>
+            <p:txBody>
+              <a:bodyPr wrap="square" rtlCol="0">
+                <a:spAutoFit/>
+              </a:bodyPr>
+              <a:lstStyle/>
+              <a:p>
+                <a:pPr/>
+                <a14:m>
+                  <m:oMathPara xmlns:m="http://schemas.openxmlformats.org/officeDocument/2006/math">
+                    <m:oMathParaPr>
+                      <m:jc m:val="centerGroup"/>
+                    </m:oMathParaPr>
+                    <m:oMath xmlns:m="http://schemas.openxmlformats.org/officeDocument/2006/math">
+                      <m:acc>
+                        <m:accPr>
+                          <m:chr m:val="̇"/>
+                          <m:ctrlPr>
+                            <a:rPr lang="nl-NL" sz="2400" b="0" i="1" smtClean="0">
+                              <a:latin typeface="Cambria Math"/>
+                            </a:rPr>
+                          </m:ctrlPr>
+                        </m:accPr>
+                        <m:e>
+                          <m:r>
+                            <a:rPr lang="nl-NL" sz="2400" b="0" i="1" smtClean="0">
+                              <a:latin typeface="Cambria Math"/>
+                            </a:rPr>
+                            <m:t>𝑥</m:t>
+                          </m:r>
+                        </m:e>
+                      </m:acc>
+                    </m:oMath>
+                  </m:oMathPara>
+                </a14:m>
+                <a:endParaRPr lang="nl-NL" sz="2400" dirty="0"/>
+              </a:p>
+            </p:txBody>
+          </p:sp>
+        </mc:Choice>
+        <mc:Fallback>
+          <p:sp>
+            <p:nvSpPr>
+              <p:cNvPr id="45" name="TextBox 44"/>
+              <p:cNvSpPr txBox="1">
+                <a:spLocks noRot="1" noChangeAspect="1" noMove="1" noResize="1" noEditPoints="1" noAdjustHandles="1" noChangeArrowheads="1" noChangeShapeType="1" noTextEdit="1"/>
+              </p:cNvSpPr>
+              <p:nvPr/>
+            </p:nvSpPr>
+            <p:spPr>
+              <a:xfrm>
+                <a:off x="5125504" y="5147898"/>
+                <a:ext cx="901931" cy="461665"/>
+              </a:xfrm>
+              <a:prstGeom prst="rect">
+                <a:avLst/>
+              </a:prstGeom>
+              <a:blipFill rotWithShape="1">
+                <a:blip r:embed="rId7"/>
+                <a:stretch>
+                  <a:fillRect/>
+                </a:stretch>
+              </a:blipFill>
+            </p:spPr>
+            <p:txBody>
+              <a:bodyPr/>
+              <a:lstStyle/>
+              <a:p>
+                <a:r>
+                  <a:rPr lang="nl-NL">
+                    <a:noFill/>
+                  </a:rPr>
+                  <a:t> </a:t>
+                </a:r>
+              </a:p>
+            </p:txBody>
+          </p:sp>
+        </mc:Fallback>
+      </mc:AlternateContent>
+      <mc:AlternateContent xmlns:mc="http://schemas.openxmlformats.org/markup-compatibility/2006">
+        <mc:Choice xmlns:a14="http://schemas.microsoft.com/office/drawing/2010/main" Requires="a14">
+          <p:sp>
+            <p:nvSpPr>
+              <p:cNvPr id="46" name="TextBox 45"/>
+              <p:cNvSpPr txBox="1"/>
+              <p:nvPr/>
+            </p:nvSpPr>
+            <p:spPr>
+              <a:xfrm>
+                <a:off x="7763843" y="5147898"/>
+                <a:ext cx="901931" cy="461665"/>
+              </a:xfrm>
+              <a:prstGeom prst="rect">
+                <a:avLst/>
+              </a:prstGeom>
+              <a:noFill/>
+            </p:spPr>
+            <p:txBody>
+              <a:bodyPr wrap="square" rtlCol="0">
+                <a:spAutoFit/>
+              </a:bodyPr>
+              <a:lstStyle/>
+              <a:p>
+                <a:pPr/>
+                <a14:m>
+                  <m:oMathPara xmlns:m="http://schemas.openxmlformats.org/officeDocument/2006/math">
+                    <m:oMathParaPr>
+                      <m:jc m:val="centerGroup"/>
+                    </m:oMathParaPr>
+                    <m:oMath xmlns:m="http://schemas.openxmlformats.org/officeDocument/2006/math">
+                      <m:r>
+                        <a:rPr lang="nl-NL" sz="2400" b="0" i="1" smtClean="0">
+                          <a:latin typeface="Cambria Math"/>
+                        </a:rPr>
+                        <m:t>𝑦</m:t>
+                      </m:r>
+                    </m:oMath>
+                  </m:oMathPara>
+                </a14:m>
+                <a:endParaRPr lang="nl-NL" sz="2400" dirty="0"/>
+              </a:p>
+            </p:txBody>
+          </p:sp>
+        </mc:Choice>
+        <mc:Fallback>
+          <p:sp>
+            <p:nvSpPr>
+              <p:cNvPr id="46" name="TextBox 45"/>
+              <p:cNvSpPr txBox="1">
+                <a:spLocks noRot="1" noChangeAspect="1" noMove="1" noResize="1" noEditPoints="1" noAdjustHandles="1" noChangeArrowheads="1" noChangeShapeType="1" noTextEdit="1"/>
+              </p:cNvSpPr>
+              <p:nvPr/>
+            </p:nvSpPr>
+            <p:spPr>
+              <a:xfrm>
+                <a:off x="7763843" y="5147898"/>
+                <a:ext cx="901931" cy="461665"/>
+              </a:xfrm>
+              <a:prstGeom prst="rect">
+                <a:avLst/>
+              </a:prstGeom>
+              <a:blipFill rotWithShape="1">
+                <a:blip r:embed="rId8"/>
+                <a:stretch>
+                  <a:fillRect b="-9211"/>
+                </a:stretch>
+              </a:blipFill>
+            </p:spPr>
+            <p:txBody>
+              <a:bodyPr/>
+              <a:lstStyle/>
+              <a:p>
+                <a:r>
+                  <a:rPr lang="nl-NL">
+                    <a:noFill/>
+                  </a:rPr>
+                  <a:t> </a:t>
+                </a:r>
+              </a:p>
+            </p:txBody>
+          </p:sp>
+        </mc:Fallback>
+      </mc:AlternateContent>
+      <p:sp>
+        <p:nvSpPr>
+          <p:cNvPr id="47" name="TextBox 46"/>
+          <p:cNvSpPr txBox="1"/>
+          <p:nvPr/>
+        </p:nvSpPr>
+        <p:spPr>
+          <a:xfrm>
+            <a:off x="1907704" y="5703639"/>
+            <a:ext cx="901931" cy="461665"/>
+          </a:xfrm>
+          <a:prstGeom prst="rect">
+            <a:avLst/>
+          </a:prstGeom>
+          <a:noFill/>
+        </p:spPr>
+        <p:txBody>
+          <a:bodyPr wrap="square" rtlCol="0">
+            <a:spAutoFit/>
+          </a:bodyPr>
+          <a:lstStyle/>
+          <a:p>
+            <a:pPr/>
+            <a:r>
+              <a:rPr lang="nl-NL" sz="2400" dirty="0" smtClean="0"/>
+              <a:t>-</a:t>
+            </a:r>
+            <a:endParaRPr lang="nl-NL" sz="2400" dirty="0"/>
+          </a:p>
+        </p:txBody>
+      </p:sp>
     </p:spTree>
     <p:extLst>
       <p:ext uri="{BB962C8B-B14F-4D97-AF65-F5344CB8AC3E}">
@@ -30009,7 +34439,7 @@
 </p:sld>
 </file>
 
-<file path=ppt/slides/slide38.xml><?xml version="1.0" encoding="utf-8"?>
+<file path=ppt/slides/slide41.xml><?xml version="1.0" encoding="utf-8"?>
 <p:sld xmlns:a="http://schemas.openxmlformats.org/drawingml/2006/main" xmlns:r="http://schemas.openxmlformats.org/officeDocument/2006/relationships" xmlns:p="http://schemas.openxmlformats.org/presentationml/2006/main">
   <p:cSld>
     <p:spTree>
@@ -30952,621 +35382,6 @@
     <p:extLst>
       <p:ext uri="{BB962C8B-B14F-4D97-AF65-F5344CB8AC3E}">
         <p14:creationId xmlns:p14="http://schemas.microsoft.com/office/powerpoint/2010/main" val="3620781307"/>
-      </p:ext>
-    </p:extLst>
-  </p:cSld>
-  <p:clrMapOvr>
-    <a:masterClrMapping/>
-  </p:clrMapOvr>
-</p:sld>
-</file>
-
-<file path=ppt/slides/slide4.xml><?xml version="1.0" encoding="utf-8"?>
-<p:sld xmlns:a="http://schemas.openxmlformats.org/drawingml/2006/main" xmlns:r="http://schemas.openxmlformats.org/officeDocument/2006/relationships" xmlns:p="http://schemas.openxmlformats.org/presentationml/2006/main">
-  <p:cSld>
-    <p:spTree>
-      <p:nvGrpSpPr>
-        <p:cNvPr id="1" name=""/>
-        <p:cNvGrpSpPr/>
-        <p:nvPr/>
-      </p:nvGrpSpPr>
-      <p:grpSpPr>
-        <a:xfrm>
-          <a:off x="0" y="0"/>
-          <a:ext cx="0" cy="0"/>
-          <a:chOff x="0" y="0"/>
-          <a:chExt cx="0" cy="0"/>
-        </a:xfrm>
-      </p:grpSpPr>
-      <p:cxnSp>
-        <p:nvCxnSpPr>
-          <p:cNvPr id="6" name="Straight Connector 5"/>
-          <p:cNvCxnSpPr/>
-          <p:nvPr/>
-        </p:nvCxnSpPr>
-        <p:spPr>
-          <a:xfrm flipV="1">
-            <a:off x="999346" y="2909600"/>
-            <a:ext cx="2418509" cy="3008992"/>
-          </a:xfrm>
-          <a:prstGeom prst="line">
-            <a:avLst/>
-          </a:prstGeom>
-          <a:ln w="76200"/>
-        </p:spPr>
-        <p:style>
-          <a:lnRef idx="1">
-            <a:schemeClr val="dk1"/>
-          </a:lnRef>
-          <a:fillRef idx="0">
-            <a:schemeClr val="dk1"/>
-          </a:fillRef>
-          <a:effectRef idx="0">
-            <a:schemeClr val="dk1"/>
-          </a:effectRef>
-          <a:fontRef idx="minor">
-            <a:schemeClr val="tx1"/>
-          </a:fontRef>
-        </p:style>
-      </p:cxnSp>
-      <p:cxnSp>
-        <p:nvCxnSpPr>
-          <p:cNvPr id="8" name="Straight Connector 7"/>
-          <p:cNvCxnSpPr/>
-          <p:nvPr/>
-        </p:nvCxnSpPr>
-        <p:spPr>
-          <a:xfrm flipV="1">
-            <a:off x="3417855" y="1311073"/>
-            <a:ext cx="4614093" cy="1598527"/>
-          </a:xfrm>
-          <a:prstGeom prst="line">
-            <a:avLst/>
-          </a:prstGeom>
-          <a:ln w="76200"/>
-        </p:spPr>
-        <p:style>
-          <a:lnRef idx="1">
-            <a:schemeClr val="dk1"/>
-          </a:lnRef>
-          <a:fillRef idx="0">
-            <a:schemeClr val="dk1"/>
-          </a:fillRef>
-          <a:effectRef idx="0">
-            <a:schemeClr val="dk1"/>
-          </a:effectRef>
-          <a:fontRef idx="minor">
-            <a:schemeClr val="tx1"/>
-          </a:fontRef>
-        </p:style>
-      </p:cxnSp>
-      <p:sp>
-        <p:nvSpPr>
-          <p:cNvPr id="15" name="Oval 14"/>
-          <p:cNvSpPr/>
-          <p:nvPr/>
-        </p:nvSpPr>
-        <p:spPr>
-          <a:xfrm>
-            <a:off x="852088" y="5777546"/>
-            <a:ext cx="294517" cy="282093"/>
-          </a:xfrm>
-          <a:prstGeom prst="ellipse">
-            <a:avLst/>
-          </a:prstGeom>
-        </p:spPr>
-        <p:style>
-          <a:lnRef idx="2">
-            <a:schemeClr val="dk1">
-              <a:shade val="50000"/>
-            </a:schemeClr>
-          </a:lnRef>
-          <a:fillRef idx="1">
-            <a:schemeClr val="dk1"/>
-          </a:fillRef>
-          <a:effectRef idx="0">
-            <a:schemeClr val="dk1"/>
-          </a:effectRef>
-          <a:fontRef idx="minor">
-            <a:schemeClr val="lt1"/>
-          </a:fontRef>
-        </p:style>
-        <p:txBody>
-          <a:bodyPr rtlCol="0" anchor="ctr"/>
-          <a:lstStyle/>
-          <a:p>
-            <a:pPr algn="ctr"/>
-            <a:endParaRPr lang="nl-NL"/>
-          </a:p>
-        </p:txBody>
-      </p:sp>
-      <p:sp>
-        <p:nvSpPr>
-          <p:cNvPr id="16" name="Oval 15"/>
-          <p:cNvSpPr/>
-          <p:nvPr/>
-        </p:nvSpPr>
-        <p:spPr>
-          <a:xfrm>
-            <a:off x="3270597" y="2768554"/>
-            <a:ext cx="294517" cy="282093"/>
-          </a:xfrm>
-          <a:prstGeom prst="ellipse">
-            <a:avLst/>
-          </a:prstGeom>
-        </p:spPr>
-        <p:style>
-          <a:lnRef idx="2">
-            <a:schemeClr val="dk1">
-              <a:shade val="50000"/>
-            </a:schemeClr>
-          </a:lnRef>
-          <a:fillRef idx="1">
-            <a:schemeClr val="dk1"/>
-          </a:fillRef>
-          <a:effectRef idx="0">
-            <a:schemeClr val="dk1"/>
-          </a:effectRef>
-          <a:fontRef idx="minor">
-            <a:schemeClr val="lt1"/>
-          </a:fontRef>
-        </p:style>
-        <p:txBody>
-          <a:bodyPr rtlCol="0" anchor="ctr"/>
-          <a:lstStyle/>
-          <a:p>
-            <a:pPr algn="ctr"/>
-            <a:endParaRPr lang="nl-NL"/>
-          </a:p>
-        </p:txBody>
-      </p:sp>
-      <mc:AlternateContent xmlns:mc="http://schemas.openxmlformats.org/markup-compatibility/2006" xmlns:a14="http://schemas.microsoft.com/office/drawing/2010/main">
-        <mc:Choice Requires="a14">
-          <p:sp>
-            <p:nvSpPr>
-              <p:cNvPr id="34" name="TextBox 33"/>
-              <p:cNvSpPr txBox="1"/>
-              <p:nvPr/>
-            </p:nvSpPr>
-            <p:spPr>
-              <a:xfrm>
-                <a:off x="8028384" y="5661248"/>
-                <a:ext cx="1008112" cy="1107996"/>
-              </a:xfrm>
-              <a:prstGeom prst="rect">
-                <a:avLst/>
-              </a:prstGeom>
-              <a:noFill/>
-            </p:spPr>
-            <p:txBody>
-              <a:bodyPr wrap="square" rtlCol="0">
-                <a:spAutoFit/>
-              </a:bodyPr>
-              <a:lstStyle/>
-              <a:p>
-                <a:pPr/>
-                <a14:m>
-                  <m:oMathPara xmlns:m="http://schemas.openxmlformats.org/officeDocument/2006/math">
-                    <m:oMathParaPr>
-                      <m:jc m:val="centerGroup"/>
-                    </m:oMathParaPr>
-                    <m:oMath xmlns:m="http://schemas.openxmlformats.org/officeDocument/2006/math">
-                      <m:r>
-                        <a:rPr lang="nl-NL" sz="6600" b="0" i="1" smtClean="0">
-                          <a:latin typeface="Cambria Math"/>
-                        </a:rPr>
-                        <m:t>𝑥</m:t>
-                      </m:r>
-                    </m:oMath>
-                  </m:oMathPara>
-                </a14:m>
-                <a:endParaRPr lang="nl-NL" sz="4800" dirty="0"/>
-              </a:p>
-            </p:txBody>
-          </p:sp>
-        </mc:Choice>
-        <mc:Fallback xmlns="">
-          <p:sp>
-            <p:nvSpPr>
-              <p:cNvPr id="34" name="TextBox 33"/>
-              <p:cNvSpPr txBox="1">
-                <a:spLocks noRot="1" noChangeAspect="1" noMove="1" noResize="1" noEditPoints="1" noAdjustHandles="1" noChangeArrowheads="1" noChangeShapeType="1" noTextEdit="1"/>
-              </p:cNvSpPr>
-              <p:nvPr/>
-            </p:nvSpPr>
-            <p:spPr>
-              <a:xfrm>
-                <a:off x="8028384" y="5661248"/>
-                <a:ext cx="1008112" cy="1107996"/>
-              </a:xfrm>
-              <a:prstGeom prst="rect">
-                <a:avLst/>
-              </a:prstGeom>
-              <a:blipFill rotWithShape="1">
-                <a:blip r:embed="rId2"/>
-                <a:stretch>
-                  <a:fillRect/>
-                </a:stretch>
-              </a:blipFill>
-            </p:spPr>
-            <p:txBody>
-              <a:bodyPr/>
-              <a:lstStyle/>
-              <a:p>
-                <a:r>
-                  <a:rPr lang="nl-NL">
-                    <a:noFill/>
-                  </a:rPr>
-                  <a:t> </a:t>
-                </a:r>
-              </a:p>
-            </p:txBody>
-          </p:sp>
-        </mc:Fallback>
-      </mc:AlternateContent>
-      <mc:AlternateContent xmlns:mc="http://schemas.openxmlformats.org/markup-compatibility/2006" xmlns:a14="http://schemas.microsoft.com/office/drawing/2010/main">
-        <mc:Choice Requires="a14">
-          <p:sp>
-            <p:nvSpPr>
-              <p:cNvPr id="35" name="TextBox 34"/>
-              <p:cNvSpPr txBox="1"/>
-              <p:nvPr/>
-            </p:nvSpPr>
-            <p:spPr>
-              <a:xfrm>
-                <a:off x="48468" y="989605"/>
-                <a:ext cx="1008112" cy="830997"/>
-              </a:xfrm>
-              <a:prstGeom prst="rect">
-                <a:avLst/>
-              </a:prstGeom>
-              <a:noFill/>
-            </p:spPr>
-            <p:txBody>
-              <a:bodyPr wrap="square" rtlCol="0">
-                <a:spAutoFit/>
-              </a:bodyPr>
-              <a:lstStyle/>
-              <a:p>
-                <a:pPr/>
-                <a14:m>
-                  <m:oMathPara xmlns:m="http://schemas.openxmlformats.org/officeDocument/2006/math">
-                    <m:oMathParaPr>
-                      <m:jc m:val="centerGroup"/>
-                    </m:oMathParaPr>
-                    <m:oMath xmlns:m="http://schemas.openxmlformats.org/officeDocument/2006/math">
-                      <m:r>
-                        <a:rPr lang="nl-NL" sz="4800" b="0" i="1" smtClean="0">
-                          <a:latin typeface="Cambria Math"/>
-                        </a:rPr>
-                        <m:t>𝑦</m:t>
-                      </m:r>
-                    </m:oMath>
-                  </m:oMathPara>
-                </a14:m>
-                <a:endParaRPr lang="nl-NL" sz="4800" dirty="0"/>
-              </a:p>
-            </p:txBody>
-          </p:sp>
-        </mc:Choice>
-        <mc:Fallback xmlns="">
-          <p:sp>
-            <p:nvSpPr>
-              <p:cNvPr id="35" name="TextBox 34"/>
-              <p:cNvSpPr txBox="1">
-                <a:spLocks noRot="1" noChangeAspect="1" noMove="1" noResize="1" noEditPoints="1" noAdjustHandles="1" noChangeArrowheads="1" noChangeShapeType="1" noTextEdit="1"/>
-              </p:cNvSpPr>
-              <p:nvPr/>
-            </p:nvSpPr>
-            <p:spPr>
-              <a:xfrm>
-                <a:off x="48468" y="989605"/>
-                <a:ext cx="1008112" cy="830997"/>
-              </a:xfrm>
-              <a:prstGeom prst="rect">
-                <a:avLst/>
-              </a:prstGeom>
-              <a:blipFill rotWithShape="1">
-                <a:blip r:embed="rId3"/>
-                <a:stretch>
-                  <a:fillRect/>
-                </a:stretch>
-              </a:blipFill>
-            </p:spPr>
-            <p:txBody>
-              <a:bodyPr/>
-              <a:lstStyle/>
-              <a:p>
-                <a:r>
-                  <a:rPr lang="nl-NL">
-                    <a:noFill/>
-                  </a:rPr>
-                  <a:t> </a:t>
-                </a:r>
-              </a:p>
-            </p:txBody>
-          </p:sp>
-        </mc:Fallback>
-      </mc:AlternateContent>
-      <p:sp>
-        <p:nvSpPr>
-          <p:cNvPr id="13" name="Oval 12"/>
-          <p:cNvSpPr/>
-          <p:nvPr/>
-        </p:nvSpPr>
-        <p:spPr>
-          <a:xfrm>
-            <a:off x="7884689" y="1152749"/>
-            <a:ext cx="294517" cy="282093"/>
-          </a:xfrm>
-          <a:prstGeom prst="ellipse">
-            <a:avLst/>
-          </a:prstGeom>
-        </p:spPr>
-        <p:style>
-          <a:lnRef idx="2">
-            <a:schemeClr val="dk1">
-              <a:shade val="50000"/>
-            </a:schemeClr>
-          </a:lnRef>
-          <a:fillRef idx="1">
-            <a:schemeClr val="dk1"/>
-          </a:fillRef>
-          <a:effectRef idx="0">
-            <a:schemeClr val="dk1"/>
-          </a:effectRef>
-          <a:fontRef idx="minor">
-            <a:schemeClr val="lt1"/>
-          </a:fontRef>
-        </p:style>
-        <p:txBody>
-          <a:bodyPr rtlCol="0" anchor="ctr"/>
-          <a:lstStyle/>
-          <a:p>
-            <a:pPr algn="ctr"/>
-            <a:endParaRPr lang="nl-NL"/>
-          </a:p>
-        </p:txBody>
-      </p:sp>
-      <p:cxnSp>
-        <p:nvCxnSpPr>
-          <p:cNvPr id="5" name="Straight Arrow Connector 4"/>
-          <p:cNvCxnSpPr/>
-          <p:nvPr/>
-        </p:nvCxnSpPr>
-        <p:spPr>
-          <a:xfrm flipV="1">
-            <a:off x="1008579" y="764704"/>
-            <a:ext cx="0" cy="5153889"/>
-          </a:xfrm>
-          <a:prstGeom prst="straightConnector1">
-            <a:avLst/>
-          </a:prstGeom>
-          <a:ln w="38100">
-            <a:solidFill>
-              <a:schemeClr val="tx1"/>
-            </a:solidFill>
-            <a:tailEnd type="arrow"/>
-          </a:ln>
-        </p:spPr>
-        <p:style>
-          <a:lnRef idx="1">
-            <a:schemeClr val="accent1"/>
-          </a:lnRef>
-          <a:fillRef idx="0">
-            <a:schemeClr val="accent1"/>
-          </a:fillRef>
-          <a:effectRef idx="0">
-            <a:schemeClr val="accent1"/>
-          </a:effectRef>
-          <a:fontRef idx="minor">
-            <a:schemeClr val="tx1"/>
-          </a:fontRef>
-        </p:style>
-      </p:cxnSp>
-      <p:cxnSp>
-        <p:nvCxnSpPr>
-          <p:cNvPr id="19" name="Straight Arrow Connector 18"/>
-          <p:cNvCxnSpPr/>
-          <p:nvPr/>
-        </p:nvCxnSpPr>
-        <p:spPr>
-          <a:xfrm flipV="1">
-            <a:off x="978424" y="5927839"/>
-            <a:ext cx="7770040" cy="1"/>
-          </a:xfrm>
-          <a:prstGeom prst="straightConnector1">
-            <a:avLst/>
-          </a:prstGeom>
-          <a:ln w="38100">
-            <a:solidFill>
-              <a:schemeClr val="tx1"/>
-            </a:solidFill>
-            <a:tailEnd type="arrow"/>
-          </a:ln>
-        </p:spPr>
-        <p:style>
-          <a:lnRef idx="1">
-            <a:schemeClr val="accent1"/>
-          </a:lnRef>
-          <a:fillRef idx="0">
-            <a:schemeClr val="accent1"/>
-          </a:fillRef>
-          <a:effectRef idx="0">
-            <a:schemeClr val="accent1"/>
-          </a:effectRef>
-          <a:fontRef idx="minor">
-            <a:schemeClr val="tx1"/>
-          </a:fontRef>
-        </p:style>
-      </p:cxnSp>
-      <p:cxnSp>
-        <p:nvCxnSpPr>
-          <p:cNvPr id="18" name="Straight Connector 17"/>
-          <p:cNvCxnSpPr/>
-          <p:nvPr/>
-        </p:nvCxnSpPr>
-        <p:spPr>
-          <a:xfrm flipV="1">
-            <a:off x="1008000" y="4797152"/>
-            <a:ext cx="3737592" cy="1121440"/>
-          </a:xfrm>
-          <a:prstGeom prst="line">
-            <a:avLst/>
-          </a:prstGeom>
-          <a:ln w="76200">
-            <a:solidFill>
-              <a:schemeClr val="bg1">
-                <a:lumMod val="50000"/>
-              </a:schemeClr>
-            </a:solidFill>
-          </a:ln>
-        </p:spPr>
-        <p:style>
-          <a:lnRef idx="1">
-            <a:schemeClr val="dk1"/>
-          </a:lnRef>
-          <a:fillRef idx="0">
-            <a:schemeClr val="dk1"/>
-          </a:fillRef>
-          <a:effectRef idx="0">
-            <a:schemeClr val="dk1"/>
-          </a:effectRef>
-          <a:fontRef idx="minor">
-            <a:schemeClr val="tx1"/>
-          </a:fontRef>
-        </p:style>
-      </p:cxnSp>
-      <p:cxnSp>
-        <p:nvCxnSpPr>
-          <p:cNvPr id="20" name="Straight Connector 19"/>
-          <p:cNvCxnSpPr/>
-          <p:nvPr/>
-        </p:nvCxnSpPr>
-        <p:spPr>
-          <a:xfrm flipV="1">
-            <a:off x="4716016" y="1292922"/>
-            <a:ext cx="3315932" cy="3504230"/>
-          </a:xfrm>
-          <a:prstGeom prst="line">
-            <a:avLst/>
-          </a:prstGeom>
-          <a:ln w="76200">
-            <a:solidFill>
-              <a:schemeClr val="bg1">
-                <a:lumMod val="50000"/>
-              </a:schemeClr>
-            </a:solidFill>
-          </a:ln>
-        </p:spPr>
-        <p:style>
-          <a:lnRef idx="1">
-            <a:schemeClr val="dk1"/>
-          </a:lnRef>
-          <a:fillRef idx="0">
-            <a:schemeClr val="dk1"/>
-          </a:fillRef>
-          <a:effectRef idx="0">
-            <a:schemeClr val="dk1"/>
-          </a:effectRef>
-          <a:fontRef idx="minor">
-            <a:schemeClr val="tx1"/>
-          </a:fontRef>
-        </p:style>
-      </p:cxnSp>
-      <p:cxnSp>
-        <p:nvCxnSpPr>
-          <p:cNvPr id="30" name="Straight Arrow Connector 29"/>
-          <p:cNvCxnSpPr/>
-          <p:nvPr/>
-        </p:nvCxnSpPr>
-        <p:spPr>
-          <a:xfrm flipV="1">
-            <a:off x="1008579" y="620688"/>
-            <a:ext cx="8027917" cy="5297905"/>
-          </a:xfrm>
-          <a:prstGeom prst="straightConnector1">
-            <a:avLst/>
-          </a:prstGeom>
-          <a:ln w="38100">
-            <a:solidFill>
-              <a:schemeClr val="tx1"/>
-            </a:solidFill>
-            <a:prstDash val="sysDot"/>
-            <a:tailEnd type="none"/>
-          </a:ln>
-        </p:spPr>
-        <p:style>
-          <a:lnRef idx="1">
-            <a:schemeClr val="accent1"/>
-          </a:lnRef>
-          <a:fillRef idx="0">
-            <a:schemeClr val="accent1"/>
-          </a:fillRef>
-          <a:effectRef idx="0">
-            <a:schemeClr val="accent1"/>
-          </a:effectRef>
-          <a:fontRef idx="minor">
-            <a:schemeClr val="tx1"/>
-          </a:fontRef>
-        </p:style>
-      </p:cxnSp>
-      <p:sp>
-        <p:nvSpPr>
-          <p:cNvPr id="37" name="Oval 36"/>
-          <p:cNvSpPr/>
-          <p:nvPr/>
-        </p:nvSpPr>
-        <p:spPr>
-          <a:xfrm>
-            <a:off x="4524155" y="4656105"/>
-            <a:ext cx="294517" cy="282093"/>
-          </a:xfrm>
-          <a:prstGeom prst="ellipse">
-            <a:avLst/>
-          </a:prstGeom>
-          <a:solidFill>
-            <a:schemeClr val="bg1">
-              <a:lumMod val="50000"/>
-            </a:schemeClr>
-          </a:solidFill>
-          <a:ln>
-            <a:solidFill>
-              <a:schemeClr val="bg1">
-                <a:lumMod val="50000"/>
-              </a:schemeClr>
-            </a:solidFill>
-          </a:ln>
-        </p:spPr>
-        <p:style>
-          <a:lnRef idx="2">
-            <a:schemeClr val="dk1">
-              <a:shade val="50000"/>
-            </a:schemeClr>
-          </a:lnRef>
-          <a:fillRef idx="1">
-            <a:schemeClr val="dk1"/>
-          </a:fillRef>
-          <a:effectRef idx="0">
-            <a:schemeClr val="dk1"/>
-          </a:effectRef>
-          <a:fontRef idx="minor">
-            <a:schemeClr val="lt1"/>
-          </a:fontRef>
-        </p:style>
-        <p:txBody>
-          <a:bodyPr rtlCol="0" anchor="ctr"/>
-          <a:lstStyle/>
-          <a:p>
-            <a:pPr algn="ctr"/>
-            <a:endParaRPr lang="nl-NL"/>
-          </a:p>
-        </p:txBody>
-      </p:sp>
-    </p:spTree>
-    <p:extLst>
-      <p:ext uri="{BB962C8B-B14F-4D97-AF65-F5344CB8AC3E}">
-        <p14:creationId xmlns:p14="http://schemas.microsoft.com/office/powerpoint/2010/main" val="1828309408"/>
       </p:ext>
     </p:extLst>
   </p:cSld>
@@ -38240,6 +42055,44 @@
 </p:tagLst>
 </file>
 
+<file path=ppt/tags/tag75.xml><?xml version="1.0" encoding="utf-8"?>
+<p:tagLst xmlns:a="http://schemas.openxmlformats.org/drawingml/2006/main" xmlns:r="http://schemas.openxmlformats.org/officeDocument/2006/relationships" xmlns:p="http://schemas.openxmlformats.org/presentationml/2006/main">
+  <p:tag name="OUTPUTDPI" val="1200"/>
+  <p:tag name="ORIGINALHEIGHT" val="124,5"/>
+  <p:tag name="ORIGINALWIDTH" val="184,5"/>
+  <p:tag name="LATEXADDIN" val="\documentclass{article}&#10;\usepackage{amsmath}&#10;\usepackage{amsfonts}&#10;\pagestyle{empty}&#10;\begin{document}&#10;&#10;\begin{equation}&#10;\{\mathcal{I}\}\nonumber&#10;\end{equation}&#10;&#10;\end{document}"/>
+  <p:tag name="IGUANATEXSIZE" val="20"/>
+  <p:tag name="IGUANATEXCURSOR" val="134"/>
+  <p:tag name="TRANSPARENCY" val="True"/>
+  <p:tag name="FILENAME" val=""/>
+  <p:tag name="LATEXENGINEID" val="0"/>
+  <p:tag name="TEMPFOLDER" val="c:\temp\"/>
+  <p:tag name="LATEXFORMHEIGHT" val="312"/>
+  <p:tag name="LATEXFORMWIDTH" val="384"/>
+  <p:tag name="LATEXFORMWRAP" val="True"/>
+  <p:tag name="BITMAPVECTOR" val="0"/>
+</p:tagLst>
+</file>
+
+<file path=ppt/tags/tag76.xml><?xml version="1.0" encoding="utf-8"?>
+<p:tagLst xmlns:a="http://schemas.openxmlformats.org/drawingml/2006/main" xmlns:r="http://schemas.openxmlformats.org/officeDocument/2006/relationships" xmlns:p="http://schemas.openxmlformats.org/presentationml/2006/main">
+  <p:tag name="OUTPUTDPI" val="1200"/>
+  <p:tag name="ORIGINALHEIGHT" val="124,5"/>
+  <p:tag name="ORIGINALWIDTH" val="192,75"/>
+  <p:tag name="LATEXADDIN" val="\documentclass{article}&#10;\usepackage{amsmath}&#10;\usepackage{amsfonts}&#10;\pagestyle{empty}&#10;\begin{document}&#10;&#10;\begin{equation}&#10;\{\mathcal{B}\}\nonumber&#10;\end{equation}&#10;&#10;\end{document}"/>
+  <p:tag name="IGUANATEXSIZE" val="20"/>
+  <p:tag name="IGUANATEXCURSOR" val="132"/>
+  <p:tag name="TRANSPARENCY" val="True"/>
+  <p:tag name="FILENAME" val=""/>
+  <p:tag name="LATEXENGINEID" val="0"/>
+  <p:tag name="TEMPFOLDER" val="c:\temp\"/>
+  <p:tag name="LATEXFORMHEIGHT" val="312"/>
+  <p:tag name="LATEXFORMWIDTH" val="384"/>
+  <p:tag name="LATEXFORMWRAP" val="True"/>
+  <p:tag name="BITMAPVECTOR" val="0"/>
+</p:tagLst>
+</file>
+
 <file path=ppt/tags/tag8.xml><?xml version="1.0" encoding="utf-8"?>
 <p:tagLst xmlns:a="http://schemas.openxmlformats.org/drawingml/2006/main" xmlns:r="http://schemas.openxmlformats.org/officeDocument/2006/relationships" xmlns:p="http://schemas.openxmlformats.org/presentationml/2006/main">
   <p:tag name="OUTPUTDPI" val="1200"/>

--- a/StyleStuff/figures.pptx
+++ b/StyleStuff/figures.pptx
@@ -44,8 +44,9 @@
     <p:sldId id="275" r:id="rId38"/>
     <p:sldId id="297" r:id="rId39"/>
     <p:sldId id="266" r:id="rId40"/>
-    <p:sldId id="265" r:id="rId41"/>
-    <p:sldId id="296" r:id="rId42"/>
+    <p:sldId id="301" r:id="rId41"/>
+    <p:sldId id="265" r:id="rId42"/>
+    <p:sldId id="296" r:id="rId43"/>
   </p:sldIdLst>
   <p:sldSz cx="9144000" cy="6858000" type="screen4x3"/>
   <p:notesSz cx="6858000" cy="9144000"/>
@@ -328,7 +329,7 @@
           <a:p>
             <a:fld id="{54F4720F-D6E7-473E-8843-300157F93B80}" type="datetimeFigureOut">
               <a:rPr lang="nl-NL" smtClean="0"/>
-              <a:t>7-8-2017</a:t>
+              <a:t>9-8-2017</a:t>
             </a:fld>
             <a:endParaRPr lang="nl-NL"/>
           </a:p>
@@ -498,7 +499,7 @@
           <a:p>
             <a:fld id="{54F4720F-D6E7-473E-8843-300157F93B80}" type="datetimeFigureOut">
               <a:rPr lang="nl-NL" smtClean="0"/>
-              <a:t>7-8-2017</a:t>
+              <a:t>9-8-2017</a:t>
             </a:fld>
             <a:endParaRPr lang="nl-NL"/>
           </a:p>
@@ -678,7 +679,7 @@
           <a:p>
             <a:fld id="{54F4720F-D6E7-473E-8843-300157F93B80}" type="datetimeFigureOut">
               <a:rPr lang="nl-NL" smtClean="0"/>
-              <a:t>7-8-2017</a:t>
+              <a:t>9-8-2017</a:t>
             </a:fld>
             <a:endParaRPr lang="nl-NL"/>
           </a:p>
@@ -848,7 +849,7 @@
           <a:p>
             <a:fld id="{54F4720F-D6E7-473E-8843-300157F93B80}" type="datetimeFigureOut">
               <a:rPr lang="nl-NL" smtClean="0"/>
-              <a:t>7-8-2017</a:t>
+              <a:t>9-8-2017</a:t>
             </a:fld>
             <a:endParaRPr lang="nl-NL"/>
           </a:p>
@@ -1094,7 +1095,7 @@
           <a:p>
             <a:fld id="{54F4720F-D6E7-473E-8843-300157F93B80}" type="datetimeFigureOut">
               <a:rPr lang="nl-NL" smtClean="0"/>
-              <a:t>7-8-2017</a:t>
+              <a:t>9-8-2017</a:t>
             </a:fld>
             <a:endParaRPr lang="nl-NL"/>
           </a:p>
@@ -1382,7 +1383,7 @@
           <a:p>
             <a:fld id="{54F4720F-D6E7-473E-8843-300157F93B80}" type="datetimeFigureOut">
               <a:rPr lang="nl-NL" smtClean="0"/>
-              <a:t>7-8-2017</a:t>
+              <a:t>9-8-2017</a:t>
             </a:fld>
             <a:endParaRPr lang="nl-NL"/>
           </a:p>
@@ -1804,7 +1805,7 @@
           <a:p>
             <a:fld id="{54F4720F-D6E7-473E-8843-300157F93B80}" type="datetimeFigureOut">
               <a:rPr lang="nl-NL" smtClean="0"/>
-              <a:t>7-8-2017</a:t>
+              <a:t>9-8-2017</a:t>
             </a:fld>
             <a:endParaRPr lang="nl-NL"/>
           </a:p>
@@ -1922,7 +1923,7 @@
           <a:p>
             <a:fld id="{54F4720F-D6E7-473E-8843-300157F93B80}" type="datetimeFigureOut">
               <a:rPr lang="nl-NL" smtClean="0"/>
-              <a:t>7-8-2017</a:t>
+              <a:t>9-8-2017</a:t>
             </a:fld>
             <a:endParaRPr lang="nl-NL"/>
           </a:p>
@@ -2017,7 +2018,7 @@
           <a:p>
             <a:fld id="{54F4720F-D6E7-473E-8843-300157F93B80}" type="datetimeFigureOut">
               <a:rPr lang="nl-NL" smtClean="0"/>
-              <a:t>7-8-2017</a:t>
+              <a:t>9-8-2017</a:t>
             </a:fld>
             <a:endParaRPr lang="nl-NL"/>
           </a:p>
@@ -2294,7 +2295,7 @@
           <a:p>
             <a:fld id="{54F4720F-D6E7-473E-8843-300157F93B80}" type="datetimeFigureOut">
               <a:rPr lang="nl-NL" smtClean="0"/>
-              <a:t>7-8-2017</a:t>
+              <a:t>9-8-2017</a:t>
             </a:fld>
             <a:endParaRPr lang="nl-NL"/>
           </a:p>
@@ -2547,7 +2548,7 @@
           <a:p>
             <a:fld id="{54F4720F-D6E7-473E-8843-300157F93B80}" type="datetimeFigureOut">
               <a:rPr lang="nl-NL" smtClean="0"/>
-              <a:t>7-8-2017</a:t>
+              <a:t>9-8-2017</a:t>
             </a:fld>
             <a:endParaRPr lang="nl-NL"/>
           </a:p>
@@ -2760,7 +2761,7 @@
           <a:p>
             <a:fld id="{54F4720F-D6E7-473E-8843-300157F93B80}" type="datetimeFigureOut">
               <a:rPr lang="nl-NL" smtClean="0"/>
-              <a:t>7-8-2017</a:t>
+              <a:t>9-8-2017</a:t>
             </a:fld>
             <a:endParaRPr lang="nl-NL"/>
           </a:p>
@@ -16949,8 +16950,8 @@
             </a:fontRef>
           </p:style>
         </p:cxnSp>
-        <mc:AlternateContent xmlns:mc="http://schemas.openxmlformats.org/markup-compatibility/2006">
-          <mc:Choice xmlns:a14="http://schemas.microsoft.com/office/drawing/2010/main" Requires="a14">
+        <mc:AlternateContent xmlns:mc="http://schemas.openxmlformats.org/markup-compatibility/2006" xmlns:a14="http://schemas.microsoft.com/office/drawing/2010/main">
+          <mc:Choice Requires="a14">
             <p:sp>
               <p:nvSpPr>
                 <p:cNvPr id="12" name="TextBox 11"/>
@@ -17013,7 +17014,7 @@
               </p:txBody>
             </p:sp>
           </mc:Choice>
-          <mc:Fallback>
+          <mc:Fallback xmlns="">
             <p:sp>
               <p:nvSpPr>
                 <p:cNvPr id="12" name="TextBox 11"/>
@@ -17097,8 +17098,8 @@
             </a:p>
           </p:txBody>
         </p:sp>
-        <mc:AlternateContent xmlns:mc="http://schemas.openxmlformats.org/markup-compatibility/2006">
-          <mc:Choice xmlns:a14="http://schemas.microsoft.com/office/drawing/2010/main" Requires="a14">
+        <mc:AlternateContent xmlns:mc="http://schemas.openxmlformats.org/markup-compatibility/2006" xmlns:a14="http://schemas.microsoft.com/office/drawing/2010/main">
+          <mc:Choice Requires="a14">
             <p:sp>
               <p:nvSpPr>
                 <p:cNvPr id="14" name="TextBox 13"/>
@@ -17161,7 +17162,7 @@
               </p:txBody>
             </p:sp>
           </mc:Choice>
-          <mc:Fallback>
+          <mc:Fallback xmlns="">
             <p:sp>
               <p:nvSpPr>
                 <p:cNvPr id="14" name="TextBox 13"/>
@@ -17277,8 +17278,8 @@
           </a:p>
         </p:txBody>
       </p:sp>
-      <mc:AlternateContent xmlns:mc="http://schemas.openxmlformats.org/markup-compatibility/2006">
-        <mc:Choice xmlns:a14="http://schemas.microsoft.com/office/drawing/2010/main" Requires="a14">
+      <mc:AlternateContent xmlns:mc="http://schemas.openxmlformats.org/markup-compatibility/2006" xmlns:a14="http://schemas.microsoft.com/office/drawing/2010/main">
+        <mc:Choice Requires="a14">
           <p:sp>
             <p:nvSpPr>
               <p:cNvPr id="18" name="TextBox 17"/>
@@ -17341,7 +17342,7 @@
             </p:txBody>
           </p:sp>
         </mc:Choice>
-        <mc:Fallback>
+        <mc:Fallback xmlns="">
           <p:sp>
             <p:nvSpPr>
               <p:cNvPr id="18" name="TextBox 17"/>
@@ -17380,8 +17381,8 @@
           </p:sp>
         </mc:Fallback>
       </mc:AlternateContent>
-      <mc:AlternateContent xmlns:mc="http://schemas.openxmlformats.org/markup-compatibility/2006">
-        <mc:Choice xmlns:a14="http://schemas.microsoft.com/office/drawing/2010/main" Requires="a14">
+      <mc:AlternateContent xmlns:mc="http://schemas.openxmlformats.org/markup-compatibility/2006" xmlns:a14="http://schemas.microsoft.com/office/drawing/2010/main">
+        <mc:Choice Requires="a14">
           <p:sp>
             <p:nvSpPr>
               <p:cNvPr id="19" name="TextBox 18"/>
@@ -17444,7 +17445,7 @@
             </p:txBody>
           </p:sp>
         </mc:Choice>
-        <mc:Fallback>
+        <mc:Fallback xmlns="">
           <p:sp>
             <p:nvSpPr>
               <p:cNvPr id="19" name="TextBox 18"/>
@@ -17483,8 +17484,8 @@
           </p:sp>
         </mc:Fallback>
       </mc:AlternateContent>
-      <mc:AlternateContent xmlns:mc="http://schemas.openxmlformats.org/markup-compatibility/2006">
-        <mc:Choice xmlns:a14="http://schemas.microsoft.com/office/drawing/2010/main" Requires="a14">
+      <mc:AlternateContent xmlns:mc="http://schemas.openxmlformats.org/markup-compatibility/2006" xmlns:a14="http://schemas.microsoft.com/office/drawing/2010/main">
+        <mc:Choice Requires="a14">
           <p:sp>
             <p:nvSpPr>
               <p:cNvPr id="20" name="TextBox 19"/>
@@ -17547,7 +17548,7 @@
             </p:txBody>
           </p:sp>
         </mc:Choice>
-        <mc:Fallback>
+        <mc:Fallback xmlns="">
           <p:sp>
             <p:nvSpPr>
               <p:cNvPr id="20" name="TextBox 19"/>
@@ -18979,8 +18980,8 @@
           </a:fontRef>
         </p:style>
       </p:cxnSp>
-      <mc:AlternateContent xmlns:mc="http://schemas.openxmlformats.org/markup-compatibility/2006">
-        <mc:Choice xmlns:a14="http://schemas.microsoft.com/office/drawing/2010/main" Requires="a14">
+      <mc:AlternateContent xmlns:mc="http://schemas.openxmlformats.org/markup-compatibility/2006" xmlns:a14="http://schemas.microsoft.com/office/drawing/2010/main">
+        <mc:Choice Requires="a14">
           <p:sp>
             <p:nvSpPr>
               <p:cNvPr id="12" name="TextBox 11"/>
@@ -19030,7 +19031,7 @@
             </p:txBody>
           </p:sp>
         </mc:Choice>
-        <mc:Fallback>
+        <mc:Fallback xmlns="">
           <p:sp>
             <p:nvSpPr>
               <p:cNvPr id="12" name="TextBox 11"/>
@@ -19069,8 +19070,8 @@
           </p:sp>
         </mc:Fallback>
       </mc:AlternateContent>
-      <mc:AlternateContent xmlns:mc="http://schemas.openxmlformats.org/markup-compatibility/2006">
-        <mc:Choice xmlns:a14="http://schemas.microsoft.com/office/drawing/2010/main" Requires="a14">
+      <mc:AlternateContent xmlns:mc="http://schemas.openxmlformats.org/markup-compatibility/2006" xmlns:a14="http://schemas.microsoft.com/office/drawing/2010/main">
+        <mc:Choice Requires="a14">
           <p:sp>
             <p:nvSpPr>
               <p:cNvPr id="14" name="TextBox 13"/>
@@ -19114,7 +19115,7 @@
             </p:txBody>
           </p:sp>
         </mc:Choice>
-        <mc:Fallback>
+        <mc:Fallback xmlns="">
           <p:sp>
             <p:nvSpPr>
               <p:cNvPr id="14" name="TextBox 13"/>
@@ -19191,8 +19192,8 @@
           </a:p>
         </p:txBody>
       </p:sp>
-      <mc:AlternateContent xmlns:mc="http://schemas.openxmlformats.org/markup-compatibility/2006">
-        <mc:Choice xmlns:a14="http://schemas.microsoft.com/office/drawing/2010/main" Requires="a14">
+      <mc:AlternateContent xmlns:mc="http://schemas.openxmlformats.org/markup-compatibility/2006" xmlns:a14="http://schemas.microsoft.com/office/drawing/2010/main">
+        <mc:Choice Requires="a14">
           <p:sp>
             <p:nvSpPr>
               <p:cNvPr id="18" name="TextBox 17"/>
@@ -19255,7 +19256,7 @@
             </p:txBody>
           </p:sp>
         </mc:Choice>
-        <mc:Fallback>
+        <mc:Fallback xmlns="">
           <p:sp>
             <p:nvSpPr>
               <p:cNvPr id="18" name="TextBox 17"/>
@@ -19294,8 +19295,8 @@
           </p:sp>
         </mc:Fallback>
       </mc:AlternateContent>
-      <mc:AlternateContent xmlns:mc="http://schemas.openxmlformats.org/markup-compatibility/2006">
-        <mc:Choice xmlns:a14="http://schemas.microsoft.com/office/drawing/2010/main" Requires="a14">
+      <mc:AlternateContent xmlns:mc="http://schemas.openxmlformats.org/markup-compatibility/2006" xmlns:a14="http://schemas.microsoft.com/office/drawing/2010/main">
+        <mc:Choice Requires="a14">
           <p:sp>
             <p:nvSpPr>
               <p:cNvPr id="19" name="TextBox 18"/>
@@ -19358,7 +19359,7 @@
             </p:txBody>
           </p:sp>
         </mc:Choice>
-        <mc:Fallback>
+        <mc:Fallback xmlns="">
           <p:sp>
             <p:nvSpPr>
               <p:cNvPr id="19" name="TextBox 18"/>
@@ -19397,8 +19398,8 @@
           </p:sp>
         </mc:Fallback>
       </mc:AlternateContent>
-      <mc:AlternateContent xmlns:mc="http://schemas.openxmlformats.org/markup-compatibility/2006">
-        <mc:Choice xmlns:a14="http://schemas.microsoft.com/office/drawing/2010/main" Requires="a14">
+      <mc:AlternateContent xmlns:mc="http://schemas.openxmlformats.org/markup-compatibility/2006" xmlns:a14="http://schemas.microsoft.com/office/drawing/2010/main">
+        <mc:Choice Requires="a14">
           <p:sp>
             <p:nvSpPr>
               <p:cNvPr id="20" name="TextBox 19"/>
@@ -19461,7 +19462,7 @@
             </p:txBody>
           </p:sp>
         </mc:Choice>
-        <mc:Fallback>
+        <mc:Fallback xmlns="">
           <p:sp>
             <p:nvSpPr>
               <p:cNvPr id="20" name="TextBox 19"/>
@@ -19581,8 +19582,8 @@
           </a:p>
         </p:txBody>
       </p:sp>
-      <mc:AlternateContent xmlns:mc="http://schemas.openxmlformats.org/markup-compatibility/2006">
-        <mc:Choice xmlns:a14="http://schemas.microsoft.com/office/drawing/2010/main" Requires="a14">
+      <mc:AlternateContent xmlns:mc="http://schemas.openxmlformats.org/markup-compatibility/2006" xmlns:a14="http://schemas.microsoft.com/office/drawing/2010/main">
+        <mc:Choice Requires="a14">
           <p:sp>
             <p:nvSpPr>
               <p:cNvPr id="26" name="TextBox 25"/>
@@ -19626,7 +19627,7 @@
             </p:txBody>
           </p:sp>
         </mc:Choice>
-        <mc:Fallback>
+        <mc:Fallback xmlns="">
           <p:sp>
             <p:nvSpPr>
               <p:cNvPr id="26" name="TextBox 25"/>
@@ -33074,6 +33075,967 @@
           <a:chExt cx="0" cy="0"/>
         </a:xfrm>
       </p:grpSpPr>
+      <p:grpSp>
+        <p:nvGrpSpPr>
+          <p:cNvPr id="10" name="Group 9"/>
+          <p:cNvGrpSpPr/>
+          <p:nvPr/>
+        </p:nvGrpSpPr>
+        <p:grpSpPr>
+          <a:xfrm>
+            <a:off x="3563888" y="4861711"/>
+            <a:ext cx="5415254" cy="1951665"/>
+            <a:chOff x="3693250" y="4285647"/>
+            <a:chExt cx="5415254" cy="1951665"/>
+          </a:xfrm>
+        </p:grpSpPr>
+        <p:sp>
+          <p:nvSpPr>
+            <p:cNvPr id="2" name="TextBox 1"/>
+            <p:cNvSpPr txBox="1"/>
+            <p:nvPr/>
+          </p:nvSpPr>
+          <p:spPr>
+            <a:xfrm>
+              <a:off x="7336386" y="4641442"/>
+              <a:ext cx="1052038" cy="562504"/>
+            </a:xfrm>
+            <a:prstGeom prst="rect">
+              <a:avLst/>
+            </a:prstGeom>
+          </p:spPr>
+          <p:style>
+            <a:lnRef idx="2">
+              <a:schemeClr val="dk1"/>
+            </a:lnRef>
+            <a:fillRef idx="1">
+              <a:schemeClr val="lt1"/>
+            </a:fillRef>
+            <a:effectRef idx="0">
+              <a:schemeClr val="dk1"/>
+            </a:effectRef>
+            <a:fontRef idx="minor">
+              <a:schemeClr val="dk1"/>
+            </a:fontRef>
+          </p:style>
+          <p:txBody>
+            <a:bodyPr wrap="square" rtlCol="0">
+              <a:spAutoFit/>
+            </a:bodyPr>
+            <a:lstStyle/>
+            <a:p>
+              <a:r>
+                <a:rPr lang="nl-NL" sz="1600" dirty="0" smtClean="0"/>
+                <a:t>QR-Load </a:t>
+              </a:r>
+            </a:p>
+            <a:p>
+              <a:r>
+                <a:rPr lang="nl-NL" sz="1600" dirty="0" smtClean="0"/>
+                <a:t>Dynamics</a:t>
+              </a:r>
+            </a:p>
+          </p:txBody>
+        </p:sp>
+        <p:sp>
+          <p:nvSpPr>
+            <p:cNvPr id="3" name="TextBox 2"/>
+            <p:cNvSpPr txBox="1"/>
+            <p:nvPr/>
+          </p:nvSpPr>
+          <p:spPr>
+            <a:xfrm>
+              <a:off x="4354857" y="4641442"/>
+              <a:ext cx="1166563" cy="562504"/>
+            </a:xfrm>
+            <a:prstGeom prst="rect">
+              <a:avLst/>
+            </a:prstGeom>
+          </p:spPr>
+          <p:style>
+            <a:lnRef idx="2">
+              <a:schemeClr val="dk1"/>
+            </a:lnRef>
+            <a:fillRef idx="1">
+              <a:schemeClr val="lt1"/>
+            </a:fillRef>
+            <a:effectRef idx="0">
+              <a:schemeClr val="dk1"/>
+            </a:effectRef>
+            <a:fontRef idx="minor">
+              <a:schemeClr val="dk1"/>
+            </a:fontRef>
+          </p:style>
+          <p:txBody>
+            <a:bodyPr wrap="square" rtlCol="0">
+              <a:spAutoFit/>
+            </a:bodyPr>
+            <a:lstStyle/>
+            <a:p>
+              <a:r>
+                <a:rPr lang="nl-NL" sz="1600" dirty="0" smtClean="0"/>
+                <a:t>QR attitude controller</a:t>
+              </a:r>
+            </a:p>
+          </p:txBody>
+        </p:sp>
+        <p:grpSp>
+          <p:nvGrpSpPr>
+            <p:cNvPr id="9" name="Group 8"/>
+            <p:cNvGrpSpPr/>
+            <p:nvPr/>
+          </p:nvGrpSpPr>
+          <p:grpSpPr>
+            <a:xfrm>
+              <a:off x="5521420" y="4815197"/>
+              <a:ext cx="404950" cy="275060"/>
+              <a:chOff x="6216244" y="4509120"/>
+              <a:chExt cx="449932" cy="275059"/>
+            </a:xfrm>
+          </p:grpSpPr>
+          <p:cxnSp>
+            <p:nvCxnSpPr>
+              <p:cNvPr id="7" name="Straight Arrow Connector 6"/>
+              <p:cNvCxnSpPr/>
+              <p:nvPr/>
+            </p:nvCxnSpPr>
+            <p:spPr>
+              <a:xfrm>
+                <a:off x="6216244" y="4509120"/>
+                <a:ext cx="443988" cy="0"/>
+              </a:xfrm>
+              <a:prstGeom prst="straightConnector1">
+                <a:avLst/>
+              </a:prstGeom>
+              <a:ln>
+                <a:tailEnd type="arrow"/>
+              </a:ln>
+              <a:effectLst/>
+            </p:spPr>
+            <p:style>
+              <a:lnRef idx="3">
+                <a:schemeClr val="dk1"/>
+              </a:lnRef>
+              <a:fillRef idx="0">
+                <a:schemeClr val="dk1"/>
+              </a:fillRef>
+              <a:effectRef idx="2">
+                <a:schemeClr val="dk1"/>
+              </a:effectRef>
+              <a:fontRef idx="minor">
+                <a:schemeClr val="tx1"/>
+              </a:fontRef>
+            </p:style>
+          </p:cxnSp>
+          <p:cxnSp>
+            <p:nvCxnSpPr>
+              <p:cNvPr id="8" name="Straight Arrow Connector 7"/>
+              <p:cNvCxnSpPr/>
+              <p:nvPr/>
+            </p:nvCxnSpPr>
+            <p:spPr>
+              <a:xfrm>
+                <a:off x="6222188" y="4784179"/>
+                <a:ext cx="443988" cy="0"/>
+              </a:xfrm>
+              <a:prstGeom prst="straightConnector1">
+                <a:avLst/>
+              </a:prstGeom>
+              <a:ln>
+                <a:tailEnd type="arrow"/>
+              </a:ln>
+              <a:effectLst/>
+            </p:spPr>
+            <p:style>
+              <a:lnRef idx="3">
+                <a:schemeClr val="dk1"/>
+              </a:lnRef>
+              <a:fillRef idx="0">
+                <a:schemeClr val="dk1"/>
+              </a:fillRef>
+              <a:effectRef idx="2">
+                <a:schemeClr val="dk1"/>
+              </a:effectRef>
+              <a:fontRef idx="minor">
+                <a:schemeClr val="tx1"/>
+              </a:fontRef>
+            </p:style>
+          </p:cxnSp>
+        </p:grpSp>
+        <mc:AlternateContent xmlns:mc="http://schemas.openxmlformats.org/markup-compatibility/2006">
+          <mc:Choice xmlns:a14="http://schemas.microsoft.com/office/drawing/2010/main" Requires="a14">
+            <p:sp>
+              <p:nvSpPr>
+                <p:cNvPr id="21" name="TextBox 20"/>
+                <p:cNvSpPr txBox="1"/>
+                <p:nvPr/>
+              </p:nvSpPr>
+              <p:spPr>
+                <a:xfrm>
+                  <a:off x="3693250" y="5087326"/>
+                  <a:ext cx="901931" cy="523220"/>
+                </a:xfrm>
+                <a:prstGeom prst="rect">
+                  <a:avLst/>
+                </a:prstGeom>
+                <a:noFill/>
+              </p:spPr>
+              <p:txBody>
+                <a:bodyPr wrap="square" rtlCol="0">
+                  <a:spAutoFit/>
+                </a:bodyPr>
+                <a:lstStyle/>
+                <a:p>
+                  <a:pPr/>
+                  <a14:m>
+                    <m:oMathPara xmlns:m="http://schemas.openxmlformats.org/officeDocument/2006/math">
+                      <m:oMathParaPr>
+                        <m:jc m:val="centerGroup"/>
+                      </m:oMathParaPr>
+                      <m:oMath xmlns:m="http://schemas.openxmlformats.org/officeDocument/2006/math">
+                        <m:sSub>
+                          <m:sSubPr>
+                            <m:ctrlPr>
+                              <a:rPr lang="nl-NL" sz="2800" b="0" i="1" smtClean="0">
+                                <a:latin typeface="Cambria Math"/>
+                              </a:rPr>
+                            </m:ctrlPr>
+                          </m:sSubPr>
+                          <m:e>
+                            <m:r>
+                              <a:rPr lang="nl-NL" sz="2800" b="0" i="1" smtClean="0">
+                                <a:latin typeface="Cambria Math"/>
+                              </a:rPr>
+                              <m:t>𝑅</m:t>
+                            </m:r>
+                          </m:e>
+                          <m:sub>
+                            <m:r>
+                              <a:rPr lang="nl-NL" sz="2800" b="0" i="1" smtClean="0">
+                                <a:latin typeface="Cambria Math"/>
+                              </a:rPr>
+                              <m:t>𝑑</m:t>
+                            </m:r>
+                          </m:sub>
+                        </m:sSub>
+                      </m:oMath>
+                    </m:oMathPara>
+                  </a14:m>
+                  <a:endParaRPr lang="nl-NL" sz="2400" dirty="0"/>
+                </a:p>
+              </p:txBody>
+            </p:sp>
+          </mc:Choice>
+          <mc:Fallback>
+            <p:sp>
+              <p:nvSpPr>
+                <p:cNvPr id="21" name="TextBox 20"/>
+                <p:cNvSpPr txBox="1">
+                  <a:spLocks noRot="1" noChangeAspect="1" noMove="1" noResize="1" noEditPoints="1" noAdjustHandles="1" noChangeArrowheads="1" noChangeShapeType="1" noTextEdit="1"/>
+                </p:cNvSpPr>
+                <p:nvPr/>
+              </p:nvSpPr>
+              <p:spPr>
+                <a:xfrm>
+                  <a:off x="3693250" y="5087326"/>
+                  <a:ext cx="901931" cy="523220"/>
+                </a:xfrm>
+                <a:prstGeom prst="rect">
+                  <a:avLst/>
+                </a:prstGeom>
+                <a:blipFill rotWithShape="1">
+                  <a:blip r:embed="rId2"/>
+                  <a:stretch>
+                    <a:fillRect/>
+                  </a:stretch>
+                </a:blipFill>
+              </p:spPr>
+              <p:txBody>
+                <a:bodyPr/>
+                <a:lstStyle/>
+                <a:p>
+                  <a:r>
+                    <a:rPr lang="nl-NL">
+                      <a:noFill/>
+                    </a:rPr>
+                    <a:t> </a:t>
+                  </a:r>
+                </a:p>
+              </p:txBody>
+            </p:sp>
+          </mc:Fallback>
+        </mc:AlternateContent>
+        <mc:AlternateContent xmlns:mc="http://schemas.openxmlformats.org/markup-compatibility/2006" xmlns:a14="http://schemas.microsoft.com/office/drawing/2010/main">
+          <mc:Choice Requires="a14">
+            <p:sp>
+              <p:nvSpPr>
+                <p:cNvPr id="22" name="TextBox 21"/>
+                <p:cNvSpPr txBox="1"/>
+                <p:nvPr/>
+              </p:nvSpPr>
+              <p:spPr>
+                <a:xfrm>
+                  <a:off x="5275605" y="5116931"/>
+                  <a:ext cx="901931" cy="444083"/>
+                </a:xfrm>
+                <a:prstGeom prst="rect">
+                  <a:avLst/>
+                </a:prstGeom>
+                <a:noFill/>
+              </p:spPr>
+              <p:txBody>
+                <a:bodyPr wrap="square" rtlCol="0">
+                  <a:spAutoFit/>
+                </a:bodyPr>
+                <a:lstStyle/>
+                <a:p>
+                  <a:pPr/>
+                  <a14:m>
+                    <m:oMathPara xmlns:m="http://schemas.openxmlformats.org/officeDocument/2006/math">
+                      <m:oMathParaPr>
+                        <m:jc m:val="centerGroup"/>
+                      </m:oMathParaPr>
+                      <m:oMath xmlns:m="http://schemas.openxmlformats.org/officeDocument/2006/math">
+                        <m:r>
+                          <a:rPr lang="nl-NL" sz="2400" b="0" i="1" smtClean="0">
+                            <a:latin typeface="Cambria Math"/>
+                          </a:rPr>
+                          <m:t>𝑀</m:t>
+                        </m:r>
+                      </m:oMath>
+                    </m:oMathPara>
+                  </a14:m>
+                  <a:endParaRPr lang="nl-NL" sz="2400" dirty="0"/>
+                </a:p>
+              </p:txBody>
+            </p:sp>
+          </mc:Choice>
+          <mc:Fallback xmlns="">
+            <p:sp>
+              <p:nvSpPr>
+                <p:cNvPr id="22" name="TextBox 21"/>
+                <p:cNvSpPr txBox="1">
+                  <a:spLocks noRot="1" noChangeAspect="1" noMove="1" noResize="1" noEditPoints="1" noAdjustHandles="1" noChangeArrowheads="1" noChangeShapeType="1" noTextEdit="1"/>
+                </p:cNvSpPr>
+                <p:nvPr/>
+              </p:nvSpPr>
+              <p:spPr>
+                <a:xfrm>
+                  <a:off x="5275605" y="5116931"/>
+                  <a:ext cx="901931" cy="444083"/>
+                </a:xfrm>
+                <a:prstGeom prst="rect">
+                  <a:avLst/>
+                </a:prstGeom>
+                <a:blipFill rotWithShape="1">
+                  <a:blip r:embed="rId4"/>
+                  <a:stretch>
+                    <a:fillRect/>
+                  </a:stretch>
+                </a:blipFill>
+              </p:spPr>
+              <p:txBody>
+                <a:bodyPr/>
+                <a:lstStyle/>
+                <a:p>
+                  <a:r>
+                    <a:rPr lang="nl-NL">
+                      <a:noFill/>
+                    </a:rPr>
+                    <a:t> </a:t>
+                  </a:r>
+                </a:p>
+              </p:txBody>
+            </p:sp>
+          </mc:Fallback>
+        </mc:AlternateContent>
+        <p:cxnSp>
+          <p:nvCxnSpPr>
+            <p:cNvPr id="23" name="Straight Arrow Connector 22"/>
+            <p:cNvCxnSpPr>
+              <a:stCxn id="2" idx="3"/>
+            </p:cNvCxnSpPr>
+            <p:nvPr/>
+          </p:nvCxnSpPr>
+          <p:spPr>
+            <a:xfrm flipV="1">
+              <a:off x="8388424" y="4917194"/>
+              <a:ext cx="720080" cy="5499"/>
+            </a:xfrm>
+            <a:prstGeom prst="straightConnector1">
+              <a:avLst/>
+            </a:prstGeom>
+            <a:ln>
+              <a:tailEnd type="arrow"/>
+            </a:ln>
+            <a:effectLst/>
+          </p:spPr>
+          <p:style>
+            <a:lnRef idx="3">
+              <a:schemeClr val="dk1"/>
+            </a:lnRef>
+            <a:fillRef idx="0">
+              <a:schemeClr val="dk1"/>
+            </a:fillRef>
+            <a:effectRef idx="2">
+              <a:schemeClr val="dk1"/>
+            </a:effectRef>
+            <a:fontRef idx="minor">
+              <a:schemeClr val="tx1"/>
+            </a:fontRef>
+          </p:style>
+        </p:cxnSp>
+        <p:cxnSp>
+          <p:nvCxnSpPr>
+            <p:cNvPr id="28" name="Straight Connector 27"/>
+            <p:cNvCxnSpPr/>
+            <p:nvPr/>
+          </p:nvCxnSpPr>
+          <p:spPr>
+            <a:xfrm>
+              <a:off x="8460413" y="4917194"/>
+              <a:ext cx="0" cy="888644"/>
+            </a:xfrm>
+            <a:prstGeom prst="line">
+              <a:avLst/>
+            </a:prstGeom>
+            <a:effectLst/>
+          </p:spPr>
+          <p:style>
+            <a:lnRef idx="3">
+              <a:schemeClr val="dk1"/>
+            </a:lnRef>
+            <a:fillRef idx="0">
+              <a:schemeClr val="dk1"/>
+            </a:fillRef>
+            <a:effectRef idx="2">
+              <a:schemeClr val="dk1"/>
+            </a:effectRef>
+            <a:fontRef idx="minor">
+              <a:schemeClr val="tx1"/>
+            </a:fontRef>
+          </p:style>
+        </p:cxnSp>
+        <p:cxnSp>
+          <p:nvCxnSpPr>
+            <p:cNvPr id="37" name="Straight Connector 36"/>
+            <p:cNvCxnSpPr/>
+            <p:nvPr/>
+          </p:nvCxnSpPr>
+          <p:spPr>
+            <a:xfrm>
+              <a:off x="4938139" y="5805840"/>
+              <a:ext cx="3522274" cy="0"/>
+            </a:xfrm>
+            <a:prstGeom prst="line">
+              <a:avLst/>
+            </a:prstGeom>
+            <a:effectLst/>
+          </p:spPr>
+          <p:style>
+            <a:lnRef idx="3">
+              <a:schemeClr val="dk1"/>
+            </a:lnRef>
+            <a:fillRef idx="0">
+              <a:schemeClr val="dk1"/>
+            </a:fillRef>
+            <a:effectRef idx="2">
+              <a:schemeClr val="dk1"/>
+            </a:effectRef>
+            <a:fontRef idx="minor">
+              <a:schemeClr val="tx1"/>
+            </a:fontRef>
+          </p:style>
+        </p:cxnSp>
+        <p:cxnSp>
+          <p:nvCxnSpPr>
+            <p:cNvPr id="45" name="Straight Arrow Connector 44"/>
+            <p:cNvCxnSpPr/>
+            <p:nvPr/>
+          </p:nvCxnSpPr>
+          <p:spPr>
+            <a:xfrm flipV="1">
+              <a:off x="4938138" y="5231821"/>
+              <a:ext cx="1" cy="574018"/>
+            </a:xfrm>
+            <a:prstGeom prst="straightConnector1">
+              <a:avLst/>
+            </a:prstGeom>
+            <a:ln>
+              <a:tailEnd type="arrow"/>
+            </a:ln>
+            <a:effectLst/>
+          </p:spPr>
+          <p:style>
+            <a:lnRef idx="3">
+              <a:schemeClr val="dk1"/>
+            </a:lnRef>
+            <a:fillRef idx="0">
+              <a:schemeClr val="dk1"/>
+            </a:fillRef>
+            <a:effectRef idx="2">
+              <a:schemeClr val="dk1"/>
+            </a:effectRef>
+            <a:fontRef idx="minor">
+              <a:schemeClr val="tx1"/>
+            </a:fontRef>
+          </p:style>
+        </p:cxnSp>
+        <mc:AlternateContent xmlns:mc="http://schemas.openxmlformats.org/markup-compatibility/2006">
+          <mc:Choice xmlns:a14="http://schemas.microsoft.com/office/drawing/2010/main" Requires="a14">
+            <p:sp>
+              <p:nvSpPr>
+                <p:cNvPr id="55" name="TextBox 54"/>
+                <p:cNvSpPr txBox="1"/>
+                <p:nvPr/>
+              </p:nvSpPr>
+              <p:spPr>
+                <a:xfrm>
+                  <a:off x="5412200" y="5768127"/>
+                  <a:ext cx="2473443" cy="469185"/>
+                </a:xfrm>
+                <a:prstGeom prst="rect">
+                  <a:avLst/>
+                </a:prstGeom>
+                <a:noFill/>
+              </p:spPr>
+              <p:txBody>
+                <a:bodyPr wrap="square" rtlCol="0">
+                  <a:spAutoFit/>
+                </a:bodyPr>
+                <a:lstStyle/>
+                <a:p>
+                  <a:pPr/>
+                  <a14:m>
+                    <m:oMathPara xmlns:m="http://schemas.openxmlformats.org/officeDocument/2006/math">
+                      <m:oMathParaPr>
+                        <m:jc m:val="centerGroup"/>
+                      </m:oMathParaPr>
+                      <m:oMath xmlns:m="http://schemas.openxmlformats.org/officeDocument/2006/math">
+                        <m:sSub>
+                          <m:sSubPr>
+                            <m:ctrlPr>
+                              <a:rPr lang="nl-NL" sz="2400" b="0" i="1" smtClean="0">
+                                <a:latin typeface="Cambria Math"/>
+                              </a:rPr>
+                            </m:ctrlPr>
+                          </m:sSubPr>
+                          <m:e>
+                            <m:r>
+                              <a:rPr lang="nl-NL" sz="2400" b="0" i="1" smtClean="0">
+                                <a:latin typeface="Cambria Math"/>
+                              </a:rPr>
+                              <m:t>𝑥</m:t>
+                            </m:r>
+                          </m:e>
+                          <m:sub>
+                            <m:r>
+                              <a:rPr lang="nl-NL" sz="2400" b="0" i="1" smtClean="0">
+                                <a:latin typeface="Cambria Math"/>
+                              </a:rPr>
+                              <m:t>𝑄</m:t>
+                            </m:r>
+                          </m:sub>
+                        </m:sSub>
+                        <m:r>
+                          <a:rPr lang="nl-NL" sz="2400" b="0" i="1" smtClean="0">
+                            <a:latin typeface="Cambria Math"/>
+                          </a:rPr>
+                          <m:t>, </m:t>
+                        </m:r>
+                        <m:sSub>
+                          <m:sSubPr>
+                            <m:ctrlPr>
+                              <a:rPr lang="nl-NL" sz="2400" b="0" i="1" smtClean="0">
+                                <a:latin typeface="Cambria Math"/>
+                              </a:rPr>
+                            </m:ctrlPr>
+                          </m:sSubPr>
+                          <m:e>
+                            <m:r>
+                              <a:rPr lang="nl-NL" sz="2400" b="0" i="1" smtClean="0">
+                                <a:latin typeface="Cambria Math"/>
+                              </a:rPr>
+                              <m:t>𝑣</m:t>
+                            </m:r>
+                          </m:e>
+                          <m:sub>
+                            <m:r>
+                              <a:rPr lang="nl-NL" sz="2400" b="0" i="1" smtClean="0">
+                                <a:latin typeface="Cambria Math"/>
+                              </a:rPr>
+                              <m:t>𝑄</m:t>
+                            </m:r>
+                          </m:sub>
+                        </m:sSub>
+                        <m:r>
+                          <a:rPr lang="nl-NL" sz="2400" b="0" i="1" smtClean="0">
+                            <a:latin typeface="Cambria Math"/>
+                          </a:rPr>
+                          <m:t>, </m:t>
+                        </m:r>
+                        <m:sSub>
+                          <m:sSubPr>
+                            <m:ctrlPr>
+                              <a:rPr lang="nl-NL" sz="2400" b="0" i="1" smtClean="0">
+                                <a:latin typeface="Cambria Math"/>
+                              </a:rPr>
+                            </m:ctrlPr>
+                          </m:sSubPr>
+                          <m:e>
+                            <m:r>
+                              <a:rPr lang="nl-NL" sz="2400" b="0" i="1" smtClean="0">
+                                <a:latin typeface="Cambria Math"/>
+                              </a:rPr>
+                              <m:t>𝑥</m:t>
+                            </m:r>
+                          </m:e>
+                          <m:sub>
+                            <m:r>
+                              <a:rPr lang="nl-NL" sz="2400" b="0" i="1" smtClean="0">
+                                <a:latin typeface="Cambria Math"/>
+                              </a:rPr>
+                              <m:t>𝐿</m:t>
+                            </m:r>
+                          </m:sub>
+                        </m:sSub>
+                        <m:r>
+                          <a:rPr lang="nl-NL" sz="2400" b="0" i="1" smtClean="0">
+                            <a:latin typeface="Cambria Math"/>
+                          </a:rPr>
+                          <m:t>, </m:t>
+                        </m:r>
+                        <m:sSub>
+                          <m:sSubPr>
+                            <m:ctrlPr>
+                              <a:rPr lang="nl-NL" sz="2400" b="0" i="1" smtClean="0">
+                                <a:latin typeface="Cambria Math"/>
+                              </a:rPr>
+                            </m:ctrlPr>
+                          </m:sSubPr>
+                          <m:e>
+                            <m:r>
+                              <a:rPr lang="nl-NL" sz="2400" b="0" i="1" smtClean="0">
+                                <a:latin typeface="Cambria Math"/>
+                              </a:rPr>
+                              <m:t>𝑣</m:t>
+                            </m:r>
+                          </m:e>
+                          <m:sub>
+                            <m:r>
+                              <a:rPr lang="nl-NL" sz="2400" b="0" i="1" smtClean="0">
+                                <a:latin typeface="Cambria Math"/>
+                              </a:rPr>
+                              <m:t>𝐿</m:t>
+                            </m:r>
+                          </m:sub>
+                        </m:sSub>
+                        <m:r>
+                          <a:rPr lang="nl-NL" sz="2400" b="0" i="1" smtClean="0">
+                            <a:latin typeface="Cambria Math"/>
+                          </a:rPr>
+                          <m:t>, </m:t>
+                        </m:r>
+                        <m:r>
+                          <a:rPr lang="nl-NL" sz="2400" b="0" i="1" smtClean="0">
+                            <a:latin typeface="Cambria Math"/>
+                          </a:rPr>
+                          <m:t>𝑞</m:t>
+                        </m:r>
+                        <m:r>
+                          <a:rPr lang="nl-NL" sz="2400" b="0" i="1" smtClean="0">
+                            <a:latin typeface="Cambria Math"/>
+                          </a:rPr>
+                          <m:t>, </m:t>
+                        </m:r>
+                        <m:r>
+                          <a:rPr lang="nl-NL" sz="2400" b="0" i="1" smtClean="0">
+                            <a:latin typeface="Cambria Math"/>
+                          </a:rPr>
+                          <m:t>𝑅</m:t>
+                        </m:r>
+                      </m:oMath>
+                    </m:oMathPara>
+                  </a14:m>
+                  <a:endParaRPr lang="nl-NL" sz="2400" dirty="0"/>
+                </a:p>
+              </p:txBody>
+            </p:sp>
+          </mc:Choice>
+          <mc:Fallback>
+            <p:sp>
+              <p:nvSpPr>
+                <p:cNvPr id="55" name="TextBox 54"/>
+                <p:cNvSpPr txBox="1">
+                  <a:spLocks noRot="1" noChangeAspect="1" noMove="1" noResize="1" noEditPoints="1" noAdjustHandles="1" noChangeArrowheads="1" noChangeShapeType="1" noTextEdit="1"/>
+                </p:cNvSpPr>
+                <p:nvPr/>
+              </p:nvSpPr>
+              <p:spPr>
+                <a:xfrm>
+                  <a:off x="5412200" y="5768127"/>
+                  <a:ext cx="2473443" cy="469185"/>
+                </a:xfrm>
+                <a:prstGeom prst="rect">
+                  <a:avLst/>
+                </a:prstGeom>
+                <a:blipFill rotWithShape="1">
+                  <a:blip r:embed="rId5"/>
+                  <a:stretch>
+                    <a:fillRect b="-12987"/>
+                  </a:stretch>
+                </a:blipFill>
+              </p:spPr>
+              <p:txBody>
+                <a:bodyPr/>
+                <a:lstStyle/>
+                <a:p>
+                  <a:r>
+                    <a:rPr lang="nl-NL">
+                      <a:noFill/>
+                    </a:rPr>
+                    <a:t> </a:t>
+                  </a:r>
+                </a:p>
+              </p:txBody>
+            </p:sp>
+          </mc:Fallback>
+        </mc:AlternateContent>
+        <mc:AlternateContent xmlns:mc="http://schemas.openxmlformats.org/markup-compatibility/2006" xmlns:a14="http://schemas.microsoft.com/office/drawing/2010/main">
+          <mc:Choice Requires="a14">
+            <p:sp>
+              <p:nvSpPr>
+                <p:cNvPr id="78" name="TextBox 77"/>
+                <p:cNvSpPr txBox="1"/>
+                <p:nvPr/>
+              </p:nvSpPr>
+              <p:spPr>
+                <a:xfrm>
+                  <a:off x="5275605" y="4285647"/>
+                  <a:ext cx="901931" cy="444083"/>
+                </a:xfrm>
+                <a:prstGeom prst="rect">
+                  <a:avLst/>
+                </a:prstGeom>
+                <a:noFill/>
+              </p:spPr>
+              <p:txBody>
+                <a:bodyPr wrap="square" rtlCol="0">
+                  <a:spAutoFit/>
+                </a:bodyPr>
+                <a:lstStyle/>
+                <a:p>
+                  <a:pPr/>
+                  <a14:m>
+                    <m:oMathPara xmlns:m="http://schemas.openxmlformats.org/officeDocument/2006/math">
+                      <m:oMathParaPr>
+                        <m:jc m:val="centerGroup"/>
+                      </m:oMathParaPr>
+                      <m:oMath xmlns:m="http://schemas.openxmlformats.org/officeDocument/2006/math">
+                        <m:r>
+                          <a:rPr lang="nl-NL" sz="2400" b="0" i="1" smtClean="0">
+                            <a:latin typeface="Cambria Math"/>
+                          </a:rPr>
+                          <m:t>𝑓</m:t>
+                        </m:r>
+                      </m:oMath>
+                    </m:oMathPara>
+                  </a14:m>
+                  <a:endParaRPr lang="nl-NL" sz="2400" dirty="0"/>
+                </a:p>
+              </p:txBody>
+            </p:sp>
+          </mc:Choice>
+          <mc:Fallback xmlns="">
+            <p:sp>
+              <p:nvSpPr>
+                <p:cNvPr id="78" name="TextBox 77"/>
+                <p:cNvSpPr txBox="1">
+                  <a:spLocks noRot="1" noChangeAspect="1" noMove="1" noResize="1" noEditPoints="1" noAdjustHandles="1" noChangeArrowheads="1" noChangeShapeType="1" noTextEdit="1"/>
+                </p:cNvSpPr>
+                <p:nvPr/>
+              </p:nvSpPr>
+              <p:spPr>
+                <a:xfrm>
+                  <a:off x="5275605" y="4285647"/>
+                  <a:ext cx="901931" cy="444083"/>
+                </a:xfrm>
+                <a:prstGeom prst="rect">
+                  <a:avLst/>
+                </a:prstGeom>
+                <a:blipFill rotWithShape="1">
+                  <a:blip r:embed="rId9"/>
+                  <a:stretch>
+                    <a:fillRect b="-21918"/>
+                  </a:stretch>
+                </a:blipFill>
+              </p:spPr>
+              <p:txBody>
+                <a:bodyPr/>
+                <a:lstStyle/>
+                <a:p>
+                  <a:r>
+                    <a:rPr lang="nl-NL">
+                      <a:noFill/>
+                    </a:rPr>
+                    <a:t> </a:t>
+                  </a:r>
+                </a:p>
+              </p:txBody>
+            </p:sp>
+          </mc:Fallback>
+        </mc:AlternateContent>
+        <p:sp>
+          <p:nvSpPr>
+            <p:cNvPr id="42" name="TextBox 41"/>
+            <p:cNvSpPr txBox="1"/>
+            <p:nvPr/>
+          </p:nvSpPr>
+          <p:spPr>
+            <a:xfrm>
+              <a:off x="5926370" y="4641442"/>
+              <a:ext cx="1025647" cy="562504"/>
+            </a:xfrm>
+            <a:prstGeom prst="rect">
+              <a:avLst/>
+            </a:prstGeom>
+          </p:spPr>
+          <p:style>
+            <a:lnRef idx="2">
+              <a:schemeClr val="dk1"/>
+            </a:lnRef>
+            <a:fillRef idx="1">
+              <a:schemeClr val="lt1"/>
+            </a:fillRef>
+            <a:effectRef idx="0">
+              <a:schemeClr val="dk1"/>
+            </a:effectRef>
+            <a:fontRef idx="minor">
+              <a:schemeClr val="dk1"/>
+            </a:fontRef>
+          </p:style>
+          <p:txBody>
+            <a:bodyPr wrap="square" rtlCol="0">
+              <a:spAutoFit/>
+            </a:bodyPr>
+            <a:lstStyle/>
+            <a:p>
+              <a:r>
+                <a:rPr lang="nl-NL" sz="1600" dirty="0" smtClean="0"/>
+                <a:t>Rotor Controller</a:t>
+              </a:r>
+            </a:p>
+          </p:txBody>
+        </p:sp>
+        <p:cxnSp>
+          <p:nvCxnSpPr>
+            <p:cNvPr id="46" name="Straight Arrow Connector 45"/>
+            <p:cNvCxnSpPr>
+              <a:stCxn id="42" idx="3"/>
+              <a:endCxn id="2" idx="1"/>
+            </p:cNvCxnSpPr>
+            <p:nvPr/>
+          </p:nvCxnSpPr>
+          <p:spPr>
+            <a:xfrm>
+              <a:off x="6952017" y="4922695"/>
+              <a:ext cx="384369" cy="0"/>
+            </a:xfrm>
+            <a:prstGeom prst="straightConnector1">
+              <a:avLst/>
+            </a:prstGeom>
+            <a:ln>
+              <a:tailEnd type="arrow"/>
+            </a:ln>
+            <a:effectLst/>
+          </p:spPr>
+          <p:style>
+            <a:lnRef idx="3">
+              <a:schemeClr val="dk1"/>
+            </a:lnRef>
+            <a:fillRef idx="0">
+              <a:schemeClr val="dk1"/>
+            </a:fillRef>
+            <a:effectRef idx="2">
+              <a:schemeClr val="dk1"/>
+            </a:effectRef>
+            <a:fontRef idx="minor">
+              <a:schemeClr val="tx1"/>
+            </a:fontRef>
+          </p:style>
+        </p:cxnSp>
+        <p:cxnSp>
+          <p:nvCxnSpPr>
+            <p:cNvPr id="49" name="Straight Arrow Connector 48"/>
+            <p:cNvCxnSpPr/>
+            <p:nvPr/>
+          </p:nvCxnSpPr>
+          <p:spPr>
+            <a:xfrm>
+              <a:off x="3955258" y="4940307"/>
+              <a:ext cx="399600" cy="0"/>
+            </a:xfrm>
+            <a:prstGeom prst="straightConnector1">
+              <a:avLst/>
+            </a:prstGeom>
+            <a:ln>
+              <a:tailEnd type="arrow"/>
+            </a:ln>
+            <a:effectLst/>
+          </p:spPr>
+          <p:style>
+            <a:lnRef idx="3">
+              <a:schemeClr val="dk1"/>
+            </a:lnRef>
+            <a:fillRef idx="0">
+              <a:schemeClr val="dk1"/>
+            </a:fillRef>
+            <a:effectRef idx="2">
+              <a:schemeClr val="dk1"/>
+            </a:effectRef>
+            <a:fontRef idx="minor">
+              <a:schemeClr val="tx1"/>
+            </a:fontRef>
+          </p:style>
+        </p:cxnSp>
+      </p:grpSp>
+    </p:spTree>
+    <p:extLst>
+      <p:ext uri="{BB962C8B-B14F-4D97-AF65-F5344CB8AC3E}">
+        <p14:creationId xmlns:p14="http://schemas.microsoft.com/office/powerpoint/2010/main" val="186056995"/>
+      </p:ext>
+    </p:extLst>
+  </p:cSld>
+  <p:clrMapOvr>
+    <a:masterClrMapping/>
+  </p:clrMapOvr>
+  <p:timing>
+    <p:tnLst>
+      <p:par>
+        <p:cTn id="1" dur="indefinite" restart="never" nodeType="tmRoot"/>
+      </p:par>
+    </p:tnLst>
+  </p:timing>
+</p:sld>
+</file>
+
+<file path=ppt/slides/slide41.xml><?xml version="1.0" encoding="utf-8"?>
+<p:sld xmlns:a="http://schemas.openxmlformats.org/drawingml/2006/main" xmlns:r="http://schemas.openxmlformats.org/officeDocument/2006/relationships" xmlns:p="http://schemas.openxmlformats.org/presentationml/2006/main">
+  <p:cSld>
+    <p:spTree>
+      <p:nvGrpSpPr>
+        <p:cNvPr id="1" name=""/>
+        <p:cNvGrpSpPr/>
+        <p:nvPr/>
+      </p:nvGrpSpPr>
+      <p:grpSpPr>
+        <a:xfrm>
+          <a:off x="0" y="0"/>
+          <a:ext cx="0" cy="0"/>
+          <a:chOff x="0" y="0"/>
+          <a:chExt cx="0" cy="0"/>
+        </a:xfrm>
+      </p:grpSpPr>
       <p:cxnSp>
         <p:nvCxnSpPr>
           <p:cNvPr id="9" name="Straight Arrow Connector 8"/>
@@ -33142,8 +34104,8 @@
           </a:fontRef>
         </p:style>
       </p:cxnSp>
-      <mc:AlternateContent xmlns:mc="http://schemas.openxmlformats.org/markup-compatibility/2006">
-        <mc:Choice xmlns:a14="http://schemas.microsoft.com/office/drawing/2010/main" Requires="a14">
+      <mc:AlternateContent xmlns:mc="http://schemas.openxmlformats.org/markup-compatibility/2006" xmlns:a14="http://schemas.microsoft.com/office/drawing/2010/main">
+        <mc:Choice Requires="a14">
           <p:sp>
             <p:nvSpPr>
               <p:cNvPr id="13" name="TextBox 12"/>
@@ -33218,7 +34180,7 @@
             </p:txBody>
           </p:sp>
         </mc:Choice>
-        <mc:Fallback>
+        <mc:Fallback xmlns="">
           <p:sp>
             <p:nvSpPr>
               <p:cNvPr id="13" name="TextBox 12"/>
@@ -33257,8 +34219,8 @@
           </p:sp>
         </mc:Fallback>
       </mc:AlternateContent>
-      <mc:AlternateContent xmlns:mc="http://schemas.openxmlformats.org/markup-compatibility/2006">
-        <mc:Choice xmlns:a14="http://schemas.microsoft.com/office/drawing/2010/main" Requires="a14">
+      <mc:AlternateContent xmlns:mc="http://schemas.openxmlformats.org/markup-compatibility/2006" xmlns:a14="http://schemas.microsoft.com/office/drawing/2010/main">
+        <mc:Choice Requires="a14">
           <p:sp>
             <p:nvSpPr>
               <p:cNvPr id="14" name="TextBox 13"/>
@@ -33305,7 +34267,7 @@
                         <a:rPr lang="nl-NL" sz="2400" i="1">
                           <a:latin typeface="Cambria Math"/>
                         </a:rPr>
-                        <m:t>-</m:t>
+                        <m:t>−</m:t>
                       </m:r>
                       <m:r>
                         <a:rPr lang="nl-NL" sz="2400" b="0" i="1" smtClean="0">
@@ -33321,7 +34283,7 @@
             </p:txBody>
           </p:sp>
         </mc:Choice>
-        <mc:Fallback>
+        <mc:Fallback xmlns="">
           <p:sp>
             <p:nvSpPr>
               <p:cNvPr id="14" name="TextBox 13"/>
@@ -33500,8 +34462,8 @@
           </a:fontRef>
         </p:style>
       </p:cxnSp>
-      <mc:AlternateContent xmlns:mc="http://schemas.openxmlformats.org/markup-compatibility/2006">
-        <mc:Choice xmlns:a14="http://schemas.microsoft.com/office/drawing/2010/main" Requires="a14">
+      <mc:AlternateContent xmlns:mc="http://schemas.openxmlformats.org/markup-compatibility/2006" xmlns:a14="http://schemas.microsoft.com/office/drawing/2010/main">
+        <mc:Choice Requires="a14">
           <p:sp>
             <p:nvSpPr>
               <p:cNvPr id="32" name="TextBox 31"/>
@@ -33545,7 +34507,7 @@
             </p:txBody>
           </p:sp>
         </mc:Choice>
-        <mc:Fallback>
+        <mc:Fallback xmlns="">
           <p:sp>
             <p:nvSpPr>
               <p:cNvPr id="32" name="TextBox 31"/>
@@ -33736,8 +34698,8 @@
           </a:fontRef>
         </p:style>
       </p:cxnSp>
-      <mc:AlternateContent xmlns:mc="http://schemas.openxmlformats.org/markup-compatibility/2006">
-        <mc:Choice xmlns:a14="http://schemas.microsoft.com/office/drawing/2010/main" Requires="a14">
+      <mc:AlternateContent xmlns:mc="http://schemas.openxmlformats.org/markup-compatibility/2006" xmlns:a14="http://schemas.microsoft.com/office/drawing/2010/main">
+        <mc:Choice Requires="a14">
           <p:sp>
             <p:nvSpPr>
               <p:cNvPr id="30" name="TextBox 29"/>
@@ -33794,7 +34756,7 @@
             </p:txBody>
           </p:sp>
         </mc:Choice>
-        <mc:Fallback>
+        <mc:Fallback xmlns="">
           <p:sp>
             <p:nvSpPr>
               <p:cNvPr id="30" name="TextBox 29"/>
@@ -33947,8 +34909,8 @@
           </a:fontRef>
         </p:style>
       </p:cxnSp>
-      <mc:AlternateContent xmlns:mc="http://schemas.openxmlformats.org/markup-compatibility/2006">
-        <mc:Choice xmlns:a14="http://schemas.microsoft.com/office/drawing/2010/main" Requires="a14">
+      <mc:AlternateContent xmlns:mc="http://schemas.openxmlformats.org/markup-compatibility/2006" xmlns:a14="http://schemas.microsoft.com/office/drawing/2010/main">
+        <mc:Choice Requires="a14">
           <p:sp>
             <p:nvSpPr>
               <p:cNvPr id="35" name="TextBox 34"/>
@@ -33992,7 +34954,7 @@
             </p:txBody>
           </p:sp>
         </mc:Choice>
-        <mc:Fallback>
+        <mc:Fallback xmlns="">
           <p:sp>
             <p:nvSpPr>
               <p:cNvPr id="35" name="TextBox 34"/>
@@ -34215,8 +35177,8 @@
           </a:fontRef>
         </p:style>
       </p:cxnSp>
-      <mc:AlternateContent xmlns:mc="http://schemas.openxmlformats.org/markup-compatibility/2006">
-        <mc:Choice xmlns:a14="http://schemas.microsoft.com/office/drawing/2010/main" Requires="a14">
+      <mc:AlternateContent xmlns:mc="http://schemas.openxmlformats.org/markup-compatibility/2006" xmlns:a14="http://schemas.microsoft.com/office/drawing/2010/main">
+        <mc:Choice Requires="a14">
           <p:sp>
             <p:nvSpPr>
               <p:cNvPr id="45" name="TextBox 44"/>
@@ -34272,7 +35234,7 @@
             </p:txBody>
           </p:sp>
         </mc:Choice>
-        <mc:Fallback>
+        <mc:Fallback xmlns="">
           <p:sp>
             <p:nvSpPr>
               <p:cNvPr id="45" name="TextBox 44"/>
@@ -34311,8 +35273,8 @@
           </p:sp>
         </mc:Fallback>
       </mc:AlternateContent>
-      <mc:AlternateContent xmlns:mc="http://schemas.openxmlformats.org/markup-compatibility/2006">
-        <mc:Choice xmlns:a14="http://schemas.microsoft.com/office/drawing/2010/main" Requires="a14">
+      <mc:AlternateContent xmlns:mc="http://schemas.openxmlformats.org/markup-compatibility/2006" xmlns:a14="http://schemas.microsoft.com/office/drawing/2010/main">
+        <mc:Choice Requires="a14">
           <p:sp>
             <p:nvSpPr>
               <p:cNvPr id="46" name="TextBox 45"/>
@@ -34356,7 +35318,7 @@
             </p:txBody>
           </p:sp>
         </mc:Choice>
-        <mc:Fallback>
+        <mc:Fallback xmlns="">
           <p:sp>
             <p:nvSpPr>
               <p:cNvPr id="46" name="TextBox 45"/>
@@ -34417,7 +35379,6 @@
           </a:bodyPr>
           <a:lstStyle/>
           <a:p>
-            <a:pPr/>
             <a:r>
               <a:rPr lang="nl-NL" sz="2400" dirty="0" smtClean="0"/>
               <a:t>-</a:t>
@@ -34439,7 +35400,7 @@
 </p:sld>
 </file>
 
-<file path=ppt/slides/slide41.xml><?xml version="1.0" encoding="utf-8"?>
+<file path=ppt/slides/slide42.xml><?xml version="1.0" encoding="utf-8"?>
 <p:sld xmlns:a="http://schemas.openxmlformats.org/drawingml/2006/main" xmlns:r="http://schemas.openxmlformats.org/officeDocument/2006/relationships" xmlns:p="http://schemas.openxmlformats.org/presentationml/2006/main">
   <p:cSld>
     <p:spTree>

--- a/StyleStuff/figures.pptx
+++ b/StyleStuff/figures.pptx
@@ -15,38 +15,39 @@
     <p:sldId id="292" r:id="rId9"/>
     <p:sldId id="282" r:id="rId10"/>
     <p:sldId id="293" r:id="rId11"/>
-    <p:sldId id="284" r:id="rId12"/>
-    <p:sldId id="272" r:id="rId13"/>
-    <p:sldId id="276" r:id="rId14"/>
-    <p:sldId id="283" r:id="rId15"/>
-    <p:sldId id="280" r:id="rId16"/>
-    <p:sldId id="285" r:id="rId17"/>
-    <p:sldId id="294" r:id="rId18"/>
-    <p:sldId id="281" r:id="rId19"/>
-    <p:sldId id="290" r:id="rId20"/>
-    <p:sldId id="279" r:id="rId21"/>
-    <p:sldId id="277" r:id="rId22"/>
-    <p:sldId id="278" r:id="rId23"/>
-    <p:sldId id="273" r:id="rId24"/>
-    <p:sldId id="262" r:id="rId25"/>
-    <p:sldId id="274" r:id="rId26"/>
-    <p:sldId id="291" r:id="rId27"/>
-    <p:sldId id="271" r:id="rId28"/>
-    <p:sldId id="263" r:id="rId29"/>
-    <p:sldId id="299" r:id="rId30"/>
-    <p:sldId id="300" r:id="rId31"/>
-    <p:sldId id="298" r:id="rId32"/>
-    <p:sldId id="264" r:id="rId33"/>
-    <p:sldId id="295" r:id="rId34"/>
-    <p:sldId id="286" r:id="rId35"/>
-    <p:sldId id="287" r:id="rId36"/>
-    <p:sldId id="288" r:id="rId37"/>
-    <p:sldId id="275" r:id="rId38"/>
-    <p:sldId id="297" r:id="rId39"/>
-    <p:sldId id="266" r:id="rId40"/>
-    <p:sldId id="301" r:id="rId41"/>
-    <p:sldId id="265" r:id="rId42"/>
-    <p:sldId id="296" r:id="rId43"/>
+    <p:sldId id="302" r:id="rId12"/>
+    <p:sldId id="284" r:id="rId13"/>
+    <p:sldId id="272" r:id="rId14"/>
+    <p:sldId id="276" r:id="rId15"/>
+    <p:sldId id="283" r:id="rId16"/>
+    <p:sldId id="280" r:id="rId17"/>
+    <p:sldId id="285" r:id="rId18"/>
+    <p:sldId id="294" r:id="rId19"/>
+    <p:sldId id="281" r:id="rId20"/>
+    <p:sldId id="290" r:id="rId21"/>
+    <p:sldId id="279" r:id="rId22"/>
+    <p:sldId id="277" r:id="rId23"/>
+    <p:sldId id="278" r:id="rId24"/>
+    <p:sldId id="273" r:id="rId25"/>
+    <p:sldId id="262" r:id="rId26"/>
+    <p:sldId id="274" r:id="rId27"/>
+    <p:sldId id="291" r:id="rId28"/>
+    <p:sldId id="271" r:id="rId29"/>
+    <p:sldId id="263" r:id="rId30"/>
+    <p:sldId id="299" r:id="rId31"/>
+    <p:sldId id="300" r:id="rId32"/>
+    <p:sldId id="298" r:id="rId33"/>
+    <p:sldId id="264" r:id="rId34"/>
+    <p:sldId id="295" r:id="rId35"/>
+    <p:sldId id="286" r:id="rId36"/>
+    <p:sldId id="287" r:id="rId37"/>
+    <p:sldId id="288" r:id="rId38"/>
+    <p:sldId id="275" r:id="rId39"/>
+    <p:sldId id="297" r:id="rId40"/>
+    <p:sldId id="266" r:id="rId41"/>
+    <p:sldId id="301" r:id="rId42"/>
+    <p:sldId id="265" r:id="rId43"/>
+    <p:sldId id="296" r:id="rId44"/>
   </p:sldIdLst>
   <p:sldSz cx="9144000" cy="6858000" type="screen4x3"/>
   <p:notesSz cx="6858000" cy="9144000"/>
@@ -329,7 +330,7 @@
           <a:p>
             <a:fld id="{54F4720F-D6E7-473E-8843-300157F93B80}" type="datetimeFigureOut">
               <a:rPr lang="nl-NL" smtClean="0"/>
-              <a:t>9-8-2017</a:t>
+              <a:t>15-8-2017</a:t>
             </a:fld>
             <a:endParaRPr lang="nl-NL"/>
           </a:p>
@@ -499,7 +500,7 @@
           <a:p>
             <a:fld id="{54F4720F-D6E7-473E-8843-300157F93B80}" type="datetimeFigureOut">
               <a:rPr lang="nl-NL" smtClean="0"/>
-              <a:t>9-8-2017</a:t>
+              <a:t>15-8-2017</a:t>
             </a:fld>
             <a:endParaRPr lang="nl-NL"/>
           </a:p>
@@ -679,7 +680,7 @@
           <a:p>
             <a:fld id="{54F4720F-D6E7-473E-8843-300157F93B80}" type="datetimeFigureOut">
               <a:rPr lang="nl-NL" smtClean="0"/>
-              <a:t>9-8-2017</a:t>
+              <a:t>15-8-2017</a:t>
             </a:fld>
             <a:endParaRPr lang="nl-NL"/>
           </a:p>
@@ -849,7 +850,7 @@
           <a:p>
             <a:fld id="{54F4720F-D6E7-473E-8843-300157F93B80}" type="datetimeFigureOut">
               <a:rPr lang="nl-NL" smtClean="0"/>
-              <a:t>9-8-2017</a:t>
+              <a:t>15-8-2017</a:t>
             </a:fld>
             <a:endParaRPr lang="nl-NL"/>
           </a:p>
@@ -1095,7 +1096,7 @@
           <a:p>
             <a:fld id="{54F4720F-D6E7-473E-8843-300157F93B80}" type="datetimeFigureOut">
               <a:rPr lang="nl-NL" smtClean="0"/>
-              <a:t>9-8-2017</a:t>
+              <a:t>15-8-2017</a:t>
             </a:fld>
             <a:endParaRPr lang="nl-NL"/>
           </a:p>
@@ -1383,7 +1384,7 @@
           <a:p>
             <a:fld id="{54F4720F-D6E7-473E-8843-300157F93B80}" type="datetimeFigureOut">
               <a:rPr lang="nl-NL" smtClean="0"/>
-              <a:t>9-8-2017</a:t>
+              <a:t>15-8-2017</a:t>
             </a:fld>
             <a:endParaRPr lang="nl-NL"/>
           </a:p>
@@ -1805,7 +1806,7 @@
           <a:p>
             <a:fld id="{54F4720F-D6E7-473E-8843-300157F93B80}" type="datetimeFigureOut">
               <a:rPr lang="nl-NL" smtClean="0"/>
-              <a:t>9-8-2017</a:t>
+              <a:t>15-8-2017</a:t>
             </a:fld>
             <a:endParaRPr lang="nl-NL"/>
           </a:p>
@@ -1923,7 +1924,7 @@
           <a:p>
             <a:fld id="{54F4720F-D6E7-473E-8843-300157F93B80}" type="datetimeFigureOut">
               <a:rPr lang="nl-NL" smtClean="0"/>
-              <a:t>9-8-2017</a:t>
+              <a:t>15-8-2017</a:t>
             </a:fld>
             <a:endParaRPr lang="nl-NL"/>
           </a:p>
@@ -2018,7 +2019,7 @@
           <a:p>
             <a:fld id="{54F4720F-D6E7-473E-8843-300157F93B80}" type="datetimeFigureOut">
               <a:rPr lang="nl-NL" smtClean="0"/>
-              <a:t>9-8-2017</a:t>
+              <a:t>15-8-2017</a:t>
             </a:fld>
             <a:endParaRPr lang="nl-NL"/>
           </a:p>
@@ -2295,7 +2296,7 @@
           <a:p>
             <a:fld id="{54F4720F-D6E7-473E-8843-300157F93B80}" type="datetimeFigureOut">
               <a:rPr lang="nl-NL" smtClean="0"/>
-              <a:t>9-8-2017</a:t>
+              <a:t>15-8-2017</a:t>
             </a:fld>
             <a:endParaRPr lang="nl-NL"/>
           </a:p>
@@ -2548,7 +2549,7 @@
           <a:p>
             <a:fld id="{54F4720F-D6E7-473E-8843-300157F93B80}" type="datetimeFigureOut">
               <a:rPr lang="nl-NL" smtClean="0"/>
-              <a:t>9-8-2017</a:t>
+              <a:t>15-8-2017</a:t>
             </a:fld>
             <a:endParaRPr lang="nl-NL"/>
           </a:p>
@@ -2761,7 +2762,7 @@
           <a:p>
             <a:fld id="{54F4720F-D6E7-473E-8843-300157F93B80}" type="datetimeFigureOut">
               <a:rPr lang="nl-NL" smtClean="0"/>
-              <a:t>9-8-2017</a:t>
+              <a:t>15-8-2017</a:t>
             </a:fld>
             <a:endParaRPr lang="nl-NL"/>
           </a:p>
@@ -4833,6 +4834,746 @@
       </p:grpSpPr>
       <p:pic>
         <p:nvPicPr>
+          <p:cNvPr id="1026" name="Picture 2 1" descr="https://upload.wikimedia.org/wikipedia/commons/thumb/0/08/Sphere_wireframe.svg/220px-Sphere_wireframe.svg.png"/>
+          <p:cNvPicPr>
+            <a:picLocks noChangeAspect="1" noChangeArrowheads="1"/>
+          </p:cNvPicPr>
+          <p:nvPr/>
+        </p:nvPicPr>
+        <p:blipFill rotWithShape="1">
+          <a:blip r:embed="rId6">
+            <a:duotone>
+              <a:prstClr val="black"/>
+              <a:schemeClr val="tx2">
+                <a:tint val="45000"/>
+                <a:satMod val="400000"/>
+              </a:schemeClr>
+            </a:duotone>
+            <a:extLst>
+              <a:ext uri="{BEBA8EAE-BF5A-486C-A8C5-ECC9F3942E4B}">
+                <a14:imgProps xmlns:a14="http://schemas.microsoft.com/office/drawing/2010/main">
+                  <a14:imgLayer r:embed="rId7">
+                    <a14:imgEffect>
+                      <a14:brightnessContrast bright="40000" contrast="40000"/>
+                    </a14:imgEffect>
+                  </a14:imgLayer>
+                </a14:imgProps>
+              </a:ext>
+              <a:ext uri="{28A0092B-C50C-407E-A947-70E740481C1C}">
+                <a14:useLocalDpi xmlns:a14="http://schemas.microsoft.com/office/drawing/2010/main" val="0"/>
+              </a:ext>
+            </a:extLst>
+          </a:blip>
+          <a:srcRect l="-768" r="768" b="-5710"/>
+          <a:stretch/>
+        </p:blipFill>
+        <p:spPr bwMode="auto">
+          <a:xfrm>
+            <a:off x="3675779" y="563637"/>
+            <a:ext cx="4759496" cy="5600937"/>
+          </a:xfrm>
+          <a:prstGeom prst="rect">
+            <a:avLst/>
+          </a:prstGeom>
+          <a:noFill/>
+          <a:extLst>
+            <a:ext uri="{909E8E84-426E-40DD-AFC4-6F175D3DCCD1}">
+              <a14:hiddenFill xmlns:a14="http://schemas.microsoft.com/office/drawing/2010/main">
+                <a:solidFill>
+                  <a:srgbClr val="FFFFFF"/>
+                </a:solidFill>
+              </a14:hiddenFill>
+            </a:ext>
+          </a:extLst>
+        </p:spPr>
+      </p:pic>
+      <mc:AlternateContent xmlns:mc="http://schemas.openxmlformats.org/markup-compatibility/2006" xmlns:a14="http://schemas.microsoft.com/office/drawing/2010/main">
+        <mc:Choice Requires="a14">
+          <p:sp>
+            <p:nvSpPr>
+              <p:cNvPr id="66" name="TextBox 65"/>
+              <p:cNvSpPr txBox="1"/>
+              <p:nvPr/>
+            </p:nvSpPr>
+            <p:spPr>
+              <a:xfrm>
+                <a:off x="7164288" y="2237963"/>
+                <a:ext cx="1098662" cy="830997"/>
+              </a:xfrm>
+              <a:prstGeom prst="rect">
+                <a:avLst/>
+              </a:prstGeom>
+              <a:noFill/>
+            </p:spPr>
+            <p:txBody>
+              <a:bodyPr wrap="square" rtlCol="0">
+                <a:spAutoFit/>
+              </a:bodyPr>
+              <a:lstStyle/>
+              <a:p>
+                <a:pPr/>
+                <a14:m>
+                  <m:oMathPara xmlns:m="http://schemas.openxmlformats.org/officeDocument/2006/math">
+                    <m:oMathParaPr>
+                      <m:jc m:val="centerGroup"/>
+                    </m:oMathParaPr>
+                    <m:oMath xmlns:m="http://schemas.openxmlformats.org/officeDocument/2006/math">
+                      <m:r>
+                        <a:rPr lang="nl-NL" sz="4800" b="0" i="1" smtClean="0">
+                          <a:latin typeface="Cambria Math"/>
+                        </a:rPr>
+                        <m:t>𝑞</m:t>
+                      </m:r>
+                    </m:oMath>
+                  </m:oMathPara>
+                </a14:m>
+                <a:endParaRPr lang="nl-NL" sz="4800" dirty="0"/>
+              </a:p>
+            </p:txBody>
+          </p:sp>
+        </mc:Choice>
+        <mc:Fallback xmlns="">
+          <p:sp>
+            <p:nvSpPr>
+              <p:cNvPr id="66" name="TextBox 65"/>
+              <p:cNvSpPr txBox="1">
+                <a:spLocks noRot="1" noChangeAspect="1" noMove="1" noResize="1" noEditPoints="1" noAdjustHandles="1" noChangeArrowheads="1" noChangeShapeType="1" noTextEdit="1"/>
+              </p:cNvSpPr>
+              <p:nvPr/>
+            </p:nvSpPr>
+            <p:spPr>
+              <a:xfrm>
+                <a:off x="7164288" y="2237963"/>
+                <a:ext cx="1098662" cy="830997"/>
+              </a:xfrm>
+              <a:prstGeom prst="rect">
+                <a:avLst/>
+              </a:prstGeom>
+              <a:blipFill rotWithShape="1">
+                <a:blip r:embed="rId8"/>
+                <a:stretch>
+                  <a:fillRect/>
+                </a:stretch>
+              </a:blipFill>
+            </p:spPr>
+            <p:txBody>
+              <a:bodyPr/>
+              <a:lstStyle/>
+              <a:p>
+                <a:r>
+                  <a:rPr lang="nl-NL">
+                    <a:noFill/>
+                  </a:rPr>
+                  <a:t> </a:t>
+                </a:r>
+              </a:p>
+            </p:txBody>
+          </p:sp>
+        </mc:Fallback>
+      </mc:AlternateContent>
+      <p:pic>
+        <p:nvPicPr>
+          <p:cNvPr id="14" name="Picture 13"/>
+          <p:cNvPicPr>
+            <a:picLocks noChangeAspect="1"/>
+          </p:cNvPicPr>
+          <p:nvPr>
+            <p:custDataLst>
+              <p:tags r:id="rId1"/>
+            </p:custDataLst>
+          </p:nvPr>
+        </p:nvPicPr>
+        <p:blipFill>
+          <a:blip r:embed="rId9" cstate="print">
+            <a:extLst>
+              <a:ext uri="{28A0092B-C50C-407E-A947-70E740481C1C}">
+                <a14:useLocalDpi xmlns:a14="http://schemas.microsoft.com/office/drawing/2010/main" val="0"/>
+              </a:ext>
+            </a:extLst>
+          </a:blip>
+          <a:stretch>
+            <a:fillRect/>
+          </a:stretch>
+        </p:blipFill>
+        <p:spPr>
+          <a:xfrm>
+            <a:off x="7684833" y="402922"/>
+            <a:ext cx="1136225" cy="770886"/>
+          </a:xfrm>
+          <a:prstGeom prst="rect">
+            <a:avLst/>
+          </a:prstGeom>
+        </p:spPr>
+      </p:pic>
+      <p:pic>
+        <p:nvPicPr>
+          <p:cNvPr id="39" name="Picture 38"/>
+          <p:cNvPicPr>
+            <a:picLocks noChangeAspect="1"/>
+          </p:cNvPicPr>
+          <p:nvPr>
+            <p:custDataLst>
+              <p:tags r:id="rId2"/>
+            </p:custDataLst>
+          </p:nvPr>
+        </p:nvPicPr>
+        <p:blipFill>
+          <a:blip r:embed="rId10" cstate="print">
+            <a:extLst>
+              <a:ext uri="{28A0092B-C50C-407E-A947-70E740481C1C}">
+                <a14:useLocalDpi xmlns:a14="http://schemas.microsoft.com/office/drawing/2010/main" val="0"/>
+              </a:ext>
+            </a:extLst>
+          </a:blip>
+          <a:stretch>
+            <a:fillRect/>
+          </a:stretch>
+        </p:blipFill>
+        <p:spPr>
+          <a:xfrm>
+            <a:off x="7944669" y="5255976"/>
+            <a:ext cx="490606" cy="542965"/>
+          </a:xfrm>
+          <a:prstGeom prst="rect">
+            <a:avLst/>
+          </a:prstGeom>
+        </p:spPr>
+      </p:pic>
+      <p:pic>
+        <p:nvPicPr>
+          <p:cNvPr id="69" name="Picture 68"/>
+          <p:cNvPicPr>
+            <a:picLocks noChangeAspect="1"/>
+          </p:cNvPicPr>
+          <p:nvPr>
+            <p:custDataLst>
+              <p:tags r:id="rId3"/>
+            </p:custDataLst>
+          </p:nvPr>
+        </p:nvPicPr>
+        <p:blipFill>
+          <a:blip r:embed="rId11" cstate="print">
+            <a:extLst>
+              <a:ext uri="{28A0092B-C50C-407E-A947-70E740481C1C}">
+                <a14:useLocalDpi xmlns:a14="http://schemas.microsoft.com/office/drawing/2010/main" val="0"/>
+              </a:ext>
+            </a:extLst>
+          </a:blip>
+          <a:stretch>
+            <a:fillRect/>
+          </a:stretch>
+        </p:blipFill>
+        <p:spPr>
+          <a:xfrm>
+            <a:off x="730554" y="2681213"/>
+            <a:ext cx="1431678" cy="663193"/>
+          </a:xfrm>
+          <a:prstGeom prst="rect">
+            <a:avLst/>
+          </a:prstGeom>
+          <a:ln w="38100">
+            <a:solidFill>
+              <a:srgbClr val="D43104"/>
+            </a:solidFill>
+          </a:ln>
+        </p:spPr>
+      </p:pic>
+      <p:cxnSp>
+        <p:nvCxnSpPr>
+          <p:cNvPr id="73" name="Straight Arrow Connector 72"/>
+          <p:cNvCxnSpPr>
+            <a:endCxn id="77" idx="6"/>
+          </p:cNvCxnSpPr>
+          <p:nvPr/>
+        </p:nvCxnSpPr>
+        <p:spPr>
+          <a:xfrm>
+            <a:off x="6175577" y="3560889"/>
+            <a:ext cx="938683" cy="1187550"/>
+          </a:xfrm>
+          <a:prstGeom prst="straightConnector1">
+            <a:avLst/>
+          </a:prstGeom>
+          <a:ln w="76200">
+            <a:solidFill>
+              <a:srgbClr val="D43104"/>
+            </a:solidFill>
+            <a:tailEnd type="arrow"/>
+          </a:ln>
+        </p:spPr>
+        <p:style>
+          <a:lnRef idx="3">
+            <a:schemeClr val="accent4"/>
+          </a:lnRef>
+          <a:fillRef idx="0">
+            <a:schemeClr val="accent4"/>
+          </a:fillRef>
+          <a:effectRef idx="2">
+            <a:schemeClr val="accent4"/>
+          </a:effectRef>
+          <a:fontRef idx="minor">
+            <a:schemeClr val="tx1"/>
+          </a:fontRef>
+        </p:style>
+      </p:cxnSp>
+      <p:pic>
+        <p:nvPicPr>
+          <p:cNvPr id="74" name="Picture 2 2 2"/>
+          <p:cNvPicPr>
+            <a:picLocks noChangeAspect="1"/>
+          </p:cNvPicPr>
+          <p:nvPr>
+            <p:custDataLst>
+              <p:tags r:id="rId4"/>
+            </p:custDataLst>
+          </p:nvPr>
+        </p:nvPicPr>
+        <p:blipFill>
+          <a:blip r:embed="rId12" cstate="print">
+            <a:extLst>
+              <a:ext uri="{28A0092B-C50C-407E-A947-70E740481C1C}">
+                <a14:useLocalDpi xmlns:a14="http://schemas.microsoft.com/office/drawing/2010/main" val="0"/>
+              </a:ext>
+            </a:extLst>
+          </a:blip>
+          <a:stretch>
+            <a:fillRect/>
+          </a:stretch>
+        </p:blipFill>
+        <p:spPr>
+          <a:xfrm>
+            <a:off x="1156045" y="4759336"/>
+            <a:ext cx="2258158" cy="768123"/>
+          </a:xfrm>
+          <a:prstGeom prst="rect">
+            <a:avLst/>
+          </a:prstGeom>
+          <a:ln w="38100">
+            <a:solidFill>
+              <a:srgbClr val="0085B2"/>
+            </a:solidFill>
+          </a:ln>
+        </p:spPr>
+      </p:pic>
+      <p:cxnSp>
+        <p:nvCxnSpPr>
+          <p:cNvPr id="75" name="Straight Arrow Connector 74"/>
+          <p:cNvCxnSpPr/>
+          <p:nvPr/>
+        </p:nvCxnSpPr>
+        <p:spPr>
+          <a:xfrm flipV="1">
+            <a:off x="1874366" y="2807517"/>
+            <a:ext cx="698075" cy="502882"/>
+          </a:xfrm>
+          <a:prstGeom prst="straightConnector1">
+            <a:avLst/>
+          </a:prstGeom>
+          <a:ln w="76200">
+            <a:solidFill>
+              <a:srgbClr val="0085B2"/>
+            </a:solidFill>
+            <a:tailEnd type="arrow"/>
+          </a:ln>
+        </p:spPr>
+        <p:style>
+          <a:lnRef idx="3">
+            <a:schemeClr val="accent4"/>
+          </a:lnRef>
+          <a:fillRef idx="0">
+            <a:schemeClr val="accent4"/>
+          </a:fillRef>
+          <a:effectRef idx="2">
+            <a:schemeClr val="accent4"/>
+          </a:effectRef>
+          <a:fontRef idx="minor">
+            <a:schemeClr val="tx1"/>
+          </a:fontRef>
+        </p:style>
+      </p:cxnSp>
+      <p:sp>
+        <p:nvSpPr>
+          <p:cNvPr id="76" name="Oval 75"/>
+          <p:cNvSpPr/>
+          <p:nvPr/>
+        </p:nvSpPr>
+        <p:spPr>
+          <a:xfrm flipH="1">
+            <a:off x="6084168" y="3501008"/>
+            <a:ext cx="156952" cy="133749"/>
+          </a:xfrm>
+          <a:prstGeom prst="ellipse">
+            <a:avLst/>
+          </a:prstGeom>
+        </p:spPr>
+        <p:style>
+          <a:lnRef idx="1">
+            <a:schemeClr val="dk1"/>
+          </a:lnRef>
+          <a:fillRef idx="3">
+            <a:schemeClr val="dk1"/>
+          </a:fillRef>
+          <a:effectRef idx="2">
+            <a:schemeClr val="dk1"/>
+          </a:effectRef>
+          <a:fontRef idx="minor">
+            <a:schemeClr val="lt1"/>
+          </a:fontRef>
+        </p:style>
+        <p:txBody>
+          <a:bodyPr rtlCol="0" anchor="ctr"/>
+          <a:lstStyle/>
+          <a:p>
+            <a:pPr algn="ctr"/>
+            <a:endParaRPr lang="nl-NL"/>
+          </a:p>
+        </p:txBody>
+      </p:sp>
+      <p:sp>
+        <p:nvSpPr>
+          <p:cNvPr id="78" name="Arc 77"/>
+          <p:cNvSpPr/>
+          <p:nvPr/>
+        </p:nvSpPr>
+        <p:spPr>
+          <a:xfrm rot="11570572" flipH="1" flipV="1">
+            <a:off x="7070166" y="253333"/>
+            <a:ext cx="1464776" cy="2086067"/>
+          </a:xfrm>
+          <a:prstGeom prst="arc">
+            <a:avLst>
+              <a:gd name="adj1" fmla="val 19819911"/>
+              <a:gd name="adj2" fmla="val 3383029"/>
+            </a:avLst>
+          </a:prstGeom>
+          <a:ln w="47625">
+            <a:solidFill>
+              <a:srgbClr val="FF0000"/>
+            </a:solidFill>
+            <a:tailEnd type="stealth"/>
+          </a:ln>
+        </p:spPr>
+        <p:style>
+          <a:lnRef idx="1">
+            <a:schemeClr val="accent1"/>
+          </a:lnRef>
+          <a:fillRef idx="0">
+            <a:schemeClr val="accent1"/>
+          </a:fillRef>
+          <a:effectRef idx="0">
+            <a:schemeClr val="accent1"/>
+          </a:effectRef>
+          <a:fontRef idx="minor">
+            <a:schemeClr val="tx1"/>
+          </a:fontRef>
+        </p:style>
+        <p:txBody>
+          <a:bodyPr rtlCol="0" anchor="ctr"/>
+          <a:lstStyle/>
+          <a:p>
+            <a:pPr algn="ctr"/>
+            <a:endParaRPr lang="nl-NL"/>
+          </a:p>
+        </p:txBody>
+      </p:sp>
+      <p:grpSp>
+        <p:nvGrpSpPr>
+          <p:cNvPr id="2" name="Group 1"/>
+          <p:cNvGrpSpPr/>
+          <p:nvPr/>
+        </p:nvGrpSpPr>
+        <p:grpSpPr>
+          <a:xfrm rot="2820760">
+            <a:off x="6197648" y="3583493"/>
+            <a:ext cx="1808745" cy="2132165"/>
+            <a:chOff x="6467283" y="1395416"/>
+            <a:chExt cx="1808745" cy="2132165"/>
+          </a:xfrm>
+        </p:grpSpPr>
+        <p:sp>
+          <p:nvSpPr>
+            <p:cNvPr id="1049" name="Parallelogram 1048"/>
+            <p:cNvSpPr/>
+            <p:nvPr/>
+          </p:nvSpPr>
+          <p:spPr>
+            <a:xfrm rot="19765869">
+              <a:off x="6467283" y="1518862"/>
+              <a:ext cx="1808745" cy="2008719"/>
+            </a:xfrm>
+            <a:prstGeom prst="parallelogram">
+              <a:avLst>
+                <a:gd name="adj" fmla="val 13605"/>
+              </a:avLst>
+            </a:prstGeom>
+            <a:solidFill>
+              <a:schemeClr val="accent6">
+                <a:alpha val="25000"/>
+              </a:schemeClr>
+            </a:solidFill>
+            <a:ln>
+              <a:solidFill>
+                <a:srgbClr val="0085B2"/>
+              </a:solidFill>
+            </a:ln>
+          </p:spPr>
+          <p:style>
+            <a:lnRef idx="2">
+              <a:schemeClr val="accent5"/>
+            </a:lnRef>
+            <a:fillRef idx="1">
+              <a:schemeClr val="lt1"/>
+            </a:fillRef>
+            <a:effectRef idx="0">
+              <a:schemeClr val="accent5"/>
+            </a:effectRef>
+            <a:fontRef idx="minor">
+              <a:schemeClr val="dk1"/>
+            </a:fontRef>
+          </p:style>
+          <p:txBody>
+            <a:bodyPr rtlCol="0" anchor="ctr"/>
+            <a:lstStyle/>
+            <a:p>
+              <a:pPr algn="ctr"/>
+              <a:endParaRPr lang="nl-NL"/>
+            </a:p>
+          </p:txBody>
+        </p:sp>
+        <p:cxnSp>
+          <p:nvCxnSpPr>
+            <p:cNvPr id="80" name="Straight Arrow Connector 79"/>
+            <p:cNvCxnSpPr/>
+            <p:nvPr/>
+          </p:nvCxnSpPr>
+          <p:spPr>
+            <a:xfrm flipH="1" flipV="1">
+              <a:off x="6585842" y="2521119"/>
+              <a:ext cx="1571624" cy="14260"/>
+            </a:xfrm>
+            <a:prstGeom prst="straightConnector1">
+              <a:avLst/>
+            </a:prstGeom>
+            <a:ln w="47625">
+              <a:solidFill>
+                <a:schemeClr val="tx1"/>
+              </a:solidFill>
+              <a:headEnd type="triangle"/>
+              <a:tailEnd type="triangle"/>
+            </a:ln>
+          </p:spPr>
+          <p:style>
+            <a:lnRef idx="1">
+              <a:schemeClr val="accent1"/>
+            </a:lnRef>
+            <a:fillRef idx="0">
+              <a:schemeClr val="accent1"/>
+            </a:fillRef>
+            <a:effectRef idx="0">
+              <a:schemeClr val="accent1"/>
+            </a:effectRef>
+            <a:fontRef idx="minor">
+              <a:schemeClr val="tx1"/>
+            </a:fontRef>
+          </p:style>
+        </p:cxnSp>
+        <p:cxnSp>
+          <p:nvCxnSpPr>
+            <p:cNvPr id="1051" name="Straight Arrow Connector 1050"/>
+            <p:cNvCxnSpPr/>
+            <p:nvPr/>
+          </p:nvCxnSpPr>
+          <p:spPr>
+            <a:xfrm>
+              <a:off x="6988239" y="1763977"/>
+              <a:ext cx="786833" cy="1518489"/>
+            </a:xfrm>
+            <a:prstGeom prst="straightConnector1">
+              <a:avLst/>
+            </a:prstGeom>
+            <a:ln w="47625">
+              <a:solidFill>
+                <a:schemeClr val="tx1"/>
+              </a:solidFill>
+              <a:headEnd type="triangle"/>
+              <a:tailEnd type="triangle"/>
+            </a:ln>
+          </p:spPr>
+          <p:style>
+            <a:lnRef idx="1">
+              <a:schemeClr val="accent1"/>
+            </a:lnRef>
+            <a:fillRef idx="0">
+              <a:schemeClr val="accent1"/>
+            </a:fillRef>
+            <a:effectRef idx="0">
+              <a:schemeClr val="accent1"/>
+            </a:effectRef>
+            <a:fontRef idx="minor">
+              <a:schemeClr val="tx1"/>
+            </a:fontRef>
+          </p:style>
+        </p:cxnSp>
+        <p:cxnSp>
+          <p:nvCxnSpPr>
+            <p:cNvPr id="33" name="Straight Arrow Connector 32"/>
+            <p:cNvCxnSpPr/>
+            <p:nvPr/>
+          </p:nvCxnSpPr>
+          <p:spPr>
+            <a:xfrm flipV="1">
+              <a:off x="6802086" y="2539738"/>
+              <a:ext cx="549450" cy="529222"/>
+            </a:xfrm>
+            <a:prstGeom prst="straightConnector1">
+              <a:avLst/>
+            </a:prstGeom>
+            <a:ln w="47625">
+              <a:solidFill>
+                <a:schemeClr val="tx1"/>
+              </a:solidFill>
+              <a:headEnd type="triangle"/>
+              <a:tailEnd type="none"/>
+            </a:ln>
+          </p:spPr>
+          <p:style>
+            <a:lnRef idx="1">
+              <a:schemeClr val="accent1"/>
+            </a:lnRef>
+            <a:fillRef idx="0">
+              <a:schemeClr val="accent1"/>
+            </a:fillRef>
+            <a:effectRef idx="0">
+              <a:schemeClr val="accent1"/>
+            </a:effectRef>
+            <a:fontRef idx="minor">
+              <a:schemeClr val="tx1"/>
+            </a:fontRef>
+          </p:style>
+        </p:cxnSp>
+        <p:cxnSp>
+          <p:nvCxnSpPr>
+            <p:cNvPr id="79" name="Straight Arrow Connector 78"/>
+            <p:cNvCxnSpPr/>
+            <p:nvPr/>
+          </p:nvCxnSpPr>
+          <p:spPr>
+            <a:xfrm flipV="1">
+              <a:off x="7381656" y="1395416"/>
+              <a:ext cx="303177" cy="1124538"/>
+            </a:xfrm>
+            <a:prstGeom prst="straightConnector1">
+              <a:avLst/>
+            </a:prstGeom>
+            <a:ln w="82550">
+              <a:solidFill>
+                <a:srgbClr val="0085B2"/>
+              </a:solidFill>
+              <a:headEnd type="none"/>
+              <a:tailEnd type="triangle" w="med" len="med"/>
+            </a:ln>
+          </p:spPr>
+          <p:style>
+            <a:lnRef idx="1">
+              <a:schemeClr val="accent1"/>
+            </a:lnRef>
+            <a:fillRef idx="0">
+              <a:schemeClr val="accent1"/>
+            </a:fillRef>
+            <a:effectRef idx="0">
+              <a:schemeClr val="accent1"/>
+            </a:effectRef>
+            <a:fontRef idx="minor">
+              <a:schemeClr val="tx1"/>
+            </a:fontRef>
+          </p:style>
+        </p:cxnSp>
+        <p:sp>
+          <p:nvSpPr>
+            <p:cNvPr id="77" name="Oval 76"/>
+            <p:cNvSpPr/>
+            <p:nvPr/>
+          </p:nvSpPr>
+          <p:spPr>
+            <a:xfrm>
+              <a:off x="7293626" y="2420888"/>
+              <a:ext cx="158694" cy="198132"/>
+            </a:xfrm>
+            <a:prstGeom prst="ellipse">
+              <a:avLst/>
+            </a:prstGeom>
+            <a:solidFill>
+              <a:srgbClr val="D43104"/>
+            </a:solidFill>
+            <a:ln>
+              <a:solidFill>
+                <a:schemeClr val="tx1"/>
+              </a:solidFill>
+            </a:ln>
+          </p:spPr>
+          <p:style>
+            <a:lnRef idx="1">
+              <a:schemeClr val="accent6"/>
+            </a:lnRef>
+            <a:fillRef idx="3">
+              <a:schemeClr val="accent6"/>
+            </a:fillRef>
+            <a:effectRef idx="2">
+              <a:schemeClr val="accent6"/>
+            </a:effectRef>
+            <a:fontRef idx="minor">
+              <a:schemeClr val="lt1"/>
+            </a:fontRef>
+          </p:style>
+          <p:txBody>
+            <a:bodyPr rtlCol="0" anchor="ctr"/>
+            <a:lstStyle/>
+            <a:p>
+              <a:pPr algn="ctr"/>
+              <a:endParaRPr lang="nl-NL"/>
+            </a:p>
+          </p:txBody>
+        </p:sp>
+      </p:grpSp>
+    </p:spTree>
+    <p:extLst>
+      <p:ext uri="{BB962C8B-B14F-4D97-AF65-F5344CB8AC3E}">
+        <p14:creationId xmlns:p14="http://schemas.microsoft.com/office/powerpoint/2010/main" val="920323978"/>
+      </p:ext>
+    </p:extLst>
+  </p:cSld>
+  <p:clrMapOvr>
+    <a:masterClrMapping/>
+  </p:clrMapOvr>
+  <p:timing>
+    <p:tnLst>
+      <p:par>
+        <p:cTn id="1" dur="indefinite" restart="never" nodeType="tmRoot"/>
+      </p:par>
+    </p:tnLst>
+  </p:timing>
+</p:sld>
+</file>
+
+<file path=ppt/slides/slide12.xml><?xml version="1.0" encoding="utf-8"?>
+<p:sld xmlns:a="http://schemas.openxmlformats.org/drawingml/2006/main" xmlns:r="http://schemas.openxmlformats.org/officeDocument/2006/relationships" xmlns:p="http://schemas.openxmlformats.org/presentationml/2006/main">
+  <p:cSld>
+    <p:spTree>
+      <p:nvGrpSpPr>
+        <p:cNvPr id="1" name=""/>
+        <p:cNvGrpSpPr/>
+        <p:nvPr/>
+      </p:nvGrpSpPr>
+      <p:grpSpPr>
+        <a:xfrm>
+          <a:off x="0" y="0"/>
+          <a:ext cx="0" cy="0"/>
+          <a:chOff x="0" y="0"/>
+          <a:chExt cx="0" cy="0"/>
+        </a:xfrm>
+      </p:grpSpPr>
+      <p:pic>
+        <p:nvPicPr>
           <p:cNvPr id="12" name="Picture 4" descr="Afbeeldingsresultaat voor curved grid"/>
           <p:cNvPicPr>
             <a:picLocks noChangeAspect="1" noChangeArrowheads="1"/>
@@ -5939,7 +6680,7 @@
 </p:sld>
 </file>
 
-<file path=ppt/slides/slide12.xml><?xml version="1.0" encoding="utf-8"?>
+<file path=ppt/slides/slide13.xml><?xml version="1.0" encoding="utf-8"?>
 <p:sld xmlns:a="http://schemas.openxmlformats.org/drawingml/2006/main" xmlns:r="http://schemas.openxmlformats.org/officeDocument/2006/relationships" xmlns:p="http://schemas.openxmlformats.org/presentationml/2006/main">
   <p:cSld>
     <p:spTree>
@@ -6445,7 +7186,7 @@
 </p:sld>
 </file>
 
-<file path=ppt/slides/slide13.xml><?xml version="1.0" encoding="utf-8"?>
+<file path=ppt/slides/slide14.xml><?xml version="1.0" encoding="utf-8"?>
 <p:sld xmlns:a="http://schemas.openxmlformats.org/drawingml/2006/main" xmlns:r="http://schemas.openxmlformats.org/officeDocument/2006/relationships" xmlns:p="http://schemas.openxmlformats.org/presentationml/2006/main">
   <p:cSld>
     <p:spTree>
@@ -6807,7 +7548,7 @@
 </p:sld>
 </file>
 
-<file path=ppt/slides/slide14.xml><?xml version="1.0" encoding="utf-8"?>
+<file path=ppt/slides/slide15.xml><?xml version="1.0" encoding="utf-8"?>
 <p:sld xmlns:a="http://schemas.openxmlformats.org/drawingml/2006/main" xmlns:r="http://schemas.openxmlformats.org/officeDocument/2006/relationships" xmlns:p="http://schemas.openxmlformats.org/presentationml/2006/main">
   <p:cSld>
     <p:spTree>
@@ -7316,7 +8057,7 @@
 </p:sld>
 </file>
 
-<file path=ppt/slides/slide15.xml><?xml version="1.0" encoding="utf-8"?>
+<file path=ppt/slides/slide16.xml><?xml version="1.0" encoding="utf-8"?>
 <p:sld xmlns:a="http://schemas.openxmlformats.org/drawingml/2006/main" xmlns:r="http://schemas.openxmlformats.org/officeDocument/2006/relationships" xmlns:p="http://schemas.openxmlformats.org/presentationml/2006/main">
   <p:cSld>
     <p:spTree>
@@ -7891,7 +8632,7 @@
 </p:sld>
 </file>
 
-<file path=ppt/slides/slide16.xml><?xml version="1.0" encoding="utf-8"?>
+<file path=ppt/slides/slide17.xml><?xml version="1.0" encoding="utf-8"?>
 <p:sld xmlns:a="http://schemas.openxmlformats.org/drawingml/2006/main" xmlns:r="http://schemas.openxmlformats.org/officeDocument/2006/relationships" xmlns:p="http://schemas.openxmlformats.org/presentationml/2006/main">
   <p:cSld>
     <p:spTree>
@@ -8669,7 +9410,7 @@
 </p:sld>
 </file>
 
-<file path=ppt/slides/slide17.xml><?xml version="1.0" encoding="utf-8"?>
+<file path=ppt/slides/slide18.xml><?xml version="1.0" encoding="utf-8"?>
 <p:sld xmlns:a="http://schemas.openxmlformats.org/drawingml/2006/main" xmlns:r="http://schemas.openxmlformats.org/officeDocument/2006/relationships" xmlns:p="http://schemas.openxmlformats.org/presentationml/2006/main">
   <p:cSld>
     <p:spTree>
@@ -9595,7 +10336,7 @@
 </p:sld>
 </file>
 
-<file path=ppt/slides/slide18.xml><?xml version="1.0" encoding="utf-8"?>
+<file path=ppt/slides/slide19.xml><?xml version="1.0" encoding="utf-8"?>
 <p:sld xmlns:a="http://schemas.openxmlformats.org/drawingml/2006/main" xmlns:r="http://schemas.openxmlformats.org/officeDocument/2006/relationships" xmlns:p="http://schemas.openxmlformats.org/presentationml/2006/main" show="0">
   <p:cSld>
     <p:spTree>
@@ -10548,708 +11289,6 @@
       <p:transition spd="slow"/>
     </mc:Fallback>
   </mc:AlternateContent>
-  <p:timing>
-    <p:tnLst>
-      <p:par>
-        <p:cTn id="1" dur="indefinite" restart="never" nodeType="tmRoot"/>
-      </p:par>
-    </p:tnLst>
-  </p:timing>
-</p:sld>
-</file>
-
-<file path=ppt/slides/slide19.xml><?xml version="1.0" encoding="utf-8"?>
-<p:sld xmlns:a="http://schemas.openxmlformats.org/drawingml/2006/main" xmlns:r="http://schemas.openxmlformats.org/officeDocument/2006/relationships" xmlns:p="http://schemas.openxmlformats.org/presentationml/2006/main">
-  <p:cSld>
-    <p:spTree>
-      <p:nvGrpSpPr>
-        <p:cNvPr id="1" name=""/>
-        <p:cNvGrpSpPr/>
-        <p:nvPr/>
-      </p:nvGrpSpPr>
-      <p:grpSpPr>
-        <a:xfrm>
-          <a:off x="0" y="0"/>
-          <a:ext cx="0" cy="0"/>
-          <a:chOff x="0" y="0"/>
-          <a:chExt cx="0" cy="0"/>
-        </a:xfrm>
-      </p:grpSpPr>
-      <p:grpSp>
-        <p:nvGrpSpPr>
-          <p:cNvPr id="2" name="Group 1"/>
-          <p:cNvGrpSpPr/>
-          <p:nvPr/>
-        </p:nvGrpSpPr>
-        <p:grpSpPr>
-          <a:xfrm>
-            <a:off x="2195735" y="271706"/>
-            <a:ext cx="5184577" cy="5112569"/>
-            <a:chOff x="1061162" y="1124744"/>
-            <a:chExt cx="1534576" cy="2512626"/>
-          </a:xfrm>
-        </p:grpSpPr>
-        <p:cxnSp>
-          <p:nvCxnSpPr>
-            <p:cNvPr id="3" name="Straight Arrow Connector 2"/>
-            <p:cNvCxnSpPr/>
-            <p:nvPr/>
-          </p:nvCxnSpPr>
-          <p:spPr>
-            <a:xfrm flipH="1">
-              <a:off x="1061162" y="2583042"/>
-              <a:ext cx="403194" cy="1054328"/>
-            </a:xfrm>
-            <a:prstGeom prst="straightConnector1">
-              <a:avLst/>
-            </a:prstGeom>
-            <a:ln w="38100">
-              <a:solidFill>
-                <a:schemeClr val="tx1"/>
-              </a:solidFill>
-              <a:prstDash val="solid"/>
-              <a:tailEnd type="triangle"/>
-            </a:ln>
-          </p:spPr>
-          <p:style>
-            <a:lnRef idx="1">
-              <a:schemeClr val="accent1"/>
-            </a:lnRef>
-            <a:fillRef idx="0">
-              <a:schemeClr val="accent1"/>
-            </a:fillRef>
-            <a:effectRef idx="0">
-              <a:schemeClr val="accent1"/>
-            </a:effectRef>
-            <a:fontRef idx="minor">
-              <a:schemeClr val="tx1"/>
-            </a:fontRef>
-          </p:style>
-        </p:cxnSp>
-        <p:cxnSp>
-          <p:nvCxnSpPr>
-            <p:cNvPr id="4" name="Straight Arrow Connector 3"/>
-            <p:cNvCxnSpPr/>
-            <p:nvPr/>
-          </p:nvCxnSpPr>
-          <p:spPr>
-            <a:xfrm flipV="1">
-              <a:off x="1472383" y="2583042"/>
-              <a:ext cx="1123355" cy="8296"/>
-            </a:xfrm>
-            <a:prstGeom prst="straightConnector1">
-              <a:avLst/>
-            </a:prstGeom>
-            <a:ln w="38100">
-              <a:solidFill>
-                <a:schemeClr val="tx1"/>
-              </a:solidFill>
-              <a:prstDash val="solid"/>
-              <a:tailEnd type="triangle"/>
-            </a:ln>
-          </p:spPr>
-          <p:style>
-            <a:lnRef idx="1">
-              <a:schemeClr val="accent1"/>
-            </a:lnRef>
-            <a:fillRef idx="0">
-              <a:schemeClr val="accent1"/>
-            </a:fillRef>
-            <a:effectRef idx="0">
-              <a:schemeClr val="accent1"/>
-            </a:effectRef>
-            <a:fontRef idx="minor">
-              <a:schemeClr val="tx1"/>
-            </a:fontRef>
-          </p:style>
-        </p:cxnSp>
-        <p:cxnSp>
-          <p:nvCxnSpPr>
-            <p:cNvPr id="5" name="Straight Arrow Connector 4"/>
-            <p:cNvCxnSpPr/>
-            <p:nvPr/>
-          </p:nvCxnSpPr>
-          <p:spPr>
-            <a:xfrm flipH="1" flipV="1">
-              <a:off x="1464356" y="1124744"/>
-              <a:ext cx="2187" cy="1444614"/>
-            </a:xfrm>
-            <a:prstGeom prst="straightConnector1">
-              <a:avLst/>
-            </a:prstGeom>
-            <a:ln w="38100">
-              <a:solidFill>
-                <a:schemeClr val="tx1"/>
-              </a:solidFill>
-              <a:prstDash val="solid"/>
-              <a:tailEnd type="triangle"/>
-            </a:ln>
-          </p:spPr>
-          <p:style>
-            <a:lnRef idx="1">
-              <a:schemeClr val="accent1"/>
-            </a:lnRef>
-            <a:fillRef idx="0">
-              <a:schemeClr val="accent1"/>
-            </a:fillRef>
-            <a:effectRef idx="0">
-              <a:schemeClr val="accent1"/>
-            </a:effectRef>
-            <a:fontRef idx="minor">
-              <a:schemeClr val="tx1"/>
-            </a:fontRef>
-          </p:style>
-        </p:cxnSp>
-      </p:grpSp>
-      <p:pic>
-        <p:nvPicPr>
-          <p:cNvPr id="8" name="Picture 7"/>
-          <p:cNvPicPr>
-            <a:picLocks noChangeAspect="1"/>
-          </p:cNvPicPr>
-          <p:nvPr>
-            <p:custDataLst>
-              <p:tags r:id="rId1"/>
-            </p:custDataLst>
-          </p:nvPr>
-        </p:nvPicPr>
-        <p:blipFill>
-          <a:blip r:embed="rId7">
-            <a:extLst>
-              <a:ext uri="{28A0092B-C50C-407E-A947-70E740481C1C}">
-                <a14:useLocalDpi xmlns:a14="http://schemas.microsoft.com/office/drawing/2010/main" val="0"/>
-              </a:ext>
-            </a:extLst>
-          </a:blip>
-          <a:stretch>
-            <a:fillRect/>
-          </a:stretch>
-        </p:blipFill>
-        <p:spPr>
-          <a:xfrm>
-            <a:off x="7150981" y="4963285"/>
-            <a:ext cx="832425" cy="841979"/>
-          </a:xfrm>
-          <a:prstGeom prst="rect">
-            <a:avLst/>
-          </a:prstGeom>
-        </p:spPr>
-      </p:pic>
-      <p:sp>
-        <p:nvSpPr>
-          <p:cNvPr id="9" name="Freeform 8"/>
-          <p:cNvSpPr/>
-          <p:nvPr/>
-        </p:nvSpPr>
-        <p:spPr>
-          <a:xfrm rot="19679300">
-            <a:off x="326179" y="523920"/>
-            <a:ext cx="4958649" cy="3334183"/>
-          </a:xfrm>
-          <a:custGeom>
-            <a:avLst/>
-            <a:gdLst>
-              <a:gd name="connsiteX0" fmla="*/ 0 w 5874328"/>
-              <a:gd name="connsiteY0" fmla="*/ 665444 h 2618934"/>
-              <a:gd name="connsiteX1" fmla="*/ 1468582 w 5874328"/>
-              <a:gd name="connsiteY1" fmla="*/ 14280 h 2618934"/>
-              <a:gd name="connsiteX2" fmla="*/ 1399310 w 5874328"/>
-              <a:gd name="connsiteY2" fmla="*/ 1219625 h 2618934"/>
-              <a:gd name="connsiteX3" fmla="*/ 3491346 w 5874328"/>
-              <a:gd name="connsiteY3" fmla="*/ 1081080 h 2618934"/>
-              <a:gd name="connsiteX4" fmla="*/ 4073237 w 5874328"/>
-              <a:gd name="connsiteY4" fmla="*/ 1787662 h 2618934"/>
-              <a:gd name="connsiteX5" fmla="*/ 5084619 w 5874328"/>
-              <a:gd name="connsiteY5" fmla="*/ 2078607 h 2618934"/>
-              <a:gd name="connsiteX6" fmla="*/ 5763491 w 5874328"/>
-              <a:gd name="connsiteY6" fmla="*/ 2244862 h 2618934"/>
-              <a:gd name="connsiteX7" fmla="*/ 5874328 w 5874328"/>
-              <a:gd name="connsiteY7" fmla="*/ 2618934 h 2618934"/>
-            </a:gdLst>
-            <a:ahLst/>
-            <a:cxnLst>
-              <a:cxn ang="0">
-                <a:pos x="connsiteX0" y="connsiteY0"/>
-              </a:cxn>
-              <a:cxn ang="0">
-                <a:pos x="connsiteX1" y="connsiteY1"/>
-              </a:cxn>
-              <a:cxn ang="0">
-                <a:pos x="connsiteX2" y="connsiteY2"/>
-              </a:cxn>
-              <a:cxn ang="0">
-                <a:pos x="connsiteX3" y="connsiteY3"/>
-              </a:cxn>
-              <a:cxn ang="0">
-                <a:pos x="connsiteX4" y="connsiteY4"/>
-              </a:cxn>
-              <a:cxn ang="0">
-                <a:pos x="connsiteX5" y="connsiteY5"/>
-              </a:cxn>
-              <a:cxn ang="0">
-                <a:pos x="connsiteX6" y="connsiteY6"/>
-              </a:cxn>
-              <a:cxn ang="0">
-                <a:pos x="connsiteX7" y="connsiteY7"/>
-              </a:cxn>
-            </a:cxnLst>
-            <a:rect l="l" t="t" r="r" b="b"/>
-            <a:pathLst>
-              <a:path w="5874328" h="2618934">
-                <a:moveTo>
-                  <a:pt x="0" y="665444"/>
-                </a:moveTo>
-                <a:cubicBezTo>
-                  <a:pt x="617682" y="293680"/>
-                  <a:pt x="1235364" y="-78084"/>
-                  <a:pt x="1468582" y="14280"/>
-                </a:cubicBezTo>
-                <a:cubicBezTo>
-                  <a:pt x="1701800" y="106644"/>
-                  <a:pt x="1062183" y="1041825"/>
-                  <a:pt x="1399310" y="1219625"/>
-                </a:cubicBezTo>
-                <a:cubicBezTo>
-                  <a:pt x="1736437" y="1397425"/>
-                  <a:pt x="3045692" y="986407"/>
-                  <a:pt x="3491346" y="1081080"/>
-                </a:cubicBezTo>
-                <a:cubicBezTo>
-                  <a:pt x="3937000" y="1175753"/>
-                  <a:pt x="3807692" y="1621408"/>
-                  <a:pt x="4073237" y="1787662"/>
-                </a:cubicBezTo>
-                <a:cubicBezTo>
-                  <a:pt x="4338782" y="1953916"/>
-                  <a:pt x="4802910" y="2002407"/>
-                  <a:pt x="5084619" y="2078607"/>
-                </a:cubicBezTo>
-                <a:cubicBezTo>
-                  <a:pt x="5366328" y="2154807"/>
-                  <a:pt x="5631873" y="2154807"/>
-                  <a:pt x="5763491" y="2244862"/>
-                </a:cubicBezTo>
-                <a:cubicBezTo>
-                  <a:pt x="5895109" y="2334917"/>
-                  <a:pt x="5832764" y="2605080"/>
-                  <a:pt x="5874328" y="2618934"/>
-                </a:cubicBezTo>
-              </a:path>
-            </a:pathLst>
-          </a:custGeom>
-          <a:ln w="69850">
-            <a:solidFill>
-              <a:srgbClr val="00ADFA"/>
-            </a:solidFill>
-            <a:tailEnd type="arrow"/>
-          </a:ln>
-        </p:spPr>
-        <p:style>
-          <a:lnRef idx="1">
-            <a:schemeClr val="accent1"/>
-          </a:lnRef>
-          <a:fillRef idx="0">
-            <a:schemeClr val="accent1"/>
-          </a:fillRef>
-          <a:effectRef idx="0">
-            <a:schemeClr val="accent1"/>
-          </a:effectRef>
-          <a:fontRef idx="minor">
-            <a:schemeClr val="tx1"/>
-          </a:fontRef>
-        </p:style>
-        <p:txBody>
-          <a:bodyPr rtlCol="0" anchor="ctr"/>
-          <a:lstStyle/>
-          <a:p>
-            <a:pPr algn="ctr"/>
-            <a:endParaRPr lang="nl-NL">
-              <a:solidFill>
-                <a:schemeClr val="tx1"/>
-              </a:solidFill>
-            </a:endParaRPr>
-          </a:p>
-        </p:txBody>
-      </p:sp>
-      <p:sp>
-        <p:nvSpPr>
-          <p:cNvPr id="11" name="Oval 10"/>
-          <p:cNvSpPr/>
-          <p:nvPr/>
-        </p:nvSpPr>
-        <p:spPr>
-          <a:xfrm rot="2015949">
-            <a:off x="5714528" y="2208325"/>
-            <a:ext cx="243027" cy="270725"/>
-          </a:xfrm>
-          <a:prstGeom prst="ellipse">
-            <a:avLst/>
-          </a:prstGeom>
-        </p:spPr>
-        <p:style>
-          <a:lnRef idx="1">
-            <a:schemeClr val="accent6"/>
-          </a:lnRef>
-          <a:fillRef idx="3">
-            <a:schemeClr val="accent6"/>
-          </a:fillRef>
-          <a:effectRef idx="2">
-            <a:schemeClr val="accent6"/>
-          </a:effectRef>
-          <a:fontRef idx="minor">
-            <a:schemeClr val="lt1"/>
-          </a:fontRef>
-        </p:style>
-        <p:txBody>
-          <a:bodyPr rtlCol="0" anchor="ctr"/>
-          <a:lstStyle/>
-          <a:p>
-            <a:pPr algn="ctr"/>
-            <a:endParaRPr lang="nl-NL"/>
-          </a:p>
-        </p:txBody>
-      </p:sp>
-      <p:sp>
-        <p:nvSpPr>
-          <p:cNvPr id="12" name="Oval 11"/>
-          <p:cNvSpPr/>
-          <p:nvPr/>
-        </p:nvSpPr>
-        <p:spPr>
-          <a:xfrm rot="2015949">
-            <a:off x="5568792" y="2890305"/>
-            <a:ext cx="243027" cy="270725"/>
-          </a:xfrm>
-          <a:prstGeom prst="ellipse">
-            <a:avLst/>
-          </a:prstGeom>
-        </p:spPr>
-        <p:style>
-          <a:lnRef idx="1">
-            <a:schemeClr val="accent6"/>
-          </a:lnRef>
-          <a:fillRef idx="3">
-            <a:schemeClr val="accent6"/>
-          </a:fillRef>
-          <a:effectRef idx="2">
-            <a:schemeClr val="accent6"/>
-          </a:effectRef>
-          <a:fontRef idx="minor">
-            <a:schemeClr val="lt1"/>
-          </a:fontRef>
-        </p:style>
-        <p:txBody>
-          <a:bodyPr rtlCol="0" anchor="ctr"/>
-          <a:lstStyle/>
-          <a:p>
-            <a:pPr algn="ctr"/>
-            <a:endParaRPr lang="nl-NL"/>
-          </a:p>
-        </p:txBody>
-      </p:sp>
-      <p:pic>
-        <p:nvPicPr>
-          <p:cNvPr id="15" name="Picture 14"/>
-          <p:cNvPicPr>
-            <a:picLocks noChangeAspect="1"/>
-          </p:cNvPicPr>
-          <p:nvPr>
-            <p:custDataLst>
-              <p:tags r:id="rId2"/>
-            </p:custDataLst>
-          </p:nvPr>
-        </p:nvPicPr>
-        <p:blipFill>
-          <a:blip r:embed="rId8">
-            <a:extLst>
-              <a:ext uri="{28A0092B-C50C-407E-A947-70E740481C1C}">
-                <a14:useLocalDpi xmlns:a14="http://schemas.microsoft.com/office/drawing/2010/main" val="0"/>
-              </a:ext>
-            </a:extLst>
-          </a:blip>
-          <a:stretch>
-            <a:fillRect/>
-          </a:stretch>
-        </p:blipFill>
-        <p:spPr>
-          <a:xfrm>
-            <a:off x="467545" y="3253364"/>
-            <a:ext cx="2793946" cy="1330781"/>
-          </a:xfrm>
-          <a:prstGeom prst="rect">
-            <a:avLst/>
-          </a:prstGeom>
-          <a:solidFill>
-            <a:schemeClr val="bg1">
-              <a:alpha val="65000"/>
-            </a:schemeClr>
-          </a:solidFill>
-        </p:spPr>
-      </p:pic>
-      <p:pic>
-        <p:nvPicPr>
-          <p:cNvPr id="16" name="Picture 15"/>
-          <p:cNvPicPr>
-            <a:picLocks noChangeAspect="1"/>
-          </p:cNvPicPr>
-          <p:nvPr>
-            <p:custDataLst>
-              <p:tags r:id="rId3"/>
-            </p:custDataLst>
-          </p:nvPr>
-        </p:nvPicPr>
-        <p:blipFill>
-          <a:blip r:embed="rId9">
-            <a:extLst>
-              <a:ext uri="{28A0092B-C50C-407E-A947-70E740481C1C}">
-                <a14:useLocalDpi xmlns:a14="http://schemas.microsoft.com/office/drawing/2010/main" val="0"/>
-              </a:ext>
-            </a:extLst>
-          </a:blip>
-          <a:stretch>
-            <a:fillRect/>
-          </a:stretch>
-        </p:blipFill>
-        <p:spPr>
-          <a:xfrm>
-            <a:off x="40283" y="75465"/>
-            <a:ext cx="2150666" cy="1282083"/>
-          </a:xfrm>
-          <a:prstGeom prst="rect">
-            <a:avLst/>
-          </a:prstGeom>
-          <a:solidFill>
-            <a:schemeClr val="bg1">
-              <a:alpha val="65000"/>
-            </a:schemeClr>
-          </a:solidFill>
-        </p:spPr>
-      </p:pic>
-      <p:sp>
-        <p:nvSpPr>
-          <p:cNvPr id="10" name="Freeform 9"/>
-          <p:cNvSpPr/>
-          <p:nvPr/>
-        </p:nvSpPr>
-        <p:spPr>
-          <a:xfrm rot="19557138">
-            <a:off x="255062" y="1564394"/>
-            <a:ext cx="4924764" cy="3063893"/>
-          </a:xfrm>
-          <a:custGeom>
-            <a:avLst/>
-            <a:gdLst>
-              <a:gd name="connsiteX0" fmla="*/ 0 w 5874328"/>
-              <a:gd name="connsiteY0" fmla="*/ 665444 h 2618934"/>
-              <a:gd name="connsiteX1" fmla="*/ 1468582 w 5874328"/>
-              <a:gd name="connsiteY1" fmla="*/ 14280 h 2618934"/>
-              <a:gd name="connsiteX2" fmla="*/ 1399310 w 5874328"/>
-              <a:gd name="connsiteY2" fmla="*/ 1219625 h 2618934"/>
-              <a:gd name="connsiteX3" fmla="*/ 3491346 w 5874328"/>
-              <a:gd name="connsiteY3" fmla="*/ 1081080 h 2618934"/>
-              <a:gd name="connsiteX4" fmla="*/ 4073237 w 5874328"/>
-              <a:gd name="connsiteY4" fmla="*/ 1787662 h 2618934"/>
-              <a:gd name="connsiteX5" fmla="*/ 5084619 w 5874328"/>
-              <a:gd name="connsiteY5" fmla="*/ 2078607 h 2618934"/>
-              <a:gd name="connsiteX6" fmla="*/ 5763491 w 5874328"/>
-              <a:gd name="connsiteY6" fmla="*/ 2244862 h 2618934"/>
-              <a:gd name="connsiteX7" fmla="*/ 5874328 w 5874328"/>
-              <a:gd name="connsiteY7" fmla="*/ 2618934 h 2618934"/>
-            </a:gdLst>
-            <a:ahLst/>
-            <a:cxnLst>
-              <a:cxn ang="0">
-                <a:pos x="connsiteX0" y="connsiteY0"/>
-              </a:cxn>
-              <a:cxn ang="0">
-                <a:pos x="connsiteX1" y="connsiteY1"/>
-              </a:cxn>
-              <a:cxn ang="0">
-                <a:pos x="connsiteX2" y="connsiteY2"/>
-              </a:cxn>
-              <a:cxn ang="0">
-                <a:pos x="connsiteX3" y="connsiteY3"/>
-              </a:cxn>
-              <a:cxn ang="0">
-                <a:pos x="connsiteX4" y="connsiteY4"/>
-              </a:cxn>
-              <a:cxn ang="0">
-                <a:pos x="connsiteX5" y="connsiteY5"/>
-              </a:cxn>
-              <a:cxn ang="0">
-                <a:pos x="connsiteX6" y="connsiteY6"/>
-              </a:cxn>
-              <a:cxn ang="0">
-                <a:pos x="connsiteX7" y="connsiteY7"/>
-              </a:cxn>
-            </a:cxnLst>
-            <a:rect l="l" t="t" r="r" b="b"/>
-            <a:pathLst>
-              <a:path w="5874328" h="2618934">
-                <a:moveTo>
-                  <a:pt x="0" y="665444"/>
-                </a:moveTo>
-                <a:cubicBezTo>
-                  <a:pt x="617682" y="293680"/>
-                  <a:pt x="1235364" y="-78084"/>
-                  <a:pt x="1468582" y="14280"/>
-                </a:cubicBezTo>
-                <a:cubicBezTo>
-                  <a:pt x="1701800" y="106644"/>
-                  <a:pt x="1062183" y="1041825"/>
-                  <a:pt x="1399310" y="1219625"/>
-                </a:cubicBezTo>
-                <a:cubicBezTo>
-                  <a:pt x="1736437" y="1397425"/>
-                  <a:pt x="3045692" y="986407"/>
-                  <a:pt x="3491346" y="1081080"/>
-                </a:cubicBezTo>
-                <a:cubicBezTo>
-                  <a:pt x="3937000" y="1175753"/>
-                  <a:pt x="3807692" y="1621408"/>
-                  <a:pt x="4073237" y="1787662"/>
-                </a:cubicBezTo>
-                <a:cubicBezTo>
-                  <a:pt x="4338782" y="1953916"/>
-                  <a:pt x="4802910" y="2002407"/>
-                  <a:pt x="5084619" y="2078607"/>
-                </a:cubicBezTo>
-                <a:cubicBezTo>
-                  <a:pt x="5366328" y="2154807"/>
-                  <a:pt x="5631873" y="2154807"/>
-                  <a:pt x="5763491" y="2244862"/>
-                </a:cubicBezTo>
-                <a:cubicBezTo>
-                  <a:pt x="5895109" y="2334917"/>
-                  <a:pt x="5832764" y="2605080"/>
-                  <a:pt x="5874328" y="2618934"/>
-                </a:cubicBezTo>
-              </a:path>
-            </a:pathLst>
-          </a:custGeom>
-          <a:ln w="69850">
-            <a:solidFill>
-              <a:srgbClr val="FF0000"/>
-            </a:solidFill>
-            <a:prstDash val="lgDash"/>
-            <a:tailEnd type="arrow"/>
-          </a:ln>
-        </p:spPr>
-        <p:style>
-          <a:lnRef idx="1">
-            <a:schemeClr val="accent1"/>
-          </a:lnRef>
-          <a:fillRef idx="0">
-            <a:schemeClr val="accent1"/>
-          </a:fillRef>
-          <a:effectRef idx="0">
-            <a:schemeClr val="accent1"/>
-          </a:effectRef>
-          <a:fontRef idx="minor">
-            <a:schemeClr val="tx1"/>
-          </a:fontRef>
-        </p:style>
-        <p:txBody>
-          <a:bodyPr rtlCol="0" anchor="ctr"/>
-          <a:lstStyle/>
-          <a:p>
-            <a:pPr algn="ctr"/>
-            <a:endParaRPr lang="nl-NL">
-              <a:solidFill>
-                <a:schemeClr val="tx1"/>
-              </a:solidFill>
-            </a:endParaRPr>
-          </a:p>
-        </p:txBody>
-      </p:sp>
-      <p:pic>
-        <p:nvPicPr>
-          <p:cNvPr id="19" name="Picture 18"/>
-          <p:cNvPicPr>
-            <a:picLocks noChangeAspect="1"/>
-          </p:cNvPicPr>
-          <p:nvPr>
-            <p:custDataLst>
-              <p:tags r:id="rId4"/>
-            </p:custDataLst>
-          </p:nvPr>
-        </p:nvPicPr>
-        <p:blipFill>
-          <a:blip r:embed="rId10">
-            <a:extLst>
-              <a:ext uri="{28A0092B-C50C-407E-A947-70E740481C1C}">
-                <a14:useLocalDpi xmlns:a14="http://schemas.microsoft.com/office/drawing/2010/main" val="0"/>
-              </a:ext>
-            </a:extLst>
-          </a:blip>
-          <a:stretch>
-            <a:fillRect/>
-          </a:stretch>
-        </p:blipFill>
-        <p:spPr>
-          <a:xfrm>
-            <a:off x="5862413" y="2958772"/>
-            <a:ext cx="1704781" cy="936189"/>
-          </a:xfrm>
-          <a:prstGeom prst="rect">
-            <a:avLst/>
-          </a:prstGeom>
-          <a:solidFill>
-            <a:schemeClr val="bg1">
-              <a:alpha val="65000"/>
-            </a:schemeClr>
-          </a:solidFill>
-        </p:spPr>
-      </p:pic>
-      <p:pic>
-        <p:nvPicPr>
-          <p:cNvPr id="20" name="Picture 19"/>
-          <p:cNvPicPr>
-            <a:picLocks noChangeAspect="1"/>
-          </p:cNvPicPr>
-          <p:nvPr>
-            <p:custDataLst>
-              <p:tags r:id="rId5"/>
-            </p:custDataLst>
-          </p:nvPr>
-        </p:nvPicPr>
-        <p:blipFill>
-          <a:blip r:embed="rId11">
-            <a:extLst>
-              <a:ext uri="{28A0092B-C50C-407E-A947-70E740481C1C}">
-                <a14:useLocalDpi xmlns:a14="http://schemas.microsoft.com/office/drawing/2010/main" val="0"/>
-              </a:ext>
-            </a:extLst>
-          </a:blip>
-          <a:stretch>
-            <a:fillRect/>
-          </a:stretch>
-        </p:blipFill>
-        <p:spPr>
-          <a:xfrm>
-            <a:off x="6012161" y="1749071"/>
-            <a:ext cx="1037775" cy="759944"/>
-          </a:xfrm>
-          <a:prstGeom prst="rect">
-            <a:avLst/>
-          </a:prstGeom>
-          <a:solidFill>
-            <a:schemeClr val="bg1">
-              <a:alpha val="65000"/>
-            </a:schemeClr>
-          </a:solidFill>
-        </p:spPr>
-      </p:pic>
-    </p:spTree>
-    <p:extLst>
-      <p:ext uri="{BB962C8B-B14F-4D97-AF65-F5344CB8AC3E}">
-        <p14:creationId xmlns:p14="http://schemas.microsoft.com/office/powerpoint/2010/main" val="3716983044"/>
-      </p:ext>
-    </p:extLst>
-  </p:cSld>
-  <p:clrMapOvr>
-    <a:masterClrMapping/>
-  </p:clrMapOvr>
   <p:timing>
     <p:tnLst>
       <p:par>
@@ -11967,6 +12006,708 @@
           <a:chExt cx="0" cy="0"/>
         </a:xfrm>
       </p:grpSpPr>
+      <p:grpSp>
+        <p:nvGrpSpPr>
+          <p:cNvPr id="2" name="Group 1"/>
+          <p:cNvGrpSpPr/>
+          <p:nvPr/>
+        </p:nvGrpSpPr>
+        <p:grpSpPr>
+          <a:xfrm>
+            <a:off x="2195735" y="271706"/>
+            <a:ext cx="5184577" cy="5112569"/>
+            <a:chOff x="1061162" y="1124744"/>
+            <a:chExt cx="1534576" cy="2512626"/>
+          </a:xfrm>
+        </p:grpSpPr>
+        <p:cxnSp>
+          <p:nvCxnSpPr>
+            <p:cNvPr id="3" name="Straight Arrow Connector 2"/>
+            <p:cNvCxnSpPr/>
+            <p:nvPr/>
+          </p:nvCxnSpPr>
+          <p:spPr>
+            <a:xfrm flipH="1">
+              <a:off x="1061162" y="2583042"/>
+              <a:ext cx="403194" cy="1054328"/>
+            </a:xfrm>
+            <a:prstGeom prst="straightConnector1">
+              <a:avLst/>
+            </a:prstGeom>
+            <a:ln w="38100">
+              <a:solidFill>
+                <a:schemeClr val="tx1"/>
+              </a:solidFill>
+              <a:prstDash val="solid"/>
+              <a:tailEnd type="triangle"/>
+            </a:ln>
+          </p:spPr>
+          <p:style>
+            <a:lnRef idx="1">
+              <a:schemeClr val="accent1"/>
+            </a:lnRef>
+            <a:fillRef idx="0">
+              <a:schemeClr val="accent1"/>
+            </a:fillRef>
+            <a:effectRef idx="0">
+              <a:schemeClr val="accent1"/>
+            </a:effectRef>
+            <a:fontRef idx="minor">
+              <a:schemeClr val="tx1"/>
+            </a:fontRef>
+          </p:style>
+        </p:cxnSp>
+        <p:cxnSp>
+          <p:nvCxnSpPr>
+            <p:cNvPr id="4" name="Straight Arrow Connector 3"/>
+            <p:cNvCxnSpPr/>
+            <p:nvPr/>
+          </p:nvCxnSpPr>
+          <p:spPr>
+            <a:xfrm flipV="1">
+              <a:off x="1472383" y="2583042"/>
+              <a:ext cx="1123355" cy="8296"/>
+            </a:xfrm>
+            <a:prstGeom prst="straightConnector1">
+              <a:avLst/>
+            </a:prstGeom>
+            <a:ln w="38100">
+              <a:solidFill>
+                <a:schemeClr val="tx1"/>
+              </a:solidFill>
+              <a:prstDash val="solid"/>
+              <a:tailEnd type="triangle"/>
+            </a:ln>
+          </p:spPr>
+          <p:style>
+            <a:lnRef idx="1">
+              <a:schemeClr val="accent1"/>
+            </a:lnRef>
+            <a:fillRef idx="0">
+              <a:schemeClr val="accent1"/>
+            </a:fillRef>
+            <a:effectRef idx="0">
+              <a:schemeClr val="accent1"/>
+            </a:effectRef>
+            <a:fontRef idx="minor">
+              <a:schemeClr val="tx1"/>
+            </a:fontRef>
+          </p:style>
+        </p:cxnSp>
+        <p:cxnSp>
+          <p:nvCxnSpPr>
+            <p:cNvPr id="5" name="Straight Arrow Connector 4"/>
+            <p:cNvCxnSpPr/>
+            <p:nvPr/>
+          </p:nvCxnSpPr>
+          <p:spPr>
+            <a:xfrm flipH="1" flipV="1">
+              <a:off x="1464356" y="1124744"/>
+              <a:ext cx="2187" cy="1444614"/>
+            </a:xfrm>
+            <a:prstGeom prst="straightConnector1">
+              <a:avLst/>
+            </a:prstGeom>
+            <a:ln w="38100">
+              <a:solidFill>
+                <a:schemeClr val="tx1"/>
+              </a:solidFill>
+              <a:prstDash val="solid"/>
+              <a:tailEnd type="triangle"/>
+            </a:ln>
+          </p:spPr>
+          <p:style>
+            <a:lnRef idx="1">
+              <a:schemeClr val="accent1"/>
+            </a:lnRef>
+            <a:fillRef idx="0">
+              <a:schemeClr val="accent1"/>
+            </a:fillRef>
+            <a:effectRef idx="0">
+              <a:schemeClr val="accent1"/>
+            </a:effectRef>
+            <a:fontRef idx="minor">
+              <a:schemeClr val="tx1"/>
+            </a:fontRef>
+          </p:style>
+        </p:cxnSp>
+      </p:grpSp>
+      <p:pic>
+        <p:nvPicPr>
+          <p:cNvPr id="8" name="Picture 7"/>
+          <p:cNvPicPr>
+            <a:picLocks noChangeAspect="1"/>
+          </p:cNvPicPr>
+          <p:nvPr>
+            <p:custDataLst>
+              <p:tags r:id="rId1"/>
+            </p:custDataLst>
+          </p:nvPr>
+        </p:nvPicPr>
+        <p:blipFill>
+          <a:blip r:embed="rId7">
+            <a:extLst>
+              <a:ext uri="{28A0092B-C50C-407E-A947-70E740481C1C}">
+                <a14:useLocalDpi xmlns:a14="http://schemas.microsoft.com/office/drawing/2010/main" val="0"/>
+              </a:ext>
+            </a:extLst>
+          </a:blip>
+          <a:stretch>
+            <a:fillRect/>
+          </a:stretch>
+        </p:blipFill>
+        <p:spPr>
+          <a:xfrm>
+            <a:off x="7150981" y="4963285"/>
+            <a:ext cx="832425" cy="841979"/>
+          </a:xfrm>
+          <a:prstGeom prst="rect">
+            <a:avLst/>
+          </a:prstGeom>
+        </p:spPr>
+      </p:pic>
+      <p:sp>
+        <p:nvSpPr>
+          <p:cNvPr id="9" name="Freeform 8"/>
+          <p:cNvSpPr/>
+          <p:nvPr/>
+        </p:nvSpPr>
+        <p:spPr>
+          <a:xfrm rot="19679300">
+            <a:off x="326179" y="523920"/>
+            <a:ext cx="4958649" cy="3334183"/>
+          </a:xfrm>
+          <a:custGeom>
+            <a:avLst/>
+            <a:gdLst>
+              <a:gd name="connsiteX0" fmla="*/ 0 w 5874328"/>
+              <a:gd name="connsiteY0" fmla="*/ 665444 h 2618934"/>
+              <a:gd name="connsiteX1" fmla="*/ 1468582 w 5874328"/>
+              <a:gd name="connsiteY1" fmla="*/ 14280 h 2618934"/>
+              <a:gd name="connsiteX2" fmla="*/ 1399310 w 5874328"/>
+              <a:gd name="connsiteY2" fmla="*/ 1219625 h 2618934"/>
+              <a:gd name="connsiteX3" fmla="*/ 3491346 w 5874328"/>
+              <a:gd name="connsiteY3" fmla="*/ 1081080 h 2618934"/>
+              <a:gd name="connsiteX4" fmla="*/ 4073237 w 5874328"/>
+              <a:gd name="connsiteY4" fmla="*/ 1787662 h 2618934"/>
+              <a:gd name="connsiteX5" fmla="*/ 5084619 w 5874328"/>
+              <a:gd name="connsiteY5" fmla="*/ 2078607 h 2618934"/>
+              <a:gd name="connsiteX6" fmla="*/ 5763491 w 5874328"/>
+              <a:gd name="connsiteY6" fmla="*/ 2244862 h 2618934"/>
+              <a:gd name="connsiteX7" fmla="*/ 5874328 w 5874328"/>
+              <a:gd name="connsiteY7" fmla="*/ 2618934 h 2618934"/>
+            </a:gdLst>
+            <a:ahLst/>
+            <a:cxnLst>
+              <a:cxn ang="0">
+                <a:pos x="connsiteX0" y="connsiteY0"/>
+              </a:cxn>
+              <a:cxn ang="0">
+                <a:pos x="connsiteX1" y="connsiteY1"/>
+              </a:cxn>
+              <a:cxn ang="0">
+                <a:pos x="connsiteX2" y="connsiteY2"/>
+              </a:cxn>
+              <a:cxn ang="0">
+                <a:pos x="connsiteX3" y="connsiteY3"/>
+              </a:cxn>
+              <a:cxn ang="0">
+                <a:pos x="connsiteX4" y="connsiteY4"/>
+              </a:cxn>
+              <a:cxn ang="0">
+                <a:pos x="connsiteX5" y="connsiteY5"/>
+              </a:cxn>
+              <a:cxn ang="0">
+                <a:pos x="connsiteX6" y="connsiteY6"/>
+              </a:cxn>
+              <a:cxn ang="0">
+                <a:pos x="connsiteX7" y="connsiteY7"/>
+              </a:cxn>
+            </a:cxnLst>
+            <a:rect l="l" t="t" r="r" b="b"/>
+            <a:pathLst>
+              <a:path w="5874328" h="2618934">
+                <a:moveTo>
+                  <a:pt x="0" y="665444"/>
+                </a:moveTo>
+                <a:cubicBezTo>
+                  <a:pt x="617682" y="293680"/>
+                  <a:pt x="1235364" y="-78084"/>
+                  <a:pt x="1468582" y="14280"/>
+                </a:cubicBezTo>
+                <a:cubicBezTo>
+                  <a:pt x="1701800" y="106644"/>
+                  <a:pt x="1062183" y="1041825"/>
+                  <a:pt x="1399310" y="1219625"/>
+                </a:cubicBezTo>
+                <a:cubicBezTo>
+                  <a:pt x="1736437" y="1397425"/>
+                  <a:pt x="3045692" y="986407"/>
+                  <a:pt x="3491346" y="1081080"/>
+                </a:cubicBezTo>
+                <a:cubicBezTo>
+                  <a:pt x="3937000" y="1175753"/>
+                  <a:pt x="3807692" y="1621408"/>
+                  <a:pt x="4073237" y="1787662"/>
+                </a:cubicBezTo>
+                <a:cubicBezTo>
+                  <a:pt x="4338782" y="1953916"/>
+                  <a:pt x="4802910" y="2002407"/>
+                  <a:pt x="5084619" y="2078607"/>
+                </a:cubicBezTo>
+                <a:cubicBezTo>
+                  <a:pt x="5366328" y="2154807"/>
+                  <a:pt x="5631873" y="2154807"/>
+                  <a:pt x="5763491" y="2244862"/>
+                </a:cubicBezTo>
+                <a:cubicBezTo>
+                  <a:pt x="5895109" y="2334917"/>
+                  <a:pt x="5832764" y="2605080"/>
+                  <a:pt x="5874328" y="2618934"/>
+                </a:cubicBezTo>
+              </a:path>
+            </a:pathLst>
+          </a:custGeom>
+          <a:ln w="69850">
+            <a:solidFill>
+              <a:srgbClr val="00ADFA"/>
+            </a:solidFill>
+            <a:tailEnd type="arrow"/>
+          </a:ln>
+        </p:spPr>
+        <p:style>
+          <a:lnRef idx="1">
+            <a:schemeClr val="accent1"/>
+          </a:lnRef>
+          <a:fillRef idx="0">
+            <a:schemeClr val="accent1"/>
+          </a:fillRef>
+          <a:effectRef idx="0">
+            <a:schemeClr val="accent1"/>
+          </a:effectRef>
+          <a:fontRef idx="minor">
+            <a:schemeClr val="tx1"/>
+          </a:fontRef>
+        </p:style>
+        <p:txBody>
+          <a:bodyPr rtlCol="0" anchor="ctr"/>
+          <a:lstStyle/>
+          <a:p>
+            <a:pPr algn="ctr"/>
+            <a:endParaRPr lang="nl-NL">
+              <a:solidFill>
+                <a:schemeClr val="tx1"/>
+              </a:solidFill>
+            </a:endParaRPr>
+          </a:p>
+        </p:txBody>
+      </p:sp>
+      <p:sp>
+        <p:nvSpPr>
+          <p:cNvPr id="11" name="Oval 10"/>
+          <p:cNvSpPr/>
+          <p:nvPr/>
+        </p:nvSpPr>
+        <p:spPr>
+          <a:xfrm rot="2015949">
+            <a:off x="5714528" y="2208325"/>
+            <a:ext cx="243027" cy="270725"/>
+          </a:xfrm>
+          <a:prstGeom prst="ellipse">
+            <a:avLst/>
+          </a:prstGeom>
+        </p:spPr>
+        <p:style>
+          <a:lnRef idx="1">
+            <a:schemeClr val="accent6"/>
+          </a:lnRef>
+          <a:fillRef idx="3">
+            <a:schemeClr val="accent6"/>
+          </a:fillRef>
+          <a:effectRef idx="2">
+            <a:schemeClr val="accent6"/>
+          </a:effectRef>
+          <a:fontRef idx="minor">
+            <a:schemeClr val="lt1"/>
+          </a:fontRef>
+        </p:style>
+        <p:txBody>
+          <a:bodyPr rtlCol="0" anchor="ctr"/>
+          <a:lstStyle/>
+          <a:p>
+            <a:pPr algn="ctr"/>
+            <a:endParaRPr lang="nl-NL"/>
+          </a:p>
+        </p:txBody>
+      </p:sp>
+      <p:sp>
+        <p:nvSpPr>
+          <p:cNvPr id="12" name="Oval 11"/>
+          <p:cNvSpPr/>
+          <p:nvPr/>
+        </p:nvSpPr>
+        <p:spPr>
+          <a:xfrm rot="2015949">
+            <a:off x="5568792" y="2890305"/>
+            <a:ext cx="243027" cy="270725"/>
+          </a:xfrm>
+          <a:prstGeom prst="ellipse">
+            <a:avLst/>
+          </a:prstGeom>
+        </p:spPr>
+        <p:style>
+          <a:lnRef idx="1">
+            <a:schemeClr val="accent6"/>
+          </a:lnRef>
+          <a:fillRef idx="3">
+            <a:schemeClr val="accent6"/>
+          </a:fillRef>
+          <a:effectRef idx="2">
+            <a:schemeClr val="accent6"/>
+          </a:effectRef>
+          <a:fontRef idx="minor">
+            <a:schemeClr val="lt1"/>
+          </a:fontRef>
+        </p:style>
+        <p:txBody>
+          <a:bodyPr rtlCol="0" anchor="ctr"/>
+          <a:lstStyle/>
+          <a:p>
+            <a:pPr algn="ctr"/>
+            <a:endParaRPr lang="nl-NL"/>
+          </a:p>
+        </p:txBody>
+      </p:sp>
+      <p:pic>
+        <p:nvPicPr>
+          <p:cNvPr id="15" name="Picture 14"/>
+          <p:cNvPicPr>
+            <a:picLocks noChangeAspect="1"/>
+          </p:cNvPicPr>
+          <p:nvPr>
+            <p:custDataLst>
+              <p:tags r:id="rId2"/>
+            </p:custDataLst>
+          </p:nvPr>
+        </p:nvPicPr>
+        <p:blipFill>
+          <a:blip r:embed="rId8">
+            <a:extLst>
+              <a:ext uri="{28A0092B-C50C-407E-A947-70E740481C1C}">
+                <a14:useLocalDpi xmlns:a14="http://schemas.microsoft.com/office/drawing/2010/main" val="0"/>
+              </a:ext>
+            </a:extLst>
+          </a:blip>
+          <a:stretch>
+            <a:fillRect/>
+          </a:stretch>
+        </p:blipFill>
+        <p:spPr>
+          <a:xfrm>
+            <a:off x="467545" y="3253364"/>
+            <a:ext cx="2793946" cy="1330781"/>
+          </a:xfrm>
+          <a:prstGeom prst="rect">
+            <a:avLst/>
+          </a:prstGeom>
+          <a:solidFill>
+            <a:schemeClr val="bg1">
+              <a:alpha val="65000"/>
+            </a:schemeClr>
+          </a:solidFill>
+        </p:spPr>
+      </p:pic>
+      <p:pic>
+        <p:nvPicPr>
+          <p:cNvPr id="16" name="Picture 15"/>
+          <p:cNvPicPr>
+            <a:picLocks noChangeAspect="1"/>
+          </p:cNvPicPr>
+          <p:nvPr>
+            <p:custDataLst>
+              <p:tags r:id="rId3"/>
+            </p:custDataLst>
+          </p:nvPr>
+        </p:nvPicPr>
+        <p:blipFill>
+          <a:blip r:embed="rId9">
+            <a:extLst>
+              <a:ext uri="{28A0092B-C50C-407E-A947-70E740481C1C}">
+                <a14:useLocalDpi xmlns:a14="http://schemas.microsoft.com/office/drawing/2010/main" val="0"/>
+              </a:ext>
+            </a:extLst>
+          </a:blip>
+          <a:stretch>
+            <a:fillRect/>
+          </a:stretch>
+        </p:blipFill>
+        <p:spPr>
+          <a:xfrm>
+            <a:off x="40283" y="75465"/>
+            <a:ext cx="2150666" cy="1282083"/>
+          </a:xfrm>
+          <a:prstGeom prst="rect">
+            <a:avLst/>
+          </a:prstGeom>
+          <a:solidFill>
+            <a:schemeClr val="bg1">
+              <a:alpha val="65000"/>
+            </a:schemeClr>
+          </a:solidFill>
+        </p:spPr>
+      </p:pic>
+      <p:sp>
+        <p:nvSpPr>
+          <p:cNvPr id="10" name="Freeform 9"/>
+          <p:cNvSpPr/>
+          <p:nvPr/>
+        </p:nvSpPr>
+        <p:spPr>
+          <a:xfrm rot="19557138">
+            <a:off x="255062" y="1564394"/>
+            <a:ext cx="4924764" cy="3063893"/>
+          </a:xfrm>
+          <a:custGeom>
+            <a:avLst/>
+            <a:gdLst>
+              <a:gd name="connsiteX0" fmla="*/ 0 w 5874328"/>
+              <a:gd name="connsiteY0" fmla="*/ 665444 h 2618934"/>
+              <a:gd name="connsiteX1" fmla="*/ 1468582 w 5874328"/>
+              <a:gd name="connsiteY1" fmla="*/ 14280 h 2618934"/>
+              <a:gd name="connsiteX2" fmla="*/ 1399310 w 5874328"/>
+              <a:gd name="connsiteY2" fmla="*/ 1219625 h 2618934"/>
+              <a:gd name="connsiteX3" fmla="*/ 3491346 w 5874328"/>
+              <a:gd name="connsiteY3" fmla="*/ 1081080 h 2618934"/>
+              <a:gd name="connsiteX4" fmla="*/ 4073237 w 5874328"/>
+              <a:gd name="connsiteY4" fmla="*/ 1787662 h 2618934"/>
+              <a:gd name="connsiteX5" fmla="*/ 5084619 w 5874328"/>
+              <a:gd name="connsiteY5" fmla="*/ 2078607 h 2618934"/>
+              <a:gd name="connsiteX6" fmla="*/ 5763491 w 5874328"/>
+              <a:gd name="connsiteY6" fmla="*/ 2244862 h 2618934"/>
+              <a:gd name="connsiteX7" fmla="*/ 5874328 w 5874328"/>
+              <a:gd name="connsiteY7" fmla="*/ 2618934 h 2618934"/>
+            </a:gdLst>
+            <a:ahLst/>
+            <a:cxnLst>
+              <a:cxn ang="0">
+                <a:pos x="connsiteX0" y="connsiteY0"/>
+              </a:cxn>
+              <a:cxn ang="0">
+                <a:pos x="connsiteX1" y="connsiteY1"/>
+              </a:cxn>
+              <a:cxn ang="0">
+                <a:pos x="connsiteX2" y="connsiteY2"/>
+              </a:cxn>
+              <a:cxn ang="0">
+                <a:pos x="connsiteX3" y="connsiteY3"/>
+              </a:cxn>
+              <a:cxn ang="0">
+                <a:pos x="connsiteX4" y="connsiteY4"/>
+              </a:cxn>
+              <a:cxn ang="0">
+                <a:pos x="connsiteX5" y="connsiteY5"/>
+              </a:cxn>
+              <a:cxn ang="0">
+                <a:pos x="connsiteX6" y="connsiteY6"/>
+              </a:cxn>
+              <a:cxn ang="0">
+                <a:pos x="connsiteX7" y="connsiteY7"/>
+              </a:cxn>
+            </a:cxnLst>
+            <a:rect l="l" t="t" r="r" b="b"/>
+            <a:pathLst>
+              <a:path w="5874328" h="2618934">
+                <a:moveTo>
+                  <a:pt x="0" y="665444"/>
+                </a:moveTo>
+                <a:cubicBezTo>
+                  <a:pt x="617682" y="293680"/>
+                  <a:pt x="1235364" y="-78084"/>
+                  <a:pt x="1468582" y="14280"/>
+                </a:cubicBezTo>
+                <a:cubicBezTo>
+                  <a:pt x="1701800" y="106644"/>
+                  <a:pt x="1062183" y="1041825"/>
+                  <a:pt x="1399310" y="1219625"/>
+                </a:cubicBezTo>
+                <a:cubicBezTo>
+                  <a:pt x="1736437" y="1397425"/>
+                  <a:pt x="3045692" y="986407"/>
+                  <a:pt x="3491346" y="1081080"/>
+                </a:cubicBezTo>
+                <a:cubicBezTo>
+                  <a:pt x="3937000" y="1175753"/>
+                  <a:pt x="3807692" y="1621408"/>
+                  <a:pt x="4073237" y="1787662"/>
+                </a:cubicBezTo>
+                <a:cubicBezTo>
+                  <a:pt x="4338782" y="1953916"/>
+                  <a:pt x="4802910" y="2002407"/>
+                  <a:pt x="5084619" y="2078607"/>
+                </a:cubicBezTo>
+                <a:cubicBezTo>
+                  <a:pt x="5366328" y="2154807"/>
+                  <a:pt x="5631873" y="2154807"/>
+                  <a:pt x="5763491" y="2244862"/>
+                </a:cubicBezTo>
+                <a:cubicBezTo>
+                  <a:pt x="5895109" y="2334917"/>
+                  <a:pt x="5832764" y="2605080"/>
+                  <a:pt x="5874328" y="2618934"/>
+                </a:cubicBezTo>
+              </a:path>
+            </a:pathLst>
+          </a:custGeom>
+          <a:ln w="69850">
+            <a:solidFill>
+              <a:srgbClr val="FF0000"/>
+            </a:solidFill>
+            <a:prstDash val="lgDash"/>
+            <a:tailEnd type="arrow"/>
+          </a:ln>
+        </p:spPr>
+        <p:style>
+          <a:lnRef idx="1">
+            <a:schemeClr val="accent1"/>
+          </a:lnRef>
+          <a:fillRef idx="0">
+            <a:schemeClr val="accent1"/>
+          </a:fillRef>
+          <a:effectRef idx="0">
+            <a:schemeClr val="accent1"/>
+          </a:effectRef>
+          <a:fontRef idx="minor">
+            <a:schemeClr val="tx1"/>
+          </a:fontRef>
+        </p:style>
+        <p:txBody>
+          <a:bodyPr rtlCol="0" anchor="ctr"/>
+          <a:lstStyle/>
+          <a:p>
+            <a:pPr algn="ctr"/>
+            <a:endParaRPr lang="nl-NL">
+              <a:solidFill>
+                <a:schemeClr val="tx1"/>
+              </a:solidFill>
+            </a:endParaRPr>
+          </a:p>
+        </p:txBody>
+      </p:sp>
+      <p:pic>
+        <p:nvPicPr>
+          <p:cNvPr id="19" name="Picture 18"/>
+          <p:cNvPicPr>
+            <a:picLocks noChangeAspect="1"/>
+          </p:cNvPicPr>
+          <p:nvPr>
+            <p:custDataLst>
+              <p:tags r:id="rId4"/>
+            </p:custDataLst>
+          </p:nvPr>
+        </p:nvPicPr>
+        <p:blipFill>
+          <a:blip r:embed="rId10">
+            <a:extLst>
+              <a:ext uri="{28A0092B-C50C-407E-A947-70E740481C1C}">
+                <a14:useLocalDpi xmlns:a14="http://schemas.microsoft.com/office/drawing/2010/main" val="0"/>
+              </a:ext>
+            </a:extLst>
+          </a:blip>
+          <a:stretch>
+            <a:fillRect/>
+          </a:stretch>
+        </p:blipFill>
+        <p:spPr>
+          <a:xfrm>
+            <a:off x="5862413" y="2958772"/>
+            <a:ext cx="1704781" cy="936189"/>
+          </a:xfrm>
+          <a:prstGeom prst="rect">
+            <a:avLst/>
+          </a:prstGeom>
+          <a:solidFill>
+            <a:schemeClr val="bg1">
+              <a:alpha val="65000"/>
+            </a:schemeClr>
+          </a:solidFill>
+        </p:spPr>
+      </p:pic>
+      <p:pic>
+        <p:nvPicPr>
+          <p:cNvPr id="20" name="Picture 19"/>
+          <p:cNvPicPr>
+            <a:picLocks noChangeAspect="1"/>
+          </p:cNvPicPr>
+          <p:nvPr>
+            <p:custDataLst>
+              <p:tags r:id="rId5"/>
+            </p:custDataLst>
+          </p:nvPr>
+        </p:nvPicPr>
+        <p:blipFill>
+          <a:blip r:embed="rId11">
+            <a:extLst>
+              <a:ext uri="{28A0092B-C50C-407E-A947-70E740481C1C}">
+                <a14:useLocalDpi xmlns:a14="http://schemas.microsoft.com/office/drawing/2010/main" val="0"/>
+              </a:ext>
+            </a:extLst>
+          </a:blip>
+          <a:stretch>
+            <a:fillRect/>
+          </a:stretch>
+        </p:blipFill>
+        <p:spPr>
+          <a:xfrm>
+            <a:off x="6012161" y="1749071"/>
+            <a:ext cx="1037775" cy="759944"/>
+          </a:xfrm>
+          <a:prstGeom prst="rect">
+            <a:avLst/>
+          </a:prstGeom>
+          <a:solidFill>
+            <a:schemeClr val="bg1">
+              <a:alpha val="65000"/>
+            </a:schemeClr>
+          </a:solidFill>
+        </p:spPr>
+      </p:pic>
+    </p:spTree>
+    <p:extLst>
+      <p:ext uri="{BB962C8B-B14F-4D97-AF65-F5344CB8AC3E}">
+        <p14:creationId xmlns:p14="http://schemas.microsoft.com/office/powerpoint/2010/main" val="3716983044"/>
+      </p:ext>
+    </p:extLst>
+  </p:cSld>
+  <p:clrMapOvr>
+    <a:masterClrMapping/>
+  </p:clrMapOvr>
+  <p:timing>
+    <p:tnLst>
+      <p:par>
+        <p:cTn id="1" dur="indefinite" restart="never" nodeType="tmRoot"/>
+      </p:par>
+    </p:tnLst>
+  </p:timing>
+</p:sld>
+</file>
+
+<file path=ppt/slides/slide21.xml><?xml version="1.0" encoding="utf-8"?>
+<p:sld xmlns:a="http://schemas.openxmlformats.org/drawingml/2006/main" xmlns:r="http://schemas.openxmlformats.org/officeDocument/2006/relationships" xmlns:p="http://schemas.openxmlformats.org/presentationml/2006/main">
+  <p:cSld>
+    <p:spTree>
+      <p:nvGrpSpPr>
+        <p:cNvPr id="1" name=""/>
+        <p:cNvGrpSpPr/>
+        <p:nvPr/>
+      </p:nvGrpSpPr>
+      <p:grpSpPr>
+        <a:xfrm>
+          <a:off x="0" y="0"/>
+          <a:ext cx="0" cy="0"/>
+          <a:chOff x="0" y="0"/>
+          <a:chExt cx="0" cy="0"/>
+        </a:xfrm>
+      </p:grpSpPr>
       <p:pic>
         <p:nvPicPr>
           <p:cNvPr id="3" name="Picture 4" descr="Afbeeldingsresultaat voor curved grid"/>
@@ -12060,7 +12801,7 @@
 </p:sld>
 </file>
 
-<file path=ppt/slides/slide21.xml><?xml version="1.0" encoding="utf-8"?>
+<file path=ppt/slides/slide22.xml><?xml version="1.0" encoding="utf-8"?>
 <p:sld xmlns:a="http://schemas.openxmlformats.org/drawingml/2006/main" xmlns:r="http://schemas.openxmlformats.org/officeDocument/2006/relationships" xmlns:p="http://schemas.openxmlformats.org/presentationml/2006/main">
   <p:cSld>
     <p:spTree>
@@ -12503,7 +13244,7 @@
 </p:sld>
 </file>
 
-<file path=ppt/slides/slide22.xml><?xml version="1.0" encoding="utf-8"?>
+<file path=ppt/slides/slide23.xml><?xml version="1.0" encoding="utf-8"?>
 <p:sld xmlns:a="http://schemas.openxmlformats.org/drawingml/2006/main" xmlns:r="http://schemas.openxmlformats.org/officeDocument/2006/relationships" xmlns:p="http://schemas.openxmlformats.org/presentationml/2006/main">
   <p:cSld>
     <p:spTree>
@@ -13023,7 +13764,7 @@
 </p:sld>
 </file>
 
-<file path=ppt/slides/slide23.xml><?xml version="1.0" encoding="utf-8"?>
+<file path=ppt/slides/slide24.xml><?xml version="1.0" encoding="utf-8"?>
 <p:sld xmlns:a="http://schemas.openxmlformats.org/drawingml/2006/main" xmlns:r="http://schemas.openxmlformats.org/officeDocument/2006/relationships" xmlns:p="http://schemas.openxmlformats.org/presentationml/2006/main">
   <p:cSld>
     <p:spTree>
@@ -13494,7 +14235,7 @@
 </p:sld>
 </file>
 
-<file path=ppt/slides/slide24.xml><?xml version="1.0" encoding="utf-8"?>
+<file path=ppt/slides/slide25.xml><?xml version="1.0" encoding="utf-8"?>
 <p:sld xmlns:a="http://schemas.openxmlformats.org/drawingml/2006/main" xmlns:r="http://schemas.openxmlformats.org/officeDocument/2006/relationships" xmlns:p="http://schemas.openxmlformats.org/presentationml/2006/main">
   <p:cSld>
     <p:spTree>
@@ -13633,7 +14374,7 @@
 </p:sld>
 </file>
 
-<file path=ppt/slides/slide25.xml><?xml version="1.0" encoding="utf-8"?>
+<file path=ppt/slides/slide26.xml><?xml version="1.0" encoding="utf-8"?>
 <p:sld xmlns:a="http://schemas.openxmlformats.org/drawingml/2006/main" xmlns:r="http://schemas.openxmlformats.org/officeDocument/2006/relationships" xmlns:p="http://schemas.openxmlformats.org/presentationml/2006/main">
   <p:cSld>
     <p:spTree>
@@ -14470,7 +15211,7 @@
 </p:sld>
 </file>
 
-<file path=ppt/slides/slide26.xml><?xml version="1.0" encoding="utf-8"?>
+<file path=ppt/slides/slide27.xml><?xml version="1.0" encoding="utf-8"?>
 <p:sld xmlns:a="http://schemas.openxmlformats.org/drawingml/2006/main" xmlns:r="http://schemas.openxmlformats.org/officeDocument/2006/relationships" xmlns:p="http://schemas.openxmlformats.org/presentationml/2006/main">
   <p:cSld>
     <p:spTree>
@@ -14580,7 +15321,7 @@
 </p:sld>
 </file>
 
-<file path=ppt/slides/slide27.xml><?xml version="1.0" encoding="utf-8"?>
+<file path=ppt/slides/slide28.xml><?xml version="1.0" encoding="utf-8"?>
 <p:sld xmlns:a="http://schemas.openxmlformats.org/drawingml/2006/main" xmlns:r="http://schemas.openxmlformats.org/officeDocument/2006/relationships" xmlns:p="http://schemas.openxmlformats.org/presentationml/2006/main">
   <p:cSld>
     <p:spTree>
@@ -15565,7 +16306,7 @@
 </p:sld>
 </file>
 
-<file path=ppt/slides/slide28.xml><?xml version="1.0" encoding="utf-8"?>
+<file path=ppt/slides/slide29.xml><?xml version="1.0" encoding="utf-8"?>
 <p:sld xmlns:a="http://schemas.openxmlformats.org/drawingml/2006/main" xmlns:r="http://schemas.openxmlformats.org/officeDocument/2006/relationships" xmlns:p="http://schemas.openxmlformats.org/presentationml/2006/main">
   <p:cSld>
     <p:spTree>
@@ -16543,7 +17284,1197 @@
 </p:sld>
 </file>
 
-<file path=ppt/slides/slide29.xml><?xml version="1.0" encoding="utf-8"?>
+<file path=ppt/slides/slide3.xml><?xml version="1.0" encoding="utf-8"?>
+<p:sld xmlns:a="http://schemas.openxmlformats.org/drawingml/2006/main" xmlns:r="http://schemas.openxmlformats.org/officeDocument/2006/relationships" xmlns:p="http://schemas.openxmlformats.org/presentationml/2006/main">
+  <p:cSld>
+    <p:spTree>
+      <p:nvGrpSpPr>
+        <p:cNvPr id="1" name=""/>
+        <p:cNvGrpSpPr/>
+        <p:nvPr/>
+      </p:nvGrpSpPr>
+      <p:grpSpPr>
+        <a:xfrm>
+          <a:off x="0" y="0"/>
+          <a:ext cx="0" cy="0"/>
+          <a:chOff x="0" y="0"/>
+          <a:chExt cx="0" cy="0"/>
+        </a:xfrm>
+      </p:grpSpPr>
+      <p:cxnSp>
+        <p:nvCxnSpPr>
+          <p:cNvPr id="38" name="Straight Connector 37"/>
+          <p:cNvCxnSpPr/>
+          <p:nvPr/>
+        </p:nvCxnSpPr>
+        <p:spPr>
+          <a:xfrm flipV="1">
+            <a:off x="1008000" y="4797152"/>
+            <a:ext cx="3737592" cy="1121440"/>
+          </a:xfrm>
+          <a:prstGeom prst="line">
+            <a:avLst/>
+          </a:prstGeom>
+          <a:ln w="76200">
+            <a:solidFill>
+              <a:schemeClr val="bg1">
+                <a:lumMod val="75000"/>
+              </a:schemeClr>
+            </a:solidFill>
+          </a:ln>
+        </p:spPr>
+        <p:style>
+          <a:lnRef idx="1">
+            <a:schemeClr val="dk1"/>
+          </a:lnRef>
+          <a:fillRef idx="0">
+            <a:schemeClr val="dk1"/>
+          </a:fillRef>
+          <a:effectRef idx="0">
+            <a:schemeClr val="dk1"/>
+          </a:effectRef>
+          <a:fontRef idx="minor">
+            <a:schemeClr val="tx1"/>
+          </a:fontRef>
+        </p:style>
+      </p:cxnSp>
+      <p:cxnSp>
+        <p:nvCxnSpPr>
+          <p:cNvPr id="39" name="Straight Connector 38"/>
+          <p:cNvCxnSpPr/>
+          <p:nvPr/>
+        </p:nvCxnSpPr>
+        <p:spPr>
+          <a:xfrm flipV="1">
+            <a:off x="4716016" y="1292922"/>
+            <a:ext cx="3315932" cy="3504230"/>
+          </a:xfrm>
+          <a:prstGeom prst="line">
+            <a:avLst/>
+          </a:prstGeom>
+          <a:ln w="76200">
+            <a:solidFill>
+              <a:schemeClr val="bg1">
+                <a:lumMod val="75000"/>
+              </a:schemeClr>
+            </a:solidFill>
+          </a:ln>
+        </p:spPr>
+        <p:style>
+          <a:lnRef idx="1">
+            <a:schemeClr val="dk1"/>
+          </a:lnRef>
+          <a:fillRef idx="0">
+            <a:schemeClr val="dk1"/>
+          </a:fillRef>
+          <a:effectRef idx="0">
+            <a:schemeClr val="dk1"/>
+          </a:effectRef>
+          <a:fontRef idx="minor">
+            <a:schemeClr val="tx1"/>
+          </a:fontRef>
+        </p:style>
+      </p:cxnSp>
+      <p:sp>
+        <p:nvSpPr>
+          <p:cNvPr id="40" name="Oval 39"/>
+          <p:cNvSpPr/>
+          <p:nvPr/>
+        </p:nvSpPr>
+        <p:spPr>
+          <a:xfrm>
+            <a:off x="4524155" y="4656105"/>
+            <a:ext cx="294517" cy="282093"/>
+          </a:xfrm>
+          <a:prstGeom prst="ellipse">
+            <a:avLst/>
+          </a:prstGeom>
+          <a:solidFill>
+            <a:schemeClr val="bg1">
+              <a:lumMod val="50000"/>
+            </a:schemeClr>
+          </a:solidFill>
+          <a:ln>
+            <a:solidFill>
+              <a:schemeClr val="bg1">
+                <a:lumMod val="75000"/>
+              </a:schemeClr>
+            </a:solidFill>
+          </a:ln>
+        </p:spPr>
+        <p:style>
+          <a:lnRef idx="2">
+            <a:schemeClr val="dk1">
+              <a:shade val="50000"/>
+            </a:schemeClr>
+          </a:lnRef>
+          <a:fillRef idx="1">
+            <a:schemeClr val="dk1"/>
+          </a:fillRef>
+          <a:effectRef idx="0">
+            <a:schemeClr val="dk1"/>
+          </a:effectRef>
+          <a:fontRef idx="minor">
+            <a:schemeClr val="lt1"/>
+          </a:fontRef>
+        </p:style>
+        <p:txBody>
+          <a:bodyPr rtlCol="0" anchor="ctr"/>
+          <a:lstStyle/>
+          <a:p>
+            <a:pPr algn="ctr"/>
+            <a:endParaRPr lang="nl-NL"/>
+          </a:p>
+        </p:txBody>
+      </p:sp>
+      <p:cxnSp>
+        <p:nvCxnSpPr>
+          <p:cNvPr id="6" name="Straight Connector 5"/>
+          <p:cNvCxnSpPr/>
+          <p:nvPr/>
+        </p:nvCxnSpPr>
+        <p:spPr>
+          <a:xfrm flipV="1">
+            <a:off x="999346" y="2909600"/>
+            <a:ext cx="2418509" cy="3008992"/>
+          </a:xfrm>
+          <a:prstGeom prst="line">
+            <a:avLst/>
+          </a:prstGeom>
+          <a:ln w="76200"/>
+        </p:spPr>
+        <p:style>
+          <a:lnRef idx="1">
+            <a:schemeClr val="dk1"/>
+          </a:lnRef>
+          <a:fillRef idx="0">
+            <a:schemeClr val="dk1"/>
+          </a:fillRef>
+          <a:effectRef idx="0">
+            <a:schemeClr val="dk1"/>
+          </a:effectRef>
+          <a:fontRef idx="minor">
+            <a:schemeClr val="tx1"/>
+          </a:fontRef>
+        </p:style>
+      </p:cxnSp>
+      <p:cxnSp>
+        <p:nvCxnSpPr>
+          <p:cNvPr id="8" name="Straight Connector 7"/>
+          <p:cNvCxnSpPr/>
+          <p:nvPr/>
+        </p:nvCxnSpPr>
+        <p:spPr>
+          <a:xfrm flipV="1">
+            <a:off x="3417855" y="1311073"/>
+            <a:ext cx="4614093" cy="1598527"/>
+          </a:xfrm>
+          <a:prstGeom prst="line">
+            <a:avLst/>
+          </a:prstGeom>
+          <a:ln w="76200"/>
+        </p:spPr>
+        <p:style>
+          <a:lnRef idx="1">
+            <a:schemeClr val="dk1"/>
+          </a:lnRef>
+          <a:fillRef idx="0">
+            <a:schemeClr val="dk1"/>
+          </a:fillRef>
+          <a:effectRef idx="0">
+            <a:schemeClr val="dk1"/>
+          </a:effectRef>
+          <a:fontRef idx="minor">
+            <a:schemeClr val="tx1"/>
+          </a:fontRef>
+        </p:style>
+      </p:cxnSp>
+      <p:sp>
+        <p:nvSpPr>
+          <p:cNvPr id="15" name="Oval 14"/>
+          <p:cNvSpPr/>
+          <p:nvPr/>
+        </p:nvSpPr>
+        <p:spPr>
+          <a:xfrm>
+            <a:off x="852088" y="5777546"/>
+            <a:ext cx="294517" cy="282093"/>
+          </a:xfrm>
+          <a:prstGeom prst="ellipse">
+            <a:avLst/>
+          </a:prstGeom>
+        </p:spPr>
+        <p:style>
+          <a:lnRef idx="2">
+            <a:schemeClr val="dk1">
+              <a:shade val="50000"/>
+            </a:schemeClr>
+          </a:lnRef>
+          <a:fillRef idx="1">
+            <a:schemeClr val="dk1"/>
+          </a:fillRef>
+          <a:effectRef idx="0">
+            <a:schemeClr val="dk1"/>
+          </a:effectRef>
+          <a:fontRef idx="minor">
+            <a:schemeClr val="lt1"/>
+          </a:fontRef>
+        </p:style>
+        <p:txBody>
+          <a:bodyPr rtlCol="0" anchor="ctr"/>
+          <a:lstStyle/>
+          <a:p>
+            <a:pPr algn="ctr"/>
+            <a:endParaRPr lang="nl-NL"/>
+          </a:p>
+        </p:txBody>
+      </p:sp>
+      <p:sp>
+        <p:nvSpPr>
+          <p:cNvPr id="16" name="Oval 15"/>
+          <p:cNvSpPr/>
+          <p:nvPr/>
+        </p:nvSpPr>
+        <p:spPr>
+          <a:xfrm>
+            <a:off x="3270597" y="2768554"/>
+            <a:ext cx="294517" cy="282093"/>
+          </a:xfrm>
+          <a:prstGeom prst="ellipse">
+            <a:avLst/>
+          </a:prstGeom>
+        </p:spPr>
+        <p:style>
+          <a:lnRef idx="2">
+            <a:schemeClr val="dk1">
+              <a:shade val="50000"/>
+            </a:schemeClr>
+          </a:lnRef>
+          <a:fillRef idx="1">
+            <a:schemeClr val="dk1"/>
+          </a:fillRef>
+          <a:effectRef idx="0">
+            <a:schemeClr val="dk1"/>
+          </a:effectRef>
+          <a:fontRef idx="minor">
+            <a:schemeClr val="lt1"/>
+          </a:fontRef>
+        </p:style>
+        <p:txBody>
+          <a:bodyPr rtlCol="0" anchor="ctr"/>
+          <a:lstStyle/>
+          <a:p>
+            <a:pPr algn="ctr"/>
+            <a:endParaRPr lang="nl-NL"/>
+          </a:p>
+        </p:txBody>
+      </p:sp>
+      <mc:AlternateContent xmlns:mc="http://schemas.openxmlformats.org/markup-compatibility/2006" xmlns:a14="http://schemas.microsoft.com/office/drawing/2010/main">
+        <mc:Choice Requires="a14">
+          <p:sp>
+            <p:nvSpPr>
+              <p:cNvPr id="34" name="TextBox 33"/>
+              <p:cNvSpPr txBox="1"/>
+              <p:nvPr/>
+            </p:nvSpPr>
+            <p:spPr>
+              <a:xfrm>
+                <a:off x="8028384" y="5661248"/>
+                <a:ext cx="1008112" cy="1107996"/>
+              </a:xfrm>
+              <a:prstGeom prst="rect">
+                <a:avLst/>
+              </a:prstGeom>
+              <a:noFill/>
+            </p:spPr>
+            <p:txBody>
+              <a:bodyPr wrap="square" rtlCol="0">
+                <a:spAutoFit/>
+              </a:bodyPr>
+              <a:lstStyle/>
+              <a:p>
+                <a:pPr/>
+                <a14:m>
+                  <m:oMathPara xmlns:m="http://schemas.openxmlformats.org/officeDocument/2006/math">
+                    <m:oMathParaPr>
+                      <m:jc m:val="centerGroup"/>
+                    </m:oMathParaPr>
+                    <m:oMath xmlns:m="http://schemas.openxmlformats.org/officeDocument/2006/math">
+                      <m:r>
+                        <a:rPr lang="nl-NL" sz="6600" b="0" i="1" smtClean="0">
+                          <a:latin typeface="Cambria Math"/>
+                        </a:rPr>
+                        <m:t>𝑥</m:t>
+                      </m:r>
+                    </m:oMath>
+                  </m:oMathPara>
+                </a14:m>
+                <a:endParaRPr lang="nl-NL" sz="4800" dirty="0"/>
+              </a:p>
+            </p:txBody>
+          </p:sp>
+        </mc:Choice>
+        <mc:Fallback xmlns="">
+          <p:sp>
+            <p:nvSpPr>
+              <p:cNvPr id="34" name="TextBox 33"/>
+              <p:cNvSpPr txBox="1">
+                <a:spLocks noRot="1" noChangeAspect="1" noMove="1" noResize="1" noEditPoints="1" noAdjustHandles="1" noChangeArrowheads="1" noChangeShapeType="1" noTextEdit="1"/>
+              </p:cNvSpPr>
+              <p:nvPr/>
+            </p:nvSpPr>
+            <p:spPr>
+              <a:xfrm>
+                <a:off x="8028384" y="5661248"/>
+                <a:ext cx="1008112" cy="1107996"/>
+              </a:xfrm>
+              <a:prstGeom prst="rect">
+                <a:avLst/>
+              </a:prstGeom>
+              <a:blipFill rotWithShape="1">
+                <a:blip r:embed="rId2"/>
+                <a:stretch>
+                  <a:fillRect/>
+                </a:stretch>
+              </a:blipFill>
+            </p:spPr>
+            <p:txBody>
+              <a:bodyPr/>
+              <a:lstStyle/>
+              <a:p>
+                <a:r>
+                  <a:rPr lang="nl-NL">
+                    <a:noFill/>
+                  </a:rPr>
+                  <a:t> </a:t>
+                </a:r>
+              </a:p>
+            </p:txBody>
+          </p:sp>
+        </mc:Fallback>
+      </mc:AlternateContent>
+      <mc:AlternateContent xmlns:mc="http://schemas.openxmlformats.org/markup-compatibility/2006" xmlns:a14="http://schemas.microsoft.com/office/drawing/2010/main">
+        <mc:Choice Requires="a14">
+          <p:sp>
+            <p:nvSpPr>
+              <p:cNvPr id="35" name="TextBox 34"/>
+              <p:cNvSpPr txBox="1"/>
+              <p:nvPr/>
+            </p:nvSpPr>
+            <p:spPr>
+              <a:xfrm>
+                <a:off x="48468" y="989605"/>
+                <a:ext cx="1008112" cy="830997"/>
+              </a:xfrm>
+              <a:prstGeom prst="rect">
+                <a:avLst/>
+              </a:prstGeom>
+              <a:noFill/>
+            </p:spPr>
+            <p:txBody>
+              <a:bodyPr wrap="square" rtlCol="0">
+                <a:spAutoFit/>
+              </a:bodyPr>
+              <a:lstStyle/>
+              <a:p>
+                <a:pPr/>
+                <a14:m>
+                  <m:oMathPara xmlns:m="http://schemas.openxmlformats.org/officeDocument/2006/math">
+                    <m:oMathParaPr>
+                      <m:jc m:val="centerGroup"/>
+                    </m:oMathParaPr>
+                    <m:oMath xmlns:m="http://schemas.openxmlformats.org/officeDocument/2006/math">
+                      <m:r>
+                        <a:rPr lang="nl-NL" sz="4800" b="0" i="1" smtClean="0">
+                          <a:latin typeface="Cambria Math"/>
+                        </a:rPr>
+                        <m:t>𝑦</m:t>
+                      </m:r>
+                    </m:oMath>
+                  </m:oMathPara>
+                </a14:m>
+                <a:endParaRPr lang="nl-NL" sz="4800" dirty="0"/>
+              </a:p>
+            </p:txBody>
+          </p:sp>
+        </mc:Choice>
+        <mc:Fallback xmlns="">
+          <p:sp>
+            <p:nvSpPr>
+              <p:cNvPr id="35" name="TextBox 34"/>
+              <p:cNvSpPr txBox="1">
+                <a:spLocks noRot="1" noChangeAspect="1" noMove="1" noResize="1" noEditPoints="1" noAdjustHandles="1" noChangeArrowheads="1" noChangeShapeType="1" noTextEdit="1"/>
+              </p:cNvSpPr>
+              <p:nvPr/>
+            </p:nvSpPr>
+            <p:spPr>
+              <a:xfrm>
+                <a:off x="48468" y="989605"/>
+                <a:ext cx="1008112" cy="830997"/>
+              </a:xfrm>
+              <a:prstGeom prst="rect">
+                <a:avLst/>
+              </a:prstGeom>
+              <a:blipFill rotWithShape="1">
+                <a:blip r:embed="rId3"/>
+                <a:stretch>
+                  <a:fillRect/>
+                </a:stretch>
+              </a:blipFill>
+            </p:spPr>
+            <p:txBody>
+              <a:bodyPr/>
+              <a:lstStyle/>
+              <a:p>
+                <a:r>
+                  <a:rPr lang="nl-NL">
+                    <a:noFill/>
+                  </a:rPr>
+                  <a:t> </a:t>
+                </a:r>
+              </a:p>
+            </p:txBody>
+          </p:sp>
+        </mc:Fallback>
+      </mc:AlternateContent>
+      <p:sp>
+        <p:nvSpPr>
+          <p:cNvPr id="13" name="Oval 12"/>
+          <p:cNvSpPr/>
+          <p:nvPr/>
+        </p:nvSpPr>
+        <p:spPr>
+          <a:xfrm>
+            <a:off x="7884689" y="1152749"/>
+            <a:ext cx="294517" cy="282093"/>
+          </a:xfrm>
+          <a:prstGeom prst="ellipse">
+            <a:avLst/>
+          </a:prstGeom>
+        </p:spPr>
+        <p:style>
+          <a:lnRef idx="2">
+            <a:schemeClr val="dk1">
+              <a:shade val="50000"/>
+            </a:schemeClr>
+          </a:lnRef>
+          <a:fillRef idx="1">
+            <a:schemeClr val="dk1"/>
+          </a:fillRef>
+          <a:effectRef idx="0">
+            <a:schemeClr val="dk1"/>
+          </a:effectRef>
+          <a:fontRef idx="minor">
+            <a:schemeClr val="lt1"/>
+          </a:fontRef>
+        </p:style>
+        <p:txBody>
+          <a:bodyPr rtlCol="0" anchor="ctr"/>
+          <a:lstStyle/>
+          <a:p>
+            <a:pPr algn="ctr"/>
+            <a:endParaRPr lang="nl-NL"/>
+          </a:p>
+        </p:txBody>
+      </p:sp>
+      <p:cxnSp>
+        <p:nvCxnSpPr>
+          <p:cNvPr id="5" name="Straight Arrow Connector 4"/>
+          <p:cNvCxnSpPr/>
+          <p:nvPr/>
+        </p:nvCxnSpPr>
+        <p:spPr>
+          <a:xfrm flipV="1">
+            <a:off x="1008579" y="764704"/>
+            <a:ext cx="0" cy="5153889"/>
+          </a:xfrm>
+          <a:prstGeom prst="straightConnector1">
+            <a:avLst/>
+          </a:prstGeom>
+          <a:ln w="38100">
+            <a:solidFill>
+              <a:schemeClr val="tx1"/>
+            </a:solidFill>
+            <a:tailEnd type="arrow"/>
+          </a:ln>
+        </p:spPr>
+        <p:style>
+          <a:lnRef idx="1">
+            <a:schemeClr val="accent1"/>
+          </a:lnRef>
+          <a:fillRef idx="0">
+            <a:schemeClr val="accent1"/>
+          </a:fillRef>
+          <a:effectRef idx="0">
+            <a:schemeClr val="accent1"/>
+          </a:effectRef>
+          <a:fontRef idx="minor">
+            <a:schemeClr val="tx1"/>
+          </a:fontRef>
+        </p:style>
+      </p:cxnSp>
+      <p:cxnSp>
+        <p:nvCxnSpPr>
+          <p:cNvPr id="19" name="Straight Arrow Connector 18"/>
+          <p:cNvCxnSpPr/>
+          <p:nvPr/>
+        </p:nvCxnSpPr>
+        <p:spPr>
+          <a:xfrm flipV="1">
+            <a:off x="978424" y="5927839"/>
+            <a:ext cx="7770040" cy="1"/>
+          </a:xfrm>
+          <a:prstGeom prst="straightConnector1">
+            <a:avLst/>
+          </a:prstGeom>
+          <a:ln w="38100">
+            <a:solidFill>
+              <a:schemeClr val="tx1"/>
+            </a:solidFill>
+            <a:tailEnd type="arrow"/>
+          </a:ln>
+        </p:spPr>
+        <p:style>
+          <a:lnRef idx="1">
+            <a:schemeClr val="accent1"/>
+          </a:lnRef>
+          <a:fillRef idx="0">
+            <a:schemeClr val="accent1"/>
+          </a:fillRef>
+          <a:effectRef idx="0">
+            <a:schemeClr val="accent1"/>
+          </a:effectRef>
+          <a:fontRef idx="minor">
+            <a:schemeClr val="tx1"/>
+          </a:fontRef>
+        </p:style>
+      </p:cxnSp>
+      <mc:AlternateContent xmlns:mc="http://schemas.openxmlformats.org/markup-compatibility/2006" xmlns:a14="http://schemas.microsoft.com/office/drawing/2010/main">
+        <mc:Choice Requires="a14">
+          <p:sp>
+            <p:nvSpPr>
+              <p:cNvPr id="22" name="TextBox 21"/>
+              <p:cNvSpPr txBox="1"/>
+              <p:nvPr/>
+            </p:nvSpPr>
+            <p:spPr>
+              <a:xfrm>
+                <a:off x="1403648" y="3582901"/>
+                <a:ext cx="1008112" cy="830997"/>
+              </a:xfrm>
+              <a:prstGeom prst="rect">
+                <a:avLst/>
+              </a:prstGeom>
+              <a:noFill/>
+            </p:spPr>
+            <p:txBody>
+              <a:bodyPr wrap="square" rtlCol="0">
+                <a:spAutoFit/>
+              </a:bodyPr>
+              <a:lstStyle/>
+              <a:p>
+                <a:pPr/>
+                <a14:m>
+                  <m:oMathPara xmlns:m="http://schemas.openxmlformats.org/officeDocument/2006/math">
+                    <m:oMathParaPr>
+                      <m:jc m:val="centerGroup"/>
+                    </m:oMathParaPr>
+                    <m:oMath xmlns:m="http://schemas.openxmlformats.org/officeDocument/2006/math">
+                      <m:sSub>
+                        <m:sSubPr>
+                          <m:ctrlPr>
+                            <a:rPr lang="nl-NL" sz="4800" b="0" i="1" smtClean="0">
+                              <a:latin typeface="Cambria Math"/>
+                            </a:rPr>
+                          </m:ctrlPr>
+                        </m:sSubPr>
+                        <m:e>
+                          <m:r>
+                            <a:rPr lang="nl-NL" sz="4800" b="0" i="1" smtClean="0">
+                              <a:latin typeface="Cambria Math"/>
+                            </a:rPr>
+                            <m:t>𝑙</m:t>
+                          </m:r>
+                        </m:e>
+                        <m:sub>
+                          <m:r>
+                            <a:rPr lang="nl-NL" sz="4800" b="0" i="1" smtClean="0">
+                              <a:latin typeface="Cambria Math"/>
+                            </a:rPr>
+                            <m:t>1</m:t>
+                          </m:r>
+                        </m:sub>
+                      </m:sSub>
+                    </m:oMath>
+                  </m:oMathPara>
+                </a14:m>
+                <a:endParaRPr lang="nl-NL" sz="4800" dirty="0"/>
+              </a:p>
+            </p:txBody>
+          </p:sp>
+        </mc:Choice>
+        <mc:Fallback xmlns="">
+          <p:sp>
+            <p:nvSpPr>
+              <p:cNvPr id="22" name="TextBox 21"/>
+              <p:cNvSpPr txBox="1">
+                <a:spLocks noRot="1" noChangeAspect="1" noMove="1" noResize="1" noEditPoints="1" noAdjustHandles="1" noChangeArrowheads="1" noChangeShapeType="1" noTextEdit="1"/>
+              </p:cNvSpPr>
+              <p:nvPr/>
+            </p:nvSpPr>
+            <p:spPr>
+              <a:xfrm>
+                <a:off x="1403648" y="3582901"/>
+                <a:ext cx="1008112" cy="830997"/>
+              </a:xfrm>
+              <a:prstGeom prst="rect">
+                <a:avLst/>
+              </a:prstGeom>
+              <a:blipFill rotWithShape="1">
+                <a:blip r:embed="rId4"/>
+                <a:stretch>
+                  <a:fillRect/>
+                </a:stretch>
+              </a:blipFill>
+            </p:spPr>
+            <p:txBody>
+              <a:bodyPr/>
+              <a:lstStyle/>
+              <a:p>
+                <a:r>
+                  <a:rPr lang="nl-NL">
+                    <a:noFill/>
+                  </a:rPr>
+                  <a:t> </a:t>
+                </a:r>
+              </a:p>
+            </p:txBody>
+          </p:sp>
+        </mc:Fallback>
+      </mc:AlternateContent>
+      <mc:AlternateContent xmlns:mc="http://schemas.openxmlformats.org/markup-compatibility/2006" xmlns:a14="http://schemas.microsoft.com/office/drawing/2010/main">
+        <mc:Choice Requires="a14">
+          <p:sp>
+            <p:nvSpPr>
+              <p:cNvPr id="23" name="TextBox 22"/>
+              <p:cNvSpPr txBox="1"/>
+              <p:nvPr/>
+            </p:nvSpPr>
+            <p:spPr>
+              <a:xfrm>
+                <a:off x="5220845" y="1019343"/>
+                <a:ext cx="1008112" cy="830997"/>
+              </a:xfrm>
+              <a:prstGeom prst="rect">
+                <a:avLst/>
+              </a:prstGeom>
+              <a:noFill/>
+            </p:spPr>
+            <p:txBody>
+              <a:bodyPr wrap="square" rtlCol="0">
+                <a:spAutoFit/>
+              </a:bodyPr>
+              <a:lstStyle/>
+              <a:p>
+                <a:pPr/>
+                <a14:m>
+                  <m:oMathPara xmlns:m="http://schemas.openxmlformats.org/officeDocument/2006/math">
+                    <m:oMathParaPr>
+                      <m:jc m:val="centerGroup"/>
+                    </m:oMathParaPr>
+                    <m:oMath xmlns:m="http://schemas.openxmlformats.org/officeDocument/2006/math">
+                      <m:sSub>
+                        <m:sSubPr>
+                          <m:ctrlPr>
+                            <a:rPr lang="nl-NL" sz="4800" b="0" i="1" smtClean="0">
+                              <a:latin typeface="Cambria Math"/>
+                            </a:rPr>
+                          </m:ctrlPr>
+                        </m:sSubPr>
+                        <m:e>
+                          <m:r>
+                            <a:rPr lang="nl-NL" sz="4800" b="0" i="1" smtClean="0">
+                              <a:latin typeface="Cambria Math"/>
+                            </a:rPr>
+                            <m:t>𝑙</m:t>
+                          </m:r>
+                        </m:e>
+                        <m:sub>
+                          <m:r>
+                            <a:rPr lang="nl-NL" sz="4800" b="0" i="1" smtClean="0">
+                              <a:latin typeface="Cambria Math"/>
+                            </a:rPr>
+                            <m:t>2</m:t>
+                          </m:r>
+                        </m:sub>
+                      </m:sSub>
+                    </m:oMath>
+                  </m:oMathPara>
+                </a14:m>
+                <a:endParaRPr lang="nl-NL" sz="4800" dirty="0"/>
+              </a:p>
+            </p:txBody>
+          </p:sp>
+        </mc:Choice>
+        <mc:Fallback xmlns="">
+          <p:sp>
+            <p:nvSpPr>
+              <p:cNvPr id="23" name="TextBox 22"/>
+              <p:cNvSpPr txBox="1">
+                <a:spLocks noRot="1" noChangeAspect="1" noMove="1" noResize="1" noEditPoints="1" noAdjustHandles="1" noChangeArrowheads="1" noChangeShapeType="1" noTextEdit="1"/>
+              </p:cNvSpPr>
+              <p:nvPr/>
+            </p:nvSpPr>
+            <p:spPr>
+              <a:xfrm>
+                <a:off x="5220845" y="1019343"/>
+                <a:ext cx="1008112" cy="830997"/>
+              </a:xfrm>
+              <a:prstGeom prst="rect">
+                <a:avLst/>
+              </a:prstGeom>
+              <a:blipFill rotWithShape="1">
+                <a:blip r:embed="rId5"/>
+                <a:stretch>
+                  <a:fillRect/>
+                </a:stretch>
+              </a:blipFill>
+            </p:spPr>
+            <p:txBody>
+              <a:bodyPr/>
+              <a:lstStyle/>
+              <a:p>
+                <a:r>
+                  <a:rPr lang="nl-NL">
+                    <a:noFill/>
+                  </a:rPr>
+                  <a:t> </a:t>
+                </a:r>
+              </a:p>
+            </p:txBody>
+          </p:sp>
+        </mc:Fallback>
+      </mc:AlternateContent>
+      <p:cxnSp>
+        <p:nvCxnSpPr>
+          <p:cNvPr id="24" name="Straight Connector 23"/>
+          <p:cNvCxnSpPr/>
+          <p:nvPr/>
+        </p:nvCxnSpPr>
+        <p:spPr>
+          <a:xfrm>
+            <a:off x="3417855" y="2909600"/>
+            <a:ext cx="4761351" cy="0"/>
+          </a:xfrm>
+          <a:prstGeom prst="line">
+            <a:avLst/>
+          </a:prstGeom>
+          <a:ln w="38100">
+            <a:prstDash val="sysDash"/>
+          </a:ln>
+        </p:spPr>
+        <p:style>
+          <a:lnRef idx="1">
+            <a:schemeClr val="dk1"/>
+          </a:lnRef>
+          <a:fillRef idx="0">
+            <a:schemeClr val="dk1"/>
+          </a:fillRef>
+          <a:effectRef idx="0">
+            <a:schemeClr val="dk1"/>
+          </a:effectRef>
+          <a:fontRef idx="minor">
+            <a:schemeClr val="tx1"/>
+          </a:fontRef>
+        </p:style>
+      </p:cxnSp>
+      <p:sp>
+        <p:nvSpPr>
+          <p:cNvPr id="25" name="Arc 24"/>
+          <p:cNvSpPr/>
+          <p:nvPr/>
+        </p:nvSpPr>
+        <p:spPr>
+          <a:xfrm rot="1507686">
+            <a:off x="1171756" y="5098809"/>
+            <a:ext cx="981722" cy="987326"/>
+          </a:xfrm>
+          <a:prstGeom prst="arc">
+            <a:avLst/>
+          </a:prstGeom>
+        </p:spPr>
+        <p:style>
+          <a:lnRef idx="3">
+            <a:schemeClr val="dk1"/>
+          </a:lnRef>
+          <a:fillRef idx="0">
+            <a:schemeClr val="dk1"/>
+          </a:fillRef>
+          <a:effectRef idx="2">
+            <a:schemeClr val="dk1"/>
+          </a:effectRef>
+          <a:fontRef idx="minor">
+            <a:schemeClr val="tx1"/>
+          </a:fontRef>
+        </p:style>
+        <p:txBody>
+          <a:bodyPr rtlCol="0" anchor="ctr"/>
+          <a:lstStyle/>
+          <a:p>
+            <a:pPr algn="ctr"/>
+            <a:endParaRPr lang="nl-NL"/>
+          </a:p>
+        </p:txBody>
+      </p:sp>
+      <p:sp>
+        <p:nvSpPr>
+          <p:cNvPr id="27" name="Arc 26"/>
+          <p:cNvSpPr/>
+          <p:nvPr/>
+        </p:nvSpPr>
+        <p:spPr>
+          <a:xfrm rot="2372402">
+            <a:off x="5404546" y="2026119"/>
+            <a:ext cx="981722" cy="987326"/>
+          </a:xfrm>
+          <a:prstGeom prst="arc">
+            <a:avLst/>
+          </a:prstGeom>
+        </p:spPr>
+        <p:style>
+          <a:lnRef idx="3">
+            <a:schemeClr val="dk1"/>
+          </a:lnRef>
+          <a:fillRef idx="0">
+            <a:schemeClr val="dk1"/>
+          </a:fillRef>
+          <a:effectRef idx="2">
+            <a:schemeClr val="dk1"/>
+          </a:effectRef>
+          <a:fontRef idx="minor">
+            <a:schemeClr val="tx1"/>
+          </a:fontRef>
+        </p:style>
+        <p:txBody>
+          <a:bodyPr rtlCol="0" anchor="ctr"/>
+          <a:lstStyle/>
+          <a:p>
+            <a:pPr algn="ctr"/>
+            <a:endParaRPr lang="nl-NL"/>
+          </a:p>
+        </p:txBody>
+      </p:sp>
+      <mc:AlternateContent xmlns:mc="http://schemas.openxmlformats.org/markup-compatibility/2006" xmlns:a14="http://schemas.microsoft.com/office/drawing/2010/main">
+        <mc:Choice Requires="a14">
+          <p:sp>
+            <p:nvSpPr>
+              <p:cNvPr id="28" name="TextBox 27"/>
+              <p:cNvSpPr txBox="1"/>
+              <p:nvPr/>
+            </p:nvSpPr>
+            <p:spPr>
+              <a:xfrm>
+                <a:off x="2268529" y="4581128"/>
+                <a:ext cx="1008112" cy="1107996"/>
+              </a:xfrm>
+              <a:prstGeom prst="rect">
+                <a:avLst/>
+              </a:prstGeom>
+              <a:noFill/>
+            </p:spPr>
+            <p:txBody>
+              <a:bodyPr wrap="square" rtlCol="0">
+                <a:spAutoFit/>
+              </a:bodyPr>
+              <a:lstStyle/>
+              <a:p>
+                <a:pPr/>
+                <a14:m>
+                  <m:oMathPara xmlns:m="http://schemas.openxmlformats.org/officeDocument/2006/math">
+                    <m:oMathParaPr>
+                      <m:jc m:val="centerGroup"/>
+                    </m:oMathParaPr>
+                    <m:oMath xmlns:m="http://schemas.openxmlformats.org/officeDocument/2006/math">
+                      <m:sSub>
+                        <m:sSubPr>
+                          <m:ctrlPr>
+                            <a:rPr lang="nl-NL" sz="6600" b="0" i="1" smtClean="0">
+                              <a:latin typeface="Cambria Math"/>
+                            </a:rPr>
+                          </m:ctrlPr>
+                        </m:sSubPr>
+                        <m:e>
+                          <m:r>
+                            <a:rPr lang="nl-NL" sz="6600" b="0" i="1" smtClean="0">
+                              <a:latin typeface="Cambria Math"/>
+                            </a:rPr>
+                            <m:t>𝜃</m:t>
+                          </m:r>
+                        </m:e>
+                        <m:sub>
+                          <m:r>
+                            <a:rPr lang="nl-NL" sz="6600" b="0" i="1" smtClean="0">
+                              <a:latin typeface="Cambria Math"/>
+                            </a:rPr>
+                            <m:t>1</m:t>
+                          </m:r>
+                        </m:sub>
+                      </m:sSub>
+                    </m:oMath>
+                  </m:oMathPara>
+                </a14:m>
+                <a:endParaRPr lang="nl-NL" sz="4800" dirty="0"/>
+              </a:p>
+            </p:txBody>
+          </p:sp>
+        </mc:Choice>
+        <mc:Fallback xmlns="">
+          <p:sp>
+            <p:nvSpPr>
+              <p:cNvPr id="28" name="TextBox 27"/>
+              <p:cNvSpPr txBox="1">
+                <a:spLocks noRot="1" noChangeAspect="1" noMove="1" noResize="1" noEditPoints="1" noAdjustHandles="1" noChangeArrowheads="1" noChangeShapeType="1" noTextEdit="1"/>
+              </p:cNvSpPr>
+              <p:nvPr/>
+            </p:nvSpPr>
+            <p:spPr>
+              <a:xfrm>
+                <a:off x="2268529" y="4581128"/>
+                <a:ext cx="1008112" cy="1107996"/>
+              </a:xfrm>
+              <a:prstGeom prst="rect">
+                <a:avLst/>
+              </a:prstGeom>
+              <a:blipFill rotWithShape="1">
+                <a:blip r:embed="rId6"/>
+                <a:stretch>
+                  <a:fillRect/>
+                </a:stretch>
+              </a:blipFill>
+            </p:spPr>
+            <p:txBody>
+              <a:bodyPr/>
+              <a:lstStyle/>
+              <a:p>
+                <a:r>
+                  <a:rPr lang="nl-NL">
+                    <a:noFill/>
+                  </a:rPr>
+                  <a:t> </a:t>
+                </a:r>
+              </a:p>
+            </p:txBody>
+          </p:sp>
+        </mc:Fallback>
+      </mc:AlternateContent>
+      <mc:AlternateContent xmlns:mc="http://schemas.openxmlformats.org/markup-compatibility/2006" xmlns:a14="http://schemas.microsoft.com/office/drawing/2010/main">
+        <mc:Choice Requires="a14">
+          <p:sp>
+            <p:nvSpPr>
+              <p:cNvPr id="29" name="TextBox 28"/>
+              <p:cNvSpPr txBox="1"/>
+              <p:nvPr/>
+            </p:nvSpPr>
+            <p:spPr>
+              <a:xfrm>
+                <a:off x="6588224" y="1700808"/>
+                <a:ext cx="1008112" cy="1107996"/>
+              </a:xfrm>
+              <a:prstGeom prst="rect">
+                <a:avLst/>
+              </a:prstGeom>
+              <a:noFill/>
+            </p:spPr>
+            <p:txBody>
+              <a:bodyPr wrap="square" rtlCol="0">
+                <a:spAutoFit/>
+              </a:bodyPr>
+              <a:lstStyle/>
+              <a:p>
+                <a:pPr/>
+                <a14:m>
+                  <m:oMathPara xmlns:m="http://schemas.openxmlformats.org/officeDocument/2006/math">
+                    <m:oMathParaPr>
+                      <m:jc m:val="centerGroup"/>
+                    </m:oMathParaPr>
+                    <m:oMath xmlns:m="http://schemas.openxmlformats.org/officeDocument/2006/math">
+                      <m:sSub>
+                        <m:sSubPr>
+                          <m:ctrlPr>
+                            <a:rPr lang="nl-NL" sz="6600" b="0" i="1" smtClean="0">
+                              <a:latin typeface="Cambria Math"/>
+                            </a:rPr>
+                          </m:ctrlPr>
+                        </m:sSubPr>
+                        <m:e>
+                          <m:r>
+                            <a:rPr lang="nl-NL" sz="6600" b="0" i="1" smtClean="0">
+                              <a:latin typeface="Cambria Math"/>
+                            </a:rPr>
+                            <m:t>𝜃</m:t>
+                          </m:r>
+                        </m:e>
+                        <m:sub>
+                          <m:r>
+                            <a:rPr lang="nl-NL" sz="6600" b="0" i="1" smtClean="0">
+                              <a:latin typeface="Cambria Math"/>
+                            </a:rPr>
+                            <m:t>2</m:t>
+                          </m:r>
+                        </m:sub>
+                      </m:sSub>
+                    </m:oMath>
+                  </m:oMathPara>
+                </a14:m>
+                <a:endParaRPr lang="nl-NL" sz="4800" dirty="0"/>
+              </a:p>
+            </p:txBody>
+          </p:sp>
+        </mc:Choice>
+        <mc:Fallback xmlns="">
+          <p:sp>
+            <p:nvSpPr>
+              <p:cNvPr id="29" name="TextBox 28"/>
+              <p:cNvSpPr txBox="1">
+                <a:spLocks noRot="1" noChangeAspect="1" noMove="1" noResize="1" noEditPoints="1" noAdjustHandles="1" noChangeArrowheads="1" noChangeShapeType="1" noTextEdit="1"/>
+              </p:cNvSpPr>
+              <p:nvPr/>
+            </p:nvSpPr>
+            <p:spPr>
+              <a:xfrm>
+                <a:off x="6588224" y="1700808"/>
+                <a:ext cx="1008112" cy="1107996"/>
+              </a:xfrm>
+              <a:prstGeom prst="rect">
+                <a:avLst/>
+              </a:prstGeom>
+              <a:blipFill rotWithShape="1">
+                <a:blip r:embed="rId7"/>
+                <a:stretch>
+                  <a:fillRect/>
+                </a:stretch>
+              </a:blipFill>
+            </p:spPr>
+            <p:txBody>
+              <a:bodyPr/>
+              <a:lstStyle/>
+              <a:p>
+                <a:r>
+                  <a:rPr lang="nl-NL">
+                    <a:noFill/>
+                  </a:rPr>
+                  <a:t> </a:t>
+                </a:r>
+              </a:p>
+            </p:txBody>
+          </p:sp>
+        </mc:Fallback>
+      </mc:AlternateContent>
+      <mc:AlternateContent xmlns:mc="http://schemas.openxmlformats.org/markup-compatibility/2006" xmlns:a14="http://schemas.microsoft.com/office/drawing/2010/main">
+        <mc:Choice Requires="a14">
+          <p:sp>
+            <p:nvSpPr>
+              <p:cNvPr id="41" name="TextBox 40"/>
+              <p:cNvSpPr txBox="1"/>
+              <p:nvPr/>
+            </p:nvSpPr>
+            <p:spPr>
+              <a:xfrm>
+                <a:off x="7675150" y="321751"/>
+                <a:ext cx="1008112" cy="830997"/>
+              </a:xfrm>
+              <a:prstGeom prst="rect">
+                <a:avLst/>
+              </a:prstGeom>
+              <a:noFill/>
+            </p:spPr>
+            <p:txBody>
+              <a:bodyPr wrap="square" rtlCol="0">
+                <a:spAutoFit/>
+              </a:bodyPr>
+              <a:lstStyle/>
+              <a:p>
+                <a:pPr/>
+                <a14:m>
+                  <m:oMathPara xmlns:m="http://schemas.openxmlformats.org/officeDocument/2006/math">
+                    <m:oMathParaPr>
+                      <m:jc m:val="centerGroup"/>
+                    </m:oMathParaPr>
+                    <m:oMath xmlns:m="http://schemas.openxmlformats.org/officeDocument/2006/math">
+                      <m:r>
+                        <a:rPr lang="nl-NL" sz="4800" b="0" i="1" smtClean="0">
+                          <a:latin typeface="Cambria Math"/>
+                        </a:rPr>
+                        <m:t>𝐸</m:t>
+                      </m:r>
+                    </m:oMath>
+                  </m:oMathPara>
+                </a14:m>
+                <a:endParaRPr lang="nl-NL" sz="4800" dirty="0"/>
+              </a:p>
+            </p:txBody>
+          </p:sp>
+        </mc:Choice>
+        <mc:Fallback xmlns="">
+          <p:sp>
+            <p:nvSpPr>
+              <p:cNvPr id="41" name="TextBox 40"/>
+              <p:cNvSpPr txBox="1">
+                <a:spLocks noRot="1" noChangeAspect="1" noMove="1" noResize="1" noEditPoints="1" noAdjustHandles="1" noChangeArrowheads="1" noChangeShapeType="1" noTextEdit="1"/>
+              </p:cNvSpPr>
+              <p:nvPr/>
+            </p:nvSpPr>
+            <p:spPr>
+              <a:xfrm>
+                <a:off x="7675150" y="321751"/>
+                <a:ext cx="1008112" cy="830997"/>
+              </a:xfrm>
+              <a:prstGeom prst="rect">
+                <a:avLst/>
+              </a:prstGeom>
+              <a:blipFill rotWithShape="1">
+                <a:blip r:embed="rId8"/>
+                <a:stretch>
+                  <a:fillRect/>
+                </a:stretch>
+              </a:blipFill>
+            </p:spPr>
+            <p:txBody>
+              <a:bodyPr/>
+              <a:lstStyle/>
+              <a:p>
+                <a:r>
+                  <a:rPr lang="nl-NL">
+                    <a:noFill/>
+                  </a:rPr>
+                  <a:t> </a:t>
+                </a:r>
+              </a:p>
+            </p:txBody>
+          </p:sp>
+        </mc:Fallback>
+      </mc:AlternateContent>
+    </p:spTree>
+    <p:extLst>
+      <p:ext uri="{BB962C8B-B14F-4D97-AF65-F5344CB8AC3E}">
+        <p14:creationId xmlns:p14="http://schemas.microsoft.com/office/powerpoint/2010/main" val="2181676772"/>
+      </p:ext>
+    </p:extLst>
+  </p:cSld>
+  <p:clrMapOvr>
+    <a:masterClrMapping/>
+  </p:clrMapOvr>
+  <p:timing>
+    <p:tnLst>
+      <p:par>
+        <p:cTn id="1" dur="indefinite" restart="never" nodeType="tmRoot"/>
+      </p:par>
+    </p:tnLst>
+  </p:timing>
+</p:sld>
+</file>
+
+<file path=ppt/slides/slide30.xml><?xml version="1.0" encoding="utf-8"?>
 <p:sld xmlns:a="http://schemas.openxmlformats.org/drawingml/2006/main" xmlns:r="http://schemas.openxmlformats.org/officeDocument/2006/relationships" xmlns:p="http://schemas.openxmlformats.org/presentationml/2006/main">
   <p:cSld>
     <p:spTree>
@@ -17674,1197 +19605,7 @@
 </p:sld>
 </file>
 
-<file path=ppt/slides/slide3.xml><?xml version="1.0" encoding="utf-8"?>
-<p:sld xmlns:a="http://schemas.openxmlformats.org/drawingml/2006/main" xmlns:r="http://schemas.openxmlformats.org/officeDocument/2006/relationships" xmlns:p="http://schemas.openxmlformats.org/presentationml/2006/main">
-  <p:cSld>
-    <p:spTree>
-      <p:nvGrpSpPr>
-        <p:cNvPr id="1" name=""/>
-        <p:cNvGrpSpPr/>
-        <p:nvPr/>
-      </p:nvGrpSpPr>
-      <p:grpSpPr>
-        <a:xfrm>
-          <a:off x="0" y="0"/>
-          <a:ext cx="0" cy="0"/>
-          <a:chOff x="0" y="0"/>
-          <a:chExt cx="0" cy="0"/>
-        </a:xfrm>
-      </p:grpSpPr>
-      <p:cxnSp>
-        <p:nvCxnSpPr>
-          <p:cNvPr id="38" name="Straight Connector 37"/>
-          <p:cNvCxnSpPr/>
-          <p:nvPr/>
-        </p:nvCxnSpPr>
-        <p:spPr>
-          <a:xfrm flipV="1">
-            <a:off x="1008000" y="4797152"/>
-            <a:ext cx="3737592" cy="1121440"/>
-          </a:xfrm>
-          <a:prstGeom prst="line">
-            <a:avLst/>
-          </a:prstGeom>
-          <a:ln w="76200">
-            <a:solidFill>
-              <a:schemeClr val="bg1">
-                <a:lumMod val="75000"/>
-              </a:schemeClr>
-            </a:solidFill>
-          </a:ln>
-        </p:spPr>
-        <p:style>
-          <a:lnRef idx="1">
-            <a:schemeClr val="dk1"/>
-          </a:lnRef>
-          <a:fillRef idx="0">
-            <a:schemeClr val="dk1"/>
-          </a:fillRef>
-          <a:effectRef idx="0">
-            <a:schemeClr val="dk1"/>
-          </a:effectRef>
-          <a:fontRef idx="minor">
-            <a:schemeClr val="tx1"/>
-          </a:fontRef>
-        </p:style>
-      </p:cxnSp>
-      <p:cxnSp>
-        <p:nvCxnSpPr>
-          <p:cNvPr id="39" name="Straight Connector 38"/>
-          <p:cNvCxnSpPr/>
-          <p:nvPr/>
-        </p:nvCxnSpPr>
-        <p:spPr>
-          <a:xfrm flipV="1">
-            <a:off x="4716016" y="1292922"/>
-            <a:ext cx="3315932" cy="3504230"/>
-          </a:xfrm>
-          <a:prstGeom prst="line">
-            <a:avLst/>
-          </a:prstGeom>
-          <a:ln w="76200">
-            <a:solidFill>
-              <a:schemeClr val="bg1">
-                <a:lumMod val="75000"/>
-              </a:schemeClr>
-            </a:solidFill>
-          </a:ln>
-        </p:spPr>
-        <p:style>
-          <a:lnRef idx="1">
-            <a:schemeClr val="dk1"/>
-          </a:lnRef>
-          <a:fillRef idx="0">
-            <a:schemeClr val="dk1"/>
-          </a:fillRef>
-          <a:effectRef idx="0">
-            <a:schemeClr val="dk1"/>
-          </a:effectRef>
-          <a:fontRef idx="minor">
-            <a:schemeClr val="tx1"/>
-          </a:fontRef>
-        </p:style>
-      </p:cxnSp>
-      <p:sp>
-        <p:nvSpPr>
-          <p:cNvPr id="40" name="Oval 39"/>
-          <p:cNvSpPr/>
-          <p:nvPr/>
-        </p:nvSpPr>
-        <p:spPr>
-          <a:xfrm>
-            <a:off x="4524155" y="4656105"/>
-            <a:ext cx="294517" cy="282093"/>
-          </a:xfrm>
-          <a:prstGeom prst="ellipse">
-            <a:avLst/>
-          </a:prstGeom>
-          <a:solidFill>
-            <a:schemeClr val="bg1">
-              <a:lumMod val="50000"/>
-            </a:schemeClr>
-          </a:solidFill>
-          <a:ln>
-            <a:solidFill>
-              <a:schemeClr val="bg1">
-                <a:lumMod val="75000"/>
-              </a:schemeClr>
-            </a:solidFill>
-          </a:ln>
-        </p:spPr>
-        <p:style>
-          <a:lnRef idx="2">
-            <a:schemeClr val="dk1">
-              <a:shade val="50000"/>
-            </a:schemeClr>
-          </a:lnRef>
-          <a:fillRef idx="1">
-            <a:schemeClr val="dk1"/>
-          </a:fillRef>
-          <a:effectRef idx="0">
-            <a:schemeClr val="dk1"/>
-          </a:effectRef>
-          <a:fontRef idx="minor">
-            <a:schemeClr val="lt1"/>
-          </a:fontRef>
-        </p:style>
-        <p:txBody>
-          <a:bodyPr rtlCol="0" anchor="ctr"/>
-          <a:lstStyle/>
-          <a:p>
-            <a:pPr algn="ctr"/>
-            <a:endParaRPr lang="nl-NL"/>
-          </a:p>
-        </p:txBody>
-      </p:sp>
-      <p:cxnSp>
-        <p:nvCxnSpPr>
-          <p:cNvPr id="6" name="Straight Connector 5"/>
-          <p:cNvCxnSpPr/>
-          <p:nvPr/>
-        </p:nvCxnSpPr>
-        <p:spPr>
-          <a:xfrm flipV="1">
-            <a:off x="999346" y="2909600"/>
-            <a:ext cx="2418509" cy="3008992"/>
-          </a:xfrm>
-          <a:prstGeom prst="line">
-            <a:avLst/>
-          </a:prstGeom>
-          <a:ln w="76200"/>
-        </p:spPr>
-        <p:style>
-          <a:lnRef idx="1">
-            <a:schemeClr val="dk1"/>
-          </a:lnRef>
-          <a:fillRef idx="0">
-            <a:schemeClr val="dk1"/>
-          </a:fillRef>
-          <a:effectRef idx="0">
-            <a:schemeClr val="dk1"/>
-          </a:effectRef>
-          <a:fontRef idx="minor">
-            <a:schemeClr val="tx1"/>
-          </a:fontRef>
-        </p:style>
-      </p:cxnSp>
-      <p:cxnSp>
-        <p:nvCxnSpPr>
-          <p:cNvPr id="8" name="Straight Connector 7"/>
-          <p:cNvCxnSpPr/>
-          <p:nvPr/>
-        </p:nvCxnSpPr>
-        <p:spPr>
-          <a:xfrm flipV="1">
-            <a:off x="3417855" y="1311073"/>
-            <a:ext cx="4614093" cy="1598527"/>
-          </a:xfrm>
-          <a:prstGeom prst="line">
-            <a:avLst/>
-          </a:prstGeom>
-          <a:ln w="76200"/>
-        </p:spPr>
-        <p:style>
-          <a:lnRef idx="1">
-            <a:schemeClr val="dk1"/>
-          </a:lnRef>
-          <a:fillRef idx="0">
-            <a:schemeClr val="dk1"/>
-          </a:fillRef>
-          <a:effectRef idx="0">
-            <a:schemeClr val="dk1"/>
-          </a:effectRef>
-          <a:fontRef idx="minor">
-            <a:schemeClr val="tx1"/>
-          </a:fontRef>
-        </p:style>
-      </p:cxnSp>
-      <p:sp>
-        <p:nvSpPr>
-          <p:cNvPr id="15" name="Oval 14"/>
-          <p:cNvSpPr/>
-          <p:nvPr/>
-        </p:nvSpPr>
-        <p:spPr>
-          <a:xfrm>
-            <a:off x="852088" y="5777546"/>
-            <a:ext cx="294517" cy="282093"/>
-          </a:xfrm>
-          <a:prstGeom prst="ellipse">
-            <a:avLst/>
-          </a:prstGeom>
-        </p:spPr>
-        <p:style>
-          <a:lnRef idx="2">
-            <a:schemeClr val="dk1">
-              <a:shade val="50000"/>
-            </a:schemeClr>
-          </a:lnRef>
-          <a:fillRef idx="1">
-            <a:schemeClr val="dk1"/>
-          </a:fillRef>
-          <a:effectRef idx="0">
-            <a:schemeClr val="dk1"/>
-          </a:effectRef>
-          <a:fontRef idx="minor">
-            <a:schemeClr val="lt1"/>
-          </a:fontRef>
-        </p:style>
-        <p:txBody>
-          <a:bodyPr rtlCol="0" anchor="ctr"/>
-          <a:lstStyle/>
-          <a:p>
-            <a:pPr algn="ctr"/>
-            <a:endParaRPr lang="nl-NL"/>
-          </a:p>
-        </p:txBody>
-      </p:sp>
-      <p:sp>
-        <p:nvSpPr>
-          <p:cNvPr id="16" name="Oval 15"/>
-          <p:cNvSpPr/>
-          <p:nvPr/>
-        </p:nvSpPr>
-        <p:spPr>
-          <a:xfrm>
-            <a:off x="3270597" y="2768554"/>
-            <a:ext cx="294517" cy="282093"/>
-          </a:xfrm>
-          <a:prstGeom prst="ellipse">
-            <a:avLst/>
-          </a:prstGeom>
-        </p:spPr>
-        <p:style>
-          <a:lnRef idx="2">
-            <a:schemeClr val="dk1">
-              <a:shade val="50000"/>
-            </a:schemeClr>
-          </a:lnRef>
-          <a:fillRef idx="1">
-            <a:schemeClr val="dk1"/>
-          </a:fillRef>
-          <a:effectRef idx="0">
-            <a:schemeClr val="dk1"/>
-          </a:effectRef>
-          <a:fontRef idx="minor">
-            <a:schemeClr val="lt1"/>
-          </a:fontRef>
-        </p:style>
-        <p:txBody>
-          <a:bodyPr rtlCol="0" anchor="ctr"/>
-          <a:lstStyle/>
-          <a:p>
-            <a:pPr algn="ctr"/>
-            <a:endParaRPr lang="nl-NL"/>
-          </a:p>
-        </p:txBody>
-      </p:sp>
-      <mc:AlternateContent xmlns:mc="http://schemas.openxmlformats.org/markup-compatibility/2006" xmlns:a14="http://schemas.microsoft.com/office/drawing/2010/main">
-        <mc:Choice Requires="a14">
-          <p:sp>
-            <p:nvSpPr>
-              <p:cNvPr id="34" name="TextBox 33"/>
-              <p:cNvSpPr txBox="1"/>
-              <p:nvPr/>
-            </p:nvSpPr>
-            <p:spPr>
-              <a:xfrm>
-                <a:off x="8028384" y="5661248"/>
-                <a:ext cx="1008112" cy="1107996"/>
-              </a:xfrm>
-              <a:prstGeom prst="rect">
-                <a:avLst/>
-              </a:prstGeom>
-              <a:noFill/>
-            </p:spPr>
-            <p:txBody>
-              <a:bodyPr wrap="square" rtlCol="0">
-                <a:spAutoFit/>
-              </a:bodyPr>
-              <a:lstStyle/>
-              <a:p>
-                <a:pPr/>
-                <a14:m>
-                  <m:oMathPara xmlns:m="http://schemas.openxmlformats.org/officeDocument/2006/math">
-                    <m:oMathParaPr>
-                      <m:jc m:val="centerGroup"/>
-                    </m:oMathParaPr>
-                    <m:oMath xmlns:m="http://schemas.openxmlformats.org/officeDocument/2006/math">
-                      <m:r>
-                        <a:rPr lang="nl-NL" sz="6600" b="0" i="1" smtClean="0">
-                          <a:latin typeface="Cambria Math"/>
-                        </a:rPr>
-                        <m:t>𝑥</m:t>
-                      </m:r>
-                    </m:oMath>
-                  </m:oMathPara>
-                </a14:m>
-                <a:endParaRPr lang="nl-NL" sz="4800" dirty="0"/>
-              </a:p>
-            </p:txBody>
-          </p:sp>
-        </mc:Choice>
-        <mc:Fallback xmlns="">
-          <p:sp>
-            <p:nvSpPr>
-              <p:cNvPr id="34" name="TextBox 33"/>
-              <p:cNvSpPr txBox="1">
-                <a:spLocks noRot="1" noChangeAspect="1" noMove="1" noResize="1" noEditPoints="1" noAdjustHandles="1" noChangeArrowheads="1" noChangeShapeType="1" noTextEdit="1"/>
-              </p:cNvSpPr>
-              <p:nvPr/>
-            </p:nvSpPr>
-            <p:spPr>
-              <a:xfrm>
-                <a:off x="8028384" y="5661248"/>
-                <a:ext cx="1008112" cy="1107996"/>
-              </a:xfrm>
-              <a:prstGeom prst="rect">
-                <a:avLst/>
-              </a:prstGeom>
-              <a:blipFill rotWithShape="1">
-                <a:blip r:embed="rId2"/>
-                <a:stretch>
-                  <a:fillRect/>
-                </a:stretch>
-              </a:blipFill>
-            </p:spPr>
-            <p:txBody>
-              <a:bodyPr/>
-              <a:lstStyle/>
-              <a:p>
-                <a:r>
-                  <a:rPr lang="nl-NL">
-                    <a:noFill/>
-                  </a:rPr>
-                  <a:t> </a:t>
-                </a:r>
-              </a:p>
-            </p:txBody>
-          </p:sp>
-        </mc:Fallback>
-      </mc:AlternateContent>
-      <mc:AlternateContent xmlns:mc="http://schemas.openxmlformats.org/markup-compatibility/2006" xmlns:a14="http://schemas.microsoft.com/office/drawing/2010/main">
-        <mc:Choice Requires="a14">
-          <p:sp>
-            <p:nvSpPr>
-              <p:cNvPr id="35" name="TextBox 34"/>
-              <p:cNvSpPr txBox="1"/>
-              <p:nvPr/>
-            </p:nvSpPr>
-            <p:spPr>
-              <a:xfrm>
-                <a:off x="48468" y="989605"/>
-                <a:ext cx="1008112" cy="830997"/>
-              </a:xfrm>
-              <a:prstGeom prst="rect">
-                <a:avLst/>
-              </a:prstGeom>
-              <a:noFill/>
-            </p:spPr>
-            <p:txBody>
-              <a:bodyPr wrap="square" rtlCol="0">
-                <a:spAutoFit/>
-              </a:bodyPr>
-              <a:lstStyle/>
-              <a:p>
-                <a:pPr/>
-                <a14:m>
-                  <m:oMathPara xmlns:m="http://schemas.openxmlformats.org/officeDocument/2006/math">
-                    <m:oMathParaPr>
-                      <m:jc m:val="centerGroup"/>
-                    </m:oMathParaPr>
-                    <m:oMath xmlns:m="http://schemas.openxmlformats.org/officeDocument/2006/math">
-                      <m:r>
-                        <a:rPr lang="nl-NL" sz="4800" b="0" i="1" smtClean="0">
-                          <a:latin typeface="Cambria Math"/>
-                        </a:rPr>
-                        <m:t>𝑦</m:t>
-                      </m:r>
-                    </m:oMath>
-                  </m:oMathPara>
-                </a14:m>
-                <a:endParaRPr lang="nl-NL" sz="4800" dirty="0"/>
-              </a:p>
-            </p:txBody>
-          </p:sp>
-        </mc:Choice>
-        <mc:Fallback xmlns="">
-          <p:sp>
-            <p:nvSpPr>
-              <p:cNvPr id="35" name="TextBox 34"/>
-              <p:cNvSpPr txBox="1">
-                <a:spLocks noRot="1" noChangeAspect="1" noMove="1" noResize="1" noEditPoints="1" noAdjustHandles="1" noChangeArrowheads="1" noChangeShapeType="1" noTextEdit="1"/>
-              </p:cNvSpPr>
-              <p:nvPr/>
-            </p:nvSpPr>
-            <p:spPr>
-              <a:xfrm>
-                <a:off x="48468" y="989605"/>
-                <a:ext cx="1008112" cy="830997"/>
-              </a:xfrm>
-              <a:prstGeom prst="rect">
-                <a:avLst/>
-              </a:prstGeom>
-              <a:blipFill rotWithShape="1">
-                <a:blip r:embed="rId3"/>
-                <a:stretch>
-                  <a:fillRect/>
-                </a:stretch>
-              </a:blipFill>
-            </p:spPr>
-            <p:txBody>
-              <a:bodyPr/>
-              <a:lstStyle/>
-              <a:p>
-                <a:r>
-                  <a:rPr lang="nl-NL">
-                    <a:noFill/>
-                  </a:rPr>
-                  <a:t> </a:t>
-                </a:r>
-              </a:p>
-            </p:txBody>
-          </p:sp>
-        </mc:Fallback>
-      </mc:AlternateContent>
-      <p:sp>
-        <p:nvSpPr>
-          <p:cNvPr id="13" name="Oval 12"/>
-          <p:cNvSpPr/>
-          <p:nvPr/>
-        </p:nvSpPr>
-        <p:spPr>
-          <a:xfrm>
-            <a:off x="7884689" y="1152749"/>
-            <a:ext cx="294517" cy="282093"/>
-          </a:xfrm>
-          <a:prstGeom prst="ellipse">
-            <a:avLst/>
-          </a:prstGeom>
-        </p:spPr>
-        <p:style>
-          <a:lnRef idx="2">
-            <a:schemeClr val="dk1">
-              <a:shade val="50000"/>
-            </a:schemeClr>
-          </a:lnRef>
-          <a:fillRef idx="1">
-            <a:schemeClr val="dk1"/>
-          </a:fillRef>
-          <a:effectRef idx="0">
-            <a:schemeClr val="dk1"/>
-          </a:effectRef>
-          <a:fontRef idx="minor">
-            <a:schemeClr val="lt1"/>
-          </a:fontRef>
-        </p:style>
-        <p:txBody>
-          <a:bodyPr rtlCol="0" anchor="ctr"/>
-          <a:lstStyle/>
-          <a:p>
-            <a:pPr algn="ctr"/>
-            <a:endParaRPr lang="nl-NL"/>
-          </a:p>
-        </p:txBody>
-      </p:sp>
-      <p:cxnSp>
-        <p:nvCxnSpPr>
-          <p:cNvPr id="5" name="Straight Arrow Connector 4"/>
-          <p:cNvCxnSpPr/>
-          <p:nvPr/>
-        </p:nvCxnSpPr>
-        <p:spPr>
-          <a:xfrm flipV="1">
-            <a:off x="1008579" y="764704"/>
-            <a:ext cx="0" cy="5153889"/>
-          </a:xfrm>
-          <a:prstGeom prst="straightConnector1">
-            <a:avLst/>
-          </a:prstGeom>
-          <a:ln w="38100">
-            <a:solidFill>
-              <a:schemeClr val="tx1"/>
-            </a:solidFill>
-            <a:tailEnd type="arrow"/>
-          </a:ln>
-        </p:spPr>
-        <p:style>
-          <a:lnRef idx="1">
-            <a:schemeClr val="accent1"/>
-          </a:lnRef>
-          <a:fillRef idx="0">
-            <a:schemeClr val="accent1"/>
-          </a:fillRef>
-          <a:effectRef idx="0">
-            <a:schemeClr val="accent1"/>
-          </a:effectRef>
-          <a:fontRef idx="minor">
-            <a:schemeClr val="tx1"/>
-          </a:fontRef>
-        </p:style>
-      </p:cxnSp>
-      <p:cxnSp>
-        <p:nvCxnSpPr>
-          <p:cNvPr id="19" name="Straight Arrow Connector 18"/>
-          <p:cNvCxnSpPr/>
-          <p:nvPr/>
-        </p:nvCxnSpPr>
-        <p:spPr>
-          <a:xfrm flipV="1">
-            <a:off x="978424" y="5927839"/>
-            <a:ext cx="7770040" cy="1"/>
-          </a:xfrm>
-          <a:prstGeom prst="straightConnector1">
-            <a:avLst/>
-          </a:prstGeom>
-          <a:ln w="38100">
-            <a:solidFill>
-              <a:schemeClr val="tx1"/>
-            </a:solidFill>
-            <a:tailEnd type="arrow"/>
-          </a:ln>
-        </p:spPr>
-        <p:style>
-          <a:lnRef idx="1">
-            <a:schemeClr val="accent1"/>
-          </a:lnRef>
-          <a:fillRef idx="0">
-            <a:schemeClr val="accent1"/>
-          </a:fillRef>
-          <a:effectRef idx="0">
-            <a:schemeClr val="accent1"/>
-          </a:effectRef>
-          <a:fontRef idx="minor">
-            <a:schemeClr val="tx1"/>
-          </a:fontRef>
-        </p:style>
-      </p:cxnSp>
-      <mc:AlternateContent xmlns:mc="http://schemas.openxmlformats.org/markup-compatibility/2006" xmlns:a14="http://schemas.microsoft.com/office/drawing/2010/main">
-        <mc:Choice Requires="a14">
-          <p:sp>
-            <p:nvSpPr>
-              <p:cNvPr id="22" name="TextBox 21"/>
-              <p:cNvSpPr txBox="1"/>
-              <p:nvPr/>
-            </p:nvSpPr>
-            <p:spPr>
-              <a:xfrm>
-                <a:off x="1403648" y="3582901"/>
-                <a:ext cx="1008112" cy="830997"/>
-              </a:xfrm>
-              <a:prstGeom prst="rect">
-                <a:avLst/>
-              </a:prstGeom>
-              <a:noFill/>
-            </p:spPr>
-            <p:txBody>
-              <a:bodyPr wrap="square" rtlCol="0">
-                <a:spAutoFit/>
-              </a:bodyPr>
-              <a:lstStyle/>
-              <a:p>
-                <a:pPr/>
-                <a14:m>
-                  <m:oMathPara xmlns:m="http://schemas.openxmlformats.org/officeDocument/2006/math">
-                    <m:oMathParaPr>
-                      <m:jc m:val="centerGroup"/>
-                    </m:oMathParaPr>
-                    <m:oMath xmlns:m="http://schemas.openxmlformats.org/officeDocument/2006/math">
-                      <m:sSub>
-                        <m:sSubPr>
-                          <m:ctrlPr>
-                            <a:rPr lang="nl-NL" sz="4800" b="0" i="1" smtClean="0">
-                              <a:latin typeface="Cambria Math"/>
-                            </a:rPr>
-                          </m:ctrlPr>
-                        </m:sSubPr>
-                        <m:e>
-                          <m:r>
-                            <a:rPr lang="nl-NL" sz="4800" b="0" i="1" smtClean="0">
-                              <a:latin typeface="Cambria Math"/>
-                            </a:rPr>
-                            <m:t>𝑙</m:t>
-                          </m:r>
-                        </m:e>
-                        <m:sub>
-                          <m:r>
-                            <a:rPr lang="nl-NL" sz="4800" b="0" i="1" smtClean="0">
-                              <a:latin typeface="Cambria Math"/>
-                            </a:rPr>
-                            <m:t>1</m:t>
-                          </m:r>
-                        </m:sub>
-                      </m:sSub>
-                    </m:oMath>
-                  </m:oMathPara>
-                </a14:m>
-                <a:endParaRPr lang="nl-NL" sz="4800" dirty="0"/>
-              </a:p>
-            </p:txBody>
-          </p:sp>
-        </mc:Choice>
-        <mc:Fallback xmlns="">
-          <p:sp>
-            <p:nvSpPr>
-              <p:cNvPr id="22" name="TextBox 21"/>
-              <p:cNvSpPr txBox="1">
-                <a:spLocks noRot="1" noChangeAspect="1" noMove="1" noResize="1" noEditPoints="1" noAdjustHandles="1" noChangeArrowheads="1" noChangeShapeType="1" noTextEdit="1"/>
-              </p:cNvSpPr>
-              <p:nvPr/>
-            </p:nvSpPr>
-            <p:spPr>
-              <a:xfrm>
-                <a:off x="1403648" y="3582901"/>
-                <a:ext cx="1008112" cy="830997"/>
-              </a:xfrm>
-              <a:prstGeom prst="rect">
-                <a:avLst/>
-              </a:prstGeom>
-              <a:blipFill rotWithShape="1">
-                <a:blip r:embed="rId4"/>
-                <a:stretch>
-                  <a:fillRect/>
-                </a:stretch>
-              </a:blipFill>
-            </p:spPr>
-            <p:txBody>
-              <a:bodyPr/>
-              <a:lstStyle/>
-              <a:p>
-                <a:r>
-                  <a:rPr lang="nl-NL">
-                    <a:noFill/>
-                  </a:rPr>
-                  <a:t> </a:t>
-                </a:r>
-              </a:p>
-            </p:txBody>
-          </p:sp>
-        </mc:Fallback>
-      </mc:AlternateContent>
-      <mc:AlternateContent xmlns:mc="http://schemas.openxmlformats.org/markup-compatibility/2006" xmlns:a14="http://schemas.microsoft.com/office/drawing/2010/main">
-        <mc:Choice Requires="a14">
-          <p:sp>
-            <p:nvSpPr>
-              <p:cNvPr id="23" name="TextBox 22"/>
-              <p:cNvSpPr txBox="1"/>
-              <p:nvPr/>
-            </p:nvSpPr>
-            <p:spPr>
-              <a:xfrm>
-                <a:off x="5220845" y="1019343"/>
-                <a:ext cx="1008112" cy="830997"/>
-              </a:xfrm>
-              <a:prstGeom prst="rect">
-                <a:avLst/>
-              </a:prstGeom>
-              <a:noFill/>
-            </p:spPr>
-            <p:txBody>
-              <a:bodyPr wrap="square" rtlCol="0">
-                <a:spAutoFit/>
-              </a:bodyPr>
-              <a:lstStyle/>
-              <a:p>
-                <a:pPr/>
-                <a14:m>
-                  <m:oMathPara xmlns:m="http://schemas.openxmlformats.org/officeDocument/2006/math">
-                    <m:oMathParaPr>
-                      <m:jc m:val="centerGroup"/>
-                    </m:oMathParaPr>
-                    <m:oMath xmlns:m="http://schemas.openxmlformats.org/officeDocument/2006/math">
-                      <m:sSub>
-                        <m:sSubPr>
-                          <m:ctrlPr>
-                            <a:rPr lang="nl-NL" sz="4800" b="0" i="1" smtClean="0">
-                              <a:latin typeface="Cambria Math"/>
-                            </a:rPr>
-                          </m:ctrlPr>
-                        </m:sSubPr>
-                        <m:e>
-                          <m:r>
-                            <a:rPr lang="nl-NL" sz="4800" b="0" i="1" smtClean="0">
-                              <a:latin typeface="Cambria Math"/>
-                            </a:rPr>
-                            <m:t>𝑙</m:t>
-                          </m:r>
-                        </m:e>
-                        <m:sub>
-                          <m:r>
-                            <a:rPr lang="nl-NL" sz="4800" b="0" i="1" smtClean="0">
-                              <a:latin typeface="Cambria Math"/>
-                            </a:rPr>
-                            <m:t>2</m:t>
-                          </m:r>
-                        </m:sub>
-                      </m:sSub>
-                    </m:oMath>
-                  </m:oMathPara>
-                </a14:m>
-                <a:endParaRPr lang="nl-NL" sz="4800" dirty="0"/>
-              </a:p>
-            </p:txBody>
-          </p:sp>
-        </mc:Choice>
-        <mc:Fallback xmlns="">
-          <p:sp>
-            <p:nvSpPr>
-              <p:cNvPr id="23" name="TextBox 22"/>
-              <p:cNvSpPr txBox="1">
-                <a:spLocks noRot="1" noChangeAspect="1" noMove="1" noResize="1" noEditPoints="1" noAdjustHandles="1" noChangeArrowheads="1" noChangeShapeType="1" noTextEdit="1"/>
-              </p:cNvSpPr>
-              <p:nvPr/>
-            </p:nvSpPr>
-            <p:spPr>
-              <a:xfrm>
-                <a:off x="5220845" y="1019343"/>
-                <a:ext cx="1008112" cy="830997"/>
-              </a:xfrm>
-              <a:prstGeom prst="rect">
-                <a:avLst/>
-              </a:prstGeom>
-              <a:blipFill rotWithShape="1">
-                <a:blip r:embed="rId5"/>
-                <a:stretch>
-                  <a:fillRect/>
-                </a:stretch>
-              </a:blipFill>
-            </p:spPr>
-            <p:txBody>
-              <a:bodyPr/>
-              <a:lstStyle/>
-              <a:p>
-                <a:r>
-                  <a:rPr lang="nl-NL">
-                    <a:noFill/>
-                  </a:rPr>
-                  <a:t> </a:t>
-                </a:r>
-              </a:p>
-            </p:txBody>
-          </p:sp>
-        </mc:Fallback>
-      </mc:AlternateContent>
-      <p:cxnSp>
-        <p:nvCxnSpPr>
-          <p:cNvPr id="24" name="Straight Connector 23"/>
-          <p:cNvCxnSpPr/>
-          <p:nvPr/>
-        </p:nvCxnSpPr>
-        <p:spPr>
-          <a:xfrm>
-            <a:off x="3417855" y="2909600"/>
-            <a:ext cx="4761351" cy="0"/>
-          </a:xfrm>
-          <a:prstGeom prst="line">
-            <a:avLst/>
-          </a:prstGeom>
-          <a:ln w="38100">
-            <a:prstDash val="sysDash"/>
-          </a:ln>
-        </p:spPr>
-        <p:style>
-          <a:lnRef idx="1">
-            <a:schemeClr val="dk1"/>
-          </a:lnRef>
-          <a:fillRef idx="0">
-            <a:schemeClr val="dk1"/>
-          </a:fillRef>
-          <a:effectRef idx="0">
-            <a:schemeClr val="dk1"/>
-          </a:effectRef>
-          <a:fontRef idx="minor">
-            <a:schemeClr val="tx1"/>
-          </a:fontRef>
-        </p:style>
-      </p:cxnSp>
-      <p:sp>
-        <p:nvSpPr>
-          <p:cNvPr id="25" name="Arc 24"/>
-          <p:cNvSpPr/>
-          <p:nvPr/>
-        </p:nvSpPr>
-        <p:spPr>
-          <a:xfrm rot="1507686">
-            <a:off x="1171756" y="5098809"/>
-            <a:ext cx="981722" cy="987326"/>
-          </a:xfrm>
-          <a:prstGeom prst="arc">
-            <a:avLst/>
-          </a:prstGeom>
-        </p:spPr>
-        <p:style>
-          <a:lnRef idx="3">
-            <a:schemeClr val="dk1"/>
-          </a:lnRef>
-          <a:fillRef idx="0">
-            <a:schemeClr val="dk1"/>
-          </a:fillRef>
-          <a:effectRef idx="2">
-            <a:schemeClr val="dk1"/>
-          </a:effectRef>
-          <a:fontRef idx="minor">
-            <a:schemeClr val="tx1"/>
-          </a:fontRef>
-        </p:style>
-        <p:txBody>
-          <a:bodyPr rtlCol="0" anchor="ctr"/>
-          <a:lstStyle/>
-          <a:p>
-            <a:pPr algn="ctr"/>
-            <a:endParaRPr lang="nl-NL"/>
-          </a:p>
-        </p:txBody>
-      </p:sp>
-      <p:sp>
-        <p:nvSpPr>
-          <p:cNvPr id="27" name="Arc 26"/>
-          <p:cNvSpPr/>
-          <p:nvPr/>
-        </p:nvSpPr>
-        <p:spPr>
-          <a:xfrm rot="2372402">
-            <a:off x="5404546" y="2026119"/>
-            <a:ext cx="981722" cy="987326"/>
-          </a:xfrm>
-          <a:prstGeom prst="arc">
-            <a:avLst/>
-          </a:prstGeom>
-        </p:spPr>
-        <p:style>
-          <a:lnRef idx="3">
-            <a:schemeClr val="dk1"/>
-          </a:lnRef>
-          <a:fillRef idx="0">
-            <a:schemeClr val="dk1"/>
-          </a:fillRef>
-          <a:effectRef idx="2">
-            <a:schemeClr val="dk1"/>
-          </a:effectRef>
-          <a:fontRef idx="minor">
-            <a:schemeClr val="tx1"/>
-          </a:fontRef>
-        </p:style>
-        <p:txBody>
-          <a:bodyPr rtlCol="0" anchor="ctr"/>
-          <a:lstStyle/>
-          <a:p>
-            <a:pPr algn="ctr"/>
-            <a:endParaRPr lang="nl-NL"/>
-          </a:p>
-        </p:txBody>
-      </p:sp>
-      <mc:AlternateContent xmlns:mc="http://schemas.openxmlformats.org/markup-compatibility/2006" xmlns:a14="http://schemas.microsoft.com/office/drawing/2010/main">
-        <mc:Choice Requires="a14">
-          <p:sp>
-            <p:nvSpPr>
-              <p:cNvPr id="28" name="TextBox 27"/>
-              <p:cNvSpPr txBox="1"/>
-              <p:nvPr/>
-            </p:nvSpPr>
-            <p:spPr>
-              <a:xfrm>
-                <a:off x="2268529" y="4581128"/>
-                <a:ext cx="1008112" cy="1107996"/>
-              </a:xfrm>
-              <a:prstGeom prst="rect">
-                <a:avLst/>
-              </a:prstGeom>
-              <a:noFill/>
-            </p:spPr>
-            <p:txBody>
-              <a:bodyPr wrap="square" rtlCol="0">
-                <a:spAutoFit/>
-              </a:bodyPr>
-              <a:lstStyle/>
-              <a:p>
-                <a:pPr/>
-                <a14:m>
-                  <m:oMathPara xmlns:m="http://schemas.openxmlformats.org/officeDocument/2006/math">
-                    <m:oMathParaPr>
-                      <m:jc m:val="centerGroup"/>
-                    </m:oMathParaPr>
-                    <m:oMath xmlns:m="http://schemas.openxmlformats.org/officeDocument/2006/math">
-                      <m:sSub>
-                        <m:sSubPr>
-                          <m:ctrlPr>
-                            <a:rPr lang="nl-NL" sz="6600" b="0" i="1" smtClean="0">
-                              <a:latin typeface="Cambria Math"/>
-                            </a:rPr>
-                          </m:ctrlPr>
-                        </m:sSubPr>
-                        <m:e>
-                          <m:r>
-                            <a:rPr lang="nl-NL" sz="6600" b="0" i="1" smtClean="0">
-                              <a:latin typeface="Cambria Math"/>
-                            </a:rPr>
-                            <m:t>𝜃</m:t>
-                          </m:r>
-                        </m:e>
-                        <m:sub>
-                          <m:r>
-                            <a:rPr lang="nl-NL" sz="6600" b="0" i="1" smtClean="0">
-                              <a:latin typeface="Cambria Math"/>
-                            </a:rPr>
-                            <m:t>1</m:t>
-                          </m:r>
-                        </m:sub>
-                      </m:sSub>
-                    </m:oMath>
-                  </m:oMathPara>
-                </a14:m>
-                <a:endParaRPr lang="nl-NL" sz="4800" dirty="0"/>
-              </a:p>
-            </p:txBody>
-          </p:sp>
-        </mc:Choice>
-        <mc:Fallback xmlns="">
-          <p:sp>
-            <p:nvSpPr>
-              <p:cNvPr id="28" name="TextBox 27"/>
-              <p:cNvSpPr txBox="1">
-                <a:spLocks noRot="1" noChangeAspect="1" noMove="1" noResize="1" noEditPoints="1" noAdjustHandles="1" noChangeArrowheads="1" noChangeShapeType="1" noTextEdit="1"/>
-              </p:cNvSpPr>
-              <p:nvPr/>
-            </p:nvSpPr>
-            <p:spPr>
-              <a:xfrm>
-                <a:off x="2268529" y="4581128"/>
-                <a:ext cx="1008112" cy="1107996"/>
-              </a:xfrm>
-              <a:prstGeom prst="rect">
-                <a:avLst/>
-              </a:prstGeom>
-              <a:blipFill rotWithShape="1">
-                <a:blip r:embed="rId6"/>
-                <a:stretch>
-                  <a:fillRect/>
-                </a:stretch>
-              </a:blipFill>
-            </p:spPr>
-            <p:txBody>
-              <a:bodyPr/>
-              <a:lstStyle/>
-              <a:p>
-                <a:r>
-                  <a:rPr lang="nl-NL">
-                    <a:noFill/>
-                  </a:rPr>
-                  <a:t> </a:t>
-                </a:r>
-              </a:p>
-            </p:txBody>
-          </p:sp>
-        </mc:Fallback>
-      </mc:AlternateContent>
-      <mc:AlternateContent xmlns:mc="http://schemas.openxmlformats.org/markup-compatibility/2006" xmlns:a14="http://schemas.microsoft.com/office/drawing/2010/main">
-        <mc:Choice Requires="a14">
-          <p:sp>
-            <p:nvSpPr>
-              <p:cNvPr id="29" name="TextBox 28"/>
-              <p:cNvSpPr txBox="1"/>
-              <p:nvPr/>
-            </p:nvSpPr>
-            <p:spPr>
-              <a:xfrm>
-                <a:off x="6588224" y="1700808"/>
-                <a:ext cx="1008112" cy="1107996"/>
-              </a:xfrm>
-              <a:prstGeom prst="rect">
-                <a:avLst/>
-              </a:prstGeom>
-              <a:noFill/>
-            </p:spPr>
-            <p:txBody>
-              <a:bodyPr wrap="square" rtlCol="0">
-                <a:spAutoFit/>
-              </a:bodyPr>
-              <a:lstStyle/>
-              <a:p>
-                <a:pPr/>
-                <a14:m>
-                  <m:oMathPara xmlns:m="http://schemas.openxmlformats.org/officeDocument/2006/math">
-                    <m:oMathParaPr>
-                      <m:jc m:val="centerGroup"/>
-                    </m:oMathParaPr>
-                    <m:oMath xmlns:m="http://schemas.openxmlformats.org/officeDocument/2006/math">
-                      <m:sSub>
-                        <m:sSubPr>
-                          <m:ctrlPr>
-                            <a:rPr lang="nl-NL" sz="6600" b="0" i="1" smtClean="0">
-                              <a:latin typeface="Cambria Math"/>
-                            </a:rPr>
-                          </m:ctrlPr>
-                        </m:sSubPr>
-                        <m:e>
-                          <m:r>
-                            <a:rPr lang="nl-NL" sz="6600" b="0" i="1" smtClean="0">
-                              <a:latin typeface="Cambria Math"/>
-                            </a:rPr>
-                            <m:t>𝜃</m:t>
-                          </m:r>
-                        </m:e>
-                        <m:sub>
-                          <m:r>
-                            <a:rPr lang="nl-NL" sz="6600" b="0" i="1" smtClean="0">
-                              <a:latin typeface="Cambria Math"/>
-                            </a:rPr>
-                            <m:t>2</m:t>
-                          </m:r>
-                        </m:sub>
-                      </m:sSub>
-                    </m:oMath>
-                  </m:oMathPara>
-                </a14:m>
-                <a:endParaRPr lang="nl-NL" sz="4800" dirty="0"/>
-              </a:p>
-            </p:txBody>
-          </p:sp>
-        </mc:Choice>
-        <mc:Fallback xmlns="">
-          <p:sp>
-            <p:nvSpPr>
-              <p:cNvPr id="29" name="TextBox 28"/>
-              <p:cNvSpPr txBox="1">
-                <a:spLocks noRot="1" noChangeAspect="1" noMove="1" noResize="1" noEditPoints="1" noAdjustHandles="1" noChangeArrowheads="1" noChangeShapeType="1" noTextEdit="1"/>
-              </p:cNvSpPr>
-              <p:nvPr/>
-            </p:nvSpPr>
-            <p:spPr>
-              <a:xfrm>
-                <a:off x="6588224" y="1700808"/>
-                <a:ext cx="1008112" cy="1107996"/>
-              </a:xfrm>
-              <a:prstGeom prst="rect">
-                <a:avLst/>
-              </a:prstGeom>
-              <a:blipFill rotWithShape="1">
-                <a:blip r:embed="rId7"/>
-                <a:stretch>
-                  <a:fillRect/>
-                </a:stretch>
-              </a:blipFill>
-            </p:spPr>
-            <p:txBody>
-              <a:bodyPr/>
-              <a:lstStyle/>
-              <a:p>
-                <a:r>
-                  <a:rPr lang="nl-NL">
-                    <a:noFill/>
-                  </a:rPr>
-                  <a:t> </a:t>
-                </a:r>
-              </a:p>
-            </p:txBody>
-          </p:sp>
-        </mc:Fallback>
-      </mc:AlternateContent>
-      <mc:AlternateContent xmlns:mc="http://schemas.openxmlformats.org/markup-compatibility/2006" xmlns:a14="http://schemas.microsoft.com/office/drawing/2010/main">
-        <mc:Choice Requires="a14">
-          <p:sp>
-            <p:nvSpPr>
-              <p:cNvPr id="41" name="TextBox 40"/>
-              <p:cNvSpPr txBox="1"/>
-              <p:nvPr/>
-            </p:nvSpPr>
-            <p:spPr>
-              <a:xfrm>
-                <a:off x="7675150" y="321751"/>
-                <a:ext cx="1008112" cy="830997"/>
-              </a:xfrm>
-              <a:prstGeom prst="rect">
-                <a:avLst/>
-              </a:prstGeom>
-              <a:noFill/>
-            </p:spPr>
-            <p:txBody>
-              <a:bodyPr wrap="square" rtlCol="0">
-                <a:spAutoFit/>
-              </a:bodyPr>
-              <a:lstStyle/>
-              <a:p>
-                <a:pPr/>
-                <a14:m>
-                  <m:oMathPara xmlns:m="http://schemas.openxmlformats.org/officeDocument/2006/math">
-                    <m:oMathParaPr>
-                      <m:jc m:val="centerGroup"/>
-                    </m:oMathParaPr>
-                    <m:oMath xmlns:m="http://schemas.openxmlformats.org/officeDocument/2006/math">
-                      <m:r>
-                        <a:rPr lang="nl-NL" sz="4800" b="0" i="1" smtClean="0">
-                          <a:latin typeface="Cambria Math"/>
-                        </a:rPr>
-                        <m:t>𝐸</m:t>
-                      </m:r>
-                    </m:oMath>
-                  </m:oMathPara>
-                </a14:m>
-                <a:endParaRPr lang="nl-NL" sz="4800" dirty="0"/>
-              </a:p>
-            </p:txBody>
-          </p:sp>
-        </mc:Choice>
-        <mc:Fallback xmlns="">
-          <p:sp>
-            <p:nvSpPr>
-              <p:cNvPr id="41" name="TextBox 40"/>
-              <p:cNvSpPr txBox="1">
-                <a:spLocks noRot="1" noChangeAspect="1" noMove="1" noResize="1" noEditPoints="1" noAdjustHandles="1" noChangeArrowheads="1" noChangeShapeType="1" noTextEdit="1"/>
-              </p:cNvSpPr>
-              <p:nvPr/>
-            </p:nvSpPr>
-            <p:spPr>
-              <a:xfrm>
-                <a:off x="7675150" y="321751"/>
-                <a:ext cx="1008112" cy="830997"/>
-              </a:xfrm>
-              <a:prstGeom prst="rect">
-                <a:avLst/>
-              </a:prstGeom>
-              <a:blipFill rotWithShape="1">
-                <a:blip r:embed="rId8"/>
-                <a:stretch>
-                  <a:fillRect/>
-                </a:stretch>
-              </a:blipFill>
-            </p:spPr>
-            <p:txBody>
-              <a:bodyPr/>
-              <a:lstStyle/>
-              <a:p>
-                <a:r>
-                  <a:rPr lang="nl-NL">
-                    <a:noFill/>
-                  </a:rPr>
-                  <a:t> </a:t>
-                </a:r>
-              </a:p>
-            </p:txBody>
-          </p:sp>
-        </mc:Fallback>
-      </mc:AlternateContent>
-    </p:spTree>
-    <p:extLst>
-      <p:ext uri="{BB962C8B-B14F-4D97-AF65-F5344CB8AC3E}">
-        <p14:creationId xmlns:p14="http://schemas.microsoft.com/office/powerpoint/2010/main" val="2181676772"/>
-      </p:ext>
-    </p:extLst>
-  </p:cSld>
-  <p:clrMapOvr>
-    <a:masterClrMapping/>
-  </p:clrMapOvr>
-  <p:timing>
-    <p:tnLst>
-      <p:par>
-        <p:cTn id="1" dur="indefinite" restart="never" nodeType="tmRoot"/>
-      </p:par>
-    </p:tnLst>
-  </p:timing>
-</p:sld>
-</file>
-
-<file path=ppt/slides/slide30.xml><?xml version="1.0" encoding="utf-8"?>
+<file path=ppt/slides/slide31.xml><?xml version="1.0" encoding="utf-8"?>
 <p:sld xmlns:a="http://schemas.openxmlformats.org/drawingml/2006/main" xmlns:r="http://schemas.openxmlformats.org/officeDocument/2006/relationships" xmlns:p="http://schemas.openxmlformats.org/presentationml/2006/main">
   <p:cSld>
     <p:spTree>
@@ -19780,7 +20521,7 @@
 </p:sld>
 </file>
 
-<file path=ppt/slides/slide31.xml><?xml version="1.0" encoding="utf-8"?>
+<file path=ppt/slides/slide32.xml><?xml version="1.0" encoding="utf-8"?>
 <p:sld xmlns:a="http://schemas.openxmlformats.org/drawingml/2006/main" xmlns:r="http://schemas.openxmlformats.org/officeDocument/2006/relationships" xmlns:p="http://schemas.openxmlformats.org/presentationml/2006/main">
   <p:cSld>
     <p:spTree>
@@ -20772,7 +21513,7 @@
 </p:sld>
 </file>
 
-<file path=ppt/slides/slide32.xml><?xml version="1.0" encoding="utf-8"?>
+<file path=ppt/slides/slide33.xml><?xml version="1.0" encoding="utf-8"?>
 <p:sld xmlns:a="http://schemas.openxmlformats.org/drawingml/2006/main" xmlns:r="http://schemas.openxmlformats.org/officeDocument/2006/relationships" xmlns:p="http://schemas.openxmlformats.org/presentationml/2006/main">
   <p:cSld>
     <p:spTree>
@@ -21725,7 +22466,7 @@
 </p:sld>
 </file>
 
-<file path=ppt/slides/slide33.xml><?xml version="1.0" encoding="utf-8"?>
+<file path=ppt/slides/slide34.xml><?xml version="1.0" encoding="utf-8"?>
 <p:sld xmlns:a="http://schemas.openxmlformats.org/drawingml/2006/main" xmlns:r="http://schemas.openxmlformats.org/officeDocument/2006/relationships" xmlns:p="http://schemas.openxmlformats.org/presentationml/2006/main">
   <p:cSld>
     <p:spTree>
@@ -23305,7 +24046,7 @@
 </p:sld>
 </file>
 
-<file path=ppt/slides/slide34.xml><?xml version="1.0" encoding="utf-8"?>
+<file path=ppt/slides/slide35.xml><?xml version="1.0" encoding="utf-8"?>
 <p:sld xmlns:a="http://schemas.openxmlformats.org/drawingml/2006/main" xmlns:r="http://schemas.openxmlformats.org/officeDocument/2006/relationships" xmlns:p="http://schemas.openxmlformats.org/presentationml/2006/main">
   <p:cSld>
     <p:spTree>
@@ -24102,7 +24843,7 @@
 </p:sld>
 </file>
 
-<file path=ppt/slides/slide35.xml><?xml version="1.0" encoding="utf-8"?>
+<file path=ppt/slides/slide36.xml><?xml version="1.0" encoding="utf-8"?>
 <p:sld xmlns:a="http://schemas.openxmlformats.org/drawingml/2006/main" xmlns:r="http://schemas.openxmlformats.org/officeDocument/2006/relationships" xmlns:p="http://schemas.openxmlformats.org/presentationml/2006/main">
   <p:cSld>
     <p:spTree>
@@ -25179,7 +25920,7 @@
 </p:sld>
 </file>
 
-<file path=ppt/slides/slide36.xml><?xml version="1.0" encoding="utf-8"?>
+<file path=ppt/slides/slide37.xml><?xml version="1.0" encoding="utf-8"?>
 <p:sld xmlns:a="http://schemas.openxmlformats.org/drawingml/2006/main" xmlns:r="http://schemas.openxmlformats.org/officeDocument/2006/relationships" xmlns:p="http://schemas.openxmlformats.org/presentationml/2006/main">
   <p:cSld>
     <p:spTree>
@@ -26548,7 +27289,7 @@
 </p:sld>
 </file>
 
-<file path=ppt/slides/slide37.xml><?xml version="1.0" encoding="utf-8"?>
+<file path=ppt/slides/slide38.xml><?xml version="1.0" encoding="utf-8"?>
 <p:sld xmlns:a="http://schemas.openxmlformats.org/drawingml/2006/main" xmlns:r="http://schemas.openxmlformats.org/officeDocument/2006/relationships" xmlns:p="http://schemas.openxmlformats.org/presentationml/2006/main">
   <p:cSld>
     <p:spTree>
@@ -28599,7 +29340,7 @@
 </p:sld>
 </file>
 
-<file path=ppt/slides/slide38.xml><?xml version="1.0" encoding="utf-8"?>
+<file path=ppt/slides/slide39.xml><?xml version="1.0" encoding="utf-8"?>
 <p:sld xmlns:a="http://schemas.openxmlformats.org/drawingml/2006/main" xmlns:r="http://schemas.openxmlformats.org/officeDocument/2006/relationships" xmlns:p="http://schemas.openxmlformats.org/presentationml/2006/main">
   <p:cSld>
     <p:spTree>
@@ -30650,7 +31391,622 @@
 </p:sld>
 </file>
 
-<file path=ppt/slides/slide39.xml><?xml version="1.0" encoding="utf-8"?>
+<file path=ppt/slides/slide4.xml><?xml version="1.0" encoding="utf-8"?>
+<p:sld xmlns:a="http://schemas.openxmlformats.org/drawingml/2006/main" xmlns:r="http://schemas.openxmlformats.org/officeDocument/2006/relationships" xmlns:p="http://schemas.openxmlformats.org/presentationml/2006/main">
+  <p:cSld>
+    <p:spTree>
+      <p:nvGrpSpPr>
+        <p:cNvPr id="1" name=""/>
+        <p:cNvGrpSpPr/>
+        <p:nvPr/>
+      </p:nvGrpSpPr>
+      <p:grpSpPr>
+        <a:xfrm>
+          <a:off x="0" y="0"/>
+          <a:ext cx="0" cy="0"/>
+          <a:chOff x="0" y="0"/>
+          <a:chExt cx="0" cy="0"/>
+        </a:xfrm>
+      </p:grpSpPr>
+      <p:cxnSp>
+        <p:nvCxnSpPr>
+          <p:cNvPr id="6" name="Straight Connector 5"/>
+          <p:cNvCxnSpPr/>
+          <p:nvPr/>
+        </p:nvCxnSpPr>
+        <p:spPr>
+          <a:xfrm flipV="1">
+            <a:off x="999346" y="2909600"/>
+            <a:ext cx="2418509" cy="3008992"/>
+          </a:xfrm>
+          <a:prstGeom prst="line">
+            <a:avLst/>
+          </a:prstGeom>
+          <a:ln w="76200"/>
+        </p:spPr>
+        <p:style>
+          <a:lnRef idx="1">
+            <a:schemeClr val="dk1"/>
+          </a:lnRef>
+          <a:fillRef idx="0">
+            <a:schemeClr val="dk1"/>
+          </a:fillRef>
+          <a:effectRef idx="0">
+            <a:schemeClr val="dk1"/>
+          </a:effectRef>
+          <a:fontRef idx="minor">
+            <a:schemeClr val="tx1"/>
+          </a:fontRef>
+        </p:style>
+      </p:cxnSp>
+      <p:cxnSp>
+        <p:nvCxnSpPr>
+          <p:cNvPr id="8" name="Straight Connector 7"/>
+          <p:cNvCxnSpPr/>
+          <p:nvPr/>
+        </p:nvCxnSpPr>
+        <p:spPr>
+          <a:xfrm flipV="1">
+            <a:off x="3417855" y="1311073"/>
+            <a:ext cx="4614093" cy="1598527"/>
+          </a:xfrm>
+          <a:prstGeom prst="line">
+            <a:avLst/>
+          </a:prstGeom>
+          <a:ln w="76200"/>
+        </p:spPr>
+        <p:style>
+          <a:lnRef idx="1">
+            <a:schemeClr val="dk1"/>
+          </a:lnRef>
+          <a:fillRef idx="0">
+            <a:schemeClr val="dk1"/>
+          </a:fillRef>
+          <a:effectRef idx="0">
+            <a:schemeClr val="dk1"/>
+          </a:effectRef>
+          <a:fontRef idx="minor">
+            <a:schemeClr val="tx1"/>
+          </a:fontRef>
+        </p:style>
+      </p:cxnSp>
+      <p:sp>
+        <p:nvSpPr>
+          <p:cNvPr id="15" name="Oval 14"/>
+          <p:cNvSpPr/>
+          <p:nvPr/>
+        </p:nvSpPr>
+        <p:spPr>
+          <a:xfrm>
+            <a:off x="852088" y="5777546"/>
+            <a:ext cx="294517" cy="282093"/>
+          </a:xfrm>
+          <a:prstGeom prst="ellipse">
+            <a:avLst/>
+          </a:prstGeom>
+        </p:spPr>
+        <p:style>
+          <a:lnRef idx="2">
+            <a:schemeClr val="dk1">
+              <a:shade val="50000"/>
+            </a:schemeClr>
+          </a:lnRef>
+          <a:fillRef idx="1">
+            <a:schemeClr val="dk1"/>
+          </a:fillRef>
+          <a:effectRef idx="0">
+            <a:schemeClr val="dk1"/>
+          </a:effectRef>
+          <a:fontRef idx="minor">
+            <a:schemeClr val="lt1"/>
+          </a:fontRef>
+        </p:style>
+        <p:txBody>
+          <a:bodyPr rtlCol="0" anchor="ctr"/>
+          <a:lstStyle/>
+          <a:p>
+            <a:pPr algn="ctr"/>
+            <a:endParaRPr lang="nl-NL"/>
+          </a:p>
+        </p:txBody>
+      </p:sp>
+      <p:sp>
+        <p:nvSpPr>
+          <p:cNvPr id="16" name="Oval 15"/>
+          <p:cNvSpPr/>
+          <p:nvPr/>
+        </p:nvSpPr>
+        <p:spPr>
+          <a:xfrm>
+            <a:off x="3270597" y="2768554"/>
+            <a:ext cx="294517" cy="282093"/>
+          </a:xfrm>
+          <a:prstGeom prst="ellipse">
+            <a:avLst/>
+          </a:prstGeom>
+        </p:spPr>
+        <p:style>
+          <a:lnRef idx="2">
+            <a:schemeClr val="dk1">
+              <a:shade val="50000"/>
+            </a:schemeClr>
+          </a:lnRef>
+          <a:fillRef idx="1">
+            <a:schemeClr val="dk1"/>
+          </a:fillRef>
+          <a:effectRef idx="0">
+            <a:schemeClr val="dk1"/>
+          </a:effectRef>
+          <a:fontRef idx="minor">
+            <a:schemeClr val="lt1"/>
+          </a:fontRef>
+        </p:style>
+        <p:txBody>
+          <a:bodyPr rtlCol="0" anchor="ctr"/>
+          <a:lstStyle/>
+          <a:p>
+            <a:pPr algn="ctr"/>
+            <a:endParaRPr lang="nl-NL"/>
+          </a:p>
+        </p:txBody>
+      </p:sp>
+      <mc:AlternateContent xmlns:mc="http://schemas.openxmlformats.org/markup-compatibility/2006" xmlns:a14="http://schemas.microsoft.com/office/drawing/2010/main">
+        <mc:Choice Requires="a14">
+          <p:sp>
+            <p:nvSpPr>
+              <p:cNvPr id="34" name="TextBox 33"/>
+              <p:cNvSpPr txBox="1"/>
+              <p:nvPr/>
+            </p:nvSpPr>
+            <p:spPr>
+              <a:xfrm>
+                <a:off x="8028384" y="5661248"/>
+                <a:ext cx="1008112" cy="1107996"/>
+              </a:xfrm>
+              <a:prstGeom prst="rect">
+                <a:avLst/>
+              </a:prstGeom>
+              <a:noFill/>
+            </p:spPr>
+            <p:txBody>
+              <a:bodyPr wrap="square" rtlCol="0">
+                <a:spAutoFit/>
+              </a:bodyPr>
+              <a:lstStyle/>
+              <a:p>
+                <a:pPr/>
+                <a14:m>
+                  <m:oMathPara xmlns:m="http://schemas.openxmlformats.org/officeDocument/2006/math">
+                    <m:oMathParaPr>
+                      <m:jc m:val="centerGroup"/>
+                    </m:oMathParaPr>
+                    <m:oMath xmlns:m="http://schemas.openxmlformats.org/officeDocument/2006/math">
+                      <m:r>
+                        <a:rPr lang="nl-NL" sz="6600" b="0" i="1" smtClean="0">
+                          <a:latin typeface="Cambria Math"/>
+                        </a:rPr>
+                        <m:t>𝑥</m:t>
+                      </m:r>
+                    </m:oMath>
+                  </m:oMathPara>
+                </a14:m>
+                <a:endParaRPr lang="nl-NL" sz="4800" dirty="0"/>
+              </a:p>
+            </p:txBody>
+          </p:sp>
+        </mc:Choice>
+        <mc:Fallback xmlns="">
+          <p:sp>
+            <p:nvSpPr>
+              <p:cNvPr id="34" name="TextBox 33"/>
+              <p:cNvSpPr txBox="1">
+                <a:spLocks noRot="1" noChangeAspect="1" noMove="1" noResize="1" noEditPoints="1" noAdjustHandles="1" noChangeArrowheads="1" noChangeShapeType="1" noTextEdit="1"/>
+              </p:cNvSpPr>
+              <p:nvPr/>
+            </p:nvSpPr>
+            <p:spPr>
+              <a:xfrm>
+                <a:off x="8028384" y="5661248"/>
+                <a:ext cx="1008112" cy="1107996"/>
+              </a:xfrm>
+              <a:prstGeom prst="rect">
+                <a:avLst/>
+              </a:prstGeom>
+              <a:blipFill rotWithShape="1">
+                <a:blip r:embed="rId2"/>
+                <a:stretch>
+                  <a:fillRect/>
+                </a:stretch>
+              </a:blipFill>
+            </p:spPr>
+            <p:txBody>
+              <a:bodyPr/>
+              <a:lstStyle/>
+              <a:p>
+                <a:r>
+                  <a:rPr lang="nl-NL">
+                    <a:noFill/>
+                  </a:rPr>
+                  <a:t> </a:t>
+                </a:r>
+              </a:p>
+            </p:txBody>
+          </p:sp>
+        </mc:Fallback>
+      </mc:AlternateContent>
+      <mc:AlternateContent xmlns:mc="http://schemas.openxmlformats.org/markup-compatibility/2006" xmlns:a14="http://schemas.microsoft.com/office/drawing/2010/main">
+        <mc:Choice Requires="a14">
+          <p:sp>
+            <p:nvSpPr>
+              <p:cNvPr id="35" name="TextBox 34"/>
+              <p:cNvSpPr txBox="1"/>
+              <p:nvPr/>
+            </p:nvSpPr>
+            <p:spPr>
+              <a:xfrm>
+                <a:off x="48468" y="989605"/>
+                <a:ext cx="1008112" cy="830997"/>
+              </a:xfrm>
+              <a:prstGeom prst="rect">
+                <a:avLst/>
+              </a:prstGeom>
+              <a:noFill/>
+            </p:spPr>
+            <p:txBody>
+              <a:bodyPr wrap="square" rtlCol="0">
+                <a:spAutoFit/>
+              </a:bodyPr>
+              <a:lstStyle/>
+              <a:p>
+                <a:pPr/>
+                <a14:m>
+                  <m:oMathPara xmlns:m="http://schemas.openxmlformats.org/officeDocument/2006/math">
+                    <m:oMathParaPr>
+                      <m:jc m:val="centerGroup"/>
+                    </m:oMathParaPr>
+                    <m:oMath xmlns:m="http://schemas.openxmlformats.org/officeDocument/2006/math">
+                      <m:r>
+                        <a:rPr lang="nl-NL" sz="4800" b="0" i="1" smtClean="0">
+                          <a:latin typeface="Cambria Math"/>
+                        </a:rPr>
+                        <m:t>𝑦</m:t>
+                      </m:r>
+                    </m:oMath>
+                  </m:oMathPara>
+                </a14:m>
+                <a:endParaRPr lang="nl-NL" sz="4800" dirty="0"/>
+              </a:p>
+            </p:txBody>
+          </p:sp>
+        </mc:Choice>
+        <mc:Fallback xmlns="">
+          <p:sp>
+            <p:nvSpPr>
+              <p:cNvPr id="35" name="TextBox 34"/>
+              <p:cNvSpPr txBox="1">
+                <a:spLocks noRot="1" noChangeAspect="1" noMove="1" noResize="1" noEditPoints="1" noAdjustHandles="1" noChangeArrowheads="1" noChangeShapeType="1" noTextEdit="1"/>
+              </p:cNvSpPr>
+              <p:nvPr/>
+            </p:nvSpPr>
+            <p:spPr>
+              <a:xfrm>
+                <a:off x="48468" y="989605"/>
+                <a:ext cx="1008112" cy="830997"/>
+              </a:xfrm>
+              <a:prstGeom prst="rect">
+                <a:avLst/>
+              </a:prstGeom>
+              <a:blipFill rotWithShape="1">
+                <a:blip r:embed="rId3"/>
+                <a:stretch>
+                  <a:fillRect/>
+                </a:stretch>
+              </a:blipFill>
+            </p:spPr>
+            <p:txBody>
+              <a:bodyPr/>
+              <a:lstStyle/>
+              <a:p>
+                <a:r>
+                  <a:rPr lang="nl-NL">
+                    <a:noFill/>
+                  </a:rPr>
+                  <a:t> </a:t>
+                </a:r>
+              </a:p>
+            </p:txBody>
+          </p:sp>
+        </mc:Fallback>
+      </mc:AlternateContent>
+      <p:sp>
+        <p:nvSpPr>
+          <p:cNvPr id="13" name="Oval 12"/>
+          <p:cNvSpPr/>
+          <p:nvPr/>
+        </p:nvSpPr>
+        <p:spPr>
+          <a:xfrm>
+            <a:off x="7884689" y="1152749"/>
+            <a:ext cx="294517" cy="282093"/>
+          </a:xfrm>
+          <a:prstGeom prst="ellipse">
+            <a:avLst/>
+          </a:prstGeom>
+        </p:spPr>
+        <p:style>
+          <a:lnRef idx="2">
+            <a:schemeClr val="dk1">
+              <a:shade val="50000"/>
+            </a:schemeClr>
+          </a:lnRef>
+          <a:fillRef idx="1">
+            <a:schemeClr val="dk1"/>
+          </a:fillRef>
+          <a:effectRef idx="0">
+            <a:schemeClr val="dk1"/>
+          </a:effectRef>
+          <a:fontRef idx="minor">
+            <a:schemeClr val="lt1"/>
+          </a:fontRef>
+        </p:style>
+        <p:txBody>
+          <a:bodyPr rtlCol="0" anchor="ctr"/>
+          <a:lstStyle/>
+          <a:p>
+            <a:pPr algn="ctr"/>
+            <a:endParaRPr lang="nl-NL"/>
+          </a:p>
+        </p:txBody>
+      </p:sp>
+      <p:cxnSp>
+        <p:nvCxnSpPr>
+          <p:cNvPr id="5" name="Straight Arrow Connector 4"/>
+          <p:cNvCxnSpPr/>
+          <p:nvPr/>
+        </p:nvCxnSpPr>
+        <p:spPr>
+          <a:xfrm flipV="1">
+            <a:off x="1008579" y="764704"/>
+            <a:ext cx="0" cy="5153889"/>
+          </a:xfrm>
+          <a:prstGeom prst="straightConnector1">
+            <a:avLst/>
+          </a:prstGeom>
+          <a:ln w="38100">
+            <a:solidFill>
+              <a:schemeClr val="tx1"/>
+            </a:solidFill>
+            <a:tailEnd type="arrow"/>
+          </a:ln>
+        </p:spPr>
+        <p:style>
+          <a:lnRef idx="1">
+            <a:schemeClr val="accent1"/>
+          </a:lnRef>
+          <a:fillRef idx="0">
+            <a:schemeClr val="accent1"/>
+          </a:fillRef>
+          <a:effectRef idx="0">
+            <a:schemeClr val="accent1"/>
+          </a:effectRef>
+          <a:fontRef idx="minor">
+            <a:schemeClr val="tx1"/>
+          </a:fontRef>
+        </p:style>
+      </p:cxnSp>
+      <p:cxnSp>
+        <p:nvCxnSpPr>
+          <p:cNvPr id="19" name="Straight Arrow Connector 18"/>
+          <p:cNvCxnSpPr/>
+          <p:nvPr/>
+        </p:nvCxnSpPr>
+        <p:spPr>
+          <a:xfrm flipV="1">
+            <a:off x="978424" y="5927839"/>
+            <a:ext cx="7770040" cy="1"/>
+          </a:xfrm>
+          <a:prstGeom prst="straightConnector1">
+            <a:avLst/>
+          </a:prstGeom>
+          <a:ln w="38100">
+            <a:solidFill>
+              <a:schemeClr val="tx1"/>
+            </a:solidFill>
+            <a:tailEnd type="arrow"/>
+          </a:ln>
+        </p:spPr>
+        <p:style>
+          <a:lnRef idx="1">
+            <a:schemeClr val="accent1"/>
+          </a:lnRef>
+          <a:fillRef idx="0">
+            <a:schemeClr val="accent1"/>
+          </a:fillRef>
+          <a:effectRef idx="0">
+            <a:schemeClr val="accent1"/>
+          </a:effectRef>
+          <a:fontRef idx="minor">
+            <a:schemeClr val="tx1"/>
+          </a:fontRef>
+        </p:style>
+      </p:cxnSp>
+      <p:cxnSp>
+        <p:nvCxnSpPr>
+          <p:cNvPr id="18" name="Straight Connector 17"/>
+          <p:cNvCxnSpPr/>
+          <p:nvPr/>
+        </p:nvCxnSpPr>
+        <p:spPr>
+          <a:xfrm flipV="1">
+            <a:off x="1008000" y="4797152"/>
+            <a:ext cx="3737592" cy="1121440"/>
+          </a:xfrm>
+          <a:prstGeom prst="line">
+            <a:avLst/>
+          </a:prstGeom>
+          <a:ln w="76200">
+            <a:solidFill>
+              <a:schemeClr val="bg1">
+                <a:lumMod val="50000"/>
+              </a:schemeClr>
+            </a:solidFill>
+          </a:ln>
+        </p:spPr>
+        <p:style>
+          <a:lnRef idx="1">
+            <a:schemeClr val="dk1"/>
+          </a:lnRef>
+          <a:fillRef idx="0">
+            <a:schemeClr val="dk1"/>
+          </a:fillRef>
+          <a:effectRef idx="0">
+            <a:schemeClr val="dk1"/>
+          </a:effectRef>
+          <a:fontRef idx="minor">
+            <a:schemeClr val="tx1"/>
+          </a:fontRef>
+        </p:style>
+      </p:cxnSp>
+      <p:cxnSp>
+        <p:nvCxnSpPr>
+          <p:cNvPr id="20" name="Straight Connector 19"/>
+          <p:cNvCxnSpPr/>
+          <p:nvPr/>
+        </p:nvCxnSpPr>
+        <p:spPr>
+          <a:xfrm flipV="1">
+            <a:off x="4716016" y="1292922"/>
+            <a:ext cx="3315932" cy="3504230"/>
+          </a:xfrm>
+          <a:prstGeom prst="line">
+            <a:avLst/>
+          </a:prstGeom>
+          <a:ln w="76200">
+            <a:solidFill>
+              <a:schemeClr val="bg1">
+                <a:lumMod val="50000"/>
+              </a:schemeClr>
+            </a:solidFill>
+          </a:ln>
+        </p:spPr>
+        <p:style>
+          <a:lnRef idx="1">
+            <a:schemeClr val="dk1"/>
+          </a:lnRef>
+          <a:fillRef idx="0">
+            <a:schemeClr val="dk1"/>
+          </a:fillRef>
+          <a:effectRef idx="0">
+            <a:schemeClr val="dk1"/>
+          </a:effectRef>
+          <a:fontRef idx="minor">
+            <a:schemeClr val="tx1"/>
+          </a:fontRef>
+        </p:style>
+      </p:cxnSp>
+      <p:cxnSp>
+        <p:nvCxnSpPr>
+          <p:cNvPr id="30" name="Straight Arrow Connector 29"/>
+          <p:cNvCxnSpPr/>
+          <p:nvPr/>
+        </p:nvCxnSpPr>
+        <p:spPr>
+          <a:xfrm flipV="1">
+            <a:off x="1008579" y="620688"/>
+            <a:ext cx="8027917" cy="5297905"/>
+          </a:xfrm>
+          <a:prstGeom prst="straightConnector1">
+            <a:avLst/>
+          </a:prstGeom>
+          <a:ln w="38100">
+            <a:solidFill>
+              <a:schemeClr val="tx1"/>
+            </a:solidFill>
+            <a:prstDash val="sysDot"/>
+            <a:tailEnd type="none"/>
+          </a:ln>
+        </p:spPr>
+        <p:style>
+          <a:lnRef idx="1">
+            <a:schemeClr val="accent1"/>
+          </a:lnRef>
+          <a:fillRef idx="0">
+            <a:schemeClr val="accent1"/>
+          </a:fillRef>
+          <a:effectRef idx="0">
+            <a:schemeClr val="accent1"/>
+          </a:effectRef>
+          <a:fontRef idx="minor">
+            <a:schemeClr val="tx1"/>
+          </a:fontRef>
+        </p:style>
+      </p:cxnSp>
+      <p:sp>
+        <p:nvSpPr>
+          <p:cNvPr id="37" name="Oval 36"/>
+          <p:cNvSpPr/>
+          <p:nvPr/>
+        </p:nvSpPr>
+        <p:spPr>
+          <a:xfrm>
+            <a:off x="4524155" y="4656105"/>
+            <a:ext cx="294517" cy="282093"/>
+          </a:xfrm>
+          <a:prstGeom prst="ellipse">
+            <a:avLst/>
+          </a:prstGeom>
+          <a:solidFill>
+            <a:schemeClr val="bg1">
+              <a:lumMod val="50000"/>
+            </a:schemeClr>
+          </a:solidFill>
+          <a:ln>
+            <a:solidFill>
+              <a:schemeClr val="bg1">
+                <a:lumMod val="50000"/>
+              </a:schemeClr>
+            </a:solidFill>
+          </a:ln>
+        </p:spPr>
+        <p:style>
+          <a:lnRef idx="2">
+            <a:schemeClr val="dk1">
+              <a:shade val="50000"/>
+            </a:schemeClr>
+          </a:lnRef>
+          <a:fillRef idx="1">
+            <a:schemeClr val="dk1"/>
+          </a:fillRef>
+          <a:effectRef idx="0">
+            <a:schemeClr val="dk1"/>
+          </a:effectRef>
+          <a:fontRef idx="minor">
+            <a:schemeClr val="lt1"/>
+          </a:fontRef>
+        </p:style>
+        <p:txBody>
+          <a:bodyPr rtlCol="0" anchor="ctr"/>
+          <a:lstStyle/>
+          <a:p>
+            <a:pPr algn="ctr"/>
+            <a:endParaRPr lang="nl-NL"/>
+          </a:p>
+        </p:txBody>
+      </p:sp>
+    </p:spTree>
+    <p:extLst>
+      <p:ext uri="{BB962C8B-B14F-4D97-AF65-F5344CB8AC3E}">
+        <p14:creationId xmlns:p14="http://schemas.microsoft.com/office/powerpoint/2010/main" val="1828309408"/>
+      </p:ext>
+    </p:extLst>
+  </p:cSld>
+  <p:clrMapOvr>
+    <a:masterClrMapping/>
+  </p:clrMapOvr>
+</p:sld>
+</file>
+
+<file path=ppt/slides/slide40.xml><?xml version="1.0" encoding="utf-8"?>
 <p:sld xmlns:a="http://schemas.openxmlformats.org/drawingml/2006/main" xmlns:r="http://schemas.openxmlformats.org/officeDocument/2006/relationships" xmlns:p="http://schemas.openxmlformats.org/presentationml/2006/main">
   <p:cSld>
     <p:spTree>
@@ -32443,622 +33799,7 @@
 </p:sld>
 </file>
 
-<file path=ppt/slides/slide4.xml><?xml version="1.0" encoding="utf-8"?>
-<p:sld xmlns:a="http://schemas.openxmlformats.org/drawingml/2006/main" xmlns:r="http://schemas.openxmlformats.org/officeDocument/2006/relationships" xmlns:p="http://schemas.openxmlformats.org/presentationml/2006/main">
-  <p:cSld>
-    <p:spTree>
-      <p:nvGrpSpPr>
-        <p:cNvPr id="1" name=""/>
-        <p:cNvGrpSpPr/>
-        <p:nvPr/>
-      </p:nvGrpSpPr>
-      <p:grpSpPr>
-        <a:xfrm>
-          <a:off x="0" y="0"/>
-          <a:ext cx="0" cy="0"/>
-          <a:chOff x="0" y="0"/>
-          <a:chExt cx="0" cy="0"/>
-        </a:xfrm>
-      </p:grpSpPr>
-      <p:cxnSp>
-        <p:nvCxnSpPr>
-          <p:cNvPr id="6" name="Straight Connector 5"/>
-          <p:cNvCxnSpPr/>
-          <p:nvPr/>
-        </p:nvCxnSpPr>
-        <p:spPr>
-          <a:xfrm flipV="1">
-            <a:off x="999346" y="2909600"/>
-            <a:ext cx="2418509" cy="3008992"/>
-          </a:xfrm>
-          <a:prstGeom prst="line">
-            <a:avLst/>
-          </a:prstGeom>
-          <a:ln w="76200"/>
-        </p:spPr>
-        <p:style>
-          <a:lnRef idx="1">
-            <a:schemeClr val="dk1"/>
-          </a:lnRef>
-          <a:fillRef idx="0">
-            <a:schemeClr val="dk1"/>
-          </a:fillRef>
-          <a:effectRef idx="0">
-            <a:schemeClr val="dk1"/>
-          </a:effectRef>
-          <a:fontRef idx="minor">
-            <a:schemeClr val="tx1"/>
-          </a:fontRef>
-        </p:style>
-      </p:cxnSp>
-      <p:cxnSp>
-        <p:nvCxnSpPr>
-          <p:cNvPr id="8" name="Straight Connector 7"/>
-          <p:cNvCxnSpPr/>
-          <p:nvPr/>
-        </p:nvCxnSpPr>
-        <p:spPr>
-          <a:xfrm flipV="1">
-            <a:off x="3417855" y="1311073"/>
-            <a:ext cx="4614093" cy="1598527"/>
-          </a:xfrm>
-          <a:prstGeom prst="line">
-            <a:avLst/>
-          </a:prstGeom>
-          <a:ln w="76200"/>
-        </p:spPr>
-        <p:style>
-          <a:lnRef idx="1">
-            <a:schemeClr val="dk1"/>
-          </a:lnRef>
-          <a:fillRef idx="0">
-            <a:schemeClr val="dk1"/>
-          </a:fillRef>
-          <a:effectRef idx="0">
-            <a:schemeClr val="dk1"/>
-          </a:effectRef>
-          <a:fontRef idx="minor">
-            <a:schemeClr val="tx1"/>
-          </a:fontRef>
-        </p:style>
-      </p:cxnSp>
-      <p:sp>
-        <p:nvSpPr>
-          <p:cNvPr id="15" name="Oval 14"/>
-          <p:cNvSpPr/>
-          <p:nvPr/>
-        </p:nvSpPr>
-        <p:spPr>
-          <a:xfrm>
-            <a:off x="852088" y="5777546"/>
-            <a:ext cx="294517" cy="282093"/>
-          </a:xfrm>
-          <a:prstGeom prst="ellipse">
-            <a:avLst/>
-          </a:prstGeom>
-        </p:spPr>
-        <p:style>
-          <a:lnRef idx="2">
-            <a:schemeClr val="dk1">
-              <a:shade val="50000"/>
-            </a:schemeClr>
-          </a:lnRef>
-          <a:fillRef idx="1">
-            <a:schemeClr val="dk1"/>
-          </a:fillRef>
-          <a:effectRef idx="0">
-            <a:schemeClr val="dk1"/>
-          </a:effectRef>
-          <a:fontRef idx="minor">
-            <a:schemeClr val="lt1"/>
-          </a:fontRef>
-        </p:style>
-        <p:txBody>
-          <a:bodyPr rtlCol="0" anchor="ctr"/>
-          <a:lstStyle/>
-          <a:p>
-            <a:pPr algn="ctr"/>
-            <a:endParaRPr lang="nl-NL"/>
-          </a:p>
-        </p:txBody>
-      </p:sp>
-      <p:sp>
-        <p:nvSpPr>
-          <p:cNvPr id="16" name="Oval 15"/>
-          <p:cNvSpPr/>
-          <p:nvPr/>
-        </p:nvSpPr>
-        <p:spPr>
-          <a:xfrm>
-            <a:off x="3270597" y="2768554"/>
-            <a:ext cx="294517" cy="282093"/>
-          </a:xfrm>
-          <a:prstGeom prst="ellipse">
-            <a:avLst/>
-          </a:prstGeom>
-        </p:spPr>
-        <p:style>
-          <a:lnRef idx="2">
-            <a:schemeClr val="dk1">
-              <a:shade val="50000"/>
-            </a:schemeClr>
-          </a:lnRef>
-          <a:fillRef idx="1">
-            <a:schemeClr val="dk1"/>
-          </a:fillRef>
-          <a:effectRef idx="0">
-            <a:schemeClr val="dk1"/>
-          </a:effectRef>
-          <a:fontRef idx="minor">
-            <a:schemeClr val="lt1"/>
-          </a:fontRef>
-        </p:style>
-        <p:txBody>
-          <a:bodyPr rtlCol="0" anchor="ctr"/>
-          <a:lstStyle/>
-          <a:p>
-            <a:pPr algn="ctr"/>
-            <a:endParaRPr lang="nl-NL"/>
-          </a:p>
-        </p:txBody>
-      </p:sp>
-      <mc:AlternateContent xmlns:mc="http://schemas.openxmlformats.org/markup-compatibility/2006" xmlns:a14="http://schemas.microsoft.com/office/drawing/2010/main">
-        <mc:Choice Requires="a14">
-          <p:sp>
-            <p:nvSpPr>
-              <p:cNvPr id="34" name="TextBox 33"/>
-              <p:cNvSpPr txBox="1"/>
-              <p:nvPr/>
-            </p:nvSpPr>
-            <p:spPr>
-              <a:xfrm>
-                <a:off x="8028384" y="5661248"/>
-                <a:ext cx="1008112" cy="1107996"/>
-              </a:xfrm>
-              <a:prstGeom prst="rect">
-                <a:avLst/>
-              </a:prstGeom>
-              <a:noFill/>
-            </p:spPr>
-            <p:txBody>
-              <a:bodyPr wrap="square" rtlCol="0">
-                <a:spAutoFit/>
-              </a:bodyPr>
-              <a:lstStyle/>
-              <a:p>
-                <a:pPr/>
-                <a14:m>
-                  <m:oMathPara xmlns:m="http://schemas.openxmlformats.org/officeDocument/2006/math">
-                    <m:oMathParaPr>
-                      <m:jc m:val="centerGroup"/>
-                    </m:oMathParaPr>
-                    <m:oMath xmlns:m="http://schemas.openxmlformats.org/officeDocument/2006/math">
-                      <m:r>
-                        <a:rPr lang="nl-NL" sz="6600" b="0" i="1" smtClean="0">
-                          <a:latin typeface="Cambria Math"/>
-                        </a:rPr>
-                        <m:t>𝑥</m:t>
-                      </m:r>
-                    </m:oMath>
-                  </m:oMathPara>
-                </a14:m>
-                <a:endParaRPr lang="nl-NL" sz="4800" dirty="0"/>
-              </a:p>
-            </p:txBody>
-          </p:sp>
-        </mc:Choice>
-        <mc:Fallback xmlns="">
-          <p:sp>
-            <p:nvSpPr>
-              <p:cNvPr id="34" name="TextBox 33"/>
-              <p:cNvSpPr txBox="1">
-                <a:spLocks noRot="1" noChangeAspect="1" noMove="1" noResize="1" noEditPoints="1" noAdjustHandles="1" noChangeArrowheads="1" noChangeShapeType="1" noTextEdit="1"/>
-              </p:cNvSpPr>
-              <p:nvPr/>
-            </p:nvSpPr>
-            <p:spPr>
-              <a:xfrm>
-                <a:off x="8028384" y="5661248"/>
-                <a:ext cx="1008112" cy="1107996"/>
-              </a:xfrm>
-              <a:prstGeom prst="rect">
-                <a:avLst/>
-              </a:prstGeom>
-              <a:blipFill rotWithShape="1">
-                <a:blip r:embed="rId2"/>
-                <a:stretch>
-                  <a:fillRect/>
-                </a:stretch>
-              </a:blipFill>
-            </p:spPr>
-            <p:txBody>
-              <a:bodyPr/>
-              <a:lstStyle/>
-              <a:p>
-                <a:r>
-                  <a:rPr lang="nl-NL">
-                    <a:noFill/>
-                  </a:rPr>
-                  <a:t> </a:t>
-                </a:r>
-              </a:p>
-            </p:txBody>
-          </p:sp>
-        </mc:Fallback>
-      </mc:AlternateContent>
-      <mc:AlternateContent xmlns:mc="http://schemas.openxmlformats.org/markup-compatibility/2006" xmlns:a14="http://schemas.microsoft.com/office/drawing/2010/main">
-        <mc:Choice Requires="a14">
-          <p:sp>
-            <p:nvSpPr>
-              <p:cNvPr id="35" name="TextBox 34"/>
-              <p:cNvSpPr txBox="1"/>
-              <p:nvPr/>
-            </p:nvSpPr>
-            <p:spPr>
-              <a:xfrm>
-                <a:off x="48468" y="989605"/>
-                <a:ext cx="1008112" cy="830997"/>
-              </a:xfrm>
-              <a:prstGeom prst="rect">
-                <a:avLst/>
-              </a:prstGeom>
-              <a:noFill/>
-            </p:spPr>
-            <p:txBody>
-              <a:bodyPr wrap="square" rtlCol="0">
-                <a:spAutoFit/>
-              </a:bodyPr>
-              <a:lstStyle/>
-              <a:p>
-                <a:pPr/>
-                <a14:m>
-                  <m:oMathPara xmlns:m="http://schemas.openxmlformats.org/officeDocument/2006/math">
-                    <m:oMathParaPr>
-                      <m:jc m:val="centerGroup"/>
-                    </m:oMathParaPr>
-                    <m:oMath xmlns:m="http://schemas.openxmlformats.org/officeDocument/2006/math">
-                      <m:r>
-                        <a:rPr lang="nl-NL" sz="4800" b="0" i="1" smtClean="0">
-                          <a:latin typeface="Cambria Math"/>
-                        </a:rPr>
-                        <m:t>𝑦</m:t>
-                      </m:r>
-                    </m:oMath>
-                  </m:oMathPara>
-                </a14:m>
-                <a:endParaRPr lang="nl-NL" sz="4800" dirty="0"/>
-              </a:p>
-            </p:txBody>
-          </p:sp>
-        </mc:Choice>
-        <mc:Fallback xmlns="">
-          <p:sp>
-            <p:nvSpPr>
-              <p:cNvPr id="35" name="TextBox 34"/>
-              <p:cNvSpPr txBox="1">
-                <a:spLocks noRot="1" noChangeAspect="1" noMove="1" noResize="1" noEditPoints="1" noAdjustHandles="1" noChangeArrowheads="1" noChangeShapeType="1" noTextEdit="1"/>
-              </p:cNvSpPr>
-              <p:nvPr/>
-            </p:nvSpPr>
-            <p:spPr>
-              <a:xfrm>
-                <a:off x="48468" y="989605"/>
-                <a:ext cx="1008112" cy="830997"/>
-              </a:xfrm>
-              <a:prstGeom prst="rect">
-                <a:avLst/>
-              </a:prstGeom>
-              <a:blipFill rotWithShape="1">
-                <a:blip r:embed="rId3"/>
-                <a:stretch>
-                  <a:fillRect/>
-                </a:stretch>
-              </a:blipFill>
-            </p:spPr>
-            <p:txBody>
-              <a:bodyPr/>
-              <a:lstStyle/>
-              <a:p>
-                <a:r>
-                  <a:rPr lang="nl-NL">
-                    <a:noFill/>
-                  </a:rPr>
-                  <a:t> </a:t>
-                </a:r>
-              </a:p>
-            </p:txBody>
-          </p:sp>
-        </mc:Fallback>
-      </mc:AlternateContent>
-      <p:sp>
-        <p:nvSpPr>
-          <p:cNvPr id="13" name="Oval 12"/>
-          <p:cNvSpPr/>
-          <p:nvPr/>
-        </p:nvSpPr>
-        <p:spPr>
-          <a:xfrm>
-            <a:off x="7884689" y="1152749"/>
-            <a:ext cx="294517" cy="282093"/>
-          </a:xfrm>
-          <a:prstGeom prst="ellipse">
-            <a:avLst/>
-          </a:prstGeom>
-        </p:spPr>
-        <p:style>
-          <a:lnRef idx="2">
-            <a:schemeClr val="dk1">
-              <a:shade val="50000"/>
-            </a:schemeClr>
-          </a:lnRef>
-          <a:fillRef idx="1">
-            <a:schemeClr val="dk1"/>
-          </a:fillRef>
-          <a:effectRef idx="0">
-            <a:schemeClr val="dk1"/>
-          </a:effectRef>
-          <a:fontRef idx="minor">
-            <a:schemeClr val="lt1"/>
-          </a:fontRef>
-        </p:style>
-        <p:txBody>
-          <a:bodyPr rtlCol="0" anchor="ctr"/>
-          <a:lstStyle/>
-          <a:p>
-            <a:pPr algn="ctr"/>
-            <a:endParaRPr lang="nl-NL"/>
-          </a:p>
-        </p:txBody>
-      </p:sp>
-      <p:cxnSp>
-        <p:nvCxnSpPr>
-          <p:cNvPr id="5" name="Straight Arrow Connector 4"/>
-          <p:cNvCxnSpPr/>
-          <p:nvPr/>
-        </p:nvCxnSpPr>
-        <p:spPr>
-          <a:xfrm flipV="1">
-            <a:off x="1008579" y="764704"/>
-            <a:ext cx="0" cy="5153889"/>
-          </a:xfrm>
-          <a:prstGeom prst="straightConnector1">
-            <a:avLst/>
-          </a:prstGeom>
-          <a:ln w="38100">
-            <a:solidFill>
-              <a:schemeClr val="tx1"/>
-            </a:solidFill>
-            <a:tailEnd type="arrow"/>
-          </a:ln>
-        </p:spPr>
-        <p:style>
-          <a:lnRef idx="1">
-            <a:schemeClr val="accent1"/>
-          </a:lnRef>
-          <a:fillRef idx="0">
-            <a:schemeClr val="accent1"/>
-          </a:fillRef>
-          <a:effectRef idx="0">
-            <a:schemeClr val="accent1"/>
-          </a:effectRef>
-          <a:fontRef idx="minor">
-            <a:schemeClr val="tx1"/>
-          </a:fontRef>
-        </p:style>
-      </p:cxnSp>
-      <p:cxnSp>
-        <p:nvCxnSpPr>
-          <p:cNvPr id="19" name="Straight Arrow Connector 18"/>
-          <p:cNvCxnSpPr/>
-          <p:nvPr/>
-        </p:nvCxnSpPr>
-        <p:spPr>
-          <a:xfrm flipV="1">
-            <a:off x="978424" y="5927839"/>
-            <a:ext cx="7770040" cy="1"/>
-          </a:xfrm>
-          <a:prstGeom prst="straightConnector1">
-            <a:avLst/>
-          </a:prstGeom>
-          <a:ln w="38100">
-            <a:solidFill>
-              <a:schemeClr val="tx1"/>
-            </a:solidFill>
-            <a:tailEnd type="arrow"/>
-          </a:ln>
-        </p:spPr>
-        <p:style>
-          <a:lnRef idx="1">
-            <a:schemeClr val="accent1"/>
-          </a:lnRef>
-          <a:fillRef idx="0">
-            <a:schemeClr val="accent1"/>
-          </a:fillRef>
-          <a:effectRef idx="0">
-            <a:schemeClr val="accent1"/>
-          </a:effectRef>
-          <a:fontRef idx="minor">
-            <a:schemeClr val="tx1"/>
-          </a:fontRef>
-        </p:style>
-      </p:cxnSp>
-      <p:cxnSp>
-        <p:nvCxnSpPr>
-          <p:cNvPr id="18" name="Straight Connector 17"/>
-          <p:cNvCxnSpPr/>
-          <p:nvPr/>
-        </p:nvCxnSpPr>
-        <p:spPr>
-          <a:xfrm flipV="1">
-            <a:off x="1008000" y="4797152"/>
-            <a:ext cx="3737592" cy="1121440"/>
-          </a:xfrm>
-          <a:prstGeom prst="line">
-            <a:avLst/>
-          </a:prstGeom>
-          <a:ln w="76200">
-            <a:solidFill>
-              <a:schemeClr val="bg1">
-                <a:lumMod val="50000"/>
-              </a:schemeClr>
-            </a:solidFill>
-          </a:ln>
-        </p:spPr>
-        <p:style>
-          <a:lnRef idx="1">
-            <a:schemeClr val="dk1"/>
-          </a:lnRef>
-          <a:fillRef idx="0">
-            <a:schemeClr val="dk1"/>
-          </a:fillRef>
-          <a:effectRef idx="0">
-            <a:schemeClr val="dk1"/>
-          </a:effectRef>
-          <a:fontRef idx="minor">
-            <a:schemeClr val="tx1"/>
-          </a:fontRef>
-        </p:style>
-      </p:cxnSp>
-      <p:cxnSp>
-        <p:nvCxnSpPr>
-          <p:cNvPr id="20" name="Straight Connector 19"/>
-          <p:cNvCxnSpPr/>
-          <p:nvPr/>
-        </p:nvCxnSpPr>
-        <p:spPr>
-          <a:xfrm flipV="1">
-            <a:off x="4716016" y="1292922"/>
-            <a:ext cx="3315932" cy="3504230"/>
-          </a:xfrm>
-          <a:prstGeom prst="line">
-            <a:avLst/>
-          </a:prstGeom>
-          <a:ln w="76200">
-            <a:solidFill>
-              <a:schemeClr val="bg1">
-                <a:lumMod val="50000"/>
-              </a:schemeClr>
-            </a:solidFill>
-          </a:ln>
-        </p:spPr>
-        <p:style>
-          <a:lnRef idx="1">
-            <a:schemeClr val="dk1"/>
-          </a:lnRef>
-          <a:fillRef idx="0">
-            <a:schemeClr val="dk1"/>
-          </a:fillRef>
-          <a:effectRef idx="0">
-            <a:schemeClr val="dk1"/>
-          </a:effectRef>
-          <a:fontRef idx="minor">
-            <a:schemeClr val="tx1"/>
-          </a:fontRef>
-        </p:style>
-      </p:cxnSp>
-      <p:cxnSp>
-        <p:nvCxnSpPr>
-          <p:cNvPr id="30" name="Straight Arrow Connector 29"/>
-          <p:cNvCxnSpPr/>
-          <p:nvPr/>
-        </p:nvCxnSpPr>
-        <p:spPr>
-          <a:xfrm flipV="1">
-            <a:off x="1008579" y="620688"/>
-            <a:ext cx="8027917" cy="5297905"/>
-          </a:xfrm>
-          <a:prstGeom prst="straightConnector1">
-            <a:avLst/>
-          </a:prstGeom>
-          <a:ln w="38100">
-            <a:solidFill>
-              <a:schemeClr val="tx1"/>
-            </a:solidFill>
-            <a:prstDash val="sysDot"/>
-            <a:tailEnd type="none"/>
-          </a:ln>
-        </p:spPr>
-        <p:style>
-          <a:lnRef idx="1">
-            <a:schemeClr val="accent1"/>
-          </a:lnRef>
-          <a:fillRef idx="0">
-            <a:schemeClr val="accent1"/>
-          </a:fillRef>
-          <a:effectRef idx="0">
-            <a:schemeClr val="accent1"/>
-          </a:effectRef>
-          <a:fontRef idx="minor">
-            <a:schemeClr val="tx1"/>
-          </a:fontRef>
-        </p:style>
-      </p:cxnSp>
-      <p:sp>
-        <p:nvSpPr>
-          <p:cNvPr id="37" name="Oval 36"/>
-          <p:cNvSpPr/>
-          <p:nvPr/>
-        </p:nvSpPr>
-        <p:spPr>
-          <a:xfrm>
-            <a:off x="4524155" y="4656105"/>
-            <a:ext cx="294517" cy="282093"/>
-          </a:xfrm>
-          <a:prstGeom prst="ellipse">
-            <a:avLst/>
-          </a:prstGeom>
-          <a:solidFill>
-            <a:schemeClr val="bg1">
-              <a:lumMod val="50000"/>
-            </a:schemeClr>
-          </a:solidFill>
-          <a:ln>
-            <a:solidFill>
-              <a:schemeClr val="bg1">
-                <a:lumMod val="50000"/>
-              </a:schemeClr>
-            </a:solidFill>
-          </a:ln>
-        </p:spPr>
-        <p:style>
-          <a:lnRef idx="2">
-            <a:schemeClr val="dk1">
-              <a:shade val="50000"/>
-            </a:schemeClr>
-          </a:lnRef>
-          <a:fillRef idx="1">
-            <a:schemeClr val="dk1"/>
-          </a:fillRef>
-          <a:effectRef idx="0">
-            <a:schemeClr val="dk1"/>
-          </a:effectRef>
-          <a:fontRef idx="minor">
-            <a:schemeClr val="lt1"/>
-          </a:fontRef>
-        </p:style>
-        <p:txBody>
-          <a:bodyPr rtlCol="0" anchor="ctr"/>
-          <a:lstStyle/>
-          <a:p>
-            <a:pPr algn="ctr"/>
-            <a:endParaRPr lang="nl-NL"/>
-          </a:p>
-        </p:txBody>
-      </p:sp>
-    </p:spTree>
-    <p:extLst>
-      <p:ext uri="{BB962C8B-B14F-4D97-AF65-F5344CB8AC3E}">
-        <p14:creationId xmlns:p14="http://schemas.microsoft.com/office/powerpoint/2010/main" val="1828309408"/>
-      </p:ext>
-    </p:extLst>
-  </p:cSld>
-  <p:clrMapOvr>
-    <a:masterClrMapping/>
-  </p:clrMapOvr>
-</p:sld>
-</file>
-
-<file path=ppt/slides/slide40.xml><?xml version="1.0" encoding="utf-8"?>
+<file path=ppt/slides/slide41.xml><?xml version="1.0" encoding="utf-8"?>
 <p:sld xmlns:a="http://schemas.openxmlformats.org/drawingml/2006/main" xmlns:r="http://schemas.openxmlformats.org/officeDocument/2006/relationships" xmlns:p="http://schemas.openxmlformats.org/presentationml/2006/main">
   <p:cSld>
     <p:spTree>
@@ -33262,8 +34003,8 @@
             </p:style>
           </p:cxnSp>
         </p:grpSp>
-        <mc:AlternateContent xmlns:mc="http://schemas.openxmlformats.org/markup-compatibility/2006">
-          <mc:Choice xmlns:a14="http://schemas.microsoft.com/office/drawing/2010/main" Requires="a14">
+        <mc:AlternateContent xmlns:mc="http://schemas.openxmlformats.org/markup-compatibility/2006" xmlns:a14="http://schemas.microsoft.com/office/drawing/2010/main">
+          <mc:Choice Requires="a14">
             <p:sp>
               <p:nvSpPr>
                 <p:cNvPr id="21" name="TextBox 20"/>
@@ -33326,7 +34067,7 @@
               </p:txBody>
             </p:sp>
           </mc:Choice>
-          <mc:Fallback>
+          <mc:Fallback xmlns="">
             <p:sp>
               <p:nvSpPr>
                 <p:cNvPr id="21" name="TextBox 20"/>
@@ -33581,8 +34322,8 @@
             </a:fontRef>
           </p:style>
         </p:cxnSp>
-        <mc:AlternateContent xmlns:mc="http://schemas.openxmlformats.org/markup-compatibility/2006">
-          <mc:Choice xmlns:a14="http://schemas.microsoft.com/office/drawing/2010/main" Requires="a14">
+        <mc:AlternateContent xmlns:mc="http://schemas.openxmlformats.org/markup-compatibility/2006" xmlns:a14="http://schemas.microsoft.com/office/drawing/2010/main">
+          <mc:Choice Requires="a14">
             <p:sp>
               <p:nvSpPr>
                 <p:cNvPr id="55" name="TextBox 54"/>
@@ -33762,7 +34503,7 @@
               </p:txBody>
             </p:sp>
           </mc:Choice>
-          <mc:Fallback>
+          <mc:Fallback xmlns="">
             <p:sp>
               <p:nvSpPr>
                 <p:cNvPr id="55" name="TextBox 54"/>
@@ -34019,7 +34760,7 @@
 </p:sld>
 </file>
 
-<file path=ppt/slides/slide41.xml><?xml version="1.0" encoding="utf-8"?>
+<file path=ppt/slides/slide42.xml><?xml version="1.0" encoding="utf-8"?>
 <p:sld xmlns:a="http://schemas.openxmlformats.org/drawingml/2006/main" xmlns:r="http://schemas.openxmlformats.org/officeDocument/2006/relationships" xmlns:p="http://schemas.openxmlformats.org/presentationml/2006/main">
   <p:cSld>
     <p:spTree>
@@ -35400,7 +36141,7 @@
 </p:sld>
 </file>
 
-<file path=ppt/slides/slide42.xml><?xml version="1.0" encoding="utf-8"?>
+<file path=ppt/slides/slide43.xml><?xml version="1.0" encoding="utf-8"?>
 <p:sld xmlns:a="http://schemas.openxmlformats.org/drawingml/2006/main" xmlns:r="http://schemas.openxmlformats.org/officeDocument/2006/relationships" xmlns:p="http://schemas.openxmlformats.org/presentationml/2006/main">
   <p:cSld>
     <p:spTree>
@@ -41708,6 +42449,82 @@
 <file path=ppt/tags/tag12.xml><?xml version="1.0" encoding="utf-8"?>
 <p:tagLst xmlns:a="http://schemas.openxmlformats.org/drawingml/2006/main" xmlns:r="http://schemas.openxmlformats.org/officeDocument/2006/relationships" xmlns:p="http://schemas.openxmlformats.org/presentationml/2006/main">
   <p:tag name="OUTPUTDPI" val="1200"/>
+  <p:tag name="ORIGINALHEIGHT" val="139,5"/>
+  <p:tag name="ORIGINALWIDTH" val="238,5"/>
+  <p:tag name="LATEXADDIN" val="\documentclass{article}&#10;\usepackage{amsmath}&#10;\usepackage{amsfonts}&#10;\pagestyle{empty}&#10;\begin{document}&#10;&#10;$T_q\mathbb{S}^2$&#10;&#10;\end{document}"/>
+  <p:tag name="IGUANATEXSIZE" val="20"/>
+  <p:tag name="IGUANATEXCURSOR" val="104"/>
+  <p:tag name="TRANSPARENCY" val="True"/>
+  <p:tag name="FILENAME" val=""/>
+  <p:tag name="LATEXENGINEID" val="0"/>
+  <p:tag name="TEMPFOLDER" val="c:\temp\"/>
+  <p:tag name="LATEXFORMHEIGHT" val="312"/>
+  <p:tag name="LATEXFORMWIDTH" val="384"/>
+  <p:tag name="LATEXFORMWRAP" val="True"/>
+  <p:tag name="BITMAPVECTOR" val="0"/>
+</p:tagLst>
+</file>
+
+<file path=ppt/tags/tag13.xml><?xml version="1.0" encoding="utf-8"?>
+<p:tagLst xmlns:a="http://schemas.openxmlformats.org/drawingml/2006/main" xmlns:r="http://schemas.openxmlformats.org/officeDocument/2006/relationships" xmlns:p="http://schemas.openxmlformats.org/presentationml/2006/main">
+  <p:tag name="OUTPUTDPI" val="1200"/>
+  <p:tag name="ORIGINALHEIGHT" val="105"/>
+  <p:tag name="ORIGINALWIDTH" val="110,25"/>
+  <p:tag name="LATEXADDIN" val="\documentclass{article}&#10;\usepackage{amsmath}&#10;\usepackage{amsfonts}&#10;\pagestyle{empty}&#10;\begin{document}&#10;&#10;$\mathbb{S}^2$&#10;&#10;\end{document}"/>
+  <p:tag name="IGUANATEXSIZE" val="20"/>
+  <p:tag name="IGUANATEXCURSOR" val="116"/>
+  <p:tag name="TRANSPARENCY" val="True"/>
+  <p:tag name="FILENAME" val=""/>
+  <p:tag name="LATEXENGINEID" val="0"/>
+  <p:tag name="TEMPFOLDER" val="c:\temp\"/>
+  <p:tag name="LATEXFORMHEIGHT" val="312"/>
+  <p:tag name="LATEXFORMWIDTH" val="384"/>
+  <p:tag name="LATEXFORMWRAP" val="True"/>
+  <p:tag name="BITMAPVECTOR" val="0"/>
+</p:tagLst>
+</file>
+
+<file path=ppt/tags/tag14.xml><?xml version="1.0" encoding="utf-8"?>
+<p:tagLst xmlns:a="http://schemas.openxmlformats.org/drawingml/2006/main" xmlns:r="http://schemas.openxmlformats.org/officeDocument/2006/relationships" xmlns:p="http://schemas.openxmlformats.org/presentationml/2006/main">
+  <p:tag name="OUTPUTDPI" val="1200"/>
+  <p:tag name="ORIGINALHEIGHT" val="128,25"/>
+  <p:tag name="ORIGINALWIDTH" val="321"/>
+  <p:tag name="LATEXADDIN" val="\documentclass{article}&#10;\usepackage{amsmath}&#10;\usepackage{amsfonts}&#10;\pagestyle{empty}&#10;\begin{document}&#10;&#10;$q\in \mathbb{S}^2$&#10;&#10;\end{document}"/>
+  <p:tag name="IGUANATEXSIZE" val="20"/>
+  <p:tag name="IGUANATEXCURSOR" val="109"/>
+  <p:tag name="TRANSPARENCY" val="True"/>
+  <p:tag name="FILENAME" val=""/>
+  <p:tag name="LATEXENGINEID" val="0"/>
+  <p:tag name="TEMPFOLDER" val="c:\temp\"/>
+  <p:tag name="LATEXFORMHEIGHT" val="312"/>
+  <p:tag name="LATEXFORMWIDTH" val="384"/>
+  <p:tag name="LATEXFORMWRAP" val="True"/>
+  <p:tag name="BITMAPVECTOR" val="0"/>
+</p:tagLst>
+</file>
+
+<file path=ppt/tags/tag15.xml><?xml version="1.0" encoding="utf-8"?>
+<p:tagLst xmlns:a="http://schemas.openxmlformats.org/drawingml/2006/main" xmlns:r="http://schemas.openxmlformats.org/officeDocument/2006/relationships" xmlns:p="http://schemas.openxmlformats.org/presentationml/2006/main">
+  <p:tag name="OUTPUTDPI" val="1200"/>
+  <p:tag name="ORIGINALHEIGHT" val="139,5"/>
+  <p:tag name="ORIGINALWIDTH" val="474,75"/>
+  <p:tag name="LATEXADDIN" val="\documentclass{article}&#10;\usepackage{amsmath}&#10;\usepackage{amsfonts}&#10;\pagestyle{empty}&#10;\begin{document}&#10;&#10;$\omega\in T_q\mathbb{S}^2$&#10;&#10;\end{document}"/>
+  <p:tag name="IGUANATEXSIZE" val="20"/>
+  <p:tag name="IGUANATEXCURSOR" val="114"/>
+  <p:tag name="TRANSPARENCY" val="True"/>
+  <p:tag name="FILENAME" val=""/>
+  <p:tag name="LATEXENGINEID" val="0"/>
+  <p:tag name="TEMPFOLDER" val="c:\temp\"/>
+  <p:tag name="LATEXFORMHEIGHT" val="312"/>
+  <p:tag name="LATEXFORMWIDTH" val="384"/>
+  <p:tag name="LATEXFORMWRAP" val="True"/>
+  <p:tag name="BITMAPVECTOR" val="0"/>
+</p:tagLst>
+</file>
+
+<file path=ppt/tags/tag16.xml><?xml version="1.0" encoding="utf-8"?>
+<p:tagLst xmlns:a="http://schemas.openxmlformats.org/drawingml/2006/main" xmlns:r="http://schemas.openxmlformats.org/officeDocument/2006/relationships" xmlns:p="http://schemas.openxmlformats.org/presentationml/2006/main">
+  <p:tag name="OUTPUTDPI" val="1200"/>
   <p:tag name="ORIGINALHEIGHT" val="124,5"/>
   <p:tag name="ORIGINALWIDTH" val="323,25"/>
   <p:tag name="LATEXADDIN" val="\documentclass{article}&#10;\usepackage{amsmath}&#10;\usepackage{amsfonts}&#10;\pagestyle{empty}&#10;\begin{document}&#10;&#10;$SO(3)$&#10;&#10;\end{document}"/>
@@ -41724,7 +42541,7 @@
 </p:tagLst>
 </file>
 
-<file path=ppt/tags/tag13.xml><?xml version="1.0" encoding="utf-8"?>
+<file path=ppt/tags/tag17.xml><?xml version="1.0" encoding="utf-8"?>
 <p:tagLst xmlns:a="http://schemas.openxmlformats.org/drawingml/2006/main" xmlns:r="http://schemas.openxmlformats.org/officeDocument/2006/relationships" xmlns:p="http://schemas.openxmlformats.org/presentationml/2006/main">
   <p:tag name="OUTPUTDPI" val="1200"/>
   <p:tag name="ORIGINALHEIGHT" val="124,5"/>
@@ -41743,7 +42560,7 @@
 </p:tagLst>
 </file>
 
-<file path=ppt/tags/tag14.xml><?xml version="1.0" encoding="utf-8"?>
+<file path=ppt/tags/tag18.xml><?xml version="1.0" encoding="utf-8"?>
 <p:tagLst xmlns:a="http://schemas.openxmlformats.org/drawingml/2006/main" xmlns:r="http://schemas.openxmlformats.org/officeDocument/2006/relationships" xmlns:p="http://schemas.openxmlformats.org/presentationml/2006/main">
   <p:tag name="OUTPUTDPI" val="1200"/>
   <p:tag name="ORIGINALHEIGHT" val="124,5"/>
@@ -41762,7 +42579,7 @@
 </p:tagLst>
 </file>
 
-<file path=ppt/tags/tag15.xml><?xml version="1.0" encoding="utf-8"?>
+<file path=ppt/tags/tag19.xml><?xml version="1.0" encoding="utf-8"?>
 <p:tagLst xmlns:a="http://schemas.openxmlformats.org/drawingml/2006/main" xmlns:r="http://schemas.openxmlformats.org/officeDocument/2006/relationships" xmlns:p="http://schemas.openxmlformats.org/presentationml/2006/main">
   <p:tag name="OUTPUTDPI" val="1200"/>
   <p:tag name="ORIGINALHEIGHT" val="148,5"/>
@@ -41770,82 +42587,6 @@
   <p:tag name="LATEXADDIN" val="\documentclass{article}&#10;\usepackage{amsmath}&#10;\usepackage{amsfonts}&#10;\pagestyle{empty}&#10;\begin{document}&#10;&#10;$\hat{\Omega}\in TSO(3)$&#10;&#10;\end{document}"/>
   <p:tag name="IGUANATEXSIZE" val="20"/>
   <p:tag name="IGUANATEXCURSOR" val="126"/>
-  <p:tag name="TRANSPARENCY" val="True"/>
-  <p:tag name="FILENAME" val=""/>
-  <p:tag name="LATEXENGINEID" val="0"/>
-  <p:tag name="TEMPFOLDER" val="c:\temp\"/>
-  <p:tag name="LATEXFORMHEIGHT" val="312"/>
-  <p:tag name="LATEXFORMWIDTH" val="384"/>
-  <p:tag name="LATEXFORMWRAP" val="True"/>
-  <p:tag name="BITMAPVECTOR" val="0"/>
-</p:tagLst>
-</file>
-
-<file path=ppt/tags/tag16.xml><?xml version="1.0" encoding="utf-8"?>
-<p:tagLst xmlns:a="http://schemas.openxmlformats.org/drawingml/2006/main" xmlns:r="http://schemas.openxmlformats.org/officeDocument/2006/relationships" xmlns:p="http://schemas.openxmlformats.org/presentationml/2006/main">
-  <p:tag name="OUTPUTDPI" val="1200"/>
-  <p:tag name="ORIGINALHEIGHT" val="105"/>
-  <p:tag name="ORIGINALWIDTH" val="110,25"/>
-  <p:tag name="LATEXADDIN" val="\documentclass{article}&#10;\usepackage{amsmath}&#10;\usepackage{amsfonts}&#10;\pagestyle{empty}&#10;\begin{document}&#10;&#10;$\mathbb{S}^2$&#10;&#10;\end{document}"/>
-  <p:tag name="IGUANATEXSIZE" val="20"/>
-  <p:tag name="IGUANATEXCURSOR" val="116"/>
-  <p:tag name="TRANSPARENCY" val="True"/>
-  <p:tag name="FILENAME" val=""/>
-  <p:tag name="LATEXENGINEID" val="0"/>
-  <p:tag name="TEMPFOLDER" val="c:\temp\"/>
-  <p:tag name="LATEXFORMHEIGHT" val="312"/>
-  <p:tag name="LATEXFORMWIDTH" val="384"/>
-  <p:tag name="LATEXFORMWRAP" val="True"/>
-  <p:tag name="BITMAPVECTOR" val="0"/>
-</p:tagLst>
-</file>
-
-<file path=ppt/tags/tag17.xml><?xml version="1.0" encoding="utf-8"?>
-<p:tagLst xmlns:a="http://schemas.openxmlformats.org/drawingml/2006/main" xmlns:r="http://schemas.openxmlformats.org/officeDocument/2006/relationships" xmlns:p="http://schemas.openxmlformats.org/presentationml/2006/main">
-  <p:tag name="OUTPUTDPI" val="1200"/>
-  <p:tag name="ORIGINALHEIGHT" val="124,5"/>
-  <p:tag name="ORIGINALWIDTH" val="185,25"/>
-  <p:tag name="LATEXADDIN" val="\documentclass{article}&#10;\usepackage{amsmath}&#10;\usepackage{amsfonts}&#10;\pagestyle{empty}&#10;\begin{document}&#10;&#10;$q(t)$&#10;&#10;\end{document}"/>
-  <p:tag name="IGUANATEXSIZE" val="20"/>
-  <p:tag name="IGUANATEXCURSOR" val="105"/>
-  <p:tag name="TRANSPARENCY" val="True"/>
-  <p:tag name="FILENAME" val=""/>
-  <p:tag name="LATEXENGINEID" val="0"/>
-  <p:tag name="TEMPFOLDER" val="c:\temp\"/>
-  <p:tag name="LATEXFORMHEIGHT" val="312"/>
-  <p:tag name="LATEXFORMWIDTH" val="384"/>
-  <p:tag name="LATEXFORMWRAP" val="True"/>
-  <p:tag name="BITMAPVECTOR" val="0"/>
-</p:tagLst>
-</file>
-
-<file path=ppt/tags/tag18.xml><?xml version="1.0" encoding="utf-8"?>
-<p:tagLst xmlns:a="http://schemas.openxmlformats.org/drawingml/2006/main" xmlns:r="http://schemas.openxmlformats.org/officeDocument/2006/relationships" xmlns:p="http://schemas.openxmlformats.org/presentationml/2006/main">
-  <p:tag name="OUTPUTDPI" val="1200"/>
-  <p:tag name="ORIGINALHEIGHT" val="79,5"/>
-  <p:tag name="ORIGINALWIDTH" val="51,75"/>
-  <p:tag name="LATEXADDIN" val="\documentclass{article}&#10;\usepackage{amsmath}&#10;\usepackage{amsfonts}&#10;\pagestyle{empty}&#10;\begin{document}&#10;&#10;$q$&#10;&#10;\end{document}"/>
-  <p:tag name="IGUANATEXSIZE" val="20"/>
-  <p:tag name="IGUANATEXCURSOR" val="105"/>
-  <p:tag name="TRANSPARENCY" val="True"/>
-  <p:tag name="FILENAME" val=""/>
-  <p:tag name="LATEXENGINEID" val="0"/>
-  <p:tag name="TEMPFOLDER" val="c:\temp\"/>
-  <p:tag name="LATEXFORMHEIGHT" val="312"/>
-  <p:tag name="LATEXFORMWIDTH" val="384"/>
-  <p:tag name="LATEXFORMWRAP" val="True"/>
-  <p:tag name="BITMAPVECTOR" val="0"/>
-</p:tagLst>
-</file>
-
-<file path=ppt/tags/tag19.xml><?xml version="1.0" encoding="utf-8"?>
-<p:tagLst xmlns:a="http://schemas.openxmlformats.org/drawingml/2006/main" xmlns:r="http://schemas.openxmlformats.org/officeDocument/2006/relationships" xmlns:p="http://schemas.openxmlformats.org/presentationml/2006/main">
-  <p:tag name="OUTPUTDPI" val="1200"/>
-  <p:tag name="ORIGINALHEIGHT" val="124,5"/>
-  <p:tag name="ORIGINALWIDTH" val="221,25"/>
-  <p:tag name="LATEXADDIN" val="\documentclass{article}&#10;\usepackage{amsmath}&#10;\usepackage{amsfonts}&#10;\pagestyle{empty}&#10;\begin{document}&#10;&#10;$R(t)$&#10;&#10;\end{document}"/>
-  <p:tag name="IGUANATEXSIZE" val="20"/>
-  <p:tag name="IGUANATEXCURSOR" val="108"/>
   <p:tag name="TRANSPARENCY" val="True"/>
   <p:tag name="FILENAME" val=""/>
   <p:tag name="LATEXENGINEID" val="0"/>
@@ -41879,6 +42620,82 @@
 <file path=ppt/tags/tag20.xml><?xml version="1.0" encoding="utf-8"?>
 <p:tagLst xmlns:a="http://schemas.openxmlformats.org/drawingml/2006/main" xmlns:r="http://schemas.openxmlformats.org/officeDocument/2006/relationships" xmlns:p="http://schemas.openxmlformats.org/presentationml/2006/main">
   <p:tag name="OUTPUTDPI" val="1200"/>
+  <p:tag name="ORIGINALHEIGHT" val="105"/>
+  <p:tag name="ORIGINALWIDTH" val="110,25"/>
+  <p:tag name="LATEXADDIN" val="\documentclass{article}&#10;\usepackage{amsmath}&#10;\usepackage{amsfonts}&#10;\pagestyle{empty}&#10;\begin{document}&#10;&#10;$\mathbb{S}^2$&#10;&#10;\end{document}"/>
+  <p:tag name="IGUANATEXSIZE" val="20"/>
+  <p:tag name="IGUANATEXCURSOR" val="116"/>
+  <p:tag name="TRANSPARENCY" val="True"/>
+  <p:tag name="FILENAME" val=""/>
+  <p:tag name="LATEXENGINEID" val="0"/>
+  <p:tag name="TEMPFOLDER" val="c:\temp\"/>
+  <p:tag name="LATEXFORMHEIGHT" val="312"/>
+  <p:tag name="LATEXFORMWIDTH" val="384"/>
+  <p:tag name="LATEXFORMWRAP" val="True"/>
+  <p:tag name="BITMAPVECTOR" val="0"/>
+</p:tagLst>
+</file>
+
+<file path=ppt/tags/tag21.xml><?xml version="1.0" encoding="utf-8"?>
+<p:tagLst xmlns:a="http://schemas.openxmlformats.org/drawingml/2006/main" xmlns:r="http://schemas.openxmlformats.org/officeDocument/2006/relationships" xmlns:p="http://schemas.openxmlformats.org/presentationml/2006/main">
+  <p:tag name="OUTPUTDPI" val="1200"/>
+  <p:tag name="ORIGINALHEIGHT" val="124,5"/>
+  <p:tag name="ORIGINALWIDTH" val="185,25"/>
+  <p:tag name="LATEXADDIN" val="\documentclass{article}&#10;\usepackage{amsmath}&#10;\usepackage{amsfonts}&#10;\pagestyle{empty}&#10;\begin{document}&#10;&#10;$q(t)$&#10;&#10;\end{document}"/>
+  <p:tag name="IGUANATEXSIZE" val="20"/>
+  <p:tag name="IGUANATEXCURSOR" val="105"/>
+  <p:tag name="TRANSPARENCY" val="True"/>
+  <p:tag name="FILENAME" val=""/>
+  <p:tag name="LATEXENGINEID" val="0"/>
+  <p:tag name="TEMPFOLDER" val="c:\temp\"/>
+  <p:tag name="LATEXFORMHEIGHT" val="312"/>
+  <p:tag name="LATEXFORMWIDTH" val="384"/>
+  <p:tag name="LATEXFORMWRAP" val="True"/>
+  <p:tag name="BITMAPVECTOR" val="0"/>
+</p:tagLst>
+</file>
+
+<file path=ppt/tags/tag22.xml><?xml version="1.0" encoding="utf-8"?>
+<p:tagLst xmlns:a="http://schemas.openxmlformats.org/drawingml/2006/main" xmlns:r="http://schemas.openxmlformats.org/officeDocument/2006/relationships" xmlns:p="http://schemas.openxmlformats.org/presentationml/2006/main">
+  <p:tag name="OUTPUTDPI" val="1200"/>
+  <p:tag name="ORIGINALHEIGHT" val="79,5"/>
+  <p:tag name="ORIGINALWIDTH" val="51,75"/>
+  <p:tag name="LATEXADDIN" val="\documentclass{article}&#10;\usepackage{amsmath}&#10;\usepackage{amsfonts}&#10;\pagestyle{empty}&#10;\begin{document}&#10;&#10;$q$&#10;&#10;\end{document}"/>
+  <p:tag name="IGUANATEXSIZE" val="20"/>
+  <p:tag name="IGUANATEXCURSOR" val="105"/>
+  <p:tag name="TRANSPARENCY" val="True"/>
+  <p:tag name="FILENAME" val=""/>
+  <p:tag name="LATEXENGINEID" val="0"/>
+  <p:tag name="TEMPFOLDER" val="c:\temp\"/>
+  <p:tag name="LATEXFORMHEIGHT" val="312"/>
+  <p:tag name="LATEXFORMWIDTH" val="384"/>
+  <p:tag name="LATEXFORMWRAP" val="True"/>
+  <p:tag name="BITMAPVECTOR" val="0"/>
+</p:tagLst>
+</file>
+
+<file path=ppt/tags/tag23.xml><?xml version="1.0" encoding="utf-8"?>
+<p:tagLst xmlns:a="http://schemas.openxmlformats.org/drawingml/2006/main" xmlns:r="http://schemas.openxmlformats.org/officeDocument/2006/relationships" xmlns:p="http://schemas.openxmlformats.org/presentationml/2006/main">
+  <p:tag name="OUTPUTDPI" val="1200"/>
+  <p:tag name="ORIGINALHEIGHT" val="124,5"/>
+  <p:tag name="ORIGINALWIDTH" val="221,25"/>
+  <p:tag name="LATEXADDIN" val="\documentclass{article}&#10;\usepackage{amsmath}&#10;\usepackage{amsfonts}&#10;\pagestyle{empty}&#10;\begin{document}&#10;&#10;$R(t)$&#10;&#10;\end{document}"/>
+  <p:tag name="IGUANATEXSIZE" val="20"/>
+  <p:tag name="IGUANATEXCURSOR" val="108"/>
+  <p:tag name="TRANSPARENCY" val="True"/>
+  <p:tag name="FILENAME" val=""/>
+  <p:tag name="LATEXENGINEID" val="0"/>
+  <p:tag name="TEMPFOLDER" val="c:\temp\"/>
+  <p:tag name="LATEXFORMHEIGHT" val="312"/>
+  <p:tag name="LATEXFORMWIDTH" val="384"/>
+  <p:tag name="LATEXFORMWRAP" val="True"/>
+  <p:tag name="BITMAPVECTOR" val="0"/>
+</p:tagLst>
+</file>
+
+<file path=ppt/tags/tag24.xml><?xml version="1.0" encoding="utf-8"?>
+<p:tagLst xmlns:a="http://schemas.openxmlformats.org/drawingml/2006/main" xmlns:r="http://schemas.openxmlformats.org/officeDocument/2006/relationships" xmlns:p="http://schemas.openxmlformats.org/presentationml/2006/main">
+  <p:tag name="OUTPUTDPI" val="1200"/>
   <p:tag name="ORIGINALHEIGHT" val="124,5"/>
   <p:tag name="ORIGINALWIDTH" val="323,25"/>
   <p:tag name="LATEXADDIN" val="\documentclass{article}&#10;\usepackage{amsmath}&#10;\usepackage{amsfonts}&#10;\pagestyle{empty}&#10;\begin{document}&#10;&#10;$SO(3)$&#10;&#10;\end{document}"/>
@@ -41895,7 +42712,7 @@
 </p:tagLst>
 </file>
 
-<file path=ppt/tags/tag21.xml><?xml version="1.0" encoding="utf-8"?>
+<file path=ppt/tags/tag25.xml><?xml version="1.0" encoding="utf-8"?>
 <p:tagLst xmlns:a="http://schemas.openxmlformats.org/drawingml/2006/main" xmlns:r="http://schemas.openxmlformats.org/officeDocument/2006/relationships" xmlns:p="http://schemas.openxmlformats.org/presentationml/2006/main">
   <p:tag name="OUTPUTDPI" val="1200"/>
   <p:tag name="ORIGINALHEIGHT" val="87,75"/>
@@ -41914,7 +42731,7 @@
 </p:tagLst>
 </file>
 
-<file path=ppt/tags/tag22.xml><?xml version="1.0" encoding="utf-8"?>
+<file path=ppt/tags/tag26.xml><?xml version="1.0" encoding="utf-8"?>
 <p:tagLst xmlns:a="http://schemas.openxmlformats.org/drawingml/2006/main" xmlns:r="http://schemas.openxmlformats.org/officeDocument/2006/relationships" xmlns:p="http://schemas.openxmlformats.org/presentationml/2006/main">
   <p:tag name="OUTPUTDPI" val="1200"/>
   <p:tag name="ORIGINALHEIGHT" val="124,5"/>
@@ -41933,7 +42750,7 @@
 </p:tagLst>
 </file>
 
-<file path=ppt/tags/tag23.xml><?xml version="1.0" encoding="utf-8"?>
+<file path=ppt/tags/tag27.xml><?xml version="1.0" encoding="utf-8"?>
 <p:tagLst xmlns:a="http://schemas.openxmlformats.org/drawingml/2006/main" xmlns:r="http://schemas.openxmlformats.org/officeDocument/2006/relationships" xmlns:p="http://schemas.openxmlformats.org/presentationml/2006/main">
   <p:tag name="OUTPUTDPI" val="1200"/>
   <p:tag name="ORIGINALHEIGHT" val="124,5"/>
@@ -41952,7 +42769,7 @@
 </p:tagLst>
 </file>
 
-<file path=ppt/tags/tag24.xml><?xml version="1.0" encoding="utf-8"?>
+<file path=ppt/tags/tag28.xml><?xml version="1.0" encoding="utf-8"?>
 <p:tagLst xmlns:a="http://schemas.openxmlformats.org/drawingml/2006/main" xmlns:r="http://schemas.openxmlformats.org/officeDocument/2006/relationships" xmlns:p="http://schemas.openxmlformats.org/presentationml/2006/main">
   <p:tag name="OUTPUTDPI" val="1200"/>
   <p:tag name="ORIGINALHEIGHT" val="124,5"/>
@@ -41971,7 +42788,7 @@
 </p:tagLst>
 </file>
 
-<file path=ppt/tags/tag25.xml><?xml version="1.0" encoding="utf-8"?>
+<file path=ppt/tags/tag29.xml><?xml version="1.0" encoding="utf-8"?>
 <p:tagLst xmlns:a="http://schemas.openxmlformats.org/drawingml/2006/main" xmlns:r="http://schemas.openxmlformats.org/officeDocument/2006/relationships" xmlns:p="http://schemas.openxmlformats.org/presentationml/2006/main">
   <p:tag name="OUTPUTDPI" val="1200"/>
   <p:tag name="ORIGINALHEIGHT" val="124,5"/>
@@ -41979,82 +42796,6 @@
   <p:tag name="LATEXADDIN" val="\documentclass{article}&#10;\usepackage{amsmath}&#10;\usepackage{amsfonts}&#10;\pagestyle{empty}&#10;\begin{document}&#10;&#10;$R(t)$&#10;&#10;\end{document}"/>
   <p:tag name="IGUANATEXSIZE" val="20"/>
   <p:tag name="IGUANATEXCURSOR" val="108"/>
-  <p:tag name="TRANSPARENCY" val="True"/>
-  <p:tag name="FILENAME" val=""/>
-  <p:tag name="LATEXENGINEID" val="0"/>
-  <p:tag name="TEMPFOLDER" val="c:\temp\"/>
-  <p:tag name="LATEXFORMHEIGHT" val="312"/>
-  <p:tag name="LATEXFORMWIDTH" val="384"/>
-  <p:tag name="LATEXFORMWRAP" val="True"/>
-  <p:tag name="BITMAPVECTOR" val="0"/>
-</p:tagLst>
-</file>
-
-<file path=ppt/tags/tag26.xml><?xml version="1.0" encoding="utf-8"?>
-<p:tagLst xmlns:a="http://schemas.openxmlformats.org/drawingml/2006/main" xmlns:r="http://schemas.openxmlformats.org/officeDocument/2006/relationships" xmlns:p="http://schemas.openxmlformats.org/presentationml/2006/main">
-  <p:tag name="OUTPUTDPI" val="1200"/>
-  <p:tag name="ORIGINALHEIGHT" val="124,5"/>
-  <p:tag name="ORIGINALWIDTH" val="323,25"/>
-  <p:tag name="LATEXADDIN" val="\documentclass{article}&#10;\usepackage{amsmath}&#10;\usepackage{amsfonts}&#10;\pagestyle{empty}&#10;\begin{document}&#10;&#10;$SO(3)$&#10;&#10;\end{document}"/>
-  <p:tag name="IGUANATEXSIZE" val="20"/>
-  <p:tag name="IGUANATEXCURSOR" val="104"/>
-  <p:tag name="TRANSPARENCY" val="True"/>
-  <p:tag name="FILENAME" val=""/>
-  <p:tag name="LATEXENGINEID" val="0"/>
-  <p:tag name="TEMPFOLDER" val="c:\temp\"/>
-  <p:tag name="LATEXFORMHEIGHT" val="312"/>
-  <p:tag name="LATEXFORMWIDTH" val="384"/>
-  <p:tag name="LATEXFORMWRAP" val="True"/>
-  <p:tag name="BITMAPVECTOR" val="0"/>
-</p:tagLst>
-</file>
-
-<file path=ppt/tags/tag27.xml><?xml version="1.0" encoding="utf-8"?>
-<p:tagLst xmlns:a="http://schemas.openxmlformats.org/drawingml/2006/main" xmlns:r="http://schemas.openxmlformats.org/officeDocument/2006/relationships" xmlns:p="http://schemas.openxmlformats.org/presentationml/2006/main">
-  <p:tag name="OUTPUTDPI" val="1200"/>
-  <p:tag name="ORIGINALHEIGHT" val="124,5"/>
-  <p:tag name="ORIGINALWIDTH" val="278,25"/>
-  <p:tag name="LATEXADDIN" val="\documentclass{article}&#10;\usepackage{amsmath}&#10;\usepackage{amsfonts}&#10;\pagestyle{empty}&#10;\begin{document}&#10;&#10;$R_d(t)$&#10;&#10;\end{document}"/>
-  <p:tag name="IGUANATEXSIZE" val="20"/>
-  <p:tag name="IGUANATEXCURSOR" val="107"/>
-  <p:tag name="TRANSPARENCY" val="True"/>
-  <p:tag name="FILENAME" val=""/>
-  <p:tag name="LATEXENGINEID" val="0"/>
-  <p:tag name="TEMPFOLDER" val="c:\temp\"/>
-  <p:tag name="LATEXFORMHEIGHT" val="312"/>
-  <p:tag name="LATEXFORMWIDTH" val="384"/>
-  <p:tag name="LATEXFORMWRAP" val="True"/>
-  <p:tag name="BITMAPVECTOR" val="0"/>
-</p:tagLst>
-</file>
-
-<file path=ppt/tags/tag28.xml><?xml version="1.0" encoding="utf-8"?>
-<p:tagLst xmlns:a="http://schemas.openxmlformats.org/drawingml/2006/main" xmlns:r="http://schemas.openxmlformats.org/officeDocument/2006/relationships" xmlns:p="http://schemas.openxmlformats.org/presentationml/2006/main">
-  <p:tag name="OUTPUTDPI" val="1200"/>
-  <p:tag name="ORIGINALHEIGHT" val="87,75"/>
-  <p:tag name="ORIGINALWIDTH" val="90"/>
-  <p:tag name="LATEXADDIN" val="\documentclass{article}&#10;\usepackage{amsmath}&#10;\usepackage{amsfonts}&#10;\pagestyle{empty}&#10;\begin{document}&#10;&#10;$R$&#10;&#10;\end{document}"/>
-  <p:tag name="IGUANATEXSIZE" val="20"/>
-  <p:tag name="IGUANATEXCURSOR" val="105"/>
-  <p:tag name="TRANSPARENCY" val="True"/>
-  <p:tag name="FILENAME" val=""/>
-  <p:tag name="LATEXENGINEID" val="0"/>
-  <p:tag name="TEMPFOLDER" val="c:\temp\"/>
-  <p:tag name="LATEXFORMHEIGHT" val="312"/>
-  <p:tag name="LATEXFORMWIDTH" val="384"/>
-  <p:tag name="LATEXFORMWRAP" val="True"/>
-  <p:tag name="BITMAPVECTOR" val="0"/>
-</p:tagLst>
-</file>
-
-<file path=ppt/tags/tag29.xml><?xml version="1.0" encoding="utf-8"?>
-<p:tagLst xmlns:a="http://schemas.openxmlformats.org/drawingml/2006/main" xmlns:r="http://schemas.openxmlformats.org/officeDocument/2006/relationships" xmlns:p="http://schemas.openxmlformats.org/presentationml/2006/main">
-  <p:tag name="OUTPUTDPI" val="1200"/>
-  <p:tag name="ORIGINALHEIGHT" val="124,5"/>
-  <p:tag name="ORIGINALWIDTH" val="323,25"/>
-  <p:tag name="LATEXADDIN" val="\documentclass{article}&#10;\usepackage{amsmath}&#10;\usepackage{amsfonts}&#10;\pagestyle{empty}&#10;\begin{document}&#10;&#10;$SO(3)$&#10;&#10;\end{document}"/>
-  <p:tag name="IGUANATEXSIZE" val="20"/>
-  <p:tag name="IGUANATEXCURSOR" val="104"/>
   <p:tag name="TRANSPARENCY" val="True"/>
   <p:tag name="FILENAME" val=""/>
   <p:tag name="LATEXENGINEID" val="0"/>
@@ -42088,6 +42829,82 @@
 <file path=ppt/tags/tag30.xml><?xml version="1.0" encoding="utf-8"?>
 <p:tagLst xmlns:a="http://schemas.openxmlformats.org/drawingml/2006/main" xmlns:r="http://schemas.openxmlformats.org/officeDocument/2006/relationships" xmlns:p="http://schemas.openxmlformats.org/presentationml/2006/main">
   <p:tag name="OUTPUTDPI" val="1200"/>
+  <p:tag name="ORIGINALHEIGHT" val="124,5"/>
+  <p:tag name="ORIGINALWIDTH" val="323,25"/>
+  <p:tag name="LATEXADDIN" val="\documentclass{article}&#10;\usepackage{amsmath}&#10;\usepackage{amsfonts}&#10;\pagestyle{empty}&#10;\begin{document}&#10;&#10;$SO(3)$&#10;&#10;\end{document}"/>
+  <p:tag name="IGUANATEXSIZE" val="20"/>
+  <p:tag name="IGUANATEXCURSOR" val="104"/>
+  <p:tag name="TRANSPARENCY" val="True"/>
+  <p:tag name="FILENAME" val=""/>
+  <p:tag name="LATEXENGINEID" val="0"/>
+  <p:tag name="TEMPFOLDER" val="c:\temp\"/>
+  <p:tag name="LATEXFORMHEIGHT" val="312"/>
+  <p:tag name="LATEXFORMWIDTH" val="384"/>
+  <p:tag name="LATEXFORMWRAP" val="True"/>
+  <p:tag name="BITMAPVECTOR" val="0"/>
+</p:tagLst>
+</file>
+
+<file path=ppt/tags/tag31.xml><?xml version="1.0" encoding="utf-8"?>
+<p:tagLst xmlns:a="http://schemas.openxmlformats.org/drawingml/2006/main" xmlns:r="http://schemas.openxmlformats.org/officeDocument/2006/relationships" xmlns:p="http://schemas.openxmlformats.org/presentationml/2006/main">
+  <p:tag name="OUTPUTDPI" val="1200"/>
+  <p:tag name="ORIGINALHEIGHT" val="124,5"/>
+  <p:tag name="ORIGINALWIDTH" val="278,25"/>
+  <p:tag name="LATEXADDIN" val="\documentclass{article}&#10;\usepackage{amsmath}&#10;\usepackage{amsfonts}&#10;\pagestyle{empty}&#10;\begin{document}&#10;&#10;$R_d(t)$&#10;&#10;\end{document}"/>
+  <p:tag name="IGUANATEXSIZE" val="20"/>
+  <p:tag name="IGUANATEXCURSOR" val="107"/>
+  <p:tag name="TRANSPARENCY" val="True"/>
+  <p:tag name="FILENAME" val=""/>
+  <p:tag name="LATEXENGINEID" val="0"/>
+  <p:tag name="TEMPFOLDER" val="c:\temp\"/>
+  <p:tag name="LATEXFORMHEIGHT" val="312"/>
+  <p:tag name="LATEXFORMWIDTH" val="384"/>
+  <p:tag name="LATEXFORMWRAP" val="True"/>
+  <p:tag name="BITMAPVECTOR" val="0"/>
+</p:tagLst>
+</file>
+
+<file path=ppt/tags/tag32.xml><?xml version="1.0" encoding="utf-8"?>
+<p:tagLst xmlns:a="http://schemas.openxmlformats.org/drawingml/2006/main" xmlns:r="http://schemas.openxmlformats.org/officeDocument/2006/relationships" xmlns:p="http://schemas.openxmlformats.org/presentationml/2006/main">
+  <p:tag name="OUTPUTDPI" val="1200"/>
+  <p:tag name="ORIGINALHEIGHT" val="87,75"/>
+  <p:tag name="ORIGINALWIDTH" val="90"/>
+  <p:tag name="LATEXADDIN" val="\documentclass{article}&#10;\usepackage{amsmath}&#10;\usepackage{amsfonts}&#10;\pagestyle{empty}&#10;\begin{document}&#10;&#10;$R$&#10;&#10;\end{document}"/>
+  <p:tag name="IGUANATEXSIZE" val="20"/>
+  <p:tag name="IGUANATEXCURSOR" val="105"/>
+  <p:tag name="TRANSPARENCY" val="True"/>
+  <p:tag name="FILENAME" val=""/>
+  <p:tag name="LATEXENGINEID" val="0"/>
+  <p:tag name="TEMPFOLDER" val="c:\temp\"/>
+  <p:tag name="LATEXFORMHEIGHT" val="312"/>
+  <p:tag name="LATEXFORMWIDTH" val="384"/>
+  <p:tag name="LATEXFORMWRAP" val="True"/>
+  <p:tag name="BITMAPVECTOR" val="0"/>
+</p:tagLst>
+</file>
+
+<file path=ppt/tags/tag33.xml><?xml version="1.0" encoding="utf-8"?>
+<p:tagLst xmlns:a="http://schemas.openxmlformats.org/drawingml/2006/main" xmlns:r="http://schemas.openxmlformats.org/officeDocument/2006/relationships" xmlns:p="http://schemas.openxmlformats.org/presentationml/2006/main">
+  <p:tag name="OUTPUTDPI" val="1200"/>
+  <p:tag name="ORIGINALHEIGHT" val="124,5"/>
+  <p:tag name="ORIGINALWIDTH" val="323,25"/>
+  <p:tag name="LATEXADDIN" val="\documentclass{article}&#10;\usepackage{amsmath}&#10;\usepackage{amsfonts}&#10;\pagestyle{empty}&#10;\begin{document}&#10;&#10;$SO(3)$&#10;&#10;\end{document}"/>
+  <p:tag name="IGUANATEXSIZE" val="20"/>
+  <p:tag name="IGUANATEXCURSOR" val="104"/>
+  <p:tag name="TRANSPARENCY" val="True"/>
+  <p:tag name="FILENAME" val=""/>
+  <p:tag name="LATEXENGINEID" val="0"/>
+  <p:tag name="TEMPFOLDER" val="c:\temp\"/>
+  <p:tag name="LATEXFORMHEIGHT" val="312"/>
+  <p:tag name="LATEXFORMWIDTH" val="384"/>
+  <p:tag name="LATEXFORMWRAP" val="True"/>
+  <p:tag name="BITMAPVECTOR" val="0"/>
+</p:tagLst>
+</file>
+
+<file path=ppt/tags/tag34.xml><?xml version="1.0" encoding="utf-8"?>
+<p:tagLst xmlns:a="http://schemas.openxmlformats.org/drawingml/2006/main" xmlns:r="http://schemas.openxmlformats.org/officeDocument/2006/relationships" xmlns:p="http://schemas.openxmlformats.org/presentationml/2006/main">
+  <p:tag name="OUTPUTDPI" val="1200"/>
   <p:tag name="ORIGINALHEIGHT" val="104,25"/>
   <p:tag name="ORIGINALWIDTH" val="140,25"/>
   <p:tag name="LATEXADDIN" val="\documentclass{article}&#10;\usepackage{amsmath}&#10;\usepackage{amsfonts}&#10;\pagestyle{empty}&#10;\begin{document}&#10;&#10;$R_d$&#10;&#10;\end{document}"/>
@@ -42104,7 +42921,7 @@
 </p:tagLst>
 </file>
 
-<file path=ppt/tags/tag31.xml><?xml version="1.0" encoding="utf-8"?>
+<file path=ppt/tags/tag35.xml><?xml version="1.0" encoding="utf-8"?>
 <p:tagLst xmlns:a="http://schemas.openxmlformats.org/drawingml/2006/main" xmlns:r="http://schemas.openxmlformats.org/officeDocument/2006/relationships" xmlns:p="http://schemas.openxmlformats.org/presentationml/2006/main">
   <p:tag name="OUTPUTDPI" val="1200"/>
   <p:tag name="ORIGINALHEIGHT" val="139,5"/>
@@ -42123,7 +42940,7 @@
 </p:tagLst>
 </file>
 
-<file path=ppt/tags/tag32.xml><?xml version="1.0" encoding="utf-8"?>
+<file path=ppt/tags/tag36.xml><?xml version="1.0" encoding="utf-8"?>
 <p:tagLst xmlns:a="http://schemas.openxmlformats.org/drawingml/2006/main" xmlns:r="http://schemas.openxmlformats.org/officeDocument/2006/relationships" xmlns:p="http://schemas.openxmlformats.org/presentationml/2006/main">
   <p:tag name="OUTPUTDPI" val="1200"/>
   <p:tag name="ORIGINALHEIGHT" val="124,5"/>
@@ -42142,7 +42959,7 @@
 </p:tagLst>
 </file>
 
-<file path=ppt/tags/tag33.xml><?xml version="1.0" encoding="utf-8"?>
+<file path=ppt/tags/tag37.xml><?xml version="1.0" encoding="utf-8"?>
 <p:tagLst xmlns:a="http://schemas.openxmlformats.org/drawingml/2006/main" xmlns:r="http://schemas.openxmlformats.org/officeDocument/2006/relationships" xmlns:p="http://schemas.openxmlformats.org/presentationml/2006/main">
   <p:tag name="OUTPUTDPI" val="1200"/>
   <p:tag name="ORIGINALHEIGHT" val="124,5"/>
@@ -42161,7 +42978,7 @@
 </p:tagLst>
 </file>
 
-<file path=ppt/tags/tag34.xml><?xml version="1.0" encoding="utf-8"?>
+<file path=ppt/tags/tag38.xml><?xml version="1.0" encoding="utf-8"?>
 <p:tagLst xmlns:a="http://schemas.openxmlformats.org/drawingml/2006/main" xmlns:r="http://schemas.openxmlformats.org/officeDocument/2006/relationships" xmlns:p="http://schemas.openxmlformats.org/presentationml/2006/main">
   <p:tag name="OUTPUTDPI" val="1200"/>
   <p:tag name="ORIGINALHEIGHT" val="56,25"/>
@@ -42180,7 +42997,7 @@
 </p:tagLst>
 </file>
 
-<file path=ppt/tags/tag35.xml><?xml version="1.0" encoding="utf-8"?>
+<file path=ppt/tags/tag39.xml><?xml version="1.0" encoding="utf-8"?>
 <p:tagLst xmlns:a="http://schemas.openxmlformats.org/drawingml/2006/main" xmlns:r="http://schemas.openxmlformats.org/officeDocument/2006/relationships" xmlns:p="http://schemas.openxmlformats.org/presentationml/2006/main">
   <p:tag name="OUTPUTDPI" val="1200"/>
   <p:tag name="ORIGINALHEIGHT" val="124,5"/>
@@ -42188,82 +43005,6 @@
   <p:tag name="LATEXADDIN" val="\documentclass{article}&#10;\usepackage{amsmath}&#10;\usepackage{amsfonts}&#10;\pagestyle{empty}&#10;\begin{document}&#10;&#10;$R_d(t)$&#10;&#10;\end{document}"/>
   <p:tag name="IGUANATEXSIZE" val="20"/>
   <p:tag name="IGUANATEXCURSOR" val="107"/>
-  <p:tag name="TRANSPARENCY" val="True"/>
-  <p:tag name="FILENAME" val=""/>
-  <p:tag name="LATEXENGINEID" val="0"/>
-  <p:tag name="TEMPFOLDER" val="c:\temp\"/>
-  <p:tag name="LATEXFORMHEIGHT" val="312"/>
-  <p:tag name="LATEXFORMWIDTH" val="384"/>
-  <p:tag name="LATEXFORMWRAP" val="True"/>
-  <p:tag name="BITMAPVECTOR" val="0"/>
-</p:tagLst>
-</file>
-
-<file path=ppt/tags/tag36.xml><?xml version="1.0" encoding="utf-8"?>
-<p:tagLst xmlns:a="http://schemas.openxmlformats.org/drawingml/2006/main" xmlns:r="http://schemas.openxmlformats.org/officeDocument/2006/relationships" xmlns:p="http://schemas.openxmlformats.org/presentationml/2006/main">
-  <p:tag name="OUTPUTDPI" val="1200"/>
-  <p:tag name="ORIGINALHEIGHT" val="79,5"/>
-  <p:tag name="ORIGINALWIDTH" val="51,75"/>
-  <p:tag name="LATEXADDIN" val="\documentclass{article}&#10;\usepackage{amsmath}&#10;\usepackage{amsfonts}&#10;\pagestyle{empty}&#10;\begin{document}&#10;&#10;$q$&#10;&#10;\end{document}"/>
-  <p:tag name="IGUANATEXSIZE" val="20"/>
-  <p:tag name="IGUANATEXCURSOR" val="105"/>
-  <p:tag name="TRANSPARENCY" val="True"/>
-  <p:tag name="FILENAME" val=""/>
-  <p:tag name="LATEXENGINEID" val="0"/>
-  <p:tag name="TEMPFOLDER" val="c:\temp\"/>
-  <p:tag name="LATEXFORMHEIGHT" val="312"/>
-  <p:tag name="LATEXFORMWIDTH" val="384"/>
-  <p:tag name="LATEXFORMWRAP" val="True"/>
-  <p:tag name="BITMAPVECTOR" val="0"/>
-</p:tagLst>
-</file>
-
-<file path=ppt/tags/tag37.xml><?xml version="1.0" encoding="utf-8"?>
-<p:tagLst xmlns:a="http://schemas.openxmlformats.org/drawingml/2006/main" xmlns:r="http://schemas.openxmlformats.org/officeDocument/2006/relationships" xmlns:p="http://schemas.openxmlformats.org/presentationml/2006/main">
-  <p:tag name="OUTPUTDPI" val="1200"/>
-  <p:tag name="ORIGINALHEIGHT" val="124,5"/>
-  <p:tag name="ORIGINALWIDTH" val="355,5"/>
-  <p:tag name="LATEXADDIN" val="\documentclass{article}&#10;\usepackage{amsmath}&#10;\usepackage{amsfonts}&#10;\pagestyle{empty}&#10;\begin{document}&#10;&#10;$\mathcal{T}(q,r)$&#10;&#10;\end{document}"/>
-  <p:tag name="IGUANATEXSIZE" val="20"/>
-  <p:tag name="IGUANATEXCURSOR" val="119"/>
-  <p:tag name="TRANSPARENCY" val="True"/>
-  <p:tag name="FILENAME" val=""/>
-  <p:tag name="LATEXENGINEID" val="0"/>
-  <p:tag name="TEMPFOLDER" val="c:\temp\"/>
-  <p:tag name="LATEXFORMHEIGHT" val="312"/>
-  <p:tag name="LATEXFORMWIDTH" val="384"/>
-  <p:tag name="LATEXFORMWRAP" val="True"/>
-  <p:tag name="BITMAPVECTOR" val="0"/>
-</p:tagLst>
-</file>
-
-<file path=ppt/tags/tag38.xml><?xml version="1.0" encoding="utf-8"?>
-<p:tagLst xmlns:a="http://schemas.openxmlformats.org/drawingml/2006/main" xmlns:r="http://schemas.openxmlformats.org/officeDocument/2006/relationships" xmlns:p="http://schemas.openxmlformats.org/presentationml/2006/main">
-  <p:tag name="OUTPUTDPI" val="1200"/>
-  <p:tag name="ORIGINALHEIGHT" val="124,5"/>
-  <p:tag name="ORIGINALWIDTH" val="323,25"/>
-  <p:tag name="LATEXADDIN" val="\documentclass{article}&#10;\usepackage{amsmath}&#10;\usepackage{amsfonts}&#10;\pagestyle{empty}&#10;\begin{document}&#10;&#10;$SO(3)$&#10;&#10;\end{document}"/>
-  <p:tag name="IGUANATEXSIZE" val="20"/>
-  <p:tag name="IGUANATEXCURSOR" val="104"/>
-  <p:tag name="TRANSPARENCY" val="True"/>
-  <p:tag name="FILENAME" val=""/>
-  <p:tag name="LATEXENGINEID" val="0"/>
-  <p:tag name="TEMPFOLDER" val="c:\temp\"/>
-  <p:tag name="LATEXFORMHEIGHT" val="312"/>
-  <p:tag name="LATEXFORMWIDTH" val="384"/>
-  <p:tag name="LATEXFORMWRAP" val="True"/>
-  <p:tag name="BITMAPVECTOR" val="0"/>
-</p:tagLst>
-</file>
-
-<file path=ppt/tags/tag39.xml><?xml version="1.0" encoding="utf-8"?>
-<p:tagLst xmlns:a="http://schemas.openxmlformats.org/drawingml/2006/main" xmlns:r="http://schemas.openxmlformats.org/officeDocument/2006/relationships" xmlns:p="http://schemas.openxmlformats.org/presentationml/2006/main">
-  <p:tag name="OUTPUTDPI" val="1200"/>
-  <p:tag name="ORIGINALHEIGHT" val="124,5"/>
-  <p:tag name="ORIGINALWIDTH" val="221,25"/>
-  <p:tag name="LATEXADDIN" val="\documentclass{article}&#10;\usepackage{amsmath}&#10;\usepackage{amsfonts}&#10;\pagestyle{empty}&#10;\begin{document}&#10;&#10;$R(t)$&#10;&#10;\end{document}"/>
-  <p:tag name="IGUANATEXSIZE" val="20"/>
-  <p:tag name="IGUANATEXCURSOR" val="108"/>
   <p:tag name="TRANSPARENCY" val="True"/>
   <p:tag name="FILENAME" val=""/>
   <p:tag name="LATEXENGINEID" val="0"/>
@@ -42297,9 +43038,66 @@
 <file path=ppt/tags/tag40.xml><?xml version="1.0" encoding="utf-8"?>
 <p:tagLst xmlns:a="http://schemas.openxmlformats.org/drawingml/2006/main" xmlns:r="http://schemas.openxmlformats.org/officeDocument/2006/relationships" xmlns:p="http://schemas.openxmlformats.org/presentationml/2006/main">
   <p:tag name="OUTPUTDPI" val="1200"/>
+  <p:tag name="ORIGINALHEIGHT" val="79,5"/>
+  <p:tag name="ORIGINALWIDTH" val="51,75"/>
+  <p:tag name="LATEXADDIN" val="\documentclass{article}&#10;\usepackage{amsmath}&#10;\usepackage{amsfonts}&#10;\pagestyle{empty}&#10;\begin{document}&#10;&#10;$q$&#10;&#10;\end{document}"/>
+  <p:tag name="IGUANATEXSIZE" val="20"/>
+  <p:tag name="IGUANATEXCURSOR" val="105"/>
+  <p:tag name="TRANSPARENCY" val="True"/>
+  <p:tag name="FILENAME" val=""/>
+  <p:tag name="LATEXENGINEID" val="0"/>
+  <p:tag name="TEMPFOLDER" val="c:\temp\"/>
+  <p:tag name="LATEXFORMHEIGHT" val="312"/>
+  <p:tag name="LATEXFORMWIDTH" val="384"/>
+  <p:tag name="LATEXFORMWRAP" val="True"/>
+  <p:tag name="BITMAPVECTOR" val="0"/>
+</p:tagLst>
+</file>
+
+<file path=ppt/tags/tag41.xml><?xml version="1.0" encoding="utf-8"?>
+<p:tagLst xmlns:a="http://schemas.openxmlformats.org/drawingml/2006/main" xmlns:r="http://schemas.openxmlformats.org/officeDocument/2006/relationships" xmlns:p="http://schemas.openxmlformats.org/presentationml/2006/main">
+  <p:tag name="OUTPUTDPI" val="1200"/>
   <p:tag name="ORIGINALHEIGHT" val="124,5"/>
-  <p:tag name="ORIGINALWIDTH" val="454,5"/>
-  <p:tag name="LATEXADDIN" val="\documentclass{article}&#10;\usepackage{amsmath}&#10;\usepackage{amsfonts}&#10;\pagestyle{empty}&#10;\begin{document}&#10;&#10;$T_{r}SO(3)$&#10;&#10;\end{document}"/>
+  <p:tag name="ORIGINALWIDTH" val="355,5"/>
+  <p:tag name="LATEXADDIN" val="\documentclass{article}&#10;\usepackage{amsmath}&#10;\usepackage{amsfonts}&#10;\pagestyle{empty}&#10;\begin{document}&#10;&#10;$\mathcal{T}(q,r)$&#10;&#10;\end{document}"/>
+  <p:tag name="IGUANATEXSIZE" val="20"/>
+  <p:tag name="IGUANATEXCURSOR" val="119"/>
+  <p:tag name="TRANSPARENCY" val="True"/>
+  <p:tag name="FILENAME" val=""/>
+  <p:tag name="LATEXENGINEID" val="0"/>
+  <p:tag name="TEMPFOLDER" val="c:\temp\"/>
+  <p:tag name="LATEXFORMHEIGHT" val="312"/>
+  <p:tag name="LATEXFORMWIDTH" val="384"/>
+  <p:tag name="LATEXFORMWRAP" val="True"/>
+  <p:tag name="BITMAPVECTOR" val="0"/>
+</p:tagLst>
+</file>
+
+<file path=ppt/tags/tag42.xml><?xml version="1.0" encoding="utf-8"?>
+<p:tagLst xmlns:a="http://schemas.openxmlformats.org/drawingml/2006/main" xmlns:r="http://schemas.openxmlformats.org/officeDocument/2006/relationships" xmlns:p="http://schemas.openxmlformats.org/presentationml/2006/main">
+  <p:tag name="OUTPUTDPI" val="1200"/>
+  <p:tag name="ORIGINALHEIGHT" val="124,5"/>
+  <p:tag name="ORIGINALWIDTH" val="323,25"/>
+  <p:tag name="LATEXADDIN" val="\documentclass{article}&#10;\usepackage{amsmath}&#10;\usepackage{amsfonts}&#10;\pagestyle{empty}&#10;\begin{document}&#10;&#10;$SO(3)$&#10;&#10;\end{document}"/>
+  <p:tag name="IGUANATEXSIZE" val="20"/>
+  <p:tag name="IGUANATEXCURSOR" val="104"/>
+  <p:tag name="TRANSPARENCY" val="True"/>
+  <p:tag name="FILENAME" val=""/>
+  <p:tag name="LATEXENGINEID" val="0"/>
+  <p:tag name="TEMPFOLDER" val="c:\temp\"/>
+  <p:tag name="LATEXFORMHEIGHT" val="312"/>
+  <p:tag name="LATEXFORMWIDTH" val="384"/>
+  <p:tag name="LATEXFORMWRAP" val="True"/>
+  <p:tag name="BITMAPVECTOR" val="0"/>
+</p:tagLst>
+</file>
+
+<file path=ppt/tags/tag43.xml><?xml version="1.0" encoding="utf-8"?>
+<p:tagLst xmlns:a="http://schemas.openxmlformats.org/drawingml/2006/main" xmlns:r="http://schemas.openxmlformats.org/officeDocument/2006/relationships" xmlns:p="http://schemas.openxmlformats.org/presentationml/2006/main">
+  <p:tag name="OUTPUTDPI" val="1200"/>
+  <p:tag name="ORIGINALHEIGHT" val="124,5"/>
+  <p:tag name="ORIGINALWIDTH" val="221,25"/>
+  <p:tag name="LATEXADDIN" val="\documentclass{article}&#10;\usepackage{amsmath}&#10;\usepackage{amsfonts}&#10;\pagestyle{empty}&#10;\begin{document}&#10;&#10;$R(t)$&#10;&#10;\end{document}"/>
   <p:tag name="IGUANATEXSIZE" val="20"/>
   <p:tag name="IGUANATEXCURSOR" val="108"/>
   <p:tag name="TRANSPARENCY" val="True"/>
@@ -42313,7 +43111,7 @@
 </p:tagLst>
 </file>
 
-<file path=ppt/tags/tag41.xml><?xml version="1.0" encoding="utf-8"?>
+<file path=ppt/tags/tag44.xml><?xml version="1.0" encoding="utf-8"?>
 <p:tagLst xmlns:a="http://schemas.openxmlformats.org/drawingml/2006/main" xmlns:r="http://schemas.openxmlformats.org/officeDocument/2006/relationships" xmlns:p="http://schemas.openxmlformats.org/presentationml/2006/main">
   <p:tag name="OUTPUTDPI" val="1200"/>
   <p:tag name="ORIGINALHEIGHT" val="124,5"/>
@@ -42332,7 +43130,26 @@
 </p:tagLst>
 </file>
 
-<file path=ppt/tags/tag42.xml><?xml version="1.0" encoding="utf-8"?>
+<file path=ppt/tags/tag45.xml><?xml version="1.0" encoding="utf-8"?>
+<p:tagLst xmlns:a="http://schemas.openxmlformats.org/drawingml/2006/main" xmlns:r="http://schemas.openxmlformats.org/officeDocument/2006/relationships" xmlns:p="http://schemas.openxmlformats.org/presentationml/2006/main">
+  <p:tag name="OUTPUTDPI" val="1200"/>
+  <p:tag name="ORIGINALHEIGHT" val="124,5"/>
+  <p:tag name="ORIGINALWIDTH" val="454,5"/>
+  <p:tag name="LATEXADDIN" val="\documentclass{article}&#10;\usepackage{amsmath}&#10;\usepackage{amsfonts}&#10;\pagestyle{empty}&#10;\begin{document}&#10;&#10;$T_{r}SO(3)$&#10;&#10;\end{document}"/>
+  <p:tag name="IGUANATEXSIZE" val="20"/>
+  <p:tag name="IGUANATEXCURSOR" val="108"/>
+  <p:tag name="TRANSPARENCY" val="True"/>
+  <p:tag name="FILENAME" val=""/>
+  <p:tag name="LATEXENGINEID" val="0"/>
+  <p:tag name="TEMPFOLDER" val="c:\temp\"/>
+  <p:tag name="LATEXFORMHEIGHT" val="312"/>
+  <p:tag name="LATEXFORMWIDTH" val="384"/>
+  <p:tag name="LATEXFORMWRAP" val="True"/>
+  <p:tag name="BITMAPVECTOR" val="0"/>
+</p:tagLst>
+</file>
+
+<file path=ppt/tags/tag46.xml><?xml version="1.0" encoding="utf-8"?>
 <p:tagLst xmlns:a="http://schemas.openxmlformats.org/drawingml/2006/main" xmlns:r="http://schemas.openxmlformats.org/officeDocument/2006/relationships" xmlns:p="http://schemas.openxmlformats.org/presentationml/2006/main">
   <p:tag name="OUTPUTDPI" val="1200"/>
   <p:tag name="ORIGINALHEIGHT" val="124,5"/>
@@ -42351,7 +43168,7 @@
 </p:tagLst>
 </file>
 
-<file path=ppt/tags/tag43.xml><?xml version="1.0" encoding="utf-8"?>
+<file path=ppt/tags/tag47.xml><?xml version="1.0" encoding="utf-8"?>
 <p:tagLst xmlns:a="http://schemas.openxmlformats.org/drawingml/2006/main" xmlns:r="http://schemas.openxmlformats.org/officeDocument/2006/relationships" xmlns:p="http://schemas.openxmlformats.org/presentationml/2006/main">
   <p:tag name="OUTPUTDPI" val="1200"/>
   <p:tag name="ORIGINALHEIGHT" val="124,5"/>
@@ -42370,7 +43187,7 @@
 </p:tagLst>
 </file>
 
-<file path=ppt/tags/tag44.xml><?xml version="1.0" encoding="utf-8"?>
+<file path=ppt/tags/tag48.xml><?xml version="1.0" encoding="utf-8"?>
 <p:tagLst xmlns:a="http://schemas.openxmlformats.org/drawingml/2006/main" xmlns:r="http://schemas.openxmlformats.org/officeDocument/2006/relationships" xmlns:p="http://schemas.openxmlformats.org/presentationml/2006/main">
   <p:tag name="OUTPUTDPI" val="1200"/>
   <p:tag name="ORIGINALHEIGHT" val="124,5"/>
@@ -42389,7 +43206,7 @@
 </p:tagLst>
 </file>
 
-<file path=ppt/tags/tag45.xml><?xml version="1.0" encoding="utf-8"?>
+<file path=ppt/tags/tag49.xml><?xml version="1.0" encoding="utf-8"?>
 <p:tagLst xmlns:a="http://schemas.openxmlformats.org/drawingml/2006/main" xmlns:r="http://schemas.openxmlformats.org/officeDocument/2006/relationships" xmlns:p="http://schemas.openxmlformats.org/presentationml/2006/main">
   <p:tag name="OUTPUTDPI" val="1200"/>
   <p:tag name="ORIGINALHEIGHT" val="124,5"/>
@@ -42397,82 +43214,6 @@
   <p:tag name="LATEXADDIN" val="\documentclass{article}&#10;\usepackage{amsmath}&#10;\usepackage{amsfonts}&#10;\pagestyle{empty}&#10;\begin{document}&#10;&#10;$T_{R}SO(3)$&#10;&#10;\end{document}"/>
   <p:tag name="IGUANATEXSIZE" val="20"/>
   <p:tag name="IGUANATEXCURSOR" val="114"/>
-  <p:tag name="TRANSPARENCY" val="True"/>
-  <p:tag name="FILENAME" val=""/>
-  <p:tag name="LATEXENGINEID" val="0"/>
-  <p:tag name="TEMPFOLDER" val="c:\temp\"/>
-  <p:tag name="LATEXFORMHEIGHT" val="312"/>
-  <p:tag name="LATEXFORMWIDTH" val="384"/>
-  <p:tag name="LATEXFORMWRAP" val="True"/>
-  <p:tag name="BITMAPVECTOR" val="0"/>
-</p:tagLst>
-</file>
-
-<file path=ppt/tags/tag46.xml><?xml version="1.0" encoding="utf-8"?>
-<p:tagLst xmlns:a="http://schemas.openxmlformats.org/drawingml/2006/main" xmlns:r="http://schemas.openxmlformats.org/officeDocument/2006/relationships" xmlns:p="http://schemas.openxmlformats.org/presentationml/2006/main">
-  <p:tag name="OUTPUTDPI" val="1200"/>
-  <p:tag name="ORIGINALHEIGHT" val="126"/>
-  <p:tag name="ORIGINALWIDTH" val="533,25"/>
-  <p:tag name="LATEXADDIN" val="\documentclass{article}&#10;\usepackage{amsmath}&#10;\usepackage{amsfonts}&#10;\pagestyle{empty}&#10;\begin{document}&#10;&#10;$T_{R_d}SO(3)$&#10;&#10;\end{document}"/>
-  <p:tag name="IGUANATEXSIZE" val="20"/>
-  <p:tag name="IGUANATEXCURSOR" val="110"/>
-  <p:tag name="TRANSPARENCY" val="True"/>
-  <p:tag name="FILENAME" val=""/>
-  <p:tag name="LATEXENGINEID" val="0"/>
-  <p:tag name="TEMPFOLDER" val="c:\temp\"/>
-  <p:tag name="LATEXFORMHEIGHT" val="312"/>
-  <p:tag name="LATEXFORMWIDTH" val="384"/>
-  <p:tag name="LATEXFORMWRAP" val="True"/>
-  <p:tag name="BITMAPVECTOR" val="0"/>
-</p:tagLst>
-</file>
-
-<file path=ppt/tags/tag47.xml><?xml version="1.0" encoding="utf-8"?>
-<p:tagLst xmlns:a="http://schemas.openxmlformats.org/drawingml/2006/main" xmlns:r="http://schemas.openxmlformats.org/officeDocument/2006/relationships" xmlns:p="http://schemas.openxmlformats.org/presentationml/2006/main">
-  <p:tag name="OUTPUTDPI" val="1200"/>
-  <p:tag name="ORIGINALHEIGHT" val="124,5"/>
-  <p:tag name="ORIGINALWIDTH" val="483,75"/>
-  <p:tag name="LATEXADDIN" val="\documentclass{article}&#10;\usepackage{amsmath}&#10;\usepackage{amsfonts}&#10;\pagestyle{empty}&#10;\begin{document}&#10;&#10;$\mathcal{T}(R,R_d)$&#10;&#10;\end{document}"/>
-  <p:tag name="IGUANATEXSIZE" val="20"/>
-  <p:tag name="IGUANATEXCURSOR" val="121"/>
-  <p:tag name="TRANSPARENCY" val="True"/>
-  <p:tag name="FILENAME" val=""/>
-  <p:tag name="LATEXENGINEID" val="0"/>
-  <p:tag name="TEMPFOLDER" val="c:\temp\"/>
-  <p:tag name="LATEXFORMHEIGHT" val="312"/>
-  <p:tag name="LATEXFORMWIDTH" val="384"/>
-  <p:tag name="LATEXFORMWRAP" val="True"/>
-  <p:tag name="BITMAPVECTOR" val="0"/>
-</p:tagLst>
-</file>
-
-<file path=ppt/tags/tag48.xml><?xml version="1.0" encoding="utf-8"?>
-<p:tagLst xmlns:a="http://schemas.openxmlformats.org/drawingml/2006/main" xmlns:r="http://schemas.openxmlformats.org/officeDocument/2006/relationships" xmlns:p="http://schemas.openxmlformats.org/presentationml/2006/main">
-  <p:tag name="OUTPUTDPI" val="1200"/>
-  <p:tag name="ORIGINALHEIGHT" val="103,5"/>
-  <p:tag name="ORIGINALWIDTH" val="133,5"/>
-  <p:tag name="LATEXADDIN" val="\documentclass{article}&#10;\usepackage{amsmath}&#10;\usepackage{amsfonts}&#10;\pagestyle{empty}&#10;\begin{document}&#10;&#10;$\mathbb{R}^3$&#10;&#10;\end{document}"/>
-  <p:tag name="IGUANATEXSIZE" val="20"/>
-  <p:tag name="IGUANATEXCURSOR" val="116"/>
-  <p:tag name="TRANSPARENCY" val="True"/>
-  <p:tag name="FILENAME" val=""/>
-  <p:tag name="LATEXENGINEID" val="0"/>
-  <p:tag name="TEMPFOLDER" val="c:\temp\"/>
-  <p:tag name="LATEXFORMHEIGHT" val="312"/>
-  <p:tag name="LATEXFORMWIDTH" val="384"/>
-  <p:tag name="LATEXFORMWRAP" val="True"/>
-  <p:tag name="BITMAPVECTOR" val="0"/>
-</p:tagLst>
-</file>
-
-<file path=ppt/tags/tag49.xml><?xml version="1.0" encoding="utf-8"?>
-<p:tagLst xmlns:a="http://schemas.openxmlformats.org/drawingml/2006/main" xmlns:r="http://schemas.openxmlformats.org/officeDocument/2006/relationships" xmlns:p="http://schemas.openxmlformats.org/presentationml/2006/main">
-  <p:tag name="OUTPUTDPI" val="1200"/>
-  <p:tag name="ORIGINALHEIGHT" val="129,75"/>
-  <p:tag name="ORIGINALWIDTH" val="354"/>
-  <p:tag name="LATEXADDIN" val="\documentclass{article}&#10;\usepackage{amsmath}&#10;\usepackage{amsfonts}&#10;\pagestyle{empty}&#10;\begin{document}&#10;&#10;$x_{L,d}(t)$&#10;&#10;\end{document}"/>
-  <p:tag name="IGUANATEXSIZE" val="20"/>
-  <p:tag name="IGUANATEXCURSOR" val="110"/>
   <p:tag name="TRANSPARENCY" val="True"/>
   <p:tag name="FILENAME" val=""/>
   <p:tag name="LATEXENGINEID" val="0"/>
@@ -42506,6 +43247,82 @@
 <file path=ppt/tags/tag50.xml><?xml version="1.0" encoding="utf-8"?>
 <p:tagLst xmlns:a="http://schemas.openxmlformats.org/drawingml/2006/main" xmlns:r="http://schemas.openxmlformats.org/officeDocument/2006/relationships" xmlns:p="http://schemas.openxmlformats.org/presentationml/2006/main">
   <p:tag name="OUTPUTDPI" val="1200"/>
+  <p:tag name="ORIGINALHEIGHT" val="126"/>
+  <p:tag name="ORIGINALWIDTH" val="533,25"/>
+  <p:tag name="LATEXADDIN" val="\documentclass{article}&#10;\usepackage{amsmath}&#10;\usepackage{amsfonts}&#10;\pagestyle{empty}&#10;\begin{document}&#10;&#10;$T_{R_d}SO(3)$&#10;&#10;\end{document}"/>
+  <p:tag name="IGUANATEXSIZE" val="20"/>
+  <p:tag name="IGUANATEXCURSOR" val="110"/>
+  <p:tag name="TRANSPARENCY" val="True"/>
+  <p:tag name="FILENAME" val=""/>
+  <p:tag name="LATEXENGINEID" val="0"/>
+  <p:tag name="TEMPFOLDER" val="c:\temp\"/>
+  <p:tag name="LATEXFORMHEIGHT" val="312"/>
+  <p:tag name="LATEXFORMWIDTH" val="384"/>
+  <p:tag name="LATEXFORMWRAP" val="True"/>
+  <p:tag name="BITMAPVECTOR" val="0"/>
+</p:tagLst>
+</file>
+
+<file path=ppt/tags/tag51.xml><?xml version="1.0" encoding="utf-8"?>
+<p:tagLst xmlns:a="http://schemas.openxmlformats.org/drawingml/2006/main" xmlns:r="http://schemas.openxmlformats.org/officeDocument/2006/relationships" xmlns:p="http://schemas.openxmlformats.org/presentationml/2006/main">
+  <p:tag name="OUTPUTDPI" val="1200"/>
+  <p:tag name="ORIGINALHEIGHT" val="124,5"/>
+  <p:tag name="ORIGINALWIDTH" val="483,75"/>
+  <p:tag name="LATEXADDIN" val="\documentclass{article}&#10;\usepackage{amsmath}&#10;\usepackage{amsfonts}&#10;\pagestyle{empty}&#10;\begin{document}&#10;&#10;$\mathcal{T}(R,R_d)$&#10;&#10;\end{document}"/>
+  <p:tag name="IGUANATEXSIZE" val="20"/>
+  <p:tag name="IGUANATEXCURSOR" val="121"/>
+  <p:tag name="TRANSPARENCY" val="True"/>
+  <p:tag name="FILENAME" val=""/>
+  <p:tag name="LATEXENGINEID" val="0"/>
+  <p:tag name="TEMPFOLDER" val="c:\temp\"/>
+  <p:tag name="LATEXFORMHEIGHT" val="312"/>
+  <p:tag name="LATEXFORMWIDTH" val="384"/>
+  <p:tag name="LATEXFORMWRAP" val="True"/>
+  <p:tag name="BITMAPVECTOR" val="0"/>
+</p:tagLst>
+</file>
+
+<file path=ppt/tags/tag52.xml><?xml version="1.0" encoding="utf-8"?>
+<p:tagLst xmlns:a="http://schemas.openxmlformats.org/drawingml/2006/main" xmlns:r="http://schemas.openxmlformats.org/officeDocument/2006/relationships" xmlns:p="http://schemas.openxmlformats.org/presentationml/2006/main">
+  <p:tag name="OUTPUTDPI" val="1200"/>
+  <p:tag name="ORIGINALHEIGHT" val="103,5"/>
+  <p:tag name="ORIGINALWIDTH" val="133,5"/>
+  <p:tag name="LATEXADDIN" val="\documentclass{article}&#10;\usepackage{amsmath}&#10;\usepackage{amsfonts}&#10;\pagestyle{empty}&#10;\begin{document}&#10;&#10;$\mathbb{R}^3$&#10;&#10;\end{document}"/>
+  <p:tag name="IGUANATEXSIZE" val="20"/>
+  <p:tag name="IGUANATEXCURSOR" val="116"/>
+  <p:tag name="TRANSPARENCY" val="True"/>
+  <p:tag name="FILENAME" val=""/>
+  <p:tag name="LATEXENGINEID" val="0"/>
+  <p:tag name="TEMPFOLDER" val="c:\temp\"/>
+  <p:tag name="LATEXFORMHEIGHT" val="312"/>
+  <p:tag name="LATEXFORMWIDTH" val="384"/>
+  <p:tag name="LATEXFORMWRAP" val="True"/>
+  <p:tag name="BITMAPVECTOR" val="0"/>
+</p:tagLst>
+</file>
+
+<file path=ppt/tags/tag53.xml><?xml version="1.0" encoding="utf-8"?>
+<p:tagLst xmlns:a="http://schemas.openxmlformats.org/drawingml/2006/main" xmlns:r="http://schemas.openxmlformats.org/officeDocument/2006/relationships" xmlns:p="http://schemas.openxmlformats.org/presentationml/2006/main">
+  <p:tag name="OUTPUTDPI" val="1200"/>
+  <p:tag name="ORIGINALHEIGHT" val="129,75"/>
+  <p:tag name="ORIGINALWIDTH" val="354"/>
+  <p:tag name="LATEXADDIN" val="\documentclass{article}&#10;\usepackage{amsmath}&#10;\usepackage{amsfonts}&#10;\pagestyle{empty}&#10;\begin{document}&#10;&#10;$x_{L,d}(t)$&#10;&#10;\end{document}"/>
+  <p:tag name="IGUANATEXSIZE" val="20"/>
+  <p:tag name="IGUANATEXCURSOR" val="110"/>
+  <p:tag name="TRANSPARENCY" val="True"/>
+  <p:tag name="FILENAME" val=""/>
+  <p:tag name="LATEXENGINEID" val="0"/>
+  <p:tag name="TEMPFOLDER" val="c:\temp\"/>
+  <p:tag name="LATEXFORMHEIGHT" val="312"/>
+  <p:tag name="LATEXFORMWIDTH" val="384"/>
+  <p:tag name="LATEXFORMWRAP" val="True"/>
+  <p:tag name="BITMAPVECTOR" val="0"/>
+</p:tagLst>
+</file>
+
+<file path=ppt/tags/tag54.xml><?xml version="1.0" encoding="utf-8"?>
+<p:tagLst xmlns:a="http://schemas.openxmlformats.org/drawingml/2006/main" xmlns:r="http://schemas.openxmlformats.org/officeDocument/2006/relationships" xmlns:p="http://schemas.openxmlformats.org/presentationml/2006/main">
+  <p:tag name="OUTPUTDPI" val="1200"/>
   <p:tag name="ORIGINALHEIGHT" val="124,5"/>
   <p:tag name="ORIGINALWIDTH" val="272,25"/>
   <p:tag name="LATEXADDIN" val="\documentclass{article}&#10;\usepackage{amsmath}&#10;\usepackage{amsfonts}&#10;\pagestyle{empty}&#10;\begin{document}&#10;&#10;$x_L(t)$&#10;&#10;\end{document}"/>
@@ -42522,7 +43339,7 @@
 </p:tagLst>
 </file>
 
-<file path=ppt/tags/tag51.xml><?xml version="1.0" encoding="utf-8"?>
+<file path=ppt/tags/tag55.xml><?xml version="1.0" encoding="utf-8"?>
 <p:tagLst xmlns:a="http://schemas.openxmlformats.org/drawingml/2006/main" xmlns:r="http://schemas.openxmlformats.org/officeDocument/2006/relationships" xmlns:p="http://schemas.openxmlformats.org/presentationml/2006/main">
   <p:tag name="OUTPUTDPI" val="1200"/>
   <p:tag name="ORIGINALHEIGHT" val="90,75"/>
@@ -42541,7 +43358,7 @@
 </p:tagLst>
 </file>
 
-<file path=ppt/tags/tag52.xml><?xml version="1.0" encoding="utf-8"?>
+<file path=ppt/tags/tag56.xml><?xml version="1.0" encoding="utf-8"?>
 <p:tagLst xmlns:a="http://schemas.openxmlformats.org/drawingml/2006/main" xmlns:r="http://schemas.openxmlformats.org/officeDocument/2006/relationships" xmlns:p="http://schemas.openxmlformats.org/presentationml/2006/main">
   <p:tag name="OUTPUTDPI" val="1200"/>
   <p:tag name="ORIGINALHEIGHT" val="73,5"/>
@@ -42560,7 +43377,7 @@
 </p:tagLst>
 </file>
 
-<file path=ppt/tags/tag53.xml><?xml version="1.0" encoding="utf-8"?>
+<file path=ppt/tags/tag57.xml><?xml version="1.0" encoding="utf-8"?>
 <p:tagLst xmlns:a="http://schemas.openxmlformats.org/drawingml/2006/main" xmlns:r="http://schemas.openxmlformats.org/officeDocument/2006/relationships" xmlns:p="http://schemas.openxmlformats.org/presentationml/2006/main">
   <p:tag name="OUTPUTDPI" val="1200"/>
   <p:tag name="ORIGINALHEIGHT" val="134,25"/>
@@ -42579,7 +43396,7 @@
 </p:tagLst>
 </file>
 
-<file path=ppt/tags/tag54.xml><?xml version="1.0" encoding="utf-8"?>
+<file path=ppt/tags/tag58.xml><?xml version="1.0" encoding="utf-8"?>
 <p:tagLst xmlns:a="http://schemas.openxmlformats.org/drawingml/2006/main" xmlns:r="http://schemas.openxmlformats.org/officeDocument/2006/relationships" xmlns:p="http://schemas.openxmlformats.org/presentationml/2006/main">
   <p:tag name="OUTPUTDPI" val="1200"/>
   <p:tag name="ORIGINALHEIGHT" val="105"/>
@@ -42598,7 +43415,7 @@
 </p:tagLst>
 </file>
 
-<file path=ppt/tags/tag55.xml><?xml version="1.0" encoding="utf-8"?>
+<file path=ppt/tags/tag59.xml><?xml version="1.0" encoding="utf-8"?>
 <p:tagLst xmlns:a="http://schemas.openxmlformats.org/drawingml/2006/main" xmlns:r="http://schemas.openxmlformats.org/officeDocument/2006/relationships" xmlns:p="http://schemas.openxmlformats.org/presentationml/2006/main">
   <p:tag name="OUTPUTDPI" val="1200"/>
   <p:tag name="ORIGINALHEIGHT" val="124,5"/>
@@ -42606,82 +43423,6 @@
   <p:tag name="LATEXADDIN" val="\documentclass{article}&#10;\usepackage{amsmath}&#10;\usepackage{amsfonts}&#10;\pagestyle{empty}&#10;\begin{document}&#10;&#10;$q(t)$&#10;&#10;\end{document}"/>
   <p:tag name="IGUANATEXSIZE" val="20"/>
   <p:tag name="IGUANATEXCURSOR" val="105"/>
-  <p:tag name="TRANSPARENCY" val="True"/>
-  <p:tag name="FILENAME" val=""/>
-  <p:tag name="LATEXENGINEID" val="0"/>
-  <p:tag name="TEMPFOLDER" val="c:\temp\"/>
-  <p:tag name="LATEXFORMHEIGHT" val="312"/>
-  <p:tag name="LATEXFORMWIDTH" val="384"/>
-  <p:tag name="LATEXFORMWRAP" val="True"/>
-  <p:tag name="BITMAPVECTOR" val="0"/>
-</p:tagLst>
-</file>
-
-<file path=ppt/tags/tag56.xml><?xml version="1.0" encoding="utf-8"?>
-<p:tagLst xmlns:a="http://schemas.openxmlformats.org/drawingml/2006/main" xmlns:r="http://schemas.openxmlformats.org/officeDocument/2006/relationships" xmlns:p="http://schemas.openxmlformats.org/presentationml/2006/main">
-  <p:tag name="OUTPUTDPI" val="1200"/>
-  <p:tag name="ORIGINALHEIGHT" val="124,5"/>
-  <p:tag name="ORIGINALWIDTH" val="221,25"/>
-  <p:tag name="LATEXADDIN" val="\documentclass{article}&#10;\usepackage{amsmath}&#10;\usepackage{amsfonts}&#10;\pagestyle{empty}&#10;\begin{document}&#10;&#10;$R(t)$&#10;&#10;\end{document}"/>
-  <p:tag name="IGUANATEXSIZE" val="20"/>
-  <p:tag name="IGUANATEXCURSOR" val="108"/>
-  <p:tag name="TRANSPARENCY" val="True"/>
-  <p:tag name="FILENAME" val=""/>
-  <p:tag name="LATEXENGINEID" val="0"/>
-  <p:tag name="TEMPFOLDER" val="c:\temp\"/>
-  <p:tag name="LATEXFORMHEIGHT" val="312"/>
-  <p:tag name="LATEXFORMWIDTH" val="384"/>
-  <p:tag name="LATEXFORMWRAP" val="True"/>
-  <p:tag name="BITMAPVECTOR" val="0"/>
-</p:tagLst>
-</file>
-
-<file path=ppt/tags/tag57.xml><?xml version="1.0" encoding="utf-8"?>
-<p:tagLst xmlns:a="http://schemas.openxmlformats.org/drawingml/2006/main" xmlns:r="http://schemas.openxmlformats.org/officeDocument/2006/relationships" xmlns:p="http://schemas.openxmlformats.org/presentationml/2006/main">
-  <p:tag name="OUTPUTDPI" val="1200"/>
-  <p:tag name="ORIGINALHEIGHT" val="124,5"/>
-  <p:tag name="ORIGINALWIDTH" val="323,25"/>
-  <p:tag name="LATEXADDIN" val="\documentclass{article}&#10;\usepackage{amsmath}&#10;\usepackage{amsfonts}&#10;\pagestyle{empty}&#10;\begin{document}&#10;&#10;$SO(3)$&#10;&#10;\end{document}"/>
-  <p:tag name="IGUANATEXSIZE" val="20"/>
-  <p:tag name="IGUANATEXCURSOR" val="104"/>
-  <p:tag name="TRANSPARENCY" val="True"/>
-  <p:tag name="FILENAME" val=""/>
-  <p:tag name="LATEXENGINEID" val="0"/>
-  <p:tag name="TEMPFOLDER" val="c:\temp\"/>
-  <p:tag name="LATEXFORMHEIGHT" val="312"/>
-  <p:tag name="LATEXFORMWIDTH" val="384"/>
-  <p:tag name="LATEXFORMWRAP" val="True"/>
-  <p:tag name="BITMAPVECTOR" val="0"/>
-</p:tagLst>
-</file>
-
-<file path=ppt/tags/tag58.xml><?xml version="1.0" encoding="utf-8"?>
-<p:tagLst xmlns:a="http://schemas.openxmlformats.org/drawingml/2006/main" xmlns:r="http://schemas.openxmlformats.org/officeDocument/2006/relationships" xmlns:p="http://schemas.openxmlformats.org/presentationml/2006/main">
-  <p:tag name="OUTPUTDPI" val="1200"/>
-  <p:tag name="ORIGINALHEIGHT" val="124,5"/>
-  <p:tag name="ORIGINALWIDTH" val="323,25"/>
-  <p:tag name="LATEXADDIN" val="\documentclass{article}&#10;\usepackage{amsmath}&#10;\usepackage{amsfonts}&#10;\pagestyle{empty}&#10;\begin{document}&#10;&#10;$SO(3)$&#10;&#10;\end{document}"/>
-  <p:tag name="IGUANATEXSIZE" val="20"/>
-  <p:tag name="IGUANATEXCURSOR" val="104"/>
-  <p:tag name="TRANSPARENCY" val="True"/>
-  <p:tag name="FILENAME" val=""/>
-  <p:tag name="LATEXENGINEID" val="0"/>
-  <p:tag name="TEMPFOLDER" val="c:\temp\"/>
-  <p:tag name="LATEXFORMHEIGHT" val="312"/>
-  <p:tag name="LATEXFORMWIDTH" val="384"/>
-  <p:tag name="LATEXFORMWRAP" val="True"/>
-  <p:tag name="BITMAPVECTOR" val="0"/>
-</p:tagLst>
-</file>
-
-<file path=ppt/tags/tag59.xml><?xml version="1.0" encoding="utf-8"?>
-<p:tagLst xmlns:a="http://schemas.openxmlformats.org/drawingml/2006/main" xmlns:r="http://schemas.openxmlformats.org/officeDocument/2006/relationships" xmlns:p="http://schemas.openxmlformats.org/presentationml/2006/main">
-  <p:tag name="OUTPUTDPI" val="1200"/>
-  <p:tag name="ORIGINALHEIGHT" val="124,5"/>
-  <p:tag name="ORIGINALWIDTH" val="221,25"/>
-  <p:tag name="LATEXADDIN" val="\documentclass{article}&#10;\usepackage{amsmath}&#10;\usepackage{amsfonts}&#10;\pagestyle{empty}&#10;\begin{document}&#10;&#10;$R(t)$&#10;&#10;\end{document}"/>
-  <p:tag name="IGUANATEXSIZE" val="20"/>
-  <p:tag name="IGUANATEXCURSOR" val="108"/>
   <p:tag name="TRANSPARENCY" val="True"/>
   <p:tag name="FILENAME" val=""/>
   <p:tag name="LATEXENGINEID" val="0"/>
@@ -42715,11 +43456,11 @@
 <file path=ppt/tags/tag60.xml><?xml version="1.0" encoding="utf-8"?>
 <p:tagLst xmlns:a="http://schemas.openxmlformats.org/drawingml/2006/main" xmlns:r="http://schemas.openxmlformats.org/officeDocument/2006/relationships" xmlns:p="http://schemas.openxmlformats.org/presentationml/2006/main">
   <p:tag name="OUTPUTDPI" val="1200"/>
-  <p:tag name="ORIGINALHEIGHT" val="84"/>
-  <p:tag name="ORIGINALWIDTH" val="58,5"/>
-  <p:tag name="LATEXADDIN" val="\documentclass{article}&#10;\usepackage{amsmath}&#10;\usepackage{amsfonts}&#10;\pagestyle{empty}&#10;\begin{document}&#10;&#10;$I$&#10;&#10;\end{document}"/>
+  <p:tag name="ORIGINALHEIGHT" val="124,5"/>
+  <p:tag name="ORIGINALWIDTH" val="221,25"/>
+  <p:tag name="LATEXADDIN" val="\documentclass{article}&#10;\usepackage{amsmath}&#10;\usepackage{amsfonts}&#10;\pagestyle{empty}&#10;\begin{document}&#10;&#10;$R(t)$&#10;&#10;\end{document}"/>
   <p:tag name="IGUANATEXSIZE" val="20"/>
-  <p:tag name="IGUANATEXCURSOR" val="104"/>
+  <p:tag name="IGUANATEXCURSOR" val="108"/>
   <p:tag name="TRANSPARENCY" val="True"/>
   <p:tag name="FILENAME" val=""/>
   <p:tag name="LATEXENGINEID" val="0"/>
@@ -42735,10 +43476,10 @@
 <p:tagLst xmlns:a="http://schemas.openxmlformats.org/drawingml/2006/main" xmlns:r="http://schemas.openxmlformats.org/officeDocument/2006/relationships" xmlns:p="http://schemas.openxmlformats.org/presentationml/2006/main">
   <p:tag name="OUTPUTDPI" val="1200"/>
   <p:tag name="ORIGINALHEIGHT" val="124,5"/>
-  <p:tag name="ORIGINALWIDTH" val="572,25"/>
-  <p:tag name="LATEXADDIN" val="\documentclass{article}&#10;\usepackage{amsmath}&#10;\usepackage{amsfonts}&#10;\pagestyle{empty}&#10;\begin{document}&#10;&#10;$R\in SO(3)$&#10;&#10;\end{document}"/>
+  <p:tag name="ORIGINALWIDTH" val="323,25"/>
+  <p:tag name="LATEXADDIN" val="\documentclass{article}&#10;\usepackage{amsmath}&#10;\usepackage{amsfonts}&#10;\pagestyle{empty}&#10;\begin{document}&#10;&#10;$SO(3)$&#10;&#10;\end{document}"/>
   <p:tag name="IGUANATEXSIZE" val="20"/>
-  <p:tag name="IGUANATEXCURSOR" val="109"/>
+  <p:tag name="IGUANATEXCURSOR" val="104"/>
   <p:tag name="TRANSPARENCY" val="True"/>
   <p:tag name="FILENAME" val=""/>
   <p:tag name="LATEXENGINEID" val="0"/>
@@ -42811,10 +43552,10 @@
 <p:tagLst xmlns:a="http://schemas.openxmlformats.org/drawingml/2006/main" xmlns:r="http://schemas.openxmlformats.org/officeDocument/2006/relationships" xmlns:p="http://schemas.openxmlformats.org/presentationml/2006/main">
   <p:tag name="OUTPUTDPI" val="1200"/>
   <p:tag name="ORIGINALHEIGHT" val="124,5"/>
-  <p:tag name="ORIGINALWIDTH" val="417"/>
-  <p:tag name="LATEXADDIN" val="\documentclass{article}&#10;\usepackage{amsmath}&#10;\usepackage{amsfonts}&#10;\pagestyle{empty}&#10;\begin{document}&#10;&#10;$TSO(3)$&#10;&#10;\end{document}"/>
+  <p:tag name="ORIGINALWIDTH" val="572,25"/>
+  <p:tag name="LATEXADDIN" val="\documentclass{article}&#10;\usepackage{amsmath}&#10;\usepackage{amsfonts}&#10;\pagestyle{empty}&#10;\begin{document}&#10;&#10;$R\in SO(3)$&#10;&#10;\end{document}"/>
   <p:tag name="IGUANATEXSIZE" val="20"/>
-  <p:tag name="IGUANATEXCURSOR" val="105"/>
+  <p:tag name="IGUANATEXCURSOR" val="109"/>
   <p:tag name="TRANSPARENCY" val="True"/>
   <p:tag name="FILENAME" val=""/>
   <p:tag name="LATEXENGINEID" val="0"/>
@@ -42829,11 +43570,11 @@
 <file path=ppt/tags/tag66.xml><?xml version="1.0" encoding="utf-8"?>
 <p:tagLst xmlns:a="http://schemas.openxmlformats.org/drawingml/2006/main" xmlns:r="http://schemas.openxmlformats.org/officeDocument/2006/relationships" xmlns:p="http://schemas.openxmlformats.org/presentationml/2006/main">
   <p:tag name="OUTPUTDPI" val="1200"/>
-  <p:tag name="ORIGINALHEIGHT" val="87,75"/>
-  <p:tag name="ORIGINALWIDTH" val="90"/>
-  <p:tag name="LATEXADDIN" val="\documentclass{article}&#10;\usepackage{amsmath}&#10;\usepackage{amsfonts}&#10;\pagestyle{empty}&#10;\begin{document}&#10;&#10;$R$&#10;&#10;\end{document}"/>
+  <p:tag name="ORIGINALHEIGHT" val="124,5"/>
+  <p:tag name="ORIGINALWIDTH" val="323,25"/>
+  <p:tag name="LATEXADDIN" val="\documentclass{article}&#10;\usepackage{amsmath}&#10;\usepackage{amsfonts}&#10;\pagestyle{empty}&#10;\begin{document}&#10;&#10;$SO(3)$&#10;&#10;\end{document}"/>
   <p:tag name="IGUANATEXSIZE" val="20"/>
-  <p:tag name="IGUANATEXCURSOR" val="105"/>
+  <p:tag name="IGUANATEXCURSOR" val="104"/>
   <p:tag name="TRANSPARENCY" val="True"/>
   <p:tag name="FILENAME" val=""/>
   <p:tag name="LATEXENGINEID" val="0"/>
@@ -42848,11 +43589,11 @@
 <file path=ppt/tags/tag67.xml><?xml version="1.0" encoding="utf-8"?>
 <p:tagLst xmlns:a="http://schemas.openxmlformats.org/drawingml/2006/main" xmlns:r="http://schemas.openxmlformats.org/officeDocument/2006/relationships" xmlns:p="http://schemas.openxmlformats.org/presentationml/2006/main">
   <p:tag name="OUTPUTDPI" val="1200"/>
-  <p:tag name="ORIGINALHEIGHT" val="148,5"/>
-  <p:tag name="ORIGINALWIDTH" val="500,25"/>
-  <p:tag name="LATEXADDIN" val="\documentclass{article}&#10;\usepackage{amsmath}&#10;\usepackage{amsfonts}&#10;\pagestyle{empty}&#10;\begin{document}&#10;&#10;$\hat{\Omega} \in \mathfrak{so}(3)$&#10;&#10;\end{document}"/>
+  <p:tag name="ORIGINALHEIGHT" val="124,5"/>
+  <p:tag name="ORIGINALWIDTH" val="221,25"/>
+  <p:tag name="LATEXADDIN" val="\documentclass{article}&#10;\usepackage{amsmath}&#10;\usepackage{amsfonts}&#10;\pagestyle{empty}&#10;\begin{document}&#10;&#10;$R(t)$&#10;&#10;\end{document}"/>
   <p:tag name="IGUANATEXSIZE" val="20"/>
-  <p:tag name="IGUANATEXCURSOR" val="121"/>
+  <p:tag name="IGUANATEXCURSOR" val="108"/>
   <p:tag name="TRANSPARENCY" val="True"/>
   <p:tag name="FILENAME" val=""/>
   <p:tag name="LATEXENGINEID" val="0"/>
@@ -42867,11 +43608,11 @@
 <file path=ppt/tags/tag68.xml><?xml version="1.0" encoding="utf-8"?>
 <p:tagLst xmlns:a="http://schemas.openxmlformats.org/drawingml/2006/main" xmlns:r="http://schemas.openxmlformats.org/officeDocument/2006/relationships" xmlns:p="http://schemas.openxmlformats.org/presentationml/2006/main">
   <p:tag name="OUTPUTDPI" val="1200"/>
-  <p:tag name="ORIGINALHEIGHT" val="134,25"/>
-  <p:tag name="ORIGINALWIDTH" val="601,5"/>
-  <p:tag name="LATEXADDIN" val="\documentclass{article}&#10;\usepackage{amsmath}&#10;\usepackage{amsfonts}&#10;\pagestyle{empty}&#10;\begin{document}&#10;&#10;$SE(3)\times\mathbb{S}^2$&#10;&#10;\end{document}"/>
+  <p:tag name="ORIGINALHEIGHT" val="84"/>
+  <p:tag name="ORIGINALWIDTH" val="58,5"/>
+  <p:tag name="LATEXADDIN" val="\documentclass{article}&#10;\usepackage{amsmath}&#10;\usepackage{amsfonts}&#10;\pagestyle{empty}&#10;\begin{document}&#10;&#10;$I$&#10;&#10;\end{document}"/>
   <p:tag name="IGUANATEXSIZE" val="20"/>
-  <p:tag name="IGUANATEXCURSOR" val="115"/>
+  <p:tag name="IGUANATEXCURSOR" val="104"/>
   <p:tag name="TRANSPARENCY" val="True"/>
   <p:tag name="FILENAME" val=""/>
   <p:tag name="LATEXENGINEID" val="0"/>
@@ -42887,10 +43628,10 @@
 <p:tagLst xmlns:a="http://schemas.openxmlformats.org/drawingml/2006/main" xmlns:r="http://schemas.openxmlformats.org/officeDocument/2006/relationships" xmlns:p="http://schemas.openxmlformats.org/presentationml/2006/main">
   <p:tag name="OUTPUTDPI" val="1200"/>
   <p:tag name="ORIGINALHEIGHT" val="124,5"/>
-  <p:tag name="ORIGINALWIDTH" val="323,25"/>
-  <p:tag name="LATEXADDIN" val="\documentclass{article}&#10;\usepackage{amsmath}&#10;\usepackage{amsfonts}&#10;\pagestyle{empty}&#10;\begin{document}&#10;&#10;$SO(3)$&#10;&#10;\end{document}"/>
+  <p:tag name="ORIGINALWIDTH" val="417"/>
+  <p:tag name="LATEXADDIN" val="\documentclass{article}&#10;\usepackage{amsmath}&#10;\usepackage{amsfonts}&#10;\pagestyle{empty}&#10;\begin{document}&#10;&#10;$TSO(3)$&#10;&#10;\end{document}"/>
   <p:tag name="IGUANATEXSIZE" val="20"/>
-  <p:tag name="IGUANATEXCURSOR" val="109"/>
+  <p:tag name="IGUANATEXCURSOR" val="105"/>
   <p:tag name="TRANSPARENCY" val="True"/>
   <p:tag name="FILENAME" val=""/>
   <p:tag name="LATEXENGINEID" val="0"/>
@@ -42924,6 +43665,82 @@
 <file path=ppt/tags/tag70.xml><?xml version="1.0" encoding="utf-8"?>
 <p:tagLst xmlns:a="http://schemas.openxmlformats.org/drawingml/2006/main" xmlns:r="http://schemas.openxmlformats.org/officeDocument/2006/relationships" xmlns:p="http://schemas.openxmlformats.org/presentationml/2006/main">
   <p:tag name="OUTPUTDPI" val="1200"/>
+  <p:tag name="ORIGINALHEIGHT" val="87,75"/>
+  <p:tag name="ORIGINALWIDTH" val="90"/>
+  <p:tag name="LATEXADDIN" val="\documentclass{article}&#10;\usepackage{amsmath}&#10;\usepackage{amsfonts}&#10;\pagestyle{empty}&#10;\begin{document}&#10;&#10;$R$&#10;&#10;\end{document}"/>
+  <p:tag name="IGUANATEXSIZE" val="20"/>
+  <p:tag name="IGUANATEXCURSOR" val="105"/>
+  <p:tag name="TRANSPARENCY" val="True"/>
+  <p:tag name="FILENAME" val=""/>
+  <p:tag name="LATEXENGINEID" val="0"/>
+  <p:tag name="TEMPFOLDER" val="c:\temp\"/>
+  <p:tag name="LATEXFORMHEIGHT" val="312"/>
+  <p:tag name="LATEXFORMWIDTH" val="384"/>
+  <p:tag name="LATEXFORMWRAP" val="True"/>
+  <p:tag name="BITMAPVECTOR" val="0"/>
+</p:tagLst>
+</file>
+
+<file path=ppt/tags/tag71.xml><?xml version="1.0" encoding="utf-8"?>
+<p:tagLst xmlns:a="http://schemas.openxmlformats.org/drawingml/2006/main" xmlns:r="http://schemas.openxmlformats.org/officeDocument/2006/relationships" xmlns:p="http://schemas.openxmlformats.org/presentationml/2006/main">
+  <p:tag name="OUTPUTDPI" val="1200"/>
+  <p:tag name="ORIGINALHEIGHT" val="148,5"/>
+  <p:tag name="ORIGINALWIDTH" val="500,25"/>
+  <p:tag name="LATEXADDIN" val="\documentclass{article}&#10;\usepackage{amsmath}&#10;\usepackage{amsfonts}&#10;\pagestyle{empty}&#10;\begin{document}&#10;&#10;$\hat{\Omega} \in \mathfrak{so}(3)$&#10;&#10;\end{document}"/>
+  <p:tag name="IGUANATEXSIZE" val="20"/>
+  <p:tag name="IGUANATEXCURSOR" val="121"/>
+  <p:tag name="TRANSPARENCY" val="True"/>
+  <p:tag name="FILENAME" val=""/>
+  <p:tag name="LATEXENGINEID" val="0"/>
+  <p:tag name="TEMPFOLDER" val="c:\temp\"/>
+  <p:tag name="LATEXFORMHEIGHT" val="312"/>
+  <p:tag name="LATEXFORMWIDTH" val="384"/>
+  <p:tag name="LATEXFORMWRAP" val="True"/>
+  <p:tag name="BITMAPVECTOR" val="0"/>
+</p:tagLst>
+</file>
+
+<file path=ppt/tags/tag72.xml><?xml version="1.0" encoding="utf-8"?>
+<p:tagLst xmlns:a="http://schemas.openxmlformats.org/drawingml/2006/main" xmlns:r="http://schemas.openxmlformats.org/officeDocument/2006/relationships" xmlns:p="http://schemas.openxmlformats.org/presentationml/2006/main">
+  <p:tag name="OUTPUTDPI" val="1200"/>
+  <p:tag name="ORIGINALHEIGHT" val="134,25"/>
+  <p:tag name="ORIGINALWIDTH" val="601,5"/>
+  <p:tag name="LATEXADDIN" val="\documentclass{article}&#10;\usepackage{amsmath}&#10;\usepackage{amsfonts}&#10;\pagestyle{empty}&#10;\begin{document}&#10;&#10;$SE(3)\times\mathbb{S}^2$&#10;&#10;\end{document}"/>
+  <p:tag name="IGUANATEXSIZE" val="20"/>
+  <p:tag name="IGUANATEXCURSOR" val="115"/>
+  <p:tag name="TRANSPARENCY" val="True"/>
+  <p:tag name="FILENAME" val=""/>
+  <p:tag name="LATEXENGINEID" val="0"/>
+  <p:tag name="TEMPFOLDER" val="c:\temp\"/>
+  <p:tag name="LATEXFORMHEIGHT" val="312"/>
+  <p:tag name="LATEXFORMWIDTH" val="384"/>
+  <p:tag name="LATEXFORMWRAP" val="True"/>
+  <p:tag name="BITMAPVECTOR" val="0"/>
+</p:tagLst>
+</file>
+
+<file path=ppt/tags/tag73.xml><?xml version="1.0" encoding="utf-8"?>
+<p:tagLst xmlns:a="http://schemas.openxmlformats.org/drawingml/2006/main" xmlns:r="http://schemas.openxmlformats.org/officeDocument/2006/relationships" xmlns:p="http://schemas.openxmlformats.org/presentationml/2006/main">
+  <p:tag name="OUTPUTDPI" val="1200"/>
+  <p:tag name="ORIGINALHEIGHT" val="124,5"/>
+  <p:tag name="ORIGINALWIDTH" val="323,25"/>
+  <p:tag name="LATEXADDIN" val="\documentclass{article}&#10;\usepackage{amsmath}&#10;\usepackage{amsfonts}&#10;\pagestyle{empty}&#10;\begin{document}&#10;&#10;$SO(3)$&#10;&#10;\end{document}"/>
+  <p:tag name="IGUANATEXSIZE" val="20"/>
+  <p:tag name="IGUANATEXCURSOR" val="109"/>
+  <p:tag name="TRANSPARENCY" val="True"/>
+  <p:tag name="FILENAME" val=""/>
+  <p:tag name="LATEXENGINEID" val="0"/>
+  <p:tag name="TEMPFOLDER" val="c:\temp\"/>
+  <p:tag name="LATEXFORMHEIGHT" val="312"/>
+  <p:tag name="LATEXFORMWIDTH" val="384"/>
+  <p:tag name="LATEXFORMWRAP" val="True"/>
+  <p:tag name="BITMAPVECTOR" val="0"/>
+</p:tagLst>
+</file>
+
+<file path=ppt/tags/tag74.xml><?xml version="1.0" encoding="utf-8"?>
+<p:tagLst xmlns:a="http://schemas.openxmlformats.org/drawingml/2006/main" xmlns:r="http://schemas.openxmlformats.org/officeDocument/2006/relationships" xmlns:p="http://schemas.openxmlformats.org/presentationml/2006/main">
+  <p:tag name="OUTPUTDPI" val="1200"/>
   <p:tag name="ORIGINALHEIGHT" val="124,5"/>
   <p:tag name="ORIGINALWIDTH" val="221,25"/>
   <p:tag name="LATEXADDIN" val="\documentclass{article}&#10;\usepackage{amsmath}&#10;\usepackage{amsfonts}&#10;\pagestyle{empty}&#10;\begin{document}&#10;&#10;$R(t)$&#10;&#10;\end{document}"/>
@@ -42940,7 +43757,7 @@
 </p:tagLst>
 </file>
 
-<file path=ppt/tags/tag71.xml><?xml version="1.0" encoding="utf-8"?>
+<file path=ppt/tags/tag75.xml><?xml version="1.0" encoding="utf-8"?>
 <p:tagLst xmlns:a="http://schemas.openxmlformats.org/drawingml/2006/main" xmlns:r="http://schemas.openxmlformats.org/officeDocument/2006/relationships" xmlns:p="http://schemas.openxmlformats.org/presentationml/2006/main">
   <p:tag name="OUTPUTDPI" val="1200"/>
   <p:tag name="ORIGINALHEIGHT" val="124,5"/>
@@ -42959,7 +43776,7 @@
 </p:tagLst>
 </file>
 
-<file path=ppt/tags/tag72.xml><?xml version="1.0" encoding="utf-8"?>
+<file path=ppt/tags/tag76.xml><?xml version="1.0" encoding="utf-8"?>
 <p:tagLst xmlns:a="http://schemas.openxmlformats.org/drawingml/2006/main" xmlns:r="http://schemas.openxmlformats.org/officeDocument/2006/relationships" xmlns:p="http://schemas.openxmlformats.org/presentationml/2006/main">
   <p:tag name="OUTPUTDPI" val="1200"/>
   <p:tag name="ORIGINALHEIGHT" val="124,5"/>
@@ -42978,7 +43795,7 @@
 </p:tagLst>
 </file>
 
-<file path=ppt/tags/tag73.xml><?xml version="1.0" encoding="utf-8"?>
+<file path=ppt/tags/tag77.xml><?xml version="1.0" encoding="utf-8"?>
 <p:tagLst xmlns:a="http://schemas.openxmlformats.org/drawingml/2006/main" xmlns:r="http://schemas.openxmlformats.org/officeDocument/2006/relationships" xmlns:p="http://schemas.openxmlformats.org/presentationml/2006/main">
   <p:tag name="OUTPUTDPI" val="1200"/>
   <p:tag name="ORIGINALHEIGHT" val="124,5"/>
@@ -42997,7 +43814,7 @@
 </p:tagLst>
 </file>
 
-<file path=ppt/tags/tag74.xml><?xml version="1.0" encoding="utf-8"?>
+<file path=ppt/tags/tag78.xml><?xml version="1.0" encoding="utf-8"?>
 <p:tagLst xmlns:a="http://schemas.openxmlformats.org/drawingml/2006/main" xmlns:r="http://schemas.openxmlformats.org/officeDocument/2006/relationships" xmlns:p="http://schemas.openxmlformats.org/presentationml/2006/main">
   <p:tag name="OUTPUTDPI" val="1200"/>
   <p:tag name="ORIGINALHEIGHT" val="126"/>
@@ -43016,7 +43833,7 @@
 </p:tagLst>
 </file>
 
-<file path=ppt/tags/tag75.xml><?xml version="1.0" encoding="utf-8"?>
+<file path=ppt/tags/tag79.xml><?xml version="1.0" encoding="utf-8"?>
 <p:tagLst xmlns:a="http://schemas.openxmlformats.org/drawingml/2006/main" xmlns:r="http://schemas.openxmlformats.org/officeDocument/2006/relationships" xmlns:p="http://schemas.openxmlformats.org/presentationml/2006/main">
   <p:tag name="OUTPUTDPI" val="1200"/>
   <p:tag name="ORIGINALHEIGHT" val="124,5"/>
@@ -43024,25 +43841,6 @@
   <p:tag name="LATEXADDIN" val="\documentclass{article}&#10;\usepackage{amsmath}&#10;\usepackage{amsfonts}&#10;\pagestyle{empty}&#10;\begin{document}&#10;&#10;\begin{equation}&#10;\{\mathcal{I}\}\nonumber&#10;\end{equation}&#10;&#10;\end{document}"/>
   <p:tag name="IGUANATEXSIZE" val="20"/>
   <p:tag name="IGUANATEXCURSOR" val="134"/>
-  <p:tag name="TRANSPARENCY" val="True"/>
-  <p:tag name="FILENAME" val=""/>
-  <p:tag name="LATEXENGINEID" val="0"/>
-  <p:tag name="TEMPFOLDER" val="c:\temp\"/>
-  <p:tag name="LATEXFORMHEIGHT" val="312"/>
-  <p:tag name="LATEXFORMWIDTH" val="384"/>
-  <p:tag name="LATEXFORMWRAP" val="True"/>
-  <p:tag name="BITMAPVECTOR" val="0"/>
-</p:tagLst>
-</file>
-
-<file path=ppt/tags/tag76.xml><?xml version="1.0" encoding="utf-8"?>
-<p:tagLst xmlns:a="http://schemas.openxmlformats.org/drawingml/2006/main" xmlns:r="http://schemas.openxmlformats.org/officeDocument/2006/relationships" xmlns:p="http://schemas.openxmlformats.org/presentationml/2006/main">
-  <p:tag name="OUTPUTDPI" val="1200"/>
-  <p:tag name="ORIGINALHEIGHT" val="124,5"/>
-  <p:tag name="ORIGINALWIDTH" val="192,75"/>
-  <p:tag name="LATEXADDIN" val="\documentclass{article}&#10;\usepackage{amsmath}&#10;\usepackage{amsfonts}&#10;\pagestyle{empty}&#10;\begin{document}&#10;&#10;\begin{equation}&#10;\{\mathcal{B}\}\nonumber&#10;\end{equation}&#10;&#10;\end{document}"/>
-  <p:tag name="IGUANATEXSIZE" val="20"/>
-  <p:tag name="IGUANATEXCURSOR" val="132"/>
   <p:tag name="TRANSPARENCY" val="True"/>
   <p:tag name="FILENAME" val=""/>
   <p:tag name="LATEXENGINEID" val="0"/>
@@ -43062,6 +43860,25 @@
   <p:tag name="LATEXADDIN" val="\documentclass{article}&#10;\usepackage{amsmath}&#10;\usepackage{amsfonts}&#10;\pagestyle{empty}&#10;\begin{document}&#10;&#10;$T_q\mathbb{S}^2$&#10;&#10;\end{document}"/>
   <p:tag name="IGUANATEXSIZE" val="20"/>
   <p:tag name="IGUANATEXCURSOR" val="104"/>
+  <p:tag name="TRANSPARENCY" val="True"/>
+  <p:tag name="FILENAME" val=""/>
+  <p:tag name="LATEXENGINEID" val="0"/>
+  <p:tag name="TEMPFOLDER" val="c:\temp\"/>
+  <p:tag name="LATEXFORMHEIGHT" val="312"/>
+  <p:tag name="LATEXFORMWIDTH" val="384"/>
+  <p:tag name="LATEXFORMWRAP" val="True"/>
+  <p:tag name="BITMAPVECTOR" val="0"/>
+</p:tagLst>
+</file>
+
+<file path=ppt/tags/tag80.xml><?xml version="1.0" encoding="utf-8"?>
+<p:tagLst xmlns:a="http://schemas.openxmlformats.org/drawingml/2006/main" xmlns:r="http://schemas.openxmlformats.org/officeDocument/2006/relationships" xmlns:p="http://schemas.openxmlformats.org/presentationml/2006/main">
+  <p:tag name="OUTPUTDPI" val="1200"/>
+  <p:tag name="ORIGINALHEIGHT" val="124,5"/>
+  <p:tag name="ORIGINALWIDTH" val="192,75"/>
+  <p:tag name="LATEXADDIN" val="\documentclass{article}&#10;\usepackage{amsmath}&#10;\usepackage{amsfonts}&#10;\pagestyle{empty}&#10;\begin{document}&#10;&#10;\begin{equation}&#10;\{\mathcal{B}\}\nonumber&#10;\end{equation}&#10;&#10;\end{document}"/>
+  <p:tag name="IGUANATEXSIZE" val="20"/>
+  <p:tag name="IGUANATEXCURSOR" val="132"/>
   <p:tag name="TRANSPARENCY" val="True"/>
   <p:tag name="FILENAME" val=""/>
   <p:tag name="LATEXENGINEID" val="0"/>
